--- a/Presentation/Presentation.pptx
+++ b/Presentation/Presentation.pptx
@@ -6,6 +6,13 @@
   </p:sldMasterIdLst>
   <p:sldIdLst>
     <p:sldId id="256" r:id="rId2"/>
+    <p:sldId id="260" r:id="rId3"/>
+    <p:sldId id="258" r:id="rId4"/>
+    <p:sldId id="259" r:id="rId5"/>
+    <p:sldId id="262" r:id="rId6"/>
+    <p:sldId id="261" r:id="rId7"/>
+    <p:sldId id="264" r:id="rId8"/>
+    <p:sldId id="257" r:id="rId9"/>
   </p:sldIdLst>
   <p:sldSz cx="12192000" cy="6858000"/>
   <p:notesSz cx="6858000" cy="9144000"/>
@@ -112,6 +119,6814 @@
 </p:presentation>
 </file>
 
+<file path=ppt/diagrams/colors1.xml><?xml version="1.0" encoding="utf-8"?>
+<dgm:colorsDef xmlns:dgm="http://schemas.openxmlformats.org/drawingml/2006/diagram" xmlns:a="http://schemas.openxmlformats.org/drawingml/2006/main" uniqueId="urn:microsoft.com/office/officeart/2005/8/colors/ColorSchemeForSuggestions">
+  <dgm:title val="Color Scheme for Suggestions"/>
+  <dgm:desc val="Color Scheme for Suggestions"/>
+  <dgm:catLst>
+    <dgm:cat type="Other" pri="2"/>
+  </dgm:catLst>
+  <dgm:styleLbl name="node0">
+    <dgm:fillClrLst meth="repeat">
+      <a:schemeClr val="accent1"/>
+    </dgm:fillClrLst>
+    <dgm:linClrLst meth="repeat">
+      <a:schemeClr val="lt1"/>
+    </dgm:linClrLst>
+    <dgm:effectClrLst/>
+    <dgm:txLinClrLst/>
+    <dgm:txFillClrLst/>
+    <dgm:txEffectClrLst/>
+  </dgm:styleLbl>
+  <dgm:styleLbl name="alignNode1">
+    <dgm:fillClrLst meth="repeat">
+      <a:schemeClr val="accent1"/>
+    </dgm:fillClrLst>
+    <dgm:linClrLst meth="repeat">
+      <a:schemeClr val="accent1"/>
+    </dgm:linClrLst>
+    <dgm:effectClrLst/>
+    <dgm:txLinClrLst/>
+    <dgm:txFillClrLst/>
+    <dgm:txEffectClrLst/>
+  </dgm:styleLbl>
+  <dgm:styleLbl name="node1">
+    <dgm:fillClrLst meth="repeat">
+      <a:schemeClr val="accent1"/>
+    </dgm:fillClrLst>
+    <dgm:linClrLst meth="repeat">
+      <a:schemeClr val="lt1"/>
+    </dgm:linClrLst>
+    <dgm:effectClrLst/>
+    <dgm:txLinClrLst/>
+    <dgm:txFillClrLst/>
+    <dgm:txEffectClrLst/>
+  </dgm:styleLbl>
+  <dgm:styleLbl name="lnNode1">
+    <dgm:fillClrLst meth="repeat">
+      <a:schemeClr val="accent1"/>
+    </dgm:fillClrLst>
+    <dgm:linClrLst meth="repeat">
+      <a:schemeClr val="lt1"/>
+    </dgm:linClrLst>
+    <dgm:effectClrLst/>
+    <dgm:txLinClrLst/>
+    <dgm:txFillClrLst/>
+    <dgm:txEffectClrLst/>
+  </dgm:styleLbl>
+  <dgm:styleLbl name="vennNode1">
+    <dgm:fillClrLst meth="repeat">
+      <a:schemeClr val="accent1">
+        <a:alpha val="50000"/>
+      </a:schemeClr>
+    </dgm:fillClrLst>
+    <dgm:linClrLst meth="repeat">
+      <a:schemeClr val="lt1"/>
+    </dgm:linClrLst>
+    <dgm:effectClrLst/>
+    <dgm:txLinClrLst/>
+    <dgm:txFillClrLst/>
+    <dgm:txEffectClrLst/>
+  </dgm:styleLbl>
+  <dgm:styleLbl name="node2">
+    <dgm:fillClrLst meth="repeat">
+      <a:schemeClr val="accent1"/>
+    </dgm:fillClrLst>
+    <dgm:linClrLst meth="repeat">
+      <a:schemeClr val="lt1"/>
+    </dgm:linClrLst>
+    <dgm:effectClrLst/>
+    <dgm:txLinClrLst/>
+    <dgm:txFillClrLst/>
+    <dgm:txEffectClrLst/>
+  </dgm:styleLbl>
+  <dgm:styleLbl name="node3">
+    <dgm:fillClrLst meth="repeat">
+      <a:schemeClr val="accent1"/>
+    </dgm:fillClrLst>
+    <dgm:linClrLst meth="repeat">
+      <a:schemeClr val="lt1"/>
+    </dgm:linClrLst>
+    <dgm:effectClrLst/>
+    <dgm:txLinClrLst/>
+    <dgm:txFillClrLst/>
+    <dgm:txEffectClrLst/>
+  </dgm:styleLbl>
+  <dgm:styleLbl name="node4">
+    <dgm:fillClrLst meth="repeat">
+      <a:schemeClr val="accent1"/>
+    </dgm:fillClrLst>
+    <dgm:linClrLst meth="repeat">
+      <a:schemeClr val="lt1"/>
+    </dgm:linClrLst>
+    <dgm:effectClrLst/>
+    <dgm:txLinClrLst/>
+    <dgm:txFillClrLst/>
+    <dgm:txEffectClrLst/>
+  </dgm:styleLbl>
+  <dgm:styleLbl name="fgImgPlace1">
+    <dgm:fillClrLst meth="repeat">
+      <a:schemeClr val="accent1">
+        <a:tint val="50000"/>
+      </a:schemeClr>
+    </dgm:fillClrLst>
+    <dgm:linClrLst meth="repeat">
+      <a:schemeClr val="lt1"/>
+    </dgm:linClrLst>
+    <dgm:effectClrLst/>
+    <dgm:txLinClrLst/>
+    <dgm:txFillClrLst meth="repeat">
+      <a:schemeClr val="lt1"/>
+    </dgm:txFillClrLst>
+    <dgm:txEffectClrLst/>
+  </dgm:styleLbl>
+  <dgm:styleLbl name="alignImgPlace1">
+    <dgm:fillClrLst meth="repeat">
+      <a:schemeClr val="accent1">
+        <a:tint val="50000"/>
+      </a:schemeClr>
+    </dgm:fillClrLst>
+    <dgm:linClrLst meth="repeat">
+      <a:schemeClr val="lt1"/>
+    </dgm:linClrLst>
+    <dgm:effectClrLst/>
+    <dgm:txLinClrLst/>
+    <dgm:txFillClrLst meth="repeat">
+      <a:schemeClr val="lt1"/>
+    </dgm:txFillClrLst>
+    <dgm:txEffectClrLst/>
+  </dgm:styleLbl>
+  <dgm:styleLbl name="bgImgPlace1">
+    <dgm:fillClrLst meth="repeat">
+      <a:schemeClr val="accent1">
+        <a:tint val="50000"/>
+      </a:schemeClr>
+    </dgm:fillClrLst>
+    <dgm:linClrLst meth="repeat">
+      <a:schemeClr val="lt1"/>
+    </dgm:linClrLst>
+    <dgm:effectClrLst/>
+    <dgm:txLinClrLst/>
+    <dgm:txFillClrLst meth="repeat">
+      <a:schemeClr val="lt1"/>
+    </dgm:txFillClrLst>
+    <dgm:txEffectClrLst/>
+  </dgm:styleLbl>
+  <dgm:styleLbl name="sibTrans2D1">
+    <dgm:fillClrLst meth="repeat">
+      <a:schemeClr val="accent1">
+        <a:tint val="60000"/>
+      </a:schemeClr>
+    </dgm:fillClrLst>
+    <dgm:linClrLst meth="repeat">
+      <a:schemeClr val="accent1">
+        <a:tint val="60000"/>
+      </a:schemeClr>
+    </dgm:linClrLst>
+    <dgm:effectClrLst/>
+    <dgm:txLinClrLst/>
+    <dgm:txFillClrLst/>
+    <dgm:txEffectClrLst/>
+  </dgm:styleLbl>
+  <dgm:styleLbl name="fgSibTrans2D1">
+    <dgm:fillClrLst meth="repeat">
+      <a:schemeClr val="accent1">
+        <a:tint val="60000"/>
+      </a:schemeClr>
+    </dgm:fillClrLst>
+    <dgm:linClrLst meth="repeat">
+      <a:schemeClr val="accent1">
+        <a:tint val="60000"/>
+      </a:schemeClr>
+    </dgm:linClrLst>
+    <dgm:effectClrLst/>
+    <dgm:txLinClrLst/>
+    <dgm:txFillClrLst/>
+    <dgm:txEffectClrLst/>
+  </dgm:styleLbl>
+  <dgm:styleLbl name="bgSibTrans2D1">
+    <dgm:fillClrLst meth="repeat">
+      <a:schemeClr val="accent1">
+        <a:tint val="60000"/>
+      </a:schemeClr>
+    </dgm:fillClrLst>
+    <dgm:linClrLst meth="repeat">
+      <a:schemeClr val="accent1">
+        <a:tint val="60000"/>
+      </a:schemeClr>
+    </dgm:linClrLst>
+    <dgm:effectClrLst/>
+    <dgm:txLinClrLst/>
+    <dgm:txFillClrLst/>
+    <dgm:txEffectClrLst/>
+  </dgm:styleLbl>
+  <dgm:styleLbl name="sibTrans1D1">
+    <dgm:fillClrLst meth="repeat">
+      <a:schemeClr val="accent1"/>
+    </dgm:fillClrLst>
+    <dgm:linClrLst meth="repeat">
+      <a:schemeClr val="accent1"/>
+    </dgm:linClrLst>
+    <dgm:effectClrLst/>
+    <dgm:txLinClrLst/>
+    <dgm:txFillClrLst meth="repeat">
+      <a:schemeClr val="tx1"/>
+    </dgm:txFillClrLst>
+    <dgm:txEffectClrLst/>
+  </dgm:styleLbl>
+  <dgm:styleLbl name="callout">
+    <dgm:fillClrLst meth="repeat">
+      <a:schemeClr val="accent1"/>
+    </dgm:fillClrLst>
+    <dgm:linClrLst meth="repeat">
+      <a:schemeClr val="accent1">
+        <a:tint val="50000"/>
+      </a:schemeClr>
+    </dgm:linClrLst>
+    <dgm:effectClrLst/>
+    <dgm:txLinClrLst/>
+    <dgm:txFillClrLst meth="repeat">
+      <a:schemeClr val="tx1"/>
+    </dgm:txFillClrLst>
+    <dgm:txEffectClrLst/>
+  </dgm:styleLbl>
+  <dgm:styleLbl name="asst0">
+    <dgm:fillClrLst meth="repeat">
+      <a:schemeClr val="accent1"/>
+    </dgm:fillClrLst>
+    <dgm:linClrLst meth="repeat">
+      <a:schemeClr val="lt1"/>
+    </dgm:linClrLst>
+    <dgm:effectClrLst/>
+    <dgm:txLinClrLst/>
+    <dgm:txFillClrLst/>
+    <dgm:txEffectClrLst/>
+  </dgm:styleLbl>
+  <dgm:styleLbl name="asst1">
+    <dgm:fillClrLst meth="repeat">
+      <a:schemeClr val="accent1"/>
+    </dgm:fillClrLst>
+    <dgm:linClrLst meth="repeat">
+      <a:schemeClr val="lt1"/>
+    </dgm:linClrLst>
+    <dgm:effectClrLst/>
+    <dgm:txLinClrLst/>
+    <dgm:txFillClrLst/>
+    <dgm:txEffectClrLst/>
+  </dgm:styleLbl>
+  <dgm:styleLbl name="asst2">
+    <dgm:fillClrLst meth="repeat">
+      <a:schemeClr val="accent1"/>
+    </dgm:fillClrLst>
+    <dgm:linClrLst meth="repeat">
+      <a:schemeClr val="lt1"/>
+    </dgm:linClrLst>
+    <dgm:effectClrLst/>
+    <dgm:txLinClrLst/>
+    <dgm:txFillClrLst/>
+    <dgm:txEffectClrLst/>
+  </dgm:styleLbl>
+  <dgm:styleLbl name="asst3">
+    <dgm:fillClrLst meth="repeat">
+      <a:schemeClr val="accent1"/>
+    </dgm:fillClrLst>
+    <dgm:linClrLst meth="repeat">
+      <a:schemeClr val="lt1"/>
+    </dgm:linClrLst>
+    <dgm:effectClrLst/>
+    <dgm:txLinClrLst/>
+    <dgm:txFillClrLst/>
+    <dgm:txEffectClrLst/>
+  </dgm:styleLbl>
+  <dgm:styleLbl name="asst4">
+    <dgm:fillClrLst meth="repeat">
+      <a:schemeClr val="accent1"/>
+    </dgm:fillClrLst>
+    <dgm:linClrLst meth="repeat">
+      <a:schemeClr val="lt1"/>
+    </dgm:linClrLst>
+    <dgm:effectClrLst/>
+    <dgm:txLinClrLst/>
+    <dgm:txFillClrLst/>
+    <dgm:txEffectClrLst/>
+  </dgm:styleLbl>
+  <dgm:styleLbl name="parChTrans2D1">
+    <dgm:fillClrLst meth="repeat">
+      <a:schemeClr val="accent1">
+        <a:tint val="60000"/>
+      </a:schemeClr>
+    </dgm:fillClrLst>
+    <dgm:linClrLst meth="repeat">
+      <a:schemeClr val="accent1">
+        <a:tint val="60000"/>
+      </a:schemeClr>
+    </dgm:linClrLst>
+    <dgm:effectClrLst/>
+    <dgm:txLinClrLst/>
+    <dgm:txFillClrLst meth="repeat">
+      <a:schemeClr val="lt1"/>
+    </dgm:txFillClrLst>
+    <dgm:txEffectClrLst/>
+  </dgm:styleLbl>
+  <dgm:styleLbl name="parChTrans2D2">
+    <dgm:fillClrLst meth="repeat">
+      <a:schemeClr val="accent1"/>
+    </dgm:fillClrLst>
+    <dgm:linClrLst meth="repeat">
+      <a:schemeClr val="accent1"/>
+    </dgm:linClrLst>
+    <dgm:effectClrLst/>
+    <dgm:txLinClrLst/>
+    <dgm:txFillClrLst meth="repeat">
+      <a:schemeClr val="lt1"/>
+    </dgm:txFillClrLst>
+    <dgm:txEffectClrLst/>
+  </dgm:styleLbl>
+  <dgm:styleLbl name="parChTrans2D3">
+    <dgm:fillClrLst meth="repeat">
+      <a:schemeClr val="accent1"/>
+    </dgm:fillClrLst>
+    <dgm:linClrLst meth="repeat">
+      <a:schemeClr val="accent1"/>
+    </dgm:linClrLst>
+    <dgm:effectClrLst/>
+    <dgm:txLinClrLst/>
+    <dgm:txFillClrLst meth="repeat">
+      <a:schemeClr val="lt1"/>
+    </dgm:txFillClrLst>
+    <dgm:txEffectClrLst/>
+  </dgm:styleLbl>
+  <dgm:styleLbl name="parChTrans2D4">
+    <dgm:fillClrLst meth="repeat">
+      <a:schemeClr val="accent1"/>
+    </dgm:fillClrLst>
+    <dgm:linClrLst meth="repeat">
+      <a:schemeClr val="accent1"/>
+    </dgm:linClrLst>
+    <dgm:effectClrLst/>
+    <dgm:txLinClrLst/>
+    <dgm:txFillClrLst meth="repeat">
+      <a:schemeClr val="lt1"/>
+    </dgm:txFillClrLst>
+    <dgm:txEffectClrLst/>
+  </dgm:styleLbl>
+  <dgm:styleLbl name="parChTrans1D1">
+    <dgm:fillClrLst meth="repeat">
+      <a:schemeClr val="accent1"/>
+    </dgm:fillClrLst>
+    <dgm:linClrLst meth="repeat">
+      <a:schemeClr val="accent1">
+        <a:shade val="60000"/>
+      </a:schemeClr>
+    </dgm:linClrLst>
+    <dgm:effectClrLst/>
+    <dgm:txLinClrLst/>
+    <dgm:txFillClrLst meth="repeat">
+      <a:schemeClr val="tx1"/>
+    </dgm:txFillClrLst>
+    <dgm:txEffectClrLst/>
+  </dgm:styleLbl>
+  <dgm:styleLbl name="parChTrans1D2">
+    <dgm:fillClrLst meth="repeat">
+      <a:schemeClr val="accent1"/>
+    </dgm:fillClrLst>
+    <dgm:linClrLst meth="repeat">
+      <a:schemeClr val="accent1">
+        <a:shade val="60000"/>
+      </a:schemeClr>
+    </dgm:linClrLst>
+    <dgm:effectClrLst/>
+    <dgm:txLinClrLst/>
+    <dgm:txFillClrLst meth="repeat">
+      <a:schemeClr val="tx1"/>
+    </dgm:txFillClrLst>
+    <dgm:txEffectClrLst/>
+  </dgm:styleLbl>
+  <dgm:styleLbl name="parChTrans1D3">
+    <dgm:fillClrLst meth="repeat">
+      <a:schemeClr val="accent1"/>
+    </dgm:fillClrLst>
+    <dgm:linClrLst meth="repeat">
+      <a:schemeClr val="accent1">
+        <a:shade val="80000"/>
+      </a:schemeClr>
+    </dgm:linClrLst>
+    <dgm:effectClrLst/>
+    <dgm:txLinClrLst/>
+    <dgm:txFillClrLst meth="repeat">
+      <a:schemeClr val="tx1"/>
+    </dgm:txFillClrLst>
+    <dgm:txEffectClrLst/>
+  </dgm:styleLbl>
+  <dgm:styleLbl name="parChTrans1D4">
+    <dgm:fillClrLst meth="repeat">
+      <a:schemeClr val="accent1"/>
+    </dgm:fillClrLst>
+    <dgm:linClrLst meth="repeat">
+      <a:schemeClr val="accent1">
+        <a:shade val="80000"/>
+      </a:schemeClr>
+    </dgm:linClrLst>
+    <dgm:effectClrLst/>
+    <dgm:txLinClrLst/>
+    <dgm:txFillClrLst meth="repeat">
+      <a:schemeClr val="tx1"/>
+    </dgm:txFillClrLst>
+    <dgm:txEffectClrLst/>
+  </dgm:styleLbl>
+  <dgm:styleLbl name="fgAcc1">
+    <dgm:fillClrLst meth="repeat">
+      <a:schemeClr val="lt1">
+        <a:alpha val="90000"/>
+      </a:schemeClr>
+    </dgm:fillClrLst>
+    <dgm:linClrLst meth="repeat">
+      <a:schemeClr val="accent1"/>
+    </dgm:linClrLst>
+    <dgm:effectClrLst/>
+    <dgm:txLinClrLst/>
+    <dgm:txFillClrLst meth="repeat">
+      <a:schemeClr val="dk1"/>
+    </dgm:txFillClrLst>
+    <dgm:txEffectClrLst/>
+  </dgm:styleLbl>
+  <dgm:styleLbl name="conFgAcc1">
+    <dgm:fillClrLst meth="repeat">
+      <a:schemeClr val="lt1">
+        <a:alpha val="90000"/>
+      </a:schemeClr>
+    </dgm:fillClrLst>
+    <dgm:linClrLst meth="repeat">
+      <a:schemeClr val="accent1"/>
+    </dgm:linClrLst>
+    <dgm:effectClrLst/>
+    <dgm:txLinClrLst/>
+    <dgm:txFillClrLst meth="repeat">
+      <a:schemeClr val="dk1"/>
+    </dgm:txFillClrLst>
+    <dgm:txEffectClrLst/>
+  </dgm:styleLbl>
+  <dgm:styleLbl name="alignAcc1">
+    <dgm:fillClrLst meth="repeat">
+      <a:schemeClr val="lt1">
+        <a:alpha val="90000"/>
+      </a:schemeClr>
+    </dgm:fillClrLst>
+    <dgm:linClrLst meth="repeat">
+      <a:schemeClr val="accent1"/>
+    </dgm:linClrLst>
+    <dgm:effectClrLst/>
+    <dgm:txLinClrLst/>
+    <dgm:txFillClrLst meth="repeat">
+      <a:schemeClr val="dk1"/>
+    </dgm:txFillClrLst>
+    <dgm:txEffectClrLst/>
+  </dgm:styleLbl>
+  <dgm:styleLbl name="trAlignAcc1">
+    <dgm:fillClrLst meth="repeat">
+      <a:schemeClr val="lt1">
+        <a:alpha val="40000"/>
+      </a:schemeClr>
+    </dgm:fillClrLst>
+    <dgm:linClrLst meth="repeat">
+      <a:schemeClr val="accent1"/>
+    </dgm:linClrLst>
+    <dgm:effectClrLst/>
+    <dgm:txLinClrLst/>
+    <dgm:txFillClrLst meth="repeat">
+      <a:schemeClr val="dk1"/>
+    </dgm:txFillClrLst>
+    <dgm:txEffectClrLst/>
+  </dgm:styleLbl>
+  <dgm:styleLbl name="bgAcc1">
+    <dgm:fillClrLst meth="repeat">
+      <a:schemeClr val="lt1">
+        <a:alpha val="90000"/>
+      </a:schemeClr>
+    </dgm:fillClrLst>
+    <dgm:linClrLst meth="repeat">
+      <a:schemeClr val="accent1"/>
+    </dgm:linClrLst>
+    <dgm:effectClrLst/>
+    <dgm:txLinClrLst/>
+    <dgm:txFillClrLst meth="repeat">
+      <a:schemeClr val="dk1"/>
+    </dgm:txFillClrLst>
+    <dgm:txEffectClrLst/>
+  </dgm:styleLbl>
+  <dgm:styleLbl name="solidFgAcc1">
+    <dgm:fillClrLst meth="repeat">
+      <a:schemeClr val="lt1"/>
+    </dgm:fillClrLst>
+    <dgm:linClrLst meth="repeat">
+      <a:schemeClr val="accent1"/>
+    </dgm:linClrLst>
+    <dgm:effectClrLst/>
+    <dgm:txLinClrLst/>
+    <dgm:txFillClrLst meth="repeat">
+      <a:schemeClr val="dk1"/>
+    </dgm:txFillClrLst>
+    <dgm:txEffectClrLst/>
+  </dgm:styleLbl>
+  <dgm:styleLbl name="solidAlignAcc1">
+    <dgm:fillClrLst meth="repeat">
+      <a:schemeClr val="lt1"/>
+    </dgm:fillClrLst>
+    <dgm:linClrLst meth="repeat">
+      <a:schemeClr val="accent1"/>
+    </dgm:linClrLst>
+    <dgm:effectClrLst/>
+    <dgm:txLinClrLst/>
+    <dgm:txFillClrLst meth="repeat">
+      <a:schemeClr val="dk1"/>
+    </dgm:txFillClrLst>
+    <dgm:txEffectClrLst/>
+  </dgm:styleLbl>
+  <dgm:styleLbl name="solidBgAcc1">
+    <dgm:fillClrLst meth="repeat">
+      <a:schemeClr val="lt1"/>
+    </dgm:fillClrLst>
+    <dgm:linClrLst meth="repeat">
+      <a:schemeClr val="accent1"/>
+    </dgm:linClrLst>
+    <dgm:effectClrLst/>
+    <dgm:txLinClrLst/>
+    <dgm:txFillClrLst meth="repeat">
+      <a:schemeClr val="dk1"/>
+    </dgm:txFillClrLst>
+    <dgm:txEffectClrLst/>
+  </dgm:styleLbl>
+  <dgm:styleLbl name="fgAccFollowNode1">
+    <dgm:fillClrLst meth="repeat">
+      <a:schemeClr val="accent1">
+        <a:alpha val="90000"/>
+        <a:tint val="40000"/>
+      </a:schemeClr>
+    </dgm:fillClrLst>
+    <dgm:linClrLst meth="repeat">
+      <a:schemeClr val="accent1">
+        <a:alpha val="90000"/>
+        <a:tint val="40000"/>
+      </a:schemeClr>
+    </dgm:linClrLst>
+    <dgm:effectClrLst/>
+    <dgm:txLinClrLst/>
+    <dgm:txFillClrLst meth="repeat">
+      <a:schemeClr val="dk1"/>
+    </dgm:txFillClrLst>
+    <dgm:txEffectClrLst/>
+  </dgm:styleLbl>
+  <dgm:styleLbl name="alignAccFollowNode1">
+    <dgm:fillClrLst meth="repeat">
+      <a:schemeClr val="accent1">
+        <a:alpha val="90000"/>
+        <a:tint val="40000"/>
+      </a:schemeClr>
+    </dgm:fillClrLst>
+    <dgm:linClrLst meth="repeat">
+      <a:schemeClr val="accent1">
+        <a:alpha val="90000"/>
+        <a:tint val="40000"/>
+      </a:schemeClr>
+    </dgm:linClrLst>
+    <dgm:effectClrLst/>
+    <dgm:txLinClrLst/>
+    <dgm:txFillClrLst meth="repeat">
+      <a:schemeClr val="dk1"/>
+    </dgm:txFillClrLst>
+    <dgm:txEffectClrLst/>
+  </dgm:styleLbl>
+  <dgm:styleLbl name="bgAccFollowNode1">
+    <dgm:fillClrLst meth="repeat">
+      <a:schemeClr val="bg1">
+        <a:lumMod val="95000"/>
+      </a:schemeClr>
+    </dgm:fillClrLst>
+    <dgm:linClrLst>
+      <a:schemeClr val="bg1">
+        <a:lumMod val="95000"/>
+      </a:schemeClr>
+    </dgm:linClrLst>
+    <dgm:effectClrLst/>
+    <dgm:txLinClrLst/>
+    <dgm:txFillClrLst meth="repeat">
+      <a:schemeClr val="tx1">
+        <a:lumMod val="75000"/>
+        <a:lumOff val="25000"/>
+      </a:schemeClr>
+    </dgm:txFillClrLst>
+    <dgm:txEffectClrLst/>
+  </dgm:styleLbl>
+  <dgm:styleLbl name="fgAcc0">
+    <dgm:fillClrLst meth="repeat">
+      <a:schemeClr val="lt1">
+        <a:alpha val="90000"/>
+      </a:schemeClr>
+    </dgm:fillClrLst>
+    <dgm:linClrLst meth="repeat">
+      <a:schemeClr val="accent1"/>
+    </dgm:linClrLst>
+    <dgm:effectClrLst/>
+    <dgm:txLinClrLst/>
+    <dgm:txFillClrLst meth="repeat">
+      <a:schemeClr val="dk1"/>
+    </dgm:txFillClrLst>
+    <dgm:txEffectClrLst/>
+  </dgm:styleLbl>
+  <dgm:styleLbl name="fgAcc2">
+    <dgm:fillClrLst meth="repeat">
+      <a:schemeClr val="lt1">
+        <a:alpha val="90000"/>
+      </a:schemeClr>
+    </dgm:fillClrLst>
+    <dgm:linClrLst meth="repeat">
+      <a:schemeClr val="accent1"/>
+    </dgm:linClrLst>
+    <dgm:effectClrLst/>
+    <dgm:txLinClrLst/>
+    <dgm:txFillClrLst meth="repeat">
+      <a:schemeClr val="dk1"/>
+    </dgm:txFillClrLst>
+    <dgm:txEffectClrLst/>
+  </dgm:styleLbl>
+  <dgm:styleLbl name="fgAcc3">
+    <dgm:fillClrLst meth="repeat">
+      <a:schemeClr val="lt1">
+        <a:alpha val="90000"/>
+      </a:schemeClr>
+    </dgm:fillClrLst>
+    <dgm:linClrLst meth="repeat">
+      <a:schemeClr val="accent1"/>
+    </dgm:linClrLst>
+    <dgm:effectClrLst/>
+    <dgm:txLinClrLst/>
+    <dgm:txFillClrLst meth="repeat">
+      <a:schemeClr val="dk1"/>
+    </dgm:txFillClrLst>
+    <dgm:txEffectClrLst/>
+  </dgm:styleLbl>
+  <dgm:styleLbl name="fgAcc4">
+    <dgm:fillClrLst meth="repeat">
+      <a:schemeClr val="lt1">
+        <a:alpha val="90000"/>
+      </a:schemeClr>
+    </dgm:fillClrLst>
+    <dgm:linClrLst meth="repeat">
+      <a:schemeClr val="accent1"/>
+    </dgm:linClrLst>
+    <dgm:effectClrLst/>
+    <dgm:txLinClrLst/>
+    <dgm:txFillClrLst meth="repeat">
+      <a:schemeClr val="dk1"/>
+    </dgm:txFillClrLst>
+    <dgm:txEffectClrLst/>
+  </dgm:styleLbl>
+  <dgm:styleLbl name="bgShp">
+    <dgm:fillClrLst meth="repeat">
+      <a:schemeClr val="accent1">
+        <a:tint val="40000"/>
+      </a:schemeClr>
+    </dgm:fillClrLst>
+    <dgm:linClrLst meth="repeat">
+      <a:schemeClr val="accent1"/>
+    </dgm:linClrLst>
+    <dgm:effectClrLst/>
+    <dgm:txLinClrLst/>
+    <dgm:txFillClrLst meth="repeat">
+      <a:schemeClr val="dk1"/>
+    </dgm:txFillClrLst>
+    <dgm:txEffectClrLst/>
+  </dgm:styleLbl>
+  <dgm:styleLbl name="dkBgShp">
+    <dgm:fillClrLst meth="repeat">
+      <a:schemeClr val="accent1">
+        <a:shade val="80000"/>
+      </a:schemeClr>
+    </dgm:fillClrLst>
+    <dgm:linClrLst meth="repeat">
+      <a:schemeClr val="accent1"/>
+    </dgm:linClrLst>
+    <dgm:effectClrLst/>
+    <dgm:txLinClrLst/>
+    <dgm:txFillClrLst meth="repeat">
+      <a:schemeClr val="lt1"/>
+    </dgm:txFillClrLst>
+    <dgm:txEffectClrLst/>
+  </dgm:styleLbl>
+  <dgm:styleLbl name="trBgShp">
+    <dgm:fillClrLst meth="repeat">
+      <a:schemeClr val="accent1">
+        <a:tint val="50000"/>
+        <a:alpha val="40000"/>
+      </a:schemeClr>
+    </dgm:fillClrLst>
+    <dgm:linClrLst meth="repeat">
+      <a:schemeClr val="accent1"/>
+    </dgm:linClrLst>
+    <dgm:effectClrLst/>
+    <dgm:txLinClrLst/>
+    <dgm:txFillClrLst meth="repeat">
+      <a:schemeClr val="lt1"/>
+    </dgm:txFillClrLst>
+    <dgm:txEffectClrLst/>
+  </dgm:styleLbl>
+  <dgm:styleLbl name="fgShp">
+    <dgm:fillClrLst meth="repeat">
+      <a:schemeClr val="accent1">
+        <a:tint val="60000"/>
+      </a:schemeClr>
+    </dgm:fillClrLst>
+    <dgm:linClrLst meth="repeat">
+      <a:schemeClr val="lt1"/>
+    </dgm:linClrLst>
+    <dgm:effectClrLst/>
+    <dgm:txLinClrLst/>
+    <dgm:txFillClrLst meth="repeat">
+      <a:schemeClr val="dk1"/>
+    </dgm:txFillClrLst>
+    <dgm:txEffectClrLst/>
+  </dgm:styleLbl>
+  <dgm:styleLbl name="revTx">
+    <dgm:fillClrLst meth="repeat">
+      <a:schemeClr val="lt1">
+        <a:alpha val="0"/>
+      </a:schemeClr>
+    </dgm:fillClrLst>
+    <dgm:linClrLst meth="repeat">
+      <a:schemeClr val="dk1">
+        <a:alpha val="0"/>
+      </a:schemeClr>
+    </dgm:linClrLst>
+    <dgm:effectClrLst/>
+    <dgm:txLinClrLst/>
+    <dgm:txFillClrLst meth="repeat">
+      <a:schemeClr val="tx1"/>
+    </dgm:txFillClrLst>
+    <dgm:txEffectClrLst/>
+  </dgm:styleLbl>
+</dgm:colorsDef>
+</file>
+
+<file path=ppt/diagrams/colors2.xml><?xml version="1.0" encoding="utf-8"?>
+<dgm:colorsDef xmlns:dgm="http://schemas.openxmlformats.org/drawingml/2006/diagram" xmlns:a="http://schemas.openxmlformats.org/drawingml/2006/main" uniqueId="urn:microsoft.com/office/officeart/2005/8/colors/ColorSchemeForSuggestions">
+  <dgm:title val="Color Scheme for Suggestions"/>
+  <dgm:desc val="Color Scheme for Suggestions"/>
+  <dgm:catLst>
+    <dgm:cat type="Other" pri="2"/>
+  </dgm:catLst>
+  <dgm:styleLbl name="node0">
+    <dgm:fillClrLst meth="repeat">
+      <a:schemeClr val="accent1"/>
+    </dgm:fillClrLst>
+    <dgm:linClrLst meth="repeat">
+      <a:schemeClr val="lt1"/>
+    </dgm:linClrLst>
+    <dgm:effectClrLst/>
+    <dgm:txLinClrLst/>
+    <dgm:txFillClrLst/>
+    <dgm:txEffectClrLst/>
+  </dgm:styleLbl>
+  <dgm:styleLbl name="alignNode1">
+    <dgm:fillClrLst meth="repeat">
+      <a:schemeClr val="accent1"/>
+    </dgm:fillClrLst>
+    <dgm:linClrLst meth="repeat">
+      <a:schemeClr val="accent1"/>
+    </dgm:linClrLst>
+    <dgm:effectClrLst/>
+    <dgm:txLinClrLst/>
+    <dgm:txFillClrLst/>
+    <dgm:txEffectClrLst/>
+  </dgm:styleLbl>
+  <dgm:styleLbl name="node1">
+    <dgm:fillClrLst meth="repeat">
+      <a:schemeClr val="accent1"/>
+    </dgm:fillClrLst>
+    <dgm:linClrLst meth="repeat">
+      <a:schemeClr val="lt1"/>
+    </dgm:linClrLst>
+    <dgm:effectClrLst/>
+    <dgm:txLinClrLst/>
+    <dgm:txFillClrLst/>
+    <dgm:txEffectClrLst/>
+  </dgm:styleLbl>
+  <dgm:styleLbl name="lnNode1">
+    <dgm:fillClrLst meth="repeat">
+      <a:schemeClr val="accent1"/>
+    </dgm:fillClrLst>
+    <dgm:linClrLst meth="repeat">
+      <a:schemeClr val="lt1"/>
+    </dgm:linClrLst>
+    <dgm:effectClrLst/>
+    <dgm:txLinClrLst/>
+    <dgm:txFillClrLst/>
+    <dgm:txEffectClrLst/>
+  </dgm:styleLbl>
+  <dgm:styleLbl name="vennNode1">
+    <dgm:fillClrLst meth="repeat">
+      <a:schemeClr val="accent1">
+        <a:alpha val="50000"/>
+      </a:schemeClr>
+    </dgm:fillClrLst>
+    <dgm:linClrLst meth="repeat">
+      <a:schemeClr val="lt1"/>
+    </dgm:linClrLst>
+    <dgm:effectClrLst/>
+    <dgm:txLinClrLst/>
+    <dgm:txFillClrLst/>
+    <dgm:txEffectClrLst/>
+  </dgm:styleLbl>
+  <dgm:styleLbl name="node2">
+    <dgm:fillClrLst meth="repeat">
+      <a:schemeClr val="accent1"/>
+    </dgm:fillClrLst>
+    <dgm:linClrLst meth="repeat">
+      <a:schemeClr val="lt1"/>
+    </dgm:linClrLst>
+    <dgm:effectClrLst/>
+    <dgm:txLinClrLst/>
+    <dgm:txFillClrLst/>
+    <dgm:txEffectClrLst/>
+  </dgm:styleLbl>
+  <dgm:styleLbl name="node3">
+    <dgm:fillClrLst meth="repeat">
+      <a:schemeClr val="accent1"/>
+    </dgm:fillClrLst>
+    <dgm:linClrLst meth="repeat">
+      <a:schemeClr val="lt1"/>
+    </dgm:linClrLst>
+    <dgm:effectClrLst/>
+    <dgm:txLinClrLst/>
+    <dgm:txFillClrLst/>
+    <dgm:txEffectClrLst/>
+  </dgm:styleLbl>
+  <dgm:styleLbl name="node4">
+    <dgm:fillClrLst meth="repeat">
+      <a:schemeClr val="accent1"/>
+    </dgm:fillClrLst>
+    <dgm:linClrLst meth="repeat">
+      <a:schemeClr val="lt1"/>
+    </dgm:linClrLst>
+    <dgm:effectClrLst/>
+    <dgm:txLinClrLst/>
+    <dgm:txFillClrLst/>
+    <dgm:txEffectClrLst/>
+  </dgm:styleLbl>
+  <dgm:styleLbl name="fgImgPlace1">
+    <dgm:fillClrLst meth="repeat">
+      <a:schemeClr val="accent1">
+        <a:tint val="50000"/>
+      </a:schemeClr>
+    </dgm:fillClrLst>
+    <dgm:linClrLst meth="repeat">
+      <a:schemeClr val="lt1"/>
+    </dgm:linClrLst>
+    <dgm:effectClrLst/>
+    <dgm:txLinClrLst/>
+    <dgm:txFillClrLst meth="repeat">
+      <a:schemeClr val="lt1"/>
+    </dgm:txFillClrLst>
+    <dgm:txEffectClrLst/>
+  </dgm:styleLbl>
+  <dgm:styleLbl name="alignImgPlace1">
+    <dgm:fillClrLst meth="repeat">
+      <a:schemeClr val="accent1">
+        <a:tint val="50000"/>
+      </a:schemeClr>
+    </dgm:fillClrLst>
+    <dgm:linClrLst meth="repeat">
+      <a:schemeClr val="lt1"/>
+    </dgm:linClrLst>
+    <dgm:effectClrLst/>
+    <dgm:txLinClrLst/>
+    <dgm:txFillClrLst meth="repeat">
+      <a:schemeClr val="lt1"/>
+    </dgm:txFillClrLst>
+    <dgm:txEffectClrLst/>
+  </dgm:styleLbl>
+  <dgm:styleLbl name="bgImgPlace1">
+    <dgm:fillClrLst meth="repeat">
+      <a:schemeClr val="accent1">
+        <a:tint val="50000"/>
+      </a:schemeClr>
+    </dgm:fillClrLst>
+    <dgm:linClrLst meth="repeat">
+      <a:schemeClr val="lt1"/>
+    </dgm:linClrLst>
+    <dgm:effectClrLst/>
+    <dgm:txLinClrLst/>
+    <dgm:txFillClrLst meth="repeat">
+      <a:schemeClr val="lt1"/>
+    </dgm:txFillClrLst>
+    <dgm:txEffectClrLst/>
+  </dgm:styleLbl>
+  <dgm:styleLbl name="sibTrans2D1">
+    <dgm:fillClrLst meth="repeat">
+      <a:schemeClr val="accent1">
+        <a:tint val="60000"/>
+      </a:schemeClr>
+    </dgm:fillClrLst>
+    <dgm:linClrLst meth="repeat">
+      <a:schemeClr val="accent1">
+        <a:tint val="60000"/>
+      </a:schemeClr>
+    </dgm:linClrLst>
+    <dgm:effectClrLst/>
+    <dgm:txLinClrLst/>
+    <dgm:txFillClrLst/>
+    <dgm:txEffectClrLst/>
+  </dgm:styleLbl>
+  <dgm:styleLbl name="fgSibTrans2D1">
+    <dgm:fillClrLst meth="repeat">
+      <a:schemeClr val="accent1">
+        <a:tint val="60000"/>
+      </a:schemeClr>
+    </dgm:fillClrLst>
+    <dgm:linClrLst meth="repeat">
+      <a:schemeClr val="accent1">
+        <a:tint val="60000"/>
+      </a:schemeClr>
+    </dgm:linClrLst>
+    <dgm:effectClrLst/>
+    <dgm:txLinClrLst/>
+    <dgm:txFillClrLst/>
+    <dgm:txEffectClrLst/>
+  </dgm:styleLbl>
+  <dgm:styleLbl name="bgSibTrans2D1">
+    <dgm:fillClrLst meth="repeat">
+      <a:schemeClr val="accent1">
+        <a:tint val="60000"/>
+      </a:schemeClr>
+    </dgm:fillClrLst>
+    <dgm:linClrLst meth="repeat">
+      <a:schemeClr val="accent1">
+        <a:tint val="60000"/>
+      </a:schemeClr>
+    </dgm:linClrLst>
+    <dgm:effectClrLst/>
+    <dgm:txLinClrLst/>
+    <dgm:txFillClrLst/>
+    <dgm:txEffectClrLst/>
+  </dgm:styleLbl>
+  <dgm:styleLbl name="sibTrans1D1">
+    <dgm:fillClrLst meth="repeat">
+      <a:schemeClr val="accent1"/>
+    </dgm:fillClrLst>
+    <dgm:linClrLst meth="repeat">
+      <a:schemeClr val="accent1"/>
+    </dgm:linClrLst>
+    <dgm:effectClrLst/>
+    <dgm:txLinClrLst/>
+    <dgm:txFillClrLst meth="repeat">
+      <a:schemeClr val="tx1"/>
+    </dgm:txFillClrLst>
+    <dgm:txEffectClrLst/>
+  </dgm:styleLbl>
+  <dgm:styleLbl name="callout">
+    <dgm:fillClrLst meth="repeat">
+      <a:schemeClr val="accent1"/>
+    </dgm:fillClrLst>
+    <dgm:linClrLst meth="repeat">
+      <a:schemeClr val="accent1">
+        <a:tint val="50000"/>
+      </a:schemeClr>
+    </dgm:linClrLst>
+    <dgm:effectClrLst/>
+    <dgm:txLinClrLst/>
+    <dgm:txFillClrLst meth="repeat">
+      <a:schemeClr val="tx1"/>
+    </dgm:txFillClrLst>
+    <dgm:txEffectClrLst/>
+  </dgm:styleLbl>
+  <dgm:styleLbl name="asst0">
+    <dgm:fillClrLst meth="repeat">
+      <a:schemeClr val="accent1"/>
+    </dgm:fillClrLst>
+    <dgm:linClrLst meth="repeat">
+      <a:schemeClr val="lt1"/>
+    </dgm:linClrLst>
+    <dgm:effectClrLst/>
+    <dgm:txLinClrLst/>
+    <dgm:txFillClrLst/>
+    <dgm:txEffectClrLst/>
+  </dgm:styleLbl>
+  <dgm:styleLbl name="asst1">
+    <dgm:fillClrLst meth="repeat">
+      <a:schemeClr val="accent1"/>
+    </dgm:fillClrLst>
+    <dgm:linClrLst meth="repeat">
+      <a:schemeClr val="lt1"/>
+    </dgm:linClrLst>
+    <dgm:effectClrLst/>
+    <dgm:txLinClrLst/>
+    <dgm:txFillClrLst/>
+    <dgm:txEffectClrLst/>
+  </dgm:styleLbl>
+  <dgm:styleLbl name="asst2">
+    <dgm:fillClrLst meth="repeat">
+      <a:schemeClr val="accent1"/>
+    </dgm:fillClrLst>
+    <dgm:linClrLst meth="repeat">
+      <a:schemeClr val="lt1"/>
+    </dgm:linClrLst>
+    <dgm:effectClrLst/>
+    <dgm:txLinClrLst/>
+    <dgm:txFillClrLst/>
+    <dgm:txEffectClrLst/>
+  </dgm:styleLbl>
+  <dgm:styleLbl name="asst3">
+    <dgm:fillClrLst meth="repeat">
+      <a:schemeClr val="accent1"/>
+    </dgm:fillClrLst>
+    <dgm:linClrLst meth="repeat">
+      <a:schemeClr val="lt1"/>
+    </dgm:linClrLst>
+    <dgm:effectClrLst/>
+    <dgm:txLinClrLst/>
+    <dgm:txFillClrLst/>
+    <dgm:txEffectClrLst/>
+  </dgm:styleLbl>
+  <dgm:styleLbl name="asst4">
+    <dgm:fillClrLst meth="repeat">
+      <a:schemeClr val="accent1"/>
+    </dgm:fillClrLst>
+    <dgm:linClrLst meth="repeat">
+      <a:schemeClr val="lt1"/>
+    </dgm:linClrLst>
+    <dgm:effectClrLst/>
+    <dgm:txLinClrLst/>
+    <dgm:txFillClrLst/>
+    <dgm:txEffectClrLst/>
+  </dgm:styleLbl>
+  <dgm:styleLbl name="parChTrans2D1">
+    <dgm:fillClrLst meth="repeat">
+      <a:schemeClr val="accent1">
+        <a:tint val="60000"/>
+      </a:schemeClr>
+    </dgm:fillClrLst>
+    <dgm:linClrLst meth="repeat">
+      <a:schemeClr val="accent1">
+        <a:tint val="60000"/>
+      </a:schemeClr>
+    </dgm:linClrLst>
+    <dgm:effectClrLst/>
+    <dgm:txLinClrLst/>
+    <dgm:txFillClrLst meth="repeat">
+      <a:schemeClr val="lt1"/>
+    </dgm:txFillClrLst>
+    <dgm:txEffectClrLst/>
+  </dgm:styleLbl>
+  <dgm:styleLbl name="parChTrans2D2">
+    <dgm:fillClrLst meth="repeat">
+      <a:schemeClr val="accent1"/>
+    </dgm:fillClrLst>
+    <dgm:linClrLst meth="repeat">
+      <a:schemeClr val="accent1"/>
+    </dgm:linClrLst>
+    <dgm:effectClrLst/>
+    <dgm:txLinClrLst/>
+    <dgm:txFillClrLst meth="repeat">
+      <a:schemeClr val="lt1"/>
+    </dgm:txFillClrLst>
+    <dgm:txEffectClrLst/>
+  </dgm:styleLbl>
+  <dgm:styleLbl name="parChTrans2D3">
+    <dgm:fillClrLst meth="repeat">
+      <a:schemeClr val="accent1"/>
+    </dgm:fillClrLst>
+    <dgm:linClrLst meth="repeat">
+      <a:schemeClr val="accent1"/>
+    </dgm:linClrLst>
+    <dgm:effectClrLst/>
+    <dgm:txLinClrLst/>
+    <dgm:txFillClrLst meth="repeat">
+      <a:schemeClr val="lt1"/>
+    </dgm:txFillClrLst>
+    <dgm:txEffectClrLst/>
+  </dgm:styleLbl>
+  <dgm:styleLbl name="parChTrans2D4">
+    <dgm:fillClrLst meth="repeat">
+      <a:schemeClr val="accent1"/>
+    </dgm:fillClrLst>
+    <dgm:linClrLst meth="repeat">
+      <a:schemeClr val="accent1"/>
+    </dgm:linClrLst>
+    <dgm:effectClrLst/>
+    <dgm:txLinClrLst/>
+    <dgm:txFillClrLst meth="repeat">
+      <a:schemeClr val="lt1"/>
+    </dgm:txFillClrLst>
+    <dgm:txEffectClrLst/>
+  </dgm:styleLbl>
+  <dgm:styleLbl name="parChTrans1D1">
+    <dgm:fillClrLst meth="repeat">
+      <a:schemeClr val="accent1"/>
+    </dgm:fillClrLst>
+    <dgm:linClrLst meth="repeat">
+      <a:schemeClr val="accent1">
+        <a:shade val="60000"/>
+      </a:schemeClr>
+    </dgm:linClrLst>
+    <dgm:effectClrLst/>
+    <dgm:txLinClrLst/>
+    <dgm:txFillClrLst meth="repeat">
+      <a:schemeClr val="tx1"/>
+    </dgm:txFillClrLst>
+    <dgm:txEffectClrLst/>
+  </dgm:styleLbl>
+  <dgm:styleLbl name="parChTrans1D2">
+    <dgm:fillClrLst meth="repeat">
+      <a:schemeClr val="accent1"/>
+    </dgm:fillClrLst>
+    <dgm:linClrLst meth="repeat">
+      <a:schemeClr val="accent1">
+        <a:shade val="60000"/>
+      </a:schemeClr>
+    </dgm:linClrLst>
+    <dgm:effectClrLst/>
+    <dgm:txLinClrLst/>
+    <dgm:txFillClrLst meth="repeat">
+      <a:schemeClr val="tx1"/>
+    </dgm:txFillClrLst>
+    <dgm:txEffectClrLst/>
+  </dgm:styleLbl>
+  <dgm:styleLbl name="parChTrans1D3">
+    <dgm:fillClrLst meth="repeat">
+      <a:schemeClr val="accent1"/>
+    </dgm:fillClrLst>
+    <dgm:linClrLst meth="repeat">
+      <a:schemeClr val="accent1">
+        <a:shade val="80000"/>
+      </a:schemeClr>
+    </dgm:linClrLst>
+    <dgm:effectClrLst/>
+    <dgm:txLinClrLst/>
+    <dgm:txFillClrLst meth="repeat">
+      <a:schemeClr val="tx1"/>
+    </dgm:txFillClrLst>
+    <dgm:txEffectClrLst/>
+  </dgm:styleLbl>
+  <dgm:styleLbl name="parChTrans1D4">
+    <dgm:fillClrLst meth="repeat">
+      <a:schemeClr val="accent1"/>
+    </dgm:fillClrLst>
+    <dgm:linClrLst meth="repeat">
+      <a:schemeClr val="accent1">
+        <a:shade val="80000"/>
+      </a:schemeClr>
+    </dgm:linClrLst>
+    <dgm:effectClrLst/>
+    <dgm:txLinClrLst/>
+    <dgm:txFillClrLst meth="repeat">
+      <a:schemeClr val="tx1"/>
+    </dgm:txFillClrLst>
+    <dgm:txEffectClrLst/>
+  </dgm:styleLbl>
+  <dgm:styleLbl name="fgAcc1">
+    <dgm:fillClrLst meth="repeat">
+      <a:schemeClr val="lt1">
+        <a:alpha val="90000"/>
+      </a:schemeClr>
+    </dgm:fillClrLst>
+    <dgm:linClrLst meth="repeat">
+      <a:schemeClr val="accent1"/>
+    </dgm:linClrLst>
+    <dgm:effectClrLst/>
+    <dgm:txLinClrLst/>
+    <dgm:txFillClrLst meth="repeat">
+      <a:schemeClr val="dk1"/>
+    </dgm:txFillClrLst>
+    <dgm:txEffectClrLst/>
+  </dgm:styleLbl>
+  <dgm:styleLbl name="conFgAcc1">
+    <dgm:fillClrLst meth="repeat">
+      <a:schemeClr val="lt1">
+        <a:alpha val="90000"/>
+      </a:schemeClr>
+    </dgm:fillClrLst>
+    <dgm:linClrLst meth="repeat">
+      <a:schemeClr val="accent1"/>
+    </dgm:linClrLst>
+    <dgm:effectClrLst/>
+    <dgm:txLinClrLst/>
+    <dgm:txFillClrLst meth="repeat">
+      <a:schemeClr val="dk1"/>
+    </dgm:txFillClrLst>
+    <dgm:txEffectClrLst/>
+  </dgm:styleLbl>
+  <dgm:styleLbl name="alignAcc1">
+    <dgm:fillClrLst meth="repeat">
+      <a:schemeClr val="lt1">
+        <a:alpha val="90000"/>
+      </a:schemeClr>
+    </dgm:fillClrLst>
+    <dgm:linClrLst meth="repeat">
+      <a:schemeClr val="accent1"/>
+    </dgm:linClrLst>
+    <dgm:effectClrLst/>
+    <dgm:txLinClrLst/>
+    <dgm:txFillClrLst meth="repeat">
+      <a:schemeClr val="dk1"/>
+    </dgm:txFillClrLst>
+    <dgm:txEffectClrLst/>
+  </dgm:styleLbl>
+  <dgm:styleLbl name="trAlignAcc1">
+    <dgm:fillClrLst meth="repeat">
+      <a:schemeClr val="lt1">
+        <a:alpha val="40000"/>
+      </a:schemeClr>
+    </dgm:fillClrLst>
+    <dgm:linClrLst meth="repeat">
+      <a:schemeClr val="accent1"/>
+    </dgm:linClrLst>
+    <dgm:effectClrLst/>
+    <dgm:txLinClrLst/>
+    <dgm:txFillClrLst meth="repeat">
+      <a:schemeClr val="dk1"/>
+    </dgm:txFillClrLst>
+    <dgm:txEffectClrLst/>
+  </dgm:styleLbl>
+  <dgm:styleLbl name="bgAcc1">
+    <dgm:fillClrLst meth="repeat">
+      <a:schemeClr val="lt1">
+        <a:alpha val="90000"/>
+      </a:schemeClr>
+    </dgm:fillClrLst>
+    <dgm:linClrLst meth="repeat">
+      <a:schemeClr val="accent1"/>
+    </dgm:linClrLst>
+    <dgm:effectClrLst/>
+    <dgm:txLinClrLst/>
+    <dgm:txFillClrLst meth="repeat">
+      <a:schemeClr val="dk1"/>
+    </dgm:txFillClrLst>
+    <dgm:txEffectClrLst/>
+  </dgm:styleLbl>
+  <dgm:styleLbl name="solidFgAcc1">
+    <dgm:fillClrLst meth="repeat">
+      <a:schemeClr val="lt1"/>
+    </dgm:fillClrLst>
+    <dgm:linClrLst meth="repeat">
+      <a:schemeClr val="accent1"/>
+    </dgm:linClrLst>
+    <dgm:effectClrLst/>
+    <dgm:txLinClrLst/>
+    <dgm:txFillClrLst meth="repeat">
+      <a:schemeClr val="dk1"/>
+    </dgm:txFillClrLst>
+    <dgm:txEffectClrLst/>
+  </dgm:styleLbl>
+  <dgm:styleLbl name="solidAlignAcc1">
+    <dgm:fillClrLst meth="repeat">
+      <a:schemeClr val="lt1"/>
+    </dgm:fillClrLst>
+    <dgm:linClrLst meth="repeat">
+      <a:schemeClr val="accent1"/>
+    </dgm:linClrLst>
+    <dgm:effectClrLst/>
+    <dgm:txLinClrLst/>
+    <dgm:txFillClrLst meth="repeat">
+      <a:schemeClr val="dk1"/>
+    </dgm:txFillClrLst>
+    <dgm:txEffectClrLst/>
+  </dgm:styleLbl>
+  <dgm:styleLbl name="solidBgAcc1">
+    <dgm:fillClrLst meth="repeat">
+      <a:schemeClr val="lt1"/>
+    </dgm:fillClrLst>
+    <dgm:linClrLst meth="repeat">
+      <a:schemeClr val="accent1"/>
+    </dgm:linClrLst>
+    <dgm:effectClrLst/>
+    <dgm:txLinClrLst/>
+    <dgm:txFillClrLst meth="repeat">
+      <a:schemeClr val="dk1"/>
+    </dgm:txFillClrLst>
+    <dgm:txEffectClrLst/>
+  </dgm:styleLbl>
+  <dgm:styleLbl name="fgAccFollowNode1">
+    <dgm:fillClrLst meth="repeat">
+      <a:schemeClr val="accent1">
+        <a:alpha val="90000"/>
+        <a:tint val="40000"/>
+      </a:schemeClr>
+    </dgm:fillClrLst>
+    <dgm:linClrLst meth="repeat">
+      <a:schemeClr val="accent1">
+        <a:alpha val="90000"/>
+        <a:tint val="40000"/>
+      </a:schemeClr>
+    </dgm:linClrLst>
+    <dgm:effectClrLst/>
+    <dgm:txLinClrLst/>
+    <dgm:txFillClrLst meth="repeat">
+      <a:schemeClr val="dk1"/>
+    </dgm:txFillClrLst>
+    <dgm:txEffectClrLst/>
+  </dgm:styleLbl>
+  <dgm:styleLbl name="alignAccFollowNode1">
+    <dgm:fillClrLst meth="repeat">
+      <a:schemeClr val="accent1">
+        <a:alpha val="90000"/>
+        <a:tint val="40000"/>
+      </a:schemeClr>
+    </dgm:fillClrLst>
+    <dgm:linClrLst meth="repeat">
+      <a:schemeClr val="accent1">
+        <a:alpha val="90000"/>
+        <a:tint val="40000"/>
+      </a:schemeClr>
+    </dgm:linClrLst>
+    <dgm:effectClrLst/>
+    <dgm:txLinClrLst/>
+    <dgm:txFillClrLst meth="repeat">
+      <a:schemeClr val="dk1"/>
+    </dgm:txFillClrLst>
+    <dgm:txEffectClrLst/>
+  </dgm:styleLbl>
+  <dgm:styleLbl name="bgAccFollowNode1">
+    <dgm:fillClrLst meth="repeat">
+      <a:schemeClr val="bg1">
+        <a:lumMod val="95000"/>
+      </a:schemeClr>
+    </dgm:fillClrLst>
+    <dgm:linClrLst>
+      <a:schemeClr val="bg1">
+        <a:lumMod val="95000"/>
+      </a:schemeClr>
+    </dgm:linClrLst>
+    <dgm:effectClrLst/>
+    <dgm:txLinClrLst/>
+    <dgm:txFillClrLst meth="repeat">
+      <a:schemeClr val="tx1">
+        <a:lumMod val="75000"/>
+        <a:lumOff val="25000"/>
+      </a:schemeClr>
+    </dgm:txFillClrLst>
+    <dgm:txEffectClrLst/>
+  </dgm:styleLbl>
+  <dgm:styleLbl name="fgAcc0">
+    <dgm:fillClrLst meth="repeat">
+      <a:schemeClr val="lt1">
+        <a:alpha val="90000"/>
+      </a:schemeClr>
+    </dgm:fillClrLst>
+    <dgm:linClrLst meth="repeat">
+      <a:schemeClr val="accent1"/>
+    </dgm:linClrLst>
+    <dgm:effectClrLst/>
+    <dgm:txLinClrLst/>
+    <dgm:txFillClrLst meth="repeat">
+      <a:schemeClr val="dk1"/>
+    </dgm:txFillClrLst>
+    <dgm:txEffectClrLst/>
+  </dgm:styleLbl>
+  <dgm:styleLbl name="fgAcc2">
+    <dgm:fillClrLst meth="repeat">
+      <a:schemeClr val="lt1">
+        <a:alpha val="90000"/>
+      </a:schemeClr>
+    </dgm:fillClrLst>
+    <dgm:linClrLst meth="repeat">
+      <a:schemeClr val="accent1"/>
+    </dgm:linClrLst>
+    <dgm:effectClrLst/>
+    <dgm:txLinClrLst/>
+    <dgm:txFillClrLst meth="repeat">
+      <a:schemeClr val="dk1"/>
+    </dgm:txFillClrLst>
+    <dgm:txEffectClrLst/>
+  </dgm:styleLbl>
+  <dgm:styleLbl name="fgAcc3">
+    <dgm:fillClrLst meth="repeat">
+      <a:schemeClr val="lt1">
+        <a:alpha val="90000"/>
+      </a:schemeClr>
+    </dgm:fillClrLst>
+    <dgm:linClrLst meth="repeat">
+      <a:schemeClr val="accent1"/>
+    </dgm:linClrLst>
+    <dgm:effectClrLst/>
+    <dgm:txLinClrLst/>
+    <dgm:txFillClrLst meth="repeat">
+      <a:schemeClr val="dk1"/>
+    </dgm:txFillClrLst>
+    <dgm:txEffectClrLst/>
+  </dgm:styleLbl>
+  <dgm:styleLbl name="fgAcc4">
+    <dgm:fillClrLst meth="repeat">
+      <a:schemeClr val="lt1">
+        <a:alpha val="90000"/>
+      </a:schemeClr>
+    </dgm:fillClrLst>
+    <dgm:linClrLst meth="repeat">
+      <a:schemeClr val="accent1"/>
+    </dgm:linClrLst>
+    <dgm:effectClrLst/>
+    <dgm:txLinClrLst/>
+    <dgm:txFillClrLst meth="repeat">
+      <a:schemeClr val="dk1"/>
+    </dgm:txFillClrLst>
+    <dgm:txEffectClrLst/>
+  </dgm:styleLbl>
+  <dgm:styleLbl name="bgShp">
+    <dgm:fillClrLst meth="repeat">
+      <a:schemeClr val="accent1">
+        <a:tint val="40000"/>
+      </a:schemeClr>
+    </dgm:fillClrLst>
+    <dgm:linClrLst meth="repeat">
+      <a:schemeClr val="accent1"/>
+    </dgm:linClrLst>
+    <dgm:effectClrLst/>
+    <dgm:txLinClrLst/>
+    <dgm:txFillClrLst meth="repeat">
+      <a:schemeClr val="dk1"/>
+    </dgm:txFillClrLst>
+    <dgm:txEffectClrLst/>
+  </dgm:styleLbl>
+  <dgm:styleLbl name="dkBgShp">
+    <dgm:fillClrLst meth="repeat">
+      <a:schemeClr val="accent1">
+        <a:shade val="80000"/>
+      </a:schemeClr>
+    </dgm:fillClrLst>
+    <dgm:linClrLst meth="repeat">
+      <a:schemeClr val="accent1"/>
+    </dgm:linClrLst>
+    <dgm:effectClrLst/>
+    <dgm:txLinClrLst/>
+    <dgm:txFillClrLst meth="repeat">
+      <a:schemeClr val="lt1"/>
+    </dgm:txFillClrLst>
+    <dgm:txEffectClrLst/>
+  </dgm:styleLbl>
+  <dgm:styleLbl name="trBgShp">
+    <dgm:fillClrLst meth="repeat">
+      <a:schemeClr val="accent1">
+        <a:tint val="50000"/>
+        <a:alpha val="40000"/>
+      </a:schemeClr>
+    </dgm:fillClrLst>
+    <dgm:linClrLst meth="repeat">
+      <a:schemeClr val="accent1"/>
+    </dgm:linClrLst>
+    <dgm:effectClrLst/>
+    <dgm:txLinClrLst/>
+    <dgm:txFillClrLst meth="repeat">
+      <a:schemeClr val="lt1"/>
+    </dgm:txFillClrLst>
+    <dgm:txEffectClrLst/>
+  </dgm:styleLbl>
+  <dgm:styleLbl name="fgShp">
+    <dgm:fillClrLst meth="repeat">
+      <a:schemeClr val="accent1">
+        <a:tint val="60000"/>
+      </a:schemeClr>
+    </dgm:fillClrLst>
+    <dgm:linClrLst meth="repeat">
+      <a:schemeClr val="lt1"/>
+    </dgm:linClrLst>
+    <dgm:effectClrLst/>
+    <dgm:txLinClrLst/>
+    <dgm:txFillClrLst meth="repeat">
+      <a:schemeClr val="dk1"/>
+    </dgm:txFillClrLst>
+    <dgm:txEffectClrLst/>
+  </dgm:styleLbl>
+  <dgm:styleLbl name="revTx">
+    <dgm:fillClrLst meth="repeat">
+      <a:schemeClr val="lt1">
+        <a:alpha val="0"/>
+      </a:schemeClr>
+    </dgm:fillClrLst>
+    <dgm:linClrLst meth="repeat">
+      <a:schemeClr val="dk1">
+        <a:alpha val="0"/>
+      </a:schemeClr>
+    </dgm:linClrLst>
+    <dgm:effectClrLst/>
+    <dgm:txLinClrLst/>
+    <dgm:txFillClrLst meth="repeat">
+      <a:schemeClr val="tx1"/>
+    </dgm:txFillClrLst>
+    <dgm:txEffectClrLst/>
+  </dgm:styleLbl>
+</dgm:colorsDef>
+</file>
+
+<file path=ppt/diagrams/data1.xml><?xml version="1.0" encoding="utf-8"?>
+<dgm:dataModel xmlns:dgm="http://schemas.openxmlformats.org/drawingml/2006/diagram" xmlns:a="http://schemas.openxmlformats.org/drawingml/2006/main">
+  <dgm:ptLst>
+    <dgm:pt modelId="{8C8C5CB6-8D97-4B7A-99DB-2CE5859E52FC}" type="doc">
+      <dgm:prSet loTypeId="urn:microsoft.com/office/officeart/2016/7/layout/BasicLinearProcessNumbered" loCatId="process" qsTypeId="urn:microsoft.com/office/officeart/2005/8/quickstyle/simple1" qsCatId="simple" csTypeId="urn:microsoft.com/office/officeart/2005/8/colors/ColorSchemeForSuggestions" csCatId="other" phldr="1"/>
+      <dgm:spPr/>
+      <dgm:t>
+        <a:bodyPr/>
+        <a:lstStyle/>
+        <a:p>
+          <a:endParaRPr lang="en-US"/>
+        </a:p>
+      </dgm:t>
+    </dgm:pt>
+    <dgm:pt modelId="{F3C78B03-AC34-4B6E-9893-80ABC5B4D408}">
+      <dgm:prSet custT="1"/>
+      <dgm:spPr/>
+      <dgm:t>
+        <a:bodyPr/>
+        <a:lstStyle/>
+        <a:p>
+          <a:pPr algn="ctr"/>
+          <a:r>
+            <a:rPr lang="en-US" sz="2000" dirty="0"/>
+            <a:t>Context</a:t>
+          </a:r>
+        </a:p>
+        <a:p>
+          <a:pPr algn="ctr"/>
+          <a:r>
+            <a:rPr lang="en-US" sz="1600" dirty="0"/>
+            <a:t>Location awareness</a:t>
+          </a:r>
+        </a:p>
+      </dgm:t>
+    </dgm:pt>
+    <dgm:pt modelId="{2283EF88-DB16-4BDA-A23C-E8B77474016D}" type="parTrans" cxnId="{04E86221-C6C1-41B0-B971-715364DC5496}">
+      <dgm:prSet/>
+      <dgm:spPr/>
+      <dgm:t>
+        <a:bodyPr/>
+        <a:lstStyle/>
+        <a:p>
+          <a:endParaRPr lang="en-US"/>
+        </a:p>
+      </dgm:t>
+    </dgm:pt>
+    <dgm:pt modelId="{7719C351-1624-4952-B836-669A2236CE7A}" type="sibTrans" cxnId="{04E86221-C6C1-41B0-B971-715364DC5496}">
+      <dgm:prSet phldrT="1" phldr="0"/>
+      <dgm:spPr>
+        <a:solidFill>
+          <a:srgbClr val="43B02A"/>
+        </a:solidFill>
+      </dgm:spPr>
+      <dgm:t>
+        <a:bodyPr/>
+        <a:lstStyle/>
+        <a:p>
+          <a:r>
+            <a:rPr lang="en-US" dirty="0"/>
+            <a:t>1</a:t>
+          </a:r>
+        </a:p>
+      </dgm:t>
+    </dgm:pt>
+    <dgm:pt modelId="{747CEA16-7606-4CD5-8B24-F474A4E3739B}">
+      <dgm:prSet custT="1"/>
+      <dgm:spPr/>
+      <dgm:t>
+        <a:bodyPr/>
+        <a:lstStyle/>
+        <a:p>
+          <a:pPr algn="ctr"/>
+          <a:r>
+            <a:rPr lang="en-US" sz="2000" dirty="0"/>
+            <a:t>Availability</a:t>
+          </a:r>
+        </a:p>
+        <a:p>
+          <a:pPr algn="ctr"/>
+          <a:r>
+            <a:rPr lang="en-US" sz="1600" dirty="0"/>
+            <a:t>Most used form factor</a:t>
+          </a:r>
+        </a:p>
+      </dgm:t>
+    </dgm:pt>
+    <dgm:pt modelId="{A715A50B-8AC1-47B8-8D82-AACF5F26B82E}" type="parTrans" cxnId="{67C824D3-D0AB-4842-B4BA-B906B3481EF9}">
+      <dgm:prSet/>
+      <dgm:spPr/>
+      <dgm:t>
+        <a:bodyPr/>
+        <a:lstStyle/>
+        <a:p>
+          <a:endParaRPr lang="en-US"/>
+        </a:p>
+      </dgm:t>
+    </dgm:pt>
+    <dgm:pt modelId="{51988A88-3DCB-4B61-9998-FAAA88AC3653}" type="sibTrans" cxnId="{67C824D3-D0AB-4842-B4BA-B906B3481EF9}">
+      <dgm:prSet phldrT="2" phldr="0"/>
+      <dgm:spPr>
+        <a:solidFill>
+          <a:srgbClr val="43B02A"/>
+        </a:solidFill>
+      </dgm:spPr>
+      <dgm:t>
+        <a:bodyPr/>
+        <a:lstStyle/>
+        <a:p>
+          <a:r>
+            <a:rPr lang="en-US" dirty="0"/>
+            <a:t>2</a:t>
+          </a:r>
+        </a:p>
+      </dgm:t>
+    </dgm:pt>
+    <dgm:pt modelId="{98530C36-F109-4607-BFDE-BC391E73C4BC}">
+      <dgm:prSet custT="1"/>
+      <dgm:spPr/>
+      <dgm:t>
+        <a:bodyPr/>
+        <a:lstStyle/>
+        <a:p>
+          <a:pPr algn="ctr"/>
+          <a:r>
+            <a:rPr lang="en-US" sz="2000" dirty="0"/>
+            <a:t>Reach</a:t>
+          </a:r>
+        </a:p>
+        <a:p>
+          <a:pPr algn="ctr"/>
+          <a:r>
+            <a:rPr lang="en-US" sz="1600" dirty="0"/>
+            <a:t>Reach people when needed</a:t>
+          </a:r>
+        </a:p>
+      </dgm:t>
+    </dgm:pt>
+    <dgm:pt modelId="{5F59E2C3-9ABA-45D6-B273-0DF6B9BBFAD0}" type="parTrans" cxnId="{A7C1085A-CDED-4D32-AF16-A1C908924C22}">
+      <dgm:prSet/>
+      <dgm:spPr/>
+      <dgm:t>
+        <a:bodyPr/>
+        <a:lstStyle/>
+        <a:p>
+          <a:endParaRPr lang="en-US"/>
+        </a:p>
+      </dgm:t>
+    </dgm:pt>
+    <dgm:pt modelId="{9C3C60AF-6A38-4D80-8A0D-4279AD83CE63}" type="sibTrans" cxnId="{A7C1085A-CDED-4D32-AF16-A1C908924C22}">
+      <dgm:prSet phldrT="3" phldr="0"/>
+      <dgm:spPr>
+        <a:solidFill>
+          <a:srgbClr val="43B02A"/>
+        </a:solidFill>
+      </dgm:spPr>
+      <dgm:t>
+        <a:bodyPr/>
+        <a:lstStyle/>
+        <a:p>
+          <a:r>
+            <a:rPr lang="en-US" dirty="0"/>
+            <a:t>3</a:t>
+          </a:r>
+        </a:p>
+      </dgm:t>
+    </dgm:pt>
+    <dgm:pt modelId="{874AABA0-E5A4-4AB0-B6CA-03C561803974}">
+      <dgm:prSet custT="1"/>
+      <dgm:spPr/>
+      <dgm:t>
+        <a:bodyPr/>
+        <a:lstStyle/>
+        <a:p>
+          <a:pPr algn="ctr"/>
+          <a:r>
+            <a:rPr lang="en-US" sz="2000" dirty="0"/>
+            <a:t>Sharing</a:t>
+          </a:r>
+        </a:p>
+        <a:p>
+          <a:pPr algn="ctr"/>
+          <a:r>
+            <a:rPr lang="en-US" sz="1600" dirty="0"/>
+            <a:t>Camera</a:t>
+          </a:r>
+        </a:p>
+        <a:p>
+          <a:pPr algn="ctr"/>
+          <a:r>
+            <a:rPr lang="en-US" sz="1600" dirty="0"/>
+            <a:t>Maps</a:t>
+          </a:r>
+        </a:p>
+      </dgm:t>
+    </dgm:pt>
+    <dgm:pt modelId="{8A063C10-EB1C-4F73-A357-B7F6848AF871}" type="parTrans" cxnId="{E51DA8E2-7E29-4650-BD4B-BA45A96D6F10}">
+      <dgm:prSet/>
+      <dgm:spPr/>
+      <dgm:t>
+        <a:bodyPr/>
+        <a:lstStyle/>
+        <a:p>
+          <a:endParaRPr lang="en-US"/>
+        </a:p>
+      </dgm:t>
+    </dgm:pt>
+    <dgm:pt modelId="{19E745A0-E5B9-4A0B-BB88-6D7DCF47622D}" type="sibTrans" cxnId="{E51DA8E2-7E29-4650-BD4B-BA45A96D6F10}">
+      <dgm:prSet phldrT="4" phldr="0"/>
+      <dgm:spPr>
+        <a:solidFill>
+          <a:srgbClr val="43B02A"/>
+        </a:solidFill>
+      </dgm:spPr>
+      <dgm:t>
+        <a:bodyPr/>
+        <a:lstStyle/>
+        <a:p>
+          <a:r>
+            <a:rPr lang="en-US"/>
+            <a:t>4</a:t>
+          </a:r>
+        </a:p>
+      </dgm:t>
+    </dgm:pt>
+    <dgm:pt modelId="{0C9C758F-9459-448C-8390-8921205C193F}" type="pres">
+      <dgm:prSet presAssocID="{8C8C5CB6-8D97-4B7A-99DB-2CE5859E52FC}" presName="Name0" presStyleCnt="0">
+        <dgm:presLayoutVars>
+          <dgm:animLvl val="lvl"/>
+          <dgm:resizeHandles val="exact"/>
+        </dgm:presLayoutVars>
+      </dgm:prSet>
+      <dgm:spPr/>
+    </dgm:pt>
+    <dgm:pt modelId="{871246F3-01F0-4D41-944C-BC39DDC003C6}" type="pres">
+      <dgm:prSet presAssocID="{F3C78B03-AC34-4B6E-9893-80ABC5B4D408}" presName="compositeNode" presStyleCnt="0">
+        <dgm:presLayoutVars>
+          <dgm:bulletEnabled val="1"/>
+        </dgm:presLayoutVars>
+      </dgm:prSet>
+      <dgm:spPr/>
+    </dgm:pt>
+    <dgm:pt modelId="{C10D3F62-C659-484C-A945-0401FE9F6EC5}" type="pres">
+      <dgm:prSet presAssocID="{F3C78B03-AC34-4B6E-9893-80ABC5B4D408}" presName="bgRect" presStyleLbl="bgAccFollowNode1" presStyleIdx="0" presStyleCnt="4"/>
+      <dgm:spPr/>
+    </dgm:pt>
+    <dgm:pt modelId="{ACAA34E6-767F-4D68-B93B-8FDE92B40A4E}" type="pres">
+      <dgm:prSet presAssocID="{7719C351-1624-4952-B836-669A2236CE7A}" presName="sibTransNodeCircle" presStyleLbl="alignNode1" presStyleIdx="0" presStyleCnt="8">
+        <dgm:presLayoutVars>
+          <dgm:chMax val="0"/>
+          <dgm:bulletEnabled/>
+        </dgm:presLayoutVars>
+      </dgm:prSet>
+      <dgm:spPr/>
+    </dgm:pt>
+    <dgm:pt modelId="{7400FDBD-D909-4EEF-8BE8-F79E84E0AF16}" type="pres">
+      <dgm:prSet presAssocID="{F3C78B03-AC34-4B6E-9893-80ABC5B4D408}" presName="bottomLine" presStyleLbl="alignNode1" presStyleIdx="1" presStyleCnt="8">
+        <dgm:presLayoutVars/>
+      </dgm:prSet>
+      <dgm:spPr/>
+    </dgm:pt>
+    <dgm:pt modelId="{C5ED34C5-90E3-43EA-914E-0CE8BF6B2AB4}" type="pres">
+      <dgm:prSet presAssocID="{F3C78B03-AC34-4B6E-9893-80ABC5B4D408}" presName="nodeText" presStyleLbl="bgAccFollowNode1" presStyleIdx="0" presStyleCnt="4">
+        <dgm:presLayoutVars>
+          <dgm:bulletEnabled val="1"/>
+        </dgm:presLayoutVars>
+      </dgm:prSet>
+      <dgm:spPr/>
+    </dgm:pt>
+    <dgm:pt modelId="{5898B472-CA81-4DC0-85D7-1205775260F7}" type="pres">
+      <dgm:prSet presAssocID="{7719C351-1624-4952-B836-669A2236CE7A}" presName="sibTrans" presStyleCnt="0"/>
+      <dgm:spPr/>
+    </dgm:pt>
+    <dgm:pt modelId="{69DE20A1-85A1-48DC-A029-306C9DA58D11}" type="pres">
+      <dgm:prSet presAssocID="{747CEA16-7606-4CD5-8B24-F474A4E3739B}" presName="compositeNode" presStyleCnt="0">
+        <dgm:presLayoutVars>
+          <dgm:bulletEnabled val="1"/>
+        </dgm:presLayoutVars>
+      </dgm:prSet>
+      <dgm:spPr/>
+    </dgm:pt>
+    <dgm:pt modelId="{BDDD252A-8513-4EDC-B14E-9597C7BD7549}" type="pres">
+      <dgm:prSet presAssocID="{747CEA16-7606-4CD5-8B24-F474A4E3739B}" presName="bgRect" presStyleLbl="bgAccFollowNode1" presStyleIdx="1" presStyleCnt="4"/>
+      <dgm:spPr/>
+    </dgm:pt>
+    <dgm:pt modelId="{DE5A761A-F766-4E26-927C-190D6F821595}" type="pres">
+      <dgm:prSet presAssocID="{51988A88-3DCB-4B61-9998-FAAA88AC3653}" presName="sibTransNodeCircle" presStyleLbl="alignNode1" presStyleIdx="2" presStyleCnt="8">
+        <dgm:presLayoutVars>
+          <dgm:chMax val="0"/>
+          <dgm:bulletEnabled/>
+        </dgm:presLayoutVars>
+      </dgm:prSet>
+      <dgm:spPr/>
+    </dgm:pt>
+    <dgm:pt modelId="{E03BC08E-6F70-4B97-A67C-A723048DDFDA}" type="pres">
+      <dgm:prSet presAssocID="{747CEA16-7606-4CD5-8B24-F474A4E3739B}" presName="bottomLine" presStyleLbl="alignNode1" presStyleIdx="3" presStyleCnt="8">
+        <dgm:presLayoutVars/>
+      </dgm:prSet>
+      <dgm:spPr/>
+    </dgm:pt>
+    <dgm:pt modelId="{143D6255-AAB4-4045-8F0B-E8BC70E58020}" type="pres">
+      <dgm:prSet presAssocID="{747CEA16-7606-4CD5-8B24-F474A4E3739B}" presName="nodeText" presStyleLbl="bgAccFollowNode1" presStyleIdx="1" presStyleCnt="4">
+        <dgm:presLayoutVars>
+          <dgm:bulletEnabled val="1"/>
+        </dgm:presLayoutVars>
+      </dgm:prSet>
+      <dgm:spPr/>
+    </dgm:pt>
+    <dgm:pt modelId="{D838365F-D758-4AC0-8868-4A9A8259DCD8}" type="pres">
+      <dgm:prSet presAssocID="{51988A88-3DCB-4B61-9998-FAAA88AC3653}" presName="sibTrans" presStyleCnt="0"/>
+      <dgm:spPr/>
+    </dgm:pt>
+    <dgm:pt modelId="{A859A5ED-96DB-4767-9556-5300945B427F}" type="pres">
+      <dgm:prSet presAssocID="{98530C36-F109-4607-BFDE-BC391E73C4BC}" presName="compositeNode" presStyleCnt="0">
+        <dgm:presLayoutVars>
+          <dgm:bulletEnabled val="1"/>
+        </dgm:presLayoutVars>
+      </dgm:prSet>
+      <dgm:spPr/>
+    </dgm:pt>
+    <dgm:pt modelId="{545AB69D-C7F1-425F-BDAA-870E1BD9236D}" type="pres">
+      <dgm:prSet presAssocID="{98530C36-F109-4607-BFDE-BC391E73C4BC}" presName="bgRect" presStyleLbl="bgAccFollowNode1" presStyleIdx="2" presStyleCnt="4"/>
+      <dgm:spPr/>
+    </dgm:pt>
+    <dgm:pt modelId="{270DAA37-033C-4FBF-B3C5-F3259E1520CB}" type="pres">
+      <dgm:prSet presAssocID="{9C3C60AF-6A38-4D80-8A0D-4279AD83CE63}" presName="sibTransNodeCircle" presStyleLbl="alignNode1" presStyleIdx="4" presStyleCnt="8">
+        <dgm:presLayoutVars>
+          <dgm:chMax val="0"/>
+          <dgm:bulletEnabled/>
+        </dgm:presLayoutVars>
+      </dgm:prSet>
+      <dgm:spPr/>
+    </dgm:pt>
+    <dgm:pt modelId="{E95DFE27-C7D9-4A44-BB57-62A16A41A767}" type="pres">
+      <dgm:prSet presAssocID="{98530C36-F109-4607-BFDE-BC391E73C4BC}" presName="bottomLine" presStyleLbl="alignNode1" presStyleIdx="5" presStyleCnt="8">
+        <dgm:presLayoutVars/>
+      </dgm:prSet>
+      <dgm:spPr/>
+    </dgm:pt>
+    <dgm:pt modelId="{7182F2E8-0FE4-40E2-90AF-E52FC6ACB532}" type="pres">
+      <dgm:prSet presAssocID="{98530C36-F109-4607-BFDE-BC391E73C4BC}" presName="nodeText" presStyleLbl="bgAccFollowNode1" presStyleIdx="2" presStyleCnt="4">
+        <dgm:presLayoutVars>
+          <dgm:bulletEnabled val="1"/>
+        </dgm:presLayoutVars>
+      </dgm:prSet>
+      <dgm:spPr/>
+    </dgm:pt>
+    <dgm:pt modelId="{8E0B8FDC-5743-4065-9274-857808D840DB}" type="pres">
+      <dgm:prSet presAssocID="{9C3C60AF-6A38-4D80-8A0D-4279AD83CE63}" presName="sibTrans" presStyleCnt="0"/>
+      <dgm:spPr/>
+    </dgm:pt>
+    <dgm:pt modelId="{B5FD2AC5-F02B-4AD5-9DE5-59E7093B607F}" type="pres">
+      <dgm:prSet presAssocID="{874AABA0-E5A4-4AB0-B6CA-03C561803974}" presName="compositeNode" presStyleCnt="0">
+        <dgm:presLayoutVars>
+          <dgm:bulletEnabled val="1"/>
+        </dgm:presLayoutVars>
+      </dgm:prSet>
+      <dgm:spPr/>
+    </dgm:pt>
+    <dgm:pt modelId="{9351060C-ACBE-49AC-A648-BD79B54DE694}" type="pres">
+      <dgm:prSet presAssocID="{874AABA0-E5A4-4AB0-B6CA-03C561803974}" presName="bgRect" presStyleLbl="bgAccFollowNode1" presStyleIdx="3" presStyleCnt="4"/>
+      <dgm:spPr/>
+    </dgm:pt>
+    <dgm:pt modelId="{0976773B-12B7-4330-9710-1EA00090547F}" type="pres">
+      <dgm:prSet presAssocID="{19E745A0-E5B9-4A0B-BB88-6D7DCF47622D}" presName="sibTransNodeCircle" presStyleLbl="alignNode1" presStyleIdx="6" presStyleCnt="8">
+        <dgm:presLayoutVars>
+          <dgm:chMax val="0"/>
+          <dgm:bulletEnabled/>
+        </dgm:presLayoutVars>
+      </dgm:prSet>
+      <dgm:spPr/>
+    </dgm:pt>
+    <dgm:pt modelId="{865066A0-097F-4E6D-9502-9C489920F2EC}" type="pres">
+      <dgm:prSet presAssocID="{874AABA0-E5A4-4AB0-B6CA-03C561803974}" presName="bottomLine" presStyleLbl="alignNode1" presStyleIdx="7" presStyleCnt="8">
+        <dgm:presLayoutVars/>
+      </dgm:prSet>
+      <dgm:spPr/>
+    </dgm:pt>
+    <dgm:pt modelId="{0E48C784-2E8C-4E2A-AF68-35FCF40F2DC7}" type="pres">
+      <dgm:prSet presAssocID="{874AABA0-E5A4-4AB0-B6CA-03C561803974}" presName="nodeText" presStyleLbl="bgAccFollowNode1" presStyleIdx="3" presStyleCnt="4">
+        <dgm:presLayoutVars>
+          <dgm:bulletEnabled val="1"/>
+        </dgm:presLayoutVars>
+      </dgm:prSet>
+      <dgm:spPr/>
+    </dgm:pt>
+  </dgm:ptLst>
+  <dgm:cxnLst>
+    <dgm:cxn modelId="{C0664D4E-760C-4EAD-977C-C4A9C5B56A2C}" type="presOf" srcId="{7719C351-1624-4952-B836-669A2236CE7A}" destId="{ACAA34E6-767F-4D68-B93B-8FDE92B40A4E}" srcOrd="0" destOrd="0" presId="urn:microsoft.com/office/officeart/2016/7/layout/BasicLinearProcessNumbered"/>
+    <dgm:cxn modelId="{04E86221-C6C1-41B0-B971-715364DC5496}" srcId="{8C8C5CB6-8D97-4B7A-99DB-2CE5859E52FC}" destId="{F3C78B03-AC34-4B6E-9893-80ABC5B4D408}" srcOrd="0" destOrd="0" parTransId="{2283EF88-DB16-4BDA-A23C-E8B77474016D}" sibTransId="{7719C351-1624-4952-B836-669A2236CE7A}"/>
+    <dgm:cxn modelId="{9BD8BCEE-E46D-4144-8DFC-9FEAAD793CEE}" type="presOf" srcId="{747CEA16-7606-4CD5-8B24-F474A4E3739B}" destId="{143D6255-AAB4-4045-8F0B-E8BC70E58020}" srcOrd="1" destOrd="0" presId="urn:microsoft.com/office/officeart/2016/7/layout/BasicLinearProcessNumbered"/>
+    <dgm:cxn modelId="{8436B07A-3354-49CA-AAE9-3FEE3C819527}" type="presOf" srcId="{19E745A0-E5B9-4A0B-BB88-6D7DCF47622D}" destId="{0976773B-12B7-4330-9710-1EA00090547F}" srcOrd="0" destOrd="0" presId="urn:microsoft.com/office/officeart/2016/7/layout/BasicLinearProcessNumbered"/>
+    <dgm:cxn modelId="{9B8208B8-FB20-4644-9D21-7FB83E59A9C6}" type="presOf" srcId="{98530C36-F109-4607-BFDE-BC391E73C4BC}" destId="{545AB69D-C7F1-425F-BDAA-870E1BD9236D}" srcOrd="0" destOrd="0" presId="urn:microsoft.com/office/officeart/2016/7/layout/BasicLinearProcessNumbered"/>
+    <dgm:cxn modelId="{7AFEC5E9-1F9D-42CA-AD50-926B66F69366}" type="presOf" srcId="{8C8C5CB6-8D97-4B7A-99DB-2CE5859E52FC}" destId="{0C9C758F-9459-448C-8390-8921205C193F}" srcOrd="0" destOrd="0" presId="urn:microsoft.com/office/officeart/2016/7/layout/BasicLinearProcessNumbered"/>
+    <dgm:cxn modelId="{F7016E09-DE31-47DA-99CA-4DB0F80757BA}" type="presOf" srcId="{874AABA0-E5A4-4AB0-B6CA-03C561803974}" destId="{9351060C-ACBE-49AC-A648-BD79B54DE694}" srcOrd="0" destOrd="0" presId="urn:microsoft.com/office/officeart/2016/7/layout/BasicLinearProcessNumbered"/>
+    <dgm:cxn modelId="{A8E11577-776D-47E2-8828-2E7AC760842F}" type="presOf" srcId="{747CEA16-7606-4CD5-8B24-F474A4E3739B}" destId="{BDDD252A-8513-4EDC-B14E-9597C7BD7549}" srcOrd="0" destOrd="0" presId="urn:microsoft.com/office/officeart/2016/7/layout/BasicLinearProcessNumbered"/>
+    <dgm:cxn modelId="{E51DA8E2-7E29-4650-BD4B-BA45A96D6F10}" srcId="{8C8C5CB6-8D97-4B7A-99DB-2CE5859E52FC}" destId="{874AABA0-E5A4-4AB0-B6CA-03C561803974}" srcOrd="3" destOrd="0" parTransId="{8A063C10-EB1C-4F73-A357-B7F6848AF871}" sibTransId="{19E745A0-E5B9-4A0B-BB88-6D7DCF47622D}"/>
+    <dgm:cxn modelId="{BEBA1F02-3FE4-4126-9EBB-F8A846A31D06}" type="presOf" srcId="{51988A88-3DCB-4B61-9998-FAAA88AC3653}" destId="{DE5A761A-F766-4E26-927C-190D6F821595}" srcOrd="0" destOrd="0" presId="urn:microsoft.com/office/officeart/2016/7/layout/BasicLinearProcessNumbered"/>
+    <dgm:cxn modelId="{A7C1085A-CDED-4D32-AF16-A1C908924C22}" srcId="{8C8C5CB6-8D97-4B7A-99DB-2CE5859E52FC}" destId="{98530C36-F109-4607-BFDE-BC391E73C4BC}" srcOrd="2" destOrd="0" parTransId="{5F59E2C3-9ABA-45D6-B273-0DF6B9BBFAD0}" sibTransId="{9C3C60AF-6A38-4D80-8A0D-4279AD83CE63}"/>
+    <dgm:cxn modelId="{89EF3C1F-C3F3-44C5-8221-CD69533D7436}" type="presOf" srcId="{9C3C60AF-6A38-4D80-8A0D-4279AD83CE63}" destId="{270DAA37-033C-4FBF-B3C5-F3259E1520CB}" srcOrd="0" destOrd="0" presId="urn:microsoft.com/office/officeart/2016/7/layout/BasicLinearProcessNumbered"/>
+    <dgm:cxn modelId="{67C824D3-D0AB-4842-B4BA-B906B3481EF9}" srcId="{8C8C5CB6-8D97-4B7A-99DB-2CE5859E52FC}" destId="{747CEA16-7606-4CD5-8B24-F474A4E3739B}" srcOrd="1" destOrd="0" parTransId="{A715A50B-8AC1-47B8-8D82-AACF5F26B82E}" sibTransId="{51988A88-3DCB-4B61-9998-FAAA88AC3653}"/>
+    <dgm:cxn modelId="{12F980FE-8A74-4594-8827-EBC3D3092688}" type="presOf" srcId="{F3C78B03-AC34-4B6E-9893-80ABC5B4D408}" destId="{C5ED34C5-90E3-43EA-914E-0CE8BF6B2AB4}" srcOrd="1" destOrd="0" presId="urn:microsoft.com/office/officeart/2016/7/layout/BasicLinearProcessNumbered"/>
+    <dgm:cxn modelId="{657CF033-0F23-49D3-9672-1CC3095C3DBE}" type="presOf" srcId="{874AABA0-E5A4-4AB0-B6CA-03C561803974}" destId="{0E48C784-2E8C-4E2A-AF68-35FCF40F2DC7}" srcOrd="1" destOrd="0" presId="urn:microsoft.com/office/officeart/2016/7/layout/BasicLinearProcessNumbered"/>
+    <dgm:cxn modelId="{98EE4C95-41AE-44F6-8936-BF193358840F}" type="presOf" srcId="{98530C36-F109-4607-BFDE-BC391E73C4BC}" destId="{7182F2E8-0FE4-40E2-90AF-E52FC6ACB532}" srcOrd="1" destOrd="0" presId="urn:microsoft.com/office/officeart/2016/7/layout/BasicLinearProcessNumbered"/>
+    <dgm:cxn modelId="{8974113F-514B-44EF-AD65-130C72F94C76}" type="presOf" srcId="{F3C78B03-AC34-4B6E-9893-80ABC5B4D408}" destId="{C10D3F62-C659-484C-A945-0401FE9F6EC5}" srcOrd="0" destOrd="0" presId="urn:microsoft.com/office/officeart/2016/7/layout/BasicLinearProcessNumbered"/>
+    <dgm:cxn modelId="{232A514F-0D0A-477E-B361-BBE8EE53AC47}" type="presParOf" srcId="{0C9C758F-9459-448C-8390-8921205C193F}" destId="{871246F3-01F0-4D41-944C-BC39DDC003C6}" srcOrd="0" destOrd="0" presId="urn:microsoft.com/office/officeart/2016/7/layout/BasicLinearProcessNumbered"/>
+    <dgm:cxn modelId="{AD724027-0985-4135-8D25-EC1D6D2B07A6}" type="presParOf" srcId="{871246F3-01F0-4D41-944C-BC39DDC003C6}" destId="{C10D3F62-C659-484C-A945-0401FE9F6EC5}" srcOrd="0" destOrd="0" presId="urn:microsoft.com/office/officeart/2016/7/layout/BasicLinearProcessNumbered"/>
+    <dgm:cxn modelId="{2B813E3D-1282-4521-828E-83308EFF7F59}" type="presParOf" srcId="{871246F3-01F0-4D41-944C-BC39DDC003C6}" destId="{ACAA34E6-767F-4D68-B93B-8FDE92B40A4E}" srcOrd="1" destOrd="0" presId="urn:microsoft.com/office/officeart/2016/7/layout/BasicLinearProcessNumbered"/>
+    <dgm:cxn modelId="{AB243C08-B50E-4DD9-BE36-BA162F84A0E4}" type="presParOf" srcId="{871246F3-01F0-4D41-944C-BC39DDC003C6}" destId="{7400FDBD-D909-4EEF-8BE8-F79E84E0AF16}" srcOrd="2" destOrd="0" presId="urn:microsoft.com/office/officeart/2016/7/layout/BasicLinearProcessNumbered"/>
+    <dgm:cxn modelId="{5966C346-F0F1-48E3-BC29-619E34938E13}" type="presParOf" srcId="{871246F3-01F0-4D41-944C-BC39DDC003C6}" destId="{C5ED34C5-90E3-43EA-914E-0CE8BF6B2AB4}" srcOrd="3" destOrd="0" presId="urn:microsoft.com/office/officeart/2016/7/layout/BasicLinearProcessNumbered"/>
+    <dgm:cxn modelId="{AA624DB2-855F-45CA-BB02-F9F64C44FE80}" type="presParOf" srcId="{0C9C758F-9459-448C-8390-8921205C193F}" destId="{5898B472-CA81-4DC0-85D7-1205775260F7}" srcOrd="1" destOrd="0" presId="urn:microsoft.com/office/officeart/2016/7/layout/BasicLinearProcessNumbered"/>
+    <dgm:cxn modelId="{ED1E2D42-7934-4C65-BA0B-3833054D4079}" type="presParOf" srcId="{0C9C758F-9459-448C-8390-8921205C193F}" destId="{69DE20A1-85A1-48DC-A029-306C9DA58D11}" srcOrd="2" destOrd="0" presId="urn:microsoft.com/office/officeart/2016/7/layout/BasicLinearProcessNumbered"/>
+    <dgm:cxn modelId="{C11BE99A-D259-4CBE-AE67-8F5BD9F02426}" type="presParOf" srcId="{69DE20A1-85A1-48DC-A029-306C9DA58D11}" destId="{BDDD252A-8513-4EDC-B14E-9597C7BD7549}" srcOrd="0" destOrd="0" presId="urn:microsoft.com/office/officeart/2016/7/layout/BasicLinearProcessNumbered"/>
+    <dgm:cxn modelId="{1CD0CD5F-E7B5-44DE-A4ED-6A9E91C497B0}" type="presParOf" srcId="{69DE20A1-85A1-48DC-A029-306C9DA58D11}" destId="{DE5A761A-F766-4E26-927C-190D6F821595}" srcOrd="1" destOrd="0" presId="urn:microsoft.com/office/officeart/2016/7/layout/BasicLinearProcessNumbered"/>
+    <dgm:cxn modelId="{9BFB245C-A8FE-40CA-A39A-5C2B7AB1D4FF}" type="presParOf" srcId="{69DE20A1-85A1-48DC-A029-306C9DA58D11}" destId="{E03BC08E-6F70-4B97-A67C-A723048DDFDA}" srcOrd="2" destOrd="0" presId="urn:microsoft.com/office/officeart/2016/7/layout/BasicLinearProcessNumbered"/>
+    <dgm:cxn modelId="{92FF8DFB-76D7-48B8-88A2-3B937C7E9FEF}" type="presParOf" srcId="{69DE20A1-85A1-48DC-A029-306C9DA58D11}" destId="{143D6255-AAB4-4045-8F0B-E8BC70E58020}" srcOrd="3" destOrd="0" presId="urn:microsoft.com/office/officeart/2016/7/layout/BasicLinearProcessNumbered"/>
+    <dgm:cxn modelId="{744BABE3-658D-4C8C-A0D6-97F5D3DFD9E3}" type="presParOf" srcId="{0C9C758F-9459-448C-8390-8921205C193F}" destId="{D838365F-D758-4AC0-8868-4A9A8259DCD8}" srcOrd="3" destOrd="0" presId="urn:microsoft.com/office/officeart/2016/7/layout/BasicLinearProcessNumbered"/>
+    <dgm:cxn modelId="{C8A344B9-A21A-4607-810C-EBFC4533ACA7}" type="presParOf" srcId="{0C9C758F-9459-448C-8390-8921205C193F}" destId="{A859A5ED-96DB-4767-9556-5300945B427F}" srcOrd="4" destOrd="0" presId="urn:microsoft.com/office/officeart/2016/7/layout/BasicLinearProcessNumbered"/>
+    <dgm:cxn modelId="{34481E39-6D3C-4AA7-878C-5B56CF21AA96}" type="presParOf" srcId="{A859A5ED-96DB-4767-9556-5300945B427F}" destId="{545AB69D-C7F1-425F-BDAA-870E1BD9236D}" srcOrd="0" destOrd="0" presId="urn:microsoft.com/office/officeart/2016/7/layout/BasicLinearProcessNumbered"/>
+    <dgm:cxn modelId="{CF81F6B3-CF37-42A0-9FC4-66C76BCF33B7}" type="presParOf" srcId="{A859A5ED-96DB-4767-9556-5300945B427F}" destId="{270DAA37-033C-4FBF-B3C5-F3259E1520CB}" srcOrd="1" destOrd="0" presId="urn:microsoft.com/office/officeart/2016/7/layout/BasicLinearProcessNumbered"/>
+    <dgm:cxn modelId="{C0586304-CE1B-4081-96B1-3679865FFA95}" type="presParOf" srcId="{A859A5ED-96DB-4767-9556-5300945B427F}" destId="{E95DFE27-C7D9-4A44-BB57-62A16A41A767}" srcOrd="2" destOrd="0" presId="urn:microsoft.com/office/officeart/2016/7/layout/BasicLinearProcessNumbered"/>
+    <dgm:cxn modelId="{934898EC-DF2E-4C15-9AAA-DED902678095}" type="presParOf" srcId="{A859A5ED-96DB-4767-9556-5300945B427F}" destId="{7182F2E8-0FE4-40E2-90AF-E52FC6ACB532}" srcOrd="3" destOrd="0" presId="urn:microsoft.com/office/officeart/2016/7/layout/BasicLinearProcessNumbered"/>
+    <dgm:cxn modelId="{C0C7EAE4-E546-4F9D-9350-419DF4457F6A}" type="presParOf" srcId="{0C9C758F-9459-448C-8390-8921205C193F}" destId="{8E0B8FDC-5743-4065-9274-857808D840DB}" srcOrd="5" destOrd="0" presId="urn:microsoft.com/office/officeart/2016/7/layout/BasicLinearProcessNumbered"/>
+    <dgm:cxn modelId="{D56D385B-5EFE-4552-BEAE-88EAADED6699}" type="presParOf" srcId="{0C9C758F-9459-448C-8390-8921205C193F}" destId="{B5FD2AC5-F02B-4AD5-9DE5-59E7093B607F}" srcOrd="6" destOrd="0" presId="urn:microsoft.com/office/officeart/2016/7/layout/BasicLinearProcessNumbered"/>
+    <dgm:cxn modelId="{4B2D1D64-685C-4713-9A9F-A1C5BF05B6D1}" type="presParOf" srcId="{B5FD2AC5-F02B-4AD5-9DE5-59E7093B607F}" destId="{9351060C-ACBE-49AC-A648-BD79B54DE694}" srcOrd="0" destOrd="0" presId="urn:microsoft.com/office/officeart/2016/7/layout/BasicLinearProcessNumbered"/>
+    <dgm:cxn modelId="{CFF578BA-E83C-42D0-9BDD-08847265FFF0}" type="presParOf" srcId="{B5FD2AC5-F02B-4AD5-9DE5-59E7093B607F}" destId="{0976773B-12B7-4330-9710-1EA00090547F}" srcOrd="1" destOrd="0" presId="urn:microsoft.com/office/officeart/2016/7/layout/BasicLinearProcessNumbered"/>
+    <dgm:cxn modelId="{0042A6A3-28E7-4EF6-A645-1DFFEC09DDC5}" type="presParOf" srcId="{B5FD2AC5-F02B-4AD5-9DE5-59E7093B607F}" destId="{865066A0-097F-4E6D-9502-9C489920F2EC}" srcOrd="2" destOrd="0" presId="urn:microsoft.com/office/officeart/2016/7/layout/BasicLinearProcessNumbered"/>
+    <dgm:cxn modelId="{931EB386-B672-4403-855D-C2732BB4B5B5}" type="presParOf" srcId="{B5FD2AC5-F02B-4AD5-9DE5-59E7093B607F}" destId="{0E48C784-2E8C-4E2A-AF68-35FCF40F2DC7}" srcOrd="3" destOrd="0" presId="urn:microsoft.com/office/officeart/2016/7/layout/BasicLinearProcessNumbered"/>
+  </dgm:cxnLst>
+  <dgm:bg/>
+  <dgm:whole/>
+  <dgm:extLst>
+    <a:ext uri="http://schemas.microsoft.com/office/drawing/2008/diagram">
+      <dsp:dataModelExt xmlns:dsp="http://schemas.microsoft.com/office/drawing/2008/diagram" relId="rId7" minVer="http://schemas.openxmlformats.org/drawingml/2006/diagram"/>
+    </a:ext>
+  </dgm:extLst>
+</dgm:dataModel>
+</file>
+
+<file path=ppt/diagrams/data2.xml><?xml version="1.0" encoding="utf-8"?>
+<dgm:dataModel xmlns:dgm="http://schemas.openxmlformats.org/drawingml/2006/diagram" xmlns:a="http://schemas.openxmlformats.org/drawingml/2006/main">
+  <dgm:ptLst>
+    <dgm:pt modelId="{8C8C5CB6-8D97-4B7A-99DB-2CE5859E52FC}" type="doc">
+      <dgm:prSet loTypeId="urn:microsoft.com/office/officeart/2016/7/layout/BasicLinearProcessNumbered" loCatId="process" qsTypeId="urn:microsoft.com/office/officeart/2005/8/quickstyle/simple1" qsCatId="simple" csTypeId="urn:microsoft.com/office/officeart/2005/8/colors/ColorSchemeForSuggestions" csCatId="other" phldr="1"/>
+      <dgm:spPr/>
+      <dgm:t>
+        <a:bodyPr/>
+        <a:lstStyle/>
+        <a:p>
+          <a:endParaRPr lang="en-US"/>
+        </a:p>
+      </dgm:t>
+    </dgm:pt>
+    <dgm:pt modelId="{F3C78B03-AC34-4B6E-9893-80ABC5B4D408}">
+      <dgm:prSet custT="1"/>
+      <dgm:spPr/>
+      <dgm:t>
+        <a:bodyPr/>
+        <a:lstStyle/>
+        <a:p>
+          <a:pPr algn="ctr"/>
+          <a:r>
+            <a:rPr lang="en-US" sz="2000" dirty="0"/>
+            <a:t>Payments</a:t>
+          </a:r>
+        </a:p>
+        <a:p>
+          <a:pPr algn="ctr"/>
+          <a:r>
+            <a:rPr lang="en-US" sz="1600" dirty="0"/>
+            <a:t>Peer-to-peer</a:t>
+          </a:r>
+        </a:p>
+      </dgm:t>
+    </dgm:pt>
+    <dgm:pt modelId="{2283EF88-DB16-4BDA-A23C-E8B77474016D}" type="parTrans" cxnId="{04E86221-C6C1-41B0-B971-715364DC5496}">
+      <dgm:prSet/>
+      <dgm:spPr/>
+      <dgm:t>
+        <a:bodyPr/>
+        <a:lstStyle/>
+        <a:p>
+          <a:endParaRPr lang="en-US"/>
+        </a:p>
+      </dgm:t>
+    </dgm:pt>
+    <dgm:pt modelId="{7719C351-1624-4952-B836-669A2236CE7A}" type="sibTrans" cxnId="{04E86221-C6C1-41B0-B971-715364DC5496}">
+      <dgm:prSet phldrT="1" phldr="0"/>
+      <dgm:spPr>
+        <a:solidFill>
+          <a:srgbClr val="43B02A"/>
+        </a:solidFill>
+      </dgm:spPr>
+      <dgm:t>
+        <a:bodyPr/>
+        <a:lstStyle/>
+        <a:p>
+          <a:r>
+            <a:rPr lang="en-US" dirty="0"/>
+            <a:t>1</a:t>
+          </a:r>
+        </a:p>
+      </dgm:t>
+    </dgm:pt>
+    <dgm:pt modelId="{747CEA16-7606-4CD5-8B24-F474A4E3739B}">
+      <dgm:prSet custT="1"/>
+      <dgm:spPr/>
+      <dgm:t>
+        <a:bodyPr/>
+        <a:lstStyle/>
+        <a:p>
+          <a:pPr algn="ctr"/>
+          <a:r>
+            <a:rPr lang="en-US" sz="2000" dirty="0"/>
+            <a:t>Smarter Messaging</a:t>
+          </a:r>
+        </a:p>
+        <a:p>
+          <a:pPr algn="ctr"/>
+          <a:r>
+            <a:rPr lang="en-US" sz="1600" dirty="0"/>
+            <a:t>Target people most likely to help</a:t>
+          </a:r>
+        </a:p>
+      </dgm:t>
+    </dgm:pt>
+    <dgm:pt modelId="{A715A50B-8AC1-47B8-8D82-AACF5F26B82E}" type="parTrans" cxnId="{67C824D3-D0AB-4842-B4BA-B906B3481EF9}">
+      <dgm:prSet/>
+      <dgm:spPr/>
+      <dgm:t>
+        <a:bodyPr/>
+        <a:lstStyle/>
+        <a:p>
+          <a:endParaRPr lang="en-US"/>
+        </a:p>
+      </dgm:t>
+    </dgm:pt>
+    <dgm:pt modelId="{51988A88-3DCB-4B61-9998-FAAA88AC3653}" type="sibTrans" cxnId="{67C824D3-D0AB-4842-B4BA-B906B3481EF9}">
+      <dgm:prSet phldrT="2" phldr="0"/>
+      <dgm:spPr>
+        <a:solidFill>
+          <a:srgbClr val="43B02A"/>
+        </a:solidFill>
+      </dgm:spPr>
+      <dgm:t>
+        <a:bodyPr/>
+        <a:lstStyle/>
+        <a:p>
+          <a:r>
+            <a:rPr lang="en-US" dirty="0"/>
+            <a:t>2</a:t>
+          </a:r>
+        </a:p>
+      </dgm:t>
+    </dgm:pt>
+    <dgm:pt modelId="{98530C36-F109-4607-BFDE-BC391E73C4BC}">
+      <dgm:prSet custT="1"/>
+      <dgm:spPr/>
+      <dgm:t>
+        <a:bodyPr/>
+        <a:lstStyle/>
+        <a:p>
+          <a:pPr algn="ctr"/>
+          <a:r>
+            <a:rPr lang="en-US" sz="2000" dirty="0"/>
+            <a:t>More Interaction</a:t>
+          </a:r>
+        </a:p>
+        <a:p>
+          <a:pPr algn="ctr"/>
+          <a:r>
+            <a:rPr lang="en-US" sz="1600" dirty="0"/>
+            <a:t>In-app calling</a:t>
+          </a:r>
+        </a:p>
+        <a:p>
+          <a:pPr algn="ctr"/>
+          <a:r>
+            <a:rPr lang="en-US" sz="1600" dirty="0"/>
+            <a:t>In-app chat</a:t>
+          </a:r>
+        </a:p>
+      </dgm:t>
+    </dgm:pt>
+    <dgm:pt modelId="{5F59E2C3-9ABA-45D6-B273-0DF6B9BBFAD0}" type="parTrans" cxnId="{A7C1085A-CDED-4D32-AF16-A1C908924C22}">
+      <dgm:prSet/>
+      <dgm:spPr/>
+      <dgm:t>
+        <a:bodyPr/>
+        <a:lstStyle/>
+        <a:p>
+          <a:endParaRPr lang="en-US"/>
+        </a:p>
+      </dgm:t>
+    </dgm:pt>
+    <dgm:pt modelId="{9C3C60AF-6A38-4D80-8A0D-4279AD83CE63}" type="sibTrans" cxnId="{A7C1085A-CDED-4D32-AF16-A1C908924C22}">
+      <dgm:prSet phldrT="3" phldr="0"/>
+      <dgm:spPr>
+        <a:solidFill>
+          <a:srgbClr val="43B02A"/>
+        </a:solidFill>
+      </dgm:spPr>
+      <dgm:t>
+        <a:bodyPr/>
+        <a:lstStyle/>
+        <a:p>
+          <a:r>
+            <a:rPr lang="en-US" dirty="0"/>
+            <a:t>3</a:t>
+          </a:r>
+        </a:p>
+      </dgm:t>
+    </dgm:pt>
+    <dgm:pt modelId="{874AABA0-E5A4-4AB0-B6CA-03C561803974}">
+      <dgm:prSet custT="1"/>
+      <dgm:spPr/>
+      <dgm:t>
+        <a:bodyPr/>
+        <a:lstStyle/>
+        <a:p>
+          <a:pPr algn="ctr"/>
+          <a:r>
+            <a:rPr lang="en-US" sz="2000" dirty="0"/>
+            <a:t>Users</a:t>
+          </a:r>
+        </a:p>
+        <a:p>
+          <a:pPr algn="ctr"/>
+          <a:r>
+            <a:rPr lang="en-US" sz="1600" dirty="0"/>
+            <a:t>Not limited to friends</a:t>
+          </a:r>
+        </a:p>
+      </dgm:t>
+    </dgm:pt>
+    <dgm:pt modelId="{8A063C10-EB1C-4F73-A357-B7F6848AF871}" type="parTrans" cxnId="{E51DA8E2-7E29-4650-BD4B-BA45A96D6F10}">
+      <dgm:prSet/>
+      <dgm:spPr/>
+      <dgm:t>
+        <a:bodyPr/>
+        <a:lstStyle/>
+        <a:p>
+          <a:endParaRPr lang="en-US"/>
+        </a:p>
+      </dgm:t>
+    </dgm:pt>
+    <dgm:pt modelId="{19E745A0-E5B9-4A0B-BB88-6D7DCF47622D}" type="sibTrans" cxnId="{E51DA8E2-7E29-4650-BD4B-BA45A96D6F10}">
+      <dgm:prSet phldrT="4" phldr="0"/>
+      <dgm:spPr>
+        <a:solidFill>
+          <a:srgbClr val="43B02A"/>
+        </a:solidFill>
+      </dgm:spPr>
+      <dgm:t>
+        <a:bodyPr/>
+        <a:lstStyle/>
+        <a:p>
+          <a:r>
+            <a:rPr lang="en-US"/>
+            <a:t>4</a:t>
+          </a:r>
+        </a:p>
+      </dgm:t>
+    </dgm:pt>
+    <dgm:pt modelId="{0C9C758F-9459-448C-8390-8921205C193F}" type="pres">
+      <dgm:prSet presAssocID="{8C8C5CB6-8D97-4B7A-99DB-2CE5859E52FC}" presName="Name0" presStyleCnt="0">
+        <dgm:presLayoutVars>
+          <dgm:animLvl val="lvl"/>
+          <dgm:resizeHandles val="exact"/>
+        </dgm:presLayoutVars>
+      </dgm:prSet>
+      <dgm:spPr/>
+    </dgm:pt>
+    <dgm:pt modelId="{871246F3-01F0-4D41-944C-BC39DDC003C6}" type="pres">
+      <dgm:prSet presAssocID="{F3C78B03-AC34-4B6E-9893-80ABC5B4D408}" presName="compositeNode" presStyleCnt="0">
+        <dgm:presLayoutVars>
+          <dgm:bulletEnabled val="1"/>
+        </dgm:presLayoutVars>
+      </dgm:prSet>
+      <dgm:spPr/>
+    </dgm:pt>
+    <dgm:pt modelId="{C10D3F62-C659-484C-A945-0401FE9F6EC5}" type="pres">
+      <dgm:prSet presAssocID="{F3C78B03-AC34-4B6E-9893-80ABC5B4D408}" presName="bgRect" presStyleLbl="bgAccFollowNode1" presStyleIdx="0" presStyleCnt="4"/>
+      <dgm:spPr/>
+    </dgm:pt>
+    <dgm:pt modelId="{ACAA34E6-767F-4D68-B93B-8FDE92B40A4E}" type="pres">
+      <dgm:prSet presAssocID="{7719C351-1624-4952-B836-669A2236CE7A}" presName="sibTransNodeCircle" presStyleLbl="alignNode1" presStyleIdx="0" presStyleCnt="8">
+        <dgm:presLayoutVars>
+          <dgm:chMax val="0"/>
+          <dgm:bulletEnabled/>
+        </dgm:presLayoutVars>
+      </dgm:prSet>
+      <dgm:spPr/>
+    </dgm:pt>
+    <dgm:pt modelId="{7400FDBD-D909-4EEF-8BE8-F79E84E0AF16}" type="pres">
+      <dgm:prSet presAssocID="{F3C78B03-AC34-4B6E-9893-80ABC5B4D408}" presName="bottomLine" presStyleLbl="alignNode1" presStyleIdx="1" presStyleCnt="8">
+        <dgm:presLayoutVars/>
+      </dgm:prSet>
+      <dgm:spPr/>
+    </dgm:pt>
+    <dgm:pt modelId="{C5ED34C5-90E3-43EA-914E-0CE8BF6B2AB4}" type="pres">
+      <dgm:prSet presAssocID="{F3C78B03-AC34-4B6E-9893-80ABC5B4D408}" presName="nodeText" presStyleLbl="bgAccFollowNode1" presStyleIdx="0" presStyleCnt="4">
+        <dgm:presLayoutVars>
+          <dgm:bulletEnabled val="1"/>
+        </dgm:presLayoutVars>
+      </dgm:prSet>
+      <dgm:spPr/>
+    </dgm:pt>
+    <dgm:pt modelId="{5898B472-CA81-4DC0-85D7-1205775260F7}" type="pres">
+      <dgm:prSet presAssocID="{7719C351-1624-4952-B836-669A2236CE7A}" presName="sibTrans" presStyleCnt="0"/>
+      <dgm:spPr/>
+    </dgm:pt>
+    <dgm:pt modelId="{69DE20A1-85A1-48DC-A029-306C9DA58D11}" type="pres">
+      <dgm:prSet presAssocID="{747CEA16-7606-4CD5-8B24-F474A4E3739B}" presName="compositeNode" presStyleCnt="0">
+        <dgm:presLayoutVars>
+          <dgm:bulletEnabled val="1"/>
+        </dgm:presLayoutVars>
+      </dgm:prSet>
+      <dgm:spPr/>
+    </dgm:pt>
+    <dgm:pt modelId="{BDDD252A-8513-4EDC-B14E-9597C7BD7549}" type="pres">
+      <dgm:prSet presAssocID="{747CEA16-7606-4CD5-8B24-F474A4E3739B}" presName="bgRect" presStyleLbl="bgAccFollowNode1" presStyleIdx="1" presStyleCnt="4"/>
+      <dgm:spPr/>
+    </dgm:pt>
+    <dgm:pt modelId="{DE5A761A-F766-4E26-927C-190D6F821595}" type="pres">
+      <dgm:prSet presAssocID="{51988A88-3DCB-4B61-9998-FAAA88AC3653}" presName="sibTransNodeCircle" presStyleLbl="alignNode1" presStyleIdx="2" presStyleCnt="8">
+        <dgm:presLayoutVars>
+          <dgm:chMax val="0"/>
+          <dgm:bulletEnabled/>
+        </dgm:presLayoutVars>
+      </dgm:prSet>
+      <dgm:spPr/>
+    </dgm:pt>
+    <dgm:pt modelId="{E03BC08E-6F70-4B97-A67C-A723048DDFDA}" type="pres">
+      <dgm:prSet presAssocID="{747CEA16-7606-4CD5-8B24-F474A4E3739B}" presName="bottomLine" presStyleLbl="alignNode1" presStyleIdx="3" presStyleCnt="8">
+        <dgm:presLayoutVars/>
+      </dgm:prSet>
+      <dgm:spPr/>
+    </dgm:pt>
+    <dgm:pt modelId="{143D6255-AAB4-4045-8F0B-E8BC70E58020}" type="pres">
+      <dgm:prSet presAssocID="{747CEA16-7606-4CD5-8B24-F474A4E3739B}" presName="nodeText" presStyleLbl="bgAccFollowNode1" presStyleIdx="1" presStyleCnt="4">
+        <dgm:presLayoutVars>
+          <dgm:bulletEnabled val="1"/>
+        </dgm:presLayoutVars>
+      </dgm:prSet>
+      <dgm:spPr/>
+    </dgm:pt>
+    <dgm:pt modelId="{D838365F-D758-4AC0-8868-4A9A8259DCD8}" type="pres">
+      <dgm:prSet presAssocID="{51988A88-3DCB-4B61-9998-FAAA88AC3653}" presName="sibTrans" presStyleCnt="0"/>
+      <dgm:spPr/>
+    </dgm:pt>
+    <dgm:pt modelId="{A859A5ED-96DB-4767-9556-5300945B427F}" type="pres">
+      <dgm:prSet presAssocID="{98530C36-F109-4607-BFDE-BC391E73C4BC}" presName="compositeNode" presStyleCnt="0">
+        <dgm:presLayoutVars>
+          <dgm:bulletEnabled val="1"/>
+        </dgm:presLayoutVars>
+      </dgm:prSet>
+      <dgm:spPr/>
+    </dgm:pt>
+    <dgm:pt modelId="{545AB69D-C7F1-425F-BDAA-870E1BD9236D}" type="pres">
+      <dgm:prSet presAssocID="{98530C36-F109-4607-BFDE-BC391E73C4BC}" presName="bgRect" presStyleLbl="bgAccFollowNode1" presStyleIdx="2" presStyleCnt="4"/>
+      <dgm:spPr/>
+    </dgm:pt>
+    <dgm:pt modelId="{270DAA37-033C-4FBF-B3C5-F3259E1520CB}" type="pres">
+      <dgm:prSet presAssocID="{9C3C60AF-6A38-4D80-8A0D-4279AD83CE63}" presName="sibTransNodeCircle" presStyleLbl="alignNode1" presStyleIdx="4" presStyleCnt="8">
+        <dgm:presLayoutVars>
+          <dgm:chMax val="0"/>
+          <dgm:bulletEnabled/>
+        </dgm:presLayoutVars>
+      </dgm:prSet>
+      <dgm:spPr/>
+    </dgm:pt>
+    <dgm:pt modelId="{E95DFE27-C7D9-4A44-BB57-62A16A41A767}" type="pres">
+      <dgm:prSet presAssocID="{98530C36-F109-4607-BFDE-BC391E73C4BC}" presName="bottomLine" presStyleLbl="alignNode1" presStyleIdx="5" presStyleCnt="8">
+        <dgm:presLayoutVars/>
+      </dgm:prSet>
+      <dgm:spPr/>
+    </dgm:pt>
+    <dgm:pt modelId="{7182F2E8-0FE4-40E2-90AF-E52FC6ACB532}" type="pres">
+      <dgm:prSet presAssocID="{98530C36-F109-4607-BFDE-BC391E73C4BC}" presName="nodeText" presStyleLbl="bgAccFollowNode1" presStyleIdx="2" presStyleCnt="4">
+        <dgm:presLayoutVars>
+          <dgm:bulletEnabled val="1"/>
+        </dgm:presLayoutVars>
+      </dgm:prSet>
+      <dgm:spPr/>
+    </dgm:pt>
+    <dgm:pt modelId="{8E0B8FDC-5743-4065-9274-857808D840DB}" type="pres">
+      <dgm:prSet presAssocID="{9C3C60AF-6A38-4D80-8A0D-4279AD83CE63}" presName="sibTrans" presStyleCnt="0"/>
+      <dgm:spPr/>
+    </dgm:pt>
+    <dgm:pt modelId="{B5FD2AC5-F02B-4AD5-9DE5-59E7093B607F}" type="pres">
+      <dgm:prSet presAssocID="{874AABA0-E5A4-4AB0-B6CA-03C561803974}" presName="compositeNode" presStyleCnt="0">
+        <dgm:presLayoutVars>
+          <dgm:bulletEnabled val="1"/>
+        </dgm:presLayoutVars>
+      </dgm:prSet>
+      <dgm:spPr/>
+    </dgm:pt>
+    <dgm:pt modelId="{9351060C-ACBE-49AC-A648-BD79B54DE694}" type="pres">
+      <dgm:prSet presAssocID="{874AABA0-E5A4-4AB0-B6CA-03C561803974}" presName="bgRect" presStyleLbl="bgAccFollowNode1" presStyleIdx="3" presStyleCnt="4"/>
+      <dgm:spPr/>
+    </dgm:pt>
+    <dgm:pt modelId="{0976773B-12B7-4330-9710-1EA00090547F}" type="pres">
+      <dgm:prSet presAssocID="{19E745A0-E5B9-4A0B-BB88-6D7DCF47622D}" presName="sibTransNodeCircle" presStyleLbl="alignNode1" presStyleIdx="6" presStyleCnt="8">
+        <dgm:presLayoutVars>
+          <dgm:chMax val="0"/>
+          <dgm:bulletEnabled/>
+        </dgm:presLayoutVars>
+      </dgm:prSet>
+      <dgm:spPr/>
+    </dgm:pt>
+    <dgm:pt modelId="{865066A0-097F-4E6D-9502-9C489920F2EC}" type="pres">
+      <dgm:prSet presAssocID="{874AABA0-E5A4-4AB0-B6CA-03C561803974}" presName="bottomLine" presStyleLbl="alignNode1" presStyleIdx="7" presStyleCnt="8">
+        <dgm:presLayoutVars/>
+      </dgm:prSet>
+      <dgm:spPr/>
+    </dgm:pt>
+    <dgm:pt modelId="{0E48C784-2E8C-4E2A-AF68-35FCF40F2DC7}" type="pres">
+      <dgm:prSet presAssocID="{874AABA0-E5A4-4AB0-B6CA-03C561803974}" presName="nodeText" presStyleLbl="bgAccFollowNode1" presStyleIdx="3" presStyleCnt="4">
+        <dgm:presLayoutVars>
+          <dgm:bulletEnabled val="1"/>
+        </dgm:presLayoutVars>
+      </dgm:prSet>
+      <dgm:spPr/>
+    </dgm:pt>
+  </dgm:ptLst>
+  <dgm:cxnLst>
+    <dgm:cxn modelId="{C0664D4E-760C-4EAD-977C-C4A9C5B56A2C}" type="presOf" srcId="{7719C351-1624-4952-B836-669A2236CE7A}" destId="{ACAA34E6-767F-4D68-B93B-8FDE92B40A4E}" srcOrd="0" destOrd="0" presId="urn:microsoft.com/office/officeart/2016/7/layout/BasicLinearProcessNumbered"/>
+    <dgm:cxn modelId="{04E86221-C6C1-41B0-B971-715364DC5496}" srcId="{8C8C5CB6-8D97-4B7A-99DB-2CE5859E52FC}" destId="{F3C78B03-AC34-4B6E-9893-80ABC5B4D408}" srcOrd="0" destOrd="0" parTransId="{2283EF88-DB16-4BDA-A23C-E8B77474016D}" sibTransId="{7719C351-1624-4952-B836-669A2236CE7A}"/>
+    <dgm:cxn modelId="{9BD8BCEE-E46D-4144-8DFC-9FEAAD793CEE}" type="presOf" srcId="{747CEA16-7606-4CD5-8B24-F474A4E3739B}" destId="{143D6255-AAB4-4045-8F0B-E8BC70E58020}" srcOrd="1" destOrd="0" presId="urn:microsoft.com/office/officeart/2016/7/layout/BasicLinearProcessNumbered"/>
+    <dgm:cxn modelId="{8436B07A-3354-49CA-AAE9-3FEE3C819527}" type="presOf" srcId="{19E745A0-E5B9-4A0B-BB88-6D7DCF47622D}" destId="{0976773B-12B7-4330-9710-1EA00090547F}" srcOrd="0" destOrd="0" presId="urn:microsoft.com/office/officeart/2016/7/layout/BasicLinearProcessNumbered"/>
+    <dgm:cxn modelId="{9B8208B8-FB20-4644-9D21-7FB83E59A9C6}" type="presOf" srcId="{98530C36-F109-4607-BFDE-BC391E73C4BC}" destId="{545AB69D-C7F1-425F-BDAA-870E1BD9236D}" srcOrd="0" destOrd="0" presId="urn:microsoft.com/office/officeart/2016/7/layout/BasicLinearProcessNumbered"/>
+    <dgm:cxn modelId="{7AFEC5E9-1F9D-42CA-AD50-926B66F69366}" type="presOf" srcId="{8C8C5CB6-8D97-4B7A-99DB-2CE5859E52FC}" destId="{0C9C758F-9459-448C-8390-8921205C193F}" srcOrd="0" destOrd="0" presId="urn:microsoft.com/office/officeart/2016/7/layout/BasicLinearProcessNumbered"/>
+    <dgm:cxn modelId="{F7016E09-DE31-47DA-99CA-4DB0F80757BA}" type="presOf" srcId="{874AABA0-E5A4-4AB0-B6CA-03C561803974}" destId="{9351060C-ACBE-49AC-A648-BD79B54DE694}" srcOrd="0" destOrd="0" presId="urn:microsoft.com/office/officeart/2016/7/layout/BasicLinearProcessNumbered"/>
+    <dgm:cxn modelId="{A8E11577-776D-47E2-8828-2E7AC760842F}" type="presOf" srcId="{747CEA16-7606-4CD5-8B24-F474A4E3739B}" destId="{BDDD252A-8513-4EDC-B14E-9597C7BD7549}" srcOrd="0" destOrd="0" presId="urn:microsoft.com/office/officeart/2016/7/layout/BasicLinearProcessNumbered"/>
+    <dgm:cxn modelId="{E51DA8E2-7E29-4650-BD4B-BA45A96D6F10}" srcId="{8C8C5CB6-8D97-4B7A-99DB-2CE5859E52FC}" destId="{874AABA0-E5A4-4AB0-B6CA-03C561803974}" srcOrd="3" destOrd="0" parTransId="{8A063C10-EB1C-4F73-A357-B7F6848AF871}" sibTransId="{19E745A0-E5B9-4A0B-BB88-6D7DCF47622D}"/>
+    <dgm:cxn modelId="{BEBA1F02-3FE4-4126-9EBB-F8A846A31D06}" type="presOf" srcId="{51988A88-3DCB-4B61-9998-FAAA88AC3653}" destId="{DE5A761A-F766-4E26-927C-190D6F821595}" srcOrd="0" destOrd="0" presId="urn:microsoft.com/office/officeart/2016/7/layout/BasicLinearProcessNumbered"/>
+    <dgm:cxn modelId="{A7C1085A-CDED-4D32-AF16-A1C908924C22}" srcId="{8C8C5CB6-8D97-4B7A-99DB-2CE5859E52FC}" destId="{98530C36-F109-4607-BFDE-BC391E73C4BC}" srcOrd="2" destOrd="0" parTransId="{5F59E2C3-9ABA-45D6-B273-0DF6B9BBFAD0}" sibTransId="{9C3C60AF-6A38-4D80-8A0D-4279AD83CE63}"/>
+    <dgm:cxn modelId="{89EF3C1F-C3F3-44C5-8221-CD69533D7436}" type="presOf" srcId="{9C3C60AF-6A38-4D80-8A0D-4279AD83CE63}" destId="{270DAA37-033C-4FBF-B3C5-F3259E1520CB}" srcOrd="0" destOrd="0" presId="urn:microsoft.com/office/officeart/2016/7/layout/BasicLinearProcessNumbered"/>
+    <dgm:cxn modelId="{67C824D3-D0AB-4842-B4BA-B906B3481EF9}" srcId="{8C8C5CB6-8D97-4B7A-99DB-2CE5859E52FC}" destId="{747CEA16-7606-4CD5-8B24-F474A4E3739B}" srcOrd="1" destOrd="0" parTransId="{A715A50B-8AC1-47B8-8D82-AACF5F26B82E}" sibTransId="{51988A88-3DCB-4B61-9998-FAAA88AC3653}"/>
+    <dgm:cxn modelId="{12F980FE-8A74-4594-8827-EBC3D3092688}" type="presOf" srcId="{F3C78B03-AC34-4B6E-9893-80ABC5B4D408}" destId="{C5ED34C5-90E3-43EA-914E-0CE8BF6B2AB4}" srcOrd="1" destOrd="0" presId="urn:microsoft.com/office/officeart/2016/7/layout/BasicLinearProcessNumbered"/>
+    <dgm:cxn modelId="{657CF033-0F23-49D3-9672-1CC3095C3DBE}" type="presOf" srcId="{874AABA0-E5A4-4AB0-B6CA-03C561803974}" destId="{0E48C784-2E8C-4E2A-AF68-35FCF40F2DC7}" srcOrd="1" destOrd="0" presId="urn:microsoft.com/office/officeart/2016/7/layout/BasicLinearProcessNumbered"/>
+    <dgm:cxn modelId="{98EE4C95-41AE-44F6-8936-BF193358840F}" type="presOf" srcId="{98530C36-F109-4607-BFDE-BC391E73C4BC}" destId="{7182F2E8-0FE4-40E2-90AF-E52FC6ACB532}" srcOrd="1" destOrd="0" presId="urn:microsoft.com/office/officeart/2016/7/layout/BasicLinearProcessNumbered"/>
+    <dgm:cxn modelId="{8974113F-514B-44EF-AD65-130C72F94C76}" type="presOf" srcId="{F3C78B03-AC34-4B6E-9893-80ABC5B4D408}" destId="{C10D3F62-C659-484C-A945-0401FE9F6EC5}" srcOrd="0" destOrd="0" presId="urn:microsoft.com/office/officeart/2016/7/layout/BasicLinearProcessNumbered"/>
+    <dgm:cxn modelId="{232A514F-0D0A-477E-B361-BBE8EE53AC47}" type="presParOf" srcId="{0C9C758F-9459-448C-8390-8921205C193F}" destId="{871246F3-01F0-4D41-944C-BC39DDC003C6}" srcOrd="0" destOrd="0" presId="urn:microsoft.com/office/officeart/2016/7/layout/BasicLinearProcessNumbered"/>
+    <dgm:cxn modelId="{AD724027-0985-4135-8D25-EC1D6D2B07A6}" type="presParOf" srcId="{871246F3-01F0-4D41-944C-BC39DDC003C6}" destId="{C10D3F62-C659-484C-A945-0401FE9F6EC5}" srcOrd="0" destOrd="0" presId="urn:microsoft.com/office/officeart/2016/7/layout/BasicLinearProcessNumbered"/>
+    <dgm:cxn modelId="{2B813E3D-1282-4521-828E-83308EFF7F59}" type="presParOf" srcId="{871246F3-01F0-4D41-944C-BC39DDC003C6}" destId="{ACAA34E6-767F-4D68-B93B-8FDE92B40A4E}" srcOrd="1" destOrd="0" presId="urn:microsoft.com/office/officeart/2016/7/layout/BasicLinearProcessNumbered"/>
+    <dgm:cxn modelId="{AB243C08-B50E-4DD9-BE36-BA162F84A0E4}" type="presParOf" srcId="{871246F3-01F0-4D41-944C-BC39DDC003C6}" destId="{7400FDBD-D909-4EEF-8BE8-F79E84E0AF16}" srcOrd="2" destOrd="0" presId="urn:microsoft.com/office/officeart/2016/7/layout/BasicLinearProcessNumbered"/>
+    <dgm:cxn modelId="{5966C346-F0F1-48E3-BC29-619E34938E13}" type="presParOf" srcId="{871246F3-01F0-4D41-944C-BC39DDC003C6}" destId="{C5ED34C5-90E3-43EA-914E-0CE8BF6B2AB4}" srcOrd="3" destOrd="0" presId="urn:microsoft.com/office/officeart/2016/7/layout/BasicLinearProcessNumbered"/>
+    <dgm:cxn modelId="{AA624DB2-855F-45CA-BB02-F9F64C44FE80}" type="presParOf" srcId="{0C9C758F-9459-448C-8390-8921205C193F}" destId="{5898B472-CA81-4DC0-85D7-1205775260F7}" srcOrd="1" destOrd="0" presId="urn:microsoft.com/office/officeart/2016/7/layout/BasicLinearProcessNumbered"/>
+    <dgm:cxn modelId="{ED1E2D42-7934-4C65-BA0B-3833054D4079}" type="presParOf" srcId="{0C9C758F-9459-448C-8390-8921205C193F}" destId="{69DE20A1-85A1-48DC-A029-306C9DA58D11}" srcOrd="2" destOrd="0" presId="urn:microsoft.com/office/officeart/2016/7/layout/BasicLinearProcessNumbered"/>
+    <dgm:cxn modelId="{C11BE99A-D259-4CBE-AE67-8F5BD9F02426}" type="presParOf" srcId="{69DE20A1-85A1-48DC-A029-306C9DA58D11}" destId="{BDDD252A-8513-4EDC-B14E-9597C7BD7549}" srcOrd="0" destOrd="0" presId="urn:microsoft.com/office/officeart/2016/7/layout/BasicLinearProcessNumbered"/>
+    <dgm:cxn modelId="{1CD0CD5F-E7B5-44DE-A4ED-6A9E91C497B0}" type="presParOf" srcId="{69DE20A1-85A1-48DC-A029-306C9DA58D11}" destId="{DE5A761A-F766-4E26-927C-190D6F821595}" srcOrd="1" destOrd="0" presId="urn:microsoft.com/office/officeart/2016/7/layout/BasicLinearProcessNumbered"/>
+    <dgm:cxn modelId="{9BFB245C-A8FE-40CA-A39A-5C2B7AB1D4FF}" type="presParOf" srcId="{69DE20A1-85A1-48DC-A029-306C9DA58D11}" destId="{E03BC08E-6F70-4B97-A67C-A723048DDFDA}" srcOrd="2" destOrd="0" presId="urn:microsoft.com/office/officeart/2016/7/layout/BasicLinearProcessNumbered"/>
+    <dgm:cxn modelId="{92FF8DFB-76D7-48B8-88A2-3B937C7E9FEF}" type="presParOf" srcId="{69DE20A1-85A1-48DC-A029-306C9DA58D11}" destId="{143D6255-AAB4-4045-8F0B-E8BC70E58020}" srcOrd="3" destOrd="0" presId="urn:microsoft.com/office/officeart/2016/7/layout/BasicLinearProcessNumbered"/>
+    <dgm:cxn modelId="{744BABE3-658D-4C8C-A0D6-97F5D3DFD9E3}" type="presParOf" srcId="{0C9C758F-9459-448C-8390-8921205C193F}" destId="{D838365F-D758-4AC0-8868-4A9A8259DCD8}" srcOrd="3" destOrd="0" presId="urn:microsoft.com/office/officeart/2016/7/layout/BasicLinearProcessNumbered"/>
+    <dgm:cxn modelId="{C8A344B9-A21A-4607-810C-EBFC4533ACA7}" type="presParOf" srcId="{0C9C758F-9459-448C-8390-8921205C193F}" destId="{A859A5ED-96DB-4767-9556-5300945B427F}" srcOrd="4" destOrd="0" presId="urn:microsoft.com/office/officeart/2016/7/layout/BasicLinearProcessNumbered"/>
+    <dgm:cxn modelId="{34481E39-6D3C-4AA7-878C-5B56CF21AA96}" type="presParOf" srcId="{A859A5ED-96DB-4767-9556-5300945B427F}" destId="{545AB69D-C7F1-425F-BDAA-870E1BD9236D}" srcOrd="0" destOrd="0" presId="urn:microsoft.com/office/officeart/2016/7/layout/BasicLinearProcessNumbered"/>
+    <dgm:cxn modelId="{CF81F6B3-CF37-42A0-9FC4-66C76BCF33B7}" type="presParOf" srcId="{A859A5ED-96DB-4767-9556-5300945B427F}" destId="{270DAA37-033C-4FBF-B3C5-F3259E1520CB}" srcOrd="1" destOrd="0" presId="urn:microsoft.com/office/officeart/2016/7/layout/BasicLinearProcessNumbered"/>
+    <dgm:cxn modelId="{C0586304-CE1B-4081-96B1-3679865FFA95}" type="presParOf" srcId="{A859A5ED-96DB-4767-9556-5300945B427F}" destId="{E95DFE27-C7D9-4A44-BB57-62A16A41A767}" srcOrd="2" destOrd="0" presId="urn:microsoft.com/office/officeart/2016/7/layout/BasicLinearProcessNumbered"/>
+    <dgm:cxn modelId="{934898EC-DF2E-4C15-9AAA-DED902678095}" type="presParOf" srcId="{A859A5ED-96DB-4767-9556-5300945B427F}" destId="{7182F2E8-0FE4-40E2-90AF-E52FC6ACB532}" srcOrd="3" destOrd="0" presId="urn:microsoft.com/office/officeart/2016/7/layout/BasicLinearProcessNumbered"/>
+    <dgm:cxn modelId="{C0C7EAE4-E546-4F9D-9350-419DF4457F6A}" type="presParOf" srcId="{0C9C758F-9459-448C-8390-8921205C193F}" destId="{8E0B8FDC-5743-4065-9274-857808D840DB}" srcOrd="5" destOrd="0" presId="urn:microsoft.com/office/officeart/2016/7/layout/BasicLinearProcessNumbered"/>
+    <dgm:cxn modelId="{D56D385B-5EFE-4552-BEAE-88EAADED6699}" type="presParOf" srcId="{0C9C758F-9459-448C-8390-8921205C193F}" destId="{B5FD2AC5-F02B-4AD5-9DE5-59E7093B607F}" srcOrd="6" destOrd="0" presId="urn:microsoft.com/office/officeart/2016/7/layout/BasicLinearProcessNumbered"/>
+    <dgm:cxn modelId="{4B2D1D64-685C-4713-9A9F-A1C5BF05B6D1}" type="presParOf" srcId="{B5FD2AC5-F02B-4AD5-9DE5-59E7093B607F}" destId="{9351060C-ACBE-49AC-A648-BD79B54DE694}" srcOrd="0" destOrd="0" presId="urn:microsoft.com/office/officeart/2016/7/layout/BasicLinearProcessNumbered"/>
+    <dgm:cxn modelId="{CFF578BA-E83C-42D0-9BDD-08847265FFF0}" type="presParOf" srcId="{B5FD2AC5-F02B-4AD5-9DE5-59E7093B607F}" destId="{0976773B-12B7-4330-9710-1EA00090547F}" srcOrd="1" destOrd="0" presId="urn:microsoft.com/office/officeart/2016/7/layout/BasicLinearProcessNumbered"/>
+    <dgm:cxn modelId="{0042A6A3-28E7-4EF6-A645-1DFFEC09DDC5}" type="presParOf" srcId="{B5FD2AC5-F02B-4AD5-9DE5-59E7093B607F}" destId="{865066A0-097F-4E6D-9502-9C489920F2EC}" srcOrd="2" destOrd="0" presId="urn:microsoft.com/office/officeart/2016/7/layout/BasicLinearProcessNumbered"/>
+    <dgm:cxn modelId="{931EB386-B672-4403-855D-C2732BB4B5B5}" type="presParOf" srcId="{B5FD2AC5-F02B-4AD5-9DE5-59E7093B607F}" destId="{0E48C784-2E8C-4E2A-AF68-35FCF40F2DC7}" srcOrd="3" destOrd="0" presId="urn:microsoft.com/office/officeart/2016/7/layout/BasicLinearProcessNumbered"/>
+  </dgm:cxnLst>
+  <dgm:bg/>
+  <dgm:whole/>
+  <dgm:extLst>
+    <a:ext uri="http://schemas.microsoft.com/office/drawing/2008/diagram">
+      <dsp:dataModelExt xmlns:dsp="http://schemas.microsoft.com/office/drawing/2008/diagram" relId="rId7" minVer="http://schemas.openxmlformats.org/drawingml/2006/diagram"/>
+    </a:ext>
+  </dgm:extLst>
+</dgm:dataModel>
+</file>
+
+<file path=ppt/diagrams/drawing1.xml><?xml version="1.0" encoding="utf-8"?>
+<dsp:drawing xmlns:dgm="http://schemas.openxmlformats.org/drawingml/2006/diagram" xmlns:dsp="http://schemas.microsoft.com/office/drawing/2008/diagram" xmlns:a="http://schemas.openxmlformats.org/drawingml/2006/main">
+  <dsp:spTree>
+    <dsp:nvGrpSpPr>
+      <dsp:cNvPr id="0" name=""/>
+      <dsp:cNvGrpSpPr/>
+    </dsp:nvGrpSpPr>
+    <dsp:grpSpPr/>
+    <dsp:sp modelId="{C10D3F62-C659-484C-A945-0401FE9F6EC5}">
+      <dsp:nvSpPr>
+        <dsp:cNvPr id="0" name=""/>
+        <dsp:cNvSpPr/>
+      </dsp:nvSpPr>
+      <dsp:spPr>
+        <a:xfrm>
+          <a:off x="3080" y="464830"/>
+          <a:ext cx="2444055" cy="3421677"/>
+        </a:xfrm>
+        <a:prstGeom prst="rect">
+          <a:avLst/>
+        </a:prstGeom>
+        <a:solidFill>
+          <a:schemeClr val="bg1">
+            <a:lumMod val="95000"/>
+            <a:hueOff val="0"/>
+            <a:satOff val="0"/>
+            <a:lumOff val="0"/>
+            <a:alphaOff val="0"/>
+          </a:schemeClr>
+        </a:solidFill>
+        <a:ln w="12700" cap="flat" cmpd="sng" algn="ctr">
+          <a:solidFill>
+            <a:schemeClr val="bg1">
+              <a:lumMod val="95000"/>
+              <a:hueOff val="0"/>
+              <a:satOff val="0"/>
+              <a:lumOff val="0"/>
+              <a:alphaOff val="0"/>
+            </a:schemeClr>
+          </a:solidFill>
+          <a:prstDash val="solid"/>
+          <a:miter lim="800000"/>
+        </a:ln>
+        <a:effectLst/>
+      </dsp:spPr>
+      <dsp:style>
+        <a:lnRef idx="2">
+          <a:scrgbClr r="0" g="0" b="0"/>
+        </a:lnRef>
+        <a:fillRef idx="1">
+          <a:scrgbClr r="0" g="0" b="0"/>
+        </a:fillRef>
+        <a:effectRef idx="0">
+          <a:scrgbClr r="0" g="0" b="0"/>
+        </a:effectRef>
+        <a:fontRef idx="minor"/>
+      </dsp:style>
+      <dsp:txBody>
+        <a:bodyPr spcFirstLastPara="0" vert="horz" wrap="square" lIns="190548" tIns="330200" rIns="190548" bIns="330200" numCol="1" spcCol="1270" anchor="t" anchorCtr="0">
+          <a:noAutofit/>
+        </a:bodyPr>
+        <a:lstStyle/>
+        <a:p>
+          <a:pPr marL="0" lvl="0" indent="0" algn="ctr" defTabSz="889000">
+            <a:lnSpc>
+              <a:spcPct val="90000"/>
+            </a:lnSpc>
+            <a:spcBef>
+              <a:spcPct val="0"/>
+            </a:spcBef>
+            <a:spcAft>
+              <a:spcPct val="35000"/>
+            </a:spcAft>
+            <a:buNone/>
+          </a:pPr>
+          <a:r>
+            <a:rPr lang="en-US" sz="2000" kern="1200" dirty="0"/>
+            <a:t>Context</a:t>
+          </a:r>
+        </a:p>
+        <a:p>
+          <a:pPr marL="0" lvl="0" indent="0" algn="ctr" defTabSz="889000">
+            <a:lnSpc>
+              <a:spcPct val="90000"/>
+            </a:lnSpc>
+            <a:spcBef>
+              <a:spcPct val="0"/>
+            </a:spcBef>
+            <a:spcAft>
+              <a:spcPct val="35000"/>
+            </a:spcAft>
+            <a:buNone/>
+          </a:pPr>
+          <a:r>
+            <a:rPr lang="en-US" sz="1600" kern="1200" dirty="0"/>
+            <a:t>Location awareness</a:t>
+          </a:r>
+        </a:p>
+      </dsp:txBody>
+      <dsp:txXfrm>
+        <a:off x="3080" y="1765067"/>
+        <a:ext cx="2444055" cy="2053006"/>
+      </dsp:txXfrm>
+    </dsp:sp>
+    <dsp:sp modelId="{ACAA34E6-767F-4D68-B93B-8FDE92B40A4E}">
+      <dsp:nvSpPr>
+        <dsp:cNvPr id="0" name=""/>
+        <dsp:cNvSpPr/>
+      </dsp:nvSpPr>
+      <dsp:spPr>
+        <a:xfrm>
+          <a:off x="711856" y="806997"/>
+          <a:ext cx="1026503" cy="1026503"/>
+        </a:xfrm>
+        <a:prstGeom prst="ellipse">
+          <a:avLst/>
+        </a:prstGeom>
+        <a:solidFill>
+          <a:srgbClr val="43B02A"/>
+        </a:solidFill>
+        <a:ln w="12700" cap="flat" cmpd="sng" algn="ctr">
+          <a:solidFill>
+            <a:schemeClr val="accent1">
+              <a:hueOff val="0"/>
+              <a:satOff val="0"/>
+              <a:lumOff val="0"/>
+              <a:alphaOff val="0"/>
+            </a:schemeClr>
+          </a:solidFill>
+          <a:prstDash val="solid"/>
+          <a:miter lim="800000"/>
+        </a:ln>
+        <a:effectLst/>
+      </dsp:spPr>
+      <dsp:style>
+        <a:lnRef idx="2">
+          <a:scrgbClr r="0" g="0" b="0"/>
+        </a:lnRef>
+        <a:fillRef idx="1">
+          <a:scrgbClr r="0" g="0" b="0"/>
+        </a:fillRef>
+        <a:effectRef idx="0">
+          <a:scrgbClr r="0" g="0" b="0"/>
+        </a:effectRef>
+        <a:fontRef idx="minor">
+          <a:schemeClr val="lt1"/>
+        </a:fontRef>
+      </dsp:style>
+      <dsp:txBody>
+        <a:bodyPr spcFirstLastPara="0" vert="horz" wrap="square" lIns="80030" tIns="12700" rIns="80030" bIns="12700" numCol="1" spcCol="1270" anchor="ctr" anchorCtr="0">
+          <a:noAutofit/>
+        </a:bodyPr>
+        <a:lstStyle/>
+        <a:p>
+          <a:pPr marL="0" lvl="0" indent="0" algn="ctr" defTabSz="2133600">
+            <a:lnSpc>
+              <a:spcPct val="90000"/>
+            </a:lnSpc>
+            <a:spcBef>
+              <a:spcPct val="0"/>
+            </a:spcBef>
+            <a:spcAft>
+              <a:spcPct val="35000"/>
+            </a:spcAft>
+            <a:buNone/>
+          </a:pPr>
+          <a:r>
+            <a:rPr lang="en-US" sz="4800" kern="1200" dirty="0"/>
+            <a:t>1</a:t>
+          </a:r>
+        </a:p>
+      </dsp:txBody>
+      <dsp:txXfrm>
+        <a:off x="862184" y="957325"/>
+        <a:ext cx="725847" cy="725847"/>
+      </dsp:txXfrm>
+    </dsp:sp>
+    <dsp:sp modelId="{7400FDBD-D909-4EEF-8BE8-F79E84E0AF16}">
+      <dsp:nvSpPr>
+        <dsp:cNvPr id="0" name=""/>
+        <dsp:cNvSpPr/>
+      </dsp:nvSpPr>
+      <dsp:spPr>
+        <a:xfrm>
+          <a:off x="3080" y="3886435"/>
+          <a:ext cx="2444055" cy="72"/>
+        </a:xfrm>
+        <a:prstGeom prst="rect">
+          <a:avLst/>
+        </a:prstGeom>
+        <a:solidFill>
+          <a:schemeClr val="accent1">
+            <a:hueOff val="0"/>
+            <a:satOff val="0"/>
+            <a:lumOff val="0"/>
+            <a:alphaOff val="0"/>
+          </a:schemeClr>
+        </a:solidFill>
+        <a:ln w="12700" cap="flat" cmpd="sng" algn="ctr">
+          <a:solidFill>
+            <a:schemeClr val="accent1">
+              <a:hueOff val="0"/>
+              <a:satOff val="0"/>
+              <a:lumOff val="0"/>
+              <a:alphaOff val="0"/>
+            </a:schemeClr>
+          </a:solidFill>
+          <a:prstDash val="solid"/>
+          <a:miter lim="800000"/>
+        </a:ln>
+        <a:effectLst/>
+      </dsp:spPr>
+      <dsp:style>
+        <a:lnRef idx="2">
+          <a:scrgbClr r="0" g="0" b="0"/>
+        </a:lnRef>
+        <a:fillRef idx="1">
+          <a:scrgbClr r="0" g="0" b="0"/>
+        </a:fillRef>
+        <a:effectRef idx="0">
+          <a:scrgbClr r="0" g="0" b="0"/>
+        </a:effectRef>
+        <a:fontRef idx="minor">
+          <a:schemeClr val="lt1"/>
+        </a:fontRef>
+      </dsp:style>
+    </dsp:sp>
+    <dsp:sp modelId="{BDDD252A-8513-4EDC-B14E-9597C7BD7549}">
+      <dsp:nvSpPr>
+        <dsp:cNvPr id="0" name=""/>
+        <dsp:cNvSpPr/>
+      </dsp:nvSpPr>
+      <dsp:spPr>
+        <a:xfrm>
+          <a:off x="2691541" y="464830"/>
+          <a:ext cx="2444055" cy="3421677"/>
+        </a:xfrm>
+        <a:prstGeom prst="rect">
+          <a:avLst/>
+        </a:prstGeom>
+        <a:solidFill>
+          <a:schemeClr val="bg1">
+            <a:lumMod val="95000"/>
+            <a:hueOff val="0"/>
+            <a:satOff val="0"/>
+            <a:lumOff val="0"/>
+            <a:alphaOff val="0"/>
+          </a:schemeClr>
+        </a:solidFill>
+        <a:ln w="12700" cap="flat" cmpd="sng" algn="ctr">
+          <a:solidFill>
+            <a:schemeClr val="bg1">
+              <a:lumMod val="95000"/>
+              <a:hueOff val="0"/>
+              <a:satOff val="0"/>
+              <a:lumOff val="0"/>
+              <a:alphaOff val="0"/>
+            </a:schemeClr>
+          </a:solidFill>
+          <a:prstDash val="solid"/>
+          <a:miter lim="800000"/>
+        </a:ln>
+        <a:effectLst/>
+      </dsp:spPr>
+      <dsp:style>
+        <a:lnRef idx="2">
+          <a:scrgbClr r="0" g="0" b="0"/>
+        </a:lnRef>
+        <a:fillRef idx="1">
+          <a:scrgbClr r="0" g="0" b="0"/>
+        </a:fillRef>
+        <a:effectRef idx="0">
+          <a:scrgbClr r="0" g="0" b="0"/>
+        </a:effectRef>
+        <a:fontRef idx="minor"/>
+      </dsp:style>
+      <dsp:txBody>
+        <a:bodyPr spcFirstLastPara="0" vert="horz" wrap="square" lIns="190548" tIns="330200" rIns="190548" bIns="330200" numCol="1" spcCol="1270" anchor="t" anchorCtr="0">
+          <a:noAutofit/>
+        </a:bodyPr>
+        <a:lstStyle/>
+        <a:p>
+          <a:pPr marL="0" lvl="0" indent="0" algn="ctr" defTabSz="889000">
+            <a:lnSpc>
+              <a:spcPct val="90000"/>
+            </a:lnSpc>
+            <a:spcBef>
+              <a:spcPct val="0"/>
+            </a:spcBef>
+            <a:spcAft>
+              <a:spcPct val="35000"/>
+            </a:spcAft>
+            <a:buNone/>
+          </a:pPr>
+          <a:r>
+            <a:rPr lang="en-US" sz="2000" kern="1200" dirty="0"/>
+            <a:t>Availability</a:t>
+          </a:r>
+        </a:p>
+        <a:p>
+          <a:pPr marL="0" lvl="0" indent="0" algn="ctr" defTabSz="889000">
+            <a:lnSpc>
+              <a:spcPct val="90000"/>
+            </a:lnSpc>
+            <a:spcBef>
+              <a:spcPct val="0"/>
+            </a:spcBef>
+            <a:spcAft>
+              <a:spcPct val="35000"/>
+            </a:spcAft>
+            <a:buNone/>
+          </a:pPr>
+          <a:r>
+            <a:rPr lang="en-US" sz="1600" kern="1200" dirty="0"/>
+            <a:t>Most used form factor</a:t>
+          </a:r>
+        </a:p>
+      </dsp:txBody>
+      <dsp:txXfrm>
+        <a:off x="2691541" y="1765067"/>
+        <a:ext cx="2444055" cy="2053006"/>
+      </dsp:txXfrm>
+    </dsp:sp>
+    <dsp:sp modelId="{DE5A761A-F766-4E26-927C-190D6F821595}">
+      <dsp:nvSpPr>
+        <dsp:cNvPr id="0" name=""/>
+        <dsp:cNvSpPr/>
+      </dsp:nvSpPr>
+      <dsp:spPr>
+        <a:xfrm>
+          <a:off x="3400317" y="806997"/>
+          <a:ext cx="1026503" cy="1026503"/>
+        </a:xfrm>
+        <a:prstGeom prst="ellipse">
+          <a:avLst/>
+        </a:prstGeom>
+        <a:solidFill>
+          <a:srgbClr val="43B02A"/>
+        </a:solidFill>
+        <a:ln w="12700" cap="flat" cmpd="sng" algn="ctr">
+          <a:solidFill>
+            <a:schemeClr val="accent1">
+              <a:hueOff val="0"/>
+              <a:satOff val="0"/>
+              <a:lumOff val="0"/>
+              <a:alphaOff val="0"/>
+            </a:schemeClr>
+          </a:solidFill>
+          <a:prstDash val="solid"/>
+          <a:miter lim="800000"/>
+        </a:ln>
+        <a:effectLst/>
+      </dsp:spPr>
+      <dsp:style>
+        <a:lnRef idx="2">
+          <a:scrgbClr r="0" g="0" b="0"/>
+        </a:lnRef>
+        <a:fillRef idx="1">
+          <a:scrgbClr r="0" g="0" b="0"/>
+        </a:fillRef>
+        <a:effectRef idx="0">
+          <a:scrgbClr r="0" g="0" b="0"/>
+        </a:effectRef>
+        <a:fontRef idx="minor">
+          <a:schemeClr val="lt1"/>
+        </a:fontRef>
+      </dsp:style>
+      <dsp:txBody>
+        <a:bodyPr spcFirstLastPara="0" vert="horz" wrap="square" lIns="80030" tIns="12700" rIns="80030" bIns="12700" numCol="1" spcCol="1270" anchor="ctr" anchorCtr="0">
+          <a:noAutofit/>
+        </a:bodyPr>
+        <a:lstStyle/>
+        <a:p>
+          <a:pPr marL="0" lvl="0" indent="0" algn="ctr" defTabSz="2133600">
+            <a:lnSpc>
+              <a:spcPct val="90000"/>
+            </a:lnSpc>
+            <a:spcBef>
+              <a:spcPct val="0"/>
+            </a:spcBef>
+            <a:spcAft>
+              <a:spcPct val="35000"/>
+            </a:spcAft>
+            <a:buNone/>
+          </a:pPr>
+          <a:r>
+            <a:rPr lang="en-US" sz="4800" kern="1200" dirty="0"/>
+            <a:t>2</a:t>
+          </a:r>
+        </a:p>
+      </dsp:txBody>
+      <dsp:txXfrm>
+        <a:off x="3550645" y="957325"/>
+        <a:ext cx="725847" cy="725847"/>
+      </dsp:txXfrm>
+    </dsp:sp>
+    <dsp:sp modelId="{E03BC08E-6F70-4B97-A67C-A723048DDFDA}">
+      <dsp:nvSpPr>
+        <dsp:cNvPr id="0" name=""/>
+        <dsp:cNvSpPr/>
+      </dsp:nvSpPr>
+      <dsp:spPr>
+        <a:xfrm>
+          <a:off x="2691541" y="3886435"/>
+          <a:ext cx="2444055" cy="72"/>
+        </a:xfrm>
+        <a:prstGeom prst="rect">
+          <a:avLst/>
+        </a:prstGeom>
+        <a:solidFill>
+          <a:schemeClr val="accent1">
+            <a:hueOff val="0"/>
+            <a:satOff val="0"/>
+            <a:lumOff val="0"/>
+            <a:alphaOff val="0"/>
+          </a:schemeClr>
+        </a:solidFill>
+        <a:ln w="12700" cap="flat" cmpd="sng" algn="ctr">
+          <a:solidFill>
+            <a:schemeClr val="accent1">
+              <a:hueOff val="0"/>
+              <a:satOff val="0"/>
+              <a:lumOff val="0"/>
+              <a:alphaOff val="0"/>
+            </a:schemeClr>
+          </a:solidFill>
+          <a:prstDash val="solid"/>
+          <a:miter lim="800000"/>
+        </a:ln>
+        <a:effectLst/>
+      </dsp:spPr>
+      <dsp:style>
+        <a:lnRef idx="2">
+          <a:scrgbClr r="0" g="0" b="0"/>
+        </a:lnRef>
+        <a:fillRef idx="1">
+          <a:scrgbClr r="0" g="0" b="0"/>
+        </a:fillRef>
+        <a:effectRef idx="0">
+          <a:scrgbClr r="0" g="0" b="0"/>
+        </a:effectRef>
+        <a:fontRef idx="minor">
+          <a:schemeClr val="lt1"/>
+        </a:fontRef>
+      </dsp:style>
+    </dsp:sp>
+    <dsp:sp modelId="{545AB69D-C7F1-425F-BDAA-870E1BD9236D}">
+      <dsp:nvSpPr>
+        <dsp:cNvPr id="0" name=""/>
+        <dsp:cNvSpPr/>
+      </dsp:nvSpPr>
+      <dsp:spPr>
+        <a:xfrm>
+          <a:off x="5380002" y="464830"/>
+          <a:ext cx="2444055" cy="3421677"/>
+        </a:xfrm>
+        <a:prstGeom prst="rect">
+          <a:avLst/>
+        </a:prstGeom>
+        <a:solidFill>
+          <a:schemeClr val="bg1">
+            <a:lumMod val="95000"/>
+            <a:hueOff val="0"/>
+            <a:satOff val="0"/>
+            <a:lumOff val="0"/>
+            <a:alphaOff val="0"/>
+          </a:schemeClr>
+        </a:solidFill>
+        <a:ln w="12700" cap="flat" cmpd="sng" algn="ctr">
+          <a:solidFill>
+            <a:schemeClr val="bg1">
+              <a:lumMod val="95000"/>
+              <a:hueOff val="0"/>
+              <a:satOff val="0"/>
+              <a:lumOff val="0"/>
+              <a:alphaOff val="0"/>
+            </a:schemeClr>
+          </a:solidFill>
+          <a:prstDash val="solid"/>
+          <a:miter lim="800000"/>
+        </a:ln>
+        <a:effectLst/>
+      </dsp:spPr>
+      <dsp:style>
+        <a:lnRef idx="2">
+          <a:scrgbClr r="0" g="0" b="0"/>
+        </a:lnRef>
+        <a:fillRef idx="1">
+          <a:scrgbClr r="0" g="0" b="0"/>
+        </a:fillRef>
+        <a:effectRef idx="0">
+          <a:scrgbClr r="0" g="0" b="0"/>
+        </a:effectRef>
+        <a:fontRef idx="minor"/>
+      </dsp:style>
+      <dsp:txBody>
+        <a:bodyPr spcFirstLastPara="0" vert="horz" wrap="square" lIns="190548" tIns="330200" rIns="190548" bIns="330200" numCol="1" spcCol="1270" anchor="t" anchorCtr="0">
+          <a:noAutofit/>
+        </a:bodyPr>
+        <a:lstStyle/>
+        <a:p>
+          <a:pPr marL="0" lvl="0" indent="0" algn="ctr" defTabSz="889000">
+            <a:lnSpc>
+              <a:spcPct val="90000"/>
+            </a:lnSpc>
+            <a:spcBef>
+              <a:spcPct val="0"/>
+            </a:spcBef>
+            <a:spcAft>
+              <a:spcPct val="35000"/>
+            </a:spcAft>
+            <a:buNone/>
+          </a:pPr>
+          <a:r>
+            <a:rPr lang="en-US" sz="2000" kern="1200" dirty="0"/>
+            <a:t>Reach</a:t>
+          </a:r>
+        </a:p>
+        <a:p>
+          <a:pPr marL="0" lvl="0" indent="0" algn="ctr" defTabSz="889000">
+            <a:lnSpc>
+              <a:spcPct val="90000"/>
+            </a:lnSpc>
+            <a:spcBef>
+              <a:spcPct val="0"/>
+            </a:spcBef>
+            <a:spcAft>
+              <a:spcPct val="35000"/>
+            </a:spcAft>
+            <a:buNone/>
+          </a:pPr>
+          <a:r>
+            <a:rPr lang="en-US" sz="1600" kern="1200" dirty="0"/>
+            <a:t>Reach people when needed</a:t>
+          </a:r>
+        </a:p>
+      </dsp:txBody>
+      <dsp:txXfrm>
+        <a:off x="5380002" y="1765067"/>
+        <a:ext cx="2444055" cy="2053006"/>
+      </dsp:txXfrm>
+    </dsp:sp>
+    <dsp:sp modelId="{270DAA37-033C-4FBF-B3C5-F3259E1520CB}">
+      <dsp:nvSpPr>
+        <dsp:cNvPr id="0" name=""/>
+        <dsp:cNvSpPr/>
+      </dsp:nvSpPr>
+      <dsp:spPr>
+        <a:xfrm>
+          <a:off x="6088778" y="806997"/>
+          <a:ext cx="1026503" cy="1026503"/>
+        </a:xfrm>
+        <a:prstGeom prst="ellipse">
+          <a:avLst/>
+        </a:prstGeom>
+        <a:solidFill>
+          <a:srgbClr val="43B02A"/>
+        </a:solidFill>
+        <a:ln w="12700" cap="flat" cmpd="sng" algn="ctr">
+          <a:solidFill>
+            <a:schemeClr val="accent1">
+              <a:hueOff val="0"/>
+              <a:satOff val="0"/>
+              <a:lumOff val="0"/>
+              <a:alphaOff val="0"/>
+            </a:schemeClr>
+          </a:solidFill>
+          <a:prstDash val="solid"/>
+          <a:miter lim="800000"/>
+        </a:ln>
+        <a:effectLst/>
+      </dsp:spPr>
+      <dsp:style>
+        <a:lnRef idx="2">
+          <a:scrgbClr r="0" g="0" b="0"/>
+        </a:lnRef>
+        <a:fillRef idx="1">
+          <a:scrgbClr r="0" g="0" b="0"/>
+        </a:fillRef>
+        <a:effectRef idx="0">
+          <a:scrgbClr r="0" g="0" b="0"/>
+        </a:effectRef>
+        <a:fontRef idx="minor">
+          <a:schemeClr val="lt1"/>
+        </a:fontRef>
+      </dsp:style>
+      <dsp:txBody>
+        <a:bodyPr spcFirstLastPara="0" vert="horz" wrap="square" lIns="80030" tIns="12700" rIns="80030" bIns="12700" numCol="1" spcCol="1270" anchor="ctr" anchorCtr="0">
+          <a:noAutofit/>
+        </a:bodyPr>
+        <a:lstStyle/>
+        <a:p>
+          <a:pPr marL="0" lvl="0" indent="0" algn="ctr" defTabSz="2133600">
+            <a:lnSpc>
+              <a:spcPct val="90000"/>
+            </a:lnSpc>
+            <a:spcBef>
+              <a:spcPct val="0"/>
+            </a:spcBef>
+            <a:spcAft>
+              <a:spcPct val="35000"/>
+            </a:spcAft>
+            <a:buNone/>
+          </a:pPr>
+          <a:r>
+            <a:rPr lang="en-US" sz="4800" kern="1200" dirty="0"/>
+            <a:t>3</a:t>
+          </a:r>
+        </a:p>
+      </dsp:txBody>
+      <dsp:txXfrm>
+        <a:off x="6239106" y="957325"/>
+        <a:ext cx="725847" cy="725847"/>
+      </dsp:txXfrm>
+    </dsp:sp>
+    <dsp:sp modelId="{E95DFE27-C7D9-4A44-BB57-62A16A41A767}">
+      <dsp:nvSpPr>
+        <dsp:cNvPr id="0" name=""/>
+        <dsp:cNvSpPr/>
+      </dsp:nvSpPr>
+      <dsp:spPr>
+        <a:xfrm>
+          <a:off x="5380002" y="3886435"/>
+          <a:ext cx="2444055" cy="72"/>
+        </a:xfrm>
+        <a:prstGeom prst="rect">
+          <a:avLst/>
+        </a:prstGeom>
+        <a:solidFill>
+          <a:schemeClr val="accent1">
+            <a:hueOff val="0"/>
+            <a:satOff val="0"/>
+            <a:lumOff val="0"/>
+            <a:alphaOff val="0"/>
+          </a:schemeClr>
+        </a:solidFill>
+        <a:ln w="12700" cap="flat" cmpd="sng" algn="ctr">
+          <a:solidFill>
+            <a:schemeClr val="accent1">
+              <a:hueOff val="0"/>
+              <a:satOff val="0"/>
+              <a:lumOff val="0"/>
+              <a:alphaOff val="0"/>
+            </a:schemeClr>
+          </a:solidFill>
+          <a:prstDash val="solid"/>
+          <a:miter lim="800000"/>
+        </a:ln>
+        <a:effectLst/>
+      </dsp:spPr>
+      <dsp:style>
+        <a:lnRef idx="2">
+          <a:scrgbClr r="0" g="0" b="0"/>
+        </a:lnRef>
+        <a:fillRef idx="1">
+          <a:scrgbClr r="0" g="0" b="0"/>
+        </a:fillRef>
+        <a:effectRef idx="0">
+          <a:scrgbClr r="0" g="0" b="0"/>
+        </a:effectRef>
+        <a:fontRef idx="minor">
+          <a:schemeClr val="lt1"/>
+        </a:fontRef>
+      </dsp:style>
+    </dsp:sp>
+    <dsp:sp modelId="{9351060C-ACBE-49AC-A648-BD79B54DE694}">
+      <dsp:nvSpPr>
+        <dsp:cNvPr id="0" name=""/>
+        <dsp:cNvSpPr/>
+      </dsp:nvSpPr>
+      <dsp:spPr>
+        <a:xfrm>
+          <a:off x="8068463" y="464830"/>
+          <a:ext cx="2444055" cy="3421677"/>
+        </a:xfrm>
+        <a:prstGeom prst="rect">
+          <a:avLst/>
+        </a:prstGeom>
+        <a:solidFill>
+          <a:schemeClr val="bg1">
+            <a:lumMod val="95000"/>
+            <a:hueOff val="0"/>
+            <a:satOff val="0"/>
+            <a:lumOff val="0"/>
+            <a:alphaOff val="0"/>
+          </a:schemeClr>
+        </a:solidFill>
+        <a:ln w="12700" cap="flat" cmpd="sng" algn="ctr">
+          <a:solidFill>
+            <a:schemeClr val="bg1">
+              <a:lumMod val="95000"/>
+              <a:hueOff val="0"/>
+              <a:satOff val="0"/>
+              <a:lumOff val="0"/>
+              <a:alphaOff val="0"/>
+            </a:schemeClr>
+          </a:solidFill>
+          <a:prstDash val="solid"/>
+          <a:miter lim="800000"/>
+        </a:ln>
+        <a:effectLst/>
+      </dsp:spPr>
+      <dsp:style>
+        <a:lnRef idx="2">
+          <a:scrgbClr r="0" g="0" b="0"/>
+        </a:lnRef>
+        <a:fillRef idx="1">
+          <a:scrgbClr r="0" g="0" b="0"/>
+        </a:fillRef>
+        <a:effectRef idx="0">
+          <a:scrgbClr r="0" g="0" b="0"/>
+        </a:effectRef>
+        <a:fontRef idx="minor"/>
+      </dsp:style>
+      <dsp:txBody>
+        <a:bodyPr spcFirstLastPara="0" vert="horz" wrap="square" lIns="190548" tIns="330200" rIns="190548" bIns="330200" numCol="1" spcCol="1270" anchor="t" anchorCtr="0">
+          <a:noAutofit/>
+        </a:bodyPr>
+        <a:lstStyle/>
+        <a:p>
+          <a:pPr marL="0" lvl="0" indent="0" algn="ctr" defTabSz="889000">
+            <a:lnSpc>
+              <a:spcPct val="90000"/>
+            </a:lnSpc>
+            <a:spcBef>
+              <a:spcPct val="0"/>
+            </a:spcBef>
+            <a:spcAft>
+              <a:spcPct val="35000"/>
+            </a:spcAft>
+            <a:buNone/>
+          </a:pPr>
+          <a:r>
+            <a:rPr lang="en-US" sz="2000" kern="1200" dirty="0"/>
+            <a:t>Sharing</a:t>
+          </a:r>
+        </a:p>
+        <a:p>
+          <a:pPr marL="0" lvl="0" indent="0" algn="ctr" defTabSz="889000">
+            <a:lnSpc>
+              <a:spcPct val="90000"/>
+            </a:lnSpc>
+            <a:spcBef>
+              <a:spcPct val="0"/>
+            </a:spcBef>
+            <a:spcAft>
+              <a:spcPct val="35000"/>
+            </a:spcAft>
+            <a:buNone/>
+          </a:pPr>
+          <a:r>
+            <a:rPr lang="en-US" sz="1600" kern="1200" dirty="0"/>
+            <a:t>Camera</a:t>
+          </a:r>
+        </a:p>
+        <a:p>
+          <a:pPr marL="0" lvl="0" indent="0" algn="ctr" defTabSz="889000">
+            <a:lnSpc>
+              <a:spcPct val="90000"/>
+            </a:lnSpc>
+            <a:spcBef>
+              <a:spcPct val="0"/>
+            </a:spcBef>
+            <a:spcAft>
+              <a:spcPct val="35000"/>
+            </a:spcAft>
+            <a:buNone/>
+          </a:pPr>
+          <a:r>
+            <a:rPr lang="en-US" sz="1600" kern="1200" dirty="0"/>
+            <a:t>Maps</a:t>
+          </a:r>
+        </a:p>
+      </dsp:txBody>
+      <dsp:txXfrm>
+        <a:off x="8068463" y="1765067"/>
+        <a:ext cx="2444055" cy="2053006"/>
+      </dsp:txXfrm>
+    </dsp:sp>
+    <dsp:sp modelId="{0976773B-12B7-4330-9710-1EA00090547F}">
+      <dsp:nvSpPr>
+        <dsp:cNvPr id="0" name=""/>
+        <dsp:cNvSpPr/>
+      </dsp:nvSpPr>
+      <dsp:spPr>
+        <a:xfrm>
+          <a:off x="8777239" y="806997"/>
+          <a:ext cx="1026503" cy="1026503"/>
+        </a:xfrm>
+        <a:prstGeom prst="ellipse">
+          <a:avLst/>
+        </a:prstGeom>
+        <a:solidFill>
+          <a:srgbClr val="43B02A"/>
+        </a:solidFill>
+        <a:ln w="12700" cap="flat" cmpd="sng" algn="ctr">
+          <a:solidFill>
+            <a:schemeClr val="accent1">
+              <a:hueOff val="0"/>
+              <a:satOff val="0"/>
+              <a:lumOff val="0"/>
+              <a:alphaOff val="0"/>
+            </a:schemeClr>
+          </a:solidFill>
+          <a:prstDash val="solid"/>
+          <a:miter lim="800000"/>
+        </a:ln>
+        <a:effectLst/>
+      </dsp:spPr>
+      <dsp:style>
+        <a:lnRef idx="2">
+          <a:scrgbClr r="0" g="0" b="0"/>
+        </a:lnRef>
+        <a:fillRef idx="1">
+          <a:scrgbClr r="0" g="0" b="0"/>
+        </a:fillRef>
+        <a:effectRef idx="0">
+          <a:scrgbClr r="0" g="0" b="0"/>
+        </a:effectRef>
+        <a:fontRef idx="minor">
+          <a:schemeClr val="lt1"/>
+        </a:fontRef>
+      </dsp:style>
+      <dsp:txBody>
+        <a:bodyPr spcFirstLastPara="0" vert="horz" wrap="square" lIns="80030" tIns="12700" rIns="80030" bIns="12700" numCol="1" spcCol="1270" anchor="ctr" anchorCtr="0">
+          <a:noAutofit/>
+        </a:bodyPr>
+        <a:lstStyle/>
+        <a:p>
+          <a:pPr marL="0" lvl="0" indent="0" algn="ctr" defTabSz="2133600">
+            <a:lnSpc>
+              <a:spcPct val="90000"/>
+            </a:lnSpc>
+            <a:spcBef>
+              <a:spcPct val="0"/>
+            </a:spcBef>
+            <a:spcAft>
+              <a:spcPct val="35000"/>
+            </a:spcAft>
+            <a:buNone/>
+          </a:pPr>
+          <a:r>
+            <a:rPr lang="en-US" sz="4800" kern="1200"/>
+            <a:t>4</a:t>
+          </a:r>
+        </a:p>
+      </dsp:txBody>
+      <dsp:txXfrm>
+        <a:off x="8927567" y="957325"/>
+        <a:ext cx="725847" cy="725847"/>
+      </dsp:txXfrm>
+    </dsp:sp>
+    <dsp:sp modelId="{865066A0-097F-4E6D-9502-9C489920F2EC}">
+      <dsp:nvSpPr>
+        <dsp:cNvPr id="0" name=""/>
+        <dsp:cNvSpPr/>
+      </dsp:nvSpPr>
+      <dsp:spPr>
+        <a:xfrm>
+          <a:off x="8068463" y="3886435"/>
+          <a:ext cx="2444055" cy="72"/>
+        </a:xfrm>
+        <a:prstGeom prst="rect">
+          <a:avLst/>
+        </a:prstGeom>
+        <a:solidFill>
+          <a:schemeClr val="accent1">
+            <a:hueOff val="0"/>
+            <a:satOff val="0"/>
+            <a:lumOff val="0"/>
+            <a:alphaOff val="0"/>
+          </a:schemeClr>
+        </a:solidFill>
+        <a:ln w="12700" cap="flat" cmpd="sng" algn="ctr">
+          <a:solidFill>
+            <a:schemeClr val="accent1">
+              <a:hueOff val="0"/>
+              <a:satOff val="0"/>
+              <a:lumOff val="0"/>
+              <a:alphaOff val="0"/>
+            </a:schemeClr>
+          </a:solidFill>
+          <a:prstDash val="solid"/>
+          <a:miter lim="800000"/>
+        </a:ln>
+        <a:effectLst/>
+      </dsp:spPr>
+      <dsp:style>
+        <a:lnRef idx="2">
+          <a:scrgbClr r="0" g="0" b="0"/>
+        </a:lnRef>
+        <a:fillRef idx="1">
+          <a:scrgbClr r="0" g="0" b="0"/>
+        </a:fillRef>
+        <a:effectRef idx="0">
+          <a:scrgbClr r="0" g="0" b="0"/>
+        </a:effectRef>
+        <a:fontRef idx="minor">
+          <a:schemeClr val="lt1"/>
+        </a:fontRef>
+      </dsp:style>
+    </dsp:sp>
+  </dsp:spTree>
+</dsp:drawing>
+</file>
+
+<file path=ppt/diagrams/drawing2.xml><?xml version="1.0" encoding="utf-8"?>
+<dsp:drawing xmlns:dgm="http://schemas.openxmlformats.org/drawingml/2006/diagram" xmlns:dsp="http://schemas.microsoft.com/office/drawing/2008/diagram" xmlns:a="http://schemas.openxmlformats.org/drawingml/2006/main">
+  <dsp:spTree>
+    <dsp:nvGrpSpPr>
+      <dsp:cNvPr id="0" name=""/>
+      <dsp:cNvGrpSpPr/>
+    </dsp:nvGrpSpPr>
+    <dsp:grpSpPr/>
+    <dsp:sp modelId="{C10D3F62-C659-484C-A945-0401FE9F6EC5}">
+      <dsp:nvSpPr>
+        <dsp:cNvPr id="0" name=""/>
+        <dsp:cNvSpPr/>
+      </dsp:nvSpPr>
+      <dsp:spPr>
+        <a:xfrm>
+          <a:off x="3080" y="464830"/>
+          <a:ext cx="2444055" cy="3421677"/>
+        </a:xfrm>
+        <a:prstGeom prst="rect">
+          <a:avLst/>
+        </a:prstGeom>
+        <a:solidFill>
+          <a:schemeClr val="bg1">
+            <a:lumMod val="95000"/>
+            <a:hueOff val="0"/>
+            <a:satOff val="0"/>
+            <a:lumOff val="0"/>
+            <a:alphaOff val="0"/>
+          </a:schemeClr>
+        </a:solidFill>
+        <a:ln w="12700" cap="flat" cmpd="sng" algn="ctr">
+          <a:solidFill>
+            <a:schemeClr val="bg1">
+              <a:lumMod val="95000"/>
+              <a:hueOff val="0"/>
+              <a:satOff val="0"/>
+              <a:lumOff val="0"/>
+              <a:alphaOff val="0"/>
+            </a:schemeClr>
+          </a:solidFill>
+          <a:prstDash val="solid"/>
+          <a:miter lim="800000"/>
+        </a:ln>
+        <a:effectLst/>
+      </dsp:spPr>
+      <dsp:style>
+        <a:lnRef idx="2">
+          <a:scrgbClr r="0" g="0" b="0"/>
+        </a:lnRef>
+        <a:fillRef idx="1">
+          <a:scrgbClr r="0" g="0" b="0"/>
+        </a:fillRef>
+        <a:effectRef idx="0">
+          <a:scrgbClr r="0" g="0" b="0"/>
+        </a:effectRef>
+        <a:fontRef idx="minor"/>
+      </dsp:style>
+      <dsp:txBody>
+        <a:bodyPr spcFirstLastPara="0" vert="horz" wrap="square" lIns="190548" tIns="330200" rIns="190548" bIns="330200" numCol="1" spcCol="1270" anchor="t" anchorCtr="0">
+          <a:noAutofit/>
+        </a:bodyPr>
+        <a:lstStyle/>
+        <a:p>
+          <a:pPr marL="0" lvl="0" indent="0" algn="ctr" defTabSz="889000">
+            <a:lnSpc>
+              <a:spcPct val="90000"/>
+            </a:lnSpc>
+            <a:spcBef>
+              <a:spcPct val="0"/>
+            </a:spcBef>
+            <a:spcAft>
+              <a:spcPct val="35000"/>
+            </a:spcAft>
+            <a:buNone/>
+          </a:pPr>
+          <a:r>
+            <a:rPr lang="en-US" sz="2000" kern="1200" dirty="0"/>
+            <a:t>Payments</a:t>
+          </a:r>
+        </a:p>
+        <a:p>
+          <a:pPr marL="0" lvl="0" indent="0" algn="ctr" defTabSz="889000">
+            <a:lnSpc>
+              <a:spcPct val="90000"/>
+            </a:lnSpc>
+            <a:spcBef>
+              <a:spcPct val="0"/>
+            </a:spcBef>
+            <a:spcAft>
+              <a:spcPct val="35000"/>
+            </a:spcAft>
+            <a:buNone/>
+          </a:pPr>
+          <a:r>
+            <a:rPr lang="en-US" sz="1600" kern="1200" dirty="0"/>
+            <a:t>Peer-to-peer</a:t>
+          </a:r>
+        </a:p>
+      </dsp:txBody>
+      <dsp:txXfrm>
+        <a:off x="3080" y="1765067"/>
+        <a:ext cx="2444055" cy="2053006"/>
+      </dsp:txXfrm>
+    </dsp:sp>
+    <dsp:sp modelId="{ACAA34E6-767F-4D68-B93B-8FDE92B40A4E}">
+      <dsp:nvSpPr>
+        <dsp:cNvPr id="0" name=""/>
+        <dsp:cNvSpPr/>
+      </dsp:nvSpPr>
+      <dsp:spPr>
+        <a:xfrm>
+          <a:off x="711856" y="806997"/>
+          <a:ext cx="1026503" cy="1026503"/>
+        </a:xfrm>
+        <a:prstGeom prst="ellipse">
+          <a:avLst/>
+        </a:prstGeom>
+        <a:solidFill>
+          <a:srgbClr val="43B02A"/>
+        </a:solidFill>
+        <a:ln w="12700" cap="flat" cmpd="sng" algn="ctr">
+          <a:solidFill>
+            <a:schemeClr val="accent1">
+              <a:hueOff val="0"/>
+              <a:satOff val="0"/>
+              <a:lumOff val="0"/>
+              <a:alphaOff val="0"/>
+            </a:schemeClr>
+          </a:solidFill>
+          <a:prstDash val="solid"/>
+          <a:miter lim="800000"/>
+        </a:ln>
+        <a:effectLst/>
+      </dsp:spPr>
+      <dsp:style>
+        <a:lnRef idx="2">
+          <a:scrgbClr r="0" g="0" b="0"/>
+        </a:lnRef>
+        <a:fillRef idx="1">
+          <a:scrgbClr r="0" g="0" b="0"/>
+        </a:fillRef>
+        <a:effectRef idx="0">
+          <a:scrgbClr r="0" g="0" b="0"/>
+        </a:effectRef>
+        <a:fontRef idx="minor">
+          <a:schemeClr val="lt1"/>
+        </a:fontRef>
+      </dsp:style>
+      <dsp:txBody>
+        <a:bodyPr spcFirstLastPara="0" vert="horz" wrap="square" lIns="80030" tIns="12700" rIns="80030" bIns="12700" numCol="1" spcCol="1270" anchor="ctr" anchorCtr="0">
+          <a:noAutofit/>
+        </a:bodyPr>
+        <a:lstStyle/>
+        <a:p>
+          <a:pPr marL="0" lvl="0" indent="0" algn="ctr" defTabSz="2133600">
+            <a:lnSpc>
+              <a:spcPct val="90000"/>
+            </a:lnSpc>
+            <a:spcBef>
+              <a:spcPct val="0"/>
+            </a:spcBef>
+            <a:spcAft>
+              <a:spcPct val="35000"/>
+            </a:spcAft>
+            <a:buNone/>
+          </a:pPr>
+          <a:r>
+            <a:rPr lang="en-US" sz="4800" kern="1200" dirty="0"/>
+            <a:t>1</a:t>
+          </a:r>
+        </a:p>
+      </dsp:txBody>
+      <dsp:txXfrm>
+        <a:off x="862184" y="957325"/>
+        <a:ext cx="725847" cy="725847"/>
+      </dsp:txXfrm>
+    </dsp:sp>
+    <dsp:sp modelId="{7400FDBD-D909-4EEF-8BE8-F79E84E0AF16}">
+      <dsp:nvSpPr>
+        <dsp:cNvPr id="0" name=""/>
+        <dsp:cNvSpPr/>
+      </dsp:nvSpPr>
+      <dsp:spPr>
+        <a:xfrm>
+          <a:off x="3080" y="3886435"/>
+          <a:ext cx="2444055" cy="72"/>
+        </a:xfrm>
+        <a:prstGeom prst="rect">
+          <a:avLst/>
+        </a:prstGeom>
+        <a:solidFill>
+          <a:schemeClr val="accent1">
+            <a:hueOff val="0"/>
+            <a:satOff val="0"/>
+            <a:lumOff val="0"/>
+            <a:alphaOff val="0"/>
+          </a:schemeClr>
+        </a:solidFill>
+        <a:ln w="12700" cap="flat" cmpd="sng" algn="ctr">
+          <a:solidFill>
+            <a:schemeClr val="accent1">
+              <a:hueOff val="0"/>
+              <a:satOff val="0"/>
+              <a:lumOff val="0"/>
+              <a:alphaOff val="0"/>
+            </a:schemeClr>
+          </a:solidFill>
+          <a:prstDash val="solid"/>
+          <a:miter lim="800000"/>
+        </a:ln>
+        <a:effectLst/>
+      </dsp:spPr>
+      <dsp:style>
+        <a:lnRef idx="2">
+          <a:scrgbClr r="0" g="0" b="0"/>
+        </a:lnRef>
+        <a:fillRef idx="1">
+          <a:scrgbClr r="0" g="0" b="0"/>
+        </a:fillRef>
+        <a:effectRef idx="0">
+          <a:scrgbClr r="0" g="0" b="0"/>
+        </a:effectRef>
+        <a:fontRef idx="minor">
+          <a:schemeClr val="lt1"/>
+        </a:fontRef>
+      </dsp:style>
+    </dsp:sp>
+    <dsp:sp modelId="{BDDD252A-8513-4EDC-B14E-9597C7BD7549}">
+      <dsp:nvSpPr>
+        <dsp:cNvPr id="0" name=""/>
+        <dsp:cNvSpPr/>
+      </dsp:nvSpPr>
+      <dsp:spPr>
+        <a:xfrm>
+          <a:off x="2691541" y="464830"/>
+          <a:ext cx="2444055" cy="3421677"/>
+        </a:xfrm>
+        <a:prstGeom prst="rect">
+          <a:avLst/>
+        </a:prstGeom>
+        <a:solidFill>
+          <a:schemeClr val="bg1">
+            <a:lumMod val="95000"/>
+            <a:hueOff val="0"/>
+            <a:satOff val="0"/>
+            <a:lumOff val="0"/>
+            <a:alphaOff val="0"/>
+          </a:schemeClr>
+        </a:solidFill>
+        <a:ln w="12700" cap="flat" cmpd="sng" algn="ctr">
+          <a:solidFill>
+            <a:schemeClr val="bg1">
+              <a:lumMod val="95000"/>
+              <a:hueOff val="0"/>
+              <a:satOff val="0"/>
+              <a:lumOff val="0"/>
+              <a:alphaOff val="0"/>
+            </a:schemeClr>
+          </a:solidFill>
+          <a:prstDash val="solid"/>
+          <a:miter lim="800000"/>
+        </a:ln>
+        <a:effectLst/>
+      </dsp:spPr>
+      <dsp:style>
+        <a:lnRef idx="2">
+          <a:scrgbClr r="0" g="0" b="0"/>
+        </a:lnRef>
+        <a:fillRef idx="1">
+          <a:scrgbClr r="0" g="0" b="0"/>
+        </a:fillRef>
+        <a:effectRef idx="0">
+          <a:scrgbClr r="0" g="0" b="0"/>
+        </a:effectRef>
+        <a:fontRef idx="minor"/>
+      </dsp:style>
+      <dsp:txBody>
+        <a:bodyPr spcFirstLastPara="0" vert="horz" wrap="square" lIns="190548" tIns="330200" rIns="190548" bIns="330200" numCol="1" spcCol="1270" anchor="t" anchorCtr="0">
+          <a:noAutofit/>
+        </a:bodyPr>
+        <a:lstStyle/>
+        <a:p>
+          <a:pPr marL="0" lvl="0" indent="0" algn="ctr" defTabSz="889000">
+            <a:lnSpc>
+              <a:spcPct val="90000"/>
+            </a:lnSpc>
+            <a:spcBef>
+              <a:spcPct val="0"/>
+            </a:spcBef>
+            <a:spcAft>
+              <a:spcPct val="35000"/>
+            </a:spcAft>
+            <a:buNone/>
+          </a:pPr>
+          <a:r>
+            <a:rPr lang="en-US" sz="2000" kern="1200" dirty="0"/>
+            <a:t>Smarter Messaging</a:t>
+          </a:r>
+        </a:p>
+        <a:p>
+          <a:pPr marL="0" lvl="0" indent="0" algn="ctr" defTabSz="889000">
+            <a:lnSpc>
+              <a:spcPct val="90000"/>
+            </a:lnSpc>
+            <a:spcBef>
+              <a:spcPct val="0"/>
+            </a:spcBef>
+            <a:spcAft>
+              <a:spcPct val="35000"/>
+            </a:spcAft>
+            <a:buNone/>
+          </a:pPr>
+          <a:r>
+            <a:rPr lang="en-US" sz="1600" kern="1200" dirty="0"/>
+            <a:t>Target people most likely to help</a:t>
+          </a:r>
+        </a:p>
+      </dsp:txBody>
+      <dsp:txXfrm>
+        <a:off x="2691541" y="1765067"/>
+        <a:ext cx="2444055" cy="2053006"/>
+      </dsp:txXfrm>
+    </dsp:sp>
+    <dsp:sp modelId="{DE5A761A-F766-4E26-927C-190D6F821595}">
+      <dsp:nvSpPr>
+        <dsp:cNvPr id="0" name=""/>
+        <dsp:cNvSpPr/>
+      </dsp:nvSpPr>
+      <dsp:spPr>
+        <a:xfrm>
+          <a:off x="3400317" y="806997"/>
+          <a:ext cx="1026503" cy="1026503"/>
+        </a:xfrm>
+        <a:prstGeom prst="ellipse">
+          <a:avLst/>
+        </a:prstGeom>
+        <a:solidFill>
+          <a:srgbClr val="43B02A"/>
+        </a:solidFill>
+        <a:ln w="12700" cap="flat" cmpd="sng" algn="ctr">
+          <a:solidFill>
+            <a:schemeClr val="accent1">
+              <a:hueOff val="0"/>
+              <a:satOff val="0"/>
+              <a:lumOff val="0"/>
+              <a:alphaOff val="0"/>
+            </a:schemeClr>
+          </a:solidFill>
+          <a:prstDash val="solid"/>
+          <a:miter lim="800000"/>
+        </a:ln>
+        <a:effectLst/>
+      </dsp:spPr>
+      <dsp:style>
+        <a:lnRef idx="2">
+          <a:scrgbClr r="0" g="0" b="0"/>
+        </a:lnRef>
+        <a:fillRef idx="1">
+          <a:scrgbClr r="0" g="0" b="0"/>
+        </a:fillRef>
+        <a:effectRef idx="0">
+          <a:scrgbClr r="0" g="0" b="0"/>
+        </a:effectRef>
+        <a:fontRef idx="minor">
+          <a:schemeClr val="lt1"/>
+        </a:fontRef>
+      </dsp:style>
+      <dsp:txBody>
+        <a:bodyPr spcFirstLastPara="0" vert="horz" wrap="square" lIns="80030" tIns="12700" rIns="80030" bIns="12700" numCol="1" spcCol="1270" anchor="ctr" anchorCtr="0">
+          <a:noAutofit/>
+        </a:bodyPr>
+        <a:lstStyle/>
+        <a:p>
+          <a:pPr marL="0" lvl="0" indent="0" algn="ctr" defTabSz="2133600">
+            <a:lnSpc>
+              <a:spcPct val="90000"/>
+            </a:lnSpc>
+            <a:spcBef>
+              <a:spcPct val="0"/>
+            </a:spcBef>
+            <a:spcAft>
+              <a:spcPct val="35000"/>
+            </a:spcAft>
+            <a:buNone/>
+          </a:pPr>
+          <a:r>
+            <a:rPr lang="en-US" sz="4800" kern="1200" dirty="0"/>
+            <a:t>2</a:t>
+          </a:r>
+        </a:p>
+      </dsp:txBody>
+      <dsp:txXfrm>
+        <a:off x="3550645" y="957325"/>
+        <a:ext cx="725847" cy="725847"/>
+      </dsp:txXfrm>
+    </dsp:sp>
+    <dsp:sp modelId="{E03BC08E-6F70-4B97-A67C-A723048DDFDA}">
+      <dsp:nvSpPr>
+        <dsp:cNvPr id="0" name=""/>
+        <dsp:cNvSpPr/>
+      </dsp:nvSpPr>
+      <dsp:spPr>
+        <a:xfrm>
+          <a:off x="2691541" y="3886435"/>
+          <a:ext cx="2444055" cy="72"/>
+        </a:xfrm>
+        <a:prstGeom prst="rect">
+          <a:avLst/>
+        </a:prstGeom>
+        <a:solidFill>
+          <a:schemeClr val="accent1">
+            <a:hueOff val="0"/>
+            <a:satOff val="0"/>
+            <a:lumOff val="0"/>
+            <a:alphaOff val="0"/>
+          </a:schemeClr>
+        </a:solidFill>
+        <a:ln w="12700" cap="flat" cmpd="sng" algn="ctr">
+          <a:solidFill>
+            <a:schemeClr val="accent1">
+              <a:hueOff val="0"/>
+              <a:satOff val="0"/>
+              <a:lumOff val="0"/>
+              <a:alphaOff val="0"/>
+            </a:schemeClr>
+          </a:solidFill>
+          <a:prstDash val="solid"/>
+          <a:miter lim="800000"/>
+        </a:ln>
+        <a:effectLst/>
+      </dsp:spPr>
+      <dsp:style>
+        <a:lnRef idx="2">
+          <a:scrgbClr r="0" g="0" b="0"/>
+        </a:lnRef>
+        <a:fillRef idx="1">
+          <a:scrgbClr r="0" g="0" b="0"/>
+        </a:fillRef>
+        <a:effectRef idx="0">
+          <a:scrgbClr r="0" g="0" b="0"/>
+        </a:effectRef>
+        <a:fontRef idx="minor">
+          <a:schemeClr val="lt1"/>
+        </a:fontRef>
+      </dsp:style>
+    </dsp:sp>
+    <dsp:sp modelId="{545AB69D-C7F1-425F-BDAA-870E1BD9236D}">
+      <dsp:nvSpPr>
+        <dsp:cNvPr id="0" name=""/>
+        <dsp:cNvSpPr/>
+      </dsp:nvSpPr>
+      <dsp:spPr>
+        <a:xfrm>
+          <a:off x="5380002" y="464830"/>
+          <a:ext cx="2444055" cy="3421677"/>
+        </a:xfrm>
+        <a:prstGeom prst="rect">
+          <a:avLst/>
+        </a:prstGeom>
+        <a:solidFill>
+          <a:schemeClr val="bg1">
+            <a:lumMod val="95000"/>
+            <a:hueOff val="0"/>
+            <a:satOff val="0"/>
+            <a:lumOff val="0"/>
+            <a:alphaOff val="0"/>
+          </a:schemeClr>
+        </a:solidFill>
+        <a:ln w="12700" cap="flat" cmpd="sng" algn="ctr">
+          <a:solidFill>
+            <a:schemeClr val="bg1">
+              <a:lumMod val="95000"/>
+              <a:hueOff val="0"/>
+              <a:satOff val="0"/>
+              <a:lumOff val="0"/>
+              <a:alphaOff val="0"/>
+            </a:schemeClr>
+          </a:solidFill>
+          <a:prstDash val="solid"/>
+          <a:miter lim="800000"/>
+        </a:ln>
+        <a:effectLst/>
+      </dsp:spPr>
+      <dsp:style>
+        <a:lnRef idx="2">
+          <a:scrgbClr r="0" g="0" b="0"/>
+        </a:lnRef>
+        <a:fillRef idx="1">
+          <a:scrgbClr r="0" g="0" b="0"/>
+        </a:fillRef>
+        <a:effectRef idx="0">
+          <a:scrgbClr r="0" g="0" b="0"/>
+        </a:effectRef>
+        <a:fontRef idx="minor"/>
+      </dsp:style>
+      <dsp:txBody>
+        <a:bodyPr spcFirstLastPara="0" vert="horz" wrap="square" lIns="190548" tIns="330200" rIns="190548" bIns="330200" numCol="1" spcCol="1270" anchor="t" anchorCtr="0">
+          <a:noAutofit/>
+        </a:bodyPr>
+        <a:lstStyle/>
+        <a:p>
+          <a:pPr marL="0" lvl="0" indent="0" algn="ctr" defTabSz="889000">
+            <a:lnSpc>
+              <a:spcPct val="90000"/>
+            </a:lnSpc>
+            <a:spcBef>
+              <a:spcPct val="0"/>
+            </a:spcBef>
+            <a:spcAft>
+              <a:spcPct val="35000"/>
+            </a:spcAft>
+            <a:buNone/>
+          </a:pPr>
+          <a:r>
+            <a:rPr lang="en-US" sz="2000" kern="1200" dirty="0"/>
+            <a:t>More Interaction</a:t>
+          </a:r>
+        </a:p>
+        <a:p>
+          <a:pPr marL="0" lvl="0" indent="0" algn="ctr" defTabSz="889000">
+            <a:lnSpc>
+              <a:spcPct val="90000"/>
+            </a:lnSpc>
+            <a:spcBef>
+              <a:spcPct val="0"/>
+            </a:spcBef>
+            <a:spcAft>
+              <a:spcPct val="35000"/>
+            </a:spcAft>
+            <a:buNone/>
+          </a:pPr>
+          <a:r>
+            <a:rPr lang="en-US" sz="1600" kern="1200" dirty="0"/>
+            <a:t>In-app calling</a:t>
+          </a:r>
+        </a:p>
+        <a:p>
+          <a:pPr marL="0" lvl="0" indent="0" algn="ctr" defTabSz="889000">
+            <a:lnSpc>
+              <a:spcPct val="90000"/>
+            </a:lnSpc>
+            <a:spcBef>
+              <a:spcPct val="0"/>
+            </a:spcBef>
+            <a:spcAft>
+              <a:spcPct val="35000"/>
+            </a:spcAft>
+            <a:buNone/>
+          </a:pPr>
+          <a:r>
+            <a:rPr lang="en-US" sz="1600" kern="1200" dirty="0"/>
+            <a:t>In-app chat</a:t>
+          </a:r>
+        </a:p>
+      </dsp:txBody>
+      <dsp:txXfrm>
+        <a:off x="5380002" y="1765067"/>
+        <a:ext cx="2444055" cy="2053006"/>
+      </dsp:txXfrm>
+    </dsp:sp>
+    <dsp:sp modelId="{270DAA37-033C-4FBF-B3C5-F3259E1520CB}">
+      <dsp:nvSpPr>
+        <dsp:cNvPr id="0" name=""/>
+        <dsp:cNvSpPr/>
+      </dsp:nvSpPr>
+      <dsp:spPr>
+        <a:xfrm>
+          <a:off x="6088778" y="806997"/>
+          <a:ext cx="1026503" cy="1026503"/>
+        </a:xfrm>
+        <a:prstGeom prst="ellipse">
+          <a:avLst/>
+        </a:prstGeom>
+        <a:solidFill>
+          <a:srgbClr val="43B02A"/>
+        </a:solidFill>
+        <a:ln w="12700" cap="flat" cmpd="sng" algn="ctr">
+          <a:solidFill>
+            <a:schemeClr val="accent1">
+              <a:hueOff val="0"/>
+              <a:satOff val="0"/>
+              <a:lumOff val="0"/>
+              <a:alphaOff val="0"/>
+            </a:schemeClr>
+          </a:solidFill>
+          <a:prstDash val="solid"/>
+          <a:miter lim="800000"/>
+        </a:ln>
+        <a:effectLst/>
+      </dsp:spPr>
+      <dsp:style>
+        <a:lnRef idx="2">
+          <a:scrgbClr r="0" g="0" b="0"/>
+        </a:lnRef>
+        <a:fillRef idx="1">
+          <a:scrgbClr r="0" g="0" b="0"/>
+        </a:fillRef>
+        <a:effectRef idx="0">
+          <a:scrgbClr r="0" g="0" b="0"/>
+        </a:effectRef>
+        <a:fontRef idx="minor">
+          <a:schemeClr val="lt1"/>
+        </a:fontRef>
+      </dsp:style>
+      <dsp:txBody>
+        <a:bodyPr spcFirstLastPara="0" vert="horz" wrap="square" lIns="80030" tIns="12700" rIns="80030" bIns="12700" numCol="1" spcCol="1270" anchor="ctr" anchorCtr="0">
+          <a:noAutofit/>
+        </a:bodyPr>
+        <a:lstStyle/>
+        <a:p>
+          <a:pPr marL="0" lvl="0" indent="0" algn="ctr" defTabSz="2133600">
+            <a:lnSpc>
+              <a:spcPct val="90000"/>
+            </a:lnSpc>
+            <a:spcBef>
+              <a:spcPct val="0"/>
+            </a:spcBef>
+            <a:spcAft>
+              <a:spcPct val="35000"/>
+            </a:spcAft>
+            <a:buNone/>
+          </a:pPr>
+          <a:r>
+            <a:rPr lang="en-US" sz="4800" kern="1200" dirty="0"/>
+            <a:t>3</a:t>
+          </a:r>
+        </a:p>
+      </dsp:txBody>
+      <dsp:txXfrm>
+        <a:off x="6239106" y="957325"/>
+        <a:ext cx="725847" cy="725847"/>
+      </dsp:txXfrm>
+    </dsp:sp>
+    <dsp:sp modelId="{E95DFE27-C7D9-4A44-BB57-62A16A41A767}">
+      <dsp:nvSpPr>
+        <dsp:cNvPr id="0" name=""/>
+        <dsp:cNvSpPr/>
+      </dsp:nvSpPr>
+      <dsp:spPr>
+        <a:xfrm>
+          <a:off x="5380002" y="3886435"/>
+          <a:ext cx="2444055" cy="72"/>
+        </a:xfrm>
+        <a:prstGeom prst="rect">
+          <a:avLst/>
+        </a:prstGeom>
+        <a:solidFill>
+          <a:schemeClr val="accent1">
+            <a:hueOff val="0"/>
+            <a:satOff val="0"/>
+            <a:lumOff val="0"/>
+            <a:alphaOff val="0"/>
+          </a:schemeClr>
+        </a:solidFill>
+        <a:ln w="12700" cap="flat" cmpd="sng" algn="ctr">
+          <a:solidFill>
+            <a:schemeClr val="accent1">
+              <a:hueOff val="0"/>
+              <a:satOff val="0"/>
+              <a:lumOff val="0"/>
+              <a:alphaOff val="0"/>
+            </a:schemeClr>
+          </a:solidFill>
+          <a:prstDash val="solid"/>
+          <a:miter lim="800000"/>
+        </a:ln>
+        <a:effectLst/>
+      </dsp:spPr>
+      <dsp:style>
+        <a:lnRef idx="2">
+          <a:scrgbClr r="0" g="0" b="0"/>
+        </a:lnRef>
+        <a:fillRef idx="1">
+          <a:scrgbClr r="0" g="0" b="0"/>
+        </a:fillRef>
+        <a:effectRef idx="0">
+          <a:scrgbClr r="0" g="0" b="0"/>
+        </a:effectRef>
+        <a:fontRef idx="minor">
+          <a:schemeClr val="lt1"/>
+        </a:fontRef>
+      </dsp:style>
+    </dsp:sp>
+    <dsp:sp modelId="{9351060C-ACBE-49AC-A648-BD79B54DE694}">
+      <dsp:nvSpPr>
+        <dsp:cNvPr id="0" name=""/>
+        <dsp:cNvSpPr/>
+      </dsp:nvSpPr>
+      <dsp:spPr>
+        <a:xfrm>
+          <a:off x="8068463" y="464830"/>
+          <a:ext cx="2444055" cy="3421677"/>
+        </a:xfrm>
+        <a:prstGeom prst="rect">
+          <a:avLst/>
+        </a:prstGeom>
+        <a:solidFill>
+          <a:schemeClr val="bg1">
+            <a:lumMod val="95000"/>
+            <a:hueOff val="0"/>
+            <a:satOff val="0"/>
+            <a:lumOff val="0"/>
+            <a:alphaOff val="0"/>
+          </a:schemeClr>
+        </a:solidFill>
+        <a:ln w="12700" cap="flat" cmpd="sng" algn="ctr">
+          <a:solidFill>
+            <a:schemeClr val="bg1">
+              <a:lumMod val="95000"/>
+              <a:hueOff val="0"/>
+              <a:satOff val="0"/>
+              <a:lumOff val="0"/>
+              <a:alphaOff val="0"/>
+            </a:schemeClr>
+          </a:solidFill>
+          <a:prstDash val="solid"/>
+          <a:miter lim="800000"/>
+        </a:ln>
+        <a:effectLst/>
+      </dsp:spPr>
+      <dsp:style>
+        <a:lnRef idx="2">
+          <a:scrgbClr r="0" g="0" b="0"/>
+        </a:lnRef>
+        <a:fillRef idx="1">
+          <a:scrgbClr r="0" g="0" b="0"/>
+        </a:fillRef>
+        <a:effectRef idx="0">
+          <a:scrgbClr r="0" g="0" b="0"/>
+        </a:effectRef>
+        <a:fontRef idx="minor"/>
+      </dsp:style>
+      <dsp:txBody>
+        <a:bodyPr spcFirstLastPara="0" vert="horz" wrap="square" lIns="190548" tIns="330200" rIns="190548" bIns="330200" numCol="1" spcCol="1270" anchor="t" anchorCtr="0">
+          <a:noAutofit/>
+        </a:bodyPr>
+        <a:lstStyle/>
+        <a:p>
+          <a:pPr marL="0" lvl="0" indent="0" algn="ctr" defTabSz="889000">
+            <a:lnSpc>
+              <a:spcPct val="90000"/>
+            </a:lnSpc>
+            <a:spcBef>
+              <a:spcPct val="0"/>
+            </a:spcBef>
+            <a:spcAft>
+              <a:spcPct val="35000"/>
+            </a:spcAft>
+            <a:buNone/>
+          </a:pPr>
+          <a:r>
+            <a:rPr lang="en-US" sz="2000" kern="1200" dirty="0"/>
+            <a:t>Users</a:t>
+          </a:r>
+        </a:p>
+        <a:p>
+          <a:pPr marL="0" lvl="0" indent="0" algn="ctr" defTabSz="889000">
+            <a:lnSpc>
+              <a:spcPct val="90000"/>
+            </a:lnSpc>
+            <a:spcBef>
+              <a:spcPct val="0"/>
+            </a:spcBef>
+            <a:spcAft>
+              <a:spcPct val="35000"/>
+            </a:spcAft>
+            <a:buNone/>
+          </a:pPr>
+          <a:r>
+            <a:rPr lang="en-US" sz="1600" kern="1200" dirty="0"/>
+            <a:t>Not limited to friends</a:t>
+          </a:r>
+        </a:p>
+      </dsp:txBody>
+      <dsp:txXfrm>
+        <a:off x="8068463" y="1765067"/>
+        <a:ext cx="2444055" cy="2053006"/>
+      </dsp:txXfrm>
+    </dsp:sp>
+    <dsp:sp modelId="{0976773B-12B7-4330-9710-1EA00090547F}">
+      <dsp:nvSpPr>
+        <dsp:cNvPr id="0" name=""/>
+        <dsp:cNvSpPr/>
+      </dsp:nvSpPr>
+      <dsp:spPr>
+        <a:xfrm>
+          <a:off x="8777239" y="806997"/>
+          <a:ext cx="1026503" cy="1026503"/>
+        </a:xfrm>
+        <a:prstGeom prst="ellipse">
+          <a:avLst/>
+        </a:prstGeom>
+        <a:solidFill>
+          <a:srgbClr val="43B02A"/>
+        </a:solidFill>
+        <a:ln w="12700" cap="flat" cmpd="sng" algn="ctr">
+          <a:solidFill>
+            <a:schemeClr val="accent1">
+              <a:hueOff val="0"/>
+              <a:satOff val="0"/>
+              <a:lumOff val="0"/>
+              <a:alphaOff val="0"/>
+            </a:schemeClr>
+          </a:solidFill>
+          <a:prstDash val="solid"/>
+          <a:miter lim="800000"/>
+        </a:ln>
+        <a:effectLst/>
+      </dsp:spPr>
+      <dsp:style>
+        <a:lnRef idx="2">
+          <a:scrgbClr r="0" g="0" b="0"/>
+        </a:lnRef>
+        <a:fillRef idx="1">
+          <a:scrgbClr r="0" g="0" b="0"/>
+        </a:fillRef>
+        <a:effectRef idx="0">
+          <a:scrgbClr r="0" g="0" b="0"/>
+        </a:effectRef>
+        <a:fontRef idx="minor">
+          <a:schemeClr val="lt1"/>
+        </a:fontRef>
+      </dsp:style>
+      <dsp:txBody>
+        <a:bodyPr spcFirstLastPara="0" vert="horz" wrap="square" lIns="80030" tIns="12700" rIns="80030" bIns="12700" numCol="1" spcCol="1270" anchor="ctr" anchorCtr="0">
+          <a:noAutofit/>
+        </a:bodyPr>
+        <a:lstStyle/>
+        <a:p>
+          <a:pPr marL="0" lvl="0" indent="0" algn="ctr" defTabSz="2133600">
+            <a:lnSpc>
+              <a:spcPct val="90000"/>
+            </a:lnSpc>
+            <a:spcBef>
+              <a:spcPct val="0"/>
+            </a:spcBef>
+            <a:spcAft>
+              <a:spcPct val="35000"/>
+            </a:spcAft>
+            <a:buNone/>
+          </a:pPr>
+          <a:r>
+            <a:rPr lang="en-US" sz="4800" kern="1200"/>
+            <a:t>4</a:t>
+          </a:r>
+        </a:p>
+      </dsp:txBody>
+      <dsp:txXfrm>
+        <a:off x="8927567" y="957325"/>
+        <a:ext cx="725847" cy="725847"/>
+      </dsp:txXfrm>
+    </dsp:sp>
+    <dsp:sp modelId="{865066A0-097F-4E6D-9502-9C489920F2EC}">
+      <dsp:nvSpPr>
+        <dsp:cNvPr id="0" name=""/>
+        <dsp:cNvSpPr/>
+      </dsp:nvSpPr>
+      <dsp:spPr>
+        <a:xfrm>
+          <a:off x="8068463" y="3886435"/>
+          <a:ext cx="2444055" cy="72"/>
+        </a:xfrm>
+        <a:prstGeom prst="rect">
+          <a:avLst/>
+        </a:prstGeom>
+        <a:solidFill>
+          <a:schemeClr val="accent1">
+            <a:hueOff val="0"/>
+            <a:satOff val="0"/>
+            <a:lumOff val="0"/>
+            <a:alphaOff val="0"/>
+          </a:schemeClr>
+        </a:solidFill>
+        <a:ln w="12700" cap="flat" cmpd="sng" algn="ctr">
+          <a:solidFill>
+            <a:schemeClr val="accent1">
+              <a:hueOff val="0"/>
+              <a:satOff val="0"/>
+              <a:lumOff val="0"/>
+              <a:alphaOff val="0"/>
+            </a:schemeClr>
+          </a:solidFill>
+          <a:prstDash val="solid"/>
+          <a:miter lim="800000"/>
+        </a:ln>
+        <a:effectLst/>
+      </dsp:spPr>
+      <dsp:style>
+        <a:lnRef idx="2">
+          <a:scrgbClr r="0" g="0" b="0"/>
+        </a:lnRef>
+        <a:fillRef idx="1">
+          <a:scrgbClr r="0" g="0" b="0"/>
+        </a:fillRef>
+        <a:effectRef idx="0">
+          <a:scrgbClr r="0" g="0" b="0"/>
+        </a:effectRef>
+        <a:fontRef idx="minor">
+          <a:schemeClr val="lt1"/>
+        </a:fontRef>
+      </dsp:style>
+    </dsp:sp>
+  </dsp:spTree>
+</dsp:drawing>
+</file>
+
+<file path=ppt/diagrams/layout1.xml><?xml version="1.0" encoding="utf-8"?>
+<dgm:layoutDef xmlns:dgm="http://schemas.openxmlformats.org/drawingml/2006/diagram" xmlns:a="http://schemas.openxmlformats.org/drawingml/2006/main" uniqueId="urn:microsoft.com/office/officeart/2016/7/layout/BasicLinearProcessNumbered">
+  <dgm:title val="Basic Linear Process Numbered"/>
+  <dgm:desc val="Used to show a progression; a timeline; sequential steps in a task, process, or workflow; or to emphasize movement or direction. Automatic numbers have been introduced to show the steps of the process which appears in a circle. Level 1 and Level 2 text appear in a rectangle."/>
+  <dgm:catLst>
+    <dgm:cat type="process" pri="500"/>
+  </dgm:catLst>
+  <dgm:sampData>
+    <dgm:dataModel>
+      <dgm:ptLst>
+        <dgm:pt modelId="0" type="doc"/>
+        <dgm:pt modelId="1">
+          <dgm:prSet phldr="1"/>
+        </dgm:pt>
+        <dgm:pt modelId="11">
+          <dgm:prSet phldr="1"/>
+        </dgm:pt>
+        <dgm:pt modelId="2">
+          <dgm:prSet phldr="1"/>
+        </dgm:pt>
+        <dgm:pt modelId="21">
+          <dgm:prSet phldr="1"/>
+        </dgm:pt>
+        <dgm:pt modelId="3">
+          <dgm:prSet phldr="1"/>
+        </dgm:pt>
+        <dgm:pt modelId="31">
+          <dgm:prSet phldr="1"/>
+        </dgm:pt>
+        <dgm:pt modelId="101" type="sibTrans" cxnId="4">
+          <dgm:prSet phldrT="1"/>
+          <dgm:t>
+            <a:bodyPr/>
+            <a:lstStyle/>
+            <a:p>
+              <a:r>
+                <a:t>1</a:t>
+              </a:r>
+            </a:p>
+          </dgm:t>
+        </dgm:pt>
+        <dgm:pt modelId="201" type="sibTrans" cxnId="5">
+          <dgm:prSet phldrT="2"/>
+          <dgm:t>
+            <a:bodyPr/>
+            <a:lstStyle/>
+            <a:p>
+              <a:r>
+                <a:t>2</a:t>
+              </a:r>
+            </a:p>
+          </dgm:t>
+        </dgm:pt>
+        <dgm:pt modelId="301" type="sibTrans" cxnId="6">
+          <dgm:prSet phldrT="3"/>
+          <dgm:t>
+            <a:bodyPr/>
+            <a:lstStyle/>
+            <a:p>
+              <a:r>
+                <a:t>3</a:t>
+              </a:r>
+            </a:p>
+          </dgm:t>
+        </dgm:pt>
+      </dgm:ptLst>
+      <dgm:cxnLst>
+        <dgm:cxn modelId="4" srcId="0" destId="1" srcOrd="0" destOrd="0" sibTransId="101"/>
+        <dgm:cxn modelId="5" srcId="0" destId="2" srcOrd="1" destOrd="0" sibTransId="201"/>
+        <dgm:cxn modelId="6" srcId="0" destId="3" srcOrd="2" destOrd="0" sibTransId="301"/>
+        <dgm:cxn modelId="13" srcId="1" destId="11" srcOrd="0" destOrd="0"/>
+        <dgm:cxn modelId="23" srcId="2" destId="21" srcOrd="0" destOrd="0"/>
+        <dgm:cxn modelId="33" srcId="3" destId="31" srcOrd="0" destOrd="0"/>
+      </dgm:cxnLst>
+      <dgm:bg/>
+      <dgm:whole/>
+    </dgm:dataModel>
+  </dgm:sampData>
+  <dgm:styleData>
+    <dgm:dataModel>
+      <dgm:ptLst>
+        <dgm:pt modelId="0" type="doc"/>
+        <dgm:pt modelId="1"/>
+        <dgm:pt modelId="11"/>
+        <dgm:pt modelId="2"/>
+        <dgm:pt modelId="21"/>
+      </dgm:ptLst>
+      <dgm:cxnLst>
+        <dgm:cxn modelId="4" srcId="0" destId="1" srcOrd="0" destOrd="0"/>
+        <dgm:cxn modelId="5" srcId="0" destId="2" srcOrd="1" destOrd="0"/>
+        <dgm:cxn modelId="13" srcId="1" destId="11" srcOrd="0" destOrd="0"/>
+        <dgm:cxn modelId="23" srcId="2" destId="21" srcOrd="0" destOrd="0"/>
+      </dgm:cxnLst>
+      <dgm:bg/>
+      <dgm:whole/>
+    </dgm:dataModel>
+  </dgm:styleData>
+  <dgm:clrData>
+    <dgm:dataModel>
+      <dgm:ptLst>
+        <dgm:pt modelId="0" type="doc"/>
+        <dgm:pt modelId="1"/>
+        <dgm:pt modelId="11"/>
+        <dgm:pt modelId="2"/>
+        <dgm:pt modelId="21"/>
+        <dgm:pt modelId="3"/>
+        <dgm:pt modelId="31"/>
+        <dgm:pt modelId="4"/>
+        <dgm:pt modelId="41"/>
+      </dgm:ptLst>
+      <dgm:cxnLst>
+        <dgm:cxn modelId="5" srcId="0" destId="1" srcOrd="0" destOrd="0"/>
+        <dgm:cxn modelId="6" srcId="0" destId="2" srcOrd="1" destOrd="0"/>
+        <dgm:cxn modelId="7" srcId="0" destId="3" srcOrd="2" destOrd="0"/>
+        <dgm:cxn modelId="8" srcId="0" destId="4" srcOrd="3" destOrd="0"/>
+        <dgm:cxn modelId="13" srcId="1" destId="11" srcOrd="0" destOrd="0"/>
+        <dgm:cxn modelId="23" srcId="2" destId="21" srcOrd="0" destOrd="0"/>
+        <dgm:cxn modelId="33" srcId="3" destId="31" srcOrd="0" destOrd="0"/>
+        <dgm:cxn modelId="43" srcId="4" destId="41" srcOrd="0" destOrd="0"/>
+      </dgm:cxnLst>
+      <dgm:bg/>
+      <dgm:whole/>
+    </dgm:dataModel>
+  </dgm:clrData>
+  <dgm:layoutNode name="Name0">
+    <dgm:varLst>
+      <dgm:animLvl val="lvl"/>
+      <dgm:resizeHandles val="exact"/>
+    </dgm:varLst>
+    <dgm:alg type="lin">
+      <dgm:param type="linDir" val="fromL"/>
+      <dgm:param type="nodeVertAlign" val="t"/>
+    </dgm:alg>
+    <dgm:shape xmlns:r="http://schemas.openxmlformats.org/officeDocument/2006/relationships" r:blip="">
+      <dgm:adjLst/>
+    </dgm:shape>
+    <dgm:presOf/>
+    <dgm:constrLst>
+      <dgm:constr type="h" for="ch" forName="compositeNode" refType="h"/>
+      <dgm:constr type="w" for="ch" forName="compositeNode" refType="w"/>
+      <dgm:constr type="w" for="des" forName="simulatedConn" refType="w" refFor="ch" refForName="compositeNode" fact="0.15"/>
+      <dgm:constr type="h" for="des" forName="simulatedConn" refType="w" refFor="des" refForName="simulatedConn"/>
+      <dgm:constr type="h" for="des" forName="vSp1" refType="w" refFor="ch" refForName="compositeNode" fact="0.8"/>
+      <dgm:constr type="h" for="des" forName="vSp2" refType="w" refFor="ch" refForName="compositeNode" fact="0.07"/>
+      <dgm:constr type="w" for="ch" forName="vProcSp" refType="w" refFor="des" refForName="simulatedConn" op="equ"/>
+      <dgm:constr type="h" for="ch" forName="vProcSp" refType="h" refFor="ch" refForName="compositeNode" op="equ"/>
+      <dgm:constr type="w" for="ch" forName="sibTrans" refType="w" refFor="ch" refForName="compositeNode" fact="0.1"/>
+      <dgm:constr type="primFontSz" for="des" forName="sibTransNodeCircle" op="equ"/>
+      <dgm:constr type="primFontSz" for="des" forName="nodeText" op="equ"/>
+      <dgm:constr type="h" for="des" forName="sibTransNodeCircle" op="equ"/>
+      <dgm:constr type="w" for="des" forName="sibTransNodeCircle" op="equ"/>
+    </dgm:constrLst>
+    <dgm:ruleLst>
+      <dgm:rule type="h" val="NaN" fact="1.2" max="NaN"/>
+    </dgm:ruleLst>
+    <dgm:forEach name="Name4" axis="ch" ptType="node">
+      <dgm:layoutNode name="compositeNode">
+        <dgm:varLst>
+          <dgm:bulletEnabled val="1"/>
+        </dgm:varLst>
+        <dgm:alg type="composite"/>
+        <dgm:constrLst>
+          <dgm:constr type="h" refType="w" op="lte" fact="1.4"/>
+          <dgm:constr type="w" for="ch" forName="bgRect" refType="w"/>
+          <dgm:constr type="h" for="ch" forName="bgRect" refType="h"/>
+          <dgm:constr type="t" for="ch" forName="bgRect"/>
+          <dgm:constr type="l" for="ch" forName="bgRect"/>
+          <dgm:constr type="h" for="ch" forName="sibTransNodeCircle" refType="h" refFor="ch" refForName="bgRect" fact="0.3"/>
+          <dgm:constr type="w" for="ch" forName="sibTransNodeCircle" refType="h" refFor="ch" refForName="sibTransNodeCircle"/>
+          <dgm:constr type="ctrX" for="ch" forName="sibTransNodeCircle" refType="w" fact="0.5"/>
+          <dgm:constr type="ctrY" for="ch" forName="sibTransNodeCircle" refType="h" fact="0.25"/>
+          <dgm:constr type="r" for="ch" forName="nodeText" refType="r" refFor="ch" refForName="bgRect"/>
+          <dgm:constr type="h" for="ch" forName="nodeText" refType="h" refFor="ch" refForName="bgRect" fact="0.6"/>
+          <dgm:constr type="t" for="ch" forName="nodeText" refType="h" refFor="ch" refForName="bgRect" fact="0.38"/>
+          <dgm:constr type="b" for="ch" forName="bottomLine" refType="b" refFor="ch" refForName="bgRect"/>
+          <dgm:constr type="w" for="ch" forName="bottomLine" refType="w" refFor="ch" refForName="bgRect"/>
+          <dgm:constr type="h" for="ch" forName="bottomLine" val="0.002"/>
+        </dgm:constrLst>
+        <dgm:ruleLst/>
+        <dgm:layoutNode name="bgRect" styleLbl="bgAccFollowNode1">
+          <dgm:alg type="sp"/>
+          <dgm:shape xmlns:r="http://schemas.openxmlformats.org/officeDocument/2006/relationships" type="rect" r:blip="">
+            <dgm:adjLst/>
+          </dgm:shape>
+          <dgm:presOf axis="self"/>
+          <dgm:constrLst/>
+          <dgm:ruleLst/>
+        </dgm:layoutNode>
+        <dgm:forEach name="Name19" axis="followSib" ptType="sibTrans" hideLastTrans="0" cnt="1">
+          <dgm:layoutNode name="sibTransNodeCircle" styleLbl="alignNode1">
+            <dgm:varLst>
+              <dgm:chMax val="0"/>
+              <dgm:bulletEnabled/>
+            </dgm:varLst>
+            <dgm:presOf axis="self" ptType="sibTrans"/>
+            <dgm:alg type="tx">
+              <dgm:param type="txAnchorVert" val="mid"/>
+              <dgm:param type="txAnchorHorzCh" val="ctr"/>
+            </dgm:alg>
+            <dgm:shape xmlns:r="http://schemas.openxmlformats.org/officeDocument/2006/relationships" type="ellipse" r:blip="">
+              <dgm:adjLst/>
+            </dgm:shape>
+            <dgm:constrLst>
+              <dgm:constr type="w" refType="h" op="lte"/>
+              <dgm:constr type="primFontSz" val="48"/>
+              <dgm:constr type="tMarg" val="1"/>
+              <dgm:constr type="lMarg" refType="w" fact="0.221"/>
+              <dgm:constr type="rMarg" refType="w" fact="0.221"/>
+              <dgm:constr type="bMarg" val="1"/>
+            </dgm:constrLst>
+            <dgm:ruleLst>
+              <dgm:rule type="primFontSz" val="14" fact="NaN" max="NaN"/>
+            </dgm:ruleLst>
+          </dgm:layoutNode>
+        </dgm:forEach>
+        <dgm:layoutNode name="bottomLine" styleLbl="alignNode1">
+          <dgm:varLst/>
+          <dgm:presOf/>
+          <dgm:alg type="sp"/>
+          <dgm:shape xmlns:r="http://schemas.openxmlformats.org/officeDocument/2006/relationships" type="rect" r:blip="">
+            <dgm:adjLst/>
+          </dgm:shape>
+          <dgm:constrLst/>
+          <dgm:ruleLst/>
+        </dgm:layoutNode>
+        <dgm:layoutNode name="nodeText" styleLbl="bgAccFollowNode1" moveWith="bgRect">
+          <dgm:varLst>
+            <dgm:bulletEnabled val="1"/>
+          </dgm:varLst>
+          <dgm:alg type="tx">
+            <dgm:param type="parTxLTRAlign" val="l"/>
+            <dgm:param type="parTxRTLAlign" val="r"/>
+            <dgm:param type="txAnchorVert" val="t"/>
+          </dgm:alg>
+          <dgm:shape xmlns:r="http://schemas.openxmlformats.org/officeDocument/2006/relationships" type="rect" r:blip="" zOrderOff="-1" hideGeom="1">
+            <dgm:adjLst/>
+          </dgm:shape>
+          <dgm:presOf axis="desOrSelf" ptType="node"/>
+          <dgm:constrLst>
+            <dgm:constr type="primFontSz" val="26"/>
+            <dgm:constr type="tMarg" val="26"/>
+            <dgm:constr type="lMarg" refType="w" fact="0.221"/>
+            <dgm:constr type="rMarg" refType="w" fact="0.221"/>
+            <dgm:constr type="bMarg" val="26"/>
+          </dgm:constrLst>
+          <dgm:ruleLst>
+            <dgm:rule type="primFontSz" val="11" fact="NaN" max="NaN"/>
+          </dgm:ruleLst>
+        </dgm:layoutNode>
+      </dgm:layoutNode>
+      <dgm:forEach name="Name14" axis="followSib" ptType="sibTrans" cnt="1">
+        <dgm:layoutNode name="sibTrans">
+          <dgm:alg type="sp"/>
+          <dgm:shape xmlns:r="http://schemas.openxmlformats.org/officeDocument/2006/relationships" r:blip="">
+            <dgm:adjLst/>
+          </dgm:shape>
+          <dgm:presOf/>
+          <dgm:constrLst/>
+          <dgm:ruleLst/>
+        </dgm:layoutNode>
+      </dgm:forEach>
+    </dgm:forEach>
+  </dgm:layoutNode>
+  <dgm:extLst>
+    <a:ext uri="{4F341089-5ED1-44EC-B178-C955D00A3D55}">
+      <dgm1611:autoBuNodeInfoLst xmlns:dgm1611="http://schemas.microsoft.com/office/drawing/2016/11/diagram" xmlns="">
+        <dgm1611:autoBuNodeInfo lvl="1" ptType="sibTrans">
+          <dgm1611:buPr prefix="" leadZeros="0">
+            <a:buAutoNum type="arabicParenBoth"/>
+          </dgm1611:buPr>
+        </dgm1611:autoBuNodeInfo>
+      </dgm1611:autoBuNodeInfoLst>
+    </a:ext>
+  </dgm:extLst>
+</dgm:layoutDef>
+</file>
+
+<file path=ppt/diagrams/layout2.xml><?xml version="1.0" encoding="utf-8"?>
+<dgm:layoutDef xmlns:dgm="http://schemas.openxmlformats.org/drawingml/2006/diagram" xmlns:a="http://schemas.openxmlformats.org/drawingml/2006/main" uniqueId="urn:microsoft.com/office/officeart/2016/7/layout/BasicLinearProcessNumbered">
+  <dgm:title val="Basic Linear Process Numbered"/>
+  <dgm:desc val="Used to show a progression; a timeline; sequential steps in a task, process, or workflow; or to emphasize movement or direction. Automatic numbers have been introduced to show the steps of the process which appears in a circle. Level 1 and Level 2 text appear in a rectangle."/>
+  <dgm:catLst>
+    <dgm:cat type="process" pri="500"/>
+  </dgm:catLst>
+  <dgm:sampData>
+    <dgm:dataModel>
+      <dgm:ptLst>
+        <dgm:pt modelId="0" type="doc"/>
+        <dgm:pt modelId="1">
+          <dgm:prSet phldr="1"/>
+        </dgm:pt>
+        <dgm:pt modelId="11">
+          <dgm:prSet phldr="1"/>
+        </dgm:pt>
+        <dgm:pt modelId="2">
+          <dgm:prSet phldr="1"/>
+        </dgm:pt>
+        <dgm:pt modelId="21">
+          <dgm:prSet phldr="1"/>
+        </dgm:pt>
+        <dgm:pt modelId="3">
+          <dgm:prSet phldr="1"/>
+        </dgm:pt>
+        <dgm:pt modelId="31">
+          <dgm:prSet phldr="1"/>
+        </dgm:pt>
+        <dgm:pt modelId="101" type="sibTrans" cxnId="4">
+          <dgm:prSet phldrT="1"/>
+          <dgm:t>
+            <a:bodyPr/>
+            <a:lstStyle/>
+            <a:p>
+              <a:r>
+                <a:t>1</a:t>
+              </a:r>
+            </a:p>
+          </dgm:t>
+        </dgm:pt>
+        <dgm:pt modelId="201" type="sibTrans" cxnId="5">
+          <dgm:prSet phldrT="2"/>
+          <dgm:t>
+            <a:bodyPr/>
+            <a:lstStyle/>
+            <a:p>
+              <a:r>
+                <a:t>2</a:t>
+              </a:r>
+            </a:p>
+          </dgm:t>
+        </dgm:pt>
+        <dgm:pt modelId="301" type="sibTrans" cxnId="6">
+          <dgm:prSet phldrT="3"/>
+          <dgm:t>
+            <a:bodyPr/>
+            <a:lstStyle/>
+            <a:p>
+              <a:r>
+                <a:t>3</a:t>
+              </a:r>
+            </a:p>
+          </dgm:t>
+        </dgm:pt>
+      </dgm:ptLst>
+      <dgm:cxnLst>
+        <dgm:cxn modelId="4" srcId="0" destId="1" srcOrd="0" destOrd="0" sibTransId="101"/>
+        <dgm:cxn modelId="5" srcId="0" destId="2" srcOrd="1" destOrd="0" sibTransId="201"/>
+        <dgm:cxn modelId="6" srcId="0" destId="3" srcOrd="2" destOrd="0" sibTransId="301"/>
+        <dgm:cxn modelId="13" srcId="1" destId="11" srcOrd="0" destOrd="0"/>
+        <dgm:cxn modelId="23" srcId="2" destId="21" srcOrd="0" destOrd="0"/>
+        <dgm:cxn modelId="33" srcId="3" destId="31" srcOrd="0" destOrd="0"/>
+      </dgm:cxnLst>
+      <dgm:bg/>
+      <dgm:whole/>
+    </dgm:dataModel>
+  </dgm:sampData>
+  <dgm:styleData>
+    <dgm:dataModel>
+      <dgm:ptLst>
+        <dgm:pt modelId="0" type="doc"/>
+        <dgm:pt modelId="1"/>
+        <dgm:pt modelId="11"/>
+        <dgm:pt modelId="2"/>
+        <dgm:pt modelId="21"/>
+      </dgm:ptLst>
+      <dgm:cxnLst>
+        <dgm:cxn modelId="4" srcId="0" destId="1" srcOrd="0" destOrd="0"/>
+        <dgm:cxn modelId="5" srcId="0" destId="2" srcOrd="1" destOrd="0"/>
+        <dgm:cxn modelId="13" srcId="1" destId="11" srcOrd="0" destOrd="0"/>
+        <dgm:cxn modelId="23" srcId="2" destId="21" srcOrd="0" destOrd="0"/>
+      </dgm:cxnLst>
+      <dgm:bg/>
+      <dgm:whole/>
+    </dgm:dataModel>
+  </dgm:styleData>
+  <dgm:clrData>
+    <dgm:dataModel>
+      <dgm:ptLst>
+        <dgm:pt modelId="0" type="doc"/>
+        <dgm:pt modelId="1"/>
+        <dgm:pt modelId="11"/>
+        <dgm:pt modelId="2"/>
+        <dgm:pt modelId="21"/>
+        <dgm:pt modelId="3"/>
+        <dgm:pt modelId="31"/>
+        <dgm:pt modelId="4"/>
+        <dgm:pt modelId="41"/>
+      </dgm:ptLst>
+      <dgm:cxnLst>
+        <dgm:cxn modelId="5" srcId="0" destId="1" srcOrd="0" destOrd="0"/>
+        <dgm:cxn modelId="6" srcId="0" destId="2" srcOrd="1" destOrd="0"/>
+        <dgm:cxn modelId="7" srcId="0" destId="3" srcOrd="2" destOrd="0"/>
+        <dgm:cxn modelId="8" srcId="0" destId="4" srcOrd="3" destOrd="0"/>
+        <dgm:cxn modelId="13" srcId="1" destId="11" srcOrd="0" destOrd="0"/>
+        <dgm:cxn modelId="23" srcId="2" destId="21" srcOrd="0" destOrd="0"/>
+        <dgm:cxn modelId="33" srcId="3" destId="31" srcOrd="0" destOrd="0"/>
+        <dgm:cxn modelId="43" srcId="4" destId="41" srcOrd="0" destOrd="0"/>
+      </dgm:cxnLst>
+      <dgm:bg/>
+      <dgm:whole/>
+    </dgm:dataModel>
+  </dgm:clrData>
+  <dgm:layoutNode name="Name0">
+    <dgm:varLst>
+      <dgm:animLvl val="lvl"/>
+      <dgm:resizeHandles val="exact"/>
+    </dgm:varLst>
+    <dgm:alg type="lin">
+      <dgm:param type="linDir" val="fromL"/>
+      <dgm:param type="nodeVertAlign" val="t"/>
+    </dgm:alg>
+    <dgm:shape xmlns:r="http://schemas.openxmlformats.org/officeDocument/2006/relationships" r:blip="">
+      <dgm:adjLst/>
+    </dgm:shape>
+    <dgm:presOf/>
+    <dgm:constrLst>
+      <dgm:constr type="h" for="ch" forName="compositeNode" refType="h"/>
+      <dgm:constr type="w" for="ch" forName="compositeNode" refType="w"/>
+      <dgm:constr type="w" for="des" forName="simulatedConn" refType="w" refFor="ch" refForName="compositeNode" fact="0.15"/>
+      <dgm:constr type="h" for="des" forName="simulatedConn" refType="w" refFor="des" refForName="simulatedConn"/>
+      <dgm:constr type="h" for="des" forName="vSp1" refType="w" refFor="ch" refForName="compositeNode" fact="0.8"/>
+      <dgm:constr type="h" for="des" forName="vSp2" refType="w" refFor="ch" refForName="compositeNode" fact="0.07"/>
+      <dgm:constr type="w" for="ch" forName="vProcSp" refType="w" refFor="des" refForName="simulatedConn" op="equ"/>
+      <dgm:constr type="h" for="ch" forName="vProcSp" refType="h" refFor="ch" refForName="compositeNode" op="equ"/>
+      <dgm:constr type="w" for="ch" forName="sibTrans" refType="w" refFor="ch" refForName="compositeNode" fact="0.1"/>
+      <dgm:constr type="primFontSz" for="des" forName="sibTransNodeCircle" op="equ"/>
+      <dgm:constr type="primFontSz" for="des" forName="nodeText" op="equ"/>
+      <dgm:constr type="h" for="des" forName="sibTransNodeCircle" op="equ"/>
+      <dgm:constr type="w" for="des" forName="sibTransNodeCircle" op="equ"/>
+    </dgm:constrLst>
+    <dgm:ruleLst>
+      <dgm:rule type="h" val="NaN" fact="1.2" max="NaN"/>
+    </dgm:ruleLst>
+    <dgm:forEach name="Name4" axis="ch" ptType="node">
+      <dgm:layoutNode name="compositeNode">
+        <dgm:varLst>
+          <dgm:bulletEnabled val="1"/>
+        </dgm:varLst>
+        <dgm:alg type="composite"/>
+        <dgm:constrLst>
+          <dgm:constr type="h" refType="w" op="lte" fact="1.4"/>
+          <dgm:constr type="w" for="ch" forName="bgRect" refType="w"/>
+          <dgm:constr type="h" for="ch" forName="bgRect" refType="h"/>
+          <dgm:constr type="t" for="ch" forName="bgRect"/>
+          <dgm:constr type="l" for="ch" forName="bgRect"/>
+          <dgm:constr type="h" for="ch" forName="sibTransNodeCircle" refType="h" refFor="ch" refForName="bgRect" fact="0.3"/>
+          <dgm:constr type="w" for="ch" forName="sibTransNodeCircle" refType="h" refFor="ch" refForName="sibTransNodeCircle"/>
+          <dgm:constr type="ctrX" for="ch" forName="sibTransNodeCircle" refType="w" fact="0.5"/>
+          <dgm:constr type="ctrY" for="ch" forName="sibTransNodeCircle" refType="h" fact="0.25"/>
+          <dgm:constr type="r" for="ch" forName="nodeText" refType="r" refFor="ch" refForName="bgRect"/>
+          <dgm:constr type="h" for="ch" forName="nodeText" refType="h" refFor="ch" refForName="bgRect" fact="0.6"/>
+          <dgm:constr type="t" for="ch" forName="nodeText" refType="h" refFor="ch" refForName="bgRect" fact="0.38"/>
+          <dgm:constr type="b" for="ch" forName="bottomLine" refType="b" refFor="ch" refForName="bgRect"/>
+          <dgm:constr type="w" for="ch" forName="bottomLine" refType="w" refFor="ch" refForName="bgRect"/>
+          <dgm:constr type="h" for="ch" forName="bottomLine" val="0.002"/>
+        </dgm:constrLst>
+        <dgm:ruleLst/>
+        <dgm:layoutNode name="bgRect" styleLbl="bgAccFollowNode1">
+          <dgm:alg type="sp"/>
+          <dgm:shape xmlns:r="http://schemas.openxmlformats.org/officeDocument/2006/relationships" type="rect" r:blip="">
+            <dgm:adjLst/>
+          </dgm:shape>
+          <dgm:presOf axis="self"/>
+          <dgm:constrLst/>
+          <dgm:ruleLst/>
+        </dgm:layoutNode>
+        <dgm:forEach name="Name19" axis="followSib" ptType="sibTrans" hideLastTrans="0" cnt="1">
+          <dgm:layoutNode name="sibTransNodeCircle" styleLbl="alignNode1">
+            <dgm:varLst>
+              <dgm:chMax val="0"/>
+              <dgm:bulletEnabled/>
+            </dgm:varLst>
+            <dgm:presOf axis="self" ptType="sibTrans"/>
+            <dgm:alg type="tx">
+              <dgm:param type="txAnchorVert" val="mid"/>
+              <dgm:param type="txAnchorHorzCh" val="ctr"/>
+            </dgm:alg>
+            <dgm:shape xmlns:r="http://schemas.openxmlformats.org/officeDocument/2006/relationships" type="ellipse" r:blip="">
+              <dgm:adjLst/>
+            </dgm:shape>
+            <dgm:constrLst>
+              <dgm:constr type="w" refType="h" op="lte"/>
+              <dgm:constr type="primFontSz" val="48"/>
+              <dgm:constr type="tMarg" val="1"/>
+              <dgm:constr type="lMarg" refType="w" fact="0.221"/>
+              <dgm:constr type="rMarg" refType="w" fact="0.221"/>
+              <dgm:constr type="bMarg" val="1"/>
+            </dgm:constrLst>
+            <dgm:ruleLst>
+              <dgm:rule type="primFontSz" val="14" fact="NaN" max="NaN"/>
+            </dgm:ruleLst>
+          </dgm:layoutNode>
+        </dgm:forEach>
+        <dgm:layoutNode name="bottomLine" styleLbl="alignNode1">
+          <dgm:varLst/>
+          <dgm:presOf/>
+          <dgm:alg type="sp"/>
+          <dgm:shape xmlns:r="http://schemas.openxmlformats.org/officeDocument/2006/relationships" type="rect" r:blip="">
+            <dgm:adjLst/>
+          </dgm:shape>
+          <dgm:constrLst/>
+          <dgm:ruleLst/>
+        </dgm:layoutNode>
+        <dgm:layoutNode name="nodeText" styleLbl="bgAccFollowNode1" moveWith="bgRect">
+          <dgm:varLst>
+            <dgm:bulletEnabled val="1"/>
+          </dgm:varLst>
+          <dgm:alg type="tx">
+            <dgm:param type="parTxLTRAlign" val="l"/>
+            <dgm:param type="parTxRTLAlign" val="r"/>
+            <dgm:param type="txAnchorVert" val="t"/>
+          </dgm:alg>
+          <dgm:shape xmlns:r="http://schemas.openxmlformats.org/officeDocument/2006/relationships" type="rect" r:blip="" zOrderOff="-1" hideGeom="1">
+            <dgm:adjLst/>
+          </dgm:shape>
+          <dgm:presOf axis="desOrSelf" ptType="node"/>
+          <dgm:constrLst>
+            <dgm:constr type="primFontSz" val="26"/>
+            <dgm:constr type="tMarg" val="26"/>
+            <dgm:constr type="lMarg" refType="w" fact="0.221"/>
+            <dgm:constr type="rMarg" refType="w" fact="0.221"/>
+            <dgm:constr type="bMarg" val="26"/>
+          </dgm:constrLst>
+          <dgm:ruleLst>
+            <dgm:rule type="primFontSz" val="11" fact="NaN" max="NaN"/>
+          </dgm:ruleLst>
+        </dgm:layoutNode>
+      </dgm:layoutNode>
+      <dgm:forEach name="Name14" axis="followSib" ptType="sibTrans" cnt="1">
+        <dgm:layoutNode name="sibTrans">
+          <dgm:alg type="sp"/>
+          <dgm:shape xmlns:r="http://schemas.openxmlformats.org/officeDocument/2006/relationships" r:blip="">
+            <dgm:adjLst/>
+          </dgm:shape>
+          <dgm:presOf/>
+          <dgm:constrLst/>
+          <dgm:ruleLst/>
+        </dgm:layoutNode>
+      </dgm:forEach>
+    </dgm:forEach>
+  </dgm:layoutNode>
+  <dgm:extLst>
+    <a:ext uri="{4F341089-5ED1-44EC-B178-C955D00A3D55}">
+      <dgm1611:autoBuNodeInfoLst xmlns:dgm1611="http://schemas.microsoft.com/office/drawing/2016/11/diagram" xmlns="">
+        <dgm1611:autoBuNodeInfo lvl="1" ptType="sibTrans">
+          <dgm1611:buPr prefix="" leadZeros="0">
+            <a:buAutoNum type="arabicParenBoth"/>
+          </dgm1611:buPr>
+        </dgm1611:autoBuNodeInfo>
+      </dgm1611:autoBuNodeInfoLst>
+    </a:ext>
+  </dgm:extLst>
+</dgm:layoutDef>
+</file>
+
+<file path=ppt/diagrams/quickStyle1.xml><?xml version="1.0" encoding="utf-8"?>
+<dgm:styleDef xmlns:dgm="http://schemas.openxmlformats.org/drawingml/2006/diagram" xmlns:a="http://schemas.openxmlformats.org/drawingml/2006/main" uniqueId="urn:microsoft.com/office/officeart/2005/8/quickstyle/simple1">
+  <dgm:title val=""/>
+  <dgm:desc val=""/>
+  <dgm:catLst>
+    <dgm:cat type="simple" pri="10100"/>
+  </dgm:catLst>
+  <dgm:scene3d>
+    <a:camera prst="orthographicFront"/>
+    <a:lightRig rig="threePt" dir="t"/>
+  </dgm:scene3d>
+  <dgm:styleLbl name="node0">
+    <dgm:scene3d>
+      <a:camera prst="orthographicFront"/>
+      <a:lightRig rig="threePt" dir="t"/>
+    </dgm:scene3d>
+    <dgm:sp3d/>
+    <dgm:txPr/>
+    <dgm:style>
+      <a:lnRef idx="2">
+        <a:scrgbClr r="0" g="0" b="0"/>
+      </a:lnRef>
+      <a:fillRef idx="1">
+        <a:scrgbClr r="0" g="0" b="0"/>
+      </a:fillRef>
+      <a:effectRef idx="0">
+        <a:scrgbClr r="0" g="0" b="0"/>
+      </a:effectRef>
+      <a:fontRef idx="minor">
+        <a:schemeClr val="lt1"/>
+      </a:fontRef>
+    </dgm:style>
+  </dgm:styleLbl>
+  <dgm:styleLbl name="lnNode1">
+    <dgm:scene3d>
+      <a:camera prst="orthographicFront"/>
+      <a:lightRig rig="threePt" dir="t"/>
+    </dgm:scene3d>
+    <dgm:sp3d/>
+    <dgm:txPr/>
+    <dgm:style>
+      <a:lnRef idx="2">
+        <a:scrgbClr r="0" g="0" b="0"/>
+      </a:lnRef>
+      <a:fillRef idx="1">
+        <a:scrgbClr r="0" g="0" b="0"/>
+      </a:fillRef>
+      <a:effectRef idx="0">
+        <a:scrgbClr r="0" g="0" b="0"/>
+      </a:effectRef>
+      <a:fontRef idx="minor">
+        <a:schemeClr val="lt1"/>
+      </a:fontRef>
+    </dgm:style>
+  </dgm:styleLbl>
+  <dgm:styleLbl name="vennNode1">
+    <dgm:scene3d>
+      <a:camera prst="orthographicFront"/>
+      <a:lightRig rig="threePt" dir="t"/>
+    </dgm:scene3d>
+    <dgm:sp3d/>
+    <dgm:txPr/>
+    <dgm:style>
+      <a:lnRef idx="2">
+        <a:scrgbClr r="0" g="0" b="0"/>
+      </a:lnRef>
+      <a:fillRef idx="1">
+        <a:scrgbClr r="0" g="0" b="0"/>
+      </a:fillRef>
+      <a:effectRef idx="0">
+        <a:scrgbClr r="0" g="0" b="0"/>
+      </a:effectRef>
+      <a:fontRef idx="minor">
+        <a:schemeClr val="tx1"/>
+      </a:fontRef>
+    </dgm:style>
+  </dgm:styleLbl>
+  <dgm:styleLbl name="alignNode1">
+    <dgm:scene3d>
+      <a:camera prst="orthographicFront"/>
+      <a:lightRig rig="threePt" dir="t"/>
+    </dgm:scene3d>
+    <dgm:sp3d/>
+    <dgm:txPr/>
+    <dgm:style>
+      <a:lnRef idx="2">
+        <a:scrgbClr r="0" g="0" b="0"/>
+      </a:lnRef>
+      <a:fillRef idx="1">
+        <a:scrgbClr r="0" g="0" b="0"/>
+      </a:fillRef>
+      <a:effectRef idx="0">
+        <a:scrgbClr r="0" g="0" b="0"/>
+      </a:effectRef>
+      <a:fontRef idx="minor">
+        <a:schemeClr val="lt1"/>
+      </a:fontRef>
+    </dgm:style>
+  </dgm:styleLbl>
+  <dgm:styleLbl name="node1">
+    <dgm:scene3d>
+      <a:camera prst="orthographicFront"/>
+      <a:lightRig rig="threePt" dir="t"/>
+    </dgm:scene3d>
+    <dgm:sp3d/>
+    <dgm:txPr/>
+    <dgm:style>
+      <a:lnRef idx="2">
+        <a:scrgbClr r="0" g="0" b="0"/>
+      </a:lnRef>
+      <a:fillRef idx="1">
+        <a:scrgbClr r="0" g="0" b="0"/>
+      </a:fillRef>
+      <a:effectRef idx="0">
+        <a:scrgbClr r="0" g="0" b="0"/>
+      </a:effectRef>
+      <a:fontRef idx="minor">
+        <a:schemeClr val="lt1"/>
+      </a:fontRef>
+    </dgm:style>
+  </dgm:styleLbl>
+  <dgm:styleLbl name="node2">
+    <dgm:scene3d>
+      <a:camera prst="orthographicFront"/>
+      <a:lightRig rig="threePt" dir="t"/>
+    </dgm:scene3d>
+    <dgm:sp3d/>
+    <dgm:txPr/>
+    <dgm:style>
+      <a:lnRef idx="2">
+        <a:scrgbClr r="0" g="0" b="0"/>
+      </a:lnRef>
+      <a:fillRef idx="1">
+        <a:scrgbClr r="0" g="0" b="0"/>
+      </a:fillRef>
+      <a:effectRef idx="0">
+        <a:scrgbClr r="0" g="0" b="0"/>
+      </a:effectRef>
+      <a:fontRef idx="minor">
+        <a:schemeClr val="lt1"/>
+      </a:fontRef>
+    </dgm:style>
+  </dgm:styleLbl>
+  <dgm:styleLbl name="node3">
+    <dgm:scene3d>
+      <a:camera prst="orthographicFront"/>
+      <a:lightRig rig="threePt" dir="t"/>
+    </dgm:scene3d>
+    <dgm:sp3d/>
+    <dgm:txPr/>
+    <dgm:style>
+      <a:lnRef idx="2">
+        <a:scrgbClr r="0" g="0" b="0"/>
+      </a:lnRef>
+      <a:fillRef idx="1">
+        <a:scrgbClr r="0" g="0" b="0"/>
+      </a:fillRef>
+      <a:effectRef idx="0">
+        <a:scrgbClr r="0" g="0" b="0"/>
+      </a:effectRef>
+      <a:fontRef idx="minor">
+        <a:schemeClr val="lt1"/>
+      </a:fontRef>
+    </dgm:style>
+  </dgm:styleLbl>
+  <dgm:styleLbl name="node4">
+    <dgm:scene3d>
+      <a:camera prst="orthographicFront"/>
+      <a:lightRig rig="threePt" dir="t"/>
+    </dgm:scene3d>
+    <dgm:sp3d/>
+    <dgm:txPr/>
+    <dgm:style>
+      <a:lnRef idx="2">
+        <a:scrgbClr r="0" g="0" b="0"/>
+      </a:lnRef>
+      <a:fillRef idx="1">
+        <a:scrgbClr r="0" g="0" b="0"/>
+      </a:fillRef>
+      <a:effectRef idx="0">
+        <a:scrgbClr r="0" g="0" b="0"/>
+      </a:effectRef>
+      <a:fontRef idx="minor">
+        <a:schemeClr val="lt1"/>
+      </a:fontRef>
+    </dgm:style>
+  </dgm:styleLbl>
+  <dgm:styleLbl name="fgImgPlace1">
+    <dgm:scene3d>
+      <a:camera prst="orthographicFront"/>
+      <a:lightRig rig="threePt" dir="t"/>
+    </dgm:scene3d>
+    <dgm:sp3d/>
+    <dgm:txPr/>
+    <dgm:style>
+      <a:lnRef idx="2">
+        <a:scrgbClr r="0" g="0" b="0"/>
+      </a:lnRef>
+      <a:fillRef idx="1">
+        <a:scrgbClr r="0" g="0" b="0"/>
+      </a:fillRef>
+      <a:effectRef idx="0">
+        <a:scrgbClr r="0" g="0" b="0"/>
+      </a:effectRef>
+      <a:fontRef idx="minor"/>
+    </dgm:style>
+  </dgm:styleLbl>
+  <dgm:styleLbl name="alignImgPlace1">
+    <dgm:scene3d>
+      <a:camera prst="orthographicFront"/>
+      <a:lightRig rig="threePt" dir="t"/>
+    </dgm:scene3d>
+    <dgm:sp3d/>
+    <dgm:txPr/>
+    <dgm:style>
+      <a:lnRef idx="2">
+        <a:scrgbClr r="0" g="0" b="0"/>
+      </a:lnRef>
+      <a:fillRef idx="1">
+        <a:scrgbClr r="0" g="0" b="0"/>
+      </a:fillRef>
+      <a:effectRef idx="0">
+        <a:scrgbClr r="0" g="0" b="0"/>
+      </a:effectRef>
+      <a:fontRef idx="minor"/>
+    </dgm:style>
+  </dgm:styleLbl>
+  <dgm:styleLbl name="bgImgPlace1">
+    <dgm:scene3d>
+      <a:camera prst="orthographicFront"/>
+      <a:lightRig rig="threePt" dir="t"/>
+    </dgm:scene3d>
+    <dgm:sp3d/>
+    <dgm:txPr/>
+    <dgm:style>
+      <a:lnRef idx="2">
+        <a:scrgbClr r="0" g="0" b="0"/>
+      </a:lnRef>
+      <a:fillRef idx="1">
+        <a:scrgbClr r="0" g="0" b="0"/>
+      </a:fillRef>
+      <a:effectRef idx="0">
+        <a:scrgbClr r="0" g="0" b="0"/>
+      </a:effectRef>
+      <a:fontRef idx="minor"/>
+    </dgm:style>
+  </dgm:styleLbl>
+  <dgm:styleLbl name="sibTrans2D1">
+    <dgm:scene3d>
+      <a:camera prst="orthographicFront"/>
+      <a:lightRig rig="threePt" dir="t"/>
+    </dgm:scene3d>
+    <dgm:sp3d/>
+    <dgm:txPr/>
+    <dgm:style>
+      <a:lnRef idx="0">
+        <a:scrgbClr r="0" g="0" b="0"/>
+      </a:lnRef>
+      <a:fillRef idx="1">
+        <a:scrgbClr r="0" g="0" b="0"/>
+      </a:fillRef>
+      <a:effectRef idx="0">
+        <a:scrgbClr r="0" g="0" b="0"/>
+      </a:effectRef>
+      <a:fontRef idx="minor">
+        <a:schemeClr val="lt1"/>
+      </a:fontRef>
+    </dgm:style>
+  </dgm:styleLbl>
+  <dgm:styleLbl name="fgSibTrans2D1">
+    <dgm:scene3d>
+      <a:camera prst="orthographicFront"/>
+      <a:lightRig rig="threePt" dir="t"/>
+    </dgm:scene3d>
+    <dgm:sp3d/>
+    <dgm:txPr/>
+    <dgm:style>
+      <a:lnRef idx="0">
+        <a:scrgbClr r="0" g="0" b="0"/>
+      </a:lnRef>
+      <a:fillRef idx="1">
+        <a:scrgbClr r="0" g="0" b="0"/>
+      </a:fillRef>
+      <a:effectRef idx="0">
+        <a:scrgbClr r="0" g="0" b="0"/>
+      </a:effectRef>
+      <a:fontRef idx="minor">
+        <a:schemeClr val="lt1"/>
+      </a:fontRef>
+    </dgm:style>
+  </dgm:styleLbl>
+  <dgm:styleLbl name="bgSibTrans2D1">
+    <dgm:scene3d>
+      <a:camera prst="orthographicFront"/>
+      <a:lightRig rig="threePt" dir="t"/>
+    </dgm:scene3d>
+    <dgm:sp3d/>
+    <dgm:txPr/>
+    <dgm:style>
+      <a:lnRef idx="0">
+        <a:scrgbClr r="0" g="0" b="0"/>
+      </a:lnRef>
+      <a:fillRef idx="1">
+        <a:scrgbClr r="0" g="0" b="0"/>
+      </a:fillRef>
+      <a:effectRef idx="0">
+        <a:scrgbClr r="0" g="0" b="0"/>
+      </a:effectRef>
+      <a:fontRef idx="minor">
+        <a:schemeClr val="lt1"/>
+      </a:fontRef>
+    </dgm:style>
+  </dgm:styleLbl>
+  <dgm:styleLbl name="sibTrans1D1">
+    <dgm:scene3d>
+      <a:camera prst="orthographicFront"/>
+      <a:lightRig rig="threePt" dir="t"/>
+    </dgm:scene3d>
+    <dgm:sp3d/>
+    <dgm:txPr/>
+    <dgm:style>
+      <a:lnRef idx="1">
+        <a:scrgbClr r="0" g="0" b="0"/>
+      </a:lnRef>
+      <a:fillRef idx="0">
+        <a:scrgbClr r="0" g="0" b="0"/>
+      </a:fillRef>
+      <a:effectRef idx="0">
+        <a:scrgbClr r="0" g="0" b="0"/>
+      </a:effectRef>
+      <a:fontRef idx="minor"/>
+    </dgm:style>
+  </dgm:styleLbl>
+  <dgm:styleLbl name="callout">
+    <dgm:scene3d>
+      <a:camera prst="orthographicFront"/>
+      <a:lightRig rig="threePt" dir="t"/>
+    </dgm:scene3d>
+    <dgm:sp3d/>
+    <dgm:txPr/>
+    <dgm:style>
+      <a:lnRef idx="2">
+        <a:scrgbClr r="0" g="0" b="0"/>
+      </a:lnRef>
+      <a:fillRef idx="1">
+        <a:scrgbClr r="0" g="0" b="0"/>
+      </a:fillRef>
+      <a:effectRef idx="0">
+        <a:scrgbClr r="0" g="0" b="0"/>
+      </a:effectRef>
+      <a:fontRef idx="minor"/>
+    </dgm:style>
+  </dgm:styleLbl>
+  <dgm:styleLbl name="asst0">
+    <dgm:scene3d>
+      <a:camera prst="orthographicFront"/>
+      <a:lightRig rig="threePt" dir="t"/>
+    </dgm:scene3d>
+    <dgm:sp3d/>
+    <dgm:txPr/>
+    <dgm:style>
+      <a:lnRef idx="2">
+        <a:scrgbClr r="0" g="0" b="0"/>
+      </a:lnRef>
+      <a:fillRef idx="1">
+        <a:scrgbClr r="0" g="0" b="0"/>
+      </a:fillRef>
+      <a:effectRef idx="0">
+        <a:scrgbClr r="0" g="0" b="0"/>
+      </a:effectRef>
+      <a:fontRef idx="minor">
+        <a:schemeClr val="lt1"/>
+      </a:fontRef>
+    </dgm:style>
+  </dgm:styleLbl>
+  <dgm:styleLbl name="asst1">
+    <dgm:scene3d>
+      <a:camera prst="orthographicFront"/>
+      <a:lightRig rig="threePt" dir="t"/>
+    </dgm:scene3d>
+    <dgm:sp3d/>
+    <dgm:txPr/>
+    <dgm:style>
+      <a:lnRef idx="2">
+        <a:scrgbClr r="0" g="0" b="0"/>
+      </a:lnRef>
+      <a:fillRef idx="1">
+        <a:scrgbClr r="0" g="0" b="0"/>
+      </a:fillRef>
+      <a:effectRef idx="0">
+        <a:scrgbClr r="0" g="0" b="0"/>
+      </a:effectRef>
+      <a:fontRef idx="minor">
+        <a:schemeClr val="lt1"/>
+      </a:fontRef>
+    </dgm:style>
+  </dgm:styleLbl>
+  <dgm:styleLbl name="asst2">
+    <dgm:scene3d>
+      <a:camera prst="orthographicFront"/>
+      <a:lightRig rig="threePt" dir="t"/>
+    </dgm:scene3d>
+    <dgm:sp3d/>
+    <dgm:txPr/>
+    <dgm:style>
+      <a:lnRef idx="2">
+        <a:scrgbClr r="0" g="0" b="0"/>
+      </a:lnRef>
+      <a:fillRef idx="1">
+        <a:scrgbClr r="0" g="0" b="0"/>
+      </a:fillRef>
+      <a:effectRef idx="0">
+        <a:scrgbClr r="0" g="0" b="0"/>
+      </a:effectRef>
+      <a:fontRef idx="minor">
+        <a:schemeClr val="lt1"/>
+      </a:fontRef>
+    </dgm:style>
+  </dgm:styleLbl>
+  <dgm:styleLbl name="asst3">
+    <dgm:scene3d>
+      <a:camera prst="orthographicFront"/>
+      <a:lightRig rig="threePt" dir="t"/>
+    </dgm:scene3d>
+    <dgm:sp3d/>
+    <dgm:txPr/>
+    <dgm:style>
+      <a:lnRef idx="2">
+        <a:scrgbClr r="0" g="0" b="0"/>
+      </a:lnRef>
+      <a:fillRef idx="1">
+        <a:scrgbClr r="0" g="0" b="0"/>
+      </a:fillRef>
+      <a:effectRef idx="0">
+        <a:scrgbClr r="0" g="0" b="0"/>
+      </a:effectRef>
+      <a:fontRef idx="minor">
+        <a:schemeClr val="lt1"/>
+      </a:fontRef>
+    </dgm:style>
+  </dgm:styleLbl>
+  <dgm:styleLbl name="asst4">
+    <dgm:scene3d>
+      <a:camera prst="orthographicFront"/>
+      <a:lightRig rig="threePt" dir="t"/>
+    </dgm:scene3d>
+    <dgm:sp3d/>
+    <dgm:txPr/>
+    <dgm:style>
+      <a:lnRef idx="2">
+        <a:scrgbClr r="0" g="0" b="0"/>
+      </a:lnRef>
+      <a:fillRef idx="1">
+        <a:scrgbClr r="0" g="0" b="0"/>
+      </a:fillRef>
+      <a:effectRef idx="0">
+        <a:scrgbClr r="0" g="0" b="0"/>
+      </a:effectRef>
+      <a:fontRef idx="minor">
+        <a:schemeClr val="lt1"/>
+      </a:fontRef>
+    </dgm:style>
+  </dgm:styleLbl>
+  <dgm:styleLbl name="parChTrans2D1">
+    <dgm:scene3d>
+      <a:camera prst="orthographicFront"/>
+      <a:lightRig rig="threePt" dir="t"/>
+    </dgm:scene3d>
+    <dgm:sp3d/>
+    <dgm:txPr/>
+    <dgm:style>
+      <a:lnRef idx="2">
+        <a:scrgbClr r="0" g="0" b="0"/>
+      </a:lnRef>
+      <a:fillRef idx="1">
+        <a:scrgbClr r="0" g="0" b="0"/>
+      </a:fillRef>
+      <a:effectRef idx="0">
+        <a:scrgbClr r="0" g="0" b="0"/>
+      </a:effectRef>
+      <a:fontRef idx="minor">
+        <a:schemeClr val="lt1"/>
+      </a:fontRef>
+    </dgm:style>
+  </dgm:styleLbl>
+  <dgm:styleLbl name="parChTrans2D2">
+    <dgm:scene3d>
+      <a:camera prst="orthographicFront"/>
+      <a:lightRig rig="threePt" dir="t"/>
+    </dgm:scene3d>
+    <dgm:sp3d/>
+    <dgm:txPr/>
+    <dgm:style>
+      <a:lnRef idx="2">
+        <a:scrgbClr r="0" g="0" b="0"/>
+      </a:lnRef>
+      <a:fillRef idx="1">
+        <a:scrgbClr r="0" g="0" b="0"/>
+      </a:fillRef>
+      <a:effectRef idx="0">
+        <a:scrgbClr r="0" g="0" b="0"/>
+      </a:effectRef>
+      <a:fontRef idx="minor">
+        <a:schemeClr val="lt1"/>
+      </a:fontRef>
+    </dgm:style>
+  </dgm:styleLbl>
+  <dgm:styleLbl name="parChTrans2D3">
+    <dgm:scene3d>
+      <a:camera prst="orthographicFront"/>
+      <a:lightRig rig="threePt" dir="t"/>
+    </dgm:scene3d>
+    <dgm:sp3d/>
+    <dgm:txPr/>
+    <dgm:style>
+      <a:lnRef idx="2">
+        <a:scrgbClr r="0" g="0" b="0"/>
+      </a:lnRef>
+      <a:fillRef idx="1">
+        <a:scrgbClr r="0" g="0" b="0"/>
+      </a:fillRef>
+      <a:effectRef idx="0">
+        <a:scrgbClr r="0" g="0" b="0"/>
+      </a:effectRef>
+      <a:fontRef idx="minor">
+        <a:schemeClr val="lt1"/>
+      </a:fontRef>
+    </dgm:style>
+  </dgm:styleLbl>
+  <dgm:styleLbl name="parChTrans2D4">
+    <dgm:scene3d>
+      <a:camera prst="orthographicFront"/>
+      <a:lightRig rig="threePt" dir="t"/>
+    </dgm:scene3d>
+    <dgm:sp3d/>
+    <dgm:txPr/>
+    <dgm:style>
+      <a:lnRef idx="2">
+        <a:scrgbClr r="0" g="0" b="0"/>
+      </a:lnRef>
+      <a:fillRef idx="1">
+        <a:scrgbClr r="0" g="0" b="0"/>
+      </a:fillRef>
+      <a:effectRef idx="0">
+        <a:scrgbClr r="0" g="0" b="0"/>
+      </a:effectRef>
+      <a:fontRef idx="minor">
+        <a:schemeClr val="lt1"/>
+      </a:fontRef>
+    </dgm:style>
+  </dgm:styleLbl>
+  <dgm:styleLbl name="parChTrans1D1">
+    <dgm:scene3d>
+      <a:camera prst="orthographicFront"/>
+      <a:lightRig rig="threePt" dir="t"/>
+    </dgm:scene3d>
+    <dgm:sp3d/>
+    <dgm:txPr/>
+    <dgm:style>
+      <a:lnRef idx="2">
+        <a:scrgbClr r="0" g="0" b="0"/>
+      </a:lnRef>
+      <a:fillRef idx="0">
+        <a:scrgbClr r="0" g="0" b="0"/>
+      </a:fillRef>
+      <a:effectRef idx="0">
+        <a:scrgbClr r="0" g="0" b="0"/>
+      </a:effectRef>
+      <a:fontRef idx="minor"/>
+    </dgm:style>
+  </dgm:styleLbl>
+  <dgm:styleLbl name="parChTrans1D2">
+    <dgm:scene3d>
+      <a:camera prst="orthographicFront"/>
+      <a:lightRig rig="threePt" dir="t"/>
+    </dgm:scene3d>
+    <dgm:sp3d/>
+    <dgm:txPr/>
+    <dgm:style>
+      <a:lnRef idx="2">
+        <a:scrgbClr r="0" g="0" b="0"/>
+      </a:lnRef>
+      <a:fillRef idx="0">
+        <a:scrgbClr r="0" g="0" b="0"/>
+      </a:fillRef>
+      <a:effectRef idx="0">
+        <a:scrgbClr r="0" g="0" b="0"/>
+      </a:effectRef>
+      <a:fontRef idx="minor"/>
+    </dgm:style>
+  </dgm:styleLbl>
+  <dgm:styleLbl name="parChTrans1D3">
+    <dgm:scene3d>
+      <a:camera prst="orthographicFront"/>
+      <a:lightRig rig="threePt" dir="t"/>
+    </dgm:scene3d>
+    <dgm:sp3d/>
+    <dgm:txPr/>
+    <dgm:style>
+      <a:lnRef idx="2">
+        <a:scrgbClr r="0" g="0" b="0"/>
+      </a:lnRef>
+      <a:fillRef idx="0">
+        <a:scrgbClr r="0" g="0" b="0"/>
+      </a:fillRef>
+      <a:effectRef idx="0">
+        <a:scrgbClr r="0" g="0" b="0"/>
+      </a:effectRef>
+      <a:fontRef idx="minor"/>
+    </dgm:style>
+  </dgm:styleLbl>
+  <dgm:styleLbl name="parChTrans1D4">
+    <dgm:scene3d>
+      <a:camera prst="orthographicFront"/>
+      <a:lightRig rig="threePt" dir="t"/>
+    </dgm:scene3d>
+    <dgm:sp3d/>
+    <dgm:txPr/>
+    <dgm:style>
+      <a:lnRef idx="2">
+        <a:scrgbClr r="0" g="0" b="0"/>
+      </a:lnRef>
+      <a:fillRef idx="0">
+        <a:scrgbClr r="0" g="0" b="0"/>
+      </a:fillRef>
+      <a:effectRef idx="0">
+        <a:scrgbClr r="0" g="0" b="0"/>
+      </a:effectRef>
+      <a:fontRef idx="minor"/>
+    </dgm:style>
+  </dgm:styleLbl>
+  <dgm:styleLbl name="fgAcc1">
+    <dgm:scene3d>
+      <a:camera prst="orthographicFront"/>
+      <a:lightRig rig="threePt" dir="t"/>
+    </dgm:scene3d>
+    <dgm:sp3d/>
+    <dgm:txPr/>
+    <dgm:style>
+      <a:lnRef idx="2">
+        <a:scrgbClr r="0" g="0" b="0"/>
+      </a:lnRef>
+      <a:fillRef idx="1">
+        <a:scrgbClr r="0" g="0" b="0"/>
+      </a:fillRef>
+      <a:effectRef idx="0">
+        <a:scrgbClr r="0" g="0" b="0"/>
+      </a:effectRef>
+      <a:fontRef idx="minor"/>
+    </dgm:style>
+  </dgm:styleLbl>
+  <dgm:styleLbl name="conFgAcc1">
+    <dgm:scene3d>
+      <a:camera prst="orthographicFront"/>
+      <a:lightRig rig="threePt" dir="t"/>
+    </dgm:scene3d>
+    <dgm:sp3d/>
+    <dgm:txPr/>
+    <dgm:style>
+      <a:lnRef idx="2">
+        <a:scrgbClr r="0" g="0" b="0"/>
+      </a:lnRef>
+      <a:fillRef idx="1">
+        <a:scrgbClr r="0" g="0" b="0"/>
+      </a:fillRef>
+      <a:effectRef idx="0">
+        <a:scrgbClr r="0" g="0" b="0"/>
+      </a:effectRef>
+      <a:fontRef idx="minor"/>
+    </dgm:style>
+  </dgm:styleLbl>
+  <dgm:styleLbl name="alignAcc1">
+    <dgm:scene3d>
+      <a:camera prst="orthographicFront"/>
+      <a:lightRig rig="threePt" dir="t"/>
+    </dgm:scene3d>
+    <dgm:sp3d/>
+    <dgm:txPr/>
+    <dgm:style>
+      <a:lnRef idx="2">
+        <a:scrgbClr r="0" g="0" b="0"/>
+      </a:lnRef>
+      <a:fillRef idx="1">
+        <a:scrgbClr r="0" g="0" b="0"/>
+      </a:fillRef>
+      <a:effectRef idx="0">
+        <a:scrgbClr r="0" g="0" b="0"/>
+      </a:effectRef>
+      <a:fontRef idx="minor"/>
+    </dgm:style>
+  </dgm:styleLbl>
+  <dgm:styleLbl name="trAlignAcc1">
+    <dgm:scene3d>
+      <a:camera prst="orthographicFront"/>
+      <a:lightRig rig="threePt" dir="t"/>
+    </dgm:scene3d>
+    <dgm:sp3d/>
+    <dgm:txPr/>
+    <dgm:style>
+      <a:lnRef idx="1">
+        <a:scrgbClr r="0" g="0" b="0"/>
+      </a:lnRef>
+      <a:fillRef idx="1">
+        <a:scrgbClr r="0" g="0" b="0"/>
+      </a:fillRef>
+      <a:effectRef idx="0">
+        <a:scrgbClr r="0" g="0" b="0"/>
+      </a:effectRef>
+      <a:fontRef idx="minor"/>
+    </dgm:style>
+  </dgm:styleLbl>
+  <dgm:styleLbl name="bgAcc1">
+    <dgm:scene3d>
+      <a:camera prst="orthographicFront"/>
+      <a:lightRig rig="threePt" dir="t"/>
+    </dgm:scene3d>
+    <dgm:sp3d/>
+    <dgm:txPr/>
+    <dgm:style>
+      <a:lnRef idx="2">
+        <a:scrgbClr r="0" g="0" b="0"/>
+      </a:lnRef>
+      <a:fillRef idx="1">
+        <a:scrgbClr r="0" g="0" b="0"/>
+      </a:fillRef>
+      <a:effectRef idx="0">
+        <a:scrgbClr r="0" g="0" b="0"/>
+      </a:effectRef>
+      <a:fontRef idx="minor"/>
+    </dgm:style>
+  </dgm:styleLbl>
+  <dgm:styleLbl name="solidFgAcc1">
+    <dgm:scene3d>
+      <a:camera prst="orthographicFront"/>
+      <a:lightRig rig="threePt" dir="t"/>
+    </dgm:scene3d>
+    <dgm:sp3d/>
+    <dgm:txPr/>
+    <dgm:style>
+      <a:lnRef idx="2">
+        <a:scrgbClr r="0" g="0" b="0"/>
+      </a:lnRef>
+      <a:fillRef idx="1">
+        <a:scrgbClr r="0" g="0" b="0"/>
+      </a:fillRef>
+      <a:effectRef idx="0">
+        <a:scrgbClr r="0" g="0" b="0"/>
+      </a:effectRef>
+      <a:fontRef idx="minor"/>
+    </dgm:style>
+  </dgm:styleLbl>
+  <dgm:styleLbl name="solidAlignAcc1">
+    <dgm:scene3d>
+      <a:camera prst="orthographicFront"/>
+      <a:lightRig rig="threePt" dir="t"/>
+    </dgm:scene3d>
+    <dgm:sp3d/>
+    <dgm:txPr/>
+    <dgm:style>
+      <a:lnRef idx="2">
+        <a:scrgbClr r="0" g="0" b="0"/>
+      </a:lnRef>
+      <a:fillRef idx="1">
+        <a:scrgbClr r="0" g="0" b="0"/>
+      </a:fillRef>
+      <a:effectRef idx="0">
+        <a:scrgbClr r="0" g="0" b="0"/>
+      </a:effectRef>
+      <a:fontRef idx="minor"/>
+    </dgm:style>
+  </dgm:styleLbl>
+  <dgm:styleLbl name="solidBgAcc1">
+    <dgm:scene3d>
+      <a:camera prst="orthographicFront"/>
+      <a:lightRig rig="threePt" dir="t"/>
+    </dgm:scene3d>
+    <dgm:sp3d/>
+    <dgm:txPr/>
+    <dgm:style>
+      <a:lnRef idx="2">
+        <a:scrgbClr r="0" g="0" b="0"/>
+      </a:lnRef>
+      <a:fillRef idx="1">
+        <a:scrgbClr r="0" g="0" b="0"/>
+      </a:fillRef>
+      <a:effectRef idx="0">
+        <a:scrgbClr r="0" g="0" b="0"/>
+      </a:effectRef>
+      <a:fontRef idx="minor"/>
+    </dgm:style>
+  </dgm:styleLbl>
+  <dgm:styleLbl name="fgAccFollowNode1">
+    <dgm:scene3d>
+      <a:camera prst="orthographicFront"/>
+      <a:lightRig rig="threePt" dir="t"/>
+    </dgm:scene3d>
+    <dgm:sp3d/>
+    <dgm:txPr/>
+    <dgm:style>
+      <a:lnRef idx="2">
+        <a:scrgbClr r="0" g="0" b="0"/>
+      </a:lnRef>
+      <a:fillRef idx="1">
+        <a:scrgbClr r="0" g="0" b="0"/>
+      </a:fillRef>
+      <a:effectRef idx="0">
+        <a:scrgbClr r="0" g="0" b="0"/>
+      </a:effectRef>
+      <a:fontRef idx="minor"/>
+    </dgm:style>
+  </dgm:styleLbl>
+  <dgm:styleLbl name="alignAccFollowNode1">
+    <dgm:scene3d>
+      <a:camera prst="orthographicFront"/>
+      <a:lightRig rig="threePt" dir="t"/>
+    </dgm:scene3d>
+    <dgm:sp3d/>
+    <dgm:txPr/>
+    <dgm:style>
+      <a:lnRef idx="2">
+        <a:scrgbClr r="0" g="0" b="0"/>
+      </a:lnRef>
+      <a:fillRef idx="1">
+        <a:scrgbClr r="0" g="0" b="0"/>
+      </a:fillRef>
+      <a:effectRef idx="0">
+        <a:scrgbClr r="0" g="0" b="0"/>
+      </a:effectRef>
+      <a:fontRef idx="minor"/>
+    </dgm:style>
+  </dgm:styleLbl>
+  <dgm:styleLbl name="bgAccFollowNode1">
+    <dgm:scene3d>
+      <a:camera prst="orthographicFront"/>
+      <a:lightRig rig="threePt" dir="t"/>
+    </dgm:scene3d>
+    <dgm:sp3d/>
+    <dgm:txPr/>
+    <dgm:style>
+      <a:lnRef idx="2">
+        <a:scrgbClr r="0" g="0" b="0"/>
+      </a:lnRef>
+      <a:fillRef idx="1">
+        <a:scrgbClr r="0" g="0" b="0"/>
+      </a:fillRef>
+      <a:effectRef idx="0">
+        <a:scrgbClr r="0" g="0" b="0"/>
+      </a:effectRef>
+      <a:fontRef idx="minor"/>
+    </dgm:style>
+  </dgm:styleLbl>
+  <dgm:styleLbl name="fgAcc0">
+    <dgm:scene3d>
+      <a:camera prst="orthographicFront"/>
+      <a:lightRig rig="threePt" dir="t"/>
+    </dgm:scene3d>
+    <dgm:sp3d/>
+    <dgm:txPr/>
+    <dgm:style>
+      <a:lnRef idx="2">
+        <a:scrgbClr r="0" g="0" b="0"/>
+      </a:lnRef>
+      <a:fillRef idx="1">
+        <a:scrgbClr r="0" g="0" b="0"/>
+      </a:fillRef>
+      <a:effectRef idx="0">
+        <a:scrgbClr r="0" g="0" b="0"/>
+      </a:effectRef>
+      <a:fontRef idx="minor"/>
+    </dgm:style>
+  </dgm:styleLbl>
+  <dgm:styleLbl name="fgAcc2">
+    <dgm:scene3d>
+      <a:camera prst="orthographicFront"/>
+      <a:lightRig rig="threePt" dir="t"/>
+    </dgm:scene3d>
+    <dgm:sp3d/>
+    <dgm:txPr/>
+    <dgm:style>
+      <a:lnRef idx="2">
+        <a:scrgbClr r="0" g="0" b="0"/>
+      </a:lnRef>
+      <a:fillRef idx="1">
+        <a:scrgbClr r="0" g="0" b="0"/>
+      </a:fillRef>
+      <a:effectRef idx="0">
+        <a:scrgbClr r="0" g="0" b="0"/>
+      </a:effectRef>
+      <a:fontRef idx="minor"/>
+    </dgm:style>
+  </dgm:styleLbl>
+  <dgm:styleLbl name="fgAcc3">
+    <dgm:scene3d>
+      <a:camera prst="orthographicFront"/>
+      <a:lightRig rig="threePt" dir="t"/>
+    </dgm:scene3d>
+    <dgm:sp3d/>
+    <dgm:txPr/>
+    <dgm:style>
+      <a:lnRef idx="2">
+        <a:scrgbClr r="0" g="0" b="0"/>
+      </a:lnRef>
+      <a:fillRef idx="1">
+        <a:scrgbClr r="0" g="0" b="0"/>
+      </a:fillRef>
+      <a:effectRef idx="0">
+        <a:scrgbClr r="0" g="0" b="0"/>
+      </a:effectRef>
+      <a:fontRef idx="minor"/>
+    </dgm:style>
+  </dgm:styleLbl>
+  <dgm:styleLbl name="fgAcc4">
+    <dgm:scene3d>
+      <a:camera prst="orthographicFront"/>
+      <a:lightRig rig="threePt" dir="t"/>
+    </dgm:scene3d>
+    <dgm:sp3d/>
+    <dgm:txPr/>
+    <dgm:style>
+      <a:lnRef idx="2">
+        <a:scrgbClr r="0" g="0" b="0"/>
+      </a:lnRef>
+      <a:fillRef idx="1">
+        <a:scrgbClr r="0" g="0" b="0"/>
+      </a:fillRef>
+      <a:effectRef idx="0">
+        <a:scrgbClr r="0" g="0" b="0"/>
+      </a:effectRef>
+      <a:fontRef idx="minor"/>
+    </dgm:style>
+  </dgm:styleLbl>
+  <dgm:styleLbl name="bgShp">
+    <dgm:scene3d>
+      <a:camera prst="orthographicFront"/>
+      <a:lightRig rig="threePt" dir="t"/>
+    </dgm:scene3d>
+    <dgm:sp3d/>
+    <dgm:txPr/>
+    <dgm:style>
+      <a:lnRef idx="0">
+        <a:scrgbClr r="0" g="0" b="0"/>
+      </a:lnRef>
+      <a:fillRef idx="1">
+        <a:scrgbClr r="0" g="0" b="0"/>
+      </a:fillRef>
+      <a:effectRef idx="0">
+        <a:scrgbClr r="0" g="0" b="0"/>
+      </a:effectRef>
+      <a:fontRef idx="minor"/>
+    </dgm:style>
+  </dgm:styleLbl>
+  <dgm:styleLbl name="dkBgShp">
+    <dgm:scene3d>
+      <a:camera prst="orthographicFront"/>
+      <a:lightRig rig="threePt" dir="t"/>
+    </dgm:scene3d>
+    <dgm:sp3d/>
+    <dgm:txPr/>
+    <dgm:style>
+      <a:lnRef idx="0">
+        <a:scrgbClr r="0" g="0" b="0"/>
+      </a:lnRef>
+      <a:fillRef idx="1">
+        <a:scrgbClr r="0" g="0" b="0"/>
+      </a:fillRef>
+      <a:effectRef idx="0">
+        <a:scrgbClr r="0" g="0" b="0"/>
+      </a:effectRef>
+      <a:fontRef idx="minor"/>
+    </dgm:style>
+  </dgm:styleLbl>
+  <dgm:styleLbl name="trBgShp">
+    <dgm:scene3d>
+      <a:camera prst="orthographicFront"/>
+      <a:lightRig rig="threePt" dir="t"/>
+    </dgm:scene3d>
+    <dgm:sp3d/>
+    <dgm:txPr/>
+    <dgm:style>
+      <a:lnRef idx="0">
+        <a:scrgbClr r="0" g="0" b="0"/>
+      </a:lnRef>
+      <a:fillRef idx="1">
+        <a:scrgbClr r="0" g="0" b="0"/>
+      </a:fillRef>
+      <a:effectRef idx="0">
+        <a:scrgbClr r="0" g="0" b="0"/>
+      </a:effectRef>
+      <a:fontRef idx="minor"/>
+    </dgm:style>
+  </dgm:styleLbl>
+  <dgm:styleLbl name="fgShp">
+    <dgm:scene3d>
+      <a:camera prst="orthographicFront"/>
+      <a:lightRig rig="threePt" dir="t"/>
+    </dgm:scene3d>
+    <dgm:sp3d/>
+    <dgm:txPr/>
+    <dgm:style>
+      <a:lnRef idx="2">
+        <a:scrgbClr r="0" g="0" b="0"/>
+      </a:lnRef>
+      <a:fillRef idx="1">
+        <a:scrgbClr r="0" g="0" b="0"/>
+      </a:fillRef>
+      <a:effectRef idx="0">
+        <a:scrgbClr r="0" g="0" b="0"/>
+      </a:effectRef>
+      <a:fontRef idx="minor"/>
+    </dgm:style>
+  </dgm:styleLbl>
+  <dgm:styleLbl name="revTx">
+    <dgm:scene3d>
+      <a:camera prst="orthographicFront"/>
+      <a:lightRig rig="threePt" dir="t"/>
+    </dgm:scene3d>
+    <dgm:sp3d/>
+    <dgm:txPr/>
+    <dgm:style>
+      <a:lnRef idx="0">
+        <a:scrgbClr r="0" g="0" b="0"/>
+      </a:lnRef>
+      <a:fillRef idx="0">
+        <a:scrgbClr r="0" g="0" b="0"/>
+      </a:fillRef>
+      <a:effectRef idx="0">
+        <a:scrgbClr r="0" g="0" b="0"/>
+      </a:effectRef>
+      <a:fontRef idx="minor"/>
+    </dgm:style>
+  </dgm:styleLbl>
+</dgm:styleDef>
+</file>
+
+<file path=ppt/diagrams/quickStyle2.xml><?xml version="1.0" encoding="utf-8"?>
+<dgm:styleDef xmlns:dgm="http://schemas.openxmlformats.org/drawingml/2006/diagram" xmlns:a="http://schemas.openxmlformats.org/drawingml/2006/main" uniqueId="urn:microsoft.com/office/officeart/2005/8/quickstyle/simple1">
+  <dgm:title val=""/>
+  <dgm:desc val=""/>
+  <dgm:catLst>
+    <dgm:cat type="simple" pri="10100"/>
+  </dgm:catLst>
+  <dgm:scene3d>
+    <a:camera prst="orthographicFront"/>
+    <a:lightRig rig="threePt" dir="t"/>
+  </dgm:scene3d>
+  <dgm:styleLbl name="node0">
+    <dgm:scene3d>
+      <a:camera prst="orthographicFront"/>
+      <a:lightRig rig="threePt" dir="t"/>
+    </dgm:scene3d>
+    <dgm:sp3d/>
+    <dgm:txPr/>
+    <dgm:style>
+      <a:lnRef idx="2">
+        <a:scrgbClr r="0" g="0" b="0"/>
+      </a:lnRef>
+      <a:fillRef idx="1">
+        <a:scrgbClr r="0" g="0" b="0"/>
+      </a:fillRef>
+      <a:effectRef idx="0">
+        <a:scrgbClr r="0" g="0" b="0"/>
+      </a:effectRef>
+      <a:fontRef idx="minor">
+        <a:schemeClr val="lt1"/>
+      </a:fontRef>
+    </dgm:style>
+  </dgm:styleLbl>
+  <dgm:styleLbl name="lnNode1">
+    <dgm:scene3d>
+      <a:camera prst="orthographicFront"/>
+      <a:lightRig rig="threePt" dir="t"/>
+    </dgm:scene3d>
+    <dgm:sp3d/>
+    <dgm:txPr/>
+    <dgm:style>
+      <a:lnRef idx="2">
+        <a:scrgbClr r="0" g="0" b="0"/>
+      </a:lnRef>
+      <a:fillRef idx="1">
+        <a:scrgbClr r="0" g="0" b="0"/>
+      </a:fillRef>
+      <a:effectRef idx="0">
+        <a:scrgbClr r="0" g="0" b="0"/>
+      </a:effectRef>
+      <a:fontRef idx="minor">
+        <a:schemeClr val="lt1"/>
+      </a:fontRef>
+    </dgm:style>
+  </dgm:styleLbl>
+  <dgm:styleLbl name="vennNode1">
+    <dgm:scene3d>
+      <a:camera prst="orthographicFront"/>
+      <a:lightRig rig="threePt" dir="t"/>
+    </dgm:scene3d>
+    <dgm:sp3d/>
+    <dgm:txPr/>
+    <dgm:style>
+      <a:lnRef idx="2">
+        <a:scrgbClr r="0" g="0" b="0"/>
+      </a:lnRef>
+      <a:fillRef idx="1">
+        <a:scrgbClr r="0" g="0" b="0"/>
+      </a:fillRef>
+      <a:effectRef idx="0">
+        <a:scrgbClr r="0" g="0" b="0"/>
+      </a:effectRef>
+      <a:fontRef idx="minor">
+        <a:schemeClr val="tx1"/>
+      </a:fontRef>
+    </dgm:style>
+  </dgm:styleLbl>
+  <dgm:styleLbl name="alignNode1">
+    <dgm:scene3d>
+      <a:camera prst="orthographicFront"/>
+      <a:lightRig rig="threePt" dir="t"/>
+    </dgm:scene3d>
+    <dgm:sp3d/>
+    <dgm:txPr/>
+    <dgm:style>
+      <a:lnRef idx="2">
+        <a:scrgbClr r="0" g="0" b="0"/>
+      </a:lnRef>
+      <a:fillRef idx="1">
+        <a:scrgbClr r="0" g="0" b="0"/>
+      </a:fillRef>
+      <a:effectRef idx="0">
+        <a:scrgbClr r="0" g="0" b="0"/>
+      </a:effectRef>
+      <a:fontRef idx="minor">
+        <a:schemeClr val="lt1"/>
+      </a:fontRef>
+    </dgm:style>
+  </dgm:styleLbl>
+  <dgm:styleLbl name="node1">
+    <dgm:scene3d>
+      <a:camera prst="orthographicFront"/>
+      <a:lightRig rig="threePt" dir="t"/>
+    </dgm:scene3d>
+    <dgm:sp3d/>
+    <dgm:txPr/>
+    <dgm:style>
+      <a:lnRef idx="2">
+        <a:scrgbClr r="0" g="0" b="0"/>
+      </a:lnRef>
+      <a:fillRef idx="1">
+        <a:scrgbClr r="0" g="0" b="0"/>
+      </a:fillRef>
+      <a:effectRef idx="0">
+        <a:scrgbClr r="0" g="0" b="0"/>
+      </a:effectRef>
+      <a:fontRef idx="minor">
+        <a:schemeClr val="lt1"/>
+      </a:fontRef>
+    </dgm:style>
+  </dgm:styleLbl>
+  <dgm:styleLbl name="node2">
+    <dgm:scene3d>
+      <a:camera prst="orthographicFront"/>
+      <a:lightRig rig="threePt" dir="t"/>
+    </dgm:scene3d>
+    <dgm:sp3d/>
+    <dgm:txPr/>
+    <dgm:style>
+      <a:lnRef idx="2">
+        <a:scrgbClr r="0" g="0" b="0"/>
+      </a:lnRef>
+      <a:fillRef idx="1">
+        <a:scrgbClr r="0" g="0" b="0"/>
+      </a:fillRef>
+      <a:effectRef idx="0">
+        <a:scrgbClr r="0" g="0" b="0"/>
+      </a:effectRef>
+      <a:fontRef idx="minor">
+        <a:schemeClr val="lt1"/>
+      </a:fontRef>
+    </dgm:style>
+  </dgm:styleLbl>
+  <dgm:styleLbl name="node3">
+    <dgm:scene3d>
+      <a:camera prst="orthographicFront"/>
+      <a:lightRig rig="threePt" dir="t"/>
+    </dgm:scene3d>
+    <dgm:sp3d/>
+    <dgm:txPr/>
+    <dgm:style>
+      <a:lnRef idx="2">
+        <a:scrgbClr r="0" g="0" b="0"/>
+      </a:lnRef>
+      <a:fillRef idx="1">
+        <a:scrgbClr r="0" g="0" b="0"/>
+      </a:fillRef>
+      <a:effectRef idx="0">
+        <a:scrgbClr r="0" g="0" b="0"/>
+      </a:effectRef>
+      <a:fontRef idx="minor">
+        <a:schemeClr val="lt1"/>
+      </a:fontRef>
+    </dgm:style>
+  </dgm:styleLbl>
+  <dgm:styleLbl name="node4">
+    <dgm:scene3d>
+      <a:camera prst="orthographicFront"/>
+      <a:lightRig rig="threePt" dir="t"/>
+    </dgm:scene3d>
+    <dgm:sp3d/>
+    <dgm:txPr/>
+    <dgm:style>
+      <a:lnRef idx="2">
+        <a:scrgbClr r="0" g="0" b="0"/>
+      </a:lnRef>
+      <a:fillRef idx="1">
+        <a:scrgbClr r="0" g="0" b="0"/>
+      </a:fillRef>
+      <a:effectRef idx="0">
+        <a:scrgbClr r="0" g="0" b="0"/>
+      </a:effectRef>
+      <a:fontRef idx="minor">
+        <a:schemeClr val="lt1"/>
+      </a:fontRef>
+    </dgm:style>
+  </dgm:styleLbl>
+  <dgm:styleLbl name="fgImgPlace1">
+    <dgm:scene3d>
+      <a:camera prst="orthographicFront"/>
+      <a:lightRig rig="threePt" dir="t"/>
+    </dgm:scene3d>
+    <dgm:sp3d/>
+    <dgm:txPr/>
+    <dgm:style>
+      <a:lnRef idx="2">
+        <a:scrgbClr r="0" g="0" b="0"/>
+      </a:lnRef>
+      <a:fillRef idx="1">
+        <a:scrgbClr r="0" g="0" b="0"/>
+      </a:fillRef>
+      <a:effectRef idx="0">
+        <a:scrgbClr r="0" g="0" b="0"/>
+      </a:effectRef>
+      <a:fontRef idx="minor"/>
+    </dgm:style>
+  </dgm:styleLbl>
+  <dgm:styleLbl name="alignImgPlace1">
+    <dgm:scene3d>
+      <a:camera prst="orthographicFront"/>
+      <a:lightRig rig="threePt" dir="t"/>
+    </dgm:scene3d>
+    <dgm:sp3d/>
+    <dgm:txPr/>
+    <dgm:style>
+      <a:lnRef idx="2">
+        <a:scrgbClr r="0" g="0" b="0"/>
+      </a:lnRef>
+      <a:fillRef idx="1">
+        <a:scrgbClr r="0" g="0" b="0"/>
+      </a:fillRef>
+      <a:effectRef idx="0">
+        <a:scrgbClr r="0" g="0" b="0"/>
+      </a:effectRef>
+      <a:fontRef idx="minor"/>
+    </dgm:style>
+  </dgm:styleLbl>
+  <dgm:styleLbl name="bgImgPlace1">
+    <dgm:scene3d>
+      <a:camera prst="orthographicFront"/>
+      <a:lightRig rig="threePt" dir="t"/>
+    </dgm:scene3d>
+    <dgm:sp3d/>
+    <dgm:txPr/>
+    <dgm:style>
+      <a:lnRef idx="2">
+        <a:scrgbClr r="0" g="0" b="0"/>
+      </a:lnRef>
+      <a:fillRef idx="1">
+        <a:scrgbClr r="0" g="0" b="0"/>
+      </a:fillRef>
+      <a:effectRef idx="0">
+        <a:scrgbClr r="0" g="0" b="0"/>
+      </a:effectRef>
+      <a:fontRef idx="minor"/>
+    </dgm:style>
+  </dgm:styleLbl>
+  <dgm:styleLbl name="sibTrans2D1">
+    <dgm:scene3d>
+      <a:camera prst="orthographicFront"/>
+      <a:lightRig rig="threePt" dir="t"/>
+    </dgm:scene3d>
+    <dgm:sp3d/>
+    <dgm:txPr/>
+    <dgm:style>
+      <a:lnRef idx="0">
+        <a:scrgbClr r="0" g="0" b="0"/>
+      </a:lnRef>
+      <a:fillRef idx="1">
+        <a:scrgbClr r="0" g="0" b="0"/>
+      </a:fillRef>
+      <a:effectRef idx="0">
+        <a:scrgbClr r="0" g="0" b="0"/>
+      </a:effectRef>
+      <a:fontRef idx="minor">
+        <a:schemeClr val="lt1"/>
+      </a:fontRef>
+    </dgm:style>
+  </dgm:styleLbl>
+  <dgm:styleLbl name="fgSibTrans2D1">
+    <dgm:scene3d>
+      <a:camera prst="orthographicFront"/>
+      <a:lightRig rig="threePt" dir="t"/>
+    </dgm:scene3d>
+    <dgm:sp3d/>
+    <dgm:txPr/>
+    <dgm:style>
+      <a:lnRef idx="0">
+        <a:scrgbClr r="0" g="0" b="0"/>
+      </a:lnRef>
+      <a:fillRef idx="1">
+        <a:scrgbClr r="0" g="0" b="0"/>
+      </a:fillRef>
+      <a:effectRef idx="0">
+        <a:scrgbClr r="0" g="0" b="0"/>
+      </a:effectRef>
+      <a:fontRef idx="minor">
+        <a:schemeClr val="lt1"/>
+      </a:fontRef>
+    </dgm:style>
+  </dgm:styleLbl>
+  <dgm:styleLbl name="bgSibTrans2D1">
+    <dgm:scene3d>
+      <a:camera prst="orthographicFront"/>
+      <a:lightRig rig="threePt" dir="t"/>
+    </dgm:scene3d>
+    <dgm:sp3d/>
+    <dgm:txPr/>
+    <dgm:style>
+      <a:lnRef idx="0">
+        <a:scrgbClr r="0" g="0" b="0"/>
+      </a:lnRef>
+      <a:fillRef idx="1">
+        <a:scrgbClr r="0" g="0" b="0"/>
+      </a:fillRef>
+      <a:effectRef idx="0">
+        <a:scrgbClr r="0" g="0" b="0"/>
+      </a:effectRef>
+      <a:fontRef idx="minor">
+        <a:schemeClr val="lt1"/>
+      </a:fontRef>
+    </dgm:style>
+  </dgm:styleLbl>
+  <dgm:styleLbl name="sibTrans1D1">
+    <dgm:scene3d>
+      <a:camera prst="orthographicFront"/>
+      <a:lightRig rig="threePt" dir="t"/>
+    </dgm:scene3d>
+    <dgm:sp3d/>
+    <dgm:txPr/>
+    <dgm:style>
+      <a:lnRef idx="1">
+        <a:scrgbClr r="0" g="0" b="0"/>
+      </a:lnRef>
+      <a:fillRef idx="0">
+        <a:scrgbClr r="0" g="0" b="0"/>
+      </a:fillRef>
+      <a:effectRef idx="0">
+        <a:scrgbClr r="0" g="0" b="0"/>
+      </a:effectRef>
+      <a:fontRef idx="minor"/>
+    </dgm:style>
+  </dgm:styleLbl>
+  <dgm:styleLbl name="callout">
+    <dgm:scene3d>
+      <a:camera prst="orthographicFront"/>
+      <a:lightRig rig="threePt" dir="t"/>
+    </dgm:scene3d>
+    <dgm:sp3d/>
+    <dgm:txPr/>
+    <dgm:style>
+      <a:lnRef idx="2">
+        <a:scrgbClr r="0" g="0" b="0"/>
+      </a:lnRef>
+      <a:fillRef idx="1">
+        <a:scrgbClr r="0" g="0" b="0"/>
+      </a:fillRef>
+      <a:effectRef idx="0">
+        <a:scrgbClr r="0" g="0" b="0"/>
+      </a:effectRef>
+      <a:fontRef idx="minor"/>
+    </dgm:style>
+  </dgm:styleLbl>
+  <dgm:styleLbl name="asst0">
+    <dgm:scene3d>
+      <a:camera prst="orthographicFront"/>
+      <a:lightRig rig="threePt" dir="t"/>
+    </dgm:scene3d>
+    <dgm:sp3d/>
+    <dgm:txPr/>
+    <dgm:style>
+      <a:lnRef idx="2">
+        <a:scrgbClr r="0" g="0" b="0"/>
+      </a:lnRef>
+      <a:fillRef idx="1">
+        <a:scrgbClr r="0" g="0" b="0"/>
+      </a:fillRef>
+      <a:effectRef idx="0">
+        <a:scrgbClr r="0" g="0" b="0"/>
+      </a:effectRef>
+      <a:fontRef idx="minor">
+        <a:schemeClr val="lt1"/>
+      </a:fontRef>
+    </dgm:style>
+  </dgm:styleLbl>
+  <dgm:styleLbl name="asst1">
+    <dgm:scene3d>
+      <a:camera prst="orthographicFront"/>
+      <a:lightRig rig="threePt" dir="t"/>
+    </dgm:scene3d>
+    <dgm:sp3d/>
+    <dgm:txPr/>
+    <dgm:style>
+      <a:lnRef idx="2">
+        <a:scrgbClr r="0" g="0" b="0"/>
+      </a:lnRef>
+      <a:fillRef idx="1">
+        <a:scrgbClr r="0" g="0" b="0"/>
+      </a:fillRef>
+      <a:effectRef idx="0">
+        <a:scrgbClr r="0" g="0" b="0"/>
+      </a:effectRef>
+      <a:fontRef idx="minor">
+        <a:schemeClr val="lt1"/>
+      </a:fontRef>
+    </dgm:style>
+  </dgm:styleLbl>
+  <dgm:styleLbl name="asst2">
+    <dgm:scene3d>
+      <a:camera prst="orthographicFront"/>
+      <a:lightRig rig="threePt" dir="t"/>
+    </dgm:scene3d>
+    <dgm:sp3d/>
+    <dgm:txPr/>
+    <dgm:style>
+      <a:lnRef idx="2">
+        <a:scrgbClr r="0" g="0" b="0"/>
+      </a:lnRef>
+      <a:fillRef idx="1">
+        <a:scrgbClr r="0" g="0" b="0"/>
+      </a:fillRef>
+      <a:effectRef idx="0">
+        <a:scrgbClr r="0" g="0" b="0"/>
+      </a:effectRef>
+      <a:fontRef idx="minor">
+        <a:schemeClr val="lt1"/>
+      </a:fontRef>
+    </dgm:style>
+  </dgm:styleLbl>
+  <dgm:styleLbl name="asst3">
+    <dgm:scene3d>
+      <a:camera prst="orthographicFront"/>
+      <a:lightRig rig="threePt" dir="t"/>
+    </dgm:scene3d>
+    <dgm:sp3d/>
+    <dgm:txPr/>
+    <dgm:style>
+      <a:lnRef idx="2">
+        <a:scrgbClr r="0" g="0" b="0"/>
+      </a:lnRef>
+      <a:fillRef idx="1">
+        <a:scrgbClr r="0" g="0" b="0"/>
+      </a:fillRef>
+      <a:effectRef idx="0">
+        <a:scrgbClr r="0" g="0" b="0"/>
+      </a:effectRef>
+      <a:fontRef idx="minor">
+        <a:schemeClr val="lt1"/>
+      </a:fontRef>
+    </dgm:style>
+  </dgm:styleLbl>
+  <dgm:styleLbl name="asst4">
+    <dgm:scene3d>
+      <a:camera prst="orthographicFront"/>
+      <a:lightRig rig="threePt" dir="t"/>
+    </dgm:scene3d>
+    <dgm:sp3d/>
+    <dgm:txPr/>
+    <dgm:style>
+      <a:lnRef idx="2">
+        <a:scrgbClr r="0" g="0" b="0"/>
+      </a:lnRef>
+      <a:fillRef idx="1">
+        <a:scrgbClr r="0" g="0" b="0"/>
+      </a:fillRef>
+      <a:effectRef idx="0">
+        <a:scrgbClr r="0" g="0" b="0"/>
+      </a:effectRef>
+      <a:fontRef idx="minor">
+        <a:schemeClr val="lt1"/>
+      </a:fontRef>
+    </dgm:style>
+  </dgm:styleLbl>
+  <dgm:styleLbl name="parChTrans2D1">
+    <dgm:scene3d>
+      <a:camera prst="orthographicFront"/>
+      <a:lightRig rig="threePt" dir="t"/>
+    </dgm:scene3d>
+    <dgm:sp3d/>
+    <dgm:txPr/>
+    <dgm:style>
+      <a:lnRef idx="2">
+        <a:scrgbClr r="0" g="0" b="0"/>
+      </a:lnRef>
+      <a:fillRef idx="1">
+        <a:scrgbClr r="0" g="0" b="0"/>
+      </a:fillRef>
+      <a:effectRef idx="0">
+        <a:scrgbClr r="0" g="0" b="0"/>
+      </a:effectRef>
+      <a:fontRef idx="minor">
+        <a:schemeClr val="lt1"/>
+      </a:fontRef>
+    </dgm:style>
+  </dgm:styleLbl>
+  <dgm:styleLbl name="parChTrans2D2">
+    <dgm:scene3d>
+      <a:camera prst="orthographicFront"/>
+      <a:lightRig rig="threePt" dir="t"/>
+    </dgm:scene3d>
+    <dgm:sp3d/>
+    <dgm:txPr/>
+    <dgm:style>
+      <a:lnRef idx="2">
+        <a:scrgbClr r="0" g="0" b="0"/>
+      </a:lnRef>
+      <a:fillRef idx="1">
+        <a:scrgbClr r="0" g="0" b="0"/>
+      </a:fillRef>
+      <a:effectRef idx="0">
+        <a:scrgbClr r="0" g="0" b="0"/>
+      </a:effectRef>
+      <a:fontRef idx="minor">
+        <a:schemeClr val="lt1"/>
+      </a:fontRef>
+    </dgm:style>
+  </dgm:styleLbl>
+  <dgm:styleLbl name="parChTrans2D3">
+    <dgm:scene3d>
+      <a:camera prst="orthographicFront"/>
+      <a:lightRig rig="threePt" dir="t"/>
+    </dgm:scene3d>
+    <dgm:sp3d/>
+    <dgm:txPr/>
+    <dgm:style>
+      <a:lnRef idx="2">
+        <a:scrgbClr r="0" g="0" b="0"/>
+      </a:lnRef>
+      <a:fillRef idx="1">
+        <a:scrgbClr r="0" g="0" b="0"/>
+      </a:fillRef>
+      <a:effectRef idx="0">
+        <a:scrgbClr r="0" g="0" b="0"/>
+      </a:effectRef>
+      <a:fontRef idx="minor">
+        <a:schemeClr val="lt1"/>
+      </a:fontRef>
+    </dgm:style>
+  </dgm:styleLbl>
+  <dgm:styleLbl name="parChTrans2D4">
+    <dgm:scene3d>
+      <a:camera prst="orthographicFront"/>
+      <a:lightRig rig="threePt" dir="t"/>
+    </dgm:scene3d>
+    <dgm:sp3d/>
+    <dgm:txPr/>
+    <dgm:style>
+      <a:lnRef idx="2">
+        <a:scrgbClr r="0" g="0" b="0"/>
+      </a:lnRef>
+      <a:fillRef idx="1">
+        <a:scrgbClr r="0" g="0" b="0"/>
+      </a:fillRef>
+      <a:effectRef idx="0">
+        <a:scrgbClr r="0" g="0" b="0"/>
+      </a:effectRef>
+      <a:fontRef idx="minor">
+        <a:schemeClr val="lt1"/>
+      </a:fontRef>
+    </dgm:style>
+  </dgm:styleLbl>
+  <dgm:styleLbl name="parChTrans1D1">
+    <dgm:scene3d>
+      <a:camera prst="orthographicFront"/>
+      <a:lightRig rig="threePt" dir="t"/>
+    </dgm:scene3d>
+    <dgm:sp3d/>
+    <dgm:txPr/>
+    <dgm:style>
+      <a:lnRef idx="2">
+        <a:scrgbClr r="0" g="0" b="0"/>
+      </a:lnRef>
+      <a:fillRef idx="0">
+        <a:scrgbClr r="0" g="0" b="0"/>
+      </a:fillRef>
+      <a:effectRef idx="0">
+        <a:scrgbClr r="0" g="0" b="0"/>
+      </a:effectRef>
+      <a:fontRef idx="minor"/>
+    </dgm:style>
+  </dgm:styleLbl>
+  <dgm:styleLbl name="parChTrans1D2">
+    <dgm:scene3d>
+      <a:camera prst="orthographicFront"/>
+      <a:lightRig rig="threePt" dir="t"/>
+    </dgm:scene3d>
+    <dgm:sp3d/>
+    <dgm:txPr/>
+    <dgm:style>
+      <a:lnRef idx="2">
+        <a:scrgbClr r="0" g="0" b="0"/>
+      </a:lnRef>
+      <a:fillRef idx="0">
+        <a:scrgbClr r="0" g="0" b="0"/>
+      </a:fillRef>
+      <a:effectRef idx="0">
+        <a:scrgbClr r="0" g="0" b="0"/>
+      </a:effectRef>
+      <a:fontRef idx="minor"/>
+    </dgm:style>
+  </dgm:styleLbl>
+  <dgm:styleLbl name="parChTrans1D3">
+    <dgm:scene3d>
+      <a:camera prst="orthographicFront"/>
+      <a:lightRig rig="threePt" dir="t"/>
+    </dgm:scene3d>
+    <dgm:sp3d/>
+    <dgm:txPr/>
+    <dgm:style>
+      <a:lnRef idx="2">
+        <a:scrgbClr r="0" g="0" b="0"/>
+      </a:lnRef>
+      <a:fillRef idx="0">
+        <a:scrgbClr r="0" g="0" b="0"/>
+      </a:fillRef>
+      <a:effectRef idx="0">
+        <a:scrgbClr r="0" g="0" b="0"/>
+      </a:effectRef>
+      <a:fontRef idx="minor"/>
+    </dgm:style>
+  </dgm:styleLbl>
+  <dgm:styleLbl name="parChTrans1D4">
+    <dgm:scene3d>
+      <a:camera prst="orthographicFront"/>
+      <a:lightRig rig="threePt" dir="t"/>
+    </dgm:scene3d>
+    <dgm:sp3d/>
+    <dgm:txPr/>
+    <dgm:style>
+      <a:lnRef idx="2">
+        <a:scrgbClr r="0" g="0" b="0"/>
+      </a:lnRef>
+      <a:fillRef idx="0">
+        <a:scrgbClr r="0" g="0" b="0"/>
+      </a:fillRef>
+      <a:effectRef idx="0">
+        <a:scrgbClr r="0" g="0" b="0"/>
+      </a:effectRef>
+      <a:fontRef idx="minor"/>
+    </dgm:style>
+  </dgm:styleLbl>
+  <dgm:styleLbl name="fgAcc1">
+    <dgm:scene3d>
+      <a:camera prst="orthographicFront"/>
+      <a:lightRig rig="threePt" dir="t"/>
+    </dgm:scene3d>
+    <dgm:sp3d/>
+    <dgm:txPr/>
+    <dgm:style>
+      <a:lnRef idx="2">
+        <a:scrgbClr r="0" g="0" b="0"/>
+      </a:lnRef>
+      <a:fillRef idx="1">
+        <a:scrgbClr r="0" g="0" b="0"/>
+      </a:fillRef>
+      <a:effectRef idx="0">
+        <a:scrgbClr r="0" g="0" b="0"/>
+      </a:effectRef>
+      <a:fontRef idx="minor"/>
+    </dgm:style>
+  </dgm:styleLbl>
+  <dgm:styleLbl name="conFgAcc1">
+    <dgm:scene3d>
+      <a:camera prst="orthographicFront"/>
+      <a:lightRig rig="threePt" dir="t"/>
+    </dgm:scene3d>
+    <dgm:sp3d/>
+    <dgm:txPr/>
+    <dgm:style>
+      <a:lnRef idx="2">
+        <a:scrgbClr r="0" g="0" b="0"/>
+      </a:lnRef>
+      <a:fillRef idx="1">
+        <a:scrgbClr r="0" g="0" b="0"/>
+      </a:fillRef>
+      <a:effectRef idx="0">
+        <a:scrgbClr r="0" g="0" b="0"/>
+      </a:effectRef>
+      <a:fontRef idx="minor"/>
+    </dgm:style>
+  </dgm:styleLbl>
+  <dgm:styleLbl name="alignAcc1">
+    <dgm:scene3d>
+      <a:camera prst="orthographicFront"/>
+      <a:lightRig rig="threePt" dir="t"/>
+    </dgm:scene3d>
+    <dgm:sp3d/>
+    <dgm:txPr/>
+    <dgm:style>
+      <a:lnRef idx="2">
+        <a:scrgbClr r="0" g="0" b="0"/>
+      </a:lnRef>
+      <a:fillRef idx="1">
+        <a:scrgbClr r="0" g="0" b="0"/>
+      </a:fillRef>
+      <a:effectRef idx="0">
+        <a:scrgbClr r="0" g="0" b="0"/>
+      </a:effectRef>
+      <a:fontRef idx="minor"/>
+    </dgm:style>
+  </dgm:styleLbl>
+  <dgm:styleLbl name="trAlignAcc1">
+    <dgm:scene3d>
+      <a:camera prst="orthographicFront"/>
+      <a:lightRig rig="threePt" dir="t"/>
+    </dgm:scene3d>
+    <dgm:sp3d/>
+    <dgm:txPr/>
+    <dgm:style>
+      <a:lnRef idx="1">
+        <a:scrgbClr r="0" g="0" b="0"/>
+      </a:lnRef>
+      <a:fillRef idx="1">
+        <a:scrgbClr r="0" g="0" b="0"/>
+      </a:fillRef>
+      <a:effectRef idx="0">
+        <a:scrgbClr r="0" g="0" b="0"/>
+      </a:effectRef>
+      <a:fontRef idx="minor"/>
+    </dgm:style>
+  </dgm:styleLbl>
+  <dgm:styleLbl name="bgAcc1">
+    <dgm:scene3d>
+      <a:camera prst="orthographicFront"/>
+      <a:lightRig rig="threePt" dir="t"/>
+    </dgm:scene3d>
+    <dgm:sp3d/>
+    <dgm:txPr/>
+    <dgm:style>
+      <a:lnRef idx="2">
+        <a:scrgbClr r="0" g="0" b="0"/>
+      </a:lnRef>
+      <a:fillRef idx="1">
+        <a:scrgbClr r="0" g="0" b="0"/>
+      </a:fillRef>
+      <a:effectRef idx="0">
+        <a:scrgbClr r="0" g="0" b="0"/>
+      </a:effectRef>
+      <a:fontRef idx="minor"/>
+    </dgm:style>
+  </dgm:styleLbl>
+  <dgm:styleLbl name="solidFgAcc1">
+    <dgm:scene3d>
+      <a:camera prst="orthographicFront"/>
+      <a:lightRig rig="threePt" dir="t"/>
+    </dgm:scene3d>
+    <dgm:sp3d/>
+    <dgm:txPr/>
+    <dgm:style>
+      <a:lnRef idx="2">
+        <a:scrgbClr r="0" g="0" b="0"/>
+      </a:lnRef>
+      <a:fillRef idx="1">
+        <a:scrgbClr r="0" g="0" b="0"/>
+      </a:fillRef>
+      <a:effectRef idx="0">
+        <a:scrgbClr r="0" g="0" b="0"/>
+      </a:effectRef>
+      <a:fontRef idx="minor"/>
+    </dgm:style>
+  </dgm:styleLbl>
+  <dgm:styleLbl name="solidAlignAcc1">
+    <dgm:scene3d>
+      <a:camera prst="orthographicFront"/>
+      <a:lightRig rig="threePt" dir="t"/>
+    </dgm:scene3d>
+    <dgm:sp3d/>
+    <dgm:txPr/>
+    <dgm:style>
+      <a:lnRef idx="2">
+        <a:scrgbClr r="0" g="0" b="0"/>
+      </a:lnRef>
+      <a:fillRef idx="1">
+        <a:scrgbClr r="0" g="0" b="0"/>
+      </a:fillRef>
+      <a:effectRef idx="0">
+        <a:scrgbClr r="0" g="0" b="0"/>
+      </a:effectRef>
+      <a:fontRef idx="minor"/>
+    </dgm:style>
+  </dgm:styleLbl>
+  <dgm:styleLbl name="solidBgAcc1">
+    <dgm:scene3d>
+      <a:camera prst="orthographicFront"/>
+      <a:lightRig rig="threePt" dir="t"/>
+    </dgm:scene3d>
+    <dgm:sp3d/>
+    <dgm:txPr/>
+    <dgm:style>
+      <a:lnRef idx="2">
+        <a:scrgbClr r="0" g="0" b="0"/>
+      </a:lnRef>
+      <a:fillRef idx="1">
+        <a:scrgbClr r="0" g="0" b="0"/>
+      </a:fillRef>
+      <a:effectRef idx="0">
+        <a:scrgbClr r="0" g="0" b="0"/>
+      </a:effectRef>
+      <a:fontRef idx="minor"/>
+    </dgm:style>
+  </dgm:styleLbl>
+  <dgm:styleLbl name="fgAccFollowNode1">
+    <dgm:scene3d>
+      <a:camera prst="orthographicFront"/>
+      <a:lightRig rig="threePt" dir="t"/>
+    </dgm:scene3d>
+    <dgm:sp3d/>
+    <dgm:txPr/>
+    <dgm:style>
+      <a:lnRef idx="2">
+        <a:scrgbClr r="0" g="0" b="0"/>
+      </a:lnRef>
+      <a:fillRef idx="1">
+        <a:scrgbClr r="0" g="0" b="0"/>
+      </a:fillRef>
+      <a:effectRef idx="0">
+        <a:scrgbClr r="0" g="0" b="0"/>
+      </a:effectRef>
+      <a:fontRef idx="minor"/>
+    </dgm:style>
+  </dgm:styleLbl>
+  <dgm:styleLbl name="alignAccFollowNode1">
+    <dgm:scene3d>
+      <a:camera prst="orthographicFront"/>
+      <a:lightRig rig="threePt" dir="t"/>
+    </dgm:scene3d>
+    <dgm:sp3d/>
+    <dgm:txPr/>
+    <dgm:style>
+      <a:lnRef idx="2">
+        <a:scrgbClr r="0" g="0" b="0"/>
+      </a:lnRef>
+      <a:fillRef idx="1">
+        <a:scrgbClr r="0" g="0" b="0"/>
+      </a:fillRef>
+      <a:effectRef idx="0">
+        <a:scrgbClr r="0" g="0" b="0"/>
+      </a:effectRef>
+      <a:fontRef idx="minor"/>
+    </dgm:style>
+  </dgm:styleLbl>
+  <dgm:styleLbl name="bgAccFollowNode1">
+    <dgm:scene3d>
+      <a:camera prst="orthographicFront"/>
+      <a:lightRig rig="threePt" dir="t"/>
+    </dgm:scene3d>
+    <dgm:sp3d/>
+    <dgm:txPr/>
+    <dgm:style>
+      <a:lnRef idx="2">
+        <a:scrgbClr r="0" g="0" b="0"/>
+      </a:lnRef>
+      <a:fillRef idx="1">
+        <a:scrgbClr r="0" g="0" b="0"/>
+      </a:fillRef>
+      <a:effectRef idx="0">
+        <a:scrgbClr r="0" g="0" b="0"/>
+      </a:effectRef>
+      <a:fontRef idx="minor"/>
+    </dgm:style>
+  </dgm:styleLbl>
+  <dgm:styleLbl name="fgAcc0">
+    <dgm:scene3d>
+      <a:camera prst="orthographicFront"/>
+      <a:lightRig rig="threePt" dir="t"/>
+    </dgm:scene3d>
+    <dgm:sp3d/>
+    <dgm:txPr/>
+    <dgm:style>
+      <a:lnRef idx="2">
+        <a:scrgbClr r="0" g="0" b="0"/>
+      </a:lnRef>
+      <a:fillRef idx="1">
+        <a:scrgbClr r="0" g="0" b="0"/>
+      </a:fillRef>
+      <a:effectRef idx="0">
+        <a:scrgbClr r="0" g="0" b="0"/>
+      </a:effectRef>
+      <a:fontRef idx="minor"/>
+    </dgm:style>
+  </dgm:styleLbl>
+  <dgm:styleLbl name="fgAcc2">
+    <dgm:scene3d>
+      <a:camera prst="orthographicFront"/>
+      <a:lightRig rig="threePt" dir="t"/>
+    </dgm:scene3d>
+    <dgm:sp3d/>
+    <dgm:txPr/>
+    <dgm:style>
+      <a:lnRef idx="2">
+        <a:scrgbClr r="0" g="0" b="0"/>
+      </a:lnRef>
+      <a:fillRef idx="1">
+        <a:scrgbClr r="0" g="0" b="0"/>
+      </a:fillRef>
+      <a:effectRef idx="0">
+        <a:scrgbClr r="0" g="0" b="0"/>
+      </a:effectRef>
+      <a:fontRef idx="minor"/>
+    </dgm:style>
+  </dgm:styleLbl>
+  <dgm:styleLbl name="fgAcc3">
+    <dgm:scene3d>
+      <a:camera prst="orthographicFront"/>
+      <a:lightRig rig="threePt" dir="t"/>
+    </dgm:scene3d>
+    <dgm:sp3d/>
+    <dgm:txPr/>
+    <dgm:style>
+      <a:lnRef idx="2">
+        <a:scrgbClr r="0" g="0" b="0"/>
+      </a:lnRef>
+      <a:fillRef idx="1">
+        <a:scrgbClr r="0" g="0" b="0"/>
+      </a:fillRef>
+      <a:effectRef idx="0">
+        <a:scrgbClr r="0" g="0" b="0"/>
+      </a:effectRef>
+      <a:fontRef idx="minor"/>
+    </dgm:style>
+  </dgm:styleLbl>
+  <dgm:styleLbl name="fgAcc4">
+    <dgm:scene3d>
+      <a:camera prst="orthographicFront"/>
+      <a:lightRig rig="threePt" dir="t"/>
+    </dgm:scene3d>
+    <dgm:sp3d/>
+    <dgm:txPr/>
+    <dgm:style>
+      <a:lnRef idx="2">
+        <a:scrgbClr r="0" g="0" b="0"/>
+      </a:lnRef>
+      <a:fillRef idx="1">
+        <a:scrgbClr r="0" g="0" b="0"/>
+      </a:fillRef>
+      <a:effectRef idx="0">
+        <a:scrgbClr r="0" g="0" b="0"/>
+      </a:effectRef>
+      <a:fontRef idx="minor"/>
+    </dgm:style>
+  </dgm:styleLbl>
+  <dgm:styleLbl name="bgShp">
+    <dgm:scene3d>
+      <a:camera prst="orthographicFront"/>
+      <a:lightRig rig="threePt" dir="t"/>
+    </dgm:scene3d>
+    <dgm:sp3d/>
+    <dgm:txPr/>
+    <dgm:style>
+      <a:lnRef idx="0">
+        <a:scrgbClr r="0" g="0" b="0"/>
+      </a:lnRef>
+      <a:fillRef idx="1">
+        <a:scrgbClr r="0" g="0" b="0"/>
+      </a:fillRef>
+      <a:effectRef idx="0">
+        <a:scrgbClr r="0" g="0" b="0"/>
+      </a:effectRef>
+      <a:fontRef idx="minor"/>
+    </dgm:style>
+  </dgm:styleLbl>
+  <dgm:styleLbl name="dkBgShp">
+    <dgm:scene3d>
+      <a:camera prst="orthographicFront"/>
+      <a:lightRig rig="threePt" dir="t"/>
+    </dgm:scene3d>
+    <dgm:sp3d/>
+    <dgm:txPr/>
+    <dgm:style>
+      <a:lnRef idx="0">
+        <a:scrgbClr r="0" g="0" b="0"/>
+      </a:lnRef>
+      <a:fillRef idx="1">
+        <a:scrgbClr r="0" g="0" b="0"/>
+      </a:fillRef>
+      <a:effectRef idx="0">
+        <a:scrgbClr r="0" g="0" b="0"/>
+      </a:effectRef>
+      <a:fontRef idx="minor"/>
+    </dgm:style>
+  </dgm:styleLbl>
+  <dgm:styleLbl name="trBgShp">
+    <dgm:scene3d>
+      <a:camera prst="orthographicFront"/>
+      <a:lightRig rig="threePt" dir="t"/>
+    </dgm:scene3d>
+    <dgm:sp3d/>
+    <dgm:txPr/>
+    <dgm:style>
+      <a:lnRef idx="0">
+        <a:scrgbClr r="0" g="0" b="0"/>
+      </a:lnRef>
+      <a:fillRef idx="1">
+        <a:scrgbClr r="0" g="0" b="0"/>
+      </a:fillRef>
+      <a:effectRef idx="0">
+        <a:scrgbClr r="0" g="0" b="0"/>
+      </a:effectRef>
+      <a:fontRef idx="minor"/>
+    </dgm:style>
+  </dgm:styleLbl>
+  <dgm:styleLbl name="fgShp">
+    <dgm:scene3d>
+      <a:camera prst="orthographicFront"/>
+      <a:lightRig rig="threePt" dir="t"/>
+    </dgm:scene3d>
+    <dgm:sp3d/>
+    <dgm:txPr/>
+    <dgm:style>
+      <a:lnRef idx="2">
+        <a:scrgbClr r="0" g="0" b="0"/>
+      </a:lnRef>
+      <a:fillRef idx="1">
+        <a:scrgbClr r="0" g="0" b="0"/>
+      </a:fillRef>
+      <a:effectRef idx="0">
+        <a:scrgbClr r="0" g="0" b="0"/>
+      </a:effectRef>
+      <a:fontRef idx="minor"/>
+    </dgm:style>
+  </dgm:styleLbl>
+  <dgm:styleLbl name="revTx">
+    <dgm:scene3d>
+      <a:camera prst="orthographicFront"/>
+      <a:lightRig rig="threePt" dir="t"/>
+    </dgm:scene3d>
+    <dgm:sp3d/>
+    <dgm:txPr/>
+    <dgm:style>
+      <a:lnRef idx="0">
+        <a:scrgbClr r="0" g="0" b="0"/>
+      </a:lnRef>
+      <a:fillRef idx="0">
+        <a:scrgbClr r="0" g="0" b="0"/>
+      </a:fillRef>
+      <a:effectRef idx="0">
+        <a:scrgbClr r="0" g="0" b="0"/>
+      </a:effectRef>
+      <a:fontRef idx="minor"/>
+    </dgm:style>
+  </dgm:styleLbl>
+</dgm:styleDef>
+</file>
+
 <file path=ppt/slideLayouts/slideLayout1.xml><?xml version="1.0" encoding="utf-8"?>
 <p:sldLayout xmlns:a="http://schemas.openxmlformats.org/drawingml/2006/main" xmlns:r="http://schemas.openxmlformats.org/officeDocument/2006/relationships" xmlns:p="http://schemas.openxmlformats.org/presentationml/2006/main" type="title" preserve="1">
   <p:cSld name="Title Slide">
@@ -241,7 +7056,7 @@
           <a:p>
             <a:fld id="{A319C6F4-CD72-445D-8227-E4A6E33594AA}" type="datetimeFigureOut">
               <a:rPr lang="en-US" smtClean="0"/>
-              <a:t>10/26/2017</a:t>
+              <a:t>10/30/2017</a:t>
             </a:fld>
             <a:endParaRPr lang="en-US"/>
           </a:p>
@@ -409,7 +7224,7 @@
           <a:p>
             <a:fld id="{A319C6F4-CD72-445D-8227-E4A6E33594AA}" type="datetimeFigureOut">
               <a:rPr lang="en-US" smtClean="0"/>
-              <a:t>10/26/2017</a:t>
+              <a:t>10/30/2017</a:t>
             </a:fld>
             <a:endParaRPr lang="en-US"/>
           </a:p>
@@ -587,7 +7402,7 @@
           <a:p>
             <a:fld id="{A319C6F4-CD72-445D-8227-E4A6E33594AA}" type="datetimeFigureOut">
               <a:rPr lang="en-US" smtClean="0"/>
-              <a:t>10/26/2017</a:t>
+              <a:t>10/30/2017</a:t>
             </a:fld>
             <a:endParaRPr lang="en-US"/>
           </a:p>
@@ -755,7 +7570,7 @@
           <a:p>
             <a:fld id="{A319C6F4-CD72-445D-8227-E4A6E33594AA}" type="datetimeFigureOut">
               <a:rPr lang="en-US" smtClean="0"/>
-              <a:t>10/26/2017</a:t>
+              <a:t>10/30/2017</a:t>
             </a:fld>
             <a:endParaRPr lang="en-US"/>
           </a:p>
@@ -1000,7 +7815,7 @@
           <a:p>
             <a:fld id="{A319C6F4-CD72-445D-8227-E4A6E33594AA}" type="datetimeFigureOut">
               <a:rPr lang="en-US" smtClean="0"/>
-              <a:t>10/26/2017</a:t>
+              <a:t>10/30/2017</a:t>
             </a:fld>
             <a:endParaRPr lang="en-US"/>
           </a:p>
@@ -1229,7 +8044,7 @@
           <a:p>
             <a:fld id="{A319C6F4-CD72-445D-8227-E4A6E33594AA}" type="datetimeFigureOut">
               <a:rPr lang="en-US" smtClean="0"/>
-              <a:t>10/26/2017</a:t>
+              <a:t>10/30/2017</a:t>
             </a:fld>
             <a:endParaRPr lang="en-US"/>
           </a:p>
@@ -1593,7 +8408,7 @@
           <a:p>
             <a:fld id="{A319C6F4-CD72-445D-8227-E4A6E33594AA}" type="datetimeFigureOut">
               <a:rPr lang="en-US" smtClean="0"/>
-              <a:t>10/26/2017</a:t>
+              <a:t>10/30/2017</a:t>
             </a:fld>
             <a:endParaRPr lang="en-US"/>
           </a:p>
@@ -1710,7 +8525,7 @@
           <a:p>
             <a:fld id="{A319C6F4-CD72-445D-8227-E4A6E33594AA}" type="datetimeFigureOut">
               <a:rPr lang="en-US" smtClean="0"/>
-              <a:t>10/26/2017</a:t>
+              <a:t>10/30/2017</a:t>
             </a:fld>
             <a:endParaRPr lang="en-US"/>
           </a:p>
@@ -1805,7 +8620,7 @@
           <a:p>
             <a:fld id="{A319C6F4-CD72-445D-8227-E4A6E33594AA}" type="datetimeFigureOut">
               <a:rPr lang="en-US" smtClean="0"/>
-              <a:t>10/26/2017</a:t>
+              <a:t>10/30/2017</a:t>
             </a:fld>
             <a:endParaRPr lang="en-US"/>
           </a:p>
@@ -2080,7 +8895,7 @@
           <a:p>
             <a:fld id="{A319C6F4-CD72-445D-8227-E4A6E33594AA}" type="datetimeFigureOut">
               <a:rPr lang="en-US" smtClean="0"/>
-              <a:t>10/26/2017</a:t>
+              <a:t>10/30/2017</a:t>
             </a:fld>
             <a:endParaRPr lang="en-US"/>
           </a:p>
@@ -2332,7 +9147,7 @@
           <a:p>
             <a:fld id="{A319C6F4-CD72-445D-8227-E4A6E33594AA}" type="datetimeFigureOut">
               <a:rPr lang="en-US" smtClean="0"/>
-              <a:t>10/26/2017</a:t>
+              <a:t>10/30/2017</a:t>
             </a:fld>
             <a:endParaRPr lang="en-US"/>
           </a:p>
@@ -2543,7 +9358,7 @@
           <a:p>
             <a:fld id="{A319C6F4-CD72-445D-8227-E4A6E33594AA}" type="datetimeFigureOut">
               <a:rPr lang="en-US" smtClean="0"/>
-              <a:t>10/26/2017</a:t>
+              <a:t>10/30/2017</a:t>
             </a:fld>
             <a:endParaRPr lang="en-US"/>
           </a:p>
@@ -2960,7 +9775,7 @@
         </p:nvSpPr>
         <p:spPr>
           <a:xfrm>
-            <a:off x="761301" y="2601119"/>
+            <a:off x="761301" y="3068540"/>
             <a:ext cx="10669398" cy="720921"/>
           </a:xfrm>
         </p:spPr>
@@ -2973,9 +9788,7 @@
             <a:r>
               <a:rPr lang="en-US" sz="3200" dirty="0">
                 <a:solidFill>
-                  <a:schemeClr val="accent6">
-                    <a:lumMod val="75000"/>
-                  </a:schemeClr>
+                  <a:srgbClr val="43B02A"/>
                 </a:solidFill>
               </a:rPr>
               <a:t>Could you pick up milk if you are at Safeway, </a:t>
@@ -2983,12 +9796,184 @@
             <a:r>
               <a:rPr lang="en-US" sz="3200" i="1" dirty="0">
                 <a:solidFill>
-                  <a:schemeClr val="accent6">
-                    <a:lumMod val="75000"/>
-                  </a:schemeClr>
+                  <a:srgbClr val="43B02A"/>
                 </a:solidFill>
               </a:rPr>
               <a:t>please?</a:t>
+            </a:r>
+          </a:p>
+        </p:txBody>
+      </p:sp>
+      <p:pic>
+        <p:nvPicPr>
+          <p:cNvPr id="4" name="Picture 3"/>
+          <p:cNvPicPr>
+            <a:picLocks noChangeAspect="1"/>
+          </p:cNvPicPr>
+          <p:nvPr/>
+        </p:nvPicPr>
+        <p:blipFill>
+          <a:blip r:embed="rId2">
+            <a:extLst>
+              <a:ext uri="{28A0092B-C50C-407E-A947-70E740481C1C}">
+                <a14:useLocalDpi xmlns:a14="http://schemas.microsoft.com/office/drawing/2010/main" val="0"/>
+              </a:ext>
+            </a:extLst>
+          </a:blip>
+          <a:stretch>
+            <a:fillRect/>
+          </a:stretch>
+        </p:blipFill>
+        <p:spPr>
+          <a:xfrm>
+            <a:off x="11244812" y="6029844"/>
+            <a:ext cx="872540" cy="872540"/>
+          </a:xfrm>
+          <a:prstGeom prst="rect">
+            <a:avLst/>
+          </a:prstGeom>
+        </p:spPr>
+      </p:pic>
+    </p:spTree>
+    <p:extLst>
+      <p:ext uri="{BB962C8B-B14F-4D97-AF65-F5344CB8AC3E}">
+        <p14:creationId xmlns:p14="http://schemas.microsoft.com/office/powerpoint/2010/main" val="2990107992"/>
+      </p:ext>
+    </p:extLst>
+  </p:cSld>
+  <p:clrMapOvr>
+    <a:masterClrMapping/>
+  </p:clrMapOvr>
+</p:sld>
+</file>
+
+<file path=ppt/slides/slide2.xml><?xml version="1.0" encoding="utf-8"?>
+<p:sld xmlns:a="http://schemas.openxmlformats.org/drawingml/2006/main" xmlns:r="http://schemas.openxmlformats.org/officeDocument/2006/relationships" xmlns:p="http://schemas.openxmlformats.org/presentationml/2006/main">
+  <p:cSld>
+    <p:spTree>
+      <p:nvGrpSpPr>
+        <p:cNvPr id="1" name=""/>
+        <p:cNvGrpSpPr/>
+        <p:nvPr/>
+      </p:nvGrpSpPr>
+      <p:grpSpPr>
+        <a:xfrm>
+          <a:off x="0" y="0"/>
+          <a:ext cx="0" cy="0"/>
+          <a:chOff x="0" y="0"/>
+          <a:chExt cx="0" cy="0"/>
+        </a:xfrm>
+      </p:grpSpPr>
+      <p:pic>
+        <p:nvPicPr>
+          <p:cNvPr id="4" name="Picture 3"/>
+          <p:cNvPicPr>
+            <a:picLocks noChangeAspect="1"/>
+          </p:cNvPicPr>
+          <p:nvPr/>
+        </p:nvPicPr>
+        <p:blipFill>
+          <a:blip r:embed="rId2">
+            <a:extLst>
+              <a:ext uri="{28A0092B-C50C-407E-A947-70E740481C1C}">
+                <a14:useLocalDpi xmlns:a14="http://schemas.microsoft.com/office/drawing/2010/main" val="0"/>
+              </a:ext>
+            </a:extLst>
+          </a:blip>
+          <a:stretch>
+            <a:fillRect/>
+          </a:stretch>
+        </p:blipFill>
+        <p:spPr>
+          <a:xfrm>
+            <a:off x="11244812" y="6029844"/>
+            <a:ext cx="872540" cy="872540"/>
+          </a:xfrm>
+          <a:prstGeom prst="rect">
+            <a:avLst/>
+          </a:prstGeom>
+        </p:spPr>
+      </p:pic>
+      <p:sp>
+        <p:nvSpPr>
+          <p:cNvPr id="7" name="TextBox 6"/>
+          <p:cNvSpPr txBox="1"/>
+          <p:nvPr/>
+        </p:nvSpPr>
+        <p:spPr>
+          <a:xfrm>
+            <a:off x="334061" y="317240"/>
+            <a:ext cx="3479424" cy="646331"/>
+          </a:xfrm>
+          <a:prstGeom prst="rect">
+            <a:avLst/>
+          </a:prstGeom>
+          <a:solidFill>
+            <a:schemeClr val="bg1"/>
+          </a:solidFill>
+        </p:spPr>
+        <p:txBody>
+          <a:bodyPr wrap="square" rtlCol="0">
+            <a:spAutoFit/>
+          </a:bodyPr>
+          <a:lstStyle/>
+          <a:p>
+            <a:r>
+              <a:rPr lang="en-US" sz="3600" dirty="0">
+                <a:solidFill>
+                  <a:srgbClr val="43B02A"/>
+                </a:solidFill>
+              </a:rPr>
+              <a:t>Problem</a:t>
+            </a:r>
+          </a:p>
+        </p:txBody>
+      </p:sp>
+      <p:sp>
+        <p:nvSpPr>
+          <p:cNvPr id="2" name="TextBox 1"/>
+          <p:cNvSpPr txBox="1"/>
+          <p:nvPr/>
+        </p:nvSpPr>
+        <p:spPr>
+          <a:xfrm>
+            <a:off x="2643484" y="3167390"/>
+            <a:ext cx="6905032" cy="523220"/>
+          </a:xfrm>
+          <a:prstGeom prst="rect">
+            <a:avLst/>
+          </a:prstGeom>
+          <a:noFill/>
+        </p:spPr>
+        <p:txBody>
+          <a:bodyPr wrap="none" rtlCol="0">
+            <a:spAutoFit/>
+          </a:bodyPr>
+          <a:lstStyle/>
+          <a:p>
+            <a:r>
+              <a:rPr lang="en-US" sz="2800" dirty="0">
+                <a:solidFill>
+                  <a:srgbClr val="FF8200"/>
+                </a:solidFill>
+              </a:rPr>
+              <a:t>Trips to the store for </a:t>
+            </a:r>
+            <a:r>
+              <a:rPr lang="en-US" sz="2800" i="1" dirty="0">
+                <a:solidFill>
+                  <a:srgbClr val="FF8200"/>
+                </a:solidFill>
+              </a:rPr>
+              <a:t>just a few items</a:t>
+            </a:r>
+            <a:r>
+              <a:rPr lang="en-US" sz="2800" dirty="0">
+                <a:solidFill>
+                  <a:srgbClr val="FF8200"/>
+                </a:solidFill>
+              </a:rPr>
+              <a:t> is painful</a:t>
             </a:r>
           </a:p>
         </p:txBody>
@@ -2996,7 +9981,1101 @@
     </p:spTree>
     <p:extLst>
       <p:ext uri="{BB962C8B-B14F-4D97-AF65-F5344CB8AC3E}">
-        <p14:creationId xmlns:p14="http://schemas.microsoft.com/office/powerpoint/2010/main" val="2990107992"/>
+        <p14:creationId xmlns:p14="http://schemas.microsoft.com/office/powerpoint/2010/main" val="1098873086"/>
+      </p:ext>
+    </p:extLst>
+  </p:cSld>
+  <p:clrMapOvr>
+    <a:masterClrMapping/>
+  </p:clrMapOvr>
+</p:sld>
+</file>
+
+<file path=ppt/slides/slide3.xml><?xml version="1.0" encoding="utf-8"?>
+<p:sld xmlns:a="http://schemas.openxmlformats.org/drawingml/2006/main" xmlns:r="http://schemas.openxmlformats.org/officeDocument/2006/relationships" xmlns:p="http://schemas.openxmlformats.org/presentationml/2006/main">
+  <p:cSld>
+    <p:spTree>
+      <p:nvGrpSpPr>
+        <p:cNvPr id="1" name=""/>
+        <p:cNvGrpSpPr/>
+        <p:nvPr/>
+      </p:nvGrpSpPr>
+      <p:grpSpPr>
+        <a:xfrm>
+          <a:off x="0" y="0"/>
+          <a:ext cx="0" cy="0"/>
+          <a:chOff x="0" y="0"/>
+          <a:chExt cx="0" cy="0"/>
+        </a:xfrm>
+      </p:grpSpPr>
+      <p:pic>
+        <p:nvPicPr>
+          <p:cNvPr id="4" name="Picture 3"/>
+          <p:cNvPicPr>
+            <a:picLocks noChangeAspect="1"/>
+          </p:cNvPicPr>
+          <p:nvPr/>
+        </p:nvPicPr>
+        <p:blipFill>
+          <a:blip r:embed="rId2">
+            <a:extLst>
+              <a:ext uri="{28A0092B-C50C-407E-A947-70E740481C1C}">
+                <a14:useLocalDpi xmlns:a14="http://schemas.microsoft.com/office/drawing/2010/main" val="0"/>
+              </a:ext>
+            </a:extLst>
+          </a:blip>
+          <a:stretch>
+            <a:fillRect/>
+          </a:stretch>
+        </p:blipFill>
+        <p:spPr>
+          <a:xfrm>
+            <a:off x="11244812" y="6029844"/>
+            <a:ext cx="872540" cy="872540"/>
+          </a:xfrm>
+          <a:prstGeom prst="rect">
+            <a:avLst/>
+          </a:prstGeom>
+        </p:spPr>
+      </p:pic>
+      <p:sp>
+        <p:nvSpPr>
+          <p:cNvPr id="7" name="TextBox 6"/>
+          <p:cNvSpPr txBox="1"/>
+          <p:nvPr/>
+        </p:nvSpPr>
+        <p:spPr>
+          <a:xfrm>
+            <a:off x="4262981" y="1351680"/>
+            <a:ext cx="3479424" cy="646331"/>
+          </a:xfrm>
+          <a:prstGeom prst="rect">
+            <a:avLst/>
+          </a:prstGeom>
+          <a:solidFill>
+            <a:schemeClr val="bg1"/>
+          </a:solidFill>
+        </p:spPr>
+        <p:txBody>
+          <a:bodyPr wrap="square" rtlCol="0">
+            <a:spAutoFit/>
+          </a:bodyPr>
+          <a:lstStyle/>
+          <a:p>
+            <a:r>
+              <a:rPr lang="en-US" sz="3600" dirty="0" err="1">
+                <a:solidFill>
+                  <a:srgbClr val="43B02A"/>
+                </a:solidFill>
+              </a:rPr>
+              <a:t>SocialShopper</a:t>
+            </a:r>
+            <a:endParaRPr lang="en-US" sz="3600" dirty="0">
+              <a:solidFill>
+                <a:srgbClr val="43B02A"/>
+              </a:solidFill>
+            </a:endParaRPr>
+          </a:p>
+        </p:txBody>
+      </p:sp>
+      <p:pic>
+        <p:nvPicPr>
+          <p:cNvPr id="10" name="Picture 9"/>
+          <p:cNvPicPr>
+            <a:picLocks noChangeAspect="1"/>
+          </p:cNvPicPr>
+          <p:nvPr/>
+        </p:nvPicPr>
+        <p:blipFill>
+          <a:blip r:embed="rId3">
+            <a:extLst>
+              <a:ext uri="{28A0092B-C50C-407E-A947-70E740481C1C}">
+                <a14:useLocalDpi xmlns:a14="http://schemas.microsoft.com/office/drawing/2010/main" val="0"/>
+              </a:ext>
+            </a:extLst>
+          </a:blip>
+          <a:stretch>
+            <a:fillRect/>
+          </a:stretch>
+        </p:blipFill>
+        <p:spPr>
+          <a:xfrm>
+            <a:off x="71395" y="0"/>
+            <a:ext cx="3520109" cy="6858000"/>
+          </a:xfrm>
+          <a:prstGeom prst="rect">
+            <a:avLst/>
+          </a:prstGeom>
+        </p:spPr>
+      </p:pic>
+      <p:sp>
+        <p:nvSpPr>
+          <p:cNvPr id="14" name="TextBox 13"/>
+          <p:cNvSpPr txBox="1"/>
+          <p:nvPr/>
+        </p:nvSpPr>
+        <p:spPr>
+          <a:xfrm>
+            <a:off x="4262980" y="2567770"/>
+            <a:ext cx="4367835" cy="523220"/>
+          </a:xfrm>
+          <a:prstGeom prst="rect">
+            <a:avLst/>
+          </a:prstGeom>
+          <a:solidFill>
+            <a:schemeClr val="bg1"/>
+          </a:solidFill>
+        </p:spPr>
+        <p:txBody>
+          <a:bodyPr wrap="square" rtlCol="0">
+            <a:spAutoFit/>
+          </a:bodyPr>
+          <a:lstStyle/>
+          <a:p>
+            <a:r>
+              <a:rPr lang="en-US" sz="2800" dirty="0">
+                <a:solidFill>
+                  <a:srgbClr val="43B02A"/>
+                </a:solidFill>
+              </a:rPr>
+              <a:t>Incredibly easy to use</a:t>
+            </a:r>
+          </a:p>
+        </p:txBody>
+      </p:sp>
+      <p:sp>
+        <p:nvSpPr>
+          <p:cNvPr id="16" name="TextBox 15"/>
+          <p:cNvSpPr txBox="1"/>
+          <p:nvPr/>
+        </p:nvSpPr>
+        <p:spPr>
+          <a:xfrm>
+            <a:off x="4262980" y="3317329"/>
+            <a:ext cx="4367835" cy="523220"/>
+          </a:xfrm>
+          <a:prstGeom prst="rect">
+            <a:avLst/>
+          </a:prstGeom>
+          <a:solidFill>
+            <a:schemeClr val="bg1"/>
+          </a:solidFill>
+        </p:spPr>
+        <p:txBody>
+          <a:bodyPr wrap="square" rtlCol="0">
+            <a:spAutoFit/>
+          </a:bodyPr>
+          <a:lstStyle/>
+          <a:p>
+            <a:r>
+              <a:rPr lang="en-US" sz="2800" dirty="0">
+                <a:solidFill>
+                  <a:srgbClr val="43B02A"/>
+                </a:solidFill>
+              </a:rPr>
+              <a:t>Inherently trustworthy</a:t>
+            </a:r>
+          </a:p>
+        </p:txBody>
+      </p:sp>
+      <p:sp>
+        <p:nvSpPr>
+          <p:cNvPr id="17" name="TextBox 16"/>
+          <p:cNvSpPr txBox="1"/>
+          <p:nvPr/>
+        </p:nvSpPr>
+        <p:spPr>
+          <a:xfrm>
+            <a:off x="4262980" y="4121613"/>
+            <a:ext cx="4367835" cy="523220"/>
+          </a:xfrm>
+          <a:prstGeom prst="rect">
+            <a:avLst/>
+          </a:prstGeom>
+          <a:solidFill>
+            <a:schemeClr val="bg1"/>
+          </a:solidFill>
+        </p:spPr>
+        <p:txBody>
+          <a:bodyPr wrap="square" rtlCol="0">
+            <a:spAutoFit/>
+          </a:bodyPr>
+          <a:lstStyle/>
+          <a:p>
+            <a:r>
+              <a:rPr lang="en-US" sz="2800" dirty="0">
+                <a:solidFill>
+                  <a:srgbClr val="43B02A"/>
+                </a:solidFill>
+              </a:rPr>
+              <a:t>Extremely non-intrusive</a:t>
+            </a:r>
+          </a:p>
+        </p:txBody>
+      </p:sp>
+    </p:spTree>
+    <p:extLst>
+      <p:ext uri="{BB962C8B-B14F-4D97-AF65-F5344CB8AC3E}">
+        <p14:creationId xmlns:p14="http://schemas.microsoft.com/office/powerpoint/2010/main" val="1306264447"/>
+      </p:ext>
+    </p:extLst>
+  </p:cSld>
+  <p:clrMapOvr>
+    <a:masterClrMapping/>
+  </p:clrMapOvr>
+  <p:timing>
+    <p:tnLst>
+      <p:par>
+        <p:cTn id="1" dur="indefinite" restart="never" nodeType="tmRoot">
+          <p:childTnLst>
+            <p:seq concurrent="1" nextAc="seek">
+              <p:cTn id="2" dur="indefinite" nodeType="mainSeq">
+                <p:childTnLst>
+                  <p:par>
+                    <p:cTn id="3" fill="hold">
+                      <p:stCondLst>
+                        <p:cond delay="indefinite"/>
+                      </p:stCondLst>
+                      <p:childTnLst>
+                        <p:par>
+                          <p:cTn id="4" fill="hold">
+                            <p:stCondLst>
+                              <p:cond delay="0"/>
+                            </p:stCondLst>
+                            <p:childTnLst>
+                              <p:par>
+                                <p:cTn id="5" presetID="10" presetClass="entr" presetSubtype="0" fill="hold" grpId="0" nodeType="clickEffect">
+                                  <p:stCondLst>
+                                    <p:cond delay="0"/>
+                                  </p:stCondLst>
+                                  <p:childTnLst>
+                                    <p:set>
+                                      <p:cBhvr>
+                                        <p:cTn id="6" dur="1" fill="hold">
+                                          <p:stCondLst>
+                                            <p:cond delay="0"/>
+                                          </p:stCondLst>
+                                        </p:cTn>
+                                        <p:tgtEl>
+                                          <p:spTgt spid="14"/>
+                                        </p:tgtEl>
+                                        <p:attrNameLst>
+                                          <p:attrName>style.visibility</p:attrName>
+                                        </p:attrNameLst>
+                                      </p:cBhvr>
+                                      <p:to>
+                                        <p:strVal val="visible"/>
+                                      </p:to>
+                                    </p:set>
+                                    <p:animEffect transition="in" filter="fade">
+                                      <p:cBhvr>
+                                        <p:cTn id="7" dur="500"/>
+                                        <p:tgtEl>
+                                          <p:spTgt spid="14"/>
+                                        </p:tgtEl>
+                                      </p:cBhvr>
+                                    </p:animEffect>
+                                  </p:childTnLst>
+                                </p:cTn>
+                              </p:par>
+                            </p:childTnLst>
+                          </p:cTn>
+                        </p:par>
+                      </p:childTnLst>
+                    </p:cTn>
+                  </p:par>
+                  <p:par>
+                    <p:cTn id="8" fill="hold">
+                      <p:stCondLst>
+                        <p:cond delay="indefinite"/>
+                      </p:stCondLst>
+                      <p:childTnLst>
+                        <p:par>
+                          <p:cTn id="9" fill="hold">
+                            <p:stCondLst>
+                              <p:cond delay="0"/>
+                            </p:stCondLst>
+                            <p:childTnLst>
+                              <p:par>
+                                <p:cTn id="10" presetID="10" presetClass="entr" presetSubtype="0" fill="hold" grpId="0" nodeType="clickEffect">
+                                  <p:stCondLst>
+                                    <p:cond delay="0"/>
+                                  </p:stCondLst>
+                                  <p:childTnLst>
+                                    <p:set>
+                                      <p:cBhvr>
+                                        <p:cTn id="11" dur="1" fill="hold">
+                                          <p:stCondLst>
+                                            <p:cond delay="0"/>
+                                          </p:stCondLst>
+                                        </p:cTn>
+                                        <p:tgtEl>
+                                          <p:spTgt spid="16"/>
+                                        </p:tgtEl>
+                                        <p:attrNameLst>
+                                          <p:attrName>style.visibility</p:attrName>
+                                        </p:attrNameLst>
+                                      </p:cBhvr>
+                                      <p:to>
+                                        <p:strVal val="visible"/>
+                                      </p:to>
+                                    </p:set>
+                                    <p:animEffect transition="in" filter="fade">
+                                      <p:cBhvr>
+                                        <p:cTn id="12" dur="500"/>
+                                        <p:tgtEl>
+                                          <p:spTgt spid="16"/>
+                                        </p:tgtEl>
+                                      </p:cBhvr>
+                                    </p:animEffect>
+                                  </p:childTnLst>
+                                </p:cTn>
+                              </p:par>
+                            </p:childTnLst>
+                          </p:cTn>
+                        </p:par>
+                      </p:childTnLst>
+                    </p:cTn>
+                  </p:par>
+                  <p:par>
+                    <p:cTn id="13" fill="hold">
+                      <p:stCondLst>
+                        <p:cond delay="indefinite"/>
+                      </p:stCondLst>
+                      <p:childTnLst>
+                        <p:par>
+                          <p:cTn id="14" fill="hold">
+                            <p:stCondLst>
+                              <p:cond delay="0"/>
+                            </p:stCondLst>
+                            <p:childTnLst>
+                              <p:par>
+                                <p:cTn id="15" presetID="10" presetClass="entr" presetSubtype="0" fill="hold" grpId="0" nodeType="clickEffect">
+                                  <p:stCondLst>
+                                    <p:cond delay="0"/>
+                                  </p:stCondLst>
+                                  <p:childTnLst>
+                                    <p:set>
+                                      <p:cBhvr>
+                                        <p:cTn id="16" dur="1" fill="hold">
+                                          <p:stCondLst>
+                                            <p:cond delay="0"/>
+                                          </p:stCondLst>
+                                        </p:cTn>
+                                        <p:tgtEl>
+                                          <p:spTgt spid="17"/>
+                                        </p:tgtEl>
+                                        <p:attrNameLst>
+                                          <p:attrName>style.visibility</p:attrName>
+                                        </p:attrNameLst>
+                                      </p:cBhvr>
+                                      <p:to>
+                                        <p:strVal val="visible"/>
+                                      </p:to>
+                                    </p:set>
+                                    <p:animEffect transition="in" filter="fade">
+                                      <p:cBhvr>
+                                        <p:cTn id="17" dur="500"/>
+                                        <p:tgtEl>
+                                          <p:spTgt spid="17"/>
+                                        </p:tgtEl>
+                                      </p:cBhvr>
+                                    </p:animEffect>
+                                  </p:childTnLst>
+                                </p:cTn>
+                              </p:par>
+                            </p:childTnLst>
+                          </p:cTn>
+                        </p:par>
+                      </p:childTnLst>
+                    </p:cTn>
+                  </p:par>
+                </p:childTnLst>
+              </p:cTn>
+              <p:prevCondLst>
+                <p:cond evt="onPrev" delay="0">
+                  <p:tgtEl>
+                    <p:sldTgt/>
+                  </p:tgtEl>
+                </p:cond>
+              </p:prevCondLst>
+              <p:nextCondLst>
+                <p:cond evt="onNext" delay="0">
+                  <p:tgtEl>
+                    <p:sldTgt/>
+                  </p:tgtEl>
+                </p:cond>
+              </p:nextCondLst>
+            </p:seq>
+          </p:childTnLst>
+        </p:cTn>
+      </p:par>
+    </p:tnLst>
+    <p:bldLst>
+      <p:bldP spid="14" grpId="0" animBg="1"/>
+      <p:bldP spid="16" grpId="0" animBg="1"/>
+      <p:bldP spid="17" grpId="0" animBg="1"/>
+    </p:bldLst>
+  </p:timing>
+</p:sld>
+</file>
+
+<file path=ppt/slides/slide4.xml><?xml version="1.0" encoding="utf-8"?>
+<p:sld xmlns:a="http://schemas.openxmlformats.org/drawingml/2006/main" xmlns:r="http://schemas.openxmlformats.org/officeDocument/2006/relationships" xmlns:p="http://schemas.openxmlformats.org/presentationml/2006/main">
+  <p:cSld>
+    <p:spTree>
+      <p:nvGrpSpPr>
+        <p:cNvPr id="1" name=""/>
+        <p:cNvGrpSpPr/>
+        <p:nvPr/>
+      </p:nvGrpSpPr>
+      <p:grpSpPr>
+        <a:xfrm>
+          <a:off x="0" y="0"/>
+          <a:ext cx="0" cy="0"/>
+          <a:chOff x="0" y="0"/>
+          <a:chExt cx="0" cy="0"/>
+        </a:xfrm>
+      </p:grpSpPr>
+      <p:pic>
+        <p:nvPicPr>
+          <p:cNvPr id="4" name="Picture 3"/>
+          <p:cNvPicPr>
+            <a:picLocks noChangeAspect="1"/>
+          </p:cNvPicPr>
+          <p:nvPr/>
+        </p:nvPicPr>
+        <p:blipFill>
+          <a:blip r:embed="rId2">
+            <a:extLst>
+              <a:ext uri="{28A0092B-C50C-407E-A947-70E740481C1C}">
+                <a14:useLocalDpi xmlns:a14="http://schemas.microsoft.com/office/drawing/2010/main" val="0"/>
+              </a:ext>
+            </a:extLst>
+          </a:blip>
+          <a:stretch>
+            <a:fillRect/>
+          </a:stretch>
+        </p:blipFill>
+        <p:spPr>
+          <a:xfrm>
+            <a:off x="11244812" y="6029844"/>
+            <a:ext cx="872540" cy="872540"/>
+          </a:xfrm>
+          <a:prstGeom prst="rect">
+            <a:avLst/>
+          </a:prstGeom>
+        </p:spPr>
+      </p:pic>
+      <p:sp>
+        <p:nvSpPr>
+          <p:cNvPr id="7" name="TextBox 6"/>
+          <p:cNvSpPr txBox="1"/>
+          <p:nvPr/>
+        </p:nvSpPr>
+        <p:spPr>
+          <a:xfrm>
+            <a:off x="334061" y="317240"/>
+            <a:ext cx="3479424" cy="646331"/>
+          </a:xfrm>
+          <a:prstGeom prst="rect">
+            <a:avLst/>
+          </a:prstGeom>
+          <a:solidFill>
+            <a:schemeClr val="bg1"/>
+          </a:solidFill>
+        </p:spPr>
+        <p:txBody>
+          <a:bodyPr wrap="square" rtlCol="0">
+            <a:spAutoFit/>
+          </a:bodyPr>
+          <a:lstStyle/>
+          <a:p>
+            <a:r>
+              <a:rPr lang="en-US" sz="3600" dirty="0">
+                <a:solidFill>
+                  <a:srgbClr val="43B02A"/>
+                </a:solidFill>
+              </a:rPr>
+              <a:t>Why Mobile?</a:t>
+            </a:r>
+          </a:p>
+        </p:txBody>
+      </p:sp>
+      <p:graphicFrame>
+        <p:nvGraphicFramePr>
+          <p:cNvPr id="6" name="Content Placeholder 2"/>
+          <p:cNvGraphicFramePr>
+            <a:graphicFrameLocks/>
+          </p:cNvGraphicFramePr>
+          <p:nvPr>
+            <p:extLst>
+              <p:ext uri="{D42A27DB-BD31-4B8C-83A1-F6EECF244321}">
+                <p14:modId xmlns:p14="http://schemas.microsoft.com/office/powerpoint/2010/main" val="724787914"/>
+              </p:ext>
+            </p:extLst>
+          </p:nvPr>
+        </p:nvGraphicFramePr>
+        <p:xfrm>
+          <a:off x="838200" y="1253331"/>
+          <a:ext cx="10515600" cy="4351338"/>
+        </p:xfrm>
+        <a:graphic>
+          <a:graphicData uri="http://schemas.openxmlformats.org/drawingml/2006/diagram">
+            <dgm:relIds xmlns:dgm="http://schemas.openxmlformats.org/drawingml/2006/diagram" xmlns:r="http://schemas.openxmlformats.org/officeDocument/2006/relationships" r:dm="rId3" r:lo="rId4" r:qs="rId5" r:cs="rId6"/>
+          </a:graphicData>
+        </a:graphic>
+      </p:graphicFrame>
+    </p:spTree>
+    <p:extLst>
+      <p:ext uri="{BB962C8B-B14F-4D97-AF65-F5344CB8AC3E}">
+        <p14:creationId xmlns:p14="http://schemas.microsoft.com/office/powerpoint/2010/main" val="2308793852"/>
+      </p:ext>
+    </p:extLst>
+  </p:cSld>
+  <p:clrMapOvr>
+    <a:masterClrMapping/>
+  </p:clrMapOvr>
+</p:sld>
+</file>
+
+<file path=ppt/slides/slide5.xml><?xml version="1.0" encoding="utf-8"?>
+<p:sld xmlns:a="http://schemas.openxmlformats.org/drawingml/2006/main" xmlns:r="http://schemas.openxmlformats.org/officeDocument/2006/relationships" xmlns:p="http://schemas.openxmlformats.org/presentationml/2006/main">
+  <p:cSld>
+    <p:spTree>
+      <p:nvGrpSpPr>
+        <p:cNvPr id="1" name=""/>
+        <p:cNvGrpSpPr/>
+        <p:nvPr/>
+      </p:nvGrpSpPr>
+      <p:grpSpPr>
+        <a:xfrm>
+          <a:off x="0" y="0"/>
+          <a:ext cx="0" cy="0"/>
+          <a:chOff x="0" y="0"/>
+          <a:chExt cx="0" cy="0"/>
+        </a:xfrm>
+      </p:grpSpPr>
+      <p:pic>
+        <p:nvPicPr>
+          <p:cNvPr id="4" name="Picture 3"/>
+          <p:cNvPicPr>
+            <a:picLocks noChangeAspect="1"/>
+          </p:cNvPicPr>
+          <p:nvPr/>
+        </p:nvPicPr>
+        <p:blipFill>
+          <a:blip r:embed="rId2">
+            <a:extLst>
+              <a:ext uri="{28A0092B-C50C-407E-A947-70E740481C1C}">
+                <a14:useLocalDpi xmlns:a14="http://schemas.microsoft.com/office/drawing/2010/main" val="0"/>
+              </a:ext>
+            </a:extLst>
+          </a:blip>
+          <a:stretch>
+            <a:fillRect/>
+          </a:stretch>
+        </p:blipFill>
+        <p:spPr>
+          <a:xfrm>
+            <a:off x="11244812" y="6029844"/>
+            <a:ext cx="872540" cy="872540"/>
+          </a:xfrm>
+          <a:prstGeom prst="rect">
+            <a:avLst/>
+          </a:prstGeom>
+        </p:spPr>
+      </p:pic>
+      <p:sp>
+        <p:nvSpPr>
+          <p:cNvPr id="2" name="TextBox 1"/>
+          <p:cNvSpPr txBox="1"/>
+          <p:nvPr/>
+        </p:nvSpPr>
+        <p:spPr>
+          <a:xfrm>
+            <a:off x="5717531" y="2948474"/>
+            <a:ext cx="756938" cy="400110"/>
+          </a:xfrm>
+          <a:prstGeom prst="rect">
+            <a:avLst/>
+          </a:prstGeom>
+          <a:noFill/>
+        </p:spPr>
+        <p:txBody>
+          <a:bodyPr wrap="none" rtlCol="0">
+            <a:spAutoFit/>
+          </a:bodyPr>
+          <a:lstStyle/>
+          <a:p>
+            <a:pPr algn="ctr"/>
+            <a:r>
+              <a:rPr lang="en-US" sz="2000" i="1" dirty="0">
+                <a:solidFill>
+                  <a:srgbClr val="43B02A"/>
+                </a:solidFill>
+              </a:rPr>
+              <a:t>video</a:t>
+            </a:r>
+          </a:p>
+        </p:txBody>
+      </p:sp>
+    </p:spTree>
+    <p:extLst>
+      <p:ext uri="{BB962C8B-B14F-4D97-AF65-F5344CB8AC3E}">
+        <p14:creationId xmlns:p14="http://schemas.microsoft.com/office/powerpoint/2010/main" val="1586306417"/>
+      </p:ext>
+    </p:extLst>
+  </p:cSld>
+  <p:clrMapOvr>
+    <a:masterClrMapping/>
+  </p:clrMapOvr>
+</p:sld>
+</file>
+
+<file path=ppt/slides/slide6.xml><?xml version="1.0" encoding="utf-8"?>
+<p:sld xmlns:a="http://schemas.openxmlformats.org/drawingml/2006/main" xmlns:r="http://schemas.openxmlformats.org/officeDocument/2006/relationships" xmlns:p="http://schemas.openxmlformats.org/presentationml/2006/main">
+  <p:cSld>
+    <p:spTree>
+      <p:nvGrpSpPr>
+        <p:cNvPr id="1" name=""/>
+        <p:cNvGrpSpPr/>
+        <p:nvPr/>
+      </p:nvGrpSpPr>
+      <p:grpSpPr>
+        <a:xfrm>
+          <a:off x="0" y="0"/>
+          <a:ext cx="0" cy="0"/>
+          <a:chOff x="0" y="0"/>
+          <a:chExt cx="0" cy="0"/>
+        </a:xfrm>
+      </p:grpSpPr>
+      <p:pic>
+        <p:nvPicPr>
+          <p:cNvPr id="4" name="Picture 3"/>
+          <p:cNvPicPr>
+            <a:picLocks noChangeAspect="1"/>
+          </p:cNvPicPr>
+          <p:nvPr/>
+        </p:nvPicPr>
+        <p:blipFill>
+          <a:blip r:embed="rId2">
+            <a:extLst>
+              <a:ext uri="{28A0092B-C50C-407E-A947-70E740481C1C}">
+                <a14:useLocalDpi xmlns:a14="http://schemas.microsoft.com/office/drawing/2010/main" val="0"/>
+              </a:ext>
+            </a:extLst>
+          </a:blip>
+          <a:stretch>
+            <a:fillRect/>
+          </a:stretch>
+        </p:blipFill>
+        <p:spPr>
+          <a:xfrm>
+            <a:off x="11244812" y="6029844"/>
+            <a:ext cx="872540" cy="872540"/>
+          </a:xfrm>
+          <a:prstGeom prst="rect">
+            <a:avLst/>
+          </a:prstGeom>
+        </p:spPr>
+      </p:pic>
+      <p:sp>
+        <p:nvSpPr>
+          <p:cNvPr id="7" name="TextBox 6"/>
+          <p:cNvSpPr txBox="1"/>
+          <p:nvPr/>
+        </p:nvSpPr>
+        <p:spPr>
+          <a:xfrm>
+            <a:off x="334061" y="317240"/>
+            <a:ext cx="3479424" cy="646331"/>
+          </a:xfrm>
+          <a:prstGeom prst="rect">
+            <a:avLst/>
+          </a:prstGeom>
+          <a:solidFill>
+            <a:schemeClr val="bg1"/>
+          </a:solidFill>
+        </p:spPr>
+        <p:txBody>
+          <a:bodyPr wrap="square" rtlCol="0">
+            <a:spAutoFit/>
+          </a:bodyPr>
+          <a:lstStyle/>
+          <a:p>
+            <a:r>
+              <a:rPr lang="en-US" sz="3600" dirty="0">
+                <a:solidFill>
+                  <a:srgbClr val="43B02A"/>
+                </a:solidFill>
+              </a:rPr>
+              <a:t>Technologies</a:t>
+            </a:r>
+          </a:p>
+        </p:txBody>
+      </p:sp>
+      <p:sp>
+        <p:nvSpPr>
+          <p:cNvPr id="2" name="TextBox 1"/>
+          <p:cNvSpPr txBox="1"/>
+          <p:nvPr/>
+        </p:nvSpPr>
+        <p:spPr>
+          <a:xfrm>
+            <a:off x="709127" y="1800808"/>
+            <a:ext cx="2870529" cy="1477328"/>
+          </a:xfrm>
+          <a:prstGeom prst="rect">
+            <a:avLst/>
+          </a:prstGeom>
+          <a:noFill/>
+        </p:spPr>
+        <p:txBody>
+          <a:bodyPr wrap="none" rtlCol="0">
+            <a:spAutoFit/>
+          </a:bodyPr>
+          <a:lstStyle/>
+          <a:p>
+            <a:r>
+              <a:rPr lang="en-US" dirty="0"/>
+              <a:t>Android (</a:t>
+            </a:r>
+            <a:r>
+              <a:rPr lang="en-US" i="1" dirty="0"/>
+              <a:t>of course)</a:t>
+            </a:r>
+            <a:endParaRPr lang="en-US" dirty="0"/>
+          </a:p>
+          <a:p>
+            <a:r>
+              <a:rPr lang="en-US" dirty="0"/>
+              <a:t>Firebase Real Time Database</a:t>
+            </a:r>
+          </a:p>
+          <a:p>
+            <a:r>
+              <a:rPr lang="en-US" dirty="0"/>
+              <a:t>Firebase Functions</a:t>
+            </a:r>
+          </a:p>
+          <a:p>
+            <a:r>
+              <a:rPr lang="en-US" dirty="0"/>
+              <a:t>Firebase Cloud Messaging</a:t>
+            </a:r>
+          </a:p>
+          <a:p>
+            <a:r>
+              <a:rPr lang="en-US" dirty="0"/>
+              <a:t>Add more</a:t>
+            </a:r>
+          </a:p>
+        </p:txBody>
+      </p:sp>
+    </p:spTree>
+    <p:extLst>
+      <p:ext uri="{BB962C8B-B14F-4D97-AF65-F5344CB8AC3E}">
+        <p14:creationId xmlns:p14="http://schemas.microsoft.com/office/powerpoint/2010/main" val="4116532474"/>
+      </p:ext>
+    </p:extLst>
+  </p:cSld>
+  <p:clrMapOvr>
+    <a:masterClrMapping/>
+  </p:clrMapOvr>
+</p:sld>
+</file>
+
+<file path=ppt/slides/slide7.xml><?xml version="1.0" encoding="utf-8"?>
+<p:sld xmlns:a="http://schemas.openxmlformats.org/drawingml/2006/main" xmlns:r="http://schemas.openxmlformats.org/officeDocument/2006/relationships" xmlns:p="http://schemas.openxmlformats.org/presentationml/2006/main">
+  <p:cSld>
+    <p:spTree>
+      <p:nvGrpSpPr>
+        <p:cNvPr id="1" name=""/>
+        <p:cNvGrpSpPr/>
+        <p:nvPr/>
+      </p:nvGrpSpPr>
+      <p:grpSpPr>
+        <a:xfrm>
+          <a:off x="0" y="0"/>
+          <a:ext cx="0" cy="0"/>
+          <a:chOff x="0" y="0"/>
+          <a:chExt cx="0" cy="0"/>
+        </a:xfrm>
+      </p:grpSpPr>
+      <p:pic>
+        <p:nvPicPr>
+          <p:cNvPr id="4" name="Picture 3"/>
+          <p:cNvPicPr>
+            <a:picLocks noChangeAspect="1"/>
+          </p:cNvPicPr>
+          <p:nvPr/>
+        </p:nvPicPr>
+        <p:blipFill>
+          <a:blip r:embed="rId2">
+            <a:extLst>
+              <a:ext uri="{28A0092B-C50C-407E-A947-70E740481C1C}">
+                <a14:useLocalDpi xmlns:a14="http://schemas.microsoft.com/office/drawing/2010/main" val="0"/>
+              </a:ext>
+            </a:extLst>
+          </a:blip>
+          <a:stretch>
+            <a:fillRect/>
+          </a:stretch>
+        </p:blipFill>
+        <p:spPr>
+          <a:xfrm>
+            <a:off x="11244812" y="6029844"/>
+            <a:ext cx="872540" cy="872540"/>
+          </a:xfrm>
+          <a:prstGeom prst="rect">
+            <a:avLst/>
+          </a:prstGeom>
+        </p:spPr>
+      </p:pic>
+      <p:sp>
+        <p:nvSpPr>
+          <p:cNvPr id="7" name="TextBox 6"/>
+          <p:cNvSpPr txBox="1"/>
+          <p:nvPr/>
+        </p:nvSpPr>
+        <p:spPr>
+          <a:xfrm>
+            <a:off x="334061" y="317240"/>
+            <a:ext cx="3479424" cy="646331"/>
+          </a:xfrm>
+          <a:prstGeom prst="rect">
+            <a:avLst/>
+          </a:prstGeom>
+          <a:solidFill>
+            <a:schemeClr val="bg1"/>
+          </a:solidFill>
+        </p:spPr>
+        <p:txBody>
+          <a:bodyPr wrap="square" rtlCol="0">
+            <a:spAutoFit/>
+          </a:bodyPr>
+          <a:lstStyle/>
+          <a:p>
+            <a:r>
+              <a:rPr lang="en-US" sz="3600" dirty="0">
+                <a:solidFill>
+                  <a:srgbClr val="43B02A"/>
+                </a:solidFill>
+              </a:rPr>
+              <a:t>Future Plans</a:t>
+            </a:r>
+          </a:p>
+        </p:txBody>
+      </p:sp>
+      <p:graphicFrame>
+        <p:nvGraphicFramePr>
+          <p:cNvPr id="5" name="Content Placeholder 2"/>
+          <p:cNvGraphicFramePr>
+            <a:graphicFrameLocks/>
+          </p:cNvGraphicFramePr>
+          <p:nvPr>
+            <p:extLst>
+              <p:ext uri="{D42A27DB-BD31-4B8C-83A1-F6EECF244321}">
+                <p14:modId xmlns:p14="http://schemas.microsoft.com/office/powerpoint/2010/main" val="3705915410"/>
+              </p:ext>
+            </p:extLst>
+          </p:nvPr>
+        </p:nvGraphicFramePr>
+        <p:xfrm>
+          <a:off x="838200" y="1253331"/>
+          <a:ext cx="10515600" cy="4351338"/>
+        </p:xfrm>
+        <a:graphic>
+          <a:graphicData uri="http://schemas.openxmlformats.org/drawingml/2006/diagram">
+            <dgm:relIds xmlns:dgm="http://schemas.openxmlformats.org/drawingml/2006/diagram" xmlns:r="http://schemas.openxmlformats.org/officeDocument/2006/relationships" r:dm="rId3" r:lo="rId4" r:qs="rId5" r:cs="rId6"/>
+          </a:graphicData>
+        </a:graphic>
+      </p:graphicFrame>
+    </p:spTree>
+    <p:extLst>
+      <p:ext uri="{BB962C8B-B14F-4D97-AF65-F5344CB8AC3E}">
+        <p14:creationId xmlns:p14="http://schemas.microsoft.com/office/powerpoint/2010/main" val="2886147003"/>
+      </p:ext>
+    </p:extLst>
+  </p:cSld>
+  <p:clrMapOvr>
+    <a:masterClrMapping/>
+  </p:clrMapOvr>
+</p:sld>
+</file>
+
+<file path=ppt/slides/slide8.xml><?xml version="1.0" encoding="utf-8"?>
+<p:sld xmlns:a="http://schemas.openxmlformats.org/drawingml/2006/main" xmlns:r="http://schemas.openxmlformats.org/officeDocument/2006/relationships" xmlns:p="http://schemas.openxmlformats.org/presentationml/2006/main">
+  <p:cSld>
+    <p:spTree>
+      <p:nvGrpSpPr>
+        <p:cNvPr id="1" name=""/>
+        <p:cNvGrpSpPr/>
+        <p:nvPr/>
+      </p:nvGrpSpPr>
+      <p:grpSpPr>
+        <a:xfrm>
+          <a:off x="0" y="0"/>
+          <a:ext cx="0" cy="0"/>
+          <a:chOff x="0" y="0"/>
+          <a:chExt cx="0" cy="0"/>
+        </a:xfrm>
+      </p:grpSpPr>
+      <p:sp>
+        <p:nvSpPr>
+          <p:cNvPr id="3" name="Subtitle 2"/>
+          <p:cNvSpPr>
+            <a:spLocks noGrp="1"/>
+          </p:cNvSpPr>
+          <p:nvPr>
+            <p:ph type="subTitle" idx="1"/>
+          </p:nvPr>
+        </p:nvSpPr>
+        <p:spPr>
+          <a:xfrm>
+            <a:off x="733310" y="1975968"/>
+            <a:ext cx="10669398" cy="720921"/>
+          </a:xfrm>
+        </p:spPr>
+        <p:txBody>
+          <a:bodyPr>
+            <a:noAutofit/>
+          </a:bodyPr>
+          <a:lstStyle/>
+          <a:p>
+            <a:r>
+              <a:rPr lang="en-US" sz="4800" dirty="0" err="1">
+                <a:solidFill>
+                  <a:srgbClr val="43B02A"/>
+                </a:solidFill>
+              </a:rPr>
+              <a:t>SocialShopper</a:t>
+            </a:r>
+            <a:endParaRPr lang="en-US" sz="4800" dirty="0">
+              <a:solidFill>
+                <a:srgbClr val="43B02A"/>
+              </a:solidFill>
+            </a:endParaRPr>
+          </a:p>
+          <a:p>
+            <a:endParaRPr lang="en-US" sz="3200" i="1" dirty="0">
+              <a:solidFill>
+                <a:srgbClr val="43B02A"/>
+              </a:solidFill>
+            </a:endParaRPr>
+          </a:p>
+          <a:p>
+            <a:r>
+              <a:rPr lang="en-US" sz="3200" i="1" dirty="0" err="1">
+                <a:solidFill>
+                  <a:srgbClr val="43B02A"/>
+                </a:solidFill>
+              </a:rPr>
+              <a:t>Greeshma</a:t>
+            </a:r>
+            <a:r>
+              <a:rPr lang="en-US" sz="3200" i="1" dirty="0">
+                <a:solidFill>
+                  <a:srgbClr val="43B02A"/>
+                </a:solidFill>
+              </a:rPr>
+              <a:t> </a:t>
+            </a:r>
+            <a:r>
+              <a:rPr lang="en-US" sz="3200" i="1" dirty="0" err="1">
+                <a:solidFill>
+                  <a:srgbClr val="43B02A"/>
+                </a:solidFill>
+              </a:rPr>
+              <a:t>Umapathi</a:t>
+            </a:r>
+            <a:r>
+              <a:rPr lang="en-US" sz="3200" i="1" dirty="0">
+                <a:solidFill>
+                  <a:srgbClr val="43B02A"/>
+                </a:solidFill>
+              </a:rPr>
+              <a:t> Santosh</a:t>
+            </a:r>
+          </a:p>
+          <a:p>
+            <a:r>
+              <a:rPr lang="en-US" sz="3200" i="1" dirty="0" err="1">
+                <a:solidFill>
+                  <a:srgbClr val="43B02A"/>
+                </a:solidFill>
+              </a:rPr>
+              <a:t>Sriram</a:t>
+            </a:r>
+            <a:r>
+              <a:rPr lang="en-US" sz="3200" i="1" dirty="0">
+                <a:solidFill>
+                  <a:srgbClr val="43B02A"/>
+                </a:solidFill>
+              </a:rPr>
+              <a:t> Santosh </a:t>
+            </a:r>
+            <a:r>
+              <a:rPr lang="en-US" sz="3200" i="1" dirty="0" err="1">
+                <a:solidFill>
+                  <a:srgbClr val="43B02A"/>
+                </a:solidFill>
+              </a:rPr>
+              <a:t>Aripirala</a:t>
+            </a:r>
+            <a:endParaRPr lang="en-US" sz="3200" i="1" dirty="0">
+              <a:solidFill>
+                <a:srgbClr val="43B02A"/>
+              </a:solidFill>
+            </a:endParaRPr>
+          </a:p>
+          <a:p>
+            <a:r>
+              <a:rPr lang="en-US" sz="3200" i="1" dirty="0">
+                <a:solidFill>
+                  <a:srgbClr val="43B02A"/>
+                </a:solidFill>
+              </a:rPr>
+              <a:t>Rahul Deshpande</a:t>
+            </a:r>
+          </a:p>
+        </p:txBody>
+      </p:sp>
+      <p:pic>
+        <p:nvPicPr>
+          <p:cNvPr id="5" name="Picture 4"/>
+          <p:cNvPicPr>
+            <a:picLocks noChangeAspect="1"/>
+          </p:cNvPicPr>
+          <p:nvPr/>
+        </p:nvPicPr>
+        <p:blipFill>
+          <a:blip r:embed="rId2">
+            <a:extLst>
+              <a:ext uri="{28A0092B-C50C-407E-A947-70E740481C1C}">
+                <a14:useLocalDpi xmlns:a14="http://schemas.microsoft.com/office/drawing/2010/main" val="0"/>
+              </a:ext>
+            </a:extLst>
+          </a:blip>
+          <a:stretch>
+            <a:fillRect/>
+          </a:stretch>
+        </p:blipFill>
+        <p:spPr>
+          <a:xfrm>
+            <a:off x="11244812" y="6029844"/>
+            <a:ext cx="872540" cy="872540"/>
+          </a:xfrm>
+          <a:prstGeom prst="rect">
+            <a:avLst/>
+          </a:prstGeom>
+        </p:spPr>
+      </p:pic>
+    </p:spTree>
+    <p:extLst>
+      <p:ext uri="{BB962C8B-B14F-4D97-AF65-F5344CB8AC3E}">
+        <p14:creationId xmlns:p14="http://schemas.microsoft.com/office/powerpoint/2010/main" val="868089131"/>
       </p:ext>
     </p:extLst>
   </p:cSld>

--- a/Presentation/Presentation.pptx
+++ b/Presentation/Presentation.pptx
@@ -9,10 +9,11 @@
     <p:sldId id="260" r:id="rId3"/>
     <p:sldId id="258" r:id="rId4"/>
     <p:sldId id="259" r:id="rId5"/>
-    <p:sldId id="262" r:id="rId6"/>
-    <p:sldId id="261" r:id="rId7"/>
-    <p:sldId id="264" r:id="rId8"/>
-    <p:sldId id="257" r:id="rId9"/>
+    <p:sldId id="265" r:id="rId6"/>
+    <p:sldId id="262" r:id="rId7"/>
+    <p:sldId id="261" r:id="rId8"/>
+    <p:sldId id="264" r:id="rId9"/>
+    <p:sldId id="257" r:id="rId10"/>
   </p:sldIdLst>
   <p:sldSz cx="12192000" cy="6858000"/>
   <p:notesSz cx="6858000" cy="9144000"/>
@@ -868,6 +869,1502 @@
 </file>
 
 <file path=ppt/diagrams/colors2.xml><?xml version="1.0" encoding="utf-8"?>
+<dgm:colorsDef xmlns:dgm="http://schemas.openxmlformats.org/drawingml/2006/diagram" xmlns:a="http://schemas.openxmlformats.org/drawingml/2006/main" uniqueId="urn:microsoft.com/office/officeart/2005/8/colors/ColorSchemeForSuggestions">
+  <dgm:title val="Color Scheme for Suggestions"/>
+  <dgm:desc val="Color Scheme for Suggestions"/>
+  <dgm:catLst>
+    <dgm:cat type="Other" pri="2"/>
+  </dgm:catLst>
+  <dgm:styleLbl name="node0">
+    <dgm:fillClrLst meth="repeat">
+      <a:schemeClr val="accent1"/>
+    </dgm:fillClrLst>
+    <dgm:linClrLst meth="repeat">
+      <a:schemeClr val="lt1"/>
+    </dgm:linClrLst>
+    <dgm:effectClrLst/>
+    <dgm:txLinClrLst/>
+    <dgm:txFillClrLst/>
+    <dgm:txEffectClrLst/>
+  </dgm:styleLbl>
+  <dgm:styleLbl name="alignNode1">
+    <dgm:fillClrLst meth="repeat">
+      <a:schemeClr val="accent1"/>
+    </dgm:fillClrLst>
+    <dgm:linClrLst meth="repeat">
+      <a:schemeClr val="accent1"/>
+    </dgm:linClrLst>
+    <dgm:effectClrLst/>
+    <dgm:txLinClrLst/>
+    <dgm:txFillClrLst/>
+    <dgm:txEffectClrLst/>
+  </dgm:styleLbl>
+  <dgm:styleLbl name="node1">
+    <dgm:fillClrLst meth="repeat">
+      <a:schemeClr val="accent1"/>
+    </dgm:fillClrLst>
+    <dgm:linClrLst meth="repeat">
+      <a:schemeClr val="lt1"/>
+    </dgm:linClrLst>
+    <dgm:effectClrLst/>
+    <dgm:txLinClrLst/>
+    <dgm:txFillClrLst/>
+    <dgm:txEffectClrLst/>
+  </dgm:styleLbl>
+  <dgm:styleLbl name="lnNode1">
+    <dgm:fillClrLst meth="repeat">
+      <a:schemeClr val="accent1"/>
+    </dgm:fillClrLst>
+    <dgm:linClrLst meth="repeat">
+      <a:schemeClr val="lt1"/>
+    </dgm:linClrLst>
+    <dgm:effectClrLst/>
+    <dgm:txLinClrLst/>
+    <dgm:txFillClrLst/>
+    <dgm:txEffectClrLst/>
+  </dgm:styleLbl>
+  <dgm:styleLbl name="vennNode1">
+    <dgm:fillClrLst meth="repeat">
+      <a:schemeClr val="accent1">
+        <a:alpha val="50000"/>
+      </a:schemeClr>
+    </dgm:fillClrLst>
+    <dgm:linClrLst meth="repeat">
+      <a:schemeClr val="lt1"/>
+    </dgm:linClrLst>
+    <dgm:effectClrLst/>
+    <dgm:txLinClrLst/>
+    <dgm:txFillClrLst/>
+    <dgm:txEffectClrLst/>
+  </dgm:styleLbl>
+  <dgm:styleLbl name="node2">
+    <dgm:fillClrLst meth="repeat">
+      <a:schemeClr val="accent1"/>
+    </dgm:fillClrLst>
+    <dgm:linClrLst meth="repeat">
+      <a:schemeClr val="lt1"/>
+    </dgm:linClrLst>
+    <dgm:effectClrLst/>
+    <dgm:txLinClrLst/>
+    <dgm:txFillClrLst/>
+    <dgm:txEffectClrLst/>
+  </dgm:styleLbl>
+  <dgm:styleLbl name="node3">
+    <dgm:fillClrLst meth="repeat">
+      <a:schemeClr val="accent1"/>
+    </dgm:fillClrLst>
+    <dgm:linClrLst meth="repeat">
+      <a:schemeClr val="lt1"/>
+    </dgm:linClrLst>
+    <dgm:effectClrLst/>
+    <dgm:txLinClrLst/>
+    <dgm:txFillClrLst/>
+    <dgm:txEffectClrLst/>
+  </dgm:styleLbl>
+  <dgm:styleLbl name="node4">
+    <dgm:fillClrLst meth="repeat">
+      <a:schemeClr val="accent1"/>
+    </dgm:fillClrLst>
+    <dgm:linClrLst meth="repeat">
+      <a:schemeClr val="lt1"/>
+    </dgm:linClrLst>
+    <dgm:effectClrLst/>
+    <dgm:txLinClrLst/>
+    <dgm:txFillClrLst/>
+    <dgm:txEffectClrLst/>
+  </dgm:styleLbl>
+  <dgm:styleLbl name="fgImgPlace1">
+    <dgm:fillClrLst meth="repeat">
+      <a:schemeClr val="accent1">
+        <a:tint val="50000"/>
+      </a:schemeClr>
+    </dgm:fillClrLst>
+    <dgm:linClrLst meth="repeat">
+      <a:schemeClr val="lt1"/>
+    </dgm:linClrLst>
+    <dgm:effectClrLst/>
+    <dgm:txLinClrLst/>
+    <dgm:txFillClrLst meth="repeat">
+      <a:schemeClr val="lt1"/>
+    </dgm:txFillClrLst>
+    <dgm:txEffectClrLst/>
+  </dgm:styleLbl>
+  <dgm:styleLbl name="alignImgPlace1">
+    <dgm:fillClrLst meth="repeat">
+      <a:schemeClr val="accent1">
+        <a:tint val="50000"/>
+      </a:schemeClr>
+    </dgm:fillClrLst>
+    <dgm:linClrLst meth="repeat">
+      <a:schemeClr val="lt1"/>
+    </dgm:linClrLst>
+    <dgm:effectClrLst/>
+    <dgm:txLinClrLst/>
+    <dgm:txFillClrLst meth="repeat">
+      <a:schemeClr val="lt1"/>
+    </dgm:txFillClrLst>
+    <dgm:txEffectClrLst/>
+  </dgm:styleLbl>
+  <dgm:styleLbl name="bgImgPlace1">
+    <dgm:fillClrLst meth="repeat">
+      <a:schemeClr val="accent1">
+        <a:tint val="50000"/>
+      </a:schemeClr>
+    </dgm:fillClrLst>
+    <dgm:linClrLst meth="repeat">
+      <a:schemeClr val="lt1"/>
+    </dgm:linClrLst>
+    <dgm:effectClrLst/>
+    <dgm:txLinClrLst/>
+    <dgm:txFillClrLst meth="repeat">
+      <a:schemeClr val="lt1"/>
+    </dgm:txFillClrLst>
+    <dgm:txEffectClrLst/>
+  </dgm:styleLbl>
+  <dgm:styleLbl name="sibTrans2D1">
+    <dgm:fillClrLst meth="repeat">
+      <a:schemeClr val="accent1">
+        <a:tint val="60000"/>
+      </a:schemeClr>
+    </dgm:fillClrLst>
+    <dgm:linClrLst meth="repeat">
+      <a:schemeClr val="accent1">
+        <a:tint val="60000"/>
+      </a:schemeClr>
+    </dgm:linClrLst>
+    <dgm:effectClrLst/>
+    <dgm:txLinClrLst/>
+    <dgm:txFillClrLst/>
+    <dgm:txEffectClrLst/>
+  </dgm:styleLbl>
+  <dgm:styleLbl name="fgSibTrans2D1">
+    <dgm:fillClrLst meth="repeat">
+      <a:schemeClr val="accent1">
+        <a:tint val="60000"/>
+      </a:schemeClr>
+    </dgm:fillClrLst>
+    <dgm:linClrLst meth="repeat">
+      <a:schemeClr val="accent1">
+        <a:tint val="60000"/>
+      </a:schemeClr>
+    </dgm:linClrLst>
+    <dgm:effectClrLst/>
+    <dgm:txLinClrLst/>
+    <dgm:txFillClrLst/>
+    <dgm:txEffectClrLst/>
+  </dgm:styleLbl>
+  <dgm:styleLbl name="bgSibTrans2D1">
+    <dgm:fillClrLst meth="repeat">
+      <a:schemeClr val="accent1">
+        <a:tint val="60000"/>
+      </a:schemeClr>
+    </dgm:fillClrLst>
+    <dgm:linClrLst meth="repeat">
+      <a:schemeClr val="accent1">
+        <a:tint val="60000"/>
+      </a:schemeClr>
+    </dgm:linClrLst>
+    <dgm:effectClrLst/>
+    <dgm:txLinClrLst/>
+    <dgm:txFillClrLst/>
+    <dgm:txEffectClrLst/>
+  </dgm:styleLbl>
+  <dgm:styleLbl name="sibTrans1D1">
+    <dgm:fillClrLst meth="repeat">
+      <a:schemeClr val="accent1"/>
+    </dgm:fillClrLst>
+    <dgm:linClrLst meth="repeat">
+      <a:schemeClr val="accent1"/>
+    </dgm:linClrLst>
+    <dgm:effectClrLst/>
+    <dgm:txLinClrLst/>
+    <dgm:txFillClrLst meth="repeat">
+      <a:schemeClr val="tx1"/>
+    </dgm:txFillClrLst>
+    <dgm:txEffectClrLst/>
+  </dgm:styleLbl>
+  <dgm:styleLbl name="callout">
+    <dgm:fillClrLst meth="repeat">
+      <a:schemeClr val="accent1"/>
+    </dgm:fillClrLst>
+    <dgm:linClrLst meth="repeat">
+      <a:schemeClr val="accent1">
+        <a:tint val="50000"/>
+      </a:schemeClr>
+    </dgm:linClrLst>
+    <dgm:effectClrLst/>
+    <dgm:txLinClrLst/>
+    <dgm:txFillClrLst meth="repeat">
+      <a:schemeClr val="tx1"/>
+    </dgm:txFillClrLst>
+    <dgm:txEffectClrLst/>
+  </dgm:styleLbl>
+  <dgm:styleLbl name="asst0">
+    <dgm:fillClrLst meth="repeat">
+      <a:schemeClr val="accent1"/>
+    </dgm:fillClrLst>
+    <dgm:linClrLst meth="repeat">
+      <a:schemeClr val="lt1"/>
+    </dgm:linClrLst>
+    <dgm:effectClrLst/>
+    <dgm:txLinClrLst/>
+    <dgm:txFillClrLst/>
+    <dgm:txEffectClrLst/>
+  </dgm:styleLbl>
+  <dgm:styleLbl name="asst1">
+    <dgm:fillClrLst meth="repeat">
+      <a:schemeClr val="accent1"/>
+    </dgm:fillClrLst>
+    <dgm:linClrLst meth="repeat">
+      <a:schemeClr val="lt1"/>
+    </dgm:linClrLst>
+    <dgm:effectClrLst/>
+    <dgm:txLinClrLst/>
+    <dgm:txFillClrLst/>
+    <dgm:txEffectClrLst/>
+  </dgm:styleLbl>
+  <dgm:styleLbl name="asst2">
+    <dgm:fillClrLst meth="repeat">
+      <a:schemeClr val="accent1"/>
+    </dgm:fillClrLst>
+    <dgm:linClrLst meth="repeat">
+      <a:schemeClr val="lt1"/>
+    </dgm:linClrLst>
+    <dgm:effectClrLst/>
+    <dgm:txLinClrLst/>
+    <dgm:txFillClrLst/>
+    <dgm:txEffectClrLst/>
+  </dgm:styleLbl>
+  <dgm:styleLbl name="asst3">
+    <dgm:fillClrLst meth="repeat">
+      <a:schemeClr val="accent1"/>
+    </dgm:fillClrLst>
+    <dgm:linClrLst meth="repeat">
+      <a:schemeClr val="lt1"/>
+    </dgm:linClrLst>
+    <dgm:effectClrLst/>
+    <dgm:txLinClrLst/>
+    <dgm:txFillClrLst/>
+    <dgm:txEffectClrLst/>
+  </dgm:styleLbl>
+  <dgm:styleLbl name="asst4">
+    <dgm:fillClrLst meth="repeat">
+      <a:schemeClr val="accent1"/>
+    </dgm:fillClrLst>
+    <dgm:linClrLst meth="repeat">
+      <a:schemeClr val="lt1"/>
+    </dgm:linClrLst>
+    <dgm:effectClrLst/>
+    <dgm:txLinClrLst/>
+    <dgm:txFillClrLst/>
+    <dgm:txEffectClrLst/>
+  </dgm:styleLbl>
+  <dgm:styleLbl name="parChTrans2D1">
+    <dgm:fillClrLst meth="repeat">
+      <a:schemeClr val="accent1">
+        <a:tint val="60000"/>
+      </a:schemeClr>
+    </dgm:fillClrLst>
+    <dgm:linClrLst meth="repeat">
+      <a:schemeClr val="accent1">
+        <a:tint val="60000"/>
+      </a:schemeClr>
+    </dgm:linClrLst>
+    <dgm:effectClrLst/>
+    <dgm:txLinClrLst/>
+    <dgm:txFillClrLst meth="repeat">
+      <a:schemeClr val="lt1"/>
+    </dgm:txFillClrLst>
+    <dgm:txEffectClrLst/>
+  </dgm:styleLbl>
+  <dgm:styleLbl name="parChTrans2D2">
+    <dgm:fillClrLst meth="repeat">
+      <a:schemeClr val="accent1"/>
+    </dgm:fillClrLst>
+    <dgm:linClrLst meth="repeat">
+      <a:schemeClr val="accent1"/>
+    </dgm:linClrLst>
+    <dgm:effectClrLst/>
+    <dgm:txLinClrLst/>
+    <dgm:txFillClrLst meth="repeat">
+      <a:schemeClr val="lt1"/>
+    </dgm:txFillClrLst>
+    <dgm:txEffectClrLst/>
+  </dgm:styleLbl>
+  <dgm:styleLbl name="parChTrans2D3">
+    <dgm:fillClrLst meth="repeat">
+      <a:schemeClr val="accent1"/>
+    </dgm:fillClrLst>
+    <dgm:linClrLst meth="repeat">
+      <a:schemeClr val="accent1"/>
+    </dgm:linClrLst>
+    <dgm:effectClrLst/>
+    <dgm:txLinClrLst/>
+    <dgm:txFillClrLst meth="repeat">
+      <a:schemeClr val="lt1"/>
+    </dgm:txFillClrLst>
+    <dgm:txEffectClrLst/>
+  </dgm:styleLbl>
+  <dgm:styleLbl name="parChTrans2D4">
+    <dgm:fillClrLst meth="repeat">
+      <a:schemeClr val="accent1"/>
+    </dgm:fillClrLst>
+    <dgm:linClrLst meth="repeat">
+      <a:schemeClr val="accent1"/>
+    </dgm:linClrLst>
+    <dgm:effectClrLst/>
+    <dgm:txLinClrLst/>
+    <dgm:txFillClrLst meth="repeat">
+      <a:schemeClr val="lt1"/>
+    </dgm:txFillClrLst>
+    <dgm:txEffectClrLst/>
+  </dgm:styleLbl>
+  <dgm:styleLbl name="parChTrans1D1">
+    <dgm:fillClrLst meth="repeat">
+      <a:schemeClr val="accent1"/>
+    </dgm:fillClrLst>
+    <dgm:linClrLst meth="repeat">
+      <a:schemeClr val="accent1">
+        <a:shade val="60000"/>
+      </a:schemeClr>
+    </dgm:linClrLst>
+    <dgm:effectClrLst/>
+    <dgm:txLinClrLst/>
+    <dgm:txFillClrLst meth="repeat">
+      <a:schemeClr val="tx1"/>
+    </dgm:txFillClrLst>
+    <dgm:txEffectClrLst/>
+  </dgm:styleLbl>
+  <dgm:styleLbl name="parChTrans1D2">
+    <dgm:fillClrLst meth="repeat">
+      <a:schemeClr val="accent1"/>
+    </dgm:fillClrLst>
+    <dgm:linClrLst meth="repeat">
+      <a:schemeClr val="accent1">
+        <a:shade val="60000"/>
+      </a:schemeClr>
+    </dgm:linClrLst>
+    <dgm:effectClrLst/>
+    <dgm:txLinClrLst/>
+    <dgm:txFillClrLst meth="repeat">
+      <a:schemeClr val="tx1"/>
+    </dgm:txFillClrLst>
+    <dgm:txEffectClrLst/>
+  </dgm:styleLbl>
+  <dgm:styleLbl name="parChTrans1D3">
+    <dgm:fillClrLst meth="repeat">
+      <a:schemeClr val="accent1"/>
+    </dgm:fillClrLst>
+    <dgm:linClrLst meth="repeat">
+      <a:schemeClr val="accent1">
+        <a:shade val="80000"/>
+      </a:schemeClr>
+    </dgm:linClrLst>
+    <dgm:effectClrLst/>
+    <dgm:txLinClrLst/>
+    <dgm:txFillClrLst meth="repeat">
+      <a:schemeClr val="tx1"/>
+    </dgm:txFillClrLst>
+    <dgm:txEffectClrLst/>
+  </dgm:styleLbl>
+  <dgm:styleLbl name="parChTrans1D4">
+    <dgm:fillClrLst meth="repeat">
+      <a:schemeClr val="accent1"/>
+    </dgm:fillClrLst>
+    <dgm:linClrLst meth="repeat">
+      <a:schemeClr val="accent1">
+        <a:shade val="80000"/>
+      </a:schemeClr>
+    </dgm:linClrLst>
+    <dgm:effectClrLst/>
+    <dgm:txLinClrLst/>
+    <dgm:txFillClrLst meth="repeat">
+      <a:schemeClr val="tx1"/>
+    </dgm:txFillClrLst>
+    <dgm:txEffectClrLst/>
+  </dgm:styleLbl>
+  <dgm:styleLbl name="fgAcc1">
+    <dgm:fillClrLst meth="repeat">
+      <a:schemeClr val="lt1">
+        <a:alpha val="90000"/>
+      </a:schemeClr>
+    </dgm:fillClrLst>
+    <dgm:linClrLst meth="repeat">
+      <a:schemeClr val="accent1"/>
+    </dgm:linClrLst>
+    <dgm:effectClrLst/>
+    <dgm:txLinClrLst/>
+    <dgm:txFillClrLst meth="repeat">
+      <a:schemeClr val="dk1"/>
+    </dgm:txFillClrLst>
+    <dgm:txEffectClrLst/>
+  </dgm:styleLbl>
+  <dgm:styleLbl name="conFgAcc1">
+    <dgm:fillClrLst meth="repeat">
+      <a:schemeClr val="lt1">
+        <a:alpha val="90000"/>
+      </a:schemeClr>
+    </dgm:fillClrLst>
+    <dgm:linClrLst meth="repeat">
+      <a:schemeClr val="accent1"/>
+    </dgm:linClrLst>
+    <dgm:effectClrLst/>
+    <dgm:txLinClrLst/>
+    <dgm:txFillClrLst meth="repeat">
+      <a:schemeClr val="dk1"/>
+    </dgm:txFillClrLst>
+    <dgm:txEffectClrLst/>
+  </dgm:styleLbl>
+  <dgm:styleLbl name="alignAcc1">
+    <dgm:fillClrLst meth="repeat">
+      <a:schemeClr val="lt1">
+        <a:alpha val="90000"/>
+      </a:schemeClr>
+    </dgm:fillClrLst>
+    <dgm:linClrLst meth="repeat">
+      <a:schemeClr val="accent1"/>
+    </dgm:linClrLst>
+    <dgm:effectClrLst/>
+    <dgm:txLinClrLst/>
+    <dgm:txFillClrLst meth="repeat">
+      <a:schemeClr val="dk1"/>
+    </dgm:txFillClrLst>
+    <dgm:txEffectClrLst/>
+  </dgm:styleLbl>
+  <dgm:styleLbl name="trAlignAcc1">
+    <dgm:fillClrLst meth="repeat">
+      <a:schemeClr val="lt1">
+        <a:alpha val="40000"/>
+      </a:schemeClr>
+    </dgm:fillClrLst>
+    <dgm:linClrLst meth="repeat">
+      <a:schemeClr val="accent1"/>
+    </dgm:linClrLst>
+    <dgm:effectClrLst/>
+    <dgm:txLinClrLst/>
+    <dgm:txFillClrLst meth="repeat">
+      <a:schemeClr val="dk1"/>
+    </dgm:txFillClrLst>
+    <dgm:txEffectClrLst/>
+  </dgm:styleLbl>
+  <dgm:styleLbl name="bgAcc1">
+    <dgm:fillClrLst meth="repeat">
+      <a:schemeClr val="lt1">
+        <a:alpha val="90000"/>
+      </a:schemeClr>
+    </dgm:fillClrLst>
+    <dgm:linClrLst meth="repeat">
+      <a:schemeClr val="accent1"/>
+    </dgm:linClrLst>
+    <dgm:effectClrLst/>
+    <dgm:txLinClrLst/>
+    <dgm:txFillClrLst meth="repeat">
+      <a:schemeClr val="dk1"/>
+    </dgm:txFillClrLst>
+    <dgm:txEffectClrLst/>
+  </dgm:styleLbl>
+  <dgm:styleLbl name="solidFgAcc1">
+    <dgm:fillClrLst meth="repeat">
+      <a:schemeClr val="lt1"/>
+    </dgm:fillClrLst>
+    <dgm:linClrLst meth="repeat">
+      <a:schemeClr val="accent1"/>
+    </dgm:linClrLst>
+    <dgm:effectClrLst/>
+    <dgm:txLinClrLst/>
+    <dgm:txFillClrLst meth="repeat">
+      <a:schemeClr val="dk1"/>
+    </dgm:txFillClrLst>
+    <dgm:txEffectClrLst/>
+  </dgm:styleLbl>
+  <dgm:styleLbl name="solidAlignAcc1">
+    <dgm:fillClrLst meth="repeat">
+      <a:schemeClr val="lt1"/>
+    </dgm:fillClrLst>
+    <dgm:linClrLst meth="repeat">
+      <a:schemeClr val="accent1"/>
+    </dgm:linClrLst>
+    <dgm:effectClrLst/>
+    <dgm:txLinClrLst/>
+    <dgm:txFillClrLst meth="repeat">
+      <a:schemeClr val="dk1"/>
+    </dgm:txFillClrLst>
+    <dgm:txEffectClrLst/>
+  </dgm:styleLbl>
+  <dgm:styleLbl name="solidBgAcc1">
+    <dgm:fillClrLst meth="repeat">
+      <a:schemeClr val="lt1"/>
+    </dgm:fillClrLst>
+    <dgm:linClrLst meth="repeat">
+      <a:schemeClr val="accent1"/>
+    </dgm:linClrLst>
+    <dgm:effectClrLst/>
+    <dgm:txLinClrLst/>
+    <dgm:txFillClrLst meth="repeat">
+      <a:schemeClr val="dk1"/>
+    </dgm:txFillClrLst>
+    <dgm:txEffectClrLst/>
+  </dgm:styleLbl>
+  <dgm:styleLbl name="fgAccFollowNode1">
+    <dgm:fillClrLst meth="repeat">
+      <a:schemeClr val="accent1">
+        <a:alpha val="90000"/>
+        <a:tint val="40000"/>
+      </a:schemeClr>
+    </dgm:fillClrLst>
+    <dgm:linClrLst meth="repeat">
+      <a:schemeClr val="accent1">
+        <a:alpha val="90000"/>
+        <a:tint val="40000"/>
+      </a:schemeClr>
+    </dgm:linClrLst>
+    <dgm:effectClrLst/>
+    <dgm:txLinClrLst/>
+    <dgm:txFillClrLst meth="repeat">
+      <a:schemeClr val="dk1"/>
+    </dgm:txFillClrLst>
+    <dgm:txEffectClrLst/>
+  </dgm:styleLbl>
+  <dgm:styleLbl name="alignAccFollowNode1">
+    <dgm:fillClrLst meth="repeat">
+      <a:schemeClr val="accent1">
+        <a:alpha val="90000"/>
+        <a:tint val="40000"/>
+      </a:schemeClr>
+    </dgm:fillClrLst>
+    <dgm:linClrLst meth="repeat">
+      <a:schemeClr val="accent1">
+        <a:alpha val="90000"/>
+        <a:tint val="40000"/>
+      </a:schemeClr>
+    </dgm:linClrLst>
+    <dgm:effectClrLst/>
+    <dgm:txLinClrLst/>
+    <dgm:txFillClrLst meth="repeat">
+      <a:schemeClr val="dk1"/>
+    </dgm:txFillClrLst>
+    <dgm:txEffectClrLst/>
+  </dgm:styleLbl>
+  <dgm:styleLbl name="bgAccFollowNode1">
+    <dgm:fillClrLst meth="repeat">
+      <a:schemeClr val="bg1">
+        <a:lumMod val="95000"/>
+      </a:schemeClr>
+    </dgm:fillClrLst>
+    <dgm:linClrLst>
+      <a:schemeClr val="bg1">
+        <a:lumMod val="95000"/>
+      </a:schemeClr>
+    </dgm:linClrLst>
+    <dgm:effectClrLst/>
+    <dgm:txLinClrLst/>
+    <dgm:txFillClrLst meth="repeat">
+      <a:schemeClr val="tx1">
+        <a:lumMod val="75000"/>
+        <a:lumOff val="25000"/>
+      </a:schemeClr>
+    </dgm:txFillClrLst>
+    <dgm:txEffectClrLst/>
+  </dgm:styleLbl>
+  <dgm:styleLbl name="fgAcc0">
+    <dgm:fillClrLst meth="repeat">
+      <a:schemeClr val="lt1">
+        <a:alpha val="90000"/>
+      </a:schemeClr>
+    </dgm:fillClrLst>
+    <dgm:linClrLst meth="repeat">
+      <a:schemeClr val="accent1"/>
+    </dgm:linClrLst>
+    <dgm:effectClrLst/>
+    <dgm:txLinClrLst/>
+    <dgm:txFillClrLst meth="repeat">
+      <a:schemeClr val="dk1"/>
+    </dgm:txFillClrLst>
+    <dgm:txEffectClrLst/>
+  </dgm:styleLbl>
+  <dgm:styleLbl name="fgAcc2">
+    <dgm:fillClrLst meth="repeat">
+      <a:schemeClr val="lt1">
+        <a:alpha val="90000"/>
+      </a:schemeClr>
+    </dgm:fillClrLst>
+    <dgm:linClrLst meth="repeat">
+      <a:schemeClr val="accent1"/>
+    </dgm:linClrLst>
+    <dgm:effectClrLst/>
+    <dgm:txLinClrLst/>
+    <dgm:txFillClrLst meth="repeat">
+      <a:schemeClr val="dk1"/>
+    </dgm:txFillClrLst>
+    <dgm:txEffectClrLst/>
+  </dgm:styleLbl>
+  <dgm:styleLbl name="fgAcc3">
+    <dgm:fillClrLst meth="repeat">
+      <a:schemeClr val="lt1">
+        <a:alpha val="90000"/>
+      </a:schemeClr>
+    </dgm:fillClrLst>
+    <dgm:linClrLst meth="repeat">
+      <a:schemeClr val="accent1"/>
+    </dgm:linClrLst>
+    <dgm:effectClrLst/>
+    <dgm:txLinClrLst/>
+    <dgm:txFillClrLst meth="repeat">
+      <a:schemeClr val="dk1"/>
+    </dgm:txFillClrLst>
+    <dgm:txEffectClrLst/>
+  </dgm:styleLbl>
+  <dgm:styleLbl name="fgAcc4">
+    <dgm:fillClrLst meth="repeat">
+      <a:schemeClr val="lt1">
+        <a:alpha val="90000"/>
+      </a:schemeClr>
+    </dgm:fillClrLst>
+    <dgm:linClrLst meth="repeat">
+      <a:schemeClr val="accent1"/>
+    </dgm:linClrLst>
+    <dgm:effectClrLst/>
+    <dgm:txLinClrLst/>
+    <dgm:txFillClrLst meth="repeat">
+      <a:schemeClr val="dk1"/>
+    </dgm:txFillClrLst>
+    <dgm:txEffectClrLst/>
+  </dgm:styleLbl>
+  <dgm:styleLbl name="bgShp">
+    <dgm:fillClrLst meth="repeat">
+      <a:schemeClr val="accent1">
+        <a:tint val="40000"/>
+      </a:schemeClr>
+    </dgm:fillClrLst>
+    <dgm:linClrLst meth="repeat">
+      <a:schemeClr val="accent1"/>
+    </dgm:linClrLst>
+    <dgm:effectClrLst/>
+    <dgm:txLinClrLst/>
+    <dgm:txFillClrLst meth="repeat">
+      <a:schemeClr val="dk1"/>
+    </dgm:txFillClrLst>
+    <dgm:txEffectClrLst/>
+  </dgm:styleLbl>
+  <dgm:styleLbl name="dkBgShp">
+    <dgm:fillClrLst meth="repeat">
+      <a:schemeClr val="accent1">
+        <a:shade val="80000"/>
+      </a:schemeClr>
+    </dgm:fillClrLst>
+    <dgm:linClrLst meth="repeat">
+      <a:schemeClr val="accent1"/>
+    </dgm:linClrLst>
+    <dgm:effectClrLst/>
+    <dgm:txLinClrLst/>
+    <dgm:txFillClrLst meth="repeat">
+      <a:schemeClr val="lt1"/>
+    </dgm:txFillClrLst>
+    <dgm:txEffectClrLst/>
+  </dgm:styleLbl>
+  <dgm:styleLbl name="trBgShp">
+    <dgm:fillClrLst meth="repeat">
+      <a:schemeClr val="accent1">
+        <a:tint val="50000"/>
+        <a:alpha val="40000"/>
+      </a:schemeClr>
+    </dgm:fillClrLst>
+    <dgm:linClrLst meth="repeat">
+      <a:schemeClr val="accent1"/>
+    </dgm:linClrLst>
+    <dgm:effectClrLst/>
+    <dgm:txLinClrLst/>
+    <dgm:txFillClrLst meth="repeat">
+      <a:schemeClr val="lt1"/>
+    </dgm:txFillClrLst>
+    <dgm:txEffectClrLst/>
+  </dgm:styleLbl>
+  <dgm:styleLbl name="fgShp">
+    <dgm:fillClrLst meth="repeat">
+      <a:schemeClr val="accent1">
+        <a:tint val="60000"/>
+      </a:schemeClr>
+    </dgm:fillClrLst>
+    <dgm:linClrLst meth="repeat">
+      <a:schemeClr val="lt1"/>
+    </dgm:linClrLst>
+    <dgm:effectClrLst/>
+    <dgm:txLinClrLst/>
+    <dgm:txFillClrLst meth="repeat">
+      <a:schemeClr val="dk1"/>
+    </dgm:txFillClrLst>
+    <dgm:txEffectClrLst/>
+  </dgm:styleLbl>
+  <dgm:styleLbl name="revTx">
+    <dgm:fillClrLst meth="repeat">
+      <a:schemeClr val="lt1">
+        <a:alpha val="0"/>
+      </a:schemeClr>
+    </dgm:fillClrLst>
+    <dgm:linClrLst meth="repeat">
+      <a:schemeClr val="dk1">
+        <a:alpha val="0"/>
+      </a:schemeClr>
+    </dgm:linClrLst>
+    <dgm:effectClrLst/>
+    <dgm:txLinClrLst/>
+    <dgm:txFillClrLst meth="repeat">
+      <a:schemeClr val="tx1"/>
+    </dgm:txFillClrLst>
+    <dgm:txEffectClrLst/>
+  </dgm:styleLbl>
+</dgm:colorsDef>
+</file>
+
+<file path=ppt/diagrams/colors3.xml><?xml version="1.0" encoding="utf-8"?>
+<dgm:colorsDef xmlns:dgm="http://schemas.openxmlformats.org/drawingml/2006/diagram" xmlns:a="http://schemas.openxmlformats.org/drawingml/2006/main" uniqueId="urn:microsoft.com/office/officeart/2005/8/colors/ColorSchemeForSuggestions">
+  <dgm:title val="Color Scheme for Suggestions"/>
+  <dgm:desc val="Color Scheme for Suggestions"/>
+  <dgm:catLst>
+    <dgm:cat type="Other" pri="2"/>
+  </dgm:catLst>
+  <dgm:styleLbl name="node0">
+    <dgm:fillClrLst meth="repeat">
+      <a:schemeClr val="accent1"/>
+    </dgm:fillClrLst>
+    <dgm:linClrLst meth="repeat">
+      <a:schemeClr val="lt1"/>
+    </dgm:linClrLst>
+    <dgm:effectClrLst/>
+    <dgm:txLinClrLst/>
+    <dgm:txFillClrLst/>
+    <dgm:txEffectClrLst/>
+  </dgm:styleLbl>
+  <dgm:styleLbl name="alignNode1">
+    <dgm:fillClrLst meth="repeat">
+      <a:schemeClr val="accent1"/>
+    </dgm:fillClrLst>
+    <dgm:linClrLst meth="repeat">
+      <a:schemeClr val="accent1"/>
+    </dgm:linClrLst>
+    <dgm:effectClrLst/>
+    <dgm:txLinClrLst/>
+    <dgm:txFillClrLst/>
+    <dgm:txEffectClrLst/>
+  </dgm:styleLbl>
+  <dgm:styleLbl name="node1">
+    <dgm:fillClrLst meth="repeat">
+      <a:schemeClr val="accent1"/>
+    </dgm:fillClrLst>
+    <dgm:linClrLst meth="repeat">
+      <a:schemeClr val="lt1"/>
+    </dgm:linClrLst>
+    <dgm:effectClrLst/>
+    <dgm:txLinClrLst/>
+    <dgm:txFillClrLst/>
+    <dgm:txEffectClrLst/>
+  </dgm:styleLbl>
+  <dgm:styleLbl name="lnNode1">
+    <dgm:fillClrLst meth="repeat">
+      <a:schemeClr val="accent1"/>
+    </dgm:fillClrLst>
+    <dgm:linClrLst meth="repeat">
+      <a:schemeClr val="lt1"/>
+    </dgm:linClrLst>
+    <dgm:effectClrLst/>
+    <dgm:txLinClrLst/>
+    <dgm:txFillClrLst/>
+    <dgm:txEffectClrLst/>
+  </dgm:styleLbl>
+  <dgm:styleLbl name="vennNode1">
+    <dgm:fillClrLst meth="repeat">
+      <a:schemeClr val="accent1">
+        <a:alpha val="50000"/>
+      </a:schemeClr>
+    </dgm:fillClrLst>
+    <dgm:linClrLst meth="repeat">
+      <a:schemeClr val="lt1"/>
+    </dgm:linClrLst>
+    <dgm:effectClrLst/>
+    <dgm:txLinClrLst/>
+    <dgm:txFillClrLst/>
+    <dgm:txEffectClrLst/>
+  </dgm:styleLbl>
+  <dgm:styleLbl name="node2">
+    <dgm:fillClrLst meth="repeat">
+      <a:schemeClr val="accent1"/>
+    </dgm:fillClrLst>
+    <dgm:linClrLst meth="repeat">
+      <a:schemeClr val="lt1"/>
+    </dgm:linClrLst>
+    <dgm:effectClrLst/>
+    <dgm:txLinClrLst/>
+    <dgm:txFillClrLst/>
+    <dgm:txEffectClrLst/>
+  </dgm:styleLbl>
+  <dgm:styleLbl name="node3">
+    <dgm:fillClrLst meth="repeat">
+      <a:schemeClr val="accent1"/>
+    </dgm:fillClrLst>
+    <dgm:linClrLst meth="repeat">
+      <a:schemeClr val="lt1"/>
+    </dgm:linClrLst>
+    <dgm:effectClrLst/>
+    <dgm:txLinClrLst/>
+    <dgm:txFillClrLst/>
+    <dgm:txEffectClrLst/>
+  </dgm:styleLbl>
+  <dgm:styleLbl name="node4">
+    <dgm:fillClrLst meth="repeat">
+      <a:schemeClr val="accent1"/>
+    </dgm:fillClrLst>
+    <dgm:linClrLst meth="repeat">
+      <a:schemeClr val="lt1"/>
+    </dgm:linClrLst>
+    <dgm:effectClrLst/>
+    <dgm:txLinClrLst/>
+    <dgm:txFillClrLst/>
+    <dgm:txEffectClrLst/>
+  </dgm:styleLbl>
+  <dgm:styleLbl name="fgImgPlace1">
+    <dgm:fillClrLst meth="repeat">
+      <a:schemeClr val="accent1">
+        <a:tint val="50000"/>
+      </a:schemeClr>
+    </dgm:fillClrLst>
+    <dgm:linClrLst meth="repeat">
+      <a:schemeClr val="lt1"/>
+    </dgm:linClrLst>
+    <dgm:effectClrLst/>
+    <dgm:txLinClrLst/>
+    <dgm:txFillClrLst meth="repeat">
+      <a:schemeClr val="lt1"/>
+    </dgm:txFillClrLst>
+    <dgm:txEffectClrLst/>
+  </dgm:styleLbl>
+  <dgm:styleLbl name="alignImgPlace1">
+    <dgm:fillClrLst meth="repeat">
+      <a:schemeClr val="accent1">
+        <a:tint val="50000"/>
+      </a:schemeClr>
+    </dgm:fillClrLst>
+    <dgm:linClrLst meth="repeat">
+      <a:schemeClr val="lt1"/>
+    </dgm:linClrLst>
+    <dgm:effectClrLst/>
+    <dgm:txLinClrLst/>
+    <dgm:txFillClrLst meth="repeat">
+      <a:schemeClr val="lt1"/>
+    </dgm:txFillClrLst>
+    <dgm:txEffectClrLst/>
+  </dgm:styleLbl>
+  <dgm:styleLbl name="bgImgPlace1">
+    <dgm:fillClrLst meth="repeat">
+      <a:schemeClr val="accent1">
+        <a:tint val="50000"/>
+      </a:schemeClr>
+    </dgm:fillClrLst>
+    <dgm:linClrLst meth="repeat">
+      <a:schemeClr val="lt1"/>
+    </dgm:linClrLst>
+    <dgm:effectClrLst/>
+    <dgm:txLinClrLst/>
+    <dgm:txFillClrLst meth="repeat">
+      <a:schemeClr val="lt1"/>
+    </dgm:txFillClrLst>
+    <dgm:txEffectClrLst/>
+  </dgm:styleLbl>
+  <dgm:styleLbl name="sibTrans2D1">
+    <dgm:fillClrLst meth="repeat">
+      <a:schemeClr val="accent1">
+        <a:tint val="60000"/>
+      </a:schemeClr>
+    </dgm:fillClrLst>
+    <dgm:linClrLst meth="repeat">
+      <a:schemeClr val="accent1">
+        <a:tint val="60000"/>
+      </a:schemeClr>
+    </dgm:linClrLst>
+    <dgm:effectClrLst/>
+    <dgm:txLinClrLst/>
+    <dgm:txFillClrLst/>
+    <dgm:txEffectClrLst/>
+  </dgm:styleLbl>
+  <dgm:styleLbl name="fgSibTrans2D1">
+    <dgm:fillClrLst meth="repeat">
+      <a:schemeClr val="accent1">
+        <a:tint val="60000"/>
+      </a:schemeClr>
+    </dgm:fillClrLst>
+    <dgm:linClrLst meth="repeat">
+      <a:schemeClr val="accent1">
+        <a:tint val="60000"/>
+      </a:schemeClr>
+    </dgm:linClrLst>
+    <dgm:effectClrLst/>
+    <dgm:txLinClrLst/>
+    <dgm:txFillClrLst/>
+    <dgm:txEffectClrLst/>
+  </dgm:styleLbl>
+  <dgm:styleLbl name="bgSibTrans2D1">
+    <dgm:fillClrLst meth="repeat">
+      <a:schemeClr val="accent1">
+        <a:tint val="60000"/>
+      </a:schemeClr>
+    </dgm:fillClrLst>
+    <dgm:linClrLst meth="repeat">
+      <a:schemeClr val="accent1">
+        <a:tint val="60000"/>
+      </a:schemeClr>
+    </dgm:linClrLst>
+    <dgm:effectClrLst/>
+    <dgm:txLinClrLst/>
+    <dgm:txFillClrLst/>
+    <dgm:txEffectClrLst/>
+  </dgm:styleLbl>
+  <dgm:styleLbl name="sibTrans1D1">
+    <dgm:fillClrLst meth="repeat">
+      <a:schemeClr val="accent1"/>
+    </dgm:fillClrLst>
+    <dgm:linClrLst meth="repeat">
+      <a:schemeClr val="accent1"/>
+    </dgm:linClrLst>
+    <dgm:effectClrLst/>
+    <dgm:txLinClrLst/>
+    <dgm:txFillClrLst meth="repeat">
+      <a:schemeClr val="tx1"/>
+    </dgm:txFillClrLst>
+    <dgm:txEffectClrLst/>
+  </dgm:styleLbl>
+  <dgm:styleLbl name="callout">
+    <dgm:fillClrLst meth="repeat">
+      <a:schemeClr val="accent1"/>
+    </dgm:fillClrLst>
+    <dgm:linClrLst meth="repeat">
+      <a:schemeClr val="accent1">
+        <a:tint val="50000"/>
+      </a:schemeClr>
+    </dgm:linClrLst>
+    <dgm:effectClrLst/>
+    <dgm:txLinClrLst/>
+    <dgm:txFillClrLst meth="repeat">
+      <a:schemeClr val="tx1"/>
+    </dgm:txFillClrLst>
+    <dgm:txEffectClrLst/>
+  </dgm:styleLbl>
+  <dgm:styleLbl name="asst0">
+    <dgm:fillClrLst meth="repeat">
+      <a:schemeClr val="accent1"/>
+    </dgm:fillClrLst>
+    <dgm:linClrLst meth="repeat">
+      <a:schemeClr val="lt1"/>
+    </dgm:linClrLst>
+    <dgm:effectClrLst/>
+    <dgm:txLinClrLst/>
+    <dgm:txFillClrLst/>
+    <dgm:txEffectClrLst/>
+  </dgm:styleLbl>
+  <dgm:styleLbl name="asst1">
+    <dgm:fillClrLst meth="repeat">
+      <a:schemeClr val="accent1"/>
+    </dgm:fillClrLst>
+    <dgm:linClrLst meth="repeat">
+      <a:schemeClr val="lt1"/>
+    </dgm:linClrLst>
+    <dgm:effectClrLst/>
+    <dgm:txLinClrLst/>
+    <dgm:txFillClrLst/>
+    <dgm:txEffectClrLst/>
+  </dgm:styleLbl>
+  <dgm:styleLbl name="asst2">
+    <dgm:fillClrLst meth="repeat">
+      <a:schemeClr val="accent1"/>
+    </dgm:fillClrLst>
+    <dgm:linClrLst meth="repeat">
+      <a:schemeClr val="lt1"/>
+    </dgm:linClrLst>
+    <dgm:effectClrLst/>
+    <dgm:txLinClrLst/>
+    <dgm:txFillClrLst/>
+    <dgm:txEffectClrLst/>
+  </dgm:styleLbl>
+  <dgm:styleLbl name="asst3">
+    <dgm:fillClrLst meth="repeat">
+      <a:schemeClr val="accent1"/>
+    </dgm:fillClrLst>
+    <dgm:linClrLst meth="repeat">
+      <a:schemeClr val="lt1"/>
+    </dgm:linClrLst>
+    <dgm:effectClrLst/>
+    <dgm:txLinClrLst/>
+    <dgm:txFillClrLst/>
+    <dgm:txEffectClrLst/>
+  </dgm:styleLbl>
+  <dgm:styleLbl name="asst4">
+    <dgm:fillClrLst meth="repeat">
+      <a:schemeClr val="accent1"/>
+    </dgm:fillClrLst>
+    <dgm:linClrLst meth="repeat">
+      <a:schemeClr val="lt1"/>
+    </dgm:linClrLst>
+    <dgm:effectClrLst/>
+    <dgm:txLinClrLst/>
+    <dgm:txFillClrLst/>
+    <dgm:txEffectClrLst/>
+  </dgm:styleLbl>
+  <dgm:styleLbl name="parChTrans2D1">
+    <dgm:fillClrLst meth="repeat">
+      <a:schemeClr val="accent1">
+        <a:tint val="60000"/>
+      </a:schemeClr>
+    </dgm:fillClrLst>
+    <dgm:linClrLst meth="repeat">
+      <a:schemeClr val="accent1">
+        <a:tint val="60000"/>
+      </a:schemeClr>
+    </dgm:linClrLst>
+    <dgm:effectClrLst/>
+    <dgm:txLinClrLst/>
+    <dgm:txFillClrLst meth="repeat">
+      <a:schemeClr val="lt1"/>
+    </dgm:txFillClrLst>
+    <dgm:txEffectClrLst/>
+  </dgm:styleLbl>
+  <dgm:styleLbl name="parChTrans2D2">
+    <dgm:fillClrLst meth="repeat">
+      <a:schemeClr val="accent1"/>
+    </dgm:fillClrLst>
+    <dgm:linClrLst meth="repeat">
+      <a:schemeClr val="accent1"/>
+    </dgm:linClrLst>
+    <dgm:effectClrLst/>
+    <dgm:txLinClrLst/>
+    <dgm:txFillClrLst meth="repeat">
+      <a:schemeClr val="lt1"/>
+    </dgm:txFillClrLst>
+    <dgm:txEffectClrLst/>
+  </dgm:styleLbl>
+  <dgm:styleLbl name="parChTrans2D3">
+    <dgm:fillClrLst meth="repeat">
+      <a:schemeClr val="accent1"/>
+    </dgm:fillClrLst>
+    <dgm:linClrLst meth="repeat">
+      <a:schemeClr val="accent1"/>
+    </dgm:linClrLst>
+    <dgm:effectClrLst/>
+    <dgm:txLinClrLst/>
+    <dgm:txFillClrLst meth="repeat">
+      <a:schemeClr val="lt1"/>
+    </dgm:txFillClrLst>
+    <dgm:txEffectClrLst/>
+  </dgm:styleLbl>
+  <dgm:styleLbl name="parChTrans2D4">
+    <dgm:fillClrLst meth="repeat">
+      <a:schemeClr val="accent1"/>
+    </dgm:fillClrLst>
+    <dgm:linClrLst meth="repeat">
+      <a:schemeClr val="accent1"/>
+    </dgm:linClrLst>
+    <dgm:effectClrLst/>
+    <dgm:txLinClrLst/>
+    <dgm:txFillClrLst meth="repeat">
+      <a:schemeClr val="lt1"/>
+    </dgm:txFillClrLst>
+    <dgm:txEffectClrLst/>
+  </dgm:styleLbl>
+  <dgm:styleLbl name="parChTrans1D1">
+    <dgm:fillClrLst meth="repeat">
+      <a:schemeClr val="accent1"/>
+    </dgm:fillClrLst>
+    <dgm:linClrLst meth="repeat">
+      <a:schemeClr val="accent1">
+        <a:shade val="60000"/>
+      </a:schemeClr>
+    </dgm:linClrLst>
+    <dgm:effectClrLst/>
+    <dgm:txLinClrLst/>
+    <dgm:txFillClrLst meth="repeat">
+      <a:schemeClr val="tx1"/>
+    </dgm:txFillClrLst>
+    <dgm:txEffectClrLst/>
+  </dgm:styleLbl>
+  <dgm:styleLbl name="parChTrans1D2">
+    <dgm:fillClrLst meth="repeat">
+      <a:schemeClr val="accent1"/>
+    </dgm:fillClrLst>
+    <dgm:linClrLst meth="repeat">
+      <a:schemeClr val="accent1">
+        <a:shade val="60000"/>
+      </a:schemeClr>
+    </dgm:linClrLst>
+    <dgm:effectClrLst/>
+    <dgm:txLinClrLst/>
+    <dgm:txFillClrLst meth="repeat">
+      <a:schemeClr val="tx1"/>
+    </dgm:txFillClrLst>
+    <dgm:txEffectClrLst/>
+  </dgm:styleLbl>
+  <dgm:styleLbl name="parChTrans1D3">
+    <dgm:fillClrLst meth="repeat">
+      <a:schemeClr val="accent1"/>
+    </dgm:fillClrLst>
+    <dgm:linClrLst meth="repeat">
+      <a:schemeClr val="accent1">
+        <a:shade val="80000"/>
+      </a:schemeClr>
+    </dgm:linClrLst>
+    <dgm:effectClrLst/>
+    <dgm:txLinClrLst/>
+    <dgm:txFillClrLst meth="repeat">
+      <a:schemeClr val="tx1"/>
+    </dgm:txFillClrLst>
+    <dgm:txEffectClrLst/>
+  </dgm:styleLbl>
+  <dgm:styleLbl name="parChTrans1D4">
+    <dgm:fillClrLst meth="repeat">
+      <a:schemeClr val="accent1"/>
+    </dgm:fillClrLst>
+    <dgm:linClrLst meth="repeat">
+      <a:schemeClr val="accent1">
+        <a:shade val="80000"/>
+      </a:schemeClr>
+    </dgm:linClrLst>
+    <dgm:effectClrLst/>
+    <dgm:txLinClrLst/>
+    <dgm:txFillClrLst meth="repeat">
+      <a:schemeClr val="tx1"/>
+    </dgm:txFillClrLst>
+    <dgm:txEffectClrLst/>
+  </dgm:styleLbl>
+  <dgm:styleLbl name="fgAcc1">
+    <dgm:fillClrLst meth="repeat">
+      <a:schemeClr val="lt1">
+        <a:alpha val="90000"/>
+      </a:schemeClr>
+    </dgm:fillClrLst>
+    <dgm:linClrLst meth="repeat">
+      <a:schemeClr val="accent1"/>
+    </dgm:linClrLst>
+    <dgm:effectClrLst/>
+    <dgm:txLinClrLst/>
+    <dgm:txFillClrLst meth="repeat">
+      <a:schemeClr val="dk1"/>
+    </dgm:txFillClrLst>
+    <dgm:txEffectClrLst/>
+  </dgm:styleLbl>
+  <dgm:styleLbl name="conFgAcc1">
+    <dgm:fillClrLst meth="repeat">
+      <a:schemeClr val="lt1">
+        <a:alpha val="90000"/>
+      </a:schemeClr>
+    </dgm:fillClrLst>
+    <dgm:linClrLst meth="repeat">
+      <a:schemeClr val="accent1"/>
+    </dgm:linClrLst>
+    <dgm:effectClrLst/>
+    <dgm:txLinClrLst/>
+    <dgm:txFillClrLst meth="repeat">
+      <a:schemeClr val="dk1"/>
+    </dgm:txFillClrLst>
+    <dgm:txEffectClrLst/>
+  </dgm:styleLbl>
+  <dgm:styleLbl name="alignAcc1">
+    <dgm:fillClrLst meth="repeat">
+      <a:schemeClr val="lt1">
+        <a:alpha val="90000"/>
+      </a:schemeClr>
+    </dgm:fillClrLst>
+    <dgm:linClrLst meth="repeat">
+      <a:schemeClr val="accent1"/>
+    </dgm:linClrLst>
+    <dgm:effectClrLst/>
+    <dgm:txLinClrLst/>
+    <dgm:txFillClrLst meth="repeat">
+      <a:schemeClr val="dk1"/>
+    </dgm:txFillClrLst>
+    <dgm:txEffectClrLst/>
+  </dgm:styleLbl>
+  <dgm:styleLbl name="trAlignAcc1">
+    <dgm:fillClrLst meth="repeat">
+      <a:schemeClr val="lt1">
+        <a:alpha val="40000"/>
+      </a:schemeClr>
+    </dgm:fillClrLst>
+    <dgm:linClrLst meth="repeat">
+      <a:schemeClr val="accent1"/>
+    </dgm:linClrLst>
+    <dgm:effectClrLst/>
+    <dgm:txLinClrLst/>
+    <dgm:txFillClrLst meth="repeat">
+      <a:schemeClr val="dk1"/>
+    </dgm:txFillClrLst>
+    <dgm:txEffectClrLst/>
+  </dgm:styleLbl>
+  <dgm:styleLbl name="bgAcc1">
+    <dgm:fillClrLst meth="repeat">
+      <a:schemeClr val="lt1">
+        <a:alpha val="90000"/>
+      </a:schemeClr>
+    </dgm:fillClrLst>
+    <dgm:linClrLst meth="repeat">
+      <a:schemeClr val="accent1"/>
+    </dgm:linClrLst>
+    <dgm:effectClrLst/>
+    <dgm:txLinClrLst/>
+    <dgm:txFillClrLst meth="repeat">
+      <a:schemeClr val="dk1"/>
+    </dgm:txFillClrLst>
+    <dgm:txEffectClrLst/>
+  </dgm:styleLbl>
+  <dgm:styleLbl name="solidFgAcc1">
+    <dgm:fillClrLst meth="repeat">
+      <a:schemeClr val="lt1"/>
+    </dgm:fillClrLst>
+    <dgm:linClrLst meth="repeat">
+      <a:schemeClr val="accent1"/>
+    </dgm:linClrLst>
+    <dgm:effectClrLst/>
+    <dgm:txLinClrLst/>
+    <dgm:txFillClrLst meth="repeat">
+      <a:schemeClr val="dk1"/>
+    </dgm:txFillClrLst>
+    <dgm:txEffectClrLst/>
+  </dgm:styleLbl>
+  <dgm:styleLbl name="solidAlignAcc1">
+    <dgm:fillClrLst meth="repeat">
+      <a:schemeClr val="lt1"/>
+    </dgm:fillClrLst>
+    <dgm:linClrLst meth="repeat">
+      <a:schemeClr val="accent1"/>
+    </dgm:linClrLst>
+    <dgm:effectClrLst/>
+    <dgm:txLinClrLst/>
+    <dgm:txFillClrLst meth="repeat">
+      <a:schemeClr val="dk1"/>
+    </dgm:txFillClrLst>
+    <dgm:txEffectClrLst/>
+  </dgm:styleLbl>
+  <dgm:styleLbl name="solidBgAcc1">
+    <dgm:fillClrLst meth="repeat">
+      <a:schemeClr val="lt1"/>
+    </dgm:fillClrLst>
+    <dgm:linClrLst meth="repeat">
+      <a:schemeClr val="accent1"/>
+    </dgm:linClrLst>
+    <dgm:effectClrLst/>
+    <dgm:txLinClrLst/>
+    <dgm:txFillClrLst meth="repeat">
+      <a:schemeClr val="dk1"/>
+    </dgm:txFillClrLst>
+    <dgm:txEffectClrLst/>
+  </dgm:styleLbl>
+  <dgm:styleLbl name="fgAccFollowNode1">
+    <dgm:fillClrLst meth="repeat">
+      <a:schemeClr val="accent1">
+        <a:alpha val="90000"/>
+        <a:tint val="40000"/>
+      </a:schemeClr>
+    </dgm:fillClrLst>
+    <dgm:linClrLst meth="repeat">
+      <a:schemeClr val="accent1">
+        <a:alpha val="90000"/>
+        <a:tint val="40000"/>
+      </a:schemeClr>
+    </dgm:linClrLst>
+    <dgm:effectClrLst/>
+    <dgm:txLinClrLst/>
+    <dgm:txFillClrLst meth="repeat">
+      <a:schemeClr val="dk1"/>
+    </dgm:txFillClrLst>
+    <dgm:txEffectClrLst/>
+  </dgm:styleLbl>
+  <dgm:styleLbl name="alignAccFollowNode1">
+    <dgm:fillClrLst meth="repeat">
+      <a:schemeClr val="accent1">
+        <a:alpha val="90000"/>
+        <a:tint val="40000"/>
+      </a:schemeClr>
+    </dgm:fillClrLst>
+    <dgm:linClrLst meth="repeat">
+      <a:schemeClr val="accent1">
+        <a:alpha val="90000"/>
+        <a:tint val="40000"/>
+      </a:schemeClr>
+    </dgm:linClrLst>
+    <dgm:effectClrLst/>
+    <dgm:txLinClrLst/>
+    <dgm:txFillClrLst meth="repeat">
+      <a:schemeClr val="dk1"/>
+    </dgm:txFillClrLst>
+    <dgm:txEffectClrLst/>
+  </dgm:styleLbl>
+  <dgm:styleLbl name="bgAccFollowNode1">
+    <dgm:fillClrLst meth="repeat">
+      <a:schemeClr val="bg1">
+        <a:lumMod val="95000"/>
+      </a:schemeClr>
+    </dgm:fillClrLst>
+    <dgm:linClrLst>
+      <a:schemeClr val="bg1">
+        <a:lumMod val="95000"/>
+      </a:schemeClr>
+    </dgm:linClrLst>
+    <dgm:effectClrLst/>
+    <dgm:txLinClrLst/>
+    <dgm:txFillClrLst meth="repeat">
+      <a:schemeClr val="tx1">
+        <a:lumMod val="75000"/>
+        <a:lumOff val="25000"/>
+      </a:schemeClr>
+    </dgm:txFillClrLst>
+    <dgm:txEffectClrLst/>
+  </dgm:styleLbl>
+  <dgm:styleLbl name="fgAcc0">
+    <dgm:fillClrLst meth="repeat">
+      <a:schemeClr val="lt1">
+        <a:alpha val="90000"/>
+      </a:schemeClr>
+    </dgm:fillClrLst>
+    <dgm:linClrLst meth="repeat">
+      <a:schemeClr val="accent1"/>
+    </dgm:linClrLst>
+    <dgm:effectClrLst/>
+    <dgm:txLinClrLst/>
+    <dgm:txFillClrLst meth="repeat">
+      <a:schemeClr val="dk1"/>
+    </dgm:txFillClrLst>
+    <dgm:txEffectClrLst/>
+  </dgm:styleLbl>
+  <dgm:styleLbl name="fgAcc2">
+    <dgm:fillClrLst meth="repeat">
+      <a:schemeClr val="lt1">
+        <a:alpha val="90000"/>
+      </a:schemeClr>
+    </dgm:fillClrLst>
+    <dgm:linClrLst meth="repeat">
+      <a:schemeClr val="accent1"/>
+    </dgm:linClrLst>
+    <dgm:effectClrLst/>
+    <dgm:txLinClrLst/>
+    <dgm:txFillClrLst meth="repeat">
+      <a:schemeClr val="dk1"/>
+    </dgm:txFillClrLst>
+    <dgm:txEffectClrLst/>
+  </dgm:styleLbl>
+  <dgm:styleLbl name="fgAcc3">
+    <dgm:fillClrLst meth="repeat">
+      <a:schemeClr val="lt1">
+        <a:alpha val="90000"/>
+      </a:schemeClr>
+    </dgm:fillClrLst>
+    <dgm:linClrLst meth="repeat">
+      <a:schemeClr val="accent1"/>
+    </dgm:linClrLst>
+    <dgm:effectClrLst/>
+    <dgm:txLinClrLst/>
+    <dgm:txFillClrLst meth="repeat">
+      <a:schemeClr val="dk1"/>
+    </dgm:txFillClrLst>
+    <dgm:txEffectClrLst/>
+  </dgm:styleLbl>
+  <dgm:styleLbl name="fgAcc4">
+    <dgm:fillClrLst meth="repeat">
+      <a:schemeClr val="lt1">
+        <a:alpha val="90000"/>
+      </a:schemeClr>
+    </dgm:fillClrLst>
+    <dgm:linClrLst meth="repeat">
+      <a:schemeClr val="accent1"/>
+    </dgm:linClrLst>
+    <dgm:effectClrLst/>
+    <dgm:txLinClrLst/>
+    <dgm:txFillClrLst meth="repeat">
+      <a:schemeClr val="dk1"/>
+    </dgm:txFillClrLst>
+    <dgm:txEffectClrLst/>
+  </dgm:styleLbl>
+  <dgm:styleLbl name="bgShp">
+    <dgm:fillClrLst meth="repeat">
+      <a:schemeClr val="accent1">
+        <a:tint val="40000"/>
+      </a:schemeClr>
+    </dgm:fillClrLst>
+    <dgm:linClrLst meth="repeat">
+      <a:schemeClr val="accent1"/>
+    </dgm:linClrLst>
+    <dgm:effectClrLst/>
+    <dgm:txLinClrLst/>
+    <dgm:txFillClrLst meth="repeat">
+      <a:schemeClr val="dk1"/>
+    </dgm:txFillClrLst>
+    <dgm:txEffectClrLst/>
+  </dgm:styleLbl>
+  <dgm:styleLbl name="dkBgShp">
+    <dgm:fillClrLst meth="repeat">
+      <a:schemeClr val="accent1">
+        <a:shade val="80000"/>
+      </a:schemeClr>
+    </dgm:fillClrLst>
+    <dgm:linClrLst meth="repeat">
+      <a:schemeClr val="accent1"/>
+    </dgm:linClrLst>
+    <dgm:effectClrLst/>
+    <dgm:txLinClrLst/>
+    <dgm:txFillClrLst meth="repeat">
+      <a:schemeClr val="lt1"/>
+    </dgm:txFillClrLst>
+    <dgm:txEffectClrLst/>
+  </dgm:styleLbl>
+  <dgm:styleLbl name="trBgShp">
+    <dgm:fillClrLst meth="repeat">
+      <a:schemeClr val="accent1">
+        <a:tint val="50000"/>
+        <a:alpha val="40000"/>
+      </a:schemeClr>
+    </dgm:fillClrLst>
+    <dgm:linClrLst meth="repeat">
+      <a:schemeClr val="accent1"/>
+    </dgm:linClrLst>
+    <dgm:effectClrLst/>
+    <dgm:txLinClrLst/>
+    <dgm:txFillClrLst meth="repeat">
+      <a:schemeClr val="lt1"/>
+    </dgm:txFillClrLst>
+    <dgm:txEffectClrLst/>
+  </dgm:styleLbl>
+  <dgm:styleLbl name="fgShp">
+    <dgm:fillClrLst meth="repeat">
+      <a:schemeClr val="accent1">
+        <a:tint val="60000"/>
+      </a:schemeClr>
+    </dgm:fillClrLst>
+    <dgm:linClrLst meth="repeat">
+      <a:schemeClr val="lt1"/>
+    </dgm:linClrLst>
+    <dgm:effectClrLst/>
+    <dgm:txLinClrLst/>
+    <dgm:txFillClrLst meth="repeat">
+      <a:schemeClr val="dk1"/>
+    </dgm:txFillClrLst>
+    <dgm:txEffectClrLst/>
+  </dgm:styleLbl>
+  <dgm:styleLbl name="revTx">
+    <dgm:fillClrLst meth="repeat">
+      <a:schemeClr val="lt1">
+        <a:alpha val="0"/>
+      </a:schemeClr>
+    </dgm:fillClrLst>
+    <dgm:linClrLst meth="repeat">
+      <a:schemeClr val="dk1">
+        <a:alpha val="0"/>
+      </a:schemeClr>
+    </dgm:linClrLst>
+    <dgm:effectClrLst/>
+    <dgm:txLinClrLst/>
+    <dgm:txFillClrLst meth="repeat">
+      <a:schemeClr val="tx1"/>
+    </dgm:txFillClrLst>
+    <dgm:txEffectClrLst/>
+  </dgm:styleLbl>
+</dgm:colorsDef>
+</file>
+
+<file path=ppt/diagrams/colors4.xml><?xml version="1.0" encoding="utf-8"?>
 <dgm:colorsDef xmlns:dgm="http://schemas.openxmlformats.org/drawingml/2006/diagram" xmlns:a="http://schemas.openxmlformats.org/drawingml/2006/main" uniqueId="urn:microsoft.com/office/officeart/2005/8/colors/ColorSchemeForSuggestions">
   <dgm:title val="Color Scheme for Suggestions"/>
   <dgm:desc val="Color Scheme for Suggestions"/>
@@ -2055,6 +3552,900 @@
 </file>
 
 <file path=ppt/diagrams/data2.xml><?xml version="1.0" encoding="utf-8"?>
+<dgm:dataModel xmlns:dgm="http://schemas.openxmlformats.org/drawingml/2006/diagram" xmlns:a="http://schemas.openxmlformats.org/drawingml/2006/main">
+  <dgm:ptLst>
+    <dgm:pt modelId="{8C8C5CB6-8D97-4B7A-99DB-2CE5859E52FC}" type="doc">
+      <dgm:prSet loTypeId="urn:microsoft.com/office/officeart/2016/7/layout/BasicLinearProcessNumbered" loCatId="process" qsTypeId="urn:microsoft.com/office/officeart/2005/8/quickstyle/simple1" qsCatId="simple" csTypeId="urn:microsoft.com/office/officeart/2005/8/colors/ColorSchemeForSuggestions" csCatId="other" phldr="1"/>
+      <dgm:spPr/>
+      <dgm:t>
+        <a:bodyPr/>
+        <a:lstStyle/>
+        <a:p>
+          <a:endParaRPr lang="en-US"/>
+        </a:p>
+      </dgm:t>
+    </dgm:pt>
+    <dgm:pt modelId="{F3C78B03-AC34-4B6E-9893-80ABC5B4D408}">
+      <dgm:prSet custT="1"/>
+      <dgm:spPr/>
+      <dgm:t>
+        <a:bodyPr/>
+        <a:lstStyle/>
+        <a:p>
+          <a:pPr algn="ctr"/>
+          <a:r>
+            <a:rPr lang="en-US" sz="2000" dirty="0"/>
+            <a:t>Login</a:t>
+          </a:r>
+        </a:p>
+        <a:p>
+          <a:pPr algn="ctr"/>
+          <a:r>
+            <a:rPr lang="en-US" sz="1600" dirty="0"/>
+            <a:t>Facebook for Trust</a:t>
+          </a:r>
+        </a:p>
+      </dgm:t>
+    </dgm:pt>
+    <dgm:pt modelId="{2283EF88-DB16-4BDA-A23C-E8B77474016D}" type="parTrans" cxnId="{04E86221-C6C1-41B0-B971-715364DC5496}">
+      <dgm:prSet/>
+      <dgm:spPr/>
+      <dgm:t>
+        <a:bodyPr/>
+        <a:lstStyle/>
+        <a:p>
+          <a:endParaRPr lang="en-US"/>
+        </a:p>
+      </dgm:t>
+    </dgm:pt>
+    <dgm:pt modelId="{7719C351-1624-4952-B836-669A2236CE7A}" type="sibTrans" cxnId="{04E86221-C6C1-41B0-B971-715364DC5496}">
+      <dgm:prSet phldrT="1" phldr="0"/>
+      <dgm:spPr>
+        <a:solidFill>
+          <a:srgbClr val="43B02A"/>
+        </a:solidFill>
+      </dgm:spPr>
+      <dgm:t>
+        <a:bodyPr/>
+        <a:lstStyle/>
+        <a:p>
+          <a:r>
+            <a:rPr lang="en-US" dirty="0"/>
+            <a:t>1</a:t>
+          </a:r>
+        </a:p>
+      </dgm:t>
+    </dgm:pt>
+    <dgm:pt modelId="{747CEA16-7606-4CD5-8B24-F474A4E3739B}">
+      <dgm:prSet custT="1"/>
+      <dgm:spPr/>
+      <dgm:t>
+        <a:bodyPr/>
+        <a:lstStyle/>
+        <a:p>
+          <a:pPr algn="ctr"/>
+          <a:r>
+            <a:rPr lang="en-US" sz="2000" dirty="0"/>
+            <a:t>UI</a:t>
+          </a:r>
+        </a:p>
+        <a:p>
+          <a:pPr algn="ctr"/>
+          <a:r>
+            <a:rPr lang="en-US" sz="1600" dirty="0"/>
+            <a:t>Fun and intuitive</a:t>
+          </a:r>
+        </a:p>
+      </dgm:t>
+    </dgm:pt>
+    <dgm:pt modelId="{A715A50B-8AC1-47B8-8D82-AACF5F26B82E}" type="parTrans" cxnId="{67C824D3-D0AB-4842-B4BA-B906B3481EF9}">
+      <dgm:prSet/>
+      <dgm:spPr/>
+      <dgm:t>
+        <a:bodyPr/>
+        <a:lstStyle/>
+        <a:p>
+          <a:endParaRPr lang="en-US"/>
+        </a:p>
+      </dgm:t>
+    </dgm:pt>
+    <dgm:pt modelId="{51988A88-3DCB-4B61-9998-FAAA88AC3653}" type="sibTrans" cxnId="{67C824D3-D0AB-4842-B4BA-B906B3481EF9}">
+      <dgm:prSet phldrT="2" phldr="0"/>
+      <dgm:spPr>
+        <a:solidFill>
+          <a:srgbClr val="43B02A"/>
+        </a:solidFill>
+      </dgm:spPr>
+      <dgm:t>
+        <a:bodyPr/>
+        <a:lstStyle/>
+        <a:p>
+          <a:r>
+            <a:rPr lang="en-US" dirty="0"/>
+            <a:t>2</a:t>
+          </a:r>
+        </a:p>
+      </dgm:t>
+    </dgm:pt>
+    <dgm:pt modelId="{98530C36-F109-4607-BFDE-BC391E73C4BC}">
+      <dgm:prSet custT="1"/>
+      <dgm:spPr/>
+      <dgm:t>
+        <a:bodyPr/>
+        <a:lstStyle/>
+        <a:p>
+          <a:pPr algn="ctr"/>
+          <a:r>
+            <a:rPr lang="en-US" sz="2000" dirty="0"/>
+            <a:t>Flow</a:t>
+          </a:r>
+        </a:p>
+        <a:p>
+          <a:pPr algn="ctr"/>
+          <a:r>
+            <a:rPr lang="en-US" sz="1600" dirty="0"/>
+            <a:t>Minimum clicks from launch to publish</a:t>
+          </a:r>
+        </a:p>
+      </dgm:t>
+    </dgm:pt>
+    <dgm:pt modelId="{5F59E2C3-9ABA-45D6-B273-0DF6B9BBFAD0}" type="parTrans" cxnId="{A7C1085A-CDED-4D32-AF16-A1C908924C22}">
+      <dgm:prSet/>
+      <dgm:spPr/>
+      <dgm:t>
+        <a:bodyPr/>
+        <a:lstStyle/>
+        <a:p>
+          <a:endParaRPr lang="en-US"/>
+        </a:p>
+      </dgm:t>
+    </dgm:pt>
+    <dgm:pt modelId="{9C3C60AF-6A38-4D80-8A0D-4279AD83CE63}" type="sibTrans" cxnId="{A7C1085A-CDED-4D32-AF16-A1C908924C22}">
+      <dgm:prSet phldrT="3" phldr="0"/>
+      <dgm:spPr>
+        <a:solidFill>
+          <a:srgbClr val="43B02A"/>
+        </a:solidFill>
+      </dgm:spPr>
+      <dgm:t>
+        <a:bodyPr/>
+        <a:lstStyle/>
+        <a:p>
+          <a:r>
+            <a:rPr lang="en-US" dirty="0"/>
+            <a:t>3</a:t>
+          </a:r>
+        </a:p>
+      </dgm:t>
+    </dgm:pt>
+    <dgm:pt modelId="{874AABA0-E5A4-4AB0-B6CA-03C561803974}">
+      <dgm:prSet custT="1"/>
+      <dgm:spPr/>
+      <dgm:t>
+        <a:bodyPr/>
+        <a:lstStyle/>
+        <a:p>
+          <a:pPr algn="ctr"/>
+          <a:r>
+            <a:rPr lang="en-US" sz="2000" dirty="0"/>
+            <a:t>Discovery</a:t>
+          </a:r>
+        </a:p>
+        <a:p>
+          <a:pPr algn="ctr"/>
+          <a:r>
+            <a:rPr lang="en-US" sz="1600" dirty="0"/>
+            <a:t>Intelligent messaging</a:t>
+          </a:r>
+        </a:p>
+      </dgm:t>
+    </dgm:pt>
+    <dgm:pt modelId="{8A063C10-EB1C-4F73-A357-B7F6848AF871}" type="parTrans" cxnId="{E51DA8E2-7E29-4650-BD4B-BA45A96D6F10}">
+      <dgm:prSet/>
+      <dgm:spPr/>
+      <dgm:t>
+        <a:bodyPr/>
+        <a:lstStyle/>
+        <a:p>
+          <a:endParaRPr lang="en-US"/>
+        </a:p>
+      </dgm:t>
+    </dgm:pt>
+    <dgm:pt modelId="{19E745A0-E5B9-4A0B-BB88-6D7DCF47622D}" type="sibTrans" cxnId="{E51DA8E2-7E29-4650-BD4B-BA45A96D6F10}">
+      <dgm:prSet phldrT="4" phldr="0"/>
+      <dgm:spPr>
+        <a:solidFill>
+          <a:srgbClr val="43B02A"/>
+        </a:solidFill>
+      </dgm:spPr>
+      <dgm:t>
+        <a:bodyPr/>
+        <a:lstStyle/>
+        <a:p>
+          <a:r>
+            <a:rPr lang="en-US"/>
+            <a:t>4</a:t>
+          </a:r>
+        </a:p>
+      </dgm:t>
+    </dgm:pt>
+    <dgm:pt modelId="{0C9C758F-9459-448C-8390-8921205C193F}" type="pres">
+      <dgm:prSet presAssocID="{8C8C5CB6-8D97-4B7A-99DB-2CE5859E52FC}" presName="Name0" presStyleCnt="0">
+        <dgm:presLayoutVars>
+          <dgm:animLvl val="lvl"/>
+          <dgm:resizeHandles val="exact"/>
+        </dgm:presLayoutVars>
+      </dgm:prSet>
+      <dgm:spPr/>
+    </dgm:pt>
+    <dgm:pt modelId="{871246F3-01F0-4D41-944C-BC39DDC003C6}" type="pres">
+      <dgm:prSet presAssocID="{F3C78B03-AC34-4B6E-9893-80ABC5B4D408}" presName="compositeNode" presStyleCnt="0">
+        <dgm:presLayoutVars>
+          <dgm:bulletEnabled val="1"/>
+        </dgm:presLayoutVars>
+      </dgm:prSet>
+      <dgm:spPr/>
+    </dgm:pt>
+    <dgm:pt modelId="{C10D3F62-C659-484C-A945-0401FE9F6EC5}" type="pres">
+      <dgm:prSet presAssocID="{F3C78B03-AC34-4B6E-9893-80ABC5B4D408}" presName="bgRect" presStyleLbl="bgAccFollowNode1" presStyleIdx="0" presStyleCnt="4"/>
+      <dgm:spPr/>
+    </dgm:pt>
+    <dgm:pt modelId="{ACAA34E6-767F-4D68-B93B-8FDE92B40A4E}" type="pres">
+      <dgm:prSet presAssocID="{7719C351-1624-4952-B836-669A2236CE7A}" presName="sibTransNodeCircle" presStyleLbl="alignNode1" presStyleIdx="0" presStyleCnt="8">
+        <dgm:presLayoutVars>
+          <dgm:chMax val="0"/>
+          <dgm:bulletEnabled/>
+        </dgm:presLayoutVars>
+      </dgm:prSet>
+      <dgm:spPr/>
+    </dgm:pt>
+    <dgm:pt modelId="{7400FDBD-D909-4EEF-8BE8-F79E84E0AF16}" type="pres">
+      <dgm:prSet presAssocID="{F3C78B03-AC34-4B6E-9893-80ABC5B4D408}" presName="bottomLine" presStyleLbl="alignNode1" presStyleIdx="1" presStyleCnt="8">
+        <dgm:presLayoutVars/>
+      </dgm:prSet>
+      <dgm:spPr/>
+    </dgm:pt>
+    <dgm:pt modelId="{C5ED34C5-90E3-43EA-914E-0CE8BF6B2AB4}" type="pres">
+      <dgm:prSet presAssocID="{F3C78B03-AC34-4B6E-9893-80ABC5B4D408}" presName="nodeText" presStyleLbl="bgAccFollowNode1" presStyleIdx="0" presStyleCnt="4">
+        <dgm:presLayoutVars>
+          <dgm:bulletEnabled val="1"/>
+        </dgm:presLayoutVars>
+      </dgm:prSet>
+      <dgm:spPr/>
+    </dgm:pt>
+    <dgm:pt modelId="{5898B472-CA81-4DC0-85D7-1205775260F7}" type="pres">
+      <dgm:prSet presAssocID="{7719C351-1624-4952-B836-669A2236CE7A}" presName="sibTrans" presStyleCnt="0"/>
+      <dgm:spPr/>
+    </dgm:pt>
+    <dgm:pt modelId="{69DE20A1-85A1-48DC-A029-306C9DA58D11}" type="pres">
+      <dgm:prSet presAssocID="{747CEA16-7606-4CD5-8B24-F474A4E3739B}" presName="compositeNode" presStyleCnt="0">
+        <dgm:presLayoutVars>
+          <dgm:bulletEnabled val="1"/>
+        </dgm:presLayoutVars>
+      </dgm:prSet>
+      <dgm:spPr/>
+    </dgm:pt>
+    <dgm:pt modelId="{BDDD252A-8513-4EDC-B14E-9597C7BD7549}" type="pres">
+      <dgm:prSet presAssocID="{747CEA16-7606-4CD5-8B24-F474A4E3739B}" presName="bgRect" presStyleLbl="bgAccFollowNode1" presStyleIdx="1" presStyleCnt="4"/>
+      <dgm:spPr/>
+    </dgm:pt>
+    <dgm:pt modelId="{DE5A761A-F766-4E26-927C-190D6F821595}" type="pres">
+      <dgm:prSet presAssocID="{51988A88-3DCB-4B61-9998-FAAA88AC3653}" presName="sibTransNodeCircle" presStyleLbl="alignNode1" presStyleIdx="2" presStyleCnt="8">
+        <dgm:presLayoutVars>
+          <dgm:chMax val="0"/>
+          <dgm:bulletEnabled/>
+        </dgm:presLayoutVars>
+      </dgm:prSet>
+      <dgm:spPr/>
+    </dgm:pt>
+    <dgm:pt modelId="{E03BC08E-6F70-4B97-A67C-A723048DDFDA}" type="pres">
+      <dgm:prSet presAssocID="{747CEA16-7606-4CD5-8B24-F474A4E3739B}" presName="bottomLine" presStyleLbl="alignNode1" presStyleIdx="3" presStyleCnt="8">
+        <dgm:presLayoutVars/>
+      </dgm:prSet>
+      <dgm:spPr/>
+    </dgm:pt>
+    <dgm:pt modelId="{143D6255-AAB4-4045-8F0B-E8BC70E58020}" type="pres">
+      <dgm:prSet presAssocID="{747CEA16-7606-4CD5-8B24-F474A4E3739B}" presName="nodeText" presStyleLbl="bgAccFollowNode1" presStyleIdx="1" presStyleCnt="4">
+        <dgm:presLayoutVars>
+          <dgm:bulletEnabled val="1"/>
+        </dgm:presLayoutVars>
+      </dgm:prSet>
+      <dgm:spPr/>
+    </dgm:pt>
+    <dgm:pt modelId="{D838365F-D758-4AC0-8868-4A9A8259DCD8}" type="pres">
+      <dgm:prSet presAssocID="{51988A88-3DCB-4B61-9998-FAAA88AC3653}" presName="sibTrans" presStyleCnt="0"/>
+      <dgm:spPr/>
+    </dgm:pt>
+    <dgm:pt modelId="{A859A5ED-96DB-4767-9556-5300945B427F}" type="pres">
+      <dgm:prSet presAssocID="{98530C36-F109-4607-BFDE-BC391E73C4BC}" presName="compositeNode" presStyleCnt="0">
+        <dgm:presLayoutVars>
+          <dgm:bulletEnabled val="1"/>
+        </dgm:presLayoutVars>
+      </dgm:prSet>
+      <dgm:spPr/>
+    </dgm:pt>
+    <dgm:pt modelId="{545AB69D-C7F1-425F-BDAA-870E1BD9236D}" type="pres">
+      <dgm:prSet presAssocID="{98530C36-F109-4607-BFDE-BC391E73C4BC}" presName="bgRect" presStyleLbl="bgAccFollowNode1" presStyleIdx="2" presStyleCnt="4"/>
+      <dgm:spPr/>
+    </dgm:pt>
+    <dgm:pt modelId="{270DAA37-033C-4FBF-B3C5-F3259E1520CB}" type="pres">
+      <dgm:prSet presAssocID="{9C3C60AF-6A38-4D80-8A0D-4279AD83CE63}" presName="sibTransNodeCircle" presStyleLbl="alignNode1" presStyleIdx="4" presStyleCnt="8">
+        <dgm:presLayoutVars>
+          <dgm:chMax val="0"/>
+          <dgm:bulletEnabled/>
+        </dgm:presLayoutVars>
+      </dgm:prSet>
+      <dgm:spPr/>
+    </dgm:pt>
+    <dgm:pt modelId="{E95DFE27-C7D9-4A44-BB57-62A16A41A767}" type="pres">
+      <dgm:prSet presAssocID="{98530C36-F109-4607-BFDE-BC391E73C4BC}" presName="bottomLine" presStyleLbl="alignNode1" presStyleIdx="5" presStyleCnt="8">
+        <dgm:presLayoutVars/>
+      </dgm:prSet>
+      <dgm:spPr/>
+    </dgm:pt>
+    <dgm:pt modelId="{7182F2E8-0FE4-40E2-90AF-E52FC6ACB532}" type="pres">
+      <dgm:prSet presAssocID="{98530C36-F109-4607-BFDE-BC391E73C4BC}" presName="nodeText" presStyleLbl="bgAccFollowNode1" presStyleIdx="2" presStyleCnt="4">
+        <dgm:presLayoutVars>
+          <dgm:bulletEnabled val="1"/>
+        </dgm:presLayoutVars>
+      </dgm:prSet>
+      <dgm:spPr/>
+    </dgm:pt>
+    <dgm:pt modelId="{8E0B8FDC-5743-4065-9274-857808D840DB}" type="pres">
+      <dgm:prSet presAssocID="{9C3C60AF-6A38-4D80-8A0D-4279AD83CE63}" presName="sibTrans" presStyleCnt="0"/>
+      <dgm:spPr/>
+    </dgm:pt>
+    <dgm:pt modelId="{B5FD2AC5-F02B-4AD5-9DE5-59E7093B607F}" type="pres">
+      <dgm:prSet presAssocID="{874AABA0-E5A4-4AB0-B6CA-03C561803974}" presName="compositeNode" presStyleCnt="0">
+        <dgm:presLayoutVars>
+          <dgm:bulletEnabled val="1"/>
+        </dgm:presLayoutVars>
+      </dgm:prSet>
+      <dgm:spPr/>
+    </dgm:pt>
+    <dgm:pt modelId="{9351060C-ACBE-49AC-A648-BD79B54DE694}" type="pres">
+      <dgm:prSet presAssocID="{874AABA0-E5A4-4AB0-B6CA-03C561803974}" presName="bgRect" presStyleLbl="bgAccFollowNode1" presStyleIdx="3" presStyleCnt="4"/>
+      <dgm:spPr/>
+    </dgm:pt>
+    <dgm:pt modelId="{0976773B-12B7-4330-9710-1EA00090547F}" type="pres">
+      <dgm:prSet presAssocID="{19E745A0-E5B9-4A0B-BB88-6D7DCF47622D}" presName="sibTransNodeCircle" presStyleLbl="alignNode1" presStyleIdx="6" presStyleCnt="8">
+        <dgm:presLayoutVars>
+          <dgm:chMax val="0"/>
+          <dgm:bulletEnabled/>
+        </dgm:presLayoutVars>
+      </dgm:prSet>
+      <dgm:spPr/>
+    </dgm:pt>
+    <dgm:pt modelId="{865066A0-097F-4E6D-9502-9C489920F2EC}" type="pres">
+      <dgm:prSet presAssocID="{874AABA0-E5A4-4AB0-B6CA-03C561803974}" presName="bottomLine" presStyleLbl="alignNode1" presStyleIdx="7" presStyleCnt="8">
+        <dgm:presLayoutVars/>
+      </dgm:prSet>
+      <dgm:spPr/>
+    </dgm:pt>
+    <dgm:pt modelId="{0E48C784-2E8C-4E2A-AF68-35FCF40F2DC7}" type="pres">
+      <dgm:prSet presAssocID="{874AABA0-E5A4-4AB0-B6CA-03C561803974}" presName="nodeText" presStyleLbl="bgAccFollowNode1" presStyleIdx="3" presStyleCnt="4">
+        <dgm:presLayoutVars>
+          <dgm:bulletEnabled val="1"/>
+        </dgm:presLayoutVars>
+      </dgm:prSet>
+      <dgm:spPr/>
+    </dgm:pt>
+  </dgm:ptLst>
+  <dgm:cxnLst>
+    <dgm:cxn modelId="{C0664D4E-760C-4EAD-977C-C4A9C5B56A2C}" type="presOf" srcId="{7719C351-1624-4952-B836-669A2236CE7A}" destId="{ACAA34E6-767F-4D68-B93B-8FDE92B40A4E}" srcOrd="0" destOrd="0" presId="urn:microsoft.com/office/officeart/2016/7/layout/BasicLinearProcessNumbered"/>
+    <dgm:cxn modelId="{04E86221-C6C1-41B0-B971-715364DC5496}" srcId="{8C8C5CB6-8D97-4B7A-99DB-2CE5859E52FC}" destId="{F3C78B03-AC34-4B6E-9893-80ABC5B4D408}" srcOrd="0" destOrd="0" parTransId="{2283EF88-DB16-4BDA-A23C-E8B77474016D}" sibTransId="{7719C351-1624-4952-B836-669A2236CE7A}"/>
+    <dgm:cxn modelId="{9BD8BCEE-E46D-4144-8DFC-9FEAAD793CEE}" type="presOf" srcId="{747CEA16-7606-4CD5-8B24-F474A4E3739B}" destId="{143D6255-AAB4-4045-8F0B-E8BC70E58020}" srcOrd="1" destOrd="0" presId="urn:microsoft.com/office/officeart/2016/7/layout/BasicLinearProcessNumbered"/>
+    <dgm:cxn modelId="{8436B07A-3354-49CA-AAE9-3FEE3C819527}" type="presOf" srcId="{19E745A0-E5B9-4A0B-BB88-6D7DCF47622D}" destId="{0976773B-12B7-4330-9710-1EA00090547F}" srcOrd="0" destOrd="0" presId="urn:microsoft.com/office/officeart/2016/7/layout/BasicLinearProcessNumbered"/>
+    <dgm:cxn modelId="{9B8208B8-FB20-4644-9D21-7FB83E59A9C6}" type="presOf" srcId="{98530C36-F109-4607-BFDE-BC391E73C4BC}" destId="{545AB69D-C7F1-425F-BDAA-870E1BD9236D}" srcOrd="0" destOrd="0" presId="urn:microsoft.com/office/officeart/2016/7/layout/BasicLinearProcessNumbered"/>
+    <dgm:cxn modelId="{7AFEC5E9-1F9D-42CA-AD50-926B66F69366}" type="presOf" srcId="{8C8C5CB6-8D97-4B7A-99DB-2CE5859E52FC}" destId="{0C9C758F-9459-448C-8390-8921205C193F}" srcOrd="0" destOrd="0" presId="urn:microsoft.com/office/officeart/2016/7/layout/BasicLinearProcessNumbered"/>
+    <dgm:cxn modelId="{F7016E09-DE31-47DA-99CA-4DB0F80757BA}" type="presOf" srcId="{874AABA0-E5A4-4AB0-B6CA-03C561803974}" destId="{9351060C-ACBE-49AC-A648-BD79B54DE694}" srcOrd="0" destOrd="0" presId="urn:microsoft.com/office/officeart/2016/7/layout/BasicLinearProcessNumbered"/>
+    <dgm:cxn modelId="{A8E11577-776D-47E2-8828-2E7AC760842F}" type="presOf" srcId="{747CEA16-7606-4CD5-8B24-F474A4E3739B}" destId="{BDDD252A-8513-4EDC-B14E-9597C7BD7549}" srcOrd="0" destOrd="0" presId="urn:microsoft.com/office/officeart/2016/7/layout/BasicLinearProcessNumbered"/>
+    <dgm:cxn modelId="{E51DA8E2-7E29-4650-BD4B-BA45A96D6F10}" srcId="{8C8C5CB6-8D97-4B7A-99DB-2CE5859E52FC}" destId="{874AABA0-E5A4-4AB0-B6CA-03C561803974}" srcOrd="3" destOrd="0" parTransId="{8A063C10-EB1C-4F73-A357-B7F6848AF871}" sibTransId="{19E745A0-E5B9-4A0B-BB88-6D7DCF47622D}"/>
+    <dgm:cxn modelId="{BEBA1F02-3FE4-4126-9EBB-F8A846A31D06}" type="presOf" srcId="{51988A88-3DCB-4B61-9998-FAAA88AC3653}" destId="{DE5A761A-F766-4E26-927C-190D6F821595}" srcOrd="0" destOrd="0" presId="urn:microsoft.com/office/officeart/2016/7/layout/BasicLinearProcessNumbered"/>
+    <dgm:cxn modelId="{A7C1085A-CDED-4D32-AF16-A1C908924C22}" srcId="{8C8C5CB6-8D97-4B7A-99DB-2CE5859E52FC}" destId="{98530C36-F109-4607-BFDE-BC391E73C4BC}" srcOrd="2" destOrd="0" parTransId="{5F59E2C3-9ABA-45D6-B273-0DF6B9BBFAD0}" sibTransId="{9C3C60AF-6A38-4D80-8A0D-4279AD83CE63}"/>
+    <dgm:cxn modelId="{89EF3C1F-C3F3-44C5-8221-CD69533D7436}" type="presOf" srcId="{9C3C60AF-6A38-4D80-8A0D-4279AD83CE63}" destId="{270DAA37-033C-4FBF-B3C5-F3259E1520CB}" srcOrd="0" destOrd="0" presId="urn:microsoft.com/office/officeart/2016/7/layout/BasicLinearProcessNumbered"/>
+    <dgm:cxn modelId="{67C824D3-D0AB-4842-B4BA-B906B3481EF9}" srcId="{8C8C5CB6-8D97-4B7A-99DB-2CE5859E52FC}" destId="{747CEA16-7606-4CD5-8B24-F474A4E3739B}" srcOrd="1" destOrd="0" parTransId="{A715A50B-8AC1-47B8-8D82-AACF5F26B82E}" sibTransId="{51988A88-3DCB-4B61-9998-FAAA88AC3653}"/>
+    <dgm:cxn modelId="{12F980FE-8A74-4594-8827-EBC3D3092688}" type="presOf" srcId="{F3C78B03-AC34-4B6E-9893-80ABC5B4D408}" destId="{C5ED34C5-90E3-43EA-914E-0CE8BF6B2AB4}" srcOrd="1" destOrd="0" presId="urn:microsoft.com/office/officeart/2016/7/layout/BasicLinearProcessNumbered"/>
+    <dgm:cxn modelId="{657CF033-0F23-49D3-9672-1CC3095C3DBE}" type="presOf" srcId="{874AABA0-E5A4-4AB0-B6CA-03C561803974}" destId="{0E48C784-2E8C-4E2A-AF68-35FCF40F2DC7}" srcOrd="1" destOrd="0" presId="urn:microsoft.com/office/officeart/2016/7/layout/BasicLinearProcessNumbered"/>
+    <dgm:cxn modelId="{98EE4C95-41AE-44F6-8936-BF193358840F}" type="presOf" srcId="{98530C36-F109-4607-BFDE-BC391E73C4BC}" destId="{7182F2E8-0FE4-40E2-90AF-E52FC6ACB532}" srcOrd="1" destOrd="0" presId="urn:microsoft.com/office/officeart/2016/7/layout/BasicLinearProcessNumbered"/>
+    <dgm:cxn modelId="{8974113F-514B-44EF-AD65-130C72F94C76}" type="presOf" srcId="{F3C78B03-AC34-4B6E-9893-80ABC5B4D408}" destId="{C10D3F62-C659-484C-A945-0401FE9F6EC5}" srcOrd="0" destOrd="0" presId="urn:microsoft.com/office/officeart/2016/7/layout/BasicLinearProcessNumbered"/>
+    <dgm:cxn modelId="{232A514F-0D0A-477E-B361-BBE8EE53AC47}" type="presParOf" srcId="{0C9C758F-9459-448C-8390-8921205C193F}" destId="{871246F3-01F0-4D41-944C-BC39DDC003C6}" srcOrd="0" destOrd="0" presId="urn:microsoft.com/office/officeart/2016/7/layout/BasicLinearProcessNumbered"/>
+    <dgm:cxn modelId="{AD724027-0985-4135-8D25-EC1D6D2B07A6}" type="presParOf" srcId="{871246F3-01F0-4D41-944C-BC39DDC003C6}" destId="{C10D3F62-C659-484C-A945-0401FE9F6EC5}" srcOrd="0" destOrd="0" presId="urn:microsoft.com/office/officeart/2016/7/layout/BasicLinearProcessNumbered"/>
+    <dgm:cxn modelId="{2B813E3D-1282-4521-828E-83308EFF7F59}" type="presParOf" srcId="{871246F3-01F0-4D41-944C-BC39DDC003C6}" destId="{ACAA34E6-767F-4D68-B93B-8FDE92B40A4E}" srcOrd="1" destOrd="0" presId="urn:microsoft.com/office/officeart/2016/7/layout/BasicLinearProcessNumbered"/>
+    <dgm:cxn modelId="{AB243C08-B50E-4DD9-BE36-BA162F84A0E4}" type="presParOf" srcId="{871246F3-01F0-4D41-944C-BC39DDC003C6}" destId="{7400FDBD-D909-4EEF-8BE8-F79E84E0AF16}" srcOrd="2" destOrd="0" presId="urn:microsoft.com/office/officeart/2016/7/layout/BasicLinearProcessNumbered"/>
+    <dgm:cxn modelId="{5966C346-F0F1-48E3-BC29-619E34938E13}" type="presParOf" srcId="{871246F3-01F0-4D41-944C-BC39DDC003C6}" destId="{C5ED34C5-90E3-43EA-914E-0CE8BF6B2AB4}" srcOrd="3" destOrd="0" presId="urn:microsoft.com/office/officeart/2016/7/layout/BasicLinearProcessNumbered"/>
+    <dgm:cxn modelId="{AA624DB2-855F-45CA-BB02-F9F64C44FE80}" type="presParOf" srcId="{0C9C758F-9459-448C-8390-8921205C193F}" destId="{5898B472-CA81-4DC0-85D7-1205775260F7}" srcOrd="1" destOrd="0" presId="urn:microsoft.com/office/officeart/2016/7/layout/BasicLinearProcessNumbered"/>
+    <dgm:cxn modelId="{ED1E2D42-7934-4C65-BA0B-3833054D4079}" type="presParOf" srcId="{0C9C758F-9459-448C-8390-8921205C193F}" destId="{69DE20A1-85A1-48DC-A029-306C9DA58D11}" srcOrd="2" destOrd="0" presId="urn:microsoft.com/office/officeart/2016/7/layout/BasicLinearProcessNumbered"/>
+    <dgm:cxn modelId="{C11BE99A-D259-4CBE-AE67-8F5BD9F02426}" type="presParOf" srcId="{69DE20A1-85A1-48DC-A029-306C9DA58D11}" destId="{BDDD252A-8513-4EDC-B14E-9597C7BD7549}" srcOrd="0" destOrd="0" presId="urn:microsoft.com/office/officeart/2016/7/layout/BasicLinearProcessNumbered"/>
+    <dgm:cxn modelId="{1CD0CD5F-E7B5-44DE-A4ED-6A9E91C497B0}" type="presParOf" srcId="{69DE20A1-85A1-48DC-A029-306C9DA58D11}" destId="{DE5A761A-F766-4E26-927C-190D6F821595}" srcOrd="1" destOrd="0" presId="urn:microsoft.com/office/officeart/2016/7/layout/BasicLinearProcessNumbered"/>
+    <dgm:cxn modelId="{9BFB245C-A8FE-40CA-A39A-5C2B7AB1D4FF}" type="presParOf" srcId="{69DE20A1-85A1-48DC-A029-306C9DA58D11}" destId="{E03BC08E-6F70-4B97-A67C-A723048DDFDA}" srcOrd="2" destOrd="0" presId="urn:microsoft.com/office/officeart/2016/7/layout/BasicLinearProcessNumbered"/>
+    <dgm:cxn modelId="{92FF8DFB-76D7-48B8-88A2-3B937C7E9FEF}" type="presParOf" srcId="{69DE20A1-85A1-48DC-A029-306C9DA58D11}" destId="{143D6255-AAB4-4045-8F0B-E8BC70E58020}" srcOrd="3" destOrd="0" presId="urn:microsoft.com/office/officeart/2016/7/layout/BasicLinearProcessNumbered"/>
+    <dgm:cxn modelId="{744BABE3-658D-4C8C-A0D6-97F5D3DFD9E3}" type="presParOf" srcId="{0C9C758F-9459-448C-8390-8921205C193F}" destId="{D838365F-D758-4AC0-8868-4A9A8259DCD8}" srcOrd="3" destOrd="0" presId="urn:microsoft.com/office/officeart/2016/7/layout/BasicLinearProcessNumbered"/>
+    <dgm:cxn modelId="{C8A344B9-A21A-4607-810C-EBFC4533ACA7}" type="presParOf" srcId="{0C9C758F-9459-448C-8390-8921205C193F}" destId="{A859A5ED-96DB-4767-9556-5300945B427F}" srcOrd="4" destOrd="0" presId="urn:microsoft.com/office/officeart/2016/7/layout/BasicLinearProcessNumbered"/>
+    <dgm:cxn modelId="{34481E39-6D3C-4AA7-878C-5B56CF21AA96}" type="presParOf" srcId="{A859A5ED-96DB-4767-9556-5300945B427F}" destId="{545AB69D-C7F1-425F-BDAA-870E1BD9236D}" srcOrd="0" destOrd="0" presId="urn:microsoft.com/office/officeart/2016/7/layout/BasicLinearProcessNumbered"/>
+    <dgm:cxn modelId="{CF81F6B3-CF37-42A0-9FC4-66C76BCF33B7}" type="presParOf" srcId="{A859A5ED-96DB-4767-9556-5300945B427F}" destId="{270DAA37-033C-4FBF-B3C5-F3259E1520CB}" srcOrd="1" destOrd="0" presId="urn:microsoft.com/office/officeart/2016/7/layout/BasicLinearProcessNumbered"/>
+    <dgm:cxn modelId="{C0586304-CE1B-4081-96B1-3679865FFA95}" type="presParOf" srcId="{A859A5ED-96DB-4767-9556-5300945B427F}" destId="{E95DFE27-C7D9-4A44-BB57-62A16A41A767}" srcOrd="2" destOrd="0" presId="urn:microsoft.com/office/officeart/2016/7/layout/BasicLinearProcessNumbered"/>
+    <dgm:cxn modelId="{934898EC-DF2E-4C15-9AAA-DED902678095}" type="presParOf" srcId="{A859A5ED-96DB-4767-9556-5300945B427F}" destId="{7182F2E8-0FE4-40E2-90AF-E52FC6ACB532}" srcOrd="3" destOrd="0" presId="urn:microsoft.com/office/officeart/2016/7/layout/BasicLinearProcessNumbered"/>
+    <dgm:cxn modelId="{C0C7EAE4-E546-4F9D-9350-419DF4457F6A}" type="presParOf" srcId="{0C9C758F-9459-448C-8390-8921205C193F}" destId="{8E0B8FDC-5743-4065-9274-857808D840DB}" srcOrd="5" destOrd="0" presId="urn:microsoft.com/office/officeart/2016/7/layout/BasicLinearProcessNumbered"/>
+    <dgm:cxn modelId="{D56D385B-5EFE-4552-BEAE-88EAADED6699}" type="presParOf" srcId="{0C9C758F-9459-448C-8390-8921205C193F}" destId="{B5FD2AC5-F02B-4AD5-9DE5-59E7093B607F}" srcOrd="6" destOrd="0" presId="urn:microsoft.com/office/officeart/2016/7/layout/BasicLinearProcessNumbered"/>
+    <dgm:cxn modelId="{4B2D1D64-685C-4713-9A9F-A1C5BF05B6D1}" type="presParOf" srcId="{B5FD2AC5-F02B-4AD5-9DE5-59E7093B607F}" destId="{9351060C-ACBE-49AC-A648-BD79B54DE694}" srcOrd="0" destOrd="0" presId="urn:microsoft.com/office/officeart/2016/7/layout/BasicLinearProcessNumbered"/>
+    <dgm:cxn modelId="{CFF578BA-E83C-42D0-9BDD-08847265FFF0}" type="presParOf" srcId="{B5FD2AC5-F02B-4AD5-9DE5-59E7093B607F}" destId="{0976773B-12B7-4330-9710-1EA00090547F}" srcOrd="1" destOrd="0" presId="urn:microsoft.com/office/officeart/2016/7/layout/BasicLinearProcessNumbered"/>
+    <dgm:cxn modelId="{0042A6A3-28E7-4EF6-A645-1DFFEC09DDC5}" type="presParOf" srcId="{B5FD2AC5-F02B-4AD5-9DE5-59E7093B607F}" destId="{865066A0-097F-4E6D-9502-9C489920F2EC}" srcOrd="2" destOrd="0" presId="urn:microsoft.com/office/officeart/2016/7/layout/BasicLinearProcessNumbered"/>
+    <dgm:cxn modelId="{931EB386-B672-4403-855D-C2732BB4B5B5}" type="presParOf" srcId="{B5FD2AC5-F02B-4AD5-9DE5-59E7093B607F}" destId="{0E48C784-2E8C-4E2A-AF68-35FCF40F2DC7}" srcOrd="3" destOrd="0" presId="urn:microsoft.com/office/officeart/2016/7/layout/BasicLinearProcessNumbered"/>
+  </dgm:cxnLst>
+  <dgm:bg/>
+  <dgm:whole/>
+  <dgm:extLst>
+    <a:ext uri="http://schemas.microsoft.com/office/drawing/2008/diagram">
+      <dsp:dataModelExt xmlns:dsp="http://schemas.microsoft.com/office/drawing/2008/diagram" relId="rId7" minVer="http://schemas.openxmlformats.org/drawingml/2006/diagram"/>
+    </a:ext>
+  </dgm:extLst>
+</dgm:dataModel>
+</file>
+
+<file path=ppt/diagrams/data3.xml><?xml version="1.0" encoding="utf-8"?>
+<dgm:dataModel xmlns:dgm="http://schemas.openxmlformats.org/drawingml/2006/diagram" xmlns:a="http://schemas.openxmlformats.org/drawingml/2006/main">
+  <dgm:ptLst>
+    <dgm:pt modelId="{8C8C5CB6-8D97-4B7A-99DB-2CE5859E52FC}" type="doc">
+      <dgm:prSet loTypeId="urn:microsoft.com/office/officeart/2016/7/layout/BasicLinearProcessNumbered" loCatId="process" qsTypeId="urn:microsoft.com/office/officeart/2005/8/quickstyle/simple1" qsCatId="simple" csTypeId="urn:microsoft.com/office/officeart/2005/8/colors/ColorSchemeForSuggestions" csCatId="other" phldr="1"/>
+      <dgm:spPr/>
+      <dgm:t>
+        <a:bodyPr/>
+        <a:lstStyle/>
+        <a:p>
+          <a:endParaRPr lang="en-US"/>
+        </a:p>
+      </dgm:t>
+    </dgm:pt>
+    <dgm:pt modelId="{F3C78B03-AC34-4B6E-9893-80ABC5B4D408}">
+      <dgm:prSet custT="1"/>
+      <dgm:spPr/>
+      <dgm:t>
+        <a:bodyPr/>
+        <a:lstStyle/>
+        <a:p>
+          <a:pPr algn="ctr"/>
+          <a:r>
+            <a:rPr lang="en-US" sz="2000" dirty="0"/>
+            <a:t>Android</a:t>
+          </a:r>
+        </a:p>
+        <a:p>
+          <a:pPr algn="ctr"/>
+          <a:r>
+            <a:rPr lang="en-US" sz="1600" dirty="0"/>
+            <a:t>Location Services</a:t>
+          </a:r>
+        </a:p>
+        <a:p>
+          <a:pPr algn="ctr"/>
+          <a:r>
+            <a:rPr lang="en-US" sz="1600" dirty="0"/>
+            <a:t>Camera</a:t>
+          </a:r>
+        </a:p>
+        <a:p>
+          <a:pPr algn="ctr"/>
+          <a:endParaRPr lang="en-US" sz="1600" dirty="0"/>
+        </a:p>
+      </dgm:t>
+    </dgm:pt>
+    <dgm:pt modelId="{2283EF88-DB16-4BDA-A23C-E8B77474016D}" type="parTrans" cxnId="{04E86221-C6C1-41B0-B971-715364DC5496}">
+      <dgm:prSet/>
+      <dgm:spPr/>
+      <dgm:t>
+        <a:bodyPr/>
+        <a:lstStyle/>
+        <a:p>
+          <a:endParaRPr lang="en-US"/>
+        </a:p>
+      </dgm:t>
+    </dgm:pt>
+    <dgm:pt modelId="{7719C351-1624-4952-B836-669A2236CE7A}" type="sibTrans" cxnId="{04E86221-C6C1-41B0-B971-715364DC5496}">
+      <dgm:prSet phldrT="1" phldr="0"/>
+      <dgm:spPr>
+        <a:solidFill>
+          <a:srgbClr val="43B02A"/>
+        </a:solidFill>
+      </dgm:spPr>
+      <dgm:t>
+        <a:bodyPr/>
+        <a:lstStyle/>
+        <a:p>
+          <a:r>
+            <a:rPr lang="en-US" dirty="0"/>
+            <a:t>1</a:t>
+          </a:r>
+        </a:p>
+      </dgm:t>
+    </dgm:pt>
+    <dgm:pt modelId="{747CEA16-7606-4CD5-8B24-F474A4E3739B}">
+      <dgm:prSet custT="1"/>
+      <dgm:spPr/>
+      <dgm:t>
+        <a:bodyPr/>
+        <a:lstStyle/>
+        <a:p>
+          <a:pPr algn="ctr"/>
+          <a:r>
+            <a:rPr lang="en-US" sz="2000" dirty="0"/>
+            <a:t>Firebase </a:t>
+          </a:r>
+        </a:p>
+        <a:p>
+          <a:pPr algn="ctr"/>
+          <a:r>
+            <a:rPr lang="en-US" sz="1600" dirty="0" err="1"/>
+            <a:t>Realtime</a:t>
+          </a:r>
+          <a:r>
+            <a:rPr lang="en-US" sz="1600" dirty="0"/>
+            <a:t> Database</a:t>
+          </a:r>
+        </a:p>
+        <a:p>
+          <a:pPr algn="ctr"/>
+          <a:r>
+            <a:rPr lang="en-US" sz="1600" dirty="0"/>
+            <a:t>Functions</a:t>
+          </a:r>
+        </a:p>
+        <a:p>
+          <a:pPr algn="ctr"/>
+          <a:r>
+            <a:rPr lang="en-US" sz="1600" dirty="0"/>
+            <a:t>Cloud Messaging</a:t>
+          </a:r>
+        </a:p>
+      </dgm:t>
+    </dgm:pt>
+    <dgm:pt modelId="{A715A50B-8AC1-47B8-8D82-AACF5F26B82E}" type="parTrans" cxnId="{67C824D3-D0AB-4842-B4BA-B906B3481EF9}">
+      <dgm:prSet/>
+      <dgm:spPr/>
+      <dgm:t>
+        <a:bodyPr/>
+        <a:lstStyle/>
+        <a:p>
+          <a:endParaRPr lang="en-US"/>
+        </a:p>
+      </dgm:t>
+    </dgm:pt>
+    <dgm:pt modelId="{51988A88-3DCB-4B61-9998-FAAA88AC3653}" type="sibTrans" cxnId="{67C824D3-D0AB-4842-B4BA-B906B3481EF9}">
+      <dgm:prSet phldrT="2" phldr="0"/>
+      <dgm:spPr>
+        <a:solidFill>
+          <a:srgbClr val="43B02A"/>
+        </a:solidFill>
+      </dgm:spPr>
+      <dgm:t>
+        <a:bodyPr/>
+        <a:lstStyle/>
+        <a:p>
+          <a:r>
+            <a:rPr lang="en-US" dirty="0"/>
+            <a:t>2</a:t>
+          </a:r>
+        </a:p>
+      </dgm:t>
+    </dgm:pt>
+    <dgm:pt modelId="{98530C36-F109-4607-BFDE-BC391E73C4BC}">
+      <dgm:prSet custT="1"/>
+      <dgm:spPr/>
+      <dgm:t>
+        <a:bodyPr/>
+        <a:lstStyle/>
+        <a:p>
+          <a:pPr algn="ctr"/>
+          <a:r>
+            <a:rPr lang="en-US" sz="2000" dirty="0"/>
+            <a:t>Third Party Libraries</a:t>
+          </a:r>
+        </a:p>
+        <a:p>
+          <a:pPr algn="ctr"/>
+          <a:r>
+            <a:rPr lang="en-US" sz="1600" dirty="0"/>
+            <a:t>Animation</a:t>
+          </a:r>
+        </a:p>
+        <a:p>
+          <a:pPr algn="ctr"/>
+          <a:r>
+            <a:rPr lang="en-US" sz="1600" dirty="0"/>
+            <a:t>Gestures</a:t>
+          </a:r>
+        </a:p>
+      </dgm:t>
+    </dgm:pt>
+    <dgm:pt modelId="{5F59E2C3-9ABA-45D6-B273-0DF6B9BBFAD0}" type="parTrans" cxnId="{A7C1085A-CDED-4D32-AF16-A1C908924C22}">
+      <dgm:prSet/>
+      <dgm:spPr/>
+      <dgm:t>
+        <a:bodyPr/>
+        <a:lstStyle/>
+        <a:p>
+          <a:endParaRPr lang="en-US"/>
+        </a:p>
+      </dgm:t>
+    </dgm:pt>
+    <dgm:pt modelId="{9C3C60AF-6A38-4D80-8A0D-4279AD83CE63}" type="sibTrans" cxnId="{A7C1085A-CDED-4D32-AF16-A1C908924C22}">
+      <dgm:prSet phldrT="3" phldr="0"/>
+      <dgm:spPr>
+        <a:solidFill>
+          <a:srgbClr val="43B02A"/>
+        </a:solidFill>
+      </dgm:spPr>
+      <dgm:t>
+        <a:bodyPr/>
+        <a:lstStyle/>
+        <a:p>
+          <a:r>
+            <a:rPr lang="en-US" dirty="0"/>
+            <a:t>3</a:t>
+          </a:r>
+        </a:p>
+      </dgm:t>
+    </dgm:pt>
+    <dgm:pt modelId="{874AABA0-E5A4-4AB0-B6CA-03C561803974}">
+      <dgm:prSet custT="1"/>
+      <dgm:spPr/>
+      <dgm:t>
+        <a:bodyPr/>
+        <a:lstStyle/>
+        <a:p>
+          <a:pPr algn="ctr"/>
+          <a:r>
+            <a:rPr lang="en-US" sz="2000" dirty="0"/>
+            <a:t>Anything else?</a:t>
+          </a:r>
+          <a:endParaRPr lang="en-US" sz="1600" dirty="0"/>
+        </a:p>
+      </dgm:t>
+    </dgm:pt>
+    <dgm:pt modelId="{8A063C10-EB1C-4F73-A357-B7F6848AF871}" type="parTrans" cxnId="{E51DA8E2-7E29-4650-BD4B-BA45A96D6F10}">
+      <dgm:prSet/>
+      <dgm:spPr/>
+      <dgm:t>
+        <a:bodyPr/>
+        <a:lstStyle/>
+        <a:p>
+          <a:endParaRPr lang="en-US"/>
+        </a:p>
+      </dgm:t>
+    </dgm:pt>
+    <dgm:pt modelId="{19E745A0-E5B9-4A0B-BB88-6D7DCF47622D}" type="sibTrans" cxnId="{E51DA8E2-7E29-4650-BD4B-BA45A96D6F10}">
+      <dgm:prSet phldrT="4" phldr="0"/>
+      <dgm:spPr>
+        <a:solidFill>
+          <a:srgbClr val="43B02A"/>
+        </a:solidFill>
+      </dgm:spPr>
+      <dgm:t>
+        <a:bodyPr/>
+        <a:lstStyle/>
+        <a:p>
+          <a:r>
+            <a:rPr lang="en-US"/>
+            <a:t>4</a:t>
+          </a:r>
+        </a:p>
+      </dgm:t>
+    </dgm:pt>
+    <dgm:pt modelId="{0C9C758F-9459-448C-8390-8921205C193F}" type="pres">
+      <dgm:prSet presAssocID="{8C8C5CB6-8D97-4B7A-99DB-2CE5859E52FC}" presName="Name0" presStyleCnt="0">
+        <dgm:presLayoutVars>
+          <dgm:animLvl val="lvl"/>
+          <dgm:resizeHandles val="exact"/>
+        </dgm:presLayoutVars>
+      </dgm:prSet>
+      <dgm:spPr/>
+    </dgm:pt>
+    <dgm:pt modelId="{871246F3-01F0-4D41-944C-BC39DDC003C6}" type="pres">
+      <dgm:prSet presAssocID="{F3C78B03-AC34-4B6E-9893-80ABC5B4D408}" presName="compositeNode" presStyleCnt="0">
+        <dgm:presLayoutVars>
+          <dgm:bulletEnabled val="1"/>
+        </dgm:presLayoutVars>
+      </dgm:prSet>
+      <dgm:spPr/>
+    </dgm:pt>
+    <dgm:pt modelId="{C10D3F62-C659-484C-A945-0401FE9F6EC5}" type="pres">
+      <dgm:prSet presAssocID="{F3C78B03-AC34-4B6E-9893-80ABC5B4D408}" presName="bgRect" presStyleLbl="bgAccFollowNode1" presStyleIdx="0" presStyleCnt="4"/>
+      <dgm:spPr/>
+    </dgm:pt>
+    <dgm:pt modelId="{ACAA34E6-767F-4D68-B93B-8FDE92B40A4E}" type="pres">
+      <dgm:prSet presAssocID="{7719C351-1624-4952-B836-669A2236CE7A}" presName="sibTransNodeCircle" presStyleLbl="alignNode1" presStyleIdx="0" presStyleCnt="8">
+        <dgm:presLayoutVars>
+          <dgm:chMax val="0"/>
+          <dgm:bulletEnabled/>
+        </dgm:presLayoutVars>
+      </dgm:prSet>
+      <dgm:spPr/>
+    </dgm:pt>
+    <dgm:pt modelId="{7400FDBD-D909-4EEF-8BE8-F79E84E0AF16}" type="pres">
+      <dgm:prSet presAssocID="{F3C78B03-AC34-4B6E-9893-80ABC5B4D408}" presName="bottomLine" presStyleLbl="alignNode1" presStyleIdx="1" presStyleCnt="8">
+        <dgm:presLayoutVars/>
+      </dgm:prSet>
+      <dgm:spPr/>
+    </dgm:pt>
+    <dgm:pt modelId="{C5ED34C5-90E3-43EA-914E-0CE8BF6B2AB4}" type="pres">
+      <dgm:prSet presAssocID="{F3C78B03-AC34-4B6E-9893-80ABC5B4D408}" presName="nodeText" presStyleLbl="bgAccFollowNode1" presStyleIdx="0" presStyleCnt="4">
+        <dgm:presLayoutVars>
+          <dgm:bulletEnabled val="1"/>
+        </dgm:presLayoutVars>
+      </dgm:prSet>
+      <dgm:spPr/>
+    </dgm:pt>
+    <dgm:pt modelId="{5898B472-CA81-4DC0-85D7-1205775260F7}" type="pres">
+      <dgm:prSet presAssocID="{7719C351-1624-4952-B836-669A2236CE7A}" presName="sibTrans" presStyleCnt="0"/>
+      <dgm:spPr/>
+    </dgm:pt>
+    <dgm:pt modelId="{69DE20A1-85A1-48DC-A029-306C9DA58D11}" type="pres">
+      <dgm:prSet presAssocID="{747CEA16-7606-4CD5-8B24-F474A4E3739B}" presName="compositeNode" presStyleCnt="0">
+        <dgm:presLayoutVars>
+          <dgm:bulletEnabled val="1"/>
+        </dgm:presLayoutVars>
+      </dgm:prSet>
+      <dgm:spPr/>
+    </dgm:pt>
+    <dgm:pt modelId="{BDDD252A-8513-4EDC-B14E-9597C7BD7549}" type="pres">
+      <dgm:prSet presAssocID="{747CEA16-7606-4CD5-8B24-F474A4E3739B}" presName="bgRect" presStyleLbl="bgAccFollowNode1" presStyleIdx="1" presStyleCnt="4"/>
+      <dgm:spPr/>
+    </dgm:pt>
+    <dgm:pt modelId="{DE5A761A-F766-4E26-927C-190D6F821595}" type="pres">
+      <dgm:prSet presAssocID="{51988A88-3DCB-4B61-9998-FAAA88AC3653}" presName="sibTransNodeCircle" presStyleLbl="alignNode1" presStyleIdx="2" presStyleCnt="8">
+        <dgm:presLayoutVars>
+          <dgm:chMax val="0"/>
+          <dgm:bulletEnabled/>
+        </dgm:presLayoutVars>
+      </dgm:prSet>
+      <dgm:spPr/>
+    </dgm:pt>
+    <dgm:pt modelId="{E03BC08E-6F70-4B97-A67C-A723048DDFDA}" type="pres">
+      <dgm:prSet presAssocID="{747CEA16-7606-4CD5-8B24-F474A4E3739B}" presName="bottomLine" presStyleLbl="alignNode1" presStyleIdx="3" presStyleCnt="8">
+        <dgm:presLayoutVars/>
+      </dgm:prSet>
+      <dgm:spPr/>
+    </dgm:pt>
+    <dgm:pt modelId="{143D6255-AAB4-4045-8F0B-E8BC70E58020}" type="pres">
+      <dgm:prSet presAssocID="{747CEA16-7606-4CD5-8B24-F474A4E3739B}" presName="nodeText" presStyleLbl="bgAccFollowNode1" presStyleIdx="1" presStyleCnt="4">
+        <dgm:presLayoutVars>
+          <dgm:bulletEnabled val="1"/>
+        </dgm:presLayoutVars>
+      </dgm:prSet>
+      <dgm:spPr/>
+    </dgm:pt>
+    <dgm:pt modelId="{D838365F-D758-4AC0-8868-4A9A8259DCD8}" type="pres">
+      <dgm:prSet presAssocID="{51988A88-3DCB-4B61-9998-FAAA88AC3653}" presName="sibTrans" presStyleCnt="0"/>
+      <dgm:spPr/>
+    </dgm:pt>
+    <dgm:pt modelId="{A859A5ED-96DB-4767-9556-5300945B427F}" type="pres">
+      <dgm:prSet presAssocID="{98530C36-F109-4607-BFDE-BC391E73C4BC}" presName="compositeNode" presStyleCnt="0">
+        <dgm:presLayoutVars>
+          <dgm:bulletEnabled val="1"/>
+        </dgm:presLayoutVars>
+      </dgm:prSet>
+      <dgm:spPr/>
+    </dgm:pt>
+    <dgm:pt modelId="{545AB69D-C7F1-425F-BDAA-870E1BD9236D}" type="pres">
+      <dgm:prSet presAssocID="{98530C36-F109-4607-BFDE-BC391E73C4BC}" presName="bgRect" presStyleLbl="bgAccFollowNode1" presStyleIdx="2" presStyleCnt="4"/>
+      <dgm:spPr/>
+    </dgm:pt>
+    <dgm:pt modelId="{270DAA37-033C-4FBF-B3C5-F3259E1520CB}" type="pres">
+      <dgm:prSet presAssocID="{9C3C60AF-6A38-4D80-8A0D-4279AD83CE63}" presName="sibTransNodeCircle" presStyleLbl="alignNode1" presStyleIdx="4" presStyleCnt="8">
+        <dgm:presLayoutVars>
+          <dgm:chMax val="0"/>
+          <dgm:bulletEnabled/>
+        </dgm:presLayoutVars>
+      </dgm:prSet>
+      <dgm:spPr/>
+    </dgm:pt>
+    <dgm:pt modelId="{E95DFE27-C7D9-4A44-BB57-62A16A41A767}" type="pres">
+      <dgm:prSet presAssocID="{98530C36-F109-4607-BFDE-BC391E73C4BC}" presName="bottomLine" presStyleLbl="alignNode1" presStyleIdx="5" presStyleCnt="8">
+        <dgm:presLayoutVars/>
+      </dgm:prSet>
+      <dgm:spPr/>
+    </dgm:pt>
+    <dgm:pt modelId="{7182F2E8-0FE4-40E2-90AF-E52FC6ACB532}" type="pres">
+      <dgm:prSet presAssocID="{98530C36-F109-4607-BFDE-BC391E73C4BC}" presName="nodeText" presStyleLbl="bgAccFollowNode1" presStyleIdx="2" presStyleCnt="4">
+        <dgm:presLayoutVars>
+          <dgm:bulletEnabled val="1"/>
+        </dgm:presLayoutVars>
+      </dgm:prSet>
+      <dgm:spPr/>
+    </dgm:pt>
+    <dgm:pt modelId="{8E0B8FDC-5743-4065-9274-857808D840DB}" type="pres">
+      <dgm:prSet presAssocID="{9C3C60AF-6A38-4D80-8A0D-4279AD83CE63}" presName="sibTrans" presStyleCnt="0"/>
+      <dgm:spPr/>
+    </dgm:pt>
+    <dgm:pt modelId="{B5FD2AC5-F02B-4AD5-9DE5-59E7093B607F}" type="pres">
+      <dgm:prSet presAssocID="{874AABA0-E5A4-4AB0-B6CA-03C561803974}" presName="compositeNode" presStyleCnt="0">
+        <dgm:presLayoutVars>
+          <dgm:bulletEnabled val="1"/>
+        </dgm:presLayoutVars>
+      </dgm:prSet>
+      <dgm:spPr/>
+    </dgm:pt>
+    <dgm:pt modelId="{9351060C-ACBE-49AC-A648-BD79B54DE694}" type="pres">
+      <dgm:prSet presAssocID="{874AABA0-E5A4-4AB0-B6CA-03C561803974}" presName="bgRect" presStyleLbl="bgAccFollowNode1" presStyleIdx="3" presStyleCnt="4"/>
+      <dgm:spPr/>
+    </dgm:pt>
+    <dgm:pt modelId="{0976773B-12B7-4330-9710-1EA00090547F}" type="pres">
+      <dgm:prSet presAssocID="{19E745A0-E5B9-4A0B-BB88-6D7DCF47622D}" presName="sibTransNodeCircle" presStyleLbl="alignNode1" presStyleIdx="6" presStyleCnt="8">
+        <dgm:presLayoutVars>
+          <dgm:chMax val="0"/>
+          <dgm:bulletEnabled/>
+        </dgm:presLayoutVars>
+      </dgm:prSet>
+      <dgm:spPr/>
+    </dgm:pt>
+    <dgm:pt modelId="{865066A0-097F-4E6D-9502-9C489920F2EC}" type="pres">
+      <dgm:prSet presAssocID="{874AABA0-E5A4-4AB0-B6CA-03C561803974}" presName="bottomLine" presStyleLbl="alignNode1" presStyleIdx="7" presStyleCnt="8">
+        <dgm:presLayoutVars/>
+      </dgm:prSet>
+      <dgm:spPr/>
+    </dgm:pt>
+    <dgm:pt modelId="{0E48C784-2E8C-4E2A-AF68-35FCF40F2DC7}" type="pres">
+      <dgm:prSet presAssocID="{874AABA0-E5A4-4AB0-B6CA-03C561803974}" presName="nodeText" presStyleLbl="bgAccFollowNode1" presStyleIdx="3" presStyleCnt="4">
+        <dgm:presLayoutVars>
+          <dgm:bulletEnabled val="1"/>
+        </dgm:presLayoutVars>
+      </dgm:prSet>
+      <dgm:spPr/>
+    </dgm:pt>
+  </dgm:ptLst>
+  <dgm:cxnLst>
+    <dgm:cxn modelId="{C0664D4E-760C-4EAD-977C-C4A9C5B56A2C}" type="presOf" srcId="{7719C351-1624-4952-B836-669A2236CE7A}" destId="{ACAA34E6-767F-4D68-B93B-8FDE92B40A4E}" srcOrd="0" destOrd="0" presId="urn:microsoft.com/office/officeart/2016/7/layout/BasicLinearProcessNumbered"/>
+    <dgm:cxn modelId="{04E86221-C6C1-41B0-B971-715364DC5496}" srcId="{8C8C5CB6-8D97-4B7A-99DB-2CE5859E52FC}" destId="{F3C78B03-AC34-4B6E-9893-80ABC5B4D408}" srcOrd="0" destOrd="0" parTransId="{2283EF88-DB16-4BDA-A23C-E8B77474016D}" sibTransId="{7719C351-1624-4952-B836-669A2236CE7A}"/>
+    <dgm:cxn modelId="{9BD8BCEE-E46D-4144-8DFC-9FEAAD793CEE}" type="presOf" srcId="{747CEA16-7606-4CD5-8B24-F474A4E3739B}" destId="{143D6255-AAB4-4045-8F0B-E8BC70E58020}" srcOrd="1" destOrd="0" presId="urn:microsoft.com/office/officeart/2016/7/layout/BasicLinearProcessNumbered"/>
+    <dgm:cxn modelId="{8436B07A-3354-49CA-AAE9-3FEE3C819527}" type="presOf" srcId="{19E745A0-E5B9-4A0B-BB88-6D7DCF47622D}" destId="{0976773B-12B7-4330-9710-1EA00090547F}" srcOrd="0" destOrd="0" presId="urn:microsoft.com/office/officeart/2016/7/layout/BasicLinearProcessNumbered"/>
+    <dgm:cxn modelId="{9B8208B8-FB20-4644-9D21-7FB83E59A9C6}" type="presOf" srcId="{98530C36-F109-4607-BFDE-BC391E73C4BC}" destId="{545AB69D-C7F1-425F-BDAA-870E1BD9236D}" srcOrd="0" destOrd="0" presId="urn:microsoft.com/office/officeart/2016/7/layout/BasicLinearProcessNumbered"/>
+    <dgm:cxn modelId="{7AFEC5E9-1F9D-42CA-AD50-926B66F69366}" type="presOf" srcId="{8C8C5CB6-8D97-4B7A-99DB-2CE5859E52FC}" destId="{0C9C758F-9459-448C-8390-8921205C193F}" srcOrd="0" destOrd="0" presId="urn:microsoft.com/office/officeart/2016/7/layout/BasicLinearProcessNumbered"/>
+    <dgm:cxn modelId="{F7016E09-DE31-47DA-99CA-4DB0F80757BA}" type="presOf" srcId="{874AABA0-E5A4-4AB0-B6CA-03C561803974}" destId="{9351060C-ACBE-49AC-A648-BD79B54DE694}" srcOrd="0" destOrd="0" presId="urn:microsoft.com/office/officeart/2016/7/layout/BasicLinearProcessNumbered"/>
+    <dgm:cxn modelId="{A8E11577-776D-47E2-8828-2E7AC760842F}" type="presOf" srcId="{747CEA16-7606-4CD5-8B24-F474A4E3739B}" destId="{BDDD252A-8513-4EDC-B14E-9597C7BD7549}" srcOrd="0" destOrd="0" presId="urn:microsoft.com/office/officeart/2016/7/layout/BasicLinearProcessNumbered"/>
+    <dgm:cxn modelId="{E51DA8E2-7E29-4650-BD4B-BA45A96D6F10}" srcId="{8C8C5CB6-8D97-4B7A-99DB-2CE5859E52FC}" destId="{874AABA0-E5A4-4AB0-B6CA-03C561803974}" srcOrd="3" destOrd="0" parTransId="{8A063C10-EB1C-4F73-A357-B7F6848AF871}" sibTransId="{19E745A0-E5B9-4A0B-BB88-6D7DCF47622D}"/>
+    <dgm:cxn modelId="{BEBA1F02-3FE4-4126-9EBB-F8A846A31D06}" type="presOf" srcId="{51988A88-3DCB-4B61-9998-FAAA88AC3653}" destId="{DE5A761A-F766-4E26-927C-190D6F821595}" srcOrd="0" destOrd="0" presId="urn:microsoft.com/office/officeart/2016/7/layout/BasicLinearProcessNumbered"/>
+    <dgm:cxn modelId="{A7C1085A-CDED-4D32-AF16-A1C908924C22}" srcId="{8C8C5CB6-8D97-4B7A-99DB-2CE5859E52FC}" destId="{98530C36-F109-4607-BFDE-BC391E73C4BC}" srcOrd="2" destOrd="0" parTransId="{5F59E2C3-9ABA-45D6-B273-0DF6B9BBFAD0}" sibTransId="{9C3C60AF-6A38-4D80-8A0D-4279AD83CE63}"/>
+    <dgm:cxn modelId="{89EF3C1F-C3F3-44C5-8221-CD69533D7436}" type="presOf" srcId="{9C3C60AF-6A38-4D80-8A0D-4279AD83CE63}" destId="{270DAA37-033C-4FBF-B3C5-F3259E1520CB}" srcOrd="0" destOrd="0" presId="urn:microsoft.com/office/officeart/2016/7/layout/BasicLinearProcessNumbered"/>
+    <dgm:cxn modelId="{67C824D3-D0AB-4842-B4BA-B906B3481EF9}" srcId="{8C8C5CB6-8D97-4B7A-99DB-2CE5859E52FC}" destId="{747CEA16-7606-4CD5-8B24-F474A4E3739B}" srcOrd="1" destOrd="0" parTransId="{A715A50B-8AC1-47B8-8D82-AACF5F26B82E}" sibTransId="{51988A88-3DCB-4B61-9998-FAAA88AC3653}"/>
+    <dgm:cxn modelId="{12F980FE-8A74-4594-8827-EBC3D3092688}" type="presOf" srcId="{F3C78B03-AC34-4B6E-9893-80ABC5B4D408}" destId="{C5ED34C5-90E3-43EA-914E-0CE8BF6B2AB4}" srcOrd="1" destOrd="0" presId="urn:microsoft.com/office/officeart/2016/7/layout/BasicLinearProcessNumbered"/>
+    <dgm:cxn modelId="{657CF033-0F23-49D3-9672-1CC3095C3DBE}" type="presOf" srcId="{874AABA0-E5A4-4AB0-B6CA-03C561803974}" destId="{0E48C784-2E8C-4E2A-AF68-35FCF40F2DC7}" srcOrd="1" destOrd="0" presId="urn:microsoft.com/office/officeart/2016/7/layout/BasicLinearProcessNumbered"/>
+    <dgm:cxn modelId="{98EE4C95-41AE-44F6-8936-BF193358840F}" type="presOf" srcId="{98530C36-F109-4607-BFDE-BC391E73C4BC}" destId="{7182F2E8-0FE4-40E2-90AF-E52FC6ACB532}" srcOrd="1" destOrd="0" presId="urn:microsoft.com/office/officeart/2016/7/layout/BasicLinearProcessNumbered"/>
+    <dgm:cxn modelId="{8974113F-514B-44EF-AD65-130C72F94C76}" type="presOf" srcId="{F3C78B03-AC34-4B6E-9893-80ABC5B4D408}" destId="{C10D3F62-C659-484C-A945-0401FE9F6EC5}" srcOrd="0" destOrd="0" presId="urn:microsoft.com/office/officeart/2016/7/layout/BasicLinearProcessNumbered"/>
+    <dgm:cxn modelId="{232A514F-0D0A-477E-B361-BBE8EE53AC47}" type="presParOf" srcId="{0C9C758F-9459-448C-8390-8921205C193F}" destId="{871246F3-01F0-4D41-944C-BC39DDC003C6}" srcOrd="0" destOrd="0" presId="urn:microsoft.com/office/officeart/2016/7/layout/BasicLinearProcessNumbered"/>
+    <dgm:cxn modelId="{AD724027-0985-4135-8D25-EC1D6D2B07A6}" type="presParOf" srcId="{871246F3-01F0-4D41-944C-BC39DDC003C6}" destId="{C10D3F62-C659-484C-A945-0401FE9F6EC5}" srcOrd="0" destOrd="0" presId="urn:microsoft.com/office/officeart/2016/7/layout/BasicLinearProcessNumbered"/>
+    <dgm:cxn modelId="{2B813E3D-1282-4521-828E-83308EFF7F59}" type="presParOf" srcId="{871246F3-01F0-4D41-944C-BC39DDC003C6}" destId="{ACAA34E6-767F-4D68-B93B-8FDE92B40A4E}" srcOrd="1" destOrd="0" presId="urn:microsoft.com/office/officeart/2016/7/layout/BasicLinearProcessNumbered"/>
+    <dgm:cxn modelId="{AB243C08-B50E-4DD9-BE36-BA162F84A0E4}" type="presParOf" srcId="{871246F3-01F0-4D41-944C-BC39DDC003C6}" destId="{7400FDBD-D909-4EEF-8BE8-F79E84E0AF16}" srcOrd="2" destOrd="0" presId="urn:microsoft.com/office/officeart/2016/7/layout/BasicLinearProcessNumbered"/>
+    <dgm:cxn modelId="{5966C346-F0F1-48E3-BC29-619E34938E13}" type="presParOf" srcId="{871246F3-01F0-4D41-944C-BC39DDC003C6}" destId="{C5ED34C5-90E3-43EA-914E-0CE8BF6B2AB4}" srcOrd="3" destOrd="0" presId="urn:microsoft.com/office/officeart/2016/7/layout/BasicLinearProcessNumbered"/>
+    <dgm:cxn modelId="{AA624DB2-855F-45CA-BB02-F9F64C44FE80}" type="presParOf" srcId="{0C9C758F-9459-448C-8390-8921205C193F}" destId="{5898B472-CA81-4DC0-85D7-1205775260F7}" srcOrd="1" destOrd="0" presId="urn:microsoft.com/office/officeart/2016/7/layout/BasicLinearProcessNumbered"/>
+    <dgm:cxn modelId="{ED1E2D42-7934-4C65-BA0B-3833054D4079}" type="presParOf" srcId="{0C9C758F-9459-448C-8390-8921205C193F}" destId="{69DE20A1-85A1-48DC-A029-306C9DA58D11}" srcOrd="2" destOrd="0" presId="urn:microsoft.com/office/officeart/2016/7/layout/BasicLinearProcessNumbered"/>
+    <dgm:cxn modelId="{C11BE99A-D259-4CBE-AE67-8F5BD9F02426}" type="presParOf" srcId="{69DE20A1-85A1-48DC-A029-306C9DA58D11}" destId="{BDDD252A-8513-4EDC-B14E-9597C7BD7549}" srcOrd="0" destOrd="0" presId="urn:microsoft.com/office/officeart/2016/7/layout/BasicLinearProcessNumbered"/>
+    <dgm:cxn modelId="{1CD0CD5F-E7B5-44DE-A4ED-6A9E91C497B0}" type="presParOf" srcId="{69DE20A1-85A1-48DC-A029-306C9DA58D11}" destId="{DE5A761A-F766-4E26-927C-190D6F821595}" srcOrd="1" destOrd="0" presId="urn:microsoft.com/office/officeart/2016/7/layout/BasicLinearProcessNumbered"/>
+    <dgm:cxn modelId="{9BFB245C-A8FE-40CA-A39A-5C2B7AB1D4FF}" type="presParOf" srcId="{69DE20A1-85A1-48DC-A029-306C9DA58D11}" destId="{E03BC08E-6F70-4B97-A67C-A723048DDFDA}" srcOrd="2" destOrd="0" presId="urn:microsoft.com/office/officeart/2016/7/layout/BasicLinearProcessNumbered"/>
+    <dgm:cxn modelId="{92FF8DFB-76D7-48B8-88A2-3B937C7E9FEF}" type="presParOf" srcId="{69DE20A1-85A1-48DC-A029-306C9DA58D11}" destId="{143D6255-AAB4-4045-8F0B-E8BC70E58020}" srcOrd="3" destOrd="0" presId="urn:microsoft.com/office/officeart/2016/7/layout/BasicLinearProcessNumbered"/>
+    <dgm:cxn modelId="{744BABE3-658D-4C8C-A0D6-97F5D3DFD9E3}" type="presParOf" srcId="{0C9C758F-9459-448C-8390-8921205C193F}" destId="{D838365F-D758-4AC0-8868-4A9A8259DCD8}" srcOrd="3" destOrd="0" presId="urn:microsoft.com/office/officeart/2016/7/layout/BasicLinearProcessNumbered"/>
+    <dgm:cxn modelId="{C8A344B9-A21A-4607-810C-EBFC4533ACA7}" type="presParOf" srcId="{0C9C758F-9459-448C-8390-8921205C193F}" destId="{A859A5ED-96DB-4767-9556-5300945B427F}" srcOrd="4" destOrd="0" presId="urn:microsoft.com/office/officeart/2016/7/layout/BasicLinearProcessNumbered"/>
+    <dgm:cxn modelId="{34481E39-6D3C-4AA7-878C-5B56CF21AA96}" type="presParOf" srcId="{A859A5ED-96DB-4767-9556-5300945B427F}" destId="{545AB69D-C7F1-425F-BDAA-870E1BD9236D}" srcOrd="0" destOrd="0" presId="urn:microsoft.com/office/officeart/2016/7/layout/BasicLinearProcessNumbered"/>
+    <dgm:cxn modelId="{CF81F6B3-CF37-42A0-9FC4-66C76BCF33B7}" type="presParOf" srcId="{A859A5ED-96DB-4767-9556-5300945B427F}" destId="{270DAA37-033C-4FBF-B3C5-F3259E1520CB}" srcOrd="1" destOrd="0" presId="urn:microsoft.com/office/officeart/2016/7/layout/BasicLinearProcessNumbered"/>
+    <dgm:cxn modelId="{C0586304-CE1B-4081-96B1-3679865FFA95}" type="presParOf" srcId="{A859A5ED-96DB-4767-9556-5300945B427F}" destId="{E95DFE27-C7D9-4A44-BB57-62A16A41A767}" srcOrd="2" destOrd="0" presId="urn:microsoft.com/office/officeart/2016/7/layout/BasicLinearProcessNumbered"/>
+    <dgm:cxn modelId="{934898EC-DF2E-4C15-9AAA-DED902678095}" type="presParOf" srcId="{A859A5ED-96DB-4767-9556-5300945B427F}" destId="{7182F2E8-0FE4-40E2-90AF-E52FC6ACB532}" srcOrd="3" destOrd="0" presId="urn:microsoft.com/office/officeart/2016/7/layout/BasicLinearProcessNumbered"/>
+    <dgm:cxn modelId="{C0C7EAE4-E546-4F9D-9350-419DF4457F6A}" type="presParOf" srcId="{0C9C758F-9459-448C-8390-8921205C193F}" destId="{8E0B8FDC-5743-4065-9274-857808D840DB}" srcOrd="5" destOrd="0" presId="urn:microsoft.com/office/officeart/2016/7/layout/BasicLinearProcessNumbered"/>
+    <dgm:cxn modelId="{D56D385B-5EFE-4552-BEAE-88EAADED6699}" type="presParOf" srcId="{0C9C758F-9459-448C-8390-8921205C193F}" destId="{B5FD2AC5-F02B-4AD5-9DE5-59E7093B607F}" srcOrd="6" destOrd="0" presId="urn:microsoft.com/office/officeart/2016/7/layout/BasicLinearProcessNumbered"/>
+    <dgm:cxn modelId="{4B2D1D64-685C-4713-9A9F-A1C5BF05B6D1}" type="presParOf" srcId="{B5FD2AC5-F02B-4AD5-9DE5-59E7093B607F}" destId="{9351060C-ACBE-49AC-A648-BD79B54DE694}" srcOrd="0" destOrd="0" presId="urn:microsoft.com/office/officeart/2016/7/layout/BasicLinearProcessNumbered"/>
+    <dgm:cxn modelId="{CFF578BA-E83C-42D0-9BDD-08847265FFF0}" type="presParOf" srcId="{B5FD2AC5-F02B-4AD5-9DE5-59E7093B607F}" destId="{0976773B-12B7-4330-9710-1EA00090547F}" srcOrd="1" destOrd="0" presId="urn:microsoft.com/office/officeart/2016/7/layout/BasicLinearProcessNumbered"/>
+    <dgm:cxn modelId="{0042A6A3-28E7-4EF6-A645-1DFFEC09DDC5}" type="presParOf" srcId="{B5FD2AC5-F02B-4AD5-9DE5-59E7093B607F}" destId="{865066A0-097F-4E6D-9502-9C489920F2EC}" srcOrd="2" destOrd="0" presId="urn:microsoft.com/office/officeart/2016/7/layout/BasicLinearProcessNumbered"/>
+    <dgm:cxn modelId="{931EB386-B672-4403-855D-C2732BB4B5B5}" type="presParOf" srcId="{B5FD2AC5-F02B-4AD5-9DE5-59E7093B607F}" destId="{0E48C784-2E8C-4E2A-AF68-35FCF40F2DC7}" srcOrd="3" destOrd="0" presId="urn:microsoft.com/office/officeart/2016/7/layout/BasicLinearProcessNumbered"/>
+  </dgm:cxnLst>
+  <dgm:bg/>
+  <dgm:whole/>
+  <dgm:extLst>
+    <a:ext uri="http://schemas.microsoft.com/office/drawing/2008/diagram">
+      <dsp:dataModelExt xmlns:dsp="http://schemas.microsoft.com/office/drawing/2008/diagram" relId="rId7" minVer="http://schemas.openxmlformats.org/drawingml/2006/diagram"/>
+    </a:ext>
+  </dgm:extLst>
+</dgm:dataModel>
+</file>
+
+<file path=ppt/diagrams/data4.xml><?xml version="1.0" encoding="utf-8"?>
 <dgm:dataModel xmlns:dgm="http://schemas.openxmlformats.org/drawingml/2006/diagram" xmlns:a="http://schemas.openxmlformats.org/drawingml/2006/main">
   <dgm:ptLst>
     <dgm:pt modelId="{8C8C5CB6-8D97-4B7A-99DB-2CE5859E52FC}" type="doc">
@@ -3476,6 +5867,1856 @@
           </a:pPr>
           <a:r>
             <a:rPr lang="en-US" sz="2000" kern="1200" dirty="0"/>
+            <a:t>Login</a:t>
+          </a:r>
+        </a:p>
+        <a:p>
+          <a:pPr marL="0" lvl="0" indent="0" algn="ctr" defTabSz="889000">
+            <a:lnSpc>
+              <a:spcPct val="90000"/>
+            </a:lnSpc>
+            <a:spcBef>
+              <a:spcPct val="0"/>
+            </a:spcBef>
+            <a:spcAft>
+              <a:spcPct val="35000"/>
+            </a:spcAft>
+            <a:buNone/>
+          </a:pPr>
+          <a:r>
+            <a:rPr lang="en-US" sz="1600" kern="1200" dirty="0"/>
+            <a:t>Facebook for Trust</a:t>
+          </a:r>
+        </a:p>
+      </dsp:txBody>
+      <dsp:txXfrm>
+        <a:off x="3080" y="1765067"/>
+        <a:ext cx="2444055" cy="2053006"/>
+      </dsp:txXfrm>
+    </dsp:sp>
+    <dsp:sp modelId="{ACAA34E6-767F-4D68-B93B-8FDE92B40A4E}">
+      <dsp:nvSpPr>
+        <dsp:cNvPr id="0" name=""/>
+        <dsp:cNvSpPr/>
+      </dsp:nvSpPr>
+      <dsp:spPr>
+        <a:xfrm>
+          <a:off x="711856" y="806997"/>
+          <a:ext cx="1026503" cy="1026503"/>
+        </a:xfrm>
+        <a:prstGeom prst="ellipse">
+          <a:avLst/>
+        </a:prstGeom>
+        <a:solidFill>
+          <a:srgbClr val="43B02A"/>
+        </a:solidFill>
+        <a:ln w="12700" cap="flat" cmpd="sng" algn="ctr">
+          <a:solidFill>
+            <a:schemeClr val="accent1">
+              <a:hueOff val="0"/>
+              <a:satOff val="0"/>
+              <a:lumOff val="0"/>
+              <a:alphaOff val="0"/>
+            </a:schemeClr>
+          </a:solidFill>
+          <a:prstDash val="solid"/>
+          <a:miter lim="800000"/>
+        </a:ln>
+        <a:effectLst/>
+      </dsp:spPr>
+      <dsp:style>
+        <a:lnRef idx="2">
+          <a:scrgbClr r="0" g="0" b="0"/>
+        </a:lnRef>
+        <a:fillRef idx="1">
+          <a:scrgbClr r="0" g="0" b="0"/>
+        </a:fillRef>
+        <a:effectRef idx="0">
+          <a:scrgbClr r="0" g="0" b="0"/>
+        </a:effectRef>
+        <a:fontRef idx="minor">
+          <a:schemeClr val="lt1"/>
+        </a:fontRef>
+      </dsp:style>
+      <dsp:txBody>
+        <a:bodyPr spcFirstLastPara="0" vert="horz" wrap="square" lIns="80030" tIns="12700" rIns="80030" bIns="12700" numCol="1" spcCol="1270" anchor="ctr" anchorCtr="0">
+          <a:noAutofit/>
+        </a:bodyPr>
+        <a:lstStyle/>
+        <a:p>
+          <a:pPr marL="0" lvl="0" indent="0" algn="ctr" defTabSz="2133600">
+            <a:lnSpc>
+              <a:spcPct val="90000"/>
+            </a:lnSpc>
+            <a:spcBef>
+              <a:spcPct val="0"/>
+            </a:spcBef>
+            <a:spcAft>
+              <a:spcPct val="35000"/>
+            </a:spcAft>
+            <a:buNone/>
+          </a:pPr>
+          <a:r>
+            <a:rPr lang="en-US" sz="4800" kern="1200" dirty="0"/>
+            <a:t>1</a:t>
+          </a:r>
+        </a:p>
+      </dsp:txBody>
+      <dsp:txXfrm>
+        <a:off x="862184" y="957325"/>
+        <a:ext cx="725847" cy="725847"/>
+      </dsp:txXfrm>
+    </dsp:sp>
+    <dsp:sp modelId="{7400FDBD-D909-4EEF-8BE8-F79E84E0AF16}">
+      <dsp:nvSpPr>
+        <dsp:cNvPr id="0" name=""/>
+        <dsp:cNvSpPr/>
+      </dsp:nvSpPr>
+      <dsp:spPr>
+        <a:xfrm>
+          <a:off x="3080" y="3886435"/>
+          <a:ext cx="2444055" cy="72"/>
+        </a:xfrm>
+        <a:prstGeom prst="rect">
+          <a:avLst/>
+        </a:prstGeom>
+        <a:solidFill>
+          <a:schemeClr val="accent1">
+            <a:hueOff val="0"/>
+            <a:satOff val="0"/>
+            <a:lumOff val="0"/>
+            <a:alphaOff val="0"/>
+          </a:schemeClr>
+        </a:solidFill>
+        <a:ln w="12700" cap="flat" cmpd="sng" algn="ctr">
+          <a:solidFill>
+            <a:schemeClr val="accent1">
+              <a:hueOff val="0"/>
+              <a:satOff val="0"/>
+              <a:lumOff val="0"/>
+              <a:alphaOff val="0"/>
+            </a:schemeClr>
+          </a:solidFill>
+          <a:prstDash val="solid"/>
+          <a:miter lim="800000"/>
+        </a:ln>
+        <a:effectLst/>
+      </dsp:spPr>
+      <dsp:style>
+        <a:lnRef idx="2">
+          <a:scrgbClr r="0" g="0" b="0"/>
+        </a:lnRef>
+        <a:fillRef idx="1">
+          <a:scrgbClr r="0" g="0" b="0"/>
+        </a:fillRef>
+        <a:effectRef idx="0">
+          <a:scrgbClr r="0" g="0" b="0"/>
+        </a:effectRef>
+        <a:fontRef idx="minor">
+          <a:schemeClr val="lt1"/>
+        </a:fontRef>
+      </dsp:style>
+    </dsp:sp>
+    <dsp:sp modelId="{BDDD252A-8513-4EDC-B14E-9597C7BD7549}">
+      <dsp:nvSpPr>
+        <dsp:cNvPr id="0" name=""/>
+        <dsp:cNvSpPr/>
+      </dsp:nvSpPr>
+      <dsp:spPr>
+        <a:xfrm>
+          <a:off x="2691541" y="464830"/>
+          <a:ext cx="2444055" cy="3421677"/>
+        </a:xfrm>
+        <a:prstGeom prst="rect">
+          <a:avLst/>
+        </a:prstGeom>
+        <a:solidFill>
+          <a:schemeClr val="bg1">
+            <a:lumMod val="95000"/>
+            <a:hueOff val="0"/>
+            <a:satOff val="0"/>
+            <a:lumOff val="0"/>
+            <a:alphaOff val="0"/>
+          </a:schemeClr>
+        </a:solidFill>
+        <a:ln w="12700" cap="flat" cmpd="sng" algn="ctr">
+          <a:solidFill>
+            <a:schemeClr val="bg1">
+              <a:lumMod val="95000"/>
+              <a:hueOff val="0"/>
+              <a:satOff val="0"/>
+              <a:lumOff val="0"/>
+              <a:alphaOff val="0"/>
+            </a:schemeClr>
+          </a:solidFill>
+          <a:prstDash val="solid"/>
+          <a:miter lim="800000"/>
+        </a:ln>
+        <a:effectLst/>
+      </dsp:spPr>
+      <dsp:style>
+        <a:lnRef idx="2">
+          <a:scrgbClr r="0" g="0" b="0"/>
+        </a:lnRef>
+        <a:fillRef idx="1">
+          <a:scrgbClr r="0" g="0" b="0"/>
+        </a:fillRef>
+        <a:effectRef idx="0">
+          <a:scrgbClr r="0" g="0" b="0"/>
+        </a:effectRef>
+        <a:fontRef idx="minor"/>
+      </dsp:style>
+      <dsp:txBody>
+        <a:bodyPr spcFirstLastPara="0" vert="horz" wrap="square" lIns="190548" tIns="330200" rIns="190548" bIns="330200" numCol="1" spcCol="1270" anchor="t" anchorCtr="0">
+          <a:noAutofit/>
+        </a:bodyPr>
+        <a:lstStyle/>
+        <a:p>
+          <a:pPr marL="0" lvl="0" indent="0" algn="ctr" defTabSz="889000">
+            <a:lnSpc>
+              <a:spcPct val="90000"/>
+            </a:lnSpc>
+            <a:spcBef>
+              <a:spcPct val="0"/>
+            </a:spcBef>
+            <a:spcAft>
+              <a:spcPct val="35000"/>
+            </a:spcAft>
+            <a:buNone/>
+          </a:pPr>
+          <a:r>
+            <a:rPr lang="en-US" sz="2000" kern="1200" dirty="0"/>
+            <a:t>UI</a:t>
+          </a:r>
+        </a:p>
+        <a:p>
+          <a:pPr marL="0" lvl="0" indent="0" algn="ctr" defTabSz="889000">
+            <a:lnSpc>
+              <a:spcPct val="90000"/>
+            </a:lnSpc>
+            <a:spcBef>
+              <a:spcPct val="0"/>
+            </a:spcBef>
+            <a:spcAft>
+              <a:spcPct val="35000"/>
+            </a:spcAft>
+            <a:buNone/>
+          </a:pPr>
+          <a:r>
+            <a:rPr lang="en-US" sz="1600" kern="1200" dirty="0"/>
+            <a:t>Fun and intuitive</a:t>
+          </a:r>
+        </a:p>
+      </dsp:txBody>
+      <dsp:txXfrm>
+        <a:off x="2691541" y="1765067"/>
+        <a:ext cx="2444055" cy="2053006"/>
+      </dsp:txXfrm>
+    </dsp:sp>
+    <dsp:sp modelId="{DE5A761A-F766-4E26-927C-190D6F821595}">
+      <dsp:nvSpPr>
+        <dsp:cNvPr id="0" name=""/>
+        <dsp:cNvSpPr/>
+      </dsp:nvSpPr>
+      <dsp:spPr>
+        <a:xfrm>
+          <a:off x="3400317" y="806997"/>
+          <a:ext cx="1026503" cy="1026503"/>
+        </a:xfrm>
+        <a:prstGeom prst="ellipse">
+          <a:avLst/>
+        </a:prstGeom>
+        <a:solidFill>
+          <a:srgbClr val="43B02A"/>
+        </a:solidFill>
+        <a:ln w="12700" cap="flat" cmpd="sng" algn="ctr">
+          <a:solidFill>
+            <a:schemeClr val="accent1">
+              <a:hueOff val="0"/>
+              <a:satOff val="0"/>
+              <a:lumOff val="0"/>
+              <a:alphaOff val="0"/>
+            </a:schemeClr>
+          </a:solidFill>
+          <a:prstDash val="solid"/>
+          <a:miter lim="800000"/>
+        </a:ln>
+        <a:effectLst/>
+      </dsp:spPr>
+      <dsp:style>
+        <a:lnRef idx="2">
+          <a:scrgbClr r="0" g="0" b="0"/>
+        </a:lnRef>
+        <a:fillRef idx="1">
+          <a:scrgbClr r="0" g="0" b="0"/>
+        </a:fillRef>
+        <a:effectRef idx="0">
+          <a:scrgbClr r="0" g="0" b="0"/>
+        </a:effectRef>
+        <a:fontRef idx="minor">
+          <a:schemeClr val="lt1"/>
+        </a:fontRef>
+      </dsp:style>
+      <dsp:txBody>
+        <a:bodyPr spcFirstLastPara="0" vert="horz" wrap="square" lIns="80030" tIns="12700" rIns="80030" bIns="12700" numCol="1" spcCol="1270" anchor="ctr" anchorCtr="0">
+          <a:noAutofit/>
+        </a:bodyPr>
+        <a:lstStyle/>
+        <a:p>
+          <a:pPr marL="0" lvl="0" indent="0" algn="ctr" defTabSz="2133600">
+            <a:lnSpc>
+              <a:spcPct val="90000"/>
+            </a:lnSpc>
+            <a:spcBef>
+              <a:spcPct val="0"/>
+            </a:spcBef>
+            <a:spcAft>
+              <a:spcPct val="35000"/>
+            </a:spcAft>
+            <a:buNone/>
+          </a:pPr>
+          <a:r>
+            <a:rPr lang="en-US" sz="4800" kern="1200" dirty="0"/>
+            <a:t>2</a:t>
+          </a:r>
+        </a:p>
+      </dsp:txBody>
+      <dsp:txXfrm>
+        <a:off x="3550645" y="957325"/>
+        <a:ext cx="725847" cy="725847"/>
+      </dsp:txXfrm>
+    </dsp:sp>
+    <dsp:sp modelId="{E03BC08E-6F70-4B97-A67C-A723048DDFDA}">
+      <dsp:nvSpPr>
+        <dsp:cNvPr id="0" name=""/>
+        <dsp:cNvSpPr/>
+      </dsp:nvSpPr>
+      <dsp:spPr>
+        <a:xfrm>
+          <a:off x="2691541" y="3886435"/>
+          <a:ext cx="2444055" cy="72"/>
+        </a:xfrm>
+        <a:prstGeom prst="rect">
+          <a:avLst/>
+        </a:prstGeom>
+        <a:solidFill>
+          <a:schemeClr val="accent1">
+            <a:hueOff val="0"/>
+            <a:satOff val="0"/>
+            <a:lumOff val="0"/>
+            <a:alphaOff val="0"/>
+          </a:schemeClr>
+        </a:solidFill>
+        <a:ln w="12700" cap="flat" cmpd="sng" algn="ctr">
+          <a:solidFill>
+            <a:schemeClr val="accent1">
+              <a:hueOff val="0"/>
+              <a:satOff val="0"/>
+              <a:lumOff val="0"/>
+              <a:alphaOff val="0"/>
+            </a:schemeClr>
+          </a:solidFill>
+          <a:prstDash val="solid"/>
+          <a:miter lim="800000"/>
+        </a:ln>
+        <a:effectLst/>
+      </dsp:spPr>
+      <dsp:style>
+        <a:lnRef idx="2">
+          <a:scrgbClr r="0" g="0" b="0"/>
+        </a:lnRef>
+        <a:fillRef idx="1">
+          <a:scrgbClr r="0" g="0" b="0"/>
+        </a:fillRef>
+        <a:effectRef idx="0">
+          <a:scrgbClr r="0" g="0" b="0"/>
+        </a:effectRef>
+        <a:fontRef idx="minor">
+          <a:schemeClr val="lt1"/>
+        </a:fontRef>
+      </dsp:style>
+    </dsp:sp>
+    <dsp:sp modelId="{545AB69D-C7F1-425F-BDAA-870E1BD9236D}">
+      <dsp:nvSpPr>
+        <dsp:cNvPr id="0" name=""/>
+        <dsp:cNvSpPr/>
+      </dsp:nvSpPr>
+      <dsp:spPr>
+        <a:xfrm>
+          <a:off x="5380002" y="464830"/>
+          <a:ext cx="2444055" cy="3421677"/>
+        </a:xfrm>
+        <a:prstGeom prst="rect">
+          <a:avLst/>
+        </a:prstGeom>
+        <a:solidFill>
+          <a:schemeClr val="bg1">
+            <a:lumMod val="95000"/>
+            <a:hueOff val="0"/>
+            <a:satOff val="0"/>
+            <a:lumOff val="0"/>
+            <a:alphaOff val="0"/>
+          </a:schemeClr>
+        </a:solidFill>
+        <a:ln w="12700" cap="flat" cmpd="sng" algn="ctr">
+          <a:solidFill>
+            <a:schemeClr val="bg1">
+              <a:lumMod val="95000"/>
+              <a:hueOff val="0"/>
+              <a:satOff val="0"/>
+              <a:lumOff val="0"/>
+              <a:alphaOff val="0"/>
+            </a:schemeClr>
+          </a:solidFill>
+          <a:prstDash val="solid"/>
+          <a:miter lim="800000"/>
+        </a:ln>
+        <a:effectLst/>
+      </dsp:spPr>
+      <dsp:style>
+        <a:lnRef idx="2">
+          <a:scrgbClr r="0" g="0" b="0"/>
+        </a:lnRef>
+        <a:fillRef idx="1">
+          <a:scrgbClr r="0" g="0" b="0"/>
+        </a:fillRef>
+        <a:effectRef idx="0">
+          <a:scrgbClr r="0" g="0" b="0"/>
+        </a:effectRef>
+        <a:fontRef idx="minor"/>
+      </dsp:style>
+      <dsp:txBody>
+        <a:bodyPr spcFirstLastPara="0" vert="horz" wrap="square" lIns="190548" tIns="330200" rIns="190548" bIns="330200" numCol="1" spcCol="1270" anchor="t" anchorCtr="0">
+          <a:noAutofit/>
+        </a:bodyPr>
+        <a:lstStyle/>
+        <a:p>
+          <a:pPr marL="0" lvl="0" indent="0" algn="ctr" defTabSz="889000">
+            <a:lnSpc>
+              <a:spcPct val="90000"/>
+            </a:lnSpc>
+            <a:spcBef>
+              <a:spcPct val="0"/>
+            </a:spcBef>
+            <a:spcAft>
+              <a:spcPct val="35000"/>
+            </a:spcAft>
+            <a:buNone/>
+          </a:pPr>
+          <a:r>
+            <a:rPr lang="en-US" sz="2000" kern="1200" dirty="0"/>
+            <a:t>Flow</a:t>
+          </a:r>
+        </a:p>
+        <a:p>
+          <a:pPr marL="0" lvl="0" indent="0" algn="ctr" defTabSz="889000">
+            <a:lnSpc>
+              <a:spcPct val="90000"/>
+            </a:lnSpc>
+            <a:spcBef>
+              <a:spcPct val="0"/>
+            </a:spcBef>
+            <a:spcAft>
+              <a:spcPct val="35000"/>
+            </a:spcAft>
+            <a:buNone/>
+          </a:pPr>
+          <a:r>
+            <a:rPr lang="en-US" sz="1600" kern="1200" dirty="0"/>
+            <a:t>Minimum clicks from launch to publish</a:t>
+          </a:r>
+        </a:p>
+      </dsp:txBody>
+      <dsp:txXfrm>
+        <a:off x="5380002" y="1765067"/>
+        <a:ext cx="2444055" cy="2053006"/>
+      </dsp:txXfrm>
+    </dsp:sp>
+    <dsp:sp modelId="{270DAA37-033C-4FBF-B3C5-F3259E1520CB}">
+      <dsp:nvSpPr>
+        <dsp:cNvPr id="0" name=""/>
+        <dsp:cNvSpPr/>
+      </dsp:nvSpPr>
+      <dsp:spPr>
+        <a:xfrm>
+          <a:off x="6088778" y="806997"/>
+          <a:ext cx="1026503" cy="1026503"/>
+        </a:xfrm>
+        <a:prstGeom prst="ellipse">
+          <a:avLst/>
+        </a:prstGeom>
+        <a:solidFill>
+          <a:srgbClr val="43B02A"/>
+        </a:solidFill>
+        <a:ln w="12700" cap="flat" cmpd="sng" algn="ctr">
+          <a:solidFill>
+            <a:schemeClr val="accent1">
+              <a:hueOff val="0"/>
+              <a:satOff val="0"/>
+              <a:lumOff val="0"/>
+              <a:alphaOff val="0"/>
+            </a:schemeClr>
+          </a:solidFill>
+          <a:prstDash val="solid"/>
+          <a:miter lim="800000"/>
+        </a:ln>
+        <a:effectLst/>
+      </dsp:spPr>
+      <dsp:style>
+        <a:lnRef idx="2">
+          <a:scrgbClr r="0" g="0" b="0"/>
+        </a:lnRef>
+        <a:fillRef idx="1">
+          <a:scrgbClr r="0" g="0" b="0"/>
+        </a:fillRef>
+        <a:effectRef idx="0">
+          <a:scrgbClr r="0" g="0" b="0"/>
+        </a:effectRef>
+        <a:fontRef idx="minor">
+          <a:schemeClr val="lt1"/>
+        </a:fontRef>
+      </dsp:style>
+      <dsp:txBody>
+        <a:bodyPr spcFirstLastPara="0" vert="horz" wrap="square" lIns="80030" tIns="12700" rIns="80030" bIns="12700" numCol="1" spcCol="1270" anchor="ctr" anchorCtr="0">
+          <a:noAutofit/>
+        </a:bodyPr>
+        <a:lstStyle/>
+        <a:p>
+          <a:pPr marL="0" lvl="0" indent="0" algn="ctr" defTabSz="2133600">
+            <a:lnSpc>
+              <a:spcPct val="90000"/>
+            </a:lnSpc>
+            <a:spcBef>
+              <a:spcPct val="0"/>
+            </a:spcBef>
+            <a:spcAft>
+              <a:spcPct val="35000"/>
+            </a:spcAft>
+            <a:buNone/>
+          </a:pPr>
+          <a:r>
+            <a:rPr lang="en-US" sz="4800" kern="1200" dirty="0"/>
+            <a:t>3</a:t>
+          </a:r>
+        </a:p>
+      </dsp:txBody>
+      <dsp:txXfrm>
+        <a:off x="6239106" y="957325"/>
+        <a:ext cx="725847" cy="725847"/>
+      </dsp:txXfrm>
+    </dsp:sp>
+    <dsp:sp modelId="{E95DFE27-C7D9-4A44-BB57-62A16A41A767}">
+      <dsp:nvSpPr>
+        <dsp:cNvPr id="0" name=""/>
+        <dsp:cNvSpPr/>
+      </dsp:nvSpPr>
+      <dsp:spPr>
+        <a:xfrm>
+          <a:off x="5380002" y="3886435"/>
+          <a:ext cx="2444055" cy="72"/>
+        </a:xfrm>
+        <a:prstGeom prst="rect">
+          <a:avLst/>
+        </a:prstGeom>
+        <a:solidFill>
+          <a:schemeClr val="accent1">
+            <a:hueOff val="0"/>
+            <a:satOff val="0"/>
+            <a:lumOff val="0"/>
+            <a:alphaOff val="0"/>
+          </a:schemeClr>
+        </a:solidFill>
+        <a:ln w="12700" cap="flat" cmpd="sng" algn="ctr">
+          <a:solidFill>
+            <a:schemeClr val="accent1">
+              <a:hueOff val="0"/>
+              <a:satOff val="0"/>
+              <a:lumOff val="0"/>
+              <a:alphaOff val="0"/>
+            </a:schemeClr>
+          </a:solidFill>
+          <a:prstDash val="solid"/>
+          <a:miter lim="800000"/>
+        </a:ln>
+        <a:effectLst/>
+      </dsp:spPr>
+      <dsp:style>
+        <a:lnRef idx="2">
+          <a:scrgbClr r="0" g="0" b="0"/>
+        </a:lnRef>
+        <a:fillRef idx="1">
+          <a:scrgbClr r="0" g="0" b="0"/>
+        </a:fillRef>
+        <a:effectRef idx="0">
+          <a:scrgbClr r="0" g="0" b="0"/>
+        </a:effectRef>
+        <a:fontRef idx="minor">
+          <a:schemeClr val="lt1"/>
+        </a:fontRef>
+      </dsp:style>
+    </dsp:sp>
+    <dsp:sp modelId="{9351060C-ACBE-49AC-A648-BD79B54DE694}">
+      <dsp:nvSpPr>
+        <dsp:cNvPr id="0" name=""/>
+        <dsp:cNvSpPr/>
+      </dsp:nvSpPr>
+      <dsp:spPr>
+        <a:xfrm>
+          <a:off x="8068463" y="464830"/>
+          <a:ext cx="2444055" cy="3421677"/>
+        </a:xfrm>
+        <a:prstGeom prst="rect">
+          <a:avLst/>
+        </a:prstGeom>
+        <a:solidFill>
+          <a:schemeClr val="bg1">
+            <a:lumMod val="95000"/>
+            <a:hueOff val="0"/>
+            <a:satOff val="0"/>
+            <a:lumOff val="0"/>
+            <a:alphaOff val="0"/>
+          </a:schemeClr>
+        </a:solidFill>
+        <a:ln w="12700" cap="flat" cmpd="sng" algn="ctr">
+          <a:solidFill>
+            <a:schemeClr val="bg1">
+              <a:lumMod val="95000"/>
+              <a:hueOff val="0"/>
+              <a:satOff val="0"/>
+              <a:lumOff val="0"/>
+              <a:alphaOff val="0"/>
+            </a:schemeClr>
+          </a:solidFill>
+          <a:prstDash val="solid"/>
+          <a:miter lim="800000"/>
+        </a:ln>
+        <a:effectLst/>
+      </dsp:spPr>
+      <dsp:style>
+        <a:lnRef idx="2">
+          <a:scrgbClr r="0" g="0" b="0"/>
+        </a:lnRef>
+        <a:fillRef idx="1">
+          <a:scrgbClr r="0" g="0" b="0"/>
+        </a:fillRef>
+        <a:effectRef idx="0">
+          <a:scrgbClr r="0" g="0" b="0"/>
+        </a:effectRef>
+        <a:fontRef idx="minor"/>
+      </dsp:style>
+      <dsp:txBody>
+        <a:bodyPr spcFirstLastPara="0" vert="horz" wrap="square" lIns="190548" tIns="330200" rIns="190548" bIns="330200" numCol="1" spcCol="1270" anchor="t" anchorCtr="0">
+          <a:noAutofit/>
+        </a:bodyPr>
+        <a:lstStyle/>
+        <a:p>
+          <a:pPr marL="0" lvl="0" indent="0" algn="ctr" defTabSz="889000">
+            <a:lnSpc>
+              <a:spcPct val="90000"/>
+            </a:lnSpc>
+            <a:spcBef>
+              <a:spcPct val="0"/>
+            </a:spcBef>
+            <a:spcAft>
+              <a:spcPct val="35000"/>
+            </a:spcAft>
+            <a:buNone/>
+          </a:pPr>
+          <a:r>
+            <a:rPr lang="en-US" sz="2000" kern="1200" dirty="0"/>
+            <a:t>Discovery</a:t>
+          </a:r>
+        </a:p>
+        <a:p>
+          <a:pPr marL="0" lvl="0" indent="0" algn="ctr" defTabSz="889000">
+            <a:lnSpc>
+              <a:spcPct val="90000"/>
+            </a:lnSpc>
+            <a:spcBef>
+              <a:spcPct val="0"/>
+            </a:spcBef>
+            <a:spcAft>
+              <a:spcPct val="35000"/>
+            </a:spcAft>
+            <a:buNone/>
+          </a:pPr>
+          <a:r>
+            <a:rPr lang="en-US" sz="1600" kern="1200" dirty="0"/>
+            <a:t>Intelligent messaging</a:t>
+          </a:r>
+        </a:p>
+      </dsp:txBody>
+      <dsp:txXfrm>
+        <a:off x="8068463" y="1765067"/>
+        <a:ext cx="2444055" cy="2053006"/>
+      </dsp:txXfrm>
+    </dsp:sp>
+    <dsp:sp modelId="{0976773B-12B7-4330-9710-1EA00090547F}">
+      <dsp:nvSpPr>
+        <dsp:cNvPr id="0" name=""/>
+        <dsp:cNvSpPr/>
+      </dsp:nvSpPr>
+      <dsp:spPr>
+        <a:xfrm>
+          <a:off x="8777239" y="806997"/>
+          <a:ext cx="1026503" cy="1026503"/>
+        </a:xfrm>
+        <a:prstGeom prst="ellipse">
+          <a:avLst/>
+        </a:prstGeom>
+        <a:solidFill>
+          <a:srgbClr val="43B02A"/>
+        </a:solidFill>
+        <a:ln w="12700" cap="flat" cmpd="sng" algn="ctr">
+          <a:solidFill>
+            <a:schemeClr val="accent1">
+              <a:hueOff val="0"/>
+              <a:satOff val="0"/>
+              <a:lumOff val="0"/>
+              <a:alphaOff val="0"/>
+            </a:schemeClr>
+          </a:solidFill>
+          <a:prstDash val="solid"/>
+          <a:miter lim="800000"/>
+        </a:ln>
+        <a:effectLst/>
+      </dsp:spPr>
+      <dsp:style>
+        <a:lnRef idx="2">
+          <a:scrgbClr r="0" g="0" b="0"/>
+        </a:lnRef>
+        <a:fillRef idx="1">
+          <a:scrgbClr r="0" g="0" b="0"/>
+        </a:fillRef>
+        <a:effectRef idx="0">
+          <a:scrgbClr r="0" g="0" b="0"/>
+        </a:effectRef>
+        <a:fontRef idx="minor">
+          <a:schemeClr val="lt1"/>
+        </a:fontRef>
+      </dsp:style>
+      <dsp:txBody>
+        <a:bodyPr spcFirstLastPara="0" vert="horz" wrap="square" lIns="80030" tIns="12700" rIns="80030" bIns="12700" numCol="1" spcCol="1270" anchor="ctr" anchorCtr="0">
+          <a:noAutofit/>
+        </a:bodyPr>
+        <a:lstStyle/>
+        <a:p>
+          <a:pPr marL="0" lvl="0" indent="0" algn="ctr" defTabSz="2133600">
+            <a:lnSpc>
+              <a:spcPct val="90000"/>
+            </a:lnSpc>
+            <a:spcBef>
+              <a:spcPct val="0"/>
+            </a:spcBef>
+            <a:spcAft>
+              <a:spcPct val="35000"/>
+            </a:spcAft>
+            <a:buNone/>
+          </a:pPr>
+          <a:r>
+            <a:rPr lang="en-US" sz="4800" kern="1200"/>
+            <a:t>4</a:t>
+          </a:r>
+        </a:p>
+      </dsp:txBody>
+      <dsp:txXfrm>
+        <a:off x="8927567" y="957325"/>
+        <a:ext cx="725847" cy="725847"/>
+      </dsp:txXfrm>
+    </dsp:sp>
+    <dsp:sp modelId="{865066A0-097F-4E6D-9502-9C489920F2EC}">
+      <dsp:nvSpPr>
+        <dsp:cNvPr id="0" name=""/>
+        <dsp:cNvSpPr/>
+      </dsp:nvSpPr>
+      <dsp:spPr>
+        <a:xfrm>
+          <a:off x="8068463" y="3886435"/>
+          <a:ext cx="2444055" cy="72"/>
+        </a:xfrm>
+        <a:prstGeom prst="rect">
+          <a:avLst/>
+        </a:prstGeom>
+        <a:solidFill>
+          <a:schemeClr val="accent1">
+            <a:hueOff val="0"/>
+            <a:satOff val="0"/>
+            <a:lumOff val="0"/>
+            <a:alphaOff val="0"/>
+          </a:schemeClr>
+        </a:solidFill>
+        <a:ln w="12700" cap="flat" cmpd="sng" algn="ctr">
+          <a:solidFill>
+            <a:schemeClr val="accent1">
+              <a:hueOff val="0"/>
+              <a:satOff val="0"/>
+              <a:lumOff val="0"/>
+              <a:alphaOff val="0"/>
+            </a:schemeClr>
+          </a:solidFill>
+          <a:prstDash val="solid"/>
+          <a:miter lim="800000"/>
+        </a:ln>
+        <a:effectLst/>
+      </dsp:spPr>
+      <dsp:style>
+        <a:lnRef idx="2">
+          <a:scrgbClr r="0" g="0" b="0"/>
+        </a:lnRef>
+        <a:fillRef idx="1">
+          <a:scrgbClr r="0" g="0" b="0"/>
+        </a:fillRef>
+        <a:effectRef idx="0">
+          <a:scrgbClr r="0" g="0" b="0"/>
+        </a:effectRef>
+        <a:fontRef idx="minor">
+          <a:schemeClr val="lt1"/>
+        </a:fontRef>
+      </dsp:style>
+    </dsp:sp>
+  </dsp:spTree>
+</dsp:drawing>
+</file>
+
+<file path=ppt/diagrams/drawing3.xml><?xml version="1.0" encoding="utf-8"?>
+<dsp:drawing xmlns:dgm="http://schemas.openxmlformats.org/drawingml/2006/diagram" xmlns:dsp="http://schemas.microsoft.com/office/drawing/2008/diagram" xmlns:a="http://schemas.openxmlformats.org/drawingml/2006/main">
+  <dsp:spTree>
+    <dsp:nvGrpSpPr>
+      <dsp:cNvPr id="0" name=""/>
+      <dsp:cNvGrpSpPr/>
+    </dsp:nvGrpSpPr>
+    <dsp:grpSpPr/>
+    <dsp:sp modelId="{C10D3F62-C659-484C-A945-0401FE9F6EC5}">
+      <dsp:nvSpPr>
+        <dsp:cNvPr id="0" name=""/>
+        <dsp:cNvSpPr/>
+      </dsp:nvSpPr>
+      <dsp:spPr>
+        <a:xfrm>
+          <a:off x="3080" y="464830"/>
+          <a:ext cx="2444055" cy="3421677"/>
+        </a:xfrm>
+        <a:prstGeom prst="rect">
+          <a:avLst/>
+        </a:prstGeom>
+        <a:solidFill>
+          <a:schemeClr val="bg1">
+            <a:lumMod val="95000"/>
+            <a:hueOff val="0"/>
+            <a:satOff val="0"/>
+            <a:lumOff val="0"/>
+            <a:alphaOff val="0"/>
+          </a:schemeClr>
+        </a:solidFill>
+        <a:ln w="12700" cap="flat" cmpd="sng" algn="ctr">
+          <a:solidFill>
+            <a:schemeClr val="bg1">
+              <a:lumMod val="95000"/>
+              <a:hueOff val="0"/>
+              <a:satOff val="0"/>
+              <a:lumOff val="0"/>
+              <a:alphaOff val="0"/>
+            </a:schemeClr>
+          </a:solidFill>
+          <a:prstDash val="solid"/>
+          <a:miter lim="800000"/>
+        </a:ln>
+        <a:effectLst/>
+      </dsp:spPr>
+      <dsp:style>
+        <a:lnRef idx="2">
+          <a:scrgbClr r="0" g="0" b="0"/>
+        </a:lnRef>
+        <a:fillRef idx="1">
+          <a:scrgbClr r="0" g="0" b="0"/>
+        </a:fillRef>
+        <a:effectRef idx="0">
+          <a:scrgbClr r="0" g="0" b="0"/>
+        </a:effectRef>
+        <a:fontRef idx="minor"/>
+      </dsp:style>
+      <dsp:txBody>
+        <a:bodyPr spcFirstLastPara="0" vert="horz" wrap="square" lIns="190548" tIns="330200" rIns="190548" bIns="330200" numCol="1" spcCol="1270" anchor="t" anchorCtr="0">
+          <a:noAutofit/>
+        </a:bodyPr>
+        <a:lstStyle/>
+        <a:p>
+          <a:pPr marL="0" lvl="0" indent="0" algn="ctr" defTabSz="889000">
+            <a:lnSpc>
+              <a:spcPct val="90000"/>
+            </a:lnSpc>
+            <a:spcBef>
+              <a:spcPct val="0"/>
+            </a:spcBef>
+            <a:spcAft>
+              <a:spcPct val="35000"/>
+            </a:spcAft>
+            <a:buNone/>
+          </a:pPr>
+          <a:r>
+            <a:rPr lang="en-US" sz="2000" kern="1200" dirty="0"/>
+            <a:t>Android</a:t>
+          </a:r>
+        </a:p>
+        <a:p>
+          <a:pPr marL="0" lvl="0" indent="0" algn="ctr" defTabSz="889000">
+            <a:lnSpc>
+              <a:spcPct val="90000"/>
+            </a:lnSpc>
+            <a:spcBef>
+              <a:spcPct val="0"/>
+            </a:spcBef>
+            <a:spcAft>
+              <a:spcPct val="35000"/>
+            </a:spcAft>
+            <a:buNone/>
+          </a:pPr>
+          <a:r>
+            <a:rPr lang="en-US" sz="1600" kern="1200" dirty="0"/>
+            <a:t>Location Services</a:t>
+          </a:r>
+        </a:p>
+        <a:p>
+          <a:pPr marL="0" lvl="0" indent="0" algn="ctr" defTabSz="889000">
+            <a:lnSpc>
+              <a:spcPct val="90000"/>
+            </a:lnSpc>
+            <a:spcBef>
+              <a:spcPct val="0"/>
+            </a:spcBef>
+            <a:spcAft>
+              <a:spcPct val="35000"/>
+            </a:spcAft>
+            <a:buNone/>
+          </a:pPr>
+          <a:r>
+            <a:rPr lang="en-US" sz="1600" kern="1200" dirty="0"/>
+            <a:t>Camera</a:t>
+          </a:r>
+        </a:p>
+        <a:p>
+          <a:pPr marL="0" lvl="0" indent="0" algn="ctr" defTabSz="889000">
+            <a:lnSpc>
+              <a:spcPct val="90000"/>
+            </a:lnSpc>
+            <a:spcBef>
+              <a:spcPct val="0"/>
+            </a:spcBef>
+            <a:spcAft>
+              <a:spcPct val="35000"/>
+            </a:spcAft>
+            <a:buNone/>
+          </a:pPr>
+          <a:endParaRPr lang="en-US" sz="1600" kern="1200" dirty="0"/>
+        </a:p>
+      </dsp:txBody>
+      <dsp:txXfrm>
+        <a:off x="3080" y="1765067"/>
+        <a:ext cx="2444055" cy="2053006"/>
+      </dsp:txXfrm>
+    </dsp:sp>
+    <dsp:sp modelId="{ACAA34E6-767F-4D68-B93B-8FDE92B40A4E}">
+      <dsp:nvSpPr>
+        <dsp:cNvPr id="0" name=""/>
+        <dsp:cNvSpPr/>
+      </dsp:nvSpPr>
+      <dsp:spPr>
+        <a:xfrm>
+          <a:off x="711856" y="806997"/>
+          <a:ext cx="1026503" cy="1026503"/>
+        </a:xfrm>
+        <a:prstGeom prst="ellipse">
+          <a:avLst/>
+        </a:prstGeom>
+        <a:solidFill>
+          <a:srgbClr val="43B02A"/>
+        </a:solidFill>
+        <a:ln w="12700" cap="flat" cmpd="sng" algn="ctr">
+          <a:solidFill>
+            <a:schemeClr val="accent1">
+              <a:hueOff val="0"/>
+              <a:satOff val="0"/>
+              <a:lumOff val="0"/>
+              <a:alphaOff val="0"/>
+            </a:schemeClr>
+          </a:solidFill>
+          <a:prstDash val="solid"/>
+          <a:miter lim="800000"/>
+        </a:ln>
+        <a:effectLst/>
+      </dsp:spPr>
+      <dsp:style>
+        <a:lnRef idx="2">
+          <a:scrgbClr r="0" g="0" b="0"/>
+        </a:lnRef>
+        <a:fillRef idx="1">
+          <a:scrgbClr r="0" g="0" b="0"/>
+        </a:fillRef>
+        <a:effectRef idx="0">
+          <a:scrgbClr r="0" g="0" b="0"/>
+        </a:effectRef>
+        <a:fontRef idx="minor">
+          <a:schemeClr val="lt1"/>
+        </a:fontRef>
+      </dsp:style>
+      <dsp:txBody>
+        <a:bodyPr spcFirstLastPara="0" vert="horz" wrap="square" lIns="80030" tIns="12700" rIns="80030" bIns="12700" numCol="1" spcCol="1270" anchor="ctr" anchorCtr="0">
+          <a:noAutofit/>
+        </a:bodyPr>
+        <a:lstStyle/>
+        <a:p>
+          <a:pPr marL="0" lvl="0" indent="0" algn="ctr" defTabSz="2133600">
+            <a:lnSpc>
+              <a:spcPct val="90000"/>
+            </a:lnSpc>
+            <a:spcBef>
+              <a:spcPct val="0"/>
+            </a:spcBef>
+            <a:spcAft>
+              <a:spcPct val="35000"/>
+            </a:spcAft>
+            <a:buNone/>
+          </a:pPr>
+          <a:r>
+            <a:rPr lang="en-US" sz="4800" kern="1200" dirty="0"/>
+            <a:t>1</a:t>
+          </a:r>
+        </a:p>
+      </dsp:txBody>
+      <dsp:txXfrm>
+        <a:off x="862184" y="957325"/>
+        <a:ext cx="725847" cy="725847"/>
+      </dsp:txXfrm>
+    </dsp:sp>
+    <dsp:sp modelId="{7400FDBD-D909-4EEF-8BE8-F79E84E0AF16}">
+      <dsp:nvSpPr>
+        <dsp:cNvPr id="0" name=""/>
+        <dsp:cNvSpPr/>
+      </dsp:nvSpPr>
+      <dsp:spPr>
+        <a:xfrm>
+          <a:off x="3080" y="3886435"/>
+          <a:ext cx="2444055" cy="72"/>
+        </a:xfrm>
+        <a:prstGeom prst="rect">
+          <a:avLst/>
+        </a:prstGeom>
+        <a:solidFill>
+          <a:schemeClr val="accent1">
+            <a:hueOff val="0"/>
+            <a:satOff val="0"/>
+            <a:lumOff val="0"/>
+            <a:alphaOff val="0"/>
+          </a:schemeClr>
+        </a:solidFill>
+        <a:ln w="12700" cap="flat" cmpd="sng" algn="ctr">
+          <a:solidFill>
+            <a:schemeClr val="accent1">
+              <a:hueOff val="0"/>
+              <a:satOff val="0"/>
+              <a:lumOff val="0"/>
+              <a:alphaOff val="0"/>
+            </a:schemeClr>
+          </a:solidFill>
+          <a:prstDash val="solid"/>
+          <a:miter lim="800000"/>
+        </a:ln>
+        <a:effectLst/>
+      </dsp:spPr>
+      <dsp:style>
+        <a:lnRef idx="2">
+          <a:scrgbClr r="0" g="0" b="0"/>
+        </a:lnRef>
+        <a:fillRef idx="1">
+          <a:scrgbClr r="0" g="0" b="0"/>
+        </a:fillRef>
+        <a:effectRef idx="0">
+          <a:scrgbClr r="0" g="0" b="0"/>
+        </a:effectRef>
+        <a:fontRef idx="minor">
+          <a:schemeClr val="lt1"/>
+        </a:fontRef>
+      </dsp:style>
+    </dsp:sp>
+    <dsp:sp modelId="{BDDD252A-8513-4EDC-B14E-9597C7BD7549}">
+      <dsp:nvSpPr>
+        <dsp:cNvPr id="0" name=""/>
+        <dsp:cNvSpPr/>
+      </dsp:nvSpPr>
+      <dsp:spPr>
+        <a:xfrm>
+          <a:off x="2691541" y="464830"/>
+          <a:ext cx="2444055" cy="3421677"/>
+        </a:xfrm>
+        <a:prstGeom prst="rect">
+          <a:avLst/>
+        </a:prstGeom>
+        <a:solidFill>
+          <a:schemeClr val="bg1">
+            <a:lumMod val="95000"/>
+            <a:hueOff val="0"/>
+            <a:satOff val="0"/>
+            <a:lumOff val="0"/>
+            <a:alphaOff val="0"/>
+          </a:schemeClr>
+        </a:solidFill>
+        <a:ln w="12700" cap="flat" cmpd="sng" algn="ctr">
+          <a:solidFill>
+            <a:schemeClr val="bg1">
+              <a:lumMod val="95000"/>
+              <a:hueOff val="0"/>
+              <a:satOff val="0"/>
+              <a:lumOff val="0"/>
+              <a:alphaOff val="0"/>
+            </a:schemeClr>
+          </a:solidFill>
+          <a:prstDash val="solid"/>
+          <a:miter lim="800000"/>
+        </a:ln>
+        <a:effectLst/>
+      </dsp:spPr>
+      <dsp:style>
+        <a:lnRef idx="2">
+          <a:scrgbClr r="0" g="0" b="0"/>
+        </a:lnRef>
+        <a:fillRef idx="1">
+          <a:scrgbClr r="0" g="0" b="0"/>
+        </a:fillRef>
+        <a:effectRef idx="0">
+          <a:scrgbClr r="0" g="0" b="0"/>
+        </a:effectRef>
+        <a:fontRef idx="minor"/>
+      </dsp:style>
+      <dsp:txBody>
+        <a:bodyPr spcFirstLastPara="0" vert="horz" wrap="square" lIns="190548" tIns="330200" rIns="190548" bIns="330200" numCol="1" spcCol="1270" anchor="t" anchorCtr="0">
+          <a:noAutofit/>
+        </a:bodyPr>
+        <a:lstStyle/>
+        <a:p>
+          <a:pPr marL="0" lvl="0" indent="0" algn="ctr" defTabSz="889000">
+            <a:lnSpc>
+              <a:spcPct val="90000"/>
+            </a:lnSpc>
+            <a:spcBef>
+              <a:spcPct val="0"/>
+            </a:spcBef>
+            <a:spcAft>
+              <a:spcPct val="35000"/>
+            </a:spcAft>
+            <a:buNone/>
+          </a:pPr>
+          <a:r>
+            <a:rPr lang="en-US" sz="2000" kern="1200" dirty="0"/>
+            <a:t>Firebase </a:t>
+          </a:r>
+        </a:p>
+        <a:p>
+          <a:pPr marL="0" lvl="0" indent="0" algn="ctr" defTabSz="889000">
+            <a:lnSpc>
+              <a:spcPct val="90000"/>
+            </a:lnSpc>
+            <a:spcBef>
+              <a:spcPct val="0"/>
+            </a:spcBef>
+            <a:spcAft>
+              <a:spcPct val="35000"/>
+            </a:spcAft>
+            <a:buNone/>
+          </a:pPr>
+          <a:r>
+            <a:rPr lang="en-US" sz="1600" kern="1200" dirty="0" err="1"/>
+            <a:t>Realtime</a:t>
+          </a:r>
+          <a:r>
+            <a:rPr lang="en-US" sz="1600" kern="1200" dirty="0"/>
+            <a:t> Database</a:t>
+          </a:r>
+        </a:p>
+        <a:p>
+          <a:pPr marL="0" lvl="0" indent="0" algn="ctr" defTabSz="889000">
+            <a:lnSpc>
+              <a:spcPct val="90000"/>
+            </a:lnSpc>
+            <a:spcBef>
+              <a:spcPct val="0"/>
+            </a:spcBef>
+            <a:spcAft>
+              <a:spcPct val="35000"/>
+            </a:spcAft>
+            <a:buNone/>
+          </a:pPr>
+          <a:r>
+            <a:rPr lang="en-US" sz="1600" kern="1200" dirty="0"/>
+            <a:t>Functions</a:t>
+          </a:r>
+        </a:p>
+        <a:p>
+          <a:pPr marL="0" lvl="0" indent="0" algn="ctr" defTabSz="889000">
+            <a:lnSpc>
+              <a:spcPct val="90000"/>
+            </a:lnSpc>
+            <a:spcBef>
+              <a:spcPct val="0"/>
+            </a:spcBef>
+            <a:spcAft>
+              <a:spcPct val="35000"/>
+            </a:spcAft>
+            <a:buNone/>
+          </a:pPr>
+          <a:r>
+            <a:rPr lang="en-US" sz="1600" kern="1200" dirty="0"/>
+            <a:t>Cloud Messaging</a:t>
+          </a:r>
+        </a:p>
+      </dsp:txBody>
+      <dsp:txXfrm>
+        <a:off x="2691541" y="1765067"/>
+        <a:ext cx="2444055" cy="2053006"/>
+      </dsp:txXfrm>
+    </dsp:sp>
+    <dsp:sp modelId="{DE5A761A-F766-4E26-927C-190D6F821595}">
+      <dsp:nvSpPr>
+        <dsp:cNvPr id="0" name=""/>
+        <dsp:cNvSpPr/>
+      </dsp:nvSpPr>
+      <dsp:spPr>
+        <a:xfrm>
+          <a:off x="3400317" y="806997"/>
+          <a:ext cx="1026503" cy="1026503"/>
+        </a:xfrm>
+        <a:prstGeom prst="ellipse">
+          <a:avLst/>
+        </a:prstGeom>
+        <a:solidFill>
+          <a:srgbClr val="43B02A"/>
+        </a:solidFill>
+        <a:ln w="12700" cap="flat" cmpd="sng" algn="ctr">
+          <a:solidFill>
+            <a:schemeClr val="accent1">
+              <a:hueOff val="0"/>
+              <a:satOff val="0"/>
+              <a:lumOff val="0"/>
+              <a:alphaOff val="0"/>
+            </a:schemeClr>
+          </a:solidFill>
+          <a:prstDash val="solid"/>
+          <a:miter lim="800000"/>
+        </a:ln>
+        <a:effectLst/>
+      </dsp:spPr>
+      <dsp:style>
+        <a:lnRef idx="2">
+          <a:scrgbClr r="0" g="0" b="0"/>
+        </a:lnRef>
+        <a:fillRef idx="1">
+          <a:scrgbClr r="0" g="0" b="0"/>
+        </a:fillRef>
+        <a:effectRef idx="0">
+          <a:scrgbClr r="0" g="0" b="0"/>
+        </a:effectRef>
+        <a:fontRef idx="minor">
+          <a:schemeClr val="lt1"/>
+        </a:fontRef>
+      </dsp:style>
+      <dsp:txBody>
+        <a:bodyPr spcFirstLastPara="0" vert="horz" wrap="square" lIns="80030" tIns="12700" rIns="80030" bIns="12700" numCol="1" spcCol="1270" anchor="ctr" anchorCtr="0">
+          <a:noAutofit/>
+        </a:bodyPr>
+        <a:lstStyle/>
+        <a:p>
+          <a:pPr marL="0" lvl="0" indent="0" algn="ctr" defTabSz="2133600">
+            <a:lnSpc>
+              <a:spcPct val="90000"/>
+            </a:lnSpc>
+            <a:spcBef>
+              <a:spcPct val="0"/>
+            </a:spcBef>
+            <a:spcAft>
+              <a:spcPct val="35000"/>
+            </a:spcAft>
+            <a:buNone/>
+          </a:pPr>
+          <a:r>
+            <a:rPr lang="en-US" sz="4800" kern="1200" dirty="0"/>
+            <a:t>2</a:t>
+          </a:r>
+        </a:p>
+      </dsp:txBody>
+      <dsp:txXfrm>
+        <a:off x="3550645" y="957325"/>
+        <a:ext cx="725847" cy="725847"/>
+      </dsp:txXfrm>
+    </dsp:sp>
+    <dsp:sp modelId="{E03BC08E-6F70-4B97-A67C-A723048DDFDA}">
+      <dsp:nvSpPr>
+        <dsp:cNvPr id="0" name=""/>
+        <dsp:cNvSpPr/>
+      </dsp:nvSpPr>
+      <dsp:spPr>
+        <a:xfrm>
+          <a:off x="2691541" y="3886435"/>
+          <a:ext cx="2444055" cy="72"/>
+        </a:xfrm>
+        <a:prstGeom prst="rect">
+          <a:avLst/>
+        </a:prstGeom>
+        <a:solidFill>
+          <a:schemeClr val="accent1">
+            <a:hueOff val="0"/>
+            <a:satOff val="0"/>
+            <a:lumOff val="0"/>
+            <a:alphaOff val="0"/>
+          </a:schemeClr>
+        </a:solidFill>
+        <a:ln w="12700" cap="flat" cmpd="sng" algn="ctr">
+          <a:solidFill>
+            <a:schemeClr val="accent1">
+              <a:hueOff val="0"/>
+              <a:satOff val="0"/>
+              <a:lumOff val="0"/>
+              <a:alphaOff val="0"/>
+            </a:schemeClr>
+          </a:solidFill>
+          <a:prstDash val="solid"/>
+          <a:miter lim="800000"/>
+        </a:ln>
+        <a:effectLst/>
+      </dsp:spPr>
+      <dsp:style>
+        <a:lnRef idx="2">
+          <a:scrgbClr r="0" g="0" b="0"/>
+        </a:lnRef>
+        <a:fillRef idx="1">
+          <a:scrgbClr r="0" g="0" b="0"/>
+        </a:fillRef>
+        <a:effectRef idx="0">
+          <a:scrgbClr r="0" g="0" b="0"/>
+        </a:effectRef>
+        <a:fontRef idx="minor">
+          <a:schemeClr val="lt1"/>
+        </a:fontRef>
+      </dsp:style>
+    </dsp:sp>
+    <dsp:sp modelId="{545AB69D-C7F1-425F-BDAA-870E1BD9236D}">
+      <dsp:nvSpPr>
+        <dsp:cNvPr id="0" name=""/>
+        <dsp:cNvSpPr/>
+      </dsp:nvSpPr>
+      <dsp:spPr>
+        <a:xfrm>
+          <a:off x="5380002" y="464830"/>
+          <a:ext cx="2444055" cy="3421677"/>
+        </a:xfrm>
+        <a:prstGeom prst="rect">
+          <a:avLst/>
+        </a:prstGeom>
+        <a:solidFill>
+          <a:schemeClr val="bg1">
+            <a:lumMod val="95000"/>
+            <a:hueOff val="0"/>
+            <a:satOff val="0"/>
+            <a:lumOff val="0"/>
+            <a:alphaOff val="0"/>
+          </a:schemeClr>
+        </a:solidFill>
+        <a:ln w="12700" cap="flat" cmpd="sng" algn="ctr">
+          <a:solidFill>
+            <a:schemeClr val="bg1">
+              <a:lumMod val="95000"/>
+              <a:hueOff val="0"/>
+              <a:satOff val="0"/>
+              <a:lumOff val="0"/>
+              <a:alphaOff val="0"/>
+            </a:schemeClr>
+          </a:solidFill>
+          <a:prstDash val="solid"/>
+          <a:miter lim="800000"/>
+        </a:ln>
+        <a:effectLst/>
+      </dsp:spPr>
+      <dsp:style>
+        <a:lnRef idx="2">
+          <a:scrgbClr r="0" g="0" b="0"/>
+        </a:lnRef>
+        <a:fillRef idx="1">
+          <a:scrgbClr r="0" g="0" b="0"/>
+        </a:fillRef>
+        <a:effectRef idx="0">
+          <a:scrgbClr r="0" g="0" b="0"/>
+        </a:effectRef>
+        <a:fontRef idx="minor"/>
+      </dsp:style>
+      <dsp:txBody>
+        <a:bodyPr spcFirstLastPara="0" vert="horz" wrap="square" lIns="190548" tIns="330200" rIns="190548" bIns="330200" numCol="1" spcCol="1270" anchor="t" anchorCtr="0">
+          <a:noAutofit/>
+        </a:bodyPr>
+        <a:lstStyle/>
+        <a:p>
+          <a:pPr marL="0" lvl="0" indent="0" algn="ctr" defTabSz="889000">
+            <a:lnSpc>
+              <a:spcPct val="90000"/>
+            </a:lnSpc>
+            <a:spcBef>
+              <a:spcPct val="0"/>
+            </a:spcBef>
+            <a:spcAft>
+              <a:spcPct val="35000"/>
+            </a:spcAft>
+            <a:buNone/>
+          </a:pPr>
+          <a:r>
+            <a:rPr lang="en-US" sz="2000" kern="1200" dirty="0"/>
+            <a:t>Third Party Libraries</a:t>
+          </a:r>
+        </a:p>
+        <a:p>
+          <a:pPr marL="0" lvl="0" indent="0" algn="ctr" defTabSz="889000">
+            <a:lnSpc>
+              <a:spcPct val="90000"/>
+            </a:lnSpc>
+            <a:spcBef>
+              <a:spcPct val="0"/>
+            </a:spcBef>
+            <a:spcAft>
+              <a:spcPct val="35000"/>
+            </a:spcAft>
+            <a:buNone/>
+          </a:pPr>
+          <a:r>
+            <a:rPr lang="en-US" sz="1600" kern="1200" dirty="0"/>
+            <a:t>Animation</a:t>
+          </a:r>
+        </a:p>
+        <a:p>
+          <a:pPr marL="0" lvl="0" indent="0" algn="ctr" defTabSz="889000">
+            <a:lnSpc>
+              <a:spcPct val="90000"/>
+            </a:lnSpc>
+            <a:spcBef>
+              <a:spcPct val="0"/>
+            </a:spcBef>
+            <a:spcAft>
+              <a:spcPct val="35000"/>
+            </a:spcAft>
+            <a:buNone/>
+          </a:pPr>
+          <a:r>
+            <a:rPr lang="en-US" sz="1600" kern="1200" dirty="0"/>
+            <a:t>Gestures</a:t>
+          </a:r>
+        </a:p>
+      </dsp:txBody>
+      <dsp:txXfrm>
+        <a:off x="5380002" y="1765067"/>
+        <a:ext cx="2444055" cy="2053006"/>
+      </dsp:txXfrm>
+    </dsp:sp>
+    <dsp:sp modelId="{270DAA37-033C-4FBF-B3C5-F3259E1520CB}">
+      <dsp:nvSpPr>
+        <dsp:cNvPr id="0" name=""/>
+        <dsp:cNvSpPr/>
+      </dsp:nvSpPr>
+      <dsp:spPr>
+        <a:xfrm>
+          <a:off x="6088778" y="806997"/>
+          <a:ext cx="1026503" cy="1026503"/>
+        </a:xfrm>
+        <a:prstGeom prst="ellipse">
+          <a:avLst/>
+        </a:prstGeom>
+        <a:solidFill>
+          <a:srgbClr val="43B02A"/>
+        </a:solidFill>
+        <a:ln w="12700" cap="flat" cmpd="sng" algn="ctr">
+          <a:solidFill>
+            <a:schemeClr val="accent1">
+              <a:hueOff val="0"/>
+              <a:satOff val="0"/>
+              <a:lumOff val="0"/>
+              <a:alphaOff val="0"/>
+            </a:schemeClr>
+          </a:solidFill>
+          <a:prstDash val="solid"/>
+          <a:miter lim="800000"/>
+        </a:ln>
+        <a:effectLst/>
+      </dsp:spPr>
+      <dsp:style>
+        <a:lnRef idx="2">
+          <a:scrgbClr r="0" g="0" b="0"/>
+        </a:lnRef>
+        <a:fillRef idx="1">
+          <a:scrgbClr r="0" g="0" b="0"/>
+        </a:fillRef>
+        <a:effectRef idx="0">
+          <a:scrgbClr r="0" g="0" b="0"/>
+        </a:effectRef>
+        <a:fontRef idx="minor">
+          <a:schemeClr val="lt1"/>
+        </a:fontRef>
+      </dsp:style>
+      <dsp:txBody>
+        <a:bodyPr spcFirstLastPara="0" vert="horz" wrap="square" lIns="80030" tIns="12700" rIns="80030" bIns="12700" numCol="1" spcCol="1270" anchor="ctr" anchorCtr="0">
+          <a:noAutofit/>
+        </a:bodyPr>
+        <a:lstStyle/>
+        <a:p>
+          <a:pPr marL="0" lvl="0" indent="0" algn="ctr" defTabSz="2133600">
+            <a:lnSpc>
+              <a:spcPct val="90000"/>
+            </a:lnSpc>
+            <a:spcBef>
+              <a:spcPct val="0"/>
+            </a:spcBef>
+            <a:spcAft>
+              <a:spcPct val="35000"/>
+            </a:spcAft>
+            <a:buNone/>
+          </a:pPr>
+          <a:r>
+            <a:rPr lang="en-US" sz="4800" kern="1200" dirty="0"/>
+            <a:t>3</a:t>
+          </a:r>
+        </a:p>
+      </dsp:txBody>
+      <dsp:txXfrm>
+        <a:off x="6239106" y="957325"/>
+        <a:ext cx="725847" cy="725847"/>
+      </dsp:txXfrm>
+    </dsp:sp>
+    <dsp:sp modelId="{E95DFE27-C7D9-4A44-BB57-62A16A41A767}">
+      <dsp:nvSpPr>
+        <dsp:cNvPr id="0" name=""/>
+        <dsp:cNvSpPr/>
+      </dsp:nvSpPr>
+      <dsp:spPr>
+        <a:xfrm>
+          <a:off x="5380002" y="3886435"/>
+          <a:ext cx="2444055" cy="72"/>
+        </a:xfrm>
+        <a:prstGeom prst="rect">
+          <a:avLst/>
+        </a:prstGeom>
+        <a:solidFill>
+          <a:schemeClr val="accent1">
+            <a:hueOff val="0"/>
+            <a:satOff val="0"/>
+            <a:lumOff val="0"/>
+            <a:alphaOff val="0"/>
+          </a:schemeClr>
+        </a:solidFill>
+        <a:ln w="12700" cap="flat" cmpd="sng" algn="ctr">
+          <a:solidFill>
+            <a:schemeClr val="accent1">
+              <a:hueOff val="0"/>
+              <a:satOff val="0"/>
+              <a:lumOff val="0"/>
+              <a:alphaOff val="0"/>
+            </a:schemeClr>
+          </a:solidFill>
+          <a:prstDash val="solid"/>
+          <a:miter lim="800000"/>
+        </a:ln>
+        <a:effectLst/>
+      </dsp:spPr>
+      <dsp:style>
+        <a:lnRef idx="2">
+          <a:scrgbClr r="0" g="0" b="0"/>
+        </a:lnRef>
+        <a:fillRef idx="1">
+          <a:scrgbClr r="0" g="0" b="0"/>
+        </a:fillRef>
+        <a:effectRef idx="0">
+          <a:scrgbClr r="0" g="0" b="0"/>
+        </a:effectRef>
+        <a:fontRef idx="minor">
+          <a:schemeClr val="lt1"/>
+        </a:fontRef>
+      </dsp:style>
+    </dsp:sp>
+    <dsp:sp modelId="{9351060C-ACBE-49AC-A648-BD79B54DE694}">
+      <dsp:nvSpPr>
+        <dsp:cNvPr id="0" name=""/>
+        <dsp:cNvSpPr/>
+      </dsp:nvSpPr>
+      <dsp:spPr>
+        <a:xfrm>
+          <a:off x="8068463" y="464830"/>
+          <a:ext cx="2444055" cy="3421677"/>
+        </a:xfrm>
+        <a:prstGeom prst="rect">
+          <a:avLst/>
+        </a:prstGeom>
+        <a:solidFill>
+          <a:schemeClr val="bg1">
+            <a:lumMod val="95000"/>
+            <a:hueOff val="0"/>
+            <a:satOff val="0"/>
+            <a:lumOff val="0"/>
+            <a:alphaOff val="0"/>
+          </a:schemeClr>
+        </a:solidFill>
+        <a:ln w="12700" cap="flat" cmpd="sng" algn="ctr">
+          <a:solidFill>
+            <a:schemeClr val="bg1">
+              <a:lumMod val="95000"/>
+              <a:hueOff val="0"/>
+              <a:satOff val="0"/>
+              <a:lumOff val="0"/>
+              <a:alphaOff val="0"/>
+            </a:schemeClr>
+          </a:solidFill>
+          <a:prstDash val="solid"/>
+          <a:miter lim="800000"/>
+        </a:ln>
+        <a:effectLst/>
+      </dsp:spPr>
+      <dsp:style>
+        <a:lnRef idx="2">
+          <a:scrgbClr r="0" g="0" b="0"/>
+        </a:lnRef>
+        <a:fillRef idx="1">
+          <a:scrgbClr r="0" g="0" b="0"/>
+        </a:fillRef>
+        <a:effectRef idx="0">
+          <a:scrgbClr r="0" g="0" b="0"/>
+        </a:effectRef>
+        <a:fontRef idx="minor"/>
+      </dsp:style>
+      <dsp:txBody>
+        <a:bodyPr spcFirstLastPara="0" vert="horz" wrap="square" lIns="190548" tIns="330200" rIns="190548" bIns="330200" numCol="1" spcCol="1270" anchor="t" anchorCtr="0">
+          <a:noAutofit/>
+        </a:bodyPr>
+        <a:lstStyle/>
+        <a:p>
+          <a:pPr marL="0" lvl="0" indent="0" algn="ctr" defTabSz="889000">
+            <a:lnSpc>
+              <a:spcPct val="90000"/>
+            </a:lnSpc>
+            <a:spcBef>
+              <a:spcPct val="0"/>
+            </a:spcBef>
+            <a:spcAft>
+              <a:spcPct val="35000"/>
+            </a:spcAft>
+            <a:buNone/>
+          </a:pPr>
+          <a:r>
+            <a:rPr lang="en-US" sz="2000" kern="1200" dirty="0"/>
+            <a:t>Anything else?</a:t>
+          </a:r>
+          <a:endParaRPr lang="en-US" sz="1600" kern="1200" dirty="0"/>
+        </a:p>
+      </dsp:txBody>
+      <dsp:txXfrm>
+        <a:off x="8068463" y="1765067"/>
+        <a:ext cx="2444055" cy="2053006"/>
+      </dsp:txXfrm>
+    </dsp:sp>
+    <dsp:sp modelId="{0976773B-12B7-4330-9710-1EA00090547F}">
+      <dsp:nvSpPr>
+        <dsp:cNvPr id="0" name=""/>
+        <dsp:cNvSpPr/>
+      </dsp:nvSpPr>
+      <dsp:spPr>
+        <a:xfrm>
+          <a:off x="8777239" y="806997"/>
+          <a:ext cx="1026503" cy="1026503"/>
+        </a:xfrm>
+        <a:prstGeom prst="ellipse">
+          <a:avLst/>
+        </a:prstGeom>
+        <a:solidFill>
+          <a:srgbClr val="43B02A"/>
+        </a:solidFill>
+        <a:ln w="12700" cap="flat" cmpd="sng" algn="ctr">
+          <a:solidFill>
+            <a:schemeClr val="accent1">
+              <a:hueOff val="0"/>
+              <a:satOff val="0"/>
+              <a:lumOff val="0"/>
+              <a:alphaOff val="0"/>
+            </a:schemeClr>
+          </a:solidFill>
+          <a:prstDash val="solid"/>
+          <a:miter lim="800000"/>
+        </a:ln>
+        <a:effectLst/>
+      </dsp:spPr>
+      <dsp:style>
+        <a:lnRef idx="2">
+          <a:scrgbClr r="0" g="0" b="0"/>
+        </a:lnRef>
+        <a:fillRef idx="1">
+          <a:scrgbClr r="0" g="0" b="0"/>
+        </a:fillRef>
+        <a:effectRef idx="0">
+          <a:scrgbClr r="0" g="0" b="0"/>
+        </a:effectRef>
+        <a:fontRef idx="minor">
+          <a:schemeClr val="lt1"/>
+        </a:fontRef>
+      </dsp:style>
+      <dsp:txBody>
+        <a:bodyPr spcFirstLastPara="0" vert="horz" wrap="square" lIns="80030" tIns="12700" rIns="80030" bIns="12700" numCol="1" spcCol="1270" anchor="ctr" anchorCtr="0">
+          <a:noAutofit/>
+        </a:bodyPr>
+        <a:lstStyle/>
+        <a:p>
+          <a:pPr marL="0" lvl="0" indent="0" algn="ctr" defTabSz="2133600">
+            <a:lnSpc>
+              <a:spcPct val="90000"/>
+            </a:lnSpc>
+            <a:spcBef>
+              <a:spcPct val="0"/>
+            </a:spcBef>
+            <a:spcAft>
+              <a:spcPct val="35000"/>
+            </a:spcAft>
+            <a:buNone/>
+          </a:pPr>
+          <a:r>
+            <a:rPr lang="en-US" sz="4800" kern="1200"/>
+            <a:t>4</a:t>
+          </a:r>
+        </a:p>
+      </dsp:txBody>
+      <dsp:txXfrm>
+        <a:off x="8927567" y="957325"/>
+        <a:ext cx="725847" cy="725847"/>
+      </dsp:txXfrm>
+    </dsp:sp>
+    <dsp:sp modelId="{865066A0-097F-4E6D-9502-9C489920F2EC}">
+      <dsp:nvSpPr>
+        <dsp:cNvPr id="0" name=""/>
+        <dsp:cNvSpPr/>
+      </dsp:nvSpPr>
+      <dsp:spPr>
+        <a:xfrm>
+          <a:off x="8068463" y="3886435"/>
+          <a:ext cx="2444055" cy="72"/>
+        </a:xfrm>
+        <a:prstGeom prst="rect">
+          <a:avLst/>
+        </a:prstGeom>
+        <a:solidFill>
+          <a:schemeClr val="accent1">
+            <a:hueOff val="0"/>
+            <a:satOff val="0"/>
+            <a:lumOff val="0"/>
+            <a:alphaOff val="0"/>
+          </a:schemeClr>
+        </a:solidFill>
+        <a:ln w="12700" cap="flat" cmpd="sng" algn="ctr">
+          <a:solidFill>
+            <a:schemeClr val="accent1">
+              <a:hueOff val="0"/>
+              <a:satOff val="0"/>
+              <a:lumOff val="0"/>
+              <a:alphaOff val="0"/>
+            </a:schemeClr>
+          </a:solidFill>
+          <a:prstDash val="solid"/>
+          <a:miter lim="800000"/>
+        </a:ln>
+        <a:effectLst/>
+      </dsp:spPr>
+      <dsp:style>
+        <a:lnRef idx="2">
+          <a:scrgbClr r="0" g="0" b="0"/>
+        </a:lnRef>
+        <a:fillRef idx="1">
+          <a:scrgbClr r="0" g="0" b="0"/>
+        </a:fillRef>
+        <a:effectRef idx="0">
+          <a:scrgbClr r="0" g="0" b="0"/>
+        </a:effectRef>
+        <a:fontRef idx="minor">
+          <a:schemeClr val="lt1"/>
+        </a:fontRef>
+      </dsp:style>
+    </dsp:sp>
+  </dsp:spTree>
+</dsp:drawing>
+</file>
+
+<file path=ppt/diagrams/drawing4.xml><?xml version="1.0" encoding="utf-8"?>
+<dsp:drawing xmlns:dgm="http://schemas.openxmlformats.org/drawingml/2006/diagram" xmlns:dsp="http://schemas.microsoft.com/office/drawing/2008/diagram" xmlns:a="http://schemas.openxmlformats.org/drawingml/2006/main">
+  <dsp:spTree>
+    <dsp:nvGrpSpPr>
+      <dsp:cNvPr id="0" name=""/>
+      <dsp:cNvGrpSpPr/>
+    </dsp:nvGrpSpPr>
+    <dsp:grpSpPr/>
+    <dsp:sp modelId="{C10D3F62-C659-484C-A945-0401FE9F6EC5}">
+      <dsp:nvSpPr>
+        <dsp:cNvPr id="0" name=""/>
+        <dsp:cNvSpPr/>
+      </dsp:nvSpPr>
+      <dsp:spPr>
+        <a:xfrm>
+          <a:off x="3080" y="464830"/>
+          <a:ext cx="2444055" cy="3421677"/>
+        </a:xfrm>
+        <a:prstGeom prst="rect">
+          <a:avLst/>
+        </a:prstGeom>
+        <a:solidFill>
+          <a:schemeClr val="bg1">
+            <a:lumMod val="95000"/>
+            <a:hueOff val="0"/>
+            <a:satOff val="0"/>
+            <a:lumOff val="0"/>
+            <a:alphaOff val="0"/>
+          </a:schemeClr>
+        </a:solidFill>
+        <a:ln w="12700" cap="flat" cmpd="sng" algn="ctr">
+          <a:solidFill>
+            <a:schemeClr val="bg1">
+              <a:lumMod val="95000"/>
+              <a:hueOff val="0"/>
+              <a:satOff val="0"/>
+              <a:lumOff val="0"/>
+              <a:alphaOff val="0"/>
+            </a:schemeClr>
+          </a:solidFill>
+          <a:prstDash val="solid"/>
+          <a:miter lim="800000"/>
+        </a:ln>
+        <a:effectLst/>
+      </dsp:spPr>
+      <dsp:style>
+        <a:lnRef idx="2">
+          <a:scrgbClr r="0" g="0" b="0"/>
+        </a:lnRef>
+        <a:fillRef idx="1">
+          <a:scrgbClr r="0" g="0" b="0"/>
+        </a:fillRef>
+        <a:effectRef idx="0">
+          <a:scrgbClr r="0" g="0" b="0"/>
+        </a:effectRef>
+        <a:fontRef idx="minor"/>
+      </dsp:style>
+      <dsp:txBody>
+        <a:bodyPr spcFirstLastPara="0" vert="horz" wrap="square" lIns="190548" tIns="330200" rIns="190548" bIns="330200" numCol="1" spcCol="1270" anchor="t" anchorCtr="0">
+          <a:noAutofit/>
+        </a:bodyPr>
+        <a:lstStyle/>
+        <a:p>
+          <a:pPr marL="0" lvl="0" indent="0" algn="ctr" defTabSz="889000">
+            <a:lnSpc>
+              <a:spcPct val="90000"/>
+            </a:lnSpc>
+            <a:spcBef>
+              <a:spcPct val="0"/>
+            </a:spcBef>
+            <a:spcAft>
+              <a:spcPct val="35000"/>
+            </a:spcAft>
+            <a:buNone/>
+          </a:pPr>
+          <a:r>
+            <a:rPr lang="en-US" sz="2000" kern="1200" dirty="0"/>
             <a:t>Payments</a:t>
           </a:r>
         </a:p>
@@ -4570,7 +8811,7 @@
   </dgm:layoutNode>
   <dgm:extLst>
     <a:ext uri="{4F341089-5ED1-44EC-B178-C955D00A3D55}">
-      <dgm1611:autoBuNodeInfoLst xmlns:dgm1611="http://schemas.microsoft.com/office/drawing/2016/11/diagram" xmlns="">
+      <dgm1611:autoBuNodeInfoLst xmlns="" xmlns:dgm1611="http://schemas.microsoft.com/office/drawing/2016/11/diagram">
         <dgm1611:autoBuNodeInfo lvl="1" ptType="sibTrans">
           <dgm1611:buPr prefix="" leadZeros="0">
             <a:buAutoNum type="arabicParenBoth"/>
@@ -4847,7 +9088,561 @@
   </dgm:layoutNode>
   <dgm:extLst>
     <a:ext uri="{4F341089-5ED1-44EC-B178-C955D00A3D55}">
-      <dgm1611:autoBuNodeInfoLst xmlns:dgm1611="http://schemas.microsoft.com/office/drawing/2016/11/diagram" xmlns="">
+      <dgm1611:autoBuNodeInfoLst xmlns="" xmlns:dgm1611="http://schemas.microsoft.com/office/drawing/2016/11/diagram">
+        <dgm1611:autoBuNodeInfo lvl="1" ptType="sibTrans">
+          <dgm1611:buPr prefix="" leadZeros="0">
+            <a:buAutoNum type="arabicParenBoth"/>
+          </dgm1611:buPr>
+        </dgm1611:autoBuNodeInfo>
+      </dgm1611:autoBuNodeInfoLst>
+    </a:ext>
+  </dgm:extLst>
+</dgm:layoutDef>
+</file>
+
+<file path=ppt/diagrams/layout3.xml><?xml version="1.0" encoding="utf-8"?>
+<dgm:layoutDef xmlns:dgm="http://schemas.openxmlformats.org/drawingml/2006/diagram" xmlns:a="http://schemas.openxmlformats.org/drawingml/2006/main" uniqueId="urn:microsoft.com/office/officeart/2016/7/layout/BasicLinearProcessNumbered">
+  <dgm:title val="Basic Linear Process Numbered"/>
+  <dgm:desc val="Used to show a progression; a timeline; sequential steps in a task, process, or workflow; or to emphasize movement or direction. Automatic numbers have been introduced to show the steps of the process which appears in a circle. Level 1 and Level 2 text appear in a rectangle."/>
+  <dgm:catLst>
+    <dgm:cat type="process" pri="500"/>
+  </dgm:catLst>
+  <dgm:sampData>
+    <dgm:dataModel>
+      <dgm:ptLst>
+        <dgm:pt modelId="0" type="doc"/>
+        <dgm:pt modelId="1">
+          <dgm:prSet phldr="1"/>
+        </dgm:pt>
+        <dgm:pt modelId="11">
+          <dgm:prSet phldr="1"/>
+        </dgm:pt>
+        <dgm:pt modelId="2">
+          <dgm:prSet phldr="1"/>
+        </dgm:pt>
+        <dgm:pt modelId="21">
+          <dgm:prSet phldr="1"/>
+        </dgm:pt>
+        <dgm:pt modelId="3">
+          <dgm:prSet phldr="1"/>
+        </dgm:pt>
+        <dgm:pt modelId="31">
+          <dgm:prSet phldr="1"/>
+        </dgm:pt>
+        <dgm:pt modelId="101" type="sibTrans" cxnId="4">
+          <dgm:prSet phldrT="1"/>
+          <dgm:t>
+            <a:bodyPr/>
+            <a:lstStyle/>
+            <a:p>
+              <a:r>
+                <a:t>1</a:t>
+              </a:r>
+            </a:p>
+          </dgm:t>
+        </dgm:pt>
+        <dgm:pt modelId="201" type="sibTrans" cxnId="5">
+          <dgm:prSet phldrT="2"/>
+          <dgm:t>
+            <a:bodyPr/>
+            <a:lstStyle/>
+            <a:p>
+              <a:r>
+                <a:t>2</a:t>
+              </a:r>
+            </a:p>
+          </dgm:t>
+        </dgm:pt>
+        <dgm:pt modelId="301" type="sibTrans" cxnId="6">
+          <dgm:prSet phldrT="3"/>
+          <dgm:t>
+            <a:bodyPr/>
+            <a:lstStyle/>
+            <a:p>
+              <a:r>
+                <a:t>3</a:t>
+              </a:r>
+            </a:p>
+          </dgm:t>
+        </dgm:pt>
+      </dgm:ptLst>
+      <dgm:cxnLst>
+        <dgm:cxn modelId="4" srcId="0" destId="1" srcOrd="0" destOrd="0" sibTransId="101"/>
+        <dgm:cxn modelId="5" srcId="0" destId="2" srcOrd="1" destOrd="0" sibTransId="201"/>
+        <dgm:cxn modelId="6" srcId="0" destId="3" srcOrd="2" destOrd="0" sibTransId="301"/>
+        <dgm:cxn modelId="13" srcId="1" destId="11" srcOrd="0" destOrd="0"/>
+        <dgm:cxn modelId="23" srcId="2" destId="21" srcOrd="0" destOrd="0"/>
+        <dgm:cxn modelId="33" srcId="3" destId="31" srcOrd="0" destOrd="0"/>
+      </dgm:cxnLst>
+      <dgm:bg/>
+      <dgm:whole/>
+    </dgm:dataModel>
+  </dgm:sampData>
+  <dgm:styleData>
+    <dgm:dataModel>
+      <dgm:ptLst>
+        <dgm:pt modelId="0" type="doc"/>
+        <dgm:pt modelId="1"/>
+        <dgm:pt modelId="11"/>
+        <dgm:pt modelId="2"/>
+        <dgm:pt modelId="21"/>
+      </dgm:ptLst>
+      <dgm:cxnLst>
+        <dgm:cxn modelId="4" srcId="0" destId="1" srcOrd="0" destOrd="0"/>
+        <dgm:cxn modelId="5" srcId="0" destId="2" srcOrd="1" destOrd="0"/>
+        <dgm:cxn modelId="13" srcId="1" destId="11" srcOrd="0" destOrd="0"/>
+        <dgm:cxn modelId="23" srcId="2" destId="21" srcOrd="0" destOrd="0"/>
+      </dgm:cxnLst>
+      <dgm:bg/>
+      <dgm:whole/>
+    </dgm:dataModel>
+  </dgm:styleData>
+  <dgm:clrData>
+    <dgm:dataModel>
+      <dgm:ptLst>
+        <dgm:pt modelId="0" type="doc"/>
+        <dgm:pt modelId="1"/>
+        <dgm:pt modelId="11"/>
+        <dgm:pt modelId="2"/>
+        <dgm:pt modelId="21"/>
+        <dgm:pt modelId="3"/>
+        <dgm:pt modelId="31"/>
+        <dgm:pt modelId="4"/>
+        <dgm:pt modelId="41"/>
+      </dgm:ptLst>
+      <dgm:cxnLst>
+        <dgm:cxn modelId="5" srcId="0" destId="1" srcOrd="0" destOrd="0"/>
+        <dgm:cxn modelId="6" srcId="0" destId="2" srcOrd="1" destOrd="0"/>
+        <dgm:cxn modelId="7" srcId="0" destId="3" srcOrd="2" destOrd="0"/>
+        <dgm:cxn modelId="8" srcId="0" destId="4" srcOrd="3" destOrd="0"/>
+        <dgm:cxn modelId="13" srcId="1" destId="11" srcOrd="0" destOrd="0"/>
+        <dgm:cxn modelId="23" srcId="2" destId="21" srcOrd="0" destOrd="0"/>
+        <dgm:cxn modelId="33" srcId="3" destId="31" srcOrd="0" destOrd="0"/>
+        <dgm:cxn modelId="43" srcId="4" destId="41" srcOrd="0" destOrd="0"/>
+      </dgm:cxnLst>
+      <dgm:bg/>
+      <dgm:whole/>
+    </dgm:dataModel>
+  </dgm:clrData>
+  <dgm:layoutNode name="Name0">
+    <dgm:varLst>
+      <dgm:animLvl val="lvl"/>
+      <dgm:resizeHandles val="exact"/>
+    </dgm:varLst>
+    <dgm:alg type="lin">
+      <dgm:param type="linDir" val="fromL"/>
+      <dgm:param type="nodeVertAlign" val="t"/>
+    </dgm:alg>
+    <dgm:shape xmlns:r="http://schemas.openxmlformats.org/officeDocument/2006/relationships" r:blip="">
+      <dgm:adjLst/>
+    </dgm:shape>
+    <dgm:presOf/>
+    <dgm:constrLst>
+      <dgm:constr type="h" for="ch" forName="compositeNode" refType="h"/>
+      <dgm:constr type="w" for="ch" forName="compositeNode" refType="w"/>
+      <dgm:constr type="w" for="des" forName="simulatedConn" refType="w" refFor="ch" refForName="compositeNode" fact="0.15"/>
+      <dgm:constr type="h" for="des" forName="simulatedConn" refType="w" refFor="des" refForName="simulatedConn"/>
+      <dgm:constr type="h" for="des" forName="vSp1" refType="w" refFor="ch" refForName="compositeNode" fact="0.8"/>
+      <dgm:constr type="h" for="des" forName="vSp2" refType="w" refFor="ch" refForName="compositeNode" fact="0.07"/>
+      <dgm:constr type="w" for="ch" forName="vProcSp" refType="w" refFor="des" refForName="simulatedConn" op="equ"/>
+      <dgm:constr type="h" for="ch" forName="vProcSp" refType="h" refFor="ch" refForName="compositeNode" op="equ"/>
+      <dgm:constr type="w" for="ch" forName="sibTrans" refType="w" refFor="ch" refForName="compositeNode" fact="0.1"/>
+      <dgm:constr type="primFontSz" for="des" forName="sibTransNodeCircle" op="equ"/>
+      <dgm:constr type="primFontSz" for="des" forName="nodeText" op="equ"/>
+      <dgm:constr type="h" for="des" forName="sibTransNodeCircle" op="equ"/>
+      <dgm:constr type="w" for="des" forName="sibTransNodeCircle" op="equ"/>
+    </dgm:constrLst>
+    <dgm:ruleLst>
+      <dgm:rule type="h" val="NaN" fact="1.2" max="NaN"/>
+    </dgm:ruleLst>
+    <dgm:forEach name="Name4" axis="ch" ptType="node">
+      <dgm:layoutNode name="compositeNode">
+        <dgm:varLst>
+          <dgm:bulletEnabled val="1"/>
+        </dgm:varLst>
+        <dgm:alg type="composite"/>
+        <dgm:constrLst>
+          <dgm:constr type="h" refType="w" op="lte" fact="1.4"/>
+          <dgm:constr type="w" for="ch" forName="bgRect" refType="w"/>
+          <dgm:constr type="h" for="ch" forName="bgRect" refType="h"/>
+          <dgm:constr type="t" for="ch" forName="bgRect"/>
+          <dgm:constr type="l" for="ch" forName="bgRect"/>
+          <dgm:constr type="h" for="ch" forName="sibTransNodeCircle" refType="h" refFor="ch" refForName="bgRect" fact="0.3"/>
+          <dgm:constr type="w" for="ch" forName="sibTransNodeCircle" refType="h" refFor="ch" refForName="sibTransNodeCircle"/>
+          <dgm:constr type="ctrX" for="ch" forName="sibTransNodeCircle" refType="w" fact="0.5"/>
+          <dgm:constr type="ctrY" for="ch" forName="sibTransNodeCircle" refType="h" fact="0.25"/>
+          <dgm:constr type="r" for="ch" forName="nodeText" refType="r" refFor="ch" refForName="bgRect"/>
+          <dgm:constr type="h" for="ch" forName="nodeText" refType="h" refFor="ch" refForName="bgRect" fact="0.6"/>
+          <dgm:constr type="t" for="ch" forName="nodeText" refType="h" refFor="ch" refForName="bgRect" fact="0.38"/>
+          <dgm:constr type="b" for="ch" forName="bottomLine" refType="b" refFor="ch" refForName="bgRect"/>
+          <dgm:constr type="w" for="ch" forName="bottomLine" refType="w" refFor="ch" refForName="bgRect"/>
+          <dgm:constr type="h" for="ch" forName="bottomLine" val="0.002"/>
+        </dgm:constrLst>
+        <dgm:ruleLst/>
+        <dgm:layoutNode name="bgRect" styleLbl="bgAccFollowNode1">
+          <dgm:alg type="sp"/>
+          <dgm:shape xmlns:r="http://schemas.openxmlformats.org/officeDocument/2006/relationships" type="rect" r:blip="">
+            <dgm:adjLst/>
+          </dgm:shape>
+          <dgm:presOf axis="self"/>
+          <dgm:constrLst/>
+          <dgm:ruleLst/>
+        </dgm:layoutNode>
+        <dgm:forEach name="Name19" axis="followSib" ptType="sibTrans" hideLastTrans="0" cnt="1">
+          <dgm:layoutNode name="sibTransNodeCircle" styleLbl="alignNode1">
+            <dgm:varLst>
+              <dgm:chMax val="0"/>
+              <dgm:bulletEnabled/>
+            </dgm:varLst>
+            <dgm:presOf axis="self" ptType="sibTrans"/>
+            <dgm:alg type="tx">
+              <dgm:param type="txAnchorVert" val="mid"/>
+              <dgm:param type="txAnchorHorzCh" val="ctr"/>
+            </dgm:alg>
+            <dgm:shape xmlns:r="http://schemas.openxmlformats.org/officeDocument/2006/relationships" type="ellipse" r:blip="">
+              <dgm:adjLst/>
+            </dgm:shape>
+            <dgm:constrLst>
+              <dgm:constr type="w" refType="h" op="lte"/>
+              <dgm:constr type="primFontSz" val="48"/>
+              <dgm:constr type="tMarg" val="1"/>
+              <dgm:constr type="lMarg" refType="w" fact="0.221"/>
+              <dgm:constr type="rMarg" refType="w" fact="0.221"/>
+              <dgm:constr type="bMarg" val="1"/>
+            </dgm:constrLst>
+            <dgm:ruleLst>
+              <dgm:rule type="primFontSz" val="14" fact="NaN" max="NaN"/>
+            </dgm:ruleLst>
+          </dgm:layoutNode>
+        </dgm:forEach>
+        <dgm:layoutNode name="bottomLine" styleLbl="alignNode1">
+          <dgm:varLst/>
+          <dgm:presOf/>
+          <dgm:alg type="sp"/>
+          <dgm:shape xmlns:r="http://schemas.openxmlformats.org/officeDocument/2006/relationships" type="rect" r:blip="">
+            <dgm:adjLst/>
+          </dgm:shape>
+          <dgm:constrLst/>
+          <dgm:ruleLst/>
+        </dgm:layoutNode>
+        <dgm:layoutNode name="nodeText" styleLbl="bgAccFollowNode1" moveWith="bgRect">
+          <dgm:varLst>
+            <dgm:bulletEnabled val="1"/>
+          </dgm:varLst>
+          <dgm:alg type="tx">
+            <dgm:param type="parTxLTRAlign" val="l"/>
+            <dgm:param type="parTxRTLAlign" val="r"/>
+            <dgm:param type="txAnchorVert" val="t"/>
+          </dgm:alg>
+          <dgm:shape xmlns:r="http://schemas.openxmlformats.org/officeDocument/2006/relationships" type="rect" r:blip="" zOrderOff="-1" hideGeom="1">
+            <dgm:adjLst/>
+          </dgm:shape>
+          <dgm:presOf axis="desOrSelf" ptType="node"/>
+          <dgm:constrLst>
+            <dgm:constr type="primFontSz" val="26"/>
+            <dgm:constr type="tMarg" val="26"/>
+            <dgm:constr type="lMarg" refType="w" fact="0.221"/>
+            <dgm:constr type="rMarg" refType="w" fact="0.221"/>
+            <dgm:constr type="bMarg" val="26"/>
+          </dgm:constrLst>
+          <dgm:ruleLst>
+            <dgm:rule type="primFontSz" val="11" fact="NaN" max="NaN"/>
+          </dgm:ruleLst>
+        </dgm:layoutNode>
+      </dgm:layoutNode>
+      <dgm:forEach name="Name14" axis="followSib" ptType="sibTrans" cnt="1">
+        <dgm:layoutNode name="sibTrans">
+          <dgm:alg type="sp"/>
+          <dgm:shape xmlns:r="http://schemas.openxmlformats.org/officeDocument/2006/relationships" r:blip="">
+            <dgm:adjLst/>
+          </dgm:shape>
+          <dgm:presOf/>
+          <dgm:constrLst/>
+          <dgm:ruleLst/>
+        </dgm:layoutNode>
+      </dgm:forEach>
+    </dgm:forEach>
+  </dgm:layoutNode>
+  <dgm:extLst>
+    <a:ext uri="{4F341089-5ED1-44EC-B178-C955D00A3D55}">
+      <dgm1611:autoBuNodeInfoLst xmlns="" xmlns:dgm1611="http://schemas.microsoft.com/office/drawing/2016/11/diagram">
+        <dgm1611:autoBuNodeInfo lvl="1" ptType="sibTrans">
+          <dgm1611:buPr prefix="" leadZeros="0">
+            <a:buAutoNum type="arabicParenBoth"/>
+          </dgm1611:buPr>
+        </dgm1611:autoBuNodeInfo>
+      </dgm1611:autoBuNodeInfoLst>
+    </a:ext>
+  </dgm:extLst>
+</dgm:layoutDef>
+</file>
+
+<file path=ppt/diagrams/layout4.xml><?xml version="1.0" encoding="utf-8"?>
+<dgm:layoutDef xmlns:dgm="http://schemas.openxmlformats.org/drawingml/2006/diagram" xmlns:a="http://schemas.openxmlformats.org/drawingml/2006/main" uniqueId="urn:microsoft.com/office/officeart/2016/7/layout/BasicLinearProcessNumbered">
+  <dgm:title val="Basic Linear Process Numbered"/>
+  <dgm:desc val="Used to show a progression; a timeline; sequential steps in a task, process, or workflow; or to emphasize movement or direction. Automatic numbers have been introduced to show the steps of the process which appears in a circle. Level 1 and Level 2 text appear in a rectangle."/>
+  <dgm:catLst>
+    <dgm:cat type="process" pri="500"/>
+  </dgm:catLst>
+  <dgm:sampData>
+    <dgm:dataModel>
+      <dgm:ptLst>
+        <dgm:pt modelId="0" type="doc"/>
+        <dgm:pt modelId="1">
+          <dgm:prSet phldr="1"/>
+        </dgm:pt>
+        <dgm:pt modelId="11">
+          <dgm:prSet phldr="1"/>
+        </dgm:pt>
+        <dgm:pt modelId="2">
+          <dgm:prSet phldr="1"/>
+        </dgm:pt>
+        <dgm:pt modelId="21">
+          <dgm:prSet phldr="1"/>
+        </dgm:pt>
+        <dgm:pt modelId="3">
+          <dgm:prSet phldr="1"/>
+        </dgm:pt>
+        <dgm:pt modelId="31">
+          <dgm:prSet phldr="1"/>
+        </dgm:pt>
+        <dgm:pt modelId="101" type="sibTrans" cxnId="4">
+          <dgm:prSet phldrT="1"/>
+          <dgm:t>
+            <a:bodyPr/>
+            <a:lstStyle/>
+            <a:p>
+              <a:r>
+                <a:t>1</a:t>
+              </a:r>
+            </a:p>
+          </dgm:t>
+        </dgm:pt>
+        <dgm:pt modelId="201" type="sibTrans" cxnId="5">
+          <dgm:prSet phldrT="2"/>
+          <dgm:t>
+            <a:bodyPr/>
+            <a:lstStyle/>
+            <a:p>
+              <a:r>
+                <a:t>2</a:t>
+              </a:r>
+            </a:p>
+          </dgm:t>
+        </dgm:pt>
+        <dgm:pt modelId="301" type="sibTrans" cxnId="6">
+          <dgm:prSet phldrT="3"/>
+          <dgm:t>
+            <a:bodyPr/>
+            <a:lstStyle/>
+            <a:p>
+              <a:r>
+                <a:t>3</a:t>
+              </a:r>
+            </a:p>
+          </dgm:t>
+        </dgm:pt>
+      </dgm:ptLst>
+      <dgm:cxnLst>
+        <dgm:cxn modelId="4" srcId="0" destId="1" srcOrd="0" destOrd="0" sibTransId="101"/>
+        <dgm:cxn modelId="5" srcId="0" destId="2" srcOrd="1" destOrd="0" sibTransId="201"/>
+        <dgm:cxn modelId="6" srcId="0" destId="3" srcOrd="2" destOrd="0" sibTransId="301"/>
+        <dgm:cxn modelId="13" srcId="1" destId="11" srcOrd="0" destOrd="0"/>
+        <dgm:cxn modelId="23" srcId="2" destId="21" srcOrd="0" destOrd="0"/>
+        <dgm:cxn modelId="33" srcId="3" destId="31" srcOrd="0" destOrd="0"/>
+      </dgm:cxnLst>
+      <dgm:bg/>
+      <dgm:whole/>
+    </dgm:dataModel>
+  </dgm:sampData>
+  <dgm:styleData>
+    <dgm:dataModel>
+      <dgm:ptLst>
+        <dgm:pt modelId="0" type="doc"/>
+        <dgm:pt modelId="1"/>
+        <dgm:pt modelId="11"/>
+        <dgm:pt modelId="2"/>
+        <dgm:pt modelId="21"/>
+      </dgm:ptLst>
+      <dgm:cxnLst>
+        <dgm:cxn modelId="4" srcId="0" destId="1" srcOrd="0" destOrd="0"/>
+        <dgm:cxn modelId="5" srcId="0" destId="2" srcOrd="1" destOrd="0"/>
+        <dgm:cxn modelId="13" srcId="1" destId="11" srcOrd="0" destOrd="0"/>
+        <dgm:cxn modelId="23" srcId="2" destId="21" srcOrd="0" destOrd="0"/>
+      </dgm:cxnLst>
+      <dgm:bg/>
+      <dgm:whole/>
+    </dgm:dataModel>
+  </dgm:styleData>
+  <dgm:clrData>
+    <dgm:dataModel>
+      <dgm:ptLst>
+        <dgm:pt modelId="0" type="doc"/>
+        <dgm:pt modelId="1"/>
+        <dgm:pt modelId="11"/>
+        <dgm:pt modelId="2"/>
+        <dgm:pt modelId="21"/>
+        <dgm:pt modelId="3"/>
+        <dgm:pt modelId="31"/>
+        <dgm:pt modelId="4"/>
+        <dgm:pt modelId="41"/>
+      </dgm:ptLst>
+      <dgm:cxnLst>
+        <dgm:cxn modelId="5" srcId="0" destId="1" srcOrd="0" destOrd="0"/>
+        <dgm:cxn modelId="6" srcId="0" destId="2" srcOrd="1" destOrd="0"/>
+        <dgm:cxn modelId="7" srcId="0" destId="3" srcOrd="2" destOrd="0"/>
+        <dgm:cxn modelId="8" srcId="0" destId="4" srcOrd="3" destOrd="0"/>
+        <dgm:cxn modelId="13" srcId="1" destId="11" srcOrd="0" destOrd="0"/>
+        <dgm:cxn modelId="23" srcId="2" destId="21" srcOrd="0" destOrd="0"/>
+        <dgm:cxn modelId="33" srcId="3" destId="31" srcOrd="0" destOrd="0"/>
+        <dgm:cxn modelId="43" srcId="4" destId="41" srcOrd="0" destOrd="0"/>
+      </dgm:cxnLst>
+      <dgm:bg/>
+      <dgm:whole/>
+    </dgm:dataModel>
+  </dgm:clrData>
+  <dgm:layoutNode name="Name0">
+    <dgm:varLst>
+      <dgm:animLvl val="lvl"/>
+      <dgm:resizeHandles val="exact"/>
+    </dgm:varLst>
+    <dgm:alg type="lin">
+      <dgm:param type="linDir" val="fromL"/>
+      <dgm:param type="nodeVertAlign" val="t"/>
+    </dgm:alg>
+    <dgm:shape xmlns:r="http://schemas.openxmlformats.org/officeDocument/2006/relationships" r:blip="">
+      <dgm:adjLst/>
+    </dgm:shape>
+    <dgm:presOf/>
+    <dgm:constrLst>
+      <dgm:constr type="h" for="ch" forName="compositeNode" refType="h"/>
+      <dgm:constr type="w" for="ch" forName="compositeNode" refType="w"/>
+      <dgm:constr type="w" for="des" forName="simulatedConn" refType="w" refFor="ch" refForName="compositeNode" fact="0.15"/>
+      <dgm:constr type="h" for="des" forName="simulatedConn" refType="w" refFor="des" refForName="simulatedConn"/>
+      <dgm:constr type="h" for="des" forName="vSp1" refType="w" refFor="ch" refForName="compositeNode" fact="0.8"/>
+      <dgm:constr type="h" for="des" forName="vSp2" refType="w" refFor="ch" refForName="compositeNode" fact="0.07"/>
+      <dgm:constr type="w" for="ch" forName="vProcSp" refType="w" refFor="des" refForName="simulatedConn" op="equ"/>
+      <dgm:constr type="h" for="ch" forName="vProcSp" refType="h" refFor="ch" refForName="compositeNode" op="equ"/>
+      <dgm:constr type="w" for="ch" forName="sibTrans" refType="w" refFor="ch" refForName="compositeNode" fact="0.1"/>
+      <dgm:constr type="primFontSz" for="des" forName="sibTransNodeCircle" op="equ"/>
+      <dgm:constr type="primFontSz" for="des" forName="nodeText" op="equ"/>
+      <dgm:constr type="h" for="des" forName="sibTransNodeCircle" op="equ"/>
+      <dgm:constr type="w" for="des" forName="sibTransNodeCircle" op="equ"/>
+    </dgm:constrLst>
+    <dgm:ruleLst>
+      <dgm:rule type="h" val="NaN" fact="1.2" max="NaN"/>
+    </dgm:ruleLst>
+    <dgm:forEach name="Name4" axis="ch" ptType="node">
+      <dgm:layoutNode name="compositeNode">
+        <dgm:varLst>
+          <dgm:bulletEnabled val="1"/>
+        </dgm:varLst>
+        <dgm:alg type="composite"/>
+        <dgm:constrLst>
+          <dgm:constr type="h" refType="w" op="lte" fact="1.4"/>
+          <dgm:constr type="w" for="ch" forName="bgRect" refType="w"/>
+          <dgm:constr type="h" for="ch" forName="bgRect" refType="h"/>
+          <dgm:constr type="t" for="ch" forName="bgRect"/>
+          <dgm:constr type="l" for="ch" forName="bgRect"/>
+          <dgm:constr type="h" for="ch" forName="sibTransNodeCircle" refType="h" refFor="ch" refForName="bgRect" fact="0.3"/>
+          <dgm:constr type="w" for="ch" forName="sibTransNodeCircle" refType="h" refFor="ch" refForName="sibTransNodeCircle"/>
+          <dgm:constr type="ctrX" for="ch" forName="sibTransNodeCircle" refType="w" fact="0.5"/>
+          <dgm:constr type="ctrY" for="ch" forName="sibTransNodeCircle" refType="h" fact="0.25"/>
+          <dgm:constr type="r" for="ch" forName="nodeText" refType="r" refFor="ch" refForName="bgRect"/>
+          <dgm:constr type="h" for="ch" forName="nodeText" refType="h" refFor="ch" refForName="bgRect" fact="0.6"/>
+          <dgm:constr type="t" for="ch" forName="nodeText" refType="h" refFor="ch" refForName="bgRect" fact="0.38"/>
+          <dgm:constr type="b" for="ch" forName="bottomLine" refType="b" refFor="ch" refForName="bgRect"/>
+          <dgm:constr type="w" for="ch" forName="bottomLine" refType="w" refFor="ch" refForName="bgRect"/>
+          <dgm:constr type="h" for="ch" forName="bottomLine" val="0.002"/>
+        </dgm:constrLst>
+        <dgm:ruleLst/>
+        <dgm:layoutNode name="bgRect" styleLbl="bgAccFollowNode1">
+          <dgm:alg type="sp"/>
+          <dgm:shape xmlns:r="http://schemas.openxmlformats.org/officeDocument/2006/relationships" type="rect" r:blip="">
+            <dgm:adjLst/>
+          </dgm:shape>
+          <dgm:presOf axis="self"/>
+          <dgm:constrLst/>
+          <dgm:ruleLst/>
+        </dgm:layoutNode>
+        <dgm:forEach name="Name19" axis="followSib" ptType="sibTrans" hideLastTrans="0" cnt="1">
+          <dgm:layoutNode name="sibTransNodeCircle" styleLbl="alignNode1">
+            <dgm:varLst>
+              <dgm:chMax val="0"/>
+              <dgm:bulletEnabled/>
+            </dgm:varLst>
+            <dgm:presOf axis="self" ptType="sibTrans"/>
+            <dgm:alg type="tx">
+              <dgm:param type="txAnchorVert" val="mid"/>
+              <dgm:param type="txAnchorHorzCh" val="ctr"/>
+            </dgm:alg>
+            <dgm:shape xmlns:r="http://schemas.openxmlformats.org/officeDocument/2006/relationships" type="ellipse" r:blip="">
+              <dgm:adjLst/>
+            </dgm:shape>
+            <dgm:constrLst>
+              <dgm:constr type="w" refType="h" op="lte"/>
+              <dgm:constr type="primFontSz" val="48"/>
+              <dgm:constr type="tMarg" val="1"/>
+              <dgm:constr type="lMarg" refType="w" fact="0.221"/>
+              <dgm:constr type="rMarg" refType="w" fact="0.221"/>
+              <dgm:constr type="bMarg" val="1"/>
+            </dgm:constrLst>
+            <dgm:ruleLst>
+              <dgm:rule type="primFontSz" val="14" fact="NaN" max="NaN"/>
+            </dgm:ruleLst>
+          </dgm:layoutNode>
+        </dgm:forEach>
+        <dgm:layoutNode name="bottomLine" styleLbl="alignNode1">
+          <dgm:varLst/>
+          <dgm:presOf/>
+          <dgm:alg type="sp"/>
+          <dgm:shape xmlns:r="http://schemas.openxmlformats.org/officeDocument/2006/relationships" type="rect" r:blip="">
+            <dgm:adjLst/>
+          </dgm:shape>
+          <dgm:constrLst/>
+          <dgm:ruleLst/>
+        </dgm:layoutNode>
+        <dgm:layoutNode name="nodeText" styleLbl="bgAccFollowNode1" moveWith="bgRect">
+          <dgm:varLst>
+            <dgm:bulletEnabled val="1"/>
+          </dgm:varLst>
+          <dgm:alg type="tx">
+            <dgm:param type="parTxLTRAlign" val="l"/>
+            <dgm:param type="parTxRTLAlign" val="r"/>
+            <dgm:param type="txAnchorVert" val="t"/>
+          </dgm:alg>
+          <dgm:shape xmlns:r="http://schemas.openxmlformats.org/officeDocument/2006/relationships" type="rect" r:blip="" zOrderOff="-1" hideGeom="1">
+            <dgm:adjLst/>
+          </dgm:shape>
+          <dgm:presOf axis="desOrSelf" ptType="node"/>
+          <dgm:constrLst>
+            <dgm:constr type="primFontSz" val="26"/>
+            <dgm:constr type="tMarg" val="26"/>
+            <dgm:constr type="lMarg" refType="w" fact="0.221"/>
+            <dgm:constr type="rMarg" refType="w" fact="0.221"/>
+            <dgm:constr type="bMarg" val="26"/>
+          </dgm:constrLst>
+          <dgm:ruleLst>
+            <dgm:rule type="primFontSz" val="11" fact="NaN" max="NaN"/>
+          </dgm:ruleLst>
+        </dgm:layoutNode>
+      </dgm:layoutNode>
+      <dgm:forEach name="Name14" axis="followSib" ptType="sibTrans" cnt="1">
+        <dgm:layoutNode name="sibTrans">
+          <dgm:alg type="sp"/>
+          <dgm:shape xmlns:r="http://schemas.openxmlformats.org/officeDocument/2006/relationships" r:blip="">
+            <dgm:adjLst/>
+          </dgm:shape>
+          <dgm:presOf/>
+          <dgm:constrLst/>
+          <dgm:ruleLst/>
+        </dgm:layoutNode>
+      </dgm:forEach>
+    </dgm:forEach>
+  </dgm:layoutNode>
+  <dgm:extLst>
+    <a:ext uri="{4F341089-5ED1-44EC-B178-C955D00A3D55}">
+      <dgm1611:autoBuNodeInfoLst xmlns="" xmlns:dgm1611="http://schemas.microsoft.com/office/drawing/2016/11/diagram">
         <dgm1611:autoBuNodeInfo lvl="1" ptType="sibTrans">
           <dgm1611:buPr prefix="" leadZeros="0">
             <a:buAutoNum type="arabicParenBoth"/>
@@ -5894,6 +10689,2074 @@
 </file>
 
 <file path=ppt/diagrams/quickStyle2.xml><?xml version="1.0" encoding="utf-8"?>
+<dgm:styleDef xmlns:dgm="http://schemas.openxmlformats.org/drawingml/2006/diagram" xmlns:a="http://schemas.openxmlformats.org/drawingml/2006/main" uniqueId="urn:microsoft.com/office/officeart/2005/8/quickstyle/simple1">
+  <dgm:title val=""/>
+  <dgm:desc val=""/>
+  <dgm:catLst>
+    <dgm:cat type="simple" pri="10100"/>
+  </dgm:catLst>
+  <dgm:scene3d>
+    <a:camera prst="orthographicFront"/>
+    <a:lightRig rig="threePt" dir="t"/>
+  </dgm:scene3d>
+  <dgm:styleLbl name="node0">
+    <dgm:scene3d>
+      <a:camera prst="orthographicFront"/>
+      <a:lightRig rig="threePt" dir="t"/>
+    </dgm:scene3d>
+    <dgm:sp3d/>
+    <dgm:txPr/>
+    <dgm:style>
+      <a:lnRef idx="2">
+        <a:scrgbClr r="0" g="0" b="0"/>
+      </a:lnRef>
+      <a:fillRef idx="1">
+        <a:scrgbClr r="0" g="0" b="0"/>
+      </a:fillRef>
+      <a:effectRef idx="0">
+        <a:scrgbClr r="0" g="0" b="0"/>
+      </a:effectRef>
+      <a:fontRef idx="minor">
+        <a:schemeClr val="lt1"/>
+      </a:fontRef>
+    </dgm:style>
+  </dgm:styleLbl>
+  <dgm:styleLbl name="lnNode1">
+    <dgm:scene3d>
+      <a:camera prst="orthographicFront"/>
+      <a:lightRig rig="threePt" dir="t"/>
+    </dgm:scene3d>
+    <dgm:sp3d/>
+    <dgm:txPr/>
+    <dgm:style>
+      <a:lnRef idx="2">
+        <a:scrgbClr r="0" g="0" b="0"/>
+      </a:lnRef>
+      <a:fillRef idx="1">
+        <a:scrgbClr r="0" g="0" b="0"/>
+      </a:fillRef>
+      <a:effectRef idx="0">
+        <a:scrgbClr r="0" g="0" b="0"/>
+      </a:effectRef>
+      <a:fontRef idx="minor">
+        <a:schemeClr val="lt1"/>
+      </a:fontRef>
+    </dgm:style>
+  </dgm:styleLbl>
+  <dgm:styleLbl name="vennNode1">
+    <dgm:scene3d>
+      <a:camera prst="orthographicFront"/>
+      <a:lightRig rig="threePt" dir="t"/>
+    </dgm:scene3d>
+    <dgm:sp3d/>
+    <dgm:txPr/>
+    <dgm:style>
+      <a:lnRef idx="2">
+        <a:scrgbClr r="0" g="0" b="0"/>
+      </a:lnRef>
+      <a:fillRef idx="1">
+        <a:scrgbClr r="0" g="0" b="0"/>
+      </a:fillRef>
+      <a:effectRef idx="0">
+        <a:scrgbClr r="0" g="0" b="0"/>
+      </a:effectRef>
+      <a:fontRef idx="minor">
+        <a:schemeClr val="tx1"/>
+      </a:fontRef>
+    </dgm:style>
+  </dgm:styleLbl>
+  <dgm:styleLbl name="alignNode1">
+    <dgm:scene3d>
+      <a:camera prst="orthographicFront"/>
+      <a:lightRig rig="threePt" dir="t"/>
+    </dgm:scene3d>
+    <dgm:sp3d/>
+    <dgm:txPr/>
+    <dgm:style>
+      <a:lnRef idx="2">
+        <a:scrgbClr r="0" g="0" b="0"/>
+      </a:lnRef>
+      <a:fillRef idx="1">
+        <a:scrgbClr r="0" g="0" b="0"/>
+      </a:fillRef>
+      <a:effectRef idx="0">
+        <a:scrgbClr r="0" g="0" b="0"/>
+      </a:effectRef>
+      <a:fontRef idx="minor">
+        <a:schemeClr val="lt1"/>
+      </a:fontRef>
+    </dgm:style>
+  </dgm:styleLbl>
+  <dgm:styleLbl name="node1">
+    <dgm:scene3d>
+      <a:camera prst="orthographicFront"/>
+      <a:lightRig rig="threePt" dir="t"/>
+    </dgm:scene3d>
+    <dgm:sp3d/>
+    <dgm:txPr/>
+    <dgm:style>
+      <a:lnRef idx="2">
+        <a:scrgbClr r="0" g="0" b="0"/>
+      </a:lnRef>
+      <a:fillRef idx="1">
+        <a:scrgbClr r="0" g="0" b="0"/>
+      </a:fillRef>
+      <a:effectRef idx="0">
+        <a:scrgbClr r="0" g="0" b="0"/>
+      </a:effectRef>
+      <a:fontRef idx="minor">
+        <a:schemeClr val="lt1"/>
+      </a:fontRef>
+    </dgm:style>
+  </dgm:styleLbl>
+  <dgm:styleLbl name="node2">
+    <dgm:scene3d>
+      <a:camera prst="orthographicFront"/>
+      <a:lightRig rig="threePt" dir="t"/>
+    </dgm:scene3d>
+    <dgm:sp3d/>
+    <dgm:txPr/>
+    <dgm:style>
+      <a:lnRef idx="2">
+        <a:scrgbClr r="0" g="0" b="0"/>
+      </a:lnRef>
+      <a:fillRef idx="1">
+        <a:scrgbClr r="0" g="0" b="0"/>
+      </a:fillRef>
+      <a:effectRef idx="0">
+        <a:scrgbClr r="0" g="0" b="0"/>
+      </a:effectRef>
+      <a:fontRef idx="minor">
+        <a:schemeClr val="lt1"/>
+      </a:fontRef>
+    </dgm:style>
+  </dgm:styleLbl>
+  <dgm:styleLbl name="node3">
+    <dgm:scene3d>
+      <a:camera prst="orthographicFront"/>
+      <a:lightRig rig="threePt" dir="t"/>
+    </dgm:scene3d>
+    <dgm:sp3d/>
+    <dgm:txPr/>
+    <dgm:style>
+      <a:lnRef idx="2">
+        <a:scrgbClr r="0" g="0" b="0"/>
+      </a:lnRef>
+      <a:fillRef idx="1">
+        <a:scrgbClr r="0" g="0" b="0"/>
+      </a:fillRef>
+      <a:effectRef idx="0">
+        <a:scrgbClr r="0" g="0" b="0"/>
+      </a:effectRef>
+      <a:fontRef idx="minor">
+        <a:schemeClr val="lt1"/>
+      </a:fontRef>
+    </dgm:style>
+  </dgm:styleLbl>
+  <dgm:styleLbl name="node4">
+    <dgm:scene3d>
+      <a:camera prst="orthographicFront"/>
+      <a:lightRig rig="threePt" dir="t"/>
+    </dgm:scene3d>
+    <dgm:sp3d/>
+    <dgm:txPr/>
+    <dgm:style>
+      <a:lnRef idx="2">
+        <a:scrgbClr r="0" g="0" b="0"/>
+      </a:lnRef>
+      <a:fillRef idx="1">
+        <a:scrgbClr r="0" g="0" b="0"/>
+      </a:fillRef>
+      <a:effectRef idx="0">
+        <a:scrgbClr r="0" g="0" b="0"/>
+      </a:effectRef>
+      <a:fontRef idx="minor">
+        <a:schemeClr val="lt1"/>
+      </a:fontRef>
+    </dgm:style>
+  </dgm:styleLbl>
+  <dgm:styleLbl name="fgImgPlace1">
+    <dgm:scene3d>
+      <a:camera prst="orthographicFront"/>
+      <a:lightRig rig="threePt" dir="t"/>
+    </dgm:scene3d>
+    <dgm:sp3d/>
+    <dgm:txPr/>
+    <dgm:style>
+      <a:lnRef idx="2">
+        <a:scrgbClr r="0" g="0" b="0"/>
+      </a:lnRef>
+      <a:fillRef idx="1">
+        <a:scrgbClr r="0" g="0" b="0"/>
+      </a:fillRef>
+      <a:effectRef idx="0">
+        <a:scrgbClr r="0" g="0" b="0"/>
+      </a:effectRef>
+      <a:fontRef idx="minor"/>
+    </dgm:style>
+  </dgm:styleLbl>
+  <dgm:styleLbl name="alignImgPlace1">
+    <dgm:scene3d>
+      <a:camera prst="orthographicFront"/>
+      <a:lightRig rig="threePt" dir="t"/>
+    </dgm:scene3d>
+    <dgm:sp3d/>
+    <dgm:txPr/>
+    <dgm:style>
+      <a:lnRef idx="2">
+        <a:scrgbClr r="0" g="0" b="0"/>
+      </a:lnRef>
+      <a:fillRef idx="1">
+        <a:scrgbClr r="0" g="0" b="0"/>
+      </a:fillRef>
+      <a:effectRef idx="0">
+        <a:scrgbClr r="0" g="0" b="0"/>
+      </a:effectRef>
+      <a:fontRef idx="minor"/>
+    </dgm:style>
+  </dgm:styleLbl>
+  <dgm:styleLbl name="bgImgPlace1">
+    <dgm:scene3d>
+      <a:camera prst="orthographicFront"/>
+      <a:lightRig rig="threePt" dir="t"/>
+    </dgm:scene3d>
+    <dgm:sp3d/>
+    <dgm:txPr/>
+    <dgm:style>
+      <a:lnRef idx="2">
+        <a:scrgbClr r="0" g="0" b="0"/>
+      </a:lnRef>
+      <a:fillRef idx="1">
+        <a:scrgbClr r="0" g="0" b="0"/>
+      </a:fillRef>
+      <a:effectRef idx="0">
+        <a:scrgbClr r="0" g="0" b="0"/>
+      </a:effectRef>
+      <a:fontRef idx="minor"/>
+    </dgm:style>
+  </dgm:styleLbl>
+  <dgm:styleLbl name="sibTrans2D1">
+    <dgm:scene3d>
+      <a:camera prst="orthographicFront"/>
+      <a:lightRig rig="threePt" dir="t"/>
+    </dgm:scene3d>
+    <dgm:sp3d/>
+    <dgm:txPr/>
+    <dgm:style>
+      <a:lnRef idx="0">
+        <a:scrgbClr r="0" g="0" b="0"/>
+      </a:lnRef>
+      <a:fillRef idx="1">
+        <a:scrgbClr r="0" g="0" b="0"/>
+      </a:fillRef>
+      <a:effectRef idx="0">
+        <a:scrgbClr r="0" g="0" b="0"/>
+      </a:effectRef>
+      <a:fontRef idx="minor">
+        <a:schemeClr val="lt1"/>
+      </a:fontRef>
+    </dgm:style>
+  </dgm:styleLbl>
+  <dgm:styleLbl name="fgSibTrans2D1">
+    <dgm:scene3d>
+      <a:camera prst="orthographicFront"/>
+      <a:lightRig rig="threePt" dir="t"/>
+    </dgm:scene3d>
+    <dgm:sp3d/>
+    <dgm:txPr/>
+    <dgm:style>
+      <a:lnRef idx="0">
+        <a:scrgbClr r="0" g="0" b="0"/>
+      </a:lnRef>
+      <a:fillRef idx="1">
+        <a:scrgbClr r="0" g="0" b="0"/>
+      </a:fillRef>
+      <a:effectRef idx="0">
+        <a:scrgbClr r="0" g="0" b="0"/>
+      </a:effectRef>
+      <a:fontRef idx="minor">
+        <a:schemeClr val="lt1"/>
+      </a:fontRef>
+    </dgm:style>
+  </dgm:styleLbl>
+  <dgm:styleLbl name="bgSibTrans2D1">
+    <dgm:scene3d>
+      <a:camera prst="orthographicFront"/>
+      <a:lightRig rig="threePt" dir="t"/>
+    </dgm:scene3d>
+    <dgm:sp3d/>
+    <dgm:txPr/>
+    <dgm:style>
+      <a:lnRef idx="0">
+        <a:scrgbClr r="0" g="0" b="0"/>
+      </a:lnRef>
+      <a:fillRef idx="1">
+        <a:scrgbClr r="0" g="0" b="0"/>
+      </a:fillRef>
+      <a:effectRef idx="0">
+        <a:scrgbClr r="0" g="0" b="0"/>
+      </a:effectRef>
+      <a:fontRef idx="minor">
+        <a:schemeClr val="lt1"/>
+      </a:fontRef>
+    </dgm:style>
+  </dgm:styleLbl>
+  <dgm:styleLbl name="sibTrans1D1">
+    <dgm:scene3d>
+      <a:camera prst="orthographicFront"/>
+      <a:lightRig rig="threePt" dir="t"/>
+    </dgm:scene3d>
+    <dgm:sp3d/>
+    <dgm:txPr/>
+    <dgm:style>
+      <a:lnRef idx="1">
+        <a:scrgbClr r="0" g="0" b="0"/>
+      </a:lnRef>
+      <a:fillRef idx="0">
+        <a:scrgbClr r="0" g="0" b="0"/>
+      </a:fillRef>
+      <a:effectRef idx="0">
+        <a:scrgbClr r="0" g="0" b="0"/>
+      </a:effectRef>
+      <a:fontRef idx="minor"/>
+    </dgm:style>
+  </dgm:styleLbl>
+  <dgm:styleLbl name="callout">
+    <dgm:scene3d>
+      <a:camera prst="orthographicFront"/>
+      <a:lightRig rig="threePt" dir="t"/>
+    </dgm:scene3d>
+    <dgm:sp3d/>
+    <dgm:txPr/>
+    <dgm:style>
+      <a:lnRef idx="2">
+        <a:scrgbClr r="0" g="0" b="0"/>
+      </a:lnRef>
+      <a:fillRef idx="1">
+        <a:scrgbClr r="0" g="0" b="0"/>
+      </a:fillRef>
+      <a:effectRef idx="0">
+        <a:scrgbClr r="0" g="0" b="0"/>
+      </a:effectRef>
+      <a:fontRef idx="minor"/>
+    </dgm:style>
+  </dgm:styleLbl>
+  <dgm:styleLbl name="asst0">
+    <dgm:scene3d>
+      <a:camera prst="orthographicFront"/>
+      <a:lightRig rig="threePt" dir="t"/>
+    </dgm:scene3d>
+    <dgm:sp3d/>
+    <dgm:txPr/>
+    <dgm:style>
+      <a:lnRef idx="2">
+        <a:scrgbClr r="0" g="0" b="0"/>
+      </a:lnRef>
+      <a:fillRef idx="1">
+        <a:scrgbClr r="0" g="0" b="0"/>
+      </a:fillRef>
+      <a:effectRef idx="0">
+        <a:scrgbClr r="0" g="0" b="0"/>
+      </a:effectRef>
+      <a:fontRef idx="minor">
+        <a:schemeClr val="lt1"/>
+      </a:fontRef>
+    </dgm:style>
+  </dgm:styleLbl>
+  <dgm:styleLbl name="asst1">
+    <dgm:scene3d>
+      <a:camera prst="orthographicFront"/>
+      <a:lightRig rig="threePt" dir="t"/>
+    </dgm:scene3d>
+    <dgm:sp3d/>
+    <dgm:txPr/>
+    <dgm:style>
+      <a:lnRef idx="2">
+        <a:scrgbClr r="0" g="0" b="0"/>
+      </a:lnRef>
+      <a:fillRef idx="1">
+        <a:scrgbClr r="0" g="0" b="0"/>
+      </a:fillRef>
+      <a:effectRef idx="0">
+        <a:scrgbClr r="0" g="0" b="0"/>
+      </a:effectRef>
+      <a:fontRef idx="minor">
+        <a:schemeClr val="lt1"/>
+      </a:fontRef>
+    </dgm:style>
+  </dgm:styleLbl>
+  <dgm:styleLbl name="asst2">
+    <dgm:scene3d>
+      <a:camera prst="orthographicFront"/>
+      <a:lightRig rig="threePt" dir="t"/>
+    </dgm:scene3d>
+    <dgm:sp3d/>
+    <dgm:txPr/>
+    <dgm:style>
+      <a:lnRef idx="2">
+        <a:scrgbClr r="0" g="0" b="0"/>
+      </a:lnRef>
+      <a:fillRef idx="1">
+        <a:scrgbClr r="0" g="0" b="0"/>
+      </a:fillRef>
+      <a:effectRef idx="0">
+        <a:scrgbClr r="0" g="0" b="0"/>
+      </a:effectRef>
+      <a:fontRef idx="minor">
+        <a:schemeClr val="lt1"/>
+      </a:fontRef>
+    </dgm:style>
+  </dgm:styleLbl>
+  <dgm:styleLbl name="asst3">
+    <dgm:scene3d>
+      <a:camera prst="orthographicFront"/>
+      <a:lightRig rig="threePt" dir="t"/>
+    </dgm:scene3d>
+    <dgm:sp3d/>
+    <dgm:txPr/>
+    <dgm:style>
+      <a:lnRef idx="2">
+        <a:scrgbClr r="0" g="0" b="0"/>
+      </a:lnRef>
+      <a:fillRef idx="1">
+        <a:scrgbClr r="0" g="0" b="0"/>
+      </a:fillRef>
+      <a:effectRef idx="0">
+        <a:scrgbClr r="0" g="0" b="0"/>
+      </a:effectRef>
+      <a:fontRef idx="minor">
+        <a:schemeClr val="lt1"/>
+      </a:fontRef>
+    </dgm:style>
+  </dgm:styleLbl>
+  <dgm:styleLbl name="asst4">
+    <dgm:scene3d>
+      <a:camera prst="orthographicFront"/>
+      <a:lightRig rig="threePt" dir="t"/>
+    </dgm:scene3d>
+    <dgm:sp3d/>
+    <dgm:txPr/>
+    <dgm:style>
+      <a:lnRef idx="2">
+        <a:scrgbClr r="0" g="0" b="0"/>
+      </a:lnRef>
+      <a:fillRef idx="1">
+        <a:scrgbClr r="0" g="0" b="0"/>
+      </a:fillRef>
+      <a:effectRef idx="0">
+        <a:scrgbClr r="0" g="0" b="0"/>
+      </a:effectRef>
+      <a:fontRef idx="minor">
+        <a:schemeClr val="lt1"/>
+      </a:fontRef>
+    </dgm:style>
+  </dgm:styleLbl>
+  <dgm:styleLbl name="parChTrans2D1">
+    <dgm:scene3d>
+      <a:camera prst="orthographicFront"/>
+      <a:lightRig rig="threePt" dir="t"/>
+    </dgm:scene3d>
+    <dgm:sp3d/>
+    <dgm:txPr/>
+    <dgm:style>
+      <a:lnRef idx="2">
+        <a:scrgbClr r="0" g="0" b="0"/>
+      </a:lnRef>
+      <a:fillRef idx="1">
+        <a:scrgbClr r="0" g="0" b="0"/>
+      </a:fillRef>
+      <a:effectRef idx="0">
+        <a:scrgbClr r="0" g="0" b="0"/>
+      </a:effectRef>
+      <a:fontRef idx="minor">
+        <a:schemeClr val="lt1"/>
+      </a:fontRef>
+    </dgm:style>
+  </dgm:styleLbl>
+  <dgm:styleLbl name="parChTrans2D2">
+    <dgm:scene3d>
+      <a:camera prst="orthographicFront"/>
+      <a:lightRig rig="threePt" dir="t"/>
+    </dgm:scene3d>
+    <dgm:sp3d/>
+    <dgm:txPr/>
+    <dgm:style>
+      <a:lnRef idx="2">
+        <a:scrgbClr r="0" g="0" b="0"/>
+      </a:lnRef>
+      <a:fillRef idx="1">
+        <a:scrgbClr r="0" g="0" b="0"/>
+      </a:fillRef>
+      <a:effectRef idx="0">
+        <a:scrgbClr r="0" g="0" b="0"/>
+      </a:effectRef>
+      <a:fontRef idx="minor">
+        <a:schemeClr val="lt1"/>
+      </a:fontRef>
+    </dgm:style>
+  </dgm:styleLbl>
+  <dgm:styleLbl name="parChTrans2D3">
+    <dgm:scene3d>
+      <a:camera prst="orthographicFront"/>
+      <a:lightRig rig="threePt" dir="t"/>
+    </dgm:scene3d>
+    <dgm:sp3d/>
+    <dgm:txPr/>
+    <dgm:style>
+      <a:lnRef idx="2">
+        <a:scrgbClr r="0" g="0" b="0"/>
+      </a:lnRef>
+      <a:fillRef idx="1">
+        <a:scrgbClr r="0" g="0" b="0"/>
+      </a:fillRef>
+      <a:effectRef idx="0">
+        <a:scrgbClr r="0" g="0" b="0"/>
+      </a:effectRef>
+      <a:fontRef idx="minor">
+        <a:schemeClr val="lt1"/>
+      </a:fontRef>
+    </dgm:style>
+  </dgm:styleLbl>
+  <dgm:styleLbl name="parChTrans2D4">
+    <dgm:scene3d>
+      <a:camera prst="orthographicFront"/>
+      <a:lightRig rig="threePt" dir="t"/>
+    </dgm:scene3d>
+    <dgm:sp3d/>
+    <dgm:txPr/>
+    <dgm:style>
+      <a:lnRef idx="2">
+        <a:scrgbClr r="0" g="0" b="0"/>
+      </a:lnRef>
+      <a:fillRef idx="1">
+        <a:scrgbClr r="0" g="0" b="0"/>
+      </a:fillRef>
+      <a:effectRef idx="0">
+        <a:scrgbClr r="0" g="0" b="0"/>
+      </a:effectRef>
+      <a:fontRef idx="minor">
+        <a:schemeClr val="lt1"/>
+      </a:fontRef>
+    </dgm:style>
+  </dgm:styleLbl>
+  <dgm:styleLbl name="parChTrans1D1">
+    <dgm:scene3d>
+      <a:camera prst="orthographicFront"/>
+      <a:lightRig rig="threePt" dir="t"/>
+    </dgm:scene3d>
+    <dgm:sp3d/>
+    <dgm:txPr/>
+    <dgm:style>
+      <a:lnRef idx="2">
+        <a:scrgbClr r="0" g="0" b="0"/>
+      </a:lnRef>
+      <a:fillRef idx="0">
+        <a:scrgbClr r="0" g="0" b="0"/>
+      </a:fillRef>
+      <a:effectRef idx="0">
+        <a:scrgbClr r="0" g="0" b="0"/>
+      </a:effectRef>
+      <a:fontRef idx="minor"/>
+    </dgm:style>
+  </dgm:styleLbl>
+  <dgm:styleLbl name="parChTrans1D2">
+    <dgm:scene3d>
+      <a:camera prst="orthographicFront"/>
+      <a:lightRig rig="threePt" dir="t"/>
+    </dgm:scene3d>
+    <dgm:sp3d/>
+    <dgm:txPr/>
+    <dgm:style>
+      <a:lnRef idx="2">
+        <a:scrgbClr r="0" g="0" b="0"/>
+      </a:lnRef>
+      <a:fillRef idx="0">
+        <a:scrgbClr r="0" g="0" b="0"/>
+      </a:fillRef>
+      <a:effectRef idx="0">
+        <a:scrgbClr r="0" g="0" b="0"/>
+      </a:effectRef>
+      <a:fontRef idx="minor"/>
+    </dgm:style>
+  </dgm:styleLbl>
+  <dgm:styleLbl name="parChTrans1D3">
+    <dgm:scene3d>
+      <a:camera prst="orthographicFront"/>
+      <a:lightRig rig="threePt" dir="t"/>
+    </dgm:scene3d>
+    <dgm:sp3d/>
+    <dgm:txPr/>
+    <dgm:style>
+      <a:lnRef idx="2">
+        <a:scrgbClr r="0" g="0" b="0"/>
+      </a:lnRef>
+      <a:fillRef idx="0">
+        <a:scrgbClr r="0" g="0" b="0"/>
+      </a:fillRef>
+      <a:effectRef idx="0">
+        <a:scrgbClr r="0" g="0" b="0"/>
+      </a:effectRef>
+      <a:fontRef idx="minor"/>
+    </dgm:style>
+  </dgm:styleLbl>
+  <dgm:styleLbl name="parChTrans1D4">
+    <dgm:scene3d>
+      <a:camera prst="orthographicFront"/>
+      <a:lightRig rig="threePt" dir="t"/>
+    </dgm:scene3d>
+    <dgm:sp3d/>
+    <dgm:txPr/>
+    <dgm:style>
+      <a:lnRef idx="2">
+        <a:scrgbClr r="0" g="0" b="0"/>
+      </a:lnRef>
+      <a:fillRef idx="0">
+        <a:scrgbClr r="0" g="0" b="0"/>
+      </a:fillRef>
+      <a:effectRef idx="0">
+        <a:scrgbClr r="0" g="0" b="0"/>
+      </a:effectRef>
+      <a:fontRef idx="minor"/>
+    </dgm:style>
+  </dgm:styleLbl>
+  <dgm:styleLbl name="fgAcc1">
+    <dgm:scene3d>
+      <a:camera prst="orthographicFront"/>
+      <a:lightRig rig="threePt" dir="t"/>
+    </dgm:scene3d>
+    <dgm:sp3d/>
+    <dgm:txPr/>
+    <dgm:style>
+      <a:lnRef idx="2">
+        <a:scrgbClr r="0" g="0" b="0"/>
+      </a:lnRef>
+      <a:fillRef idx="1">
+        <a:scrgbClr r="0" g="0" b="0"/>
+      </a:fillRef>
+      <a:effectRef idx="0">
+        <a:scrgbClr r="0" g="0" b="0"/>
+      </a:effectRef>
+      <a:fontRef idx="minor"/>
+    </dgm:style>
+  </dgm:styleLbl>
+  <dgm:styleLbl name="conFgAcc1">
+    <dgm:scene3d>
+      <a:camera prst="orthographicFront"/>
+      <a:lightRig rig="threePt" dir="t"/>
+    </dgm:scene3d>
+    <dgm:sp3d/>
+    <dgm:txPr/>
+    <dgm:style>
+      <a:lnRef idx="2">
+        <a:scrgbClr r="0" g="0" b="0"/>
+      </a:lnRef>
+      <a:fillRef idx="1">
+        <a:scrgbClr r="0" g="0" b="0"/>
+      </a:fillRef>
+      <a:effectRef idx="0">
+        <a:scrgbClr r="0" g="0" b="0"/>
+      </a:effectRef>
+      <a:fontRef idx="minor"/>
+    </dgm:style>
+  </dgm:styleLbl>
+  <dgm:styleLbl name="alignAcc1">
+    <dgm:scene3d>
+      <a:camera prst="orthographicFront"/>
+      <a:lightRig rig="threePt" dir="t"/>
+    </dgm:scene3d>
+    <dgm:sp3d/>
+    <dgm:txPr/>
+    <dgm:style>
+      <a:lnRef idx="2">
+        <a:scrgbClr r="0" g="0" b="0"/>
+      </a:lnRef>
+      <a:fillRef idx="1">
+        <a:scrgbClr r="0" g="0" b="0"/>
+      </a:fillRef>
+      <a:effectRef idx="0">
+        <a:scrgbClr r="0" g="0" b="0"/>
+      </a:effectRef>
+      <a:fontRef idx="minor"/>
+    </dgm:style>
+  </dgm:styleLbl>
+  <dgm:styleLbl name="trAlignAcc1">
+    <dgm:scene3d>
+      <a:camera prst="orthographicFront"/>
+      <a:lightRig rig="threePt" dir="t"/>
+    </dgm:scene3d>
+    <dgm:sp3d/>
+    <dgm:txPr/>
+    <dgm:style>
+      <a:lnRef idx="1">
+        <a:scrgbClr r="0" g="0" b="0"/>
+      </a:lnRef>
+      <a:fillRef idx="1">
+        <a:scrgbClr r="0" g="0" b="0"/>
+      </a:fillRef>
+      <a:effectRef idx="0">
+        <a:scrgbClr r="0" g="0" b="0"/>
+      </a:effectRef>
+      <a:fontRef idx="minor"/>
+    </dgm:style>
+  </dgm:styleLbl>
+  <dgm:styleLbl name="bgAcc1">
+    <dgm:scene3d>
+      <a:camera prst="orthographicFront"/>
+      <a:lightRig rig="threePt" dir="t"/>
+    </dgm:scene3d>
+    <dgm:sp3d/>
+    <dgm:txPr/>
+    <dgm:style>
+      <a:lnRef idx="2">
+        <a:scrgbClr r="0" g="0" b="0"/>
+      </a:lnRef>
+      <a:fillRef idx="1">
+        <a:scrgbClr r="0" g="0" b="0"/>
+      </a:fillRef>
+      <a:effectRef idx="0">
+        <a:scrgbClr r="0" g="0" b="0"/>
+      </a:effectRef>
+      <a:fontRef idx="minor"/>
+    </dgm:style>
+  </dgm:styleLbl>
+  <dgm:styleLbl name="solidFgAcc1">
+    <dgm:scene3d>
+      <a:camera prst="orthographicFront"/>
+      <a:lightRig rig="threePt" dir="t"/>
+    </dgm:scene3d>
+    <dgm:sp3d/>
+    <dgm:txPr/>
+    <dgm:style>
+      <a:lnRef idx="2">
+        <a:scrgbClr r="0" g="0" b="0"/>
+      </a:lnRef>
+      <a:fillRef idx="1">
+        <a:scrgbClr r="0" g="0" b="0"/>
+      </a:fillRef>
+      <a:effectRef idx="0">
+        <a:scrgbClr r="0" g="0" b="0"/>
+      </a:effectRef>
+      <a:fontRef idx="minor"/>
+    </dgm:style>
+  </dgm:styleLbl>
+  <dgm:styleLbl name="solidAlignAcc1">
+    <dgm:scene3d>
+      <a:camera prst="orthographicFront"/>
+      <a:lightRig rig="threePt" dir="t"/>
+    </dgm:scene3d>
+    <dgm:sp3d/>
+    <dgm:txPr/>
+    <dgm:style>
+      <a:lnRef idx="2">
+        <a:scrgbClr r="0" g="0" b="0"/>
+      </a:lnRef>
+      <a:fillRef idx="1">
+        <a:scrgbClr r="0" g="0" b="0"/>
+      </a:fillRef>
+      <a:effectRef idx="0">
+        <a:scrgbClr r="0" g="0" b="0"/>
+      </a:effectRef>
+      <a:fontRef idx="minor"/>
+    </dgm:style>
+  </dgm:styleLbl>
+  <dgm:styleLbl name="solidBgAcc1">
+    <dgm:scene3d>
+      <a:camera prst="orthographicFront"/>
+      <a:lightRig rig="threePt" dir="t"/>
+    </dgm:scene3d>
+    <dgm:sp3d/>
+    <dgm:txPr/>
+    <dgm:style>
+      <a:lnRef idx="2">
+        <a:scrgbClr r="0" g="0" b="0"/>
+      </a:lnRef>
+      <a:fillRef idx="1">
+        <a:scrgbClr r="0" g="0" b="0"/>
+      </a:fillRef>
+      <a:effectRef idx="0">
+        <a:scrgbClr r="0" g="0" b="0"/>
+      </a:effectRef>
+      <a:fontRef idx="minor"/>
+    </dgm:style>
+  </dgm:styleLbl>
+  <dgm:styleLbl name="fgAccFollowNode1">
+    <dgm:scene3d>
+      <a:camera prst="orthographicFront"/>
+      <a:lightRig rig="threePt" dir="t"/>
+    </dgm:scene3d>
+    <dgm:sp3d/>
+    <dgm:txPr/>
+    <dgm:style>
+      <a:lnRef idx="2">
+        <a:scrgbClr r="0" g="0" b="0"/>
+      </a:lnRef>
+      <a:fillRef idx="1">
+        <a:scrgbClr r="0" g="0" b="0"/>
+      </a:fillRef>
+      <a:effectRef idx="0">
+        <a:scrgbClr r="0" g="0" b="0"/>
+      </a:effectRef>
+      <a:fontRef idx="minor"/>
+    </dgm:style>
+  </dgm:styleLbl>
+  <dgm:styleLbl name="alignAccFollowNode1">
+    <dgm:scene3d>
+      <a:camera prst="orthographicFront"/>
+      <a:lightRig rig="threePt" dir="t"/>
+    </dgm:scene3d>
+    <dgm:sp3d/>
+    <dgm:txPr/>
+    <dgm:style>
+      <a:lnRef idx="2">
+        <a:scrgbClr r="0" g="0" b="0"/>
+      </a:lnRef>
+      <a:fillRef idx="1">
+        <a:scrgbClr r="0" g="0" b="0"/>
+      </a:fillRef>
+      <a:effectRef idx="0">
+        <a:scrgbClr r="0" g="0" b="0"/>
+      </a:effectRef>
+      <a:fontRef idx="minor"/>
+    </dgm:style>
+  </dgm:styleLbl>
+  <dgm:styleLbl name="bgAccFollowNode1">
+    <dgm:scene3d>
+      <a:camera prst="orthographicFront"/>
+      <a:lightRig rig="threePt" dir="t"/>
+    </dgm:scene3d>
+    <dgm:sp3d/>
+    <dgm:txPr/>
+    <dgm:style>
+      <a:lnRef idx="2">
+        <a:scrgbClr r="0" g="0" b="0"/>
+      </a:lnRef>
+      <a:fillRef idx="1">
+        <a:scrgbClr r="0" g="0" b="0"/>
+      </a:fillRef>
+      <a:effectRef idx="0">
+        <a:scrgbClr r="0" g="0" b="0"/>
+      </a:effectRef>
+      <a:fontRef idx="minor"/>
+    </dgm:style>
+  </dgm:styleLbl>
+  <dgm:styleLbl name="fgAcc0">
+    <dgm:scene3d>
+      <a:camera prst="orthographicFront"/>
+      <a:lightRig rig="threePt" dir="t"/>
+    </dgm:scene3d>
+    <dgm:sp3d/>
+    <dgm:txPr/>
+    <dgm:style>
+      <a:lnRef idx="2">
+        <a:scrgbClr r="0" g="0" b="0"/>
+      </a:lnRef>
+      <a:fillRef idx="1">
+        <a:scrgbClr r="0" g="0" b="0"/>
+      </a:fillRef>
+      <a:effectRef idx="0">
+        <a:scrgbClr r="0" g="0" b="0"/>
+      </a:effectRef>
+      <a:fontRef idx="minor"/>
+    </dgm:style>
+  </dgm:styleLbl>
+  <dgm:styleLbl name="fgAcc2">
+    <dgm:scene3d>
+      <a:camera prst="orthographicFront"/>
+      <a:lightRig rig="threePt" dir="t"/>
+    </dgm:scene3d>
+    <dgm:sp3d/>
+    <dgm:txPr/>
+    <dgm:style>
+      <a:lnRef idx="2">
+        <a:scrgbClr r="0" g="0" b="0"/>
+      </a:lnRef>
+      <a:fillRef idx="1">
+        <a:scrgbClr r="0" g="0" b="0"/>
+      </a:fillRef>
+      <a:effectRef idx="0">
+        <a:scrgbClr r="0" g="0" b="0"/>
+      </a:effectRef>
+      <a:fontRef idx="minor"/>
+    </dgm:style>
+  </dgm:styleLbl>
+  <dgm:styleLbl name="fgAcc3">
+    <dgm:scene3d>
+      <a:camera prst="orthographicFront"/>
+      <a:lightRig rig="threePt" dir="t"/>
+    </dgm:scene3d>
+    <dgm:sp3d/>
+    <dgm:txPr/>
+    <dgm:style>
+      <a:lnRef idx="2">
+        <a:scrgbClr r="0" g="0" b="0"/>
+      </a:lnRef>
+      <a:fillRef idx="1">
+        <a:scrgbClr r="0" g="0" b="0"/>
+      </a:fillRef>
+      <a:effectRef idx="0">
+        <a:scrgbClr r="0" g="0" b="0"/>
+      </a:effectRef>
+      <a:fontRef idx="minor"/>
+    </dgm:style>
+  </dgm:styleLbl>
+  <dgm:styleLbl name="fgAcc4">
+    <dgm:scene3d>
+      <a:camera prst="orthographicFront"/>
+      <a:lightRig rig="threePt" dir="t"/>
+    </dgm:scene3d>
+    <dgm:sp3d/>
+    <dgm:txPr/>
+    <dgm:style>
+      <a:lnRef idx="2">
+        <a:scrgbClr r="0" g="0" b="0"/>
+      </a:lnRef>
+      <a:fillRef idx="1">
+        <a:scrgbClr r="0" g="0" b="0"/>
+      </a:fillRef>
+      <a:effectRef idx="0">
+        <a:scrgbClr r="0" g="0" b="0"/>
+      </a:effectRef>
+      <a:fontRef idx="minor"/>
+    </dgm:style>
+  </dgm:styleLbl>
+  <dgm:styleLbl name="bgShp">
+    <dgm:scene3d>
+      <a:camera prst="orthographicFront"/>
+      <a:lightRig rig="threePt" dir="t"/>
+    </dgm:scene3d>
+    <dgm:sp3d/>
+    <dgm:txPr/>
+    <dgm:style>
+      <a:lnRef idx="0">
+        <a:scrgbClr r="0" g="0" b="0"/>
+      </a:lnRef>
+      <a:fillRef idx="1">
+        <a:scrgbClr r="0" g="0" b="0"/>
+      </a:fillRef>
+      <a:effectRef idx="0">
+        <a:scrgbClr r="0" g="0" b="0"/>
+      </a:effectRef>
+      <a:fontRef idx="minor"/>
+    </dgm:style>
+  </dgm:styleLbl>
+  <dgm:styleLbl name="dkBgShp">
+    <dgm:scene3d>
+      <a:camera prst="orthographicFront"/>
+      <a:lightRig rig="threePt" dir="t"/>
+    </dgm:scene3d>
+    <dgm:sp3d/>
+    <dgm:txPr/>
+    <dgm:style>
+      <a:lnRef idx="0">
+        <a:scrgbClr r="0" g="0" b="0"/>
+      </a:lnRef>
+      <a:fillRef idx="1">
+        <a:scrgbClr r="0" g="0" b="0"/>
+      </a:fillRef>
+      <a:effectRef idx="0">
+        <a:scrgbClr r="0" g="0" b="0"/>
+      </a:effectRef>
+      <a:fontRef idx="minor"/>
+    </dgm:style>
+  </dgm:styleLbl>
+  <dgm:styleLbl name="trBgShp">
+    <dgm:scene3d>
+      <a:camera prst="orthographicFront"/>
+      <a:lightRig rig="threePt" dir="t"/>
+    </dgm:scene3d>
+    <dgm:sp3d/>
+    <dgm:txPr/>
+    <dgm:style>
+      <a:lnRef idx="0">
+        <a:scrgbClr r="0" g="0" b="0"/>
+      </a:lnRef>
+      <a:fillRef idx="1">
+        <a:scrgbClr r="0" g="0" b="0"/>
+      </a:fillRef>
+      <a:effectRef idx="0">
+        <a:scrgbClr r="0" g="0" b="0"/>
+      </a:effectRef>
+      <a:fontRef idx="minor"/>
+    </dgm:style>
+  </dgm:styleLbl>
+  <dgm:styleLbl name="fgShp">
+    <dgm:scene3d>
+      <a:camera prst="orthographicFront"/>
+      <a:lightRig rig="threePt" dir="t"/>
+    </dgm:scene3d>
+    <dgm:sp3d/>
+    <dgm:txPr/>
+    <dgm:style>
+      <a:lnRef idx="2">
+        <a:scrgbClr r="0" g="0" b="0"/>
+      </a:lnRef>
+      <a:fillRef idx="1">
+        <a:scrgbClr r="0" g="0" b="0"/>
+      </a:fillRef>
+      <a:effectRef idx="0">
+        <a:scrgbClr r="0" g="0" b="0"/>
+      </a:effectRef>
+      <a:fontRef idx="minor"/>
+    </dgm:style>
+  </dgm:styleLbl>
+  <dgm:styleLbl name="revTx">
+    <dgm:scene3d>
+      <a:camera prst="orthographicFront"/>
+      <a:lightRig rig="threePt" dir="t"/>
+    </dgm:scene3d>
+    <dgm:sp3d/>
+    <dgm:txPr/>
+    <dgm:style>
+      <a:lnRef idx="0">
+        <a:scrgbClr r="0" g="0" b="0"/>
+      </a:lnRef>
+      <a:fillRef idx="0">
+        <a:scrgbClr r="0" g="0" b="0"/>
+      </a:fillRef>
+      <a:effectRef idx="0">
+        <a:scrgbClr r="0" g="0" b="0"/>
+      </a:effectRef>
+      <a:fontRef idx="minor"/>
+    </dgm:style>
+  </dgm:styleLbl>
+</dgm:styleDef>
+</file>
+
+<file path=ppt/diagrams/quickStyle3.xml><?xml version="1.0" encoding="utf-8"?>
+<dgm:styleDef xmlns:dgm="http://schemas.openxmlformats.org/drawingml/2006/diagram" xmlns:a="http://schemas.openxmlformats.org/drawingml/2006/main" uniqueId="urn:microsoft.com/office/officeart/2005/8/quickstyle/simple1">
+  <dgm:title val=""/>
+  <dgm:desc val=""/>
+  <dgm:catLst>
+    <dgm:cat type="simple" pri="10100"/>
+  </dgm:catLst>
+  <dgm:scene3d>
+    <a:camera prst="orthographicFront"/>
+    <a:lightRig rig="threePt" dir="t"/>
+  </dgm:scene3d>
+  <dgm:styleLbl name="node0">
+    <dgm:scene3d>
+      <a:camera prst="orthographicFront"/>
+      <a:lightRig rig="threePt" dir="t"/>
+    </dgm:scene3d>
+    <dgm:sp3d/>
+    <dgm:txPr/>
+    <dgm:style>
+      <a:lnRef idx="2">
+        <a:scrgbClr r="0" g="0" b="0"/>
+      </a:lnRef>
+      <a:fillRef idx="1">
+        <a:scrgbClr r="0" g="0" b="0"/>
+      </a:fillRef>
+      <a:effectRef idx="0">
+        <a:scrgbClr r="0" g="0" b="0"/>
+      </a:effectRef>
+      <a:fontRef idx="minor">
+        <a:schemeClr val="lt1"/>
+      </a:fontRef>
+    </dgm:style>
+  </dgm:styleLbl>
+  <dgm:styleLbl name="lnNode1">
+    <dgm:scene3d>
+      <a:camera prst="orthographicFront"/>
+      <a:lightRig rig="threePt" dir="t"/>
+    </dgm:scene3d>
+    <dgm:sp3d/>
+    <dgm:txPr/>
+    <dgm:style>
+      <a:lnRef idx="2">
+        <a:scrgbClr r="0" g="0" b="0"/>
+      </a:lnRef>
+      <a:fillRef idx="1">
+        <a:scrgbClr r="0" g="0" b="0"/>
+      </a:fillRef>
+      <a:effectRef idx="0">
+        <a:scrgbClr r="0" g="0" b="0"/>
+      </a:effectRef>
+      <a:fontRef idx="minor">
+        <a:schemeClr val="lt1"/>
+      </a:fontRef>
+    </dgm:style>
+  </dgm:styleLbl>
+  <dgm:styleLbl name="vennNode1">
+    <dgm:scene3d>
+      <a:camera prst="orthographicFront"/>
+      <a:lightRig rig="threePt" dir="t"/>
+    </dgm:scene3d>
+    <dgm:sp3d/>
+    <dgm:txPr/>
+    <dgm:style>
+      <a:lnRef idx="2">
+        <a:scrgbClr r="0" g="0" b="0"/>
+      </a:lnRef>
+      <a:fillRef idx="1">
+        <a:scrgbClr r="0" g="0" b="0"/>
+      </a:fillRef>
+      <a:effectRef idx="0">
+        <a:scrgbClr r="0" g="0" b="0"/>
+      </a:effectRef>
+      <a:fontRef idx="minor">
+        <a:schemeClr val="tx1"/>
+      </a:fontRef>
+    </dgm:style>
+  </dgm:styleLbl>
+  <dgm:styleLbl name="alignNode1">
+    <dgm:scene3d>
+      <a:camera prst="orthographicFront"/>
+      <a:lightRig rig="threePt" dir="t"/>
+    </dgm:scene3d>
+    <dgm:sp3d/>
+    <dgm:txPr/>
+    <dgm:style>
+      <a:lnRef idx="2">
+        <a:scrgbClr r="0" g="0" b="0"/>
+      </a:lnRef>
+      <a:fillRef idx="1">
+        <a:scrgbClr r="0" g="0" b="0"/>
+      </a:fillRef>
+      <a:effectRef idx="0">
+        <a:scrgbClr r="0" g="0" b="0"/>
+      </a:effectRef>
+      <a:fontRef idx="minor">
+        <a:schemeClr val="lt1"/>
+      </a:fontRef>
+    </dgm:style>
+  </dgm:styleLbl>
+  <dgm:styleLbl name="node1">
+    <dgm:scene3d>
+      <a:camera prst="orthographicFront"/>
+      <a:lightRig rig="threePt" dir="t"/>
+    </dgm:scene3d>
+    <dgm:sp3d/>
+    <dgm:txPr/>
+    <dgm:style>
+      <a:lnRef idx="2">
+        <a:scrgbClr r="0" g="0" b="0"/>
+      </a:lnRef>
+      <a:fillRef idx="1">
+        <a:scrgbClr r="0" g="0" b="0"/>
+      </a:fillRef>
+      <a:effectRef idx="0">
+        <a:scrgbClr r="0" g="0" b="0"/>
+      </a:effectRef>
+      <a:fontRef idx="minor">
+        <a:schemeClr val="lt1"/>
+      </a:fontRef>
+    </dgm:style>
+  </dgm:styleLbl>
+  <dgm:styleLbl name="node2">
+    <dgm:scene3d>
+      <a:camera prst="orthographicFront"/>
+      <a:lightRig rig="threePt" dir="t"/>
+    </dgm:scene3d>
+    <dgm:sp3d/>
+    <dgm:txPr/>
+    <dgm:style>
+      <a:lnRef idx="2">
+        <a:scrgbClr r="0" g="0" b="0"/>
+      </a:lnRef>
+      <a:fillRef idx="1">
+        <a:scrgbClr r="0" g="0" b="0"/>
+      </a:fillRef>
+      <a:effectRef idx="0">
+        <a:scrgbClr r="0" g="0" b="0"/>
+      </a:effectRef>
+      <a:fontRef idx="minor">
+        <a:schemeClr val="lt1"/>
+      </a:fontRef>
+    </dgm:style>
+  </dgm:styleLbl>
+  <dgm:styleLbl name="node3">
+    <dgm:scene3d>
+      <a:camera prst="orthographicFront"/>
+      <a:lightRig rig="threePt" dir="t"/>
+    </dgm:scene3d>
+    <dgm:sp3d/>
+    <dgm:txPr/>
+    <dgm:style>
+      <a:lnRef idx="2">
+        <a:scrgbClr r="0" g="0" b="0"/>
+      </a:lnRef>
+      <a:fillRef idx="1">
+        <a:scrgbClr r="0" g="0" b="0"/>
+      </a:fillRef>
+      <a:effectRef idx="0">
+        <a:scrgbClr r="0" g="0" b="0"/>
+      </a:effectRef>
+      <a:fontRef idx="minor">
+        <a:schemeClr val="lt1"/>
+      </a:fontRef>
+    </dgm:style>
+  </dgm:styleLbl>
+  <dgm:styleLbl name="node4">
+    <dgm:scene3d>
+      <a:camera prst="orthographicFront"/>
+      <a:lightRig rig="threePt" dir="t"/>
+    </dgm:scene3d>
+    <dgm:sp3d/>
+    <dgm:txPr/>
+    <dgm:style>
+      <a:lnRef idx="2">
+        <a:scrgbClr r="0" g="0" b="0"/>
+      </a:lnRef>
+      <a:fillRef idx="1">
+        <a:scrgbClr r="0" g="0" b="0"/>
+      </a:fillRef>
+      <a:effectRef idx="0">
+        <a:scrgbClr r="0" g="0" b="0"/>
+      </a:effectRef>
+      <a:fontRef idx="minor">
+        <a:schemeClr val="lt1"/>
+      </a:fontRef>
+    </dgm:style>
+  </dgm:styleLbl>
+  <dgm:styleLbl name="fgImgPlace1">
+    <dgm:scene3d>
+      <a:camera prst="orthographicFront"/>
+      <a:lightRig rig="threePt" dir="t"/>
+    </dgm:scene3d>
+    <dgm:sp3d/>
+    <dgm:txPr/>
+    <dgm:style>
+      <a:lnRef idx="2">
+        <a:scrgbClr r="0" g="0" b="0"/>
+      </a:lnRef>
+      <a:fillRef idx="1">
+        <a:scrgbClr r="0" g="0" b="0"/>
+      </a:fillRef>
+      <a:effectRef idx="0">
+        <a:scrgbClr r="0" g="0" b="0"/>
+      </a:effectRef>
+      <a:fontRef idx="minor"/>
+    </dgm:style>
+  </dgm:styleLbl>
+  <dgm:styleLbl name="alignImgPlace1">
+    <dgm:scene3d>
+      <a:camera prst="orthographicFront"/>
+      <a:lightRig rig="threePt" dir="t"/>
+    </dgm:scene3d>
+    <dgm:sp3d/>
+    <dgm:txPr/>
+    <dgm:style>
+      <a:lnRef idx="2">
+        <a:scrgbClr r="0" g="0" b="0"/>
+      </a:lnRef>
+      <a:fillRef idx="1">
+        <a:scrgbClr r="0" g="0" b="0"/>
+      </a:fillRef>
+      <a:effectRef idx="0">
+        <a:scrgbClr r="0" g="0" b="0"/>
+      </a:effectRef>
+      <a:fontRef idx="minor"/>
+    </dgm:style>
+  </dgm:styleLbl>
+  <dgm:styleLbl name="bgImgPlace1">
+    <dgm:scene3d>
+      <a:camera prst="orthographicFront"/>
+      <a:lightRig rig="threePt" dir="t"/>
+    </dgm:scene3d>
+    <dgm:sp3d/>
+    <dgm:txPr/>
+    <dgm:style>
+      <a:lnRef idx="2">
+        <a:scrgbClr r="0" g="0" b="0"/>
+      </a:lnRef>
+      <a:fillRef idx="1">
+        <a:scrgbClr r="0" g="0" b="0"/>
+      </a:fillRef>
+      <a:effectRef idx="0">
+        <a:scrgbClr r="0" g="0" b="0"/>
+      </a:effectRef>
+      <a:fontRef idx="minor"/>
+    </dgm:style>
+  </dgm:styleLbl>
+  <dgm:styleLbl name="sibTrans2D1">
+    <dgm:scene3d>
+      <a:camera prst="orthographicFront"/>
+      <a:lightRig rig="threePt" dir="t"/>
+    </dgm:scene3d>
+    <dgm:sp3d/>
+    <dgm:txPr/>
+    <dgm:style>
+      <a:lnRef idx="0">
+        <a:scrgbClr r="0" g="0" b="0"/>
+      </a:lnRef>
+      <a:fillRef idx="1">
+        <a:scrgbClr r="0" g="0" b="0"/>
+      </a:fillRef>
+      <a:effectRef idx="0">
+        <a:scrgbClr r="0" g="0" b="0"/>
+      </a:effectRef>
+      <a:fontRef idx="minor">
+        <a:schemeClr val="lt1"/>
+      </a:fontRef>
+    </dgm:style>
+  </dgm:styleLbl>
+  <dgm:styleLbl name="fgSibTrans2D1">
+    <dgm:scene3d>
+      <a:camera prst="orthographicFront"/>
+      <a:lightRig rig="threePt" dir="t"/>
+    </dgm:scene3d>
+    <dgm:sp3d/>
+    <dgm:txPr/>
+    <dgm:style>
+      <a:lnRef idx="0">
+        <a:scrgbClr r="0" g="0" b="0"/>
+      </a:lnRef>
+      <a:fillRef idx="1">
+        <a:scrgbClr r="0" g="0" b="0"/>
+      </a:fillRef>
+      <a:effectRef idx="0">
+        <a:scrgbClr r="0" g="0" b="0"/>
+      </a:effectRef>
+      <a:fontRef idx="minor">
+        <a:schemeClr val="lt1"/>
+      </a:fontRef>
+    </dgm:style>
+  </dgm:styleLbl>
+  <dgm:styleLbl name="bgSibTrans2D1">
+    <dgm:scene3d>
+      <a:camera prst="orthographicFront"/>
+      <a:lightRig rig="threePt" dir="t"/>
+    </dgm:scene3d>
+    <dgm:sp3d/>
+    <dgm:txPr/>
+    <dgm:style>
+      <a:lnRef idx="0">
+        <a:scrgbClr r="0" g="0" b="0"/>
+      </a:lnRef>
+      <a:fillRef idx="1">
+        <a:scrgbClr r="0" g="0" b="0"/>
+      </a:fillRef>
+      <a:effectRef idx="0">
+        <a:scrgbClr r="0" g="0" b="0"/>
+      </a:effectRef>
+      <a:fontRef idx="minor">
+        <a:schemeClr val="lt1"/>
+      </a:fontRef>
+    </dgm:style>
+  </dgm:styleLbl>
+  <dgm:styleLbl name="sibTrans1D1">
+    <dgm:scene3d>
+      <a:camera prst="orthographicFront"/>
+      <a:lightRig rig="threePt" dir="t"/>
+    </dgm:scene3d>
+    <dgm:sp3d/>
+    <dgm:txPr/>
+    <dgm:style>
+      <a:lnRef idx="1">
+        <a:scrgbClr r="0" g="0" b="0"/>
+      </a:lnRef>
+      <a:fillRef idx="0">
+        <a:scrgbClr r="0" g="0" b="0"/>
+      </a:fillRef>
+      <a:effectRef idx="0">
+        <a:scrgbClr r="0" g="0" b="0"/>
+      </a:effectRef>
+      <a:fontRef idx="minor"/>
+    </dgm:style>
+  </dgm:styleLbl>
+  <dgm:styleLbl name="callout">
+    <dgm:scene3d>
+      <a:camera prst="orthographicFront"/>
+      <a:lightRig rig="threePt" dir="t"/>
+    </dgm:scene3d>
+    <dgm:sp3d/>
+    <dgm:txPr/>
+    <dgm:style>
+      <a:lnRef idx="2">
+        <a:scrgbClr r="0" g="0" b="0"/>
+      </a:lnRef>
+      <a:fillRef idx="1">
+        <a:scrgbClr r="0" g="0" b="0"/>
+      </a:fillRef>
+      <a:effectRef idx="0">
+        <a:scrgbClr r="0" g="0" b="0"/>
+      </a:effectRef>
+      <a:fontRef idx="minor"/>
+    </dgm:style>
+  </dgm:styleLbl>
+  <dgm:styleLbl name="asst0">
+    <dgm:scene3d>
+      <a:camera prst="orthographicFront"/>
+      <a:lightRig rig="threePt" dir="t"/>
+    </dgm:scene3d>
+    <dgm:sp3d/>
+    <dgm:txPr/>
+    <dgm:style>
+      <a:lnRef idx="2">
+        <a:scrgbClr r="0" g="0" b="0"/>
+      </a:lnRef>
+      <a:fillRef idx="1">
+        <a:scrgbClr r="0" g="0" b="0"/>
+      </a:fillRef>
+      <a:effectRef idx="0">
+        <a:scrgbClr r="0" g="0" b="0"/>
+      </a:effectRef>
+      <a:fontRef idx="minor">
+        <a:schemeClr val="lt1"/>
+      </a:fontRef>
+    </dgm:style>
+  </dgm:styleLbl>
+  <dgm:styleLbl name="asst1">
+    <dgm:scene3d>
+      <a:camera prst="orthographicFront"/>
+      <a:lightRig rig="threePt" dir="t"/>
+    </dgm:scene3d>
+    <dgm:sp3d/>
+    <dgm:txPr/>
+    <dgm:style>
+      <a:lnRef idx="2">
+        <a:scrgbClr r="0" g="0" b="0"/>
+      </a:lnRef>
+      <a:fillRef idx="1">
+        <a:scrgbClr r="0" g="0" b="0"/>
+      </a:fillRef>
+      <a:effectRef idx="0">
+        <a:scrgbClr r="0" g="0" b="0"/>
+      </a:effectRef>
+      <a:fontRef idx="minor">
+        <a:schemeClr val="lt1"/>
+      </a:fontRef>
+    </dgm:style>
+  </dgm:styleLbl>
+  <dgm:styleLbl name="asst2">
+    <dgm:scene3d>
+      <a:camera prst="orthographicFront"/>
+      <a:lightRig rig="threePt" dir="t"/>
+    </dgm:scene3d>
+    <dgm:sp3d/>
+    <dgm:txPr/>
+    <dgm:style>
+      <a:lnRef idx="2">
+        <a:scrgbClr r="0" g="0" b="0"/>
+      </a:lnRef>
+      <a:fillRef idx="1">
+        <a:scrgbClr r="0" g="0" b="0"/>
+      </a:fillRef>
+      <a:effectRef idx="0">
+        <a:scrgbClr r="0" g="0" b="0"/>
+      </a:effectRef>
+      <a:fontRef idx="minor">
+        <a:schemeClr val="lt1"/>
+      </a:fontRef>
+    </dgm:style>
+  </dgm:styleLbl>
+  <dgm:styleLbl name="asst3">
+    <dgm:scene3d>
+      <a:camera prst="orthographicFront"/>
+      <a:lightRig rig="threePt" dir="t"/>
+    </dgm:scene3d>
+    <dgm:sp3d/>
+    <dgm:txPr/>
+    <dgm:style>
+      <a:lnRef idx="2">
+        <a:scrgbClr r="0" g="0" b="0"/>
+      </a:lnRef>
+      <a:fillRef idx="1">
+        <a:scrgbClr r="0" g="0" b="0"/>
+      </a:fillRef>
+      <a:effectRef idx="0">
+        <a:scrgbClr r="0" g="0" b="0"/>
+      </a:effectRef>
+      <a:fontRef idx="minor">
+        <a:schemeClr val="lt1"/>
+      </a:fontRef>
+    </dgm:style>
+  </dgm:styleLbl>
+  <dgm:styleLbl name="asst4">
+    <dgm:scene3d>
+      <a:camera prst="orthographicFront"/>
+      <a:lightRig rig="threePt" dir="t"/>
+    </dgm:scene3d>
+    <dgm:sp3d/>
+    <dgm:txPr/>
+    <dgm:style>
+      <a:lnRef idx="2">
+        <a:scrgbClr r="0" g="0" b="0"/>
+      </a:lnRef>
+      <a:fillRef idx="1">
+        <a:scrgbClr r="0" g="0" b="0"/>
+      </a:fillRef>
+      <a:effectRef idx="0">
+        <a:scrgbClr r="0" g="0" b="0"/>
+      </a:effectRef>
+      <a:fontRef idx="minor">
+        <a:schemeClr val="lt1"/>
+      </a:fontRef>
+    </dgm:style>
+  </dgm:styleLbl>
+  <dgm:styleLbl name="parChTrans2D1">
+    <dgm:scene3d>
+      <a:camera prst="orthographicFront"/>
+      <a:lightRig rig="threePt" dir="t"/>
+    </dgm:scene3d>
+    <dgm:sp3d/>
+    <dgm:txPr/>
+    <dgm:style>
+      <a:lnRef idx="2">
+        <a:scrgbClr r="0" g="0" b="0"/>
+      </a:lnRef>
+      <a:fillRef idx="1">
+        <a:scrgbClr r="0" g="0" b="0"/>
+      </a:fillRef>
+      <a:effectRef idx="0">
+        <a:scrgbClr r="0" g="0" b="0"/>
+      </a:effectRef>
+      <a:fontRef idx="minor">
+        <a:schemeClr val="lt1"/>
+      </a:fontRef>
+    </dgm:style>
+  </dgm:styleLbl>
+  <dgm:styleLbl name="parChTrans2D2">
+    <dgm:scene3d>
+      <a:camera prst="orthographicFront"/>
+      <a:lightRig rig="threePt" dir="t"/>
+    </dgm:scene3d>
+    <dgm:sp3d/>
+    <dgm:txPr/>
+    <dgm:style>
+      <a:lnRef idx="2">
+        <a:scrgbClr r="0" g="0" b="0"/>
+      </a:lnRef>
+      <a:fillRef idx="1">
+        <a:scrgbClr r="0" g="0" b="0"/>
+      </a:fillRef>
+      <a:effectRef idx="0">
+        <a:scrgbClr r="0" g="0" b="0"/>
+      </a:effectRef>
+      <a:fontRef idx="minor">
+        <a:schemeClr val="lt1"/>
+      </a:fontRef>
+    </dgm:style>
+  </dgm:styleLbl>
+  <dgm:styleLbl name="parChTrans2D3">
+    <dgm:scene3d>
+      <a:camera prst="orthographicFront"/>
+      <a:lightRig rig="threePt" dir="t"/>
+    </dgm:scene3d>
+    <dgm:sp3d/>
+    <dgm:txPr/>
+    <dgm:style>
+      <a:lnRef idx="2">
+        <a:scrgbClr r="0" g="0" b="0"/>
+      </a:lnRef>
+      <a:fillRef idx="1">
+        <a:scrgbClr r="0" g="0" b="0"/>
+      </a:fillRef>
+      <a:effectRef idx="0">
+        <a:scrgbClr r="0" g="0" b="0"/>
+      </a:effectRef>
+      <a:fontRef idx="minor">
+        <a:schemeClr val="lt1"/>
+      </a:fontRef>
+    </dgm:style>
+  </dgm:styleLbl>
+  <dgm:styleLbl name="parChTrans2D4">
+    <dgm:scene3d>
+      <a:camera prst="orthographicFront"/>
+      <a:lightRig rig="threePt" dir="t"/>
+    </dgm:scene3d>
+    <dgm:sp3d/>
+    <dgm:txPr/>
+    <dgm:style>
+      <a:lnRef idx="2">
+        <a:scrgbClr r="0" g="0" b="0"/>
+      </a:lnRef>
+      <a:fillRef idx="1">
+        <a:scrgbClr r="0" g="0" b="0"/>
+      </a:fillRef>
+      <a:effectRef idx="0">
+        <a:scrgbClr r="0" g="0" b="0"/>
+      </a:effectRef>
+      <a:fontRef idx="minor">
+        <a:schemeClr val="lt1"/>
+      </a:fontRef>
+    </dgm:style>
+  </dgm:styleLbl>
+  <dgm:styleLbl name="parChTrans1D1">
+    <dgm:scene3d>
+      <a:camera prst="orthographicFront"/>
+      <a:lightRig rig="threePt" dir="t"/>
+    </dgm:scene3d>
+    <dgm:sp3d/>
+    <dgm:txPr/>
+    <dgm:style>
+      <a:lnRef idx="2">
+        <a:scrgbClr r="0" g="0" b="0"/>
+      </a:lnRef>
+      <a:fillRef idx="0">
+        <a:scrgbClr r="0" g="0" b="0"/>
+      </a:fillRef>
+      <a:effectRef idx="0">
+        <a:scrgbClr r="0" g="0" b="0"/>
+      </a:effectRef>
+      <a:fontRef idx="minor"/>
+    </dgm:style>
+  </dgm:styleLbl>
+  <dgm:styleLbl name="parChTrans1D2">
+    <dgm:scene3d>
+      <a:camera prst="orthographicFront"/>
+      <a:lightRig rig="threePt" dir="t"/>
+    </dgm:scene3d>
+    <dgm:sp3d/>
+    <dgm:txPr/>
+    <dgm:style>
+      <a:lnRef idx="2">
+        <a:scrgbClr r="0" g="0" b="0"/>
+      </a:lnRef>
+      <a:fillRef idx="0">
+        <a:scrgbClr r="0" g="0" b="0"/>
+      </a:fillRef>
+      <a:effectRef idx="0">
+        <a:scrgbClr r="0" g="0" b="0"/>
+      </a:effectRef>
+      <a:fontRef idx="minor"/>
+    </dgm:style>
+  </dgm:styleLbl>
+  <dgm:styleLbl name="parChTrans1D3">
+    <dgm:scene3d>
+      <a:camera prst="orthographicFront"/>
+      <a:lightRig rig="threePt" dir="t"/>
+    </dgm:scene3d>
+    <dgm:sp3d/>
+    <dgm:txPr/>
+    <dgm:style>
+      <a:lnRef idx="2">
+        <a:scrgbClr r="0" g="0" b="0"/>
+      </a:lnRef>
+      <a:fillRef idx="0">
+        <a:scrgbClr r="0" g="0" b="0"/>
+      </a:fillRef>
+      <a:effectRef idx="0">
+        <a:scrgbClr r="0" g="0" b="0"/>
+      </a:effectRef>
+      <a:fontRef idx="minor"/>
+    </dgm:style>
+  </dgm:styleLbl>
+  <dgm:styleLbl name="parChTrans1D4">
+    <dgm:scene3d>
+      <a:camera prst="orthographicFront"/>
+      <a:lightRig rig="threePt" dir="t"/>
+    </dgm:scene3d>
+    <dgm:sp3d/>
+    <dgm:txPr/>
+    <dgm:style>
+      <a:lnRef idx="2">
+        <a:scrgbClr r="0" g="0" b="0"/>
+      </a:lnRef>
+      <a:fillRef idx="0">
+        <a:scrgbClr r="0" g="0" b="0"/>
+      </a:fillRef>
+      <a:effectRef idx="0">
+        <a:scrgbClr r="0" g="0" b="0"/>
+      </a:effectRef>
+      <a:fontRef idx="minor"/>
+    </dgm:style>
+  </dgm:styleLbl>
+  <dgm:styleLbl name="fgAcc1">
+    <dgm:scene3d>
+      <a:camera prst="orthographicFront"/>
+      <a:lightRig rig="threePt" dir="t"/>
+    </dgm:scene3d>
+    <dgm:sp3d/>
+    <dgm:txPr/>
+    <dgm:style>
+      <a:lnRef idx="2">
+        <a:scrgbClr r="0" g="0" b="0"/>
+      </a:lnRef>
+      <a:fillRef idx="1">
+        <a:scrgbClr r="0" g="0" b="0"/>
+      </a:fillRef>
+      <a:effectRef idx="0">
+        <a:scrgbClr r="0" g="0" b="0"/>
+      </a:effectRef>
+      <a:fontRef idx="minor"/>
+    </dgm:style>
+  </dgm:styleLbl>
+  <dgm:styleLbl name="conFgAcc1">
+    <dgm:scene3d>
+      <a:camera prst="orthographicFront"/>
+      <a:lightRig rig="threePt" dir="t"/>
+    </dgm:scene3d>
+    <dgm:sp3d/>
+    <dgm:txPr/>
+    <dgm:style>
+      <a:lnRef idx="2">
+        <a:scrgbClr r="0" g="0" b="0"/>
+      </a:lnRef>
+      <a:fillRef idx="1">
+        <a:scrgbClr r="0" g="0" b="0"/>
+      </a:fillRef>
+      <a:effectRef idx="0">
+        <a:scrgbClr r="0" g="0" b="0"/>
+      </a:effectRef>
+      <a:fontRef idx="minor"/>
+    </dgm:style>
+  </dgm:styleLbl>
+  <dgm:styleLbl name="alignAcc1">
+    <dgm:scene3d>
+      <a:camera prst="orthographicFront"/>
+      <a:lightRig rig="threePt" dir="t"/>
+    </dgm:scene3d>
+    <dgm:sp3d/>
+    <dgm:txPr/>
+    <dgm:style>
+      <a:lnRef idx="2">
+        <a:scrgbClr r="0" g="0" b="0"/>
+      </a:lnRef>
+      <a:fillRef idx="1">
+        <a:scrgbClr r="0" g="0" b="0"/>
+      </a:fillRef>
+      <a:effectRef idx="0">
+        <a:scrgbClr r="0" g="0" b="0"/>
+      </a:effectRef>
+      <a:fontRef idx="minor"/>
+    </dgm:style>
+  </dgm:styleLbl>
+  <dgm:styleLbl name="trAlignAcc1">
+    <dgm:scene3d>
+      <a:camera prst="orthographicFront"/>
+      <a:lightRig rig="threePt" dir="t"/>
+    </dgm:scene3d>
+    <dgm:sp3d/>
+    <dgm:txPr/>
+    <dgm:style>
+      <a:lnRef idx="1">
+        <a:scrgbClr r="0" g="0" b="0"/>
+      </a:lnRef>
+      <a:fillRef idx="1">
+        <a:scrgbClr r="0" g="0" b="0"/>
+      </a:fillRef>
+      <a:effectRef idx="0">
+        <a:scrgbClr r="0" g="0" b="0"/>
+      </a:effectRef>
+      <a:fontRef idx="minor"/>
+    </dgm:style>
+  </dgm:styleLbl>
+  <dgm:styleLbl name="bgAcc1">
+    <dgm:scene3d>
+      <a:camera prst="orthographicFront"/>
+      <a:lightRig rig="threePt" dir="t"/>
+    </dgm:scene3d>
+    <dgm:sp3d/>
+    <dgm:txPr/>
+    <dgm:style>
+      <a:lnRef idx="2">
+        <a:scrgbClr r="0" g="0" b="0"/>
+      </a:lnRef>
+      <a:fillRef idx="1">
+        <a:scrgbClr r="0" g="0" b="0"/>
+      </a:fillRef>
+      <a:effectRef idx="0">
+        <a:scrgbClr r="0" g="0" b="0"/>
+      </a:effectRef>
+      <a:fontRef idx="minor"/>
+    </dgm:style>
+  </dgm:styleLbl>
+  <dgm:styleLbl name="solidFgAcc1">
+    <dgm:scene3d>
+      <a:camera prst="orthographicFront"/>
+      <a:lightRig rig="threePt" dir="t"/>
+    </dgm:scene3d>
+    <dgm:sp3d/>
+    <dgm:txPr/>
+    <dgm:style>
+      <a:lnRef idx="2">
+        <a:scrgbClr r="0" g="0" b="0"/>
+      </a:lnRef>
+      <a:fillRef idx="1">
+        <a:scrgbClr r="0" g="0" b="0"/>
+      </a:fillRef>
+      <a:effectRef idx="0">
+        <a:scrgbClr r="0" g="0" b="0"/>
+      </a:effectRef>
+      <a:fontRef idx="minor"/>
+    </dgm:style>
+  </dgm:styleLbl>
+  <dgm:styleLbl name="solidAlignAcc1">
+    <dgm:scene3d>
+      <a:camera prst="orthographicFront"/>
+      <a:lightRig rig="threePt" dir="t"/>
+    </dgm:scene3d>
+    <dgm:sp3d/>
+    <dgm:txPr/>
+    <dgm:style>
+      <a:lnRef idx="2">
+        <a:scrgbClr r="0" g="0" b="0"/>
+      </a:lnRef>
+      <a:fillRef idx="1">
+        <a:scrgbClr r="0" g="0" b="0"/>
+      </a:fillRef>
+      <a:effectRef idx="0">
+        <a:scrgbClr r="0" g="0" b="0"/>
+      </a:effectRef>
+      <a:fontRef idx="minor"/>
+    </dgm:style>
+  </dgm:styleLbl>
+  <dgm:styleLbl name="solidBgAcc1">
+    <dgm:scene3d>
+      <a:camera prst="orthographicFront"/>
+      <a:lightRig rig="threePt" dir="t"/>
+    </dgm:scene3d>
+    <dgm:sp3d/>
+    <dgm:txPr/>
+    <dgm:style>
+      <a:lnRef idx="2">
+        <a:scrgbClr r="0" g="0" b="0"/>
+      </a:lnRef>
+      <a:fillRef idx="1">
+        <a:scrgbClr r="0" g="0" b="0"/>
+      </a:fillRef>
+      <a:effectRef idx="0">
+        <a:scrgbClr r="0" g="0" b="0"/>
+      </a:effectRef>
+      <a:fontRef idx="minor"/>
+    </dgm:style>
+  </dgm:styleLbl>
+  <dgm:styleLbl name="fgAccFollowNode1">
+    <dgm:scene3d>
+      <a:camera prst="orthographicFront"/>
+      <a:lightRig rig="threePt" dir="t"/>
+    </dgm:scene3d>
+    <dgm:sp3d/>
+    <dgm:txPr/>
+    <dgm:style>
+      <a:lnRef idx="2">
+        <a:scrgbClr r="0" g="0" b="0"/>
+      </a:lnRef>
+      <a:fillRef idx="1">
+        <a:scrgbClr r="0" g="0" b="0"/>
+      </a:fillRef>
+      <a:effectRef idx="0">
+        <a:scrgbClr r="0" g="0" b="0"/>
+      </a:effectRef>
+      <a:fontRef idx="minor"/>
+    </dgm:style>
+  </dgm:styleLbl>
+  <dgm:styleLbl name="alignAccFollowNode1">
+    <dgm:scene3d>
+      <a:camera prst="orthographicFront"/>
+      <a:lightRig rig="threePt" dir="t"/>
+    </dgm:scene3d>
+    <dgm:sp3d/>
+    <dgm:txPr/>
+    <dgm:style>
+      <a:lnRef idx="2">
+        <a:scrgbClr r="0" g="0" b="0"/>
+      </a:lnRef>
+      <a:fillRef idx="1">
+        <a:scrgbClr r="0" g="0" b="0"/>
+      </a:fillRef>
+      <a:effectRef idx="0">
+        <a:scrgbClr r="0" g="0" b="0"/>
+      </a:effectRef>
+      <a:fontRef idx="minor"/>
+    </dgm:style>
+  </dgm:styleLbl>
+  <dgm:styleLbl name="bgAccFollowNode1">
+    <dgm:scene3d>
+      <a:camera prst="orthographicFront"/>
+      <a:lightRig rig="threePt" dir="t"/>
+    </dgm:scene3d>
+    <dgm:sp3d/>
+    <dgm:txPr/>
+    <dgm:style>
+      <a:lnRef idx="2">
+        <a:scrgbClr r="0" g="0" b="0"/>
+      </a:lnRef>
+      <a:fillRef idx="1">
+        <a:scrgbClr r="0" g="0" b="0"/>
+      </a:fillRef>
+      <a:effectRef idx="0">
+        <a:scrgbClr r="0" g="0" b="0"/>
+      </a:effectRef>
+      <a:fontRef idx="minor"/>
+    </dgm:style>
+  </dgm:styleLbl>
+  <dgm:styleLbl name="fgAcc0">
+    <dgm:scene3d>
+      <a:camera prst="orthographicFront"/>
+      <a:lightRig rig="threePt" dir="t"/>
+    </dgm:scene3d>
+    <dgm:sp3d/>
+    <dgm:txPr/>
+    <dgm:style>
+      <a:lnRef idx="2">
+        <a:scrgbClr r="0" g="0" b="0"/>
+      </a:lnRef>
+      <a:fillRef idx="1">
+        <a:scrgbClr r="0" g="0" b="0"/>
+      </a:fillRef>
+      <a:effectRef idx="0">
+        <a:scrgbClr r="0" g="0" b="0"/>
+      </a:effectRef>
+      <a:fontRef idx="minor"/>
+    </dgm:style>
+  </dgm:styleLbl>
+  <dgm:styleLbl name="fgAcc2">
+    <dgm:scene3d>
+      <a:camera prst="orthographicFront"/>
+      <a:lightRig rig="threePt" dir="t"/>
+    </dgm:scene3d>
+    <dgm:sp3d/>
+    <dgm:txPr/>
+    <dgm:style>
+      <a:lnRef idx="2">
+        <a:scrgbClr r="0" g="0" b="0"/>
+      </a:lnRef>
+      <a:fillRef idx="1">
+        <a:scrgbClr r="0" g="0" b="0"/>
+      </a:fillRef>
+      <a:effectRef idx="0">
+        <a:scrgbClr r="0" g="0" b="0"/>
+      </a:effectRef>
+      <a:fontRef idx="minor"/>
+    </dgm:style>
+  </dgm:styleLbl>
+  <dgm:styleLbl name="fgAcc3">
+    <dgm:scene3d>
+      <a:camera prst="orthographicFront"/>
+      <a:lightRig rig="threePt" dir="t"/>
+    </dgm:scene3d>
+    <dgm:sp3d/>
+    <dgm:txPr/>
+    <dgm:style>
+      <a:lnRef idx="2">
+        <a:scrgbClr r="0" g="0" b="0"/>
+      </a:lnRef>
+      <a:fillRef idx="1">
+        <a:scrgbClr r="0" g="0" b="0"/>
+      </a:fillRef>
+      <a:effectRef idx="0">
+        <a:scrgbClr r="0" g="0" b="0"/>
+      </a:effectRef>
+      <a:fontRef idx="minor"/>
+    </dgm:style>
+  </dgm:styleLbl>
+  <dgm:styleLbl name="fgAcc4">
+    <dgm:scene3d>
+      <a:camera prst="orthographicFront"/>
+      <a:lightRig rig="threePt" dir="t"/>
+    </dgm:scene3d>
+    <dgm:sp3d/>
+    <dgm:txPr/>
+    <dgm:style>
+      <a:lnRef idx="2">
+        <a:scrgbClr r="0" g="0" b="0"/>
+      </a:lnRef>
+      <a:fillRef idx="1">
+        <a:scrgbClr r="0" g="0" b="0"/>
+      </a:fillRef>
+      <a:effectRef idx="0">
+        <a:scrgbClr r="0" g="0" b="0"/>
+      </a:effectRef>
+      <a:fontRef idx="minor"/>
+    </dgm:style>
+  </dgm:styleLbl>
+  <dgm:styleLbl name="bgShp">
+    <dgm:scene3d>
+      <a:camera prst="orthographicFront"/>
+      <a:lightRig rig="threePt" dir="t"/>
+    </dgm:scene3d>
+    <dgm:sp3d/>
+    <dgm:txPr/>
+    <dgm:style>
+      <a:lnRef idx="0">
+        <a:scrgbClr r="0" g="0" b="0"/>
+      </a:lnRef>
+      <a:fillRef idx="1">
+        <a:scrgbClr r="0" g="0" b="0"/>
+      </a:fillRef>
+      <a:effectRef idx="0">
+        <a:scrgbClr r="0" g="0" b="0"/>
+      </a:effectRef>
+      <a:fontRef idx="minor"/>
+    </dgm:style>
+  </dgm:styleLbl>
+  <dgm:styleLbl name="dkBgShp">
+    <dgm:scene3d>
+      <a:camera prst="orthographicFront"/>
+      <a:lightRig rig="threePt" dir="t"/>
+    </dgm:scene3d>
+    <dgm:sp3d/>
+    <dgm:txPr/>
+    <dgm:style>
+      <a:lnRef idx="0">
+        <a:scrgbClr r="0" g="0" b="0"/>
+      </a:lnRef>
+      <a:fillRef idx="1">
+        <a:scrgbClr r="0" g="0" b="0"/>
+      </a:fillRef>
+      <a:effectRef idx="0">
+        <a:scrgbClr r="0" g="0" b="0"/>
+      </a:effectRef>
+      <a:fontRef idx="minor"/>
+    </dgm:style>
+  </dgm:styleLbl>
+  <dgm:styleLbl name="trBgShp">
+    <dgm:scene3d>
+      <a:camera prst="orthographicFront"/>
+      <a:lightRig rig="threePt" dir="t"/>
+    </dgm:scene3d>
+    <dgm:sp3d/>
+    <dgm:txPr/>
+    <dgm:style>
+      <a:lnRef idx="0">
+        <a:scrgbClr r="0" g="0" b="0"/>
+      </a:lnRef>
+      <a:fillRef idx="1">
+        <a:scrgbClr r="0" g="0" b="0"/>
+      </a:fillRef>
+      <a:effectRef idx="0">
+        <a:scrgbClr r="0" g="0" b="0"/>
+      </a:effectRef>
+      <a:fontRef idx="minor"/>
+    </dgm:style>
+  </dgm:styleLbl>
+  <dgm:styleLbl name="fgShp">
+    <dgm:scene3d>
+      <a:camera prst="orthographicFront"/>
+      <a:lightRig rig="threePt" dir="t"/>
+    </dgm:scene3d>
+    <dgm:sp3d/>
+    <dgm:txPr/>
+    <dgm:style>
+      <a:lnRef idx="2">
+        <a:scrgbClr r="0" g="0" b="0"/>
+      </a:lnRef>
+      <a:fillRef idx="1">
+        <a:scrgbClr r="0" g="0" b="0"/>
+      </a:fillRef>
+      <a:effectRef idx="0">
+        <a:scrgbClr r="0" g="0" b="0"/>
+      </a:effectRef>
+      <a:fontRef idx="minor"/>
+    </dgm:style>
+  </dgm:styleLbl>
+  <dgm:styleLbl name="revTx">
+    <dgm:scene3d>
+      <a:camera prst="orthographicFront"/>
+      <a:lightRig rig="threePt" dir="t"/>
+    </dgm:scene3d>
+    <dgm:sp3d/>
+    <dgm:txPr/>
+    <dgm:style>
+      <a:lnRef idx="0">
+        <a:scrgbClr r="0" g="0" b="0"/>
+      </a:lnRef>
+      <a:fillRef idx="0">
+        <a:scrgbClr r="0" g="0" b="0"/>
+      </a:fillRef>
+      <a:effectRef idx="0">
+        <a:scrgbClr r="0" g="0" b="0"/>
+      </a:effectRef>
+      <a:fontRef idx="minor"/>
+    </dgm:style>
+  </dgm:styleLbl>
+</dgm:styleDef>
+</file>
+
+<file path=ppt/diagrams/quickStyle4.xml><?xml version="1.0" encoding="utf-8"?>
 <dgm:styleDef xmlns:dgm="http://schemas.openxmlformats.org/drawingml/2006/diagram" xmlns:a="http://schemas.openxmlformats.org/drawingml/2006/main" uniqueId="urn:microsoft.com/office/officeart/2005/8/quickstyle/simple1">
   <dgm:title val=""/>
   <dgm:desc val=""/>
@@ -10588,6 +17451,125 @@
       </p:pic>
       <p:sp>
         <p:nvSpPr>
+          <p:cNvPr id="7" name="TextBox 6"/>
+          <p:cNvSpPr txBox="1"/>
+          <p:nvPr/>
+        </p:nvSpPr>
+        <p:spPr>
+          <a:xfrm>
+            <a:off x="334061" y="317240"/>
+            <a:ext cx="3479424" cy="646331"/>
+          </a:xfrm>
+          <a:prstGeom prst="rect">
+            <a:avLst/>
+          </a:prstGeom>
+          <a:solidFill>
+            <a:schemeClr val="bg1"/>
+          </a:solidFill>
+        </p:spPr>
+        <p:txBody>
+          <a:bodyPr wrap="square" rtlCol="0">
+            <a:spAutoFit/>
+          </a:bodyPr>
+          <a:lstStyle/>
+          <a:p>
+            <a:r>
+              <a:rPr lang="en-US" sz="3600" dirty="0">
+                <a:solidFill>
+                  <a:srgbClr val="43B02A"/>
+                </a:solidFill>
+              </a:rPr>
+              <a:t>Design Thoughts</a:t>
+            </a:r>
+          </a:p>
+        </p:txBody>
+      </p:sp>
+      <p:graphicFrame>
+        <p:nvGraphicFramePr>
+          <p:cNvPr id="5" name="Content Placeholder 2"/>
+          <p:cNvGraphicFramePr>
+            <a:graphicFrameLocks/>
+          </p:cNvGraphicFramePr>
+          <p:nvPr>
+            <p:extLst>
+              <p:ext uri="{D42A27DB-BD31-4B8C-83A1-F6EECF244321}">
+                <p14:modId xmlns:p14="http://schemas.microsoft.com/office/powerpoint/2010/main" val="301002828"/>
+              </p:ext>
+            </p:extLst>
+          </p:nvPr>
+        </p:nvGraphicFramePr>
+        <p:xfrm>
+          <a:off x="838200" y="1253331"/>
+          <a:ext cx="10515600" cy="4351338"/>
+        </p:xfrm>
+        <a:graphic>
+          <a:graphicData uri="http://schemas.openxmlformats.org/drawingml/2006/diagram">
+            <dgm:relIds xmlns:dgm="http://schemas.openxmlformats.org/drawingml/2006/diagram" xmlns:r="http://schemas.openxmlformats.org/officeDocument/2006/relationships" r:dm="rId3" r:lo="rId4" r:qs="rId5" r:cs="rId6"/>
+          </a:graphicData>
+        </a:graphic>
+      </p:graphicFrame>
+    </p:spTree>
+    <p:extLst>
+      <p:ext uri="{BB962C8B-B14F-4D97-AF65-F5344CB8AC3E}">
+        <p14:creationId xmlns:p14="http://schemas.microsoft.com/office/powerpoint/2010/main" val="2429320591"/>
+      </p:ext>
+    </p:extLst>
+  </p:cSld>
+  <p:clrMapOvr>
+    <a:masterClrMapping/>
+  </p:clrMapOvr>
+</p:sld>
+</file>
+
+<file path=ppt/slides/slide6.xml><?xml version="1.0" encoding="utf-8"?>
+<p:sld xmlns:a="http://schemas.openxmlformats.org/drawingml/2006/main" xmlns:r="http://schemas.openxmlformats.org/officeDocument/2006/relationships" xmlns:p="http://schemas.openxmlformats.org/presentationml/2006/main">
+  <p:cSld>
+    <p:spTree>
+      <p:nvGrpSpPr>
+        <p:cNvPr id="1" name=""/>
+        <p:cNvGrpSpPr/>
+        <p:nvPr/>
+      </p:nvGrpSpPr>
+      <p:grpSpPr>
+        <a:xfrm>
+          <a:off x="0" y="0"/>
+          <a:ext cx="0" cy="0"/>
+          <a:chOff x="0" y="0"/>
+          <a:chExt cx="0" cy="0"/>
+        </a:xfrm>
+      </p:grpSpPr>
+      <p:pic>
+        <p:nvPicPr>
+          <p:cNvPr id="4" name="Picture 3"/>
+          <p:cNvPicPr>
+            <a:picLocks noChangeAspect="1"/>
+          </p:cNvPicPr>
+          <p:nvPr/>
+        </p:nvPicPr>
+        <p:blipFill>
+          <a:blip r:embed="rId2">
+            <a:extLst>
+              <a:ext uri="{28A0092B-C50C-407E-A947-70E740481C1C}">
+                <a14:useLocalDpi xmlns:a14="http://schemas.microsoft.com/office/drawing/2010/main" val="0"/>
+              </a:ext>
+            </a:extLst>
+          </a:blip>
+          <a:stretch>
+            <a:fillRect/>
+          </a:stretch>
+        </p:blipFill>
+        <p:spPr>
+          <a:xfrm>
+            <a:off x="11244812" y="6029844"/>
+            <a:ext cx="872540" cy="872540"/>
+          </a:xfrm>
+          <a:prstGeom prst="rect">
+            <a:avLst/>
+          </a:prstGeom>
+        </p:spPr>
+      </p:pic>
+      <p:sp>
+        <p:nvSpPr>
           <p:cNvPr id="2" name="TextBox 1"/>
           <p:cNvSpPr txBox="1"/>
           <p:nvPr/>
@@ -10633,7 +17615,7 @@
 </p:sld>
 </file>
 
-<file path=ppt/slides/slide6.xml><?xml version="1.0" encoding="utf-8"?>
+<file path=ppt/slides/slide7.xml><?xml version="1.0" encoding="utf-8"?>
 <p:sld xmlns:a="http://schemas.openxmlformats.org/drawingml/2006/main" xmlns:r="http://schemas.openxmlformats.org/officeDocument/2006/relationships" xmlns:p="http://schemas.openxmlformats.org/presentationml/2006/main">
   <p:cSld>
     <p:spTree>
@@ -10710,69 +17692,35 @@
                   <a:srgbClr val="43B02A"/>
                 </a:solidFill>
               </a:rPr>
-              <a:t>Technologies</a:t>
+              <a:t>Building Blocks</a:t>
             </a:r>
           </a:p>
         </p:txBody>
       </p:sp>
-      <p:sp>
-        <p:nvSpPr>
-          <p:cNvPr id="2" name="TextBox 1"/>
-          <p:cNvSpPr txBox="1"/>
-          <p:nvPr/>
-        </p:nvSpPr>
-        <p:spPr>
-          <a:xfrm>
-            <a:off x="709127" y="1800808"/>
-            <a:ext cx="2870529" cy="1477328"/>
-          </a:xfrm>
-          <a:prstGeom prst="rect">
-            <a:avLst/>
-          </a:prstGeom>
-          <a:noFill/>
-        </p:spPr>
-        <p:txBody>
-          <a:bodyPr wrap="none" rtlCol="0">
-            <a:spAutoFit/>
-          </a:bodyPr>
-          <a:lstStyle/>
-          <a:p>
-            <a:r>
-              <a:rPr lang="en-US" dirty="0"/>
-              <a:t>Android (</a:t>
-            </a:r>
-            <a:r>
-              <a:rPr lang="en-US" i="1" dirty="0"/>
-              <a:t>of course)</a:t>
-            </a:r>
-            <a:endParaRPr lang="en-US" dirty="0"/>
-          </a:p>
-          <a:p>
-            <a:r>
-              <a:rPr lang="en-US" dirty="0"/>
-              <a:t>Firebase Real Time Database</a:t>
-            </a:r>
-          </a:p>
-          <a:p>
-            <a:r>
-              <a:rPr lang="en-US" dirty="0"/>
-              <a:t>Firebase Functions</a:t>
-            </a:r>
-          </a:p>
-          <a:p>
-            <a:r>
-              <a:rPr lang="en-US" dirty="0"/>
-              <a:t>Firebase Cloud Messaging</a:t>
-            </a:r>
-          </a:p>
-          <a:p>
-            <a:r>
-              <a:rPr lang="en-US" dirty="0"/>
-              <a:t>Add more</a:t>
-            </a:r>
-          </a:p>
-        </p:txBody>
-      </p:sp>
+      <p:graphicFrame>
+        <p:nvGraphicFramePr>
+          <p:cNvPr id="9" name="Content Placeholder 2"/>
+          <p:cNvGraphicFramePr>
+            <a:graphicFrameLocks/>
+          </p:cNvGraphicFramePr>
+          <p:nvPr>
+            <p:extLst>
+              <p:ext uri="{D42A27DB-BD31-4B8C-83A1-F6EECF244321}">
+                <p14:modId xmlns:p14="http://schemas.microsoft.com/office/powerpoint/2010/main" val="2121221830"/>
+              </p:ext>
+            </p:extLst>
+          </p:nvPr>
+        </p:nvGraphicFramePr>
+        <p:xfrm>
+          <a:off x="838200" y="1253331"/>
+          <a:ext cx="10515600" cy="4351338"/>
+        </p:xfrm>
+        <a:graphic>
+          <a:graphicData uri="http://schemas.openxmlformats.org/drawingml/2006/diagram">
+            <dgm:relIds xmlns:dgm="http://schemas.openxmlformats.org/drawingml/2006/diagram" xmlns:r="http://schemas.openxmlformats.org/officeDocument/2006/relationships" r:dm="rId3" r:lo="rId4" r:qs="rId5" r:cs="rId6"/>
+          </a:graphicData>
+        </a:graphic>
+      </p:graphicFrame>
     </p:spTree>
     <p:extLst>
       <p:ext uri="{BB962C8B-B14F-4D97-AF65-F5344CB8AC3E}">
@@ -10786,7 +17734,7 @@
 </p:sld>
 </file>
 
-<file path=ppt/slides/slide7.xml><?xml version="1.0" encoding="utf-8"?>
+<file path=ppt/slides/slide8.xml><?xml version="1.0" encoding="utf-8"?>
 <p:sld xmlns:a="http://schemas.openxmlformats.org/drawingml/2006/main" xmlns:r="http://schemas.openxmlformats.org/officeDocument/2006/relationships" xmlns:p="http://schemas.openxmlformats.org/presentationml/2006/main">
   <p:cSld>
     <p:spTree>
@@ -10905,7 +17853,7 @@
 </p:sld>
 </file>
 
-<file path=ppt/slides/slide8.xml><?xml version="1.0" encoding="utf-8"?>
+<file path=ppt/slides/slide9.xml><?xml version="1.0" encoding="utf-8"?>
 <p:sld xmlns:a="http://schemas.openxmlformats.org/drawingml/2006/main" xmlns:r="http://schemas.openxmlformats.org/officeDocument/2006/relationships" xmlns:p="http://schemas.openxmlformats.org/presentationml/2006/main">
   <p:cSld>
     <p:spTree>

--- a/Presentation/Presentation.pptx
+++ b/Presentation/Presentation.pptx
@@ -8,12 +8,10 @@
     <p:sldId id="256" r:id="rId2"/>
     <p:sldId id="260" r:id="rId3"/>
     <p:sldId id="258" r:id="rId4"/>
-    <p:sldId id="259" r:id="rId5"/>
-    <p:sldId id="265" r:id="rId6"/>
-    <p:sldId id="262" r:id="rId7"/>
-    <p:sldId id="261" r:id="rId8"/>
-    <p:sldId id="264" r:id="rId9"/>
-    <p:sldId id="257" r:id="rId10"/>
+    <p:sldId id="265" r:id="rId5"/>
+    <p:sldId id="262" r:id="rId6"/>
+    <p:sldId id="264" r:id="rId7"/>
+    <p:sldId id="257" r:id="rId8"/>
   </p:sldIdLst>
   <p:sldSz cx="12192000" cy="6858000"/>
   <p:notesSz cx="6858000" cy="9144000"/>
@@ -1616,1502 +1614,6 @@
 </dgm:colorsDef>
 </file>
 
-<file path=ppt/diagrams/colors3.xml><?xml version="1.0" encoding="utf-8"?>
-<dgm:colorsDef xmlns:dgm="http://schemas.openxmlformats.org/drawingml/2006/diagram" xmlns:a="http://schemas.openxmlformats.org/drawingml/2006/main" uniqueId="urn:microsoft.com/office/officeart/2005/8/colors/ColorSchemeForSuggestions">
-  <dgm:title val="Color Scheme for Suggestions"/>
-  <dgm:desc val="Color Scheme for Suggestions"/>
-  <dgm:catLst>
-    <dgm:cat type="Other" pri="2"/>
-  </dgm:catLst>
-  <dgm:styleLbl name="node0">
-    <dgm:fillClrLst meth="repeat">
-      <a:schemeClr val="accent1"/>
-    </dgm:fillClrLst>
-    <dgm:linClrLst meth="repeat">
-      <a:schemeClr val="lt1"/>
-    </dgm:linClrLst>
-    <dgm:effectClrLst/>
-    <dgm:txLinClrLst/>
-    <dgm:txFillClrLst/>
-    <dgm:txEffectClrLst/>
-  </dgm:styleLbl>
-  <dgm:styleLbl name="alignNode1">
-    <dgm:fillClrLst meth="repeat">
-      <a:schemeClr val="accent1"/>
-    </dgm:fillClrLst>
-    <dgm:linClrLst meth="repeat">
-      <a:schemeClr val="accent1"/>
-    </dgm:linClrLst>
-    <dgm:effectClrLst/>
-    <dgm:txLinClrLst/>
-    <dgm:txFillClrLst/>
-    <dgm:txEffectClrLst/>
-  </dgm:styleLbl>
-  <dgm:styleLbl name="node1">
-    <dgm:fillClrLst meth="repeat">
-      <a:schemeClr val="accent1"/>
-    </dgm:fillClrLst>
-    <dgm:linClrLst meth="repeat">
-      <a:schemeClr val="lt1"/>
-    </dgm:linClrLst>
-    <dgm:effectClrLst/>
-    <dgm:txLinClrLst/>
-    <dgm:txFillClrLst/>
-    <dgm:txEffectClrLst/>
-  </dgm:styleLbl>
-  <dgm:styleLbl name="lnNode1">
-    <dgm:fillClrLst meth="repeat">
-      <a:schemeClr val="accent1"/>
-    </dgm:fillClrLst>
-    <dgm:linClrLst meth="repeat">
-      <a:schemeClr val="lt1"/>
-    </dgm:linClrLst>
-    <dgm:effectClrLst/>
-    <dgm:txLinClrLst/>
-    <dgm:txFillClrLst/>
-    <dgm:txEffectClrLst/>
-  </dgm:styleLbl>
-  <dgm:styleLbl name="vennNode1">
-    <dgm:fillClrLst meth="repeat">
-      <a:schemeClr val="accent1">
-        <a:alpha val="50000"/>
-      </a:schemeClr>
-    </dgm:fillClrLst>
-    <dgm:linClrLst meth="repeat">
-      <a:schemeClr val="lt1"/>
-    </dgm:linClrLst>
-    <dgm:effectClrLst/>
-    <dgm:txLinClrLst/>
-    <dgm:txFillClrLst/>
-    <dgm:txEffectClrLst/>
-  </dgm:styleLbl>
-  <dgm:styleLbl name="node2">
-    <dgm:fillClrLst meth="repeat">
-      <a:schemeClr val="accent1"/>
-    </dgm:fillClrLst>
-    <dgm:linClrLst meth="repeat">
-      <a:schemeClr val="lt1"/>
-    </dgm:linClrLst>
-    <dgm:effectClrLst/>
-    <dgm:txLinClrLst/>
-    <dgm:txFillClrLst/>
-    <dgm:txEffectClrLst/>
-  </dgm:styleLbl>
-  <dgm:styleLbl name="node3">
-    <dgm:fillClrLst meth="repeat">
-      <a:schemeClr val="accent1"/>
-    </dgm:fillClrLst>
-    <dgm:linClrLst meth="repeat">
-      <a:schemeClr val="lt1"/>
-    </dgm:linClrLst>
-    <dgm:effectClrLst/>
-    <dgm:txLinClrLst/>
-    <dgm:txFillClrLst/>
-    <dgm:txEffectClrLst/>
-  </dgm:styleLbl>
-  <dgm:styleLbl name="node4">
-    <dgm:fillClrLst meth="repeat">
-      <a:schemeClr val="accent1"/>
-    </dgm:fillClrLst>
-    <dgm:linClrLst meth="repeat">
-      <a:schemeClr val="lt1"/>
-    </dgm:linClrLst>
-    <dgm:effectClrLst/>
-    <dgm:txLinClrLst/>
-    <dgm:txFillClrLst/>
-    <dgm:txEffectClrLst/>
-  </dgm:styleLbl>
-  <dgm:styleLbl name="fgImgPlace1">
-    <dgm:fillClrLst meth="repeat">
-      <a:schemeClr val="accent1">
-        <a:tint val="50000"/>
-      </a:schemeClr>
-    </dgm:fillClrLst>
-    <dgm:linClrLst meth="repeat">
-      <a:schemeClr val="lt1"/>
-    </dgm:linClrLst>
-    <dgm:effectClrLst/>
-    <dgm:txLinClrLst/>
-    <dgm:txFillClrLst meth="repeat">
-      <a:schemeClr val="lt1"/>
-    </dgm:txFillClrLst>
-    <dgm:txEffectClrLst/>
-  </dgm:styleLbl>
-  <dgm:styleLbl name="alignImgPlace1">
-    <dgm:fillClrLst meth="repeat">
-      <a:schemeClr val="accent1">
-        <a:tint val="50000"/>
-      </a:schemeClr>
-    </dgm:fillClrLst>
-    <dgm:linClrLst meth="repeat">
-      <a:schemeClr val="lt1"/>
-    </dgm:linClrLst>
-    <dgm:effectClrLst/>
-    <dgm:txLinClrLst/>
-    <dgm:txFillClrLst meth="repeat">
-      <a:schemeClr val="lt1"/>
-    </dgm:txFillClrLst>
-    <dgm:txEffectClrLst/>
-  </dgm:styleLbl>
-  <dgm:styleLbl name="bgImgPlace1">
-    <dgm:fillClrLst meth="repeat">
-      <a:schemeClr val="accent1">
-        <a:tint val="50000"/>
-      </a:schemeClr>
-    </dgm:fillClrLst>
-    <dgm:linClrLst meth="repeat">
-      <a:schemeClr val="lt1"/>
-    </dgm:linClrLst>
-    <dgm:effectClrLst/>
-    <dgm:txLinClrLst/>
-    <dgm:txFillClrLst meth="repeat">
-      <a:schemeClr val="lt1"/>
-    </dgm:txFillClrLst>
-    <dgm:txEffectClrLst/>
-  </dgm:styleLbl>
-  <dgm:styleLbl name="sibTrans2D1">
-    <dgm:fillClrLst meth="repeat">
-      <a:schemeClr val="accent1">
-        <a:tint val="60000"/>
-      </a:schemeClr>
-    </dgm:fillClrLst>
-    <dgm:linClrLst meth="repeat">
-      <a:schemeClr val="accent1">
-        <a:tint val="60000"/>
-      </a:schemeClr>
-    </dgm:linClrLst>
-    <dgm:effectClrLst/>
-    <dgm:txLinClrLst/>
-    <dgm:txFillClrLst/>
-    <dgm:txEffectClrLst/>
-  </dgm:styleLbl>
-  <dgm:styleLbl name="fgSibTrans2D1">
-    <dgm:fillClrLst meth="repeat">
-      <a:schemeClr val="accent1">
-        <a:tint val="60000"/>
-      </a:schemeClr>
-    </dgm:fillClrLst>
-    <dgm:linClrLst meth="repeat">
-      <a:schemeClr val="accent1">
-        <a:tint val="60000"/>
-      </a:schemeClr>
-    </dgm:linClrLst>
-    <dgm:effectClrLst/>
-    <dgm:txLinClrLst/>
-    <dgm:txFillClrLst/>
-    <dgm:txEffectClrLst/>
-  </dgm:styleLbl>
-  <dgm:styleLbl name="bgSibTrans2D1">
-    <dgm:fillClrLst meth="repeat">
-      <a:schemeClr val="accent1">
-        <a:tint val="60000"/>
-      </a:schemeClr>
-    </dgm:fillClrLst>
-    <dgm:linClrLst meth="repeat">
-      <a:schemeClr val="accent1">
-        <a:tint val="60000"/>
-      </a:schemeClr>
-    </dgm:linClrLst>
-    <dgm:effectClrLst/>
-    <dgm:txLinClrLst/>
-    <dgm:txFillClrLst/>
-    <dgm:txEffectClrLst/>
-  </dgm:styleLbl>
-  <dgm:styleLbl name="sibTrans1D1">
-    <dgm:fillClrLst meth="repeat">
-      <a:schemeClr val="accent1"/>
-    </dgm:fillClrLst>
-    <dgm:linClrLst meth="repeat">
-      <a:schemeClr val="accent1"/>
-    </dgm:linClrLst>
-    <dgm:effectClrLst/>
-    <dgm:txLinClrLst/>
-    <dgm:txFillClrLst meth="repeat">
-      <a:schemeClr val="tx1"/>
-    </dgm:txFillClrLst>
-    <dgm:txEffectClrLst/>
-  </dgm:styleLbl>
-  <dgm:styleLbl name="callout">
-    <dgm:fillClrLst meth="repeat">
-      <a:schemeClr val="accent1"/>
-    </dgm:fillClrLst>
-    <dgm:linClrLst meth="repeat">
-      <a:schemeClr val="accent1">
-        <a:tint val="50000"/>
-      </a:schemeClr>
-    </dgm:linClrLst>
-    <dgm:effectClrLst/>
-    <dgm:txLinClrLst/>
-    <dgm:txFillClrLst meth="repeat">
-      <a:schemeClr val="tx1"/>
-    </dgm:txFillClrLst>
-    <dgm:txEffectClrLst/>
-  </dgm:styleLbl>
-  <dgm:styleLbl name="asst0">
-    <dgm:fillClrLst meth="repeat">
-      <a:schemeClr val="accent1"/>
-    </dgm:fillClrLst>
-    <dgm:linClrLst meth="repeat">
-      <a:schemeClr val="lt1"/>
-    </dgm:linClrLst>
-    <dgm:effectClrLst/>
-    <dgm:txLinClrLst/>
-    <dgm:txFillClrLst/>
-    <dgm:txEffectClrLst/>
-  </dgm:styleLbl>
-  <dgm:styleLbl name="asst1">
-    <dgm:fillClrLst meth="repeat">
-      <a:schemeClr val="accent1"/>
-    </dgm:fillClrLst>
-    <dgm:linClrLst meth="repeat">
-      <a:schemeClr val="lt1"/>
-    </dgm:linClrLst>
-    <dgm:effectClrLst/>
-    <dgm:txLinClrLst/>
-    <dgm:txFillClrLst/>
-    <dgm:txEffectClrLst/>
-  </dgm:styleLbl>
-  <dgm:styleLbl name="asst2">
-    <dgm:fillClrLst meth="repeat">
-      <a:schemeClr val="accent1"/>
-    </dgm:fillClrLst>
-    <dgm:linClrLst meth="repeat">
-      <a:schemeClr val="lt1"/>
-    </dgm:linClrLst>
-    <dgm:effectClrLst/>
-    <dgm:txLinClrLst/>
-    <dgm:txFillClrLst/>
-    <dgm:txEffectClrLst/>
-  </dgm:styleLbl>
-  <dgm:styleLbl name="asst3">
-    <dgm:fillClrLst meth="repeat">
-      <a:schemeClr val="accent1"/>
-    </dgm:fillClrLst>
-    <dgm:linClrLst meth="repeat">
-      <a:schemeClr val="lt1"/>
-    </dgm:linClrLst>
-    <dgm:effectClrLst/>
-    <dgm:txLinClrLst/>
-    <dgm:txFillClrLst/>
-    <dgm:txEffectClrLst/>
-  </dgm:styleLbl>
-  <dgm:styleLbl name="asst4">
-    <dgm:fillClrLst meth="repeat">
-      <a:schemeClr val="accent1"/>
-    </dgm:fillClrLst>
-    <dgm:linClrLst meth="repeat">
-      <a:schemeClr val="lt1"/>
-    </dgm:linClrLst>
-    <dgm:effectClrLst/>
-    <dgm:txLinClrLst/>
-    <dgm:txFillClrLst/>
-    <dgm:txEffectClrLst/>
-  </dgm:styleLbl>
-  <dgm:styleLbl name="parChTrans2D1">
-    <dgm:fillClrLst meth="repeat">
-      <a:schemeClr val="accent1">
-        <a:tint val="60000"/>
-      </a:schemeClr>
-    </dgm:fillClrLst>
-    <dgm:linClrLst meth="repeat">
-      <a:schemeClr val="accent1">
-        <a:tint val="60000"/>
-      </a:schemeClr>
-    </dgm:linClrLst>
-    <dgm:effectClrLst/>
-    <dgm:txLinClrLst/>
-    <dgm:txFillClrLst meth="repeat">
-      <a:schemeClr val="lt1"/>
-    </dgm:txFillClrLst>
-    <dgm:txEffectClrLst/>
-  </dgm:styleLbl>
-  <dgm:styleLbl name="parChTrans2D2">
-    <dgm:fillClrLst meth="repeat">
-      <a:schemeClr val="accent1"/>
-    </dgm:fillClrLst>
-    <dgm:linClrLst meth="repeat">
-      <a:schemeClr val="accent1"/>
-    </dgm:linClrLst>
-    <dgm:effectClrLst/>
-    <dgm:txLinClrLst/>
-    <dgm:txFillClrLst meth="repeat">
-      <a:schemeClr val="lt1"/>
-    </dgm:txFillClrLst>
-    <dgm:txEffectClrLst/>
-  </dgm:styleLbl>
-  <dgm:styleLbl name="parChTrans2D3">
-    <dgm:fillClrLst meth="repeat">
-      <a:schemeClr val="accent1"/>
-    </dgm:fillClrLst>
-    <dgm:linClrLst meth="repeat">
-      <a:schemeClr val="accent1"/>
-    </dgm:linClrLst>
-    <dgm:effectClrLst/>
-    <dgm:txLinClrLst/>
-    <dgm:txFillClrLst meth="repeat">
-      <a:schemeClr val="lt1"/>
-    </dgm:txFillClrLst>
-    <dgm:txEffectClrLst/>
-  </dgm:styleLbl>
-  <dgm:styleLbl name="parChTrans2D4">
-    <dgm:fillClrLst meth="repeat">
-      <a:schemeClr val="accent1"/>
-    </dgm:fillClrLst>
-    <dgm:linClrLst meth="repeat">
-      <a:schemeClr val="accent1"/>
-    </dgm:linClrLst>
-    <dgm:effectClrLst/>
-    <dgm:txLinClrLst/>
-    <dgm:txFillClrLst meth="repeat">
-      <a:schemeClr val="lt1"/>
-    </dgm:txFillClrLst>
-    <dgm:txEffectClrLst/>
-  </dgm:styleLbl>
-  <dgm:styleLbl name="parChTrans1D1">
-    <dgm:fillClrLst meth="repeat">
-      <a:schemeClr val="accent1"/>
-    </dgm:fillClrLst>
-    <dgm:linClrLst meth="repeat">
-      <a:schemeClr val="accent1">
-        <a:shade val="60000"/>
-      </a:schemeClr>
-    </dgm:linClrLst>
-    <dgm:effectClrLst/>
-    <dgm:txLinClrLst/>
-    <dgm:txFillClrLst meth="repeat">
-      <a:schemeClr val="tx1"/>
-    </dgm:txFillClrLst>
-    <dgm:txEffectClrLst/>
-  </dgm:styleLbl>
-  <dgm:styleLbl name="parChTrans1D2">
-    <dgm:fillClrLst meth="repeat">
-      <a:schemeClr val="accent1"/>
-    </dgm:fillClrLst>
-    <dgm:linClrLst meth="repeat">
-      <a:schemeClr val="accent1">
-        <a:shade val="60000"/>
-      </a:schemeClr>
-    </dgm:linClrLst>
-    <dgm:effectClrLst/>
-    <dgm:txLinClrLst/>
-    <dgm:txFillClrLst meth="repeat">
-      <a:schemeClr val="tx1"/>
-    </dgm:txFillClrLst>
-    <dgm:txEffectClrLst/>
-  </dgm:styleLbl>
-  <dgm:styleLbl name="parChTrans1D3">
-    <dgm:fillClrLst meth="repeat">
-      <a:schemeClr val="accent1"/>
-    </dgm:fillClrLst>
-    <dgm:linClrLst meth="repeat">
-      <a:schemeClr val="accent1">
-        <a:shade val="80000"/>
-      </a:schemeClr>
-    </dgm:linClrLst>
-    <dgm:effectClrLst/>
-    <dgm:txLinClrLst/>
-    <dgm:txFillClrLst meth="repeat">
-      <a:schemeClr val="tx1"/>
-    </dgm:txFillClrLst>
-    <dgm:txEffectClrLst/>
-  </dgm:styleLbl>
-  <dgm:styleLbl name="parChTrans1D4">
-    <dgm:fillClrLst meth="repeat">
-      <a:schemeClr val="accent1"/>
-    </dgm:fillClrLst>
-    <dgm:linClrLst meth="repeat">
-      <a:schemeClr val="accent1">
-        <a:shade val="80000"/>
-      </a:schemeClr>
-    </dgm:linClrLst>
-    <dgm:effectClrLst/>
-    <dgm:txLinClrLst/>
-    <dgm:txFillClrLst meth="repeat">
-      <a:schemeClr val="tx1"/>
-    </dgm:txFillClrLst>
-    <dgm:txEffectClrLst/>
-  </dgm:styleLbl>
-  <dgm:styleLbl name="fgAcc1">
-    <dgm:fillClrLst meth="repeat">
-      <a:schemeClr val="lt1">
-        <a:alpha val="90000"/>
-      </a:schemeClr>
-    </dgm:fillClrLst>
-    <dgm:linClrLst meth="repeat">
-      <a:schemeClr val="accent1"/>
-    </dgm:linClrLst>
-    <dgm:effectClrLst/>
-    <dgm:txLinClrLst/>
-    <dgm:txFillClrLst meth="repeat">
-      <a:schemeClr val="dk1"/>
-    </dgm:txFillClrLst>
-    <dgm:txEffectClrLst/>
-  </dgm:styleLbl>
-  <dgm:styleLbl name="conFgAcc1">
-    <dgm:fillClrLst meth="repeat">
-      <a:schemeClr val="lt1">
-        <a:alpha val="90000"/>
-      </a:schemeClr>
-    </dgm:fillClrLst>
-    <dgm:linClrLst meth="repeat">
-      <a:schemeClr val="accent1"/>
-    </dgm:linClrLst>
-    <dgm:effectClrLst/>
-    <dgm:txLinClrLst/>
-    <dgm:txFillClrLst meth="repeat">
-      <a:schemeClr val="dk1"/>
-    </dgm:txFillClrLst>
-    <dgm:txEffectClrLst/>
-  </dgm:styleLbl>
-  <dgm:styleLbl name="alignAcc1">
-    <dgm:fillClrLst meth="repeat">
-      <a:schemeClr val="lt1">
-        <a:alpha val="90000"/>
-      </a:schemeClr>
-    </dgm:fillClrLst>
-    <dgm:linClrLst meth="repeat">
-      <a:schemeClr val="accent1"/>
-    </dgm:linClrLst>
-    <dgm:effectClrLst/>
-    <dgm:txLinClrLst/>
-    <dgm:txFillClrLst meth="repeat">
-      <a:schemeClr val="dk1"/>
-    </dgm:txFillClrLst>
-    <dgm:txEffectClrLst/>
-  </dgm:styleLbl>
-  <dgm:styleLbl name="trAlignAcc1">
-    <dgm:fillClrLst meth="repeat">
-      <a:schemeClr val="lt1">
-        <a:alpha val="40000"/>
-      </a:schemeClr>
-    </dgm:fillClrLst>
-    <dgm:linClrLst meth="repeat">
-      <a:schemeClr val="accent1"/>
-    </dgm:linClrLst>
-    <dgm:effectClrLst/>
-    <dgm:txLinClrLst/>
-    <dgm:txFillClrLst meth="repeat">
-      <a:schemeClr val="dk1"/>
-    </dgm:txFillClrLst>
-    <dgm:txEffectClrLst/>
-  </dgm:styleLbl>
-  <dgm:styleLbl name="bgAcc1">
-    <dgm:fillClrLst meth="repeat">
-      <a:schemeClr val="lt1">
-        <a:alpha val="90000"/>
-      </a:schemeClr>
-    </dgm:fillClrLst>
-    <dgm:linClrLst meth="repeat">
-      <a:schemeClr val="accent1"/>
-    </dgm:linClrLst>
-    <dgm:effectClrLst/>
-    <dgm:txLinClrLst/>
-    <dgm:txFillClrLst meth="repeat">
-      <a:schemeClr val="dk1"/>
-    </dgm:txFillClrLst>
-    <dgm:txEffectClrLst/>
-  </dgm:styleLbl>
-  <dgm:styleLbl name="solidFgAcc1">
-    <dgm:fillClrLst meth="repeat">
-      <a:schemeClr val="lt1"/>
-    </dgm:fillClrLst>
-    <dgm:linClrLst meth="repeat">
-      <a:schemeClr val="accent1"/>
-    </dgm:linClrLst>
-    <dgm:effectClrLst/>
-    <dgm:txLinClrLst/>
-    <dgm:txFillClrLst meth="repeat">
-      <a:schemeClr val="dk1"/>
-    </dgm:txFillClrLst>
-    <dgm:txEffectClrLst/>
-  </dgm:styleLbl>
-  <dgm:styleLbl name="solidAlignAcc1">
-    <dgm:fillClrLst meth="repeat">
-      <a:schemeClr val="lt1"/>
-    </dgm:fillClrLst>
-    <dgm:linClrLst meth="repeat">
-      <a:schemeClr val="accent1"/>
-    </dgm:linClrLst>
-    <dgm:effectClrLst/>
-    <dgm:txLinClrLst/>
-    <dgm:txFillClrLst meth="repeat">
-      <a:schemeClr val="dk1"/>
-    </dgm:txFillClrLst>
-    <dgm:txEffectClrLst/>
-  </dgm:styleLbl>
-  <dgm:styleLbl name="solidBgAcc1">
-    <dgm:fillClrLst meth="repeat">
-      <a:schemeClr val="lt1"/>
-    </dgm:fillClrLst>
-    <dgm:linClrLst meth="repeat">
-      <a:schemeClr val="accent1"/>
-    </dgm:linClrLst>
-    <dgm:effectClrLst/>
-    <dgm:txLinClrLst/>
-    <dgm:txFillClrLst meth="repeat">
-      <a:schemeClr val="dk1"/>
-    </dgm:txFillClrLst>
-    <dgm:txEffectClrLst/>
-  </dgm:styleLbl>
-  <dgm:styleLbl name="fgAccFollowNode1">
-    <dgm:fillClrLst meth="repeat">
-      <a:schemeClr val="accent1">
-        <a:alpha val="90000"/>
-        <a:tint val="40000"/>
-      </a:schemeClr>
-    </dgm:fillClrLst>
-    <dgm:linClrLst meth="repeat">
-      <a:schemeClr val="accent1">
-        <a:alpha val="90000"/>
-        <a:tint val="40000"/>
-      </a:schemeClr>
-    </dgm:linClrLst>
-    <dgm:effectClrLst/>
-    <dgm:txLinClrLst/>
-    <dgm:txFillClrLst meth="repeat">
-      <a:schemeClr val="dk1"/>
-    </dgm:txFillClrLst>
-    <dgm:txEffectClrLst/>
-  </dgm:styleLbl>
-  <dgm:styleLbl name="alignAccFollowNode1">
-    <dgm:fillClrLst meth="repeat">
-      <a:schemeClr val="accent1">
-        <a:alpha val="90000"/>
-        <a:tint val="40000"/>
-      </a:schemeClr>
-    </dgm:fillClrLst>
-    <dgm:linClrLst meth="repeat">
-      <a:schemeClr val="accent1">
-        <a:alpha val="90000"/>
-        <a:tint val="40000"/>
-      </a:schemeClr>
-    </dgm:linClrLst>
-    <dgm:effectClrLst/>
-    <dgm:txLinClrLst/>
-    <dgm:txFillClrLst meth="repeat">
-      <a:schemeClr val="dk1"/>
-    </dgm:txFillClrLst>
-    <dgm:txEffectClrLst/>
-  </dgm:styleLbl>
-  <dgm:styleLbl name="bgAccFollowNode1">
-    <dgm:fillClrLst meth="repeat">
-      <a:schemeClr val="bg1">
-        <a:lumMod val="95000"/>
-      </a:schemeClr>
-    </dgm:fillClrLst>
-    <dgm:linClrLst>
-      <a:schemeClr val="bg1">
-        <a:lumMod val="95000"/>
-      </a:schemeClr>
-    </dgm:linClrLst>
-    <dgm:effectClrLst/>
-    <dgm:txLinClrLst/>
-    <dgm:txFillClrLst meth="repeat">
-      <a:schemeClr val="tx1">
-        <a:lumMod val="75000"/>
-        <a:lumOff val="25000"/>
-      </a:schemeClr>
-    </dgm:txFillClrLst>
-    <dgm:txEffectClrLst/>
-  </dgm:styleLbl>
-  <dgm:styleLbl name="fgAcc0">
-    <dgm:fillClrLst meth="repeat">
-      <a:schemeClr val="lt1">
-        <a:alpha val="90000"/>
-      </a:schemeClr>
-    </dgm:fillClrLst>
-    <dgm:linClrLst meth="repeat">
-      <a:schemeClr val="accent1"/>
-    </dgm:linClrLst>
-    <dgm:effectClrLst/>
-    <dgm:txLinClrLst/>
-    <dgm:txFillClrLst meth="repeat">
-      <a:schemeClr val="dk1"/>
-    </dgm:txFillClrLst>
-    <dgm:txEffectClrLst/>
-  </dgm:styleLbl>
-  <dgm:styleLbl name="fgAcc2">
-    <dgm:fillClrLst meth="repeat">
-      <a:schemeClr val="lt1">
-        <a:alpha val="90000"/>
-      </a:schemeClr>
-    </dgm:fillClrLst>
-    <dgm:linClrLst meth="repeat">
-      <a:schemeClr val="accent1"/>
-    </dgm:linClrLst>
-    <dgm:effectClrLst/>
-    <dgm:txLinClrLst/>
-    <dgm:txFillClrLst meth="repeat">
-      <a:schemeClr val="dk1"/>
-    </dgm:txFillClrLst>
-    <dgm:txEffectClrLst/>
-  </dgm:styleLbl>
-  <dgm:styleLbl name="fgAcc3">
-    <dgm:fillClrLst meth="repeat">
-      <a:schemeClr val="lt1">
-        <a:alpha val="90000"/>
-      </a:schemeClr>
-    </dgm:fillClrLst>
-    <dgm:linClrLst meth="repeat">
-      <a:schemeClr val="accent1"/>
-    </dgm:linClrLst>
-    <dgm:effectClrLst/>
-    <dgm:txLinClrLst/>
-    <dgm:txFillClrLst meth="repeat">
-      <a:schemeClr val="dk1"/>
-    </dgm:txFillClrLst>
-    <dgm:txEffectClrLst/>
-  </dgm:styleLbl>
-  <dgm:styleLbl name="fgAcc4">
-    <dgm:fillClrLst meth="repeat">
-      <a:schemeClr val="lt1">
-        <a:alpha val="90000"/>
-      </a:schemeClr>
-    </dgm:fillClrLst>
-    <dgm:linClrLst meth="repeat">
-      <a:schemeClr val="accent1"/>
-    </dgm:linClrLst>
-    <dgm:effectClrLst/>
-    <dgm:txLinClrLst/>
-    <dgm:txFillClrLst meth="repeat">
-      <a:schemeClr val="dk1"/>
-    </dgm:txFillClrLst>
-    <dgm:txEffectClrLst/>
-  </dgm:styleLbl>
-  <dgm:styleLbl name="bgShp">
-    <dgm:fillClrLst meth="repeat">
-      <a:schemeClr val="accent1">
-        <a:tint val="40000"/>
-      </a:schemeClr>
-    </dgm:fillClrLst>
-    <dgm:linClrLst meth="repeat">
-      <a:schemeClr val="accent1"/>
-    </dgm:linClrLst>
-    <dgm:effectClrLst/>
-    <dgm:txLinClrLst/>
-    <dgm:txFillClrLst meth="repeat">
-      <a:schemeClr val="dk1"/>
-    </dgm:txFillClrLst>
-    <dgm:txEffectClrLst/>
-  </dgm:styleLbl>
-  <dgm:styleLbl name="dkBgShp">
-    <dgm:fillClrLst meth="repeat">
-      <a:schemeClr val="accent1">
-        <a:shade val="80000"/>
-      </a:schemeClr>
-    </dgm:fillClrLst>
-    <dgm:linClrLst meth="repeat">
-      <a:schemeClr val="accent1"/>
-    </dgm:linClrLst>
-    <dgm:effectClrLst/>
-    <dgm:txLinClrLst/>
-    <dgm:txFillClrLst meth="repeat">
-      <a:schemeClr val="lt1"/>
-    </dgm:txFillClrLst>
-    <dgm:txEffectClrLst/>
-  </dgm:styleLbl>
-  <dgm:styleLbl name="trBgShp">
-    <dgm:fillClrLst meth="repeat">
-      <a:schemeClr val="accent1">
-        <a:tint val="50000"/>
-        <a:alpha val="40000"/>
-      </a:schemeClr>
-    </dgm:fillClrLst>
-    <dgm:linClrLst meth="repeat">
-      <a:schemeClr val="accent1"/>
-    </dgm:linClrLst>
-    <dgm:effectClrLst/>
-    <dgm:txLinClrLst/>
-    <dgm:txFillClrLst meth="repeat">
-      <a:schemeClr val="lt1"/>
-    </dgm:txFillClrLst>
-    <dgm:txEffectClrLst/>
-  </dgm:styleLbl>
-  <dgm:styleLbl name="fgShp">
-    <dgm:fillClrLst meth="repeat">
-      <a:schemeClr val="accent1">
-        <a:tint val="60000"/>
-      </a:schemeClr>
-    </dgm:fillClrLst>
-    <dgm:linClrLst meth="repeat">
-      <a:schemeClr val="lt1"/>
-    </dgm:linClrLst>
-    <dgm:effectClrLst/>
-    <dgm:txLinClrLst/>
-    <dgm:txFillClrLst meth="repeat">
-      <a:schemeClr val="dk1"/>
-    </dgm:txFillClrLst>
-    <dgm:txEffectClrLst/>
-  </dgm:styleLbl>
-  <dgm:styleLbl name="revTx">
-    <dgm:fillClrLst meth="repeat">
-      <a:schemeClr val="lt1">
-        <a:alpha val="0"/>
-      </a:schemeClr>
-    </dgm:fillClrLst>
-    <dgm:linClrLst meth="repeat">
-      <a:schemeClr val="dk1">
-        <a:alpha val="0"/>
-      </a:schemeClr>
-    </dgm:linClrLst>
-    <dgm:effectClrLst/>
-    <dgm:txLinClrLst/>
-    <dgm:txFillClrLst meth="repeat">
-      <a:schemeClr val="tx1"/>
-    </dgm:txFillClrLst>
-    <dgm:txEffectClrLst/>
-  </dgm:styleLbl>
-</dgm:colorsDef>
-</file>
-
-<file path=ppt/diagrams/colors4.xml><?xml version="1.0" encoding="utf-8"?>
-<dgm:colorsDef xmlns:dgm="http://schemas.openxmlformats.org/drawingml/2006/diagram" xmlns:a="http://schemas.openxmlformats.org/drawingml/2006/main" uniqueId="urn:microsoft.com/office/officeart/2005/8/colors/ColorSchemeForSuggestions">
-  <dgm:title val="Color Scheme for Suggestions"/>
-  <dgm:desc val="Color Scheme for Suggestions"/>
-  <dgm:catLst>
-    <dgm:cat type="Other" pri="2"/>
-  </dgm:catLst>
-  <dgm:styleLbl name="node0">
-    <dgm:fillClrLst meth="repeat">
-      <a:schemeClr val="accent1"/>
-    </dgm:fillClrLst>
-    <dgm:linClrLst meth="repeat">
-      <a:schemeClr val="lt1"/>
-    </dgm:linClrLst>
-    <dgm:effectClrLst/>
-    <dgm:txLinClrLst/>
-    <dgm:txFillClrLst/>
-    <dgm:txEffectClrLst/>
-  </dgm:styleLbl>
-  <dgm:styleLbl name="alignNode1">
-    <dgm:fillClrLst meth="repeat">
-      <a:schemeClr val="accent1"/>
-    </dgm:fillClrLst>
-    <dgm:linClrLst meth="repeat">
-      <a:schemeClr val="accent1"/>
-    </dgm:linClrLst>
-    <dgm:effectClrLst/>
-    <dgm:txLinClrLst/>
-    <dgm:txFillClrLst/>
-    <dgm:txEffectClrLst/>
-  </dgm:styleLbl>
-  <dgm:styleLbl name="node1">
-    <dgm:fillClrLst meth="repeat">
-      <a:schemeClr val="accent1"/>
-    </dgm:fillClrLst>
-    <dgm:linClrLst meth="repeat">
-      <a:schemeClr val="lt1"/>
-    </dgm:linClrLst>
-    <dgm:effectClrLst/>
-    <dgm:txLinClrLst/>
-    <dgm:txFillClrLst/>
-    <dgm:txEffectClrLst/>
-  </dgm:styleLbl>
-  <dgm:styleLbl name="lnNode1">
-    <dgm:fillClrLst meth="repeat">
-      <a:schemeClr val="accent1"/>
-    </dgm:fillClrLst>
-    <dgm:linClrLst meth="repeat">
-      <a:schemeClr val="lt1"/>
-    </dgm:linClrLst>
-    <dgm:effectClrLst/>
-    <dgm:txLinClrLst/>
-    <dgm:txFillClrLst/>
-    <dgm:txEffectClrLst/>
-  </dgm:styleLbl>
-  <dgm:styleLbl name="vennNode1">
-    <dgm:fillClrLst meth="repeat">
-      <a:schemeClr val="accent1">
-        <a:alpha val="50000"/>
-      </a:schemeClr>
-    </dgm:fillClrLst>
-    <dgm:linClrLst meth="repeat">
-      <a:schemeClr val="lt1"/>
-    </dgm:linClrLst>
-    <dgm:effectClrLst/>
-    <dgm:txLinClrLst/>
-    <dgm:txFillClrLst/>
-    <dgm:txEffectClrLst/>
-  </dgm:styleLbl>
-  <dgm:styleLbl name="node2">
-    <dgm:fillClrLst meth="repeat">
-      <a:schemeClr val="accent1"/>
-    </dgm:fillClrLst>
-    <dgm:linClrLst meth="repeat">
-      <a:schemeClr val="lt1"/>
-    </dgm:linClrLst>
-    <dgm:effectClrLst/>
-    <dgm:txLinClrLst/>
-    <dgm:txFillClrLst/>
-    <dgm:txEffectClrLst/>
-  </dgm:styleLbl>
-  <dgm:styleLbl name="node3">
-    <dgm:fillClrLst meth="repeat">
-      <a:schemeClr val="accent1"/>
-    </dgm:fillClrLst>
-    <dgm:linClrLst meth="repeat">
-      <a:schemeClr val="lt1"/>
-    </dgm:linClrLst>
-    <dgm:effectClrLst/>
-    <dgm:txLinClrLst/>
-    <dgm:txFillClrLst/>
-    <dgm:txEffectClrLst/>
-  </dgm:styleLbl>
-  <dgm:styleLbl name="node4">
-    <dgm:fillClrLst meth="repeat">
-      <a:schemeClr val="accent1"/>
-    </dgm:fillClrLst>
-    <dgm:linClrLst meth="repeat">
-      <a:schemeClr val="lt1"/>
-    </dgm:linClrLst>
-    <dgm:effectClrLst/>
-    <dgm:txLinClrLst/>
-    <dgm:txFillClrLst/>
-    <dgm:txEffectClrLst/>
-  </dgm:styleLbl>
-  <dgm:styleLbl name="fgImgPlace1">
-    <dgm:fillClrLst meth="repeat">
-      <a:schemeClr val="accent1">
-        <a:tint val="50000"/>
-      </a:schemeClr>
-    </dgm:fillClrLst>
-    <dgm:linClrLst meth="repeat">
-      <a:schemeClr val="lt1"/>
-    </dgm:linClrLst>
-    <dgm:effectClrLst/>
-    <dgm:txLinClrLst/>
-    <dgm:txFillClrLst meth="repeat">
-      <a:schemeClr val="lt1"/>
-    </dgm:txFillClrLst>
-    <dgm:txEffectClrLst/>
-  </dgm:styleLbl>
-  <dgm:styleLbl name="alignImgPlace1">
-    <dgm:fillClrLst meth="repeat">
-      <a:schemeClr val="accent1">
-        <a:tint val="50000"/>
-      </a:schemeClr>
-    </dgm:fillClrLst>
-    <dgm:linClrLst meth="repeat">
-      <a:schemeClr val="lt1"/>
-    </dgm:linClrLst>
-    <dgm:effectClrLst/>
-    <dgm:txLinClrLst/>
-    <dgm:txFillClrLst meth="repeat">
-      <a:schemeClr val="lt1"/>
-    </dgm:txFillClrLst>
-    <dgm:txEffectClrLst/>
-  </dgm:styleLbl>
-  <dgm:styleLbl name="bgImgPlace1">
-    <dgm:fillClrLst meth="repeat">
-      <a:schemeClr val="accent1">
-        <a:tint val="50000"/>
-      </a:schemeClr>
-    </dgm:fillClrLst>
-    <dgm:linClrLst meth="repeat">
-      <a:schemeClr val="lt1"/>
-    </dgm:linClrLst>
-    <dgm:effectClrLst/>
-    <dgm:txLinClrLst/>
-    <dgm:txFillClrLst meth="repeat">
-      <a:schemeClr val="lt1"/>
-    </dgm:txFillClrLst>
-    <dgm:txEffectClrLst/>
-  </dgm:styleLbl>
-  <dgm:styleLbl name="sibTrans2D1">
-    <dgm:fillClrLst meth="repeat">
-      <a:schemeClr val="accent1">
-        <a:tint val="60000"/>
-      </a:schemeClr>
-    </dgm:fillClrLst>
-    <dgm:linClrLst meth="repeat">
-      <a:schemeClr val="accent1">
-        <a:tint val="60000"/>
-      </a:schemeClr>
-    </dgm:linClrLst>
-    <dgm:effectClrLst/>
-    <dgm:txLinClrLst/>
-    <dgm:txFillClrLst/>
-    <dgm:txEffectClrLst/>
-  </dgm:styleLbl>
-  <dgm:styleLbl name="fgSibTrans2D1">
-    <dgm:fillClrLst meth="repeat">
-      <a:schemeClr val="accent1">
-        <a:tint val="60000"/>
-      </a:schemeClr>
-    </dgm:fillClrLst>
-    <dgm:linClrLst meth="repeat">
-      <a:schemeClr val="accent1">
-        <a:tint val="60000"/>
-      </a:schemeClr>
-    </dgm:linClrLst>
-    <dgm:effectClrLst/>
-    <dgm:txLinClrLst/>
-    <dgm:txFillClrLst/>
-    <dgm:txEffectClrLst/>
-  </dgm:styleLbl>
-  <dgm:styleLbl name="bgSibTrans2D1">
-    <dgm:fillClrLst meth="repeat">
-      <a:schemeClr val="accent1">
-        <a:tint val="60000"/>
-      </a:schemeClr>
-    </dgm:fillClrLst>
-    <dgm:linClrLst meth="repeat">
-      <a:schemeClr val="accent1">
-        <a:tint val="60000"/>
-      </a:schemeClr>
-    </dgm:linClrLst>
-    <dgm:effectClrLst/>
-    <dgm:txLinClrLst/>
-    <dgm:txFillClrLst/>
-    <dgm:txEffectClrLst/>
-  </dgm:styleLbl>
-  <dgm:styleLbl name="sibTrans1D1">
-    <dgm:fillClrLst meth="repeat">
-      <a:schemeClr val="accent1"/>
-    </dgm:fillClrLst>
-    <dgm:linClrLst meth="repeat">
-      <a:schemeClr val="accent1"/>
-    </dgm:linClrLst>
-    <dgm:effectClrLst/>
-    <dgm:txLinClrLst/>
-    <dgm:txFillClrLst meth="repeat">
-      <a:schemeClr val="tx1"/>
-    </dgm:txFillClrLst>
-    <dgm:txEffectClrLst/>
-  </dgm:styleLbl>
-  <dgm:styleLbl name="callout">
-    <dgm:fillClrLst meth="repeat">
-      <a:schemeClr val="accent1"/>
-    </dgm:fillClrLst>
-    <dgm:linClrLst meth="repeat">
-      <a:schemeClr val="accent1">
-        <a:tint val="50000"/>
-      </a:schemeClr>
-    </dgm:linClrLst>
-    <dgm:effectClrLst/>
-    <dgm:txLinClrLst/>
-    <dgm:txFillClrLst meth="repeat">
-      <a:schemeClr val="tx1"/>
-    </dgm:txFillClrLst>
-    <dgm:txEffectClrLst/>
-  </dgm:styleLbl>
-  <dgm:styleLbl name="asst0">
-    <dgm:fillClrLst meth="repeat">
-      <a:schemeClr val="accent1"/>
-    </dgm:fillClrLst>
-    <dgm:linClrLst meth="repeat">
-      <a:schemeClr val="lt1"/>
-    </dgm:linClrLst>
-    <dgm:effectClrLst/>
-    <dgm:txLinClrLst/>
-    <dgm:txFillClrLst/>
-    <dgm:txEffectClrLst/>
-  </dgm:styleLbl>
-  <dgm:styleLbl name="asst1">
-    <dgm:fillClrLst meth="repeat">
-      <a:schemeClr val="accent1"/>
-    </dgm:fillClrLst>
-    <dgm:linClrLst meth="repeat">
-      <a:schemeClr val="lt1"/>
-    </dgm:linClrLst>
-    <dgm:effectClrLst/>
-    <dgm:txLinClrLst/>
-    <dgm:txFillClrLst/>
-    <dgm:txEffectClrLst/>
-  </dgm:styleLbl>
-  <dgm:styleLbl name="asst2">
-    <dgm:fillClrLst meth="repeat">
-      <a:schemeClr val="accent1"/>
-    </dgm:fillClrLst>
-    <dgm:linClrLst meth="repeat">
-      <a:schemeClr val="lt1"/>
-    </dgm:linClrLst>
-    <dgm:effectClrLst/>
-    <dgm:txLinClrLst/>
-    <dgm:txFillClrLst/>
-    <dgm:txEffectClrLst/>
-  </dgm:styleLbl>
-  <dgm:styleLbl name="asst3">
-    <dgm:fillClrLst meth="repeat">
-      <a:schemeClr val="accent1"/>
-    </dgm:fillClrLst>
-    <dgm:linClrLst meth="repeat">
-      <a:schemeClr val="lt1"/>
-    </dgm:linClrLst>
-    <dgm:effectClrLst/>
-    <dgm:txLinClrLst/>
-    <dgm:txFillClrLst/>
-    <dgm:txEffectClrLst/>
-  </dgm:styleLbl>
-  <dgm:styleLbl name="asst4">
-    <dgm:fillClrLst meth="repeat">
-      <a:schemeClr val="accent1"/>
-    </dgm:fillClrLst>
-    <dgm:linClrLst meth="repeat">
-      <a:schemeClr val="lt1"/>
-    </dgm:linClrLst>
-    <dgm:effectClrLst/>
-    <dgm:txLinClrLst/>
-    <dgm:txFillClrLst/>
-    <dgm:txEffectClrLst/>
-  </dgm:styleLbl>
-  <dgm:styleLbl name="parChTrans2D1">
-    <dgm:fillClrLst meth="repeat">
-      <a:schemeClr val="accent1">
-        <a:tint val="60000"/>
-      </a:schemeClr>
-    </dgm:fillClrLst>
-    <dgm:linClrLst meth="repeat">
-      <a:schemeClr val="accent1">
-        <a:tint val="60000"/>
-      </a:schemeClr>
-    </dgm:linClrLst>
-    <dgm:effectClrLst/>
-    <dgm:txLinClrLst/>
-    <dgm:txFillClrLst meth="repeat">
-      <a:schemeClr val="lt1"/>
-    </dgm:txFillClrLst>
-    <dgm:txEffectClrLst/>
-  </dgm:styleLbl>
-  <dgm:styleLbl name="parChTrans2D2">
-    <dgm:fillClrLst meth="repeat">
-      <a:schemeClr val="accent1"/>
-    </dgm:fillClrLst>
-    <dgm:linClrLst meth="repeat">
-      <a:schemeClr val="accent1"/>
-    </dgm:linClrLst>
-    <dgm:effectClrLst/>
-    <dgm:txLinClrLst/>
-    <dgm:txFillClrLst meth="repeat">
-      <a:schemeClr val="lt1"/>
-    </dgm:txFillClrLst>
-    <dgm:txEffectClrLst/>
-  </dgm:styleLbl>
-  <dgm:styleLbl name="parChTrans2D3">
-    <dgm:fillClrLst meth="repeat">
-      <a:schemeClr val="accent1"/>
-    </dgm:fillClrLst>
-    <dgm:linClrLst meth="repeat">
-      <a:schemeClr val="accent1"/>
-    </dgm:linClrLst>
-    <dgm:effectClrLst/>
-    <dgm:txLinClrLst/>
-    <dgm:txFillClrLst meth="repeat">
-      <a:schemeClr val="lt1"/>
-    </dgm:txFillClrLst>
-    <dgm:txEffectClrLst/>
-  </dgm:styleLbl>
-  <dgm:styleLbl name="parChTrans2D4">
-    <dgm:fillClrLst meth="repeat">
-      <a:schemeClr val="accent1"/>
-    </dgm:fillClrLst>
-    <dgm:linClrLst meth="repeat">
-      <a:schemeClr val="accent1"/>
-    </dgm:linClrLst>
-    <dgm:effectClrLst/>
-    <dgm:txLinClrLst/>
-    <dgm:txFillClrLst meth="repeat">
-      <a:schemeClr val="lt1"/>
-    </dgm:txFillClrLst>
-    <dgm:txEffectClrLst/>
-  </dgm:styleLbl>
-  <dgm:styleLbl name="parChTrans1D1">
-    <dgm:fillClrLst meth="repeat">
-      <a:schemeClr val="accent1"/>
-    </dgm:fillClrLst>
-    <dgm:linClrLst meth="repeat">
-      <a:schemeClr val="accent1">
-        <a:shade val="60000"/>
-      </a:schemeClr>
-    </dgm:linClrLst>
-    <dgm:effectClrLst/>
-    <dgm:txLinClrLst/>
-    <dgm:txFillClrLst meth="repeat">
-      <a:schemeClr val="tx1"/>
-    </dgm:txFillClrLst>
-    <dgm:txEffectClrLst/>
-  </dgm:styleLbl>
-  <dgm:styleLbl name="parChTrans1D2">
-    <dgm:fillClrLst meth="repeat">
-      <a:schemeClr val="accent1"/>
-    </dgm:fillClrLst>
-    <dgm:linClrLst meth="repeat">
-      <a:schemeClr val="accent1">
-        <a:shade val="60000"/>
-      </a:schemeClr>
-    </dgm:linClrLst>
-    <dgm:effectClrLst/>
-    <dgm:txLinClrLst/>
-    <dgm:txFillClrLst meth="repeat">
-      <a:schemeClr val="tx1"/>
-    </dgm:txFillClrLst>
-    <dgm:txEffectClrLst/>
-  </dgm:styleLbl>
-  <dgm:styleLbl name="parChTrans1D3">
-    <dgm:fillClrLst meth="repeat">
-      <a:schemeClr val="accent1"/>
-    </dgm:fillClrLst>
-    <dgm:linClrLst meth="repeat">
-      <a:schemeClr val="accent1">
-        <a:shade val="80000"/>
-      </a:schemeClr>
-    </dgm:linClrLst>
-    <dgm:effectClrLst/>
-    <dgm:txLinClrLst/>
-    <dgm:txFillClrLst meth="repeat">
-      <a:schemeClr val="tx1"/>
-    </dgm:txFillClrLst>
-    <dgm:txEffectClrLst/>
-  </dgm:styleLbl>
-  <dgm:styleLbl name="parChTrans1D4">
-    <dgm:fillClrLst meth="repeat">
-      <a:schemeClr val="accent1"/>
-    </dgm:fillClrLst>
-    <dgm:linClrLst meth="repeat">
-      <a:schemeClr val="accent1">
-        <a:shade val="80000"/>
-      </a:schemeClr>
-    </dgm:linClrLst>
-    <dgm:effectClrLst/>
-    <dgm:txLinClrLst/>
-    <dgm:txFillClrLst meth="repeat">
-      <a:schemeClr val="tx1"/>
-    </dgm:txFillClrLst>
-    <dgm:txEffectClrLst/>
-  </dgm:styleLbl>
-  <dgm:styleLbl name="fgAcc1">
-    <dgm:fillClrLst meth="repeat">
-      <a:schemeClr val="lt1">
-        <a:alpha val="90000"/>
-      </a:schemeClr>
-    </dgm:fillClrLst>
-    <dgm:linClrLst meth="repeat">
-      <a:schemeClr val="accent1"/>
-    </dgm:linClrLst>
-    <dgm:effectClrLst/>
-    <dgm:txLinClrLst/>
-    <dgm:txFillClrLst meth="repeat">
-      <a:schemeClr val="dk1"/>
-    </dgm:txFillClrLst>
-    <dgm:txEffectClrLst/>
-  </dgm:styleLbl>
-  <dgm:styleLbl name="conFgAcc1">
-    <dgm:fillClrLst meth="repeat">
-      <a:schemeClr val="lt1">
-        <a:alpha val="90000"/>
-      </a:schemeClr>
-    </dgm:fillClrLst>
-    <dgm:linClrLst meth="repeat">
-      <a:schemeClr val="accent1"/>
-    </dgm:linClrLst>
-    <dgm:effectClrLst/>
-    <dgm:txLinClrLst/>
-    <dgm:txFillClrLst meth="repeat">
-      <a:schemeClr val="dk1"/>
-    </dgm:txFillClrLst>
-    <dgm:txEffectClrLst/>
-  </dgm:styleLbl>
-  <dgm:styleLbl name="alignAcc1">
-    <dgm:fillClrLst meth="repeat">
-      <a:schemeClr val="lt1">
-        <a:alpha val="90000"/>
-      </a:schemeClr>
-    </dgm:fillClrLst>
-    <dgm:linClrLst meth="repeat">
-      <a:schemeClr val="accent1"/>
-    </dgm:linClrLst>
-    <dgm:effectClrLst/>
-    <dgm:txLinClrLst/>
-    <dgm:txFillClrLst meth="repeat">
-      <a:schemeClr val="dk1"/>
-    </dgm:txFillClrLst>
-    <dgm:txEffectClrLst/>
-  </dgm:styleLbl>
-  <dgm:styleLbl name="trAlignAcc1">
-    <dgm:fillClrLst meth="repeat">
-      <a:schemeClr val="lt1">
-        <a:alpha val="40000"/>
-      </a:schemeClr>
-    </dgm:fillClrLst>
-    <dgm:linClrLst meth="repeat">
-      <a:schemeClr val="accent1"/>
-    </dgm:linClrLst>
-    <dgm:effectClrLst/>
-    <dgm:txLinClrLst/>
-    <dgm:txFillClrLst meth="repeat">
-      <a:schemeClr val="dk1"/>
-    </dgm:txFillClrLst>
-    <dgm:txEffectClrLst/>
-  </dgm:styleLbl>
-  <dgm:styleLbl name="bgAcc1">
-    <dgm:fillClrLst meth="repeat">
-      <a:schemeClr val="lt1">
-        <a:alpha val="90000"/>
-      </a:schemeClr>
-    </dgm:fillClrLst>
-    <dgm:linClrLst meth="repeat">
-      <a:schemeClr val="accent1"/>
-    </dgm:linClrLst>
-    <dgm:effectClrLst/>
-    <dgm:txLinClrLst/>
-    <dgm:txFillClrLst meth="repeat">
-      <a:schemeClr val="dk1"/>
-    </dgm:txFillClrLst>
-    <dgm:txEffectClrLst/>
-  </dgm:styleLbl>
-  <dgm:styleLbl name="solidFgAcc1">
-    <dgm:fillClrLst meth="repeat">
-      <a:schemeClr val="lt1"/>
-    </dgm:fillClrLst>
-    <dgm:linClrLst meth="repeat">
-      <a:schemeClr val="accent1"/>
-    </dgm:linClrLst>
-    <dgm:effectClrLst/>
-    <dgm:txLinClrLst/>
-    <dgm:txFillClrLst meth="repeat">
-      <a:schemeClr val="dk1"/>
-    </dgm:txFillClrLst>
-    <dgm:txEffectClrLst/>
-  </dgm:styleLbl>
-  <dgm:styleLbl name="solidAlignAcc1">
-    <dgm:fillClrLst meth="repeat">
-      <a:schemeClr val="lt1"/>
-    </dgm:fillClrLst>
-    <dgm:linClrLst meth="repeat">
-      <a:schemeClr val="accent1"/>
-    </dgm:linClrLst>
-    <dgm:effectClrLst/>
-    <dgm:txLinClrLst/>
-    <dgm:txFillClrLst meth="repeat">
-      <a:schemeClr val="dk1"/>
-    </dgm:txFillClrLst>
-    <dgm:txEffectClrLst/>
-  </dgm:styleLbl>
-  <dgm:styleLbl name="solidBgAcc1">
-    <dgm:fillClrLst meth="repeat">
-      <a:schemeClr val="lt1"/>
-    </dgm:fillClrLst>
-    <dgm:linClrLst meth="repeat">
-      <a:schemeClr val="accent1"/>
-    </dgm:linClrLst>
-    <dgm:effectClrLst/>
-    <dgm:txLinClrLst/>
-    <dgm:txFillClrLst meth="repeat">
-      <a:schemeClr val="dk1"/>
-    </dgm:txFillClrLst>
-    <dgm:txEffectClrLst/>
-  </dgm:styleLbl>
-  <dgm:styleLbl name="fgAccFollowNode1">
-    <dgm:fillClrLst meth="repeat">
-      <a:schemeClr val="accent1">
-        <a:alpha val="90000"/>
-        <a:tint val="40000"/>
-      </a:schemeClr>
-    </dgm:fillClrLst>
-    <dgm:linClrLst meth="repeat">
-      <a:schemeClr val="accent1">
-        <a:alpha val="90000"/>
-        <a:tint val="40000"/>
-      </a:schemeClr>
-    </dgm:linClrLst>
-    <dgm:effectClrLst/>
-    <dgm:txLinClrLst/>
-    <dgm:txFillClrLst meth="repeat">
-      <a:schemeClr val="dk1"/>
-    </dgm:txFillClrLst>
-    <dgm:txEffectClrLst/>
-  </dgm:styleLbl>
-  <dgm:styleLbl name="alignAccFollowNode1">
-    <dgm:fillClrLst meth="repeat">
-      <a:schemeClr val="accent1">
-        <a:alpha val="90000"/>
-        <a:tint val="40000"/>
-      </a:schemeClr>
-    </dgm:fillClrLst>
-    <dgm:linClrLst meth="repeat">
-      <a:schemeClr val="accent1">
-        <a:alpha val="90000"/>
-        <a:tint val="40000"/>
-      </a:schemeClr>
-    </dgm:linClrLst>
-    <dgm:effectClrLst/>
-    <dgm:txLinClrLst/>
-    <dgm:txFillClrLst meth="repeat">
-      <a:schemeClr val="dk1"/>
-    </dgm:txFillClrLst>
-    <dgm:txEffectClrLst/>
-  </dgm:styleLbl>
-  <dgm:styleLbl name="bgAccFollowNode1">
-    <dgm:fillClrLst meth="repeat">
-      <a:schemeClr val="bg1">
-        <a:lumMod val="95000"/>
-      </a:schemeClr>
-    </dgm:fillClrLst>
-    <dgm:linClrLst>
-      <a:schemeClr val="bg1">
-        <a:lumMod val="95000"/>
-      </a:schemeClr>
-    </dgm:linClrLst>
-    <dgm:effectClrLst/>
-    <dgm:txLinClrLst/>
-    <dgm:txFillClrLst meth="repeat">
-      <a:schemeClr val="tx1">
-        <a:lumMod val="75000"/>
-        <a:lumOff val="25000"/>
-      </a:schemeClr>
-    </dgm:txFillClrLst>
-    <dgm:txEffectClrLst/>
-  </dgm:styleLbl>
-  <dgm:styleLbl name="fgAcc0">
-    <dgm:fillClrLst meth="repeat">
-      <a:schemeClr val="lt1">
-        <a:alpha val="90000"/>
-      </a:schemeClr>
-    </dgm:fillClrLst>
-    <dgm:linClrLst meth="repeat">
-      <a:schemeClr val="accent1"/>
-    </dgm:linClrLst>
-    <dgm:effectClrLst/>
-    <dgm:txLinClrLst/>
-    <dgm:txFillClrLst meth="repeat">
-      <a:schemeClr val="dk1"/>
-    </dgm:txFillClrLst>
-    <dgm:txEffectClrLst/>
-  </dgm:styleLbl>
-  <dgm:styleLbl name="fgAcc2">
-    <dgm:fillClrLst meth="repeat">
-      <a:schemeClr val="lt1">
-        <a:alpha val="90000"/>
-      </a:schemeClr>
-    </dgm:fillClrLst>
-    <dgm:linClrLst meth="repeat">
-      <a:schemeClr val="accent1"/>
-    </dgm:linClrLst>
-    <dgm:effectClrLst/>
-    <dgm:txLinClrLst/>
-    <dgm:txFillClrLst meth="repeat">
-      <a:schemeClr val="dk1"/>
-    </dgm:txFillClrLst>
-    <dgm:txEffectClrLst/>
-  </dgm:styleLbl>
-  <dgm:styleLbl name="fgAcc3">
-    <dgm:fillClrLst meth="repeat">
-      <a:schemeClr val="lt1">
-        <a:alpha val="90000"/>
-      </a:schemeClr>
-    </dgm:fillClrLst>
-    <dgm:linClrLst meth="repeat">
-      <a:schemeClr val="accent1"/>
-    </dgm:linClrLst>
-    <dgm:effectClrLst/>
-    <dgm:txLinClrLst/>
-    <dgm:txFillClrLst meth="repeat">
-      <a:schemeClr val="dk1"/>
-    </dgm:txFillClrLst>
-    <dgm:txEffectClrLst/>
-  </dgm:styleLbl>
-  <dgm:styleLbl name="fgAcc4">
-    <dgm:fillClrLst meth="repeat">
-      <a:schemeClr val="lt1">
-        <a:alpha val="90000"/>
-      </a:schemeClr>
-    </dgm:fillClrLst>
-    <dgm:linClrLst meth="repeat">
-      <a:schemeClr val="accent1"/>
-    </dgm:linClrLst>
-    <dgm:effectClrLst/>
-    <dgm:txLinClrLst/>
-    <dgm:txFillClrLst meth="repeat">
-      <a:schemeClr val="dk1"/>
-    </dgm:txFillClrLst>
-    <dgm:txEffectClrLst/>
-  </dgm:styleLbl>
-  <dgm:styleLbl name="bgShp">
-    <dgm:fillClrLst meth="repeat">
-      <a:schemeClr val="accent1">
-        <a:tint val="40000"/>
-      </a:schemeClr>
-    </dgm:fillClrLst>
-    <dgm:linClrLst meth="repeat">
-      <a:schemeClr val="accent1"/>
-    </dgm:linClrLst>
-    <dgm:effectClrLst/>
-    <dgm:txLinClrLst/>
-    <dgm:txFillClrLst meth="repeat">
-      <a:schemeClr val="dk1"/>
-    </dgm:txFillClrLst>
-    <dgm:txEffectClrLst/>
-  </dgm:styleLbl>
-  <dgm:styleLbl name="dkBgShp">
-    <dgm:fillClrLst meth="repeat">
-      <a:schemeClr val="accent1">
-        <a:shade val="80000"/>
-      </a:schemeClr>
-    </dgm:fillClrLst>
-    <dgm:linClrLst meth="repeat">
-      <a:schemeClr val="accent1"/>
-    </dgm:linClrLst>
-    <dgm:effectClrLst/>
-    <dgm:txLinClrLst/>
-    <dgm:txFillClrLst meth="repeat">
-      <a:schemeClr val="lt1"/>
-    </dgm:txFillClrLst>
-    <dgm:txEffectClrLst/>
-  </dgm:styleLbl>
-  <dgm:styleLbl name="trBgShp">
-    <dgm:fillClrLst meth="repeat">
-      <a:schemeClr val="accent1">
-        <a:tint val="50000"/>
-        <a:alpha val="40000"/>
-      </a:schemeClr>
-    </dgm:fillClrLst>
-    <dgm:linClrLst meth="repeat">
-      <a:schemeClr val="accent1"/>
-    </dgm:linClrLst>
-    <dgm:effectClrLst/>
-    <dgm:txLinClrLst/>
-    <dgm:txFillClrLst meth="repeat">
-      <a:schemeClr val="lt1"/>
-    </dgm:txFillClrLst>
-    <dgm:txEffectClrLst/>
-  </dgm:styleLbl>
-  <dgm:styleLbl name="fgShp">
-    <dgm:fillClrLst meth="repeat">
-      <a:schemeClr val="accent1">
-        <a:tint val="60000"/>
-      </a:schemeClr>
-    </dgm:fillClrLst>
-    <dgm:linClrLst meth="repeat">
-      <a:schemeClr val="lt1"/>
-    </dgm:linClrLst>
-    <dgm:effectClrLst/>
-    <dgm:txLinClrLst/>
-    <dgm:txFillClrLst meth="repeat">
-      <a:schemeClr val="dk1"/>
-    </dgm:txFillClrLst>
-    <dgm:txEffectClrLst/>
-  </dgm:styleLbl>
-  <dgm:styleLbl name="revTx">
-    <dgm:fillClrLst meth="repeat">
-      <a:schemeClr val="lt1">
-        <a:alpha val="0"/>
-      </a:schemeClr>
-    </dgm:fillClrLst>
-    <dgm:linClrLst meth="repeat">
-      <a:schemeClr val="dk1">
-        <a:alpha val="0"/>
-      </a:schemeClr>
-    </dgm:linClrLst>
-    <dgm:effectClrLst/>
-    <dgm:txLinClrLst/>
-    <dgm:txFillClrLst meth="repeat">
-      <a:schemeClr val="tx1"/>
-    </dgm:txFillClrLst>
-    <dgm:txEffectClrLst/>
-  </dgm:styleLbl>
-</dgm:colorsDef>
-</file>
-
 <file path=ppt/diagrams/data1.xml><?xml version="1.0" encoding="utf-8"?>
 <dgm:dataModel xmlns:dgm="http://schemas.openxmlformats.org/drawingml/2006/diagram" xmlns:a="http://schemas.openxmlformats.org/drawingml/2006/main">
   <dgm:ptLst>
@@ -3136,14 +1638,14 @@
           <a:pPr algn="ctr"/>
           <a:r>
             <a:rPr lang="en-US" sz="2000" dirty="0"/>
-            <a:t>Context</a:t>
+            <a:t>Login</a:t>
           </a:r>
         </a:p>
         <a:p>
           <a:pPr algn="ctr"/>
           <a:r>
             <a:rPr lang="en-US" sz="1600" dirty="0"/>
-            <a:t>Location awareness</a:t>
+            <a:t>Facebook for Trust</a:t>
           </a:r>
         </a:p>
       </dgm:t>
@@ -3187,14 +1689,28 @@
           <a:pPr algn="ctr"/>
           <a:r>
             <a:rPr lang="en-US" sz="2000" dirty="0"/>
-            <a:t>Availability</a:t>
+            <a:t>User Experience</a:t>
           </a:r>
         </a:p>
         <a:p>
           <a:pPr algn="ctr"/>
           <a:r>
             <a:rPr lang="en-US" sz="1600" dirty="0"/>
-            <a:t>Most used form factor</a:t>
+            <a:t>Fun </a:t>
+          </a:r>
+        </a:p>
+        <a:p>
+          <a:pPr algn="ctr"/>
+          <a:r>
+            <a:rPr lang="en-US" sz="1600" dirty="0"/>
+            <a:t>Fast</a:t>
+          </a:r>
+        </a:p>
+        <a:p>
+          <a:pPr algn="ctr"/>
+          <a:r>
+            <a:rPr lang="en-US" sz="1600" dirty="0"/>
+            <a:t>Intuitive</a:t>
           </a:r>
         </a:p>
       </dgm:t>
@@ -3228,57 +1744,6 @@
         </a:p>
       </dgm:t>
     </dgm:pt>
-    <dgm:pt modelId="{98530C36-F109-4607-BFDE-BC391E73C4BC}">
-      <dgm:prSet custT="1"/>
-      <dgm:spPr/>
-      <dgm:t>
-        <a:bodyPr/>
-        <a:lstStyle/>
-        <a:p>
-          <a:pPr algn="ctr"/>
-          <a:r>
-            <a:rPr lang="en-US" sz="2000" dirty="0"/>
-            <a:t>Reach</a:t>
-          </a:r>
-        </a:p>
-        <a:p>
-          <a:pPr algn="ctr"/>
-          <a:r>
-            <a:rPr lang="en-US" sz="1600" dirty="0"/>
-            <a:t>Reach people when needed</a:t>
-          </a:r>
-        </a:p>
-      </dgm:t>
-    </dgm:pt>
-    <dgm:pt modelId="{5F59E2C3-9ABA-45D6-B273-0DF6B9BBFAD0}" type="parTrans" cxnId="{A7C1085A-CDED-4D32-AF16-A1C908924C22}">
-      <dgm:prSet/>
-      <dgm:spPr/>
-      <dgm:t>
-        <a:bodyPr/>
-        <a:lstStyle/>
-        <a:p>
-          <a:endParaRPr lang="en-US"/>
-        </a:p>
-      </dgm:t>
-    </dgm:pt>
-    <dgm:pt modelId="{9C3C60AF-6A38-4D80-8A0D-4279AD83CE63}" type="sibTrans" cxnId="{A7C1085A-CDED-4D32-AF16-A1C908924C22}">
-      <dgm:prSet phldrT="3" phldr="0"/>
-      <dgm:spPr>
-        <a:solidFill>
-          <a:srgbClr val="43B02A"/>
-        </a:solidFill>
-      </dgm:spPr>
-      <dgm:t>
-        <a:bodyPr/>
-        <a:lstStyle/>
-        <a:p>
-          <a:r>
-            <a:rPr lang="en-US" dirty="0"/>
-            <a:t>3</a:t>
-          </a:r>
-        </a:p>
-      </dgm:t>
-    </dgm:pt>
     <dgm:pt modelId="{874AABA0-E5A4-4AB0-B6CA-03C561803974}">
       <dgm:prSet custT="1"/>
       <dgm:spPr/>
@@ -3289,21 +1754,14 @@
           <a:pPr algn="ctr"/>
           <a:r>
             <a:rPr lang="en-US" sz="2000" dirty="0"/>
-            <a:t>Sharing</a:t>
+            <a:t>Context</a:t>
           </a:r>
         </a:p>
         <a:p>
           <a:pPr algn="ctr"/>
           <a:r>
             <a:rPr lang="en-US" sz="1600" dirty="0"/>
-            <a:t>Camera</a:t>
-          </a:r>
-        </a:p>
-        <a:p>
-          <a:pPr algn="ctr"/>
-          <a:r>
-            <a:rPr lang="en-US" sz="1600" dirty="0"/>
-            <a:t>Maps</a:t>
+            <a:t>Location awareness</a:t>
           </a:r>
         </a:p>
       </dgm:t>
@@ -3331,7 +1789,56 @@
         <a:lstStyle/>
         <a:p>
           <a:r>
-            <a:rPr lang="en-US"/>
+            <a:rPr lang="en-US" dirty="0"/>
+            <a:t>3</a:t>
+          </a:r>
+        </a:p>
+      </dgm:t>
+    </dgm:pt>
+    <dgm:pt modelId="{FBE1F35E-1A22-4FA0-B570-2592273E1443}">
+      <dgm:prSet custT="1"/>
+      <dgm:spPr/>
+      <dgm:t>
+        <a:bodyPr/>
+        <a:lstStyle/>
+        <a:p>
+          <a:r>
+            <a:rPr lang="en-US" sz="2000" dirty="0"/>
+            <a:t>Messaging</a:t>
+          </a:r>
+        </a:p>
+        <a:p>
+          <a:r>
+            <a:rPr lang="en-US" sz="1600" dirty="0"/>
+            <a:t>Reaching People</a:t>
+          </a:r>
+        </a:p>
+      </dgm:t>
+    </dgm:pt>
+    <dgm:pt modelId="{3F437DDA-17D8-4FE0-82BF-F3D7F4CF636A}" type="parTrans" cxnId="{5B77B34A-62CA-4ECE-B611-F098B9743D0B}">
+      <dgm:prSet/>
+      <dgm:spPr/>
+      <dgm:t>
+        <a:bodyPr/>
+        <a:lstStyle/>
+        <a:p>
+          <a:endParaRPr lang="en-US"/>
+        </a:p>
+      </dgm:t>
+    </dgm:pt>
+    <dgm:pt modelId="{B0C9355C-2711-4C63-8268-3E9C498B329B}" type="sibTrans" cxnId="{5B77B34A-62CA-4ECE-B611-F098B9743D0B}">
+      <dgm:prSet phldrT="4" phldr="0"/>
+      <dgm:spPr>
+        <a:solidFill>
+          <a:srgbClr val="43B02A"/>
+        </a:solidFill>
+      </dgm:spPr>
+      <dgm:t>
+        <a:bodyPr/>
+        <a:lstStyle/>
+        <a:p>
+          <a:r>
+            <a:rPr lang="en-US" dirty="0"/>
             <a:t>4</a:t>
           </a:r>
         </a:p>
@@ -3424,45 +1931,6 @@
       <dgm:prSet presAssocID="{51988A88-3DCB-4B61-9998-FAAA88AC3653}" presName="sibTrans" presStyleCnt="0"/>
       <dgm:spPr/>
     </dgm:pt>
-    <dgm:pt modelId="{A859A5ED-96DB-4767-9556-5300945B427F}" type="pres">
-      <dgm:prSet presAssocID="{98530C36-F109-4607-BFDE-BC391E73C4BC}" presName="compositeNode" presStyleCnt="0">
-        <dgm:presLayoutVars>
-          <dgm:bulletEnabled val="1"/>
-        </dgm:presLayoutVars>
-      </dgm:prSet>
-      <dgm:spPr/>
-    </dgm:pt>
-    <dgm:pt modelId="{545AB69D-C7F1-425F-BDAA-870E1BD9236D}" type="pres">
-      <dgm:prSet presAssocID="{98530C36-F109-4607-BFDE-BC391E73C4BC}" presName="bgRect" presStyleLbl="bgAccFollowNode1" presStyleIdx="2" presStyleCnt="4"/>
-      <dgm:spPr/>
-    </dgm:pt>
-    <dgm:pt modelId="{270DAA37-033C-4FBF-B3C5-F3259E1520CB}" type="pres">
-      <dgm:prSet presAssocID="{9C3C60AF-6A38-4D80-8A0D-4279AD83CE63}" presName="sibTransNodeCircle" presStyleLbl="alignNode1" presStyleIdx="4" presStyleCnt="8">
-        <dgm:presLayoutVars>
-          <dgm:chMax val="0"/>
-          <dgm:bulletEnabled/>
-        </dgm:presLayoutVars>
-      </dgm:prSet>
-      <dgm:spPr/>
-    </dgm:pt>
-    <dgm:pt modelId="{E95DFE27-C7D9-4A44-BB57-62A16A41A767}" type="pres">
-      <dgm:prSet presAssocID="{98530C36-F109-4607-BFDE-BC391E73C4BC}" presName="bottomLine" presStyleLbl="alignNode1" presStyleIdx="5" presStyleCnt="8">
-        <dgm:presLayoutVars/>
-      </dgm:prSet>
-      <dgm:spPr/>
-    </dgm:pt>
-    <dgm:pt modelId="{7182F2E8-0FE4-40E2-90AF-E52FC6ACB532}" type="pres">
-      <dgm:prSet presAssocID="{98530C36-F109-4607-BFDE-BC391E73C4BC}" presName="nodeText" presStyleLbl="bgAccFollowNode1" presStyleIdx="2" presStyleCnt="4">
-        <dgm:presLayoutVars>
-          <dgm:bulletEnabled val="1"/>
-        </dgm:presLayoutVars>
-      </dgm:prSet>
-      <dgm:spPr/>
-    </dgm:pt>
-    <dgm:pt modelId="{8E0B8FDC-5743-4065-9274-857808D840DB}" type="pres">
-      <dgm:prSet presAssocID="{9C3C60AF-6A38-4D80-8A0D-4279AD83CE63}" presName="sibTrans" presStyleCnt="0"/>
-      <dgm:spPr/>
-    </dgm:pt>
     <dgm:pt modelId="{B5FD2AC5-F02B-4AD5-9DE5-59E7093B607F}" type="pres">
       <dgm:prSet presAssocID="{874AABA0-E5A4-4AB0-B6CA-03C561803974}" presName="compositeNode" presStyleCnt="0">
         <dgm:presLayoutVars>
@@ -3472,11 +1940,11 @@
       <dgm:spPr/>
     </dgm:pt>
     <dgm:pt modelId="{9351060C-ACBE-49AC-A648-BD79B54DE694}" type="pres">
-      <dgm:prSet presAssocID="{874AABA0-E5A4-4AB0-B6CA-03C561803974}" presName="bgRect" presStyleLbl="bgAccFollowNode1" presStyleIdx="3" presStyleCnt="4"/>
+      <dgm:prSet presAssocID="{874AABA0-E5A4-4AB0-B6CA-03C561803974}" presName="bgRect" presStyleLbl="bgAccFollowNode1" presStyleIdx="2" presStyleCnt="4"/>
       <dgm:spPr/>
     </dgm:pt>
     <dgm:pt modelId="{0976773B-12B7-4330-9710-1EA00090547F}" type="pres">
-      <dgm:prSet presAssocID="{19E745A0-E5B9-4A0B-BB88-6D7DCF47622D}" presName="sibTransNodeCircle" presStyleLbl="alignNode1" presStyleIdx="6" presStyleCnt="8">
+      <dgm:prSet presAssocID="{19E745A0-E5B9-4A0B-BB88-6D7DCF47622D}" presName="sibTransNodeCircle" presStyleLbl="alignNode1" presStyleIdx="4" presStyleCnt="8">
         <dgm:presLayoutVars>
           <dgm:chMax val="0"/>
           <dgm:bulletEnabled/>
@@ -3485,13 +1953,52 @@
       <dgm:spPr/>
     </dgm:pt>
     <dgm:pt modelId="{865066A0-097F-4E6D-9502-9C489920F2EC}" type="pres">
-      <dgm:prSet presAssocID="{874AABA0-E5A4-4AB0-B6CA-03C561803974}" presName="bottomLine" presStyleLbl="alignNode1" presStyleIdx="7" presStyleCnt="8">
+      <dgm:prSet presAssocID="{874AABA0-E5A4-4AB0-B6CA-03C561803974}" presName="bottomLine" presStyleLbl="alignNode1" presStyleIdx="5" presStyleCnt="8">
         <dgm:presLayoutVars/>
       </dgm:prSet>
       <dgm:spPr/>
     </dgm:pt>
     <dgm:pt modelId="{0E48C784-2E8C-4E2A-AF68-35FCF40F2DC7}" type="pres">
-      <dgm:prSet presAssocID="{874AABA0-E5A4-4AB0-B6CA-03C561803974}" presName="nodeText" presStyleLbl="bgAccFollowNode1" presStyleIdx="3" presStyleCnt="4">
+      <dgm:prSet presAssocID="{874AABA0-E5A4-4AB0-B6CA-03C561803974}" presName="nodeText" presStyleLbl="bgAccFollowNode1" presStyleIdx="2" presStyleCnt="4">
+        <dgm:presLayoutVars>
+          <dgm:bulletEnabled val="1"/>
+        </dgm:presLayoutVars>
+      </dgm:prSet>
+      <dgm:spPr/>
+    </dgm:pt>
+    <dgm:pt modelId="{D51DCD39-039D-42C4-B011-C18DD90D9AE3}" type="pres">
+      <dgm:prSet presAssocID="{19E745A0-E5B9-4A0B-BB88-6D7DCF47622D}" presName="sibTrans" presStyleCnt="0"/>
+      <dgm:spPr/>
+    </dgm:pt>
+    <dgm:pt modelId="{105E370F-4735-459F-9D87-548A7E4E1BE8}" type="pres">
+      <dgm:prSet presAssocID="{FBE1F35E-1A22-4FA0-B570-2592273E1443}" presName="compositeNode" presStyleCnt="0">
+        <dgm:presLayoutVars>
+          <dgm:bulletEnabled val="1"/>
+        </dgm:presLayoutVars>
+      </dgm:prSet>
+      <dgm:spPr/>
+    </dgm:pt>
+    <dgm:pt modelId="{E968DE66-CA9E-45CE-808A-DD370F57FB0A}" type="pres">
+      <dgm:prSet presAssocID="{FBE1F35E-1A22-4FA0-B570-2592273E1443}" presName="bgRect" presStyleLbl="bgAccFollowNode1" presStyleIdx="3" presStyleCnt="4"/>
+      <dgm:spPr/>
+    </dgm:pt>
+    <dgm:pt modelId="{15AD6B92-D490-41C7-9E6D-5730CBD915AD}" type="pres">
+      <dgm:prSet presAssocID="{B0C9355C-2711-4C63-8268-3E9C498B329B}" presName="sibTransNodeCircle" presStyleLbl="alignNode1" presStyleIdx="6" presStyleCnt="8">
+        <dgm:presLayoutVars>
+          <dgm:chMax val="0"/>
+          <dgm:bulletEnabled/>
+        </dgm:presLayoutVars>
+      </dgm:prSet>
+      <dgm:spPr/>
+    </dgm:pt>
+    <dgm:pt modelId="{00D740B6-08E7-4770-96B4-A65BF65E5FF1}" type="pres">
+      <dgm:prSet presAssocID="{FBE1F35E-1A22-4FA0-B570-2592273E1443}" presName="bottomLine" presStyleLbl="alignNode1" presStyleIdx="7" presStyleCnt="8">
+        <dgm:presLayoutVars/>
+      </dgm:prSet>
+      <dgm:spPr/>
+    </dgm:pt>
+    <dgm:pt modelId="{0377A79F-208C-4E19-8AD9-2BD1D8C041C9}" type="pres">
+      <dgm:prSet presAssocID="{FBE1F35E-1A22-4FA0-B570-2592273E1443}" presName="nodeText" presStyleLbl="bgAccFollowNode1" presStyleIdx="3" presStyleCnt="4">
         <dgm:presLayoutVars>
           <dgm:bulletEnabled val="1"/>
         </dgm:presLayoutVars>
@@ -3500,23 +2007,23 @@
     </dgm:pt>
   </dgm:ptLst>
   <dgm:cxnLst>
+    <dgm:cxn modelId="{8974113F-514B-44EF-AD65-130C72F94C76}" type="presOf" srcId="{F3C78B03-AC34-4B6E-9893-80ABC5B4D408}" destId="{C10D3F62-C659-484C-A945-0401FE9F6EC5}" srcOrd="0" destOrd="0" presId="urn:microsoft.com/office/officeart/2016/7/layout/BasicLinearProcessNumbered"/>
+    <dgm:cxn modelId="{DFAE6E42-4304-4ACC-BEEF-E3F872AF62C1}" type="presOf" srcId="{FBE1F35E-1A22-4FA0-B570-2592273E1443}" destId="{0377A79F-208C-4E19-8AD9-2BD1D8C041C9}" srcOrd="1" destOrd="0" presId="urn:microsoft.com/office/officeart/2016/7/layout/BasicLinearProcessNumbered"/>
+    <dgm:cxn modelId="{A8E11577-776D-47E2-8828-2E7AC760842F}" type="presOf" srcId="{747CEA16-7606-4CD5-8B24-F474A4E3739B}" destId="{BDDD252A-8513-4EDC-B14E-9597C7BD7549}" srcOrd="0" destOrd="0" presId="urn:microsoft.com/office/officeart/2016/7/layout/BasicLinearProcessNumbered"/>
+    <dgm:cxn modelId="{E51DA8E2-7E29-4650-BD4B-BA45A96D6F10}" srcId="{8C8C5CB6-8D97-4B7A-99DB-2CE5859E52FC}" destId="{874AABA0-E5A4-4AB0-B6CA-03C561803974}" srcOrd="2" destOrd="0" parTransId="{8A063C10-EB1C-4F73-A357-B7F6848AF871}" sibTransId="{19E745A0-E5B9-4A0B-BB88-6D7DCF47622D}"/>
+    <dgm:cxn modelId="{12F980FE-8A74-4594-8827-EBC3D3092688}" type="presOf" srcId="{F3C78B03-AC34-4B6E-9893-80ABC5B4D408}" destId="{C5ED34C5-90E3-43EA-914E-0CE8BF6B2AB4}" srcOrd="1" destOrd="0" presId="urn:microsoft.com/office/officeart/2016/7/layout/BasicLinearProcessNumbered"/>
+    <dgm:cxn modelId="{67C824D3-D0AB-4842-B4BA-B906B3481EF9}" srcId="{8C8C5CB6-8D97-4B7A-99DB-2CE5859E52FC}" destId="{747CEA16-7606-4CD5-8B24-F474A4E3739B}" srcOrd="1" destOrd="0" parTransId="{A715A50B-8AC1-47B8-8D82-AACF5F26B82E}" sibTransId="{51988A88-3DCB-4B61-9998-FAAA88AC3653}"/>
+    <dgm:cxn modelId="{8436B07A-3354-49CA-AAE9-3FEE3C819527}" type="presOf" srcId="{19E745A0-E5B9-4A0B-BB88-6D7DCF47622D}" destId="{0976773B-12B7-4330-9710-1EA00090547F}" srcOrd="0" destOrd="0" presId="urn:microsoft.com/office/officeart/2016/7/layout/BasicLinearProcessNumbered"/>
+    <dgm:cxn modelId="{F7016E09-DE31-47DA-99CA-4DB0F80757BA}" type="presOf" srcId="{874AABA0-E5A4-4AB0-B6CA-03C561803974}" destId="{9351060C-ACBE-49AC-A648-BD79B54DE694}" srcOrd="0" destOrd="0" presId="urn:microsoft.com/office/officeart/2016/7/layout/BasicLinearProcessNumbered"/>
+    <dgm:cxn modelId="{5B77B34A-62CA-4ECE-B611-F098B9743D0B}" srcId="{8C8C5CB6-8D97-4B7A-99DB-2CE5859E52FC}" destId="{FBE1F35E-1A22-4FA0-B570-2592273E1443}" srcOrd="3" destOrd="0" parTransId="{3F437DDA-17D8-4FE0-82BF-F3D7F4CF636A}" sibTransId="{B0C9355C-2711-4C63-8268-3E9C498B329B}"/>
+    <dgm:cxn modelId="{643975CB-B6E5-47D4-9769-148018C9F8B4}" type="presOf" srcId="{B0C9355C-2711-4C63-8268-3E9C498B329B}" destId="{15AD6B92-D490-41C7-9E6D-5730CBD915AD}" srcOrd="0" destOrd="0" presId="urn:microsoft.com/office/officeart/2016/7/layout/BasicLinearProcessNumbered"/>
+    <dgm:cxn modelId="{657CF033-0F23-49D3-9672-1CC3095C3DBE}" type="presOf" srcId="{874AABA0-E5A4-4AB0-B6CA-03C561803974}" destId="{0E48C784-2E8C-4E2A-AF68-35FCF40F2DC7}" srcOrd="1" destOrd="0" presId="urn:microsoft.com/office/officeart/2016/7/layout/BasicLinearProcessNumbered"/>
+    <dgm:cxn modelId="{BEBA1F02-3FE4-4126-9EBB-F8A846A31D06}" type="presOf" srcId="{51988A88-3DCB-4B61-9998-FAAA88AC3653}" destId="{DE5A761A-F766-4E26-927C-190D6F821595}" srcOrd="0" destOrd="0" presId="urn:microsoft.com/office/officeart/2016/7/layout/BasicLinearProcessNumbered"/>
     <dgm:cxn modelId="{C0664D4E-760C-4EAD-977C-C4A9C5B56A2C}" type="presOf" srcId="{7719C351-1624-4952-B836-669A2236CE7A}" destId="{ACAA34E6-767F-4D68-B93B-8FDE92B40A4E}" srcOrd="0" destOrd="0" presId="urn:microsoft.com/office/officeart/2016/7/layout/BasicLinearProcessNumbered"/>
     <dgm:cxn modelId="{04E86221-C6C1-41B0-B971-715364DC5496}" srcId="{8C8C5CB6-8D97-4B7A-99DB-2CE5859E52FC}" destId="{F3C78B03-AC34-4B6E-9893-80ABC5B4D408}" srcOrd="0" destOrd="0" parTransId="{2283EF88-DB16-4BDA-A23C-E8B77474016D}" sibTransId="{7719C351-1624-4952-B836-669A2236CE7A}"/>
+    <dgm:cxn modelId="{E5FE79C9-3C3C-4D82-A4D6-B678B44EBD7C}" type="presOf" srcId="{FBE1F35E-1A22-4FA0-B570-2592273E1443}" destId="{E968DE66-CA9E-45CE-808A-DD370F57FB0A}" srcOrd="0" destOrd="0" presId="urn:microsoft.com/office/officeart/2016/7/layout/BasicLinearProcessNumbered"/>
     <dgm:cxn modelId="{9BD8BCEE-E46D-4144-8DFC-9FEAAD793CEE}" type="presOf" srcId="{747CEA16-7606-4CD5-8B24-F474A4E3739B}" destId="{143D6255-AAB4-4045-8F0B-E8BC70E58020}" srcOrd="1" destOrd="0" presId="urn:microsoft.com/office/officeart/2016/7/layout/BasicLinearProcessNumbered"/>
-    <dgm:cxn modelId="{8436B07A-3354-49CA-AAE9-3FEE3C819527}" type="presOf" srcId="{19E745A0-E5B9-4A0B-BB88-6D7DCF47622D}" destId="{0976773B-12B7-4330-9710-1EA00090547F}" srcOrd="0" destOrd="0" presId="urn:microsoft.com/office/officeart/2016/7/layout/BasicLinearProcessNumbered"/>
-    <dgm:cxn modelId="{9B8208B8-FB20-4644-9D21-7FB83E59A9C6}" type="presOf" srcId="{98530C36-F109-4607-BFDE-BC391E73C4BC}" destId="{545AB69D-C7F1-425F-BDAA-870E1BD9236D}" srcOrd="0" destOrd="0" presId="urn:microsoft.com/office/officeart/2016/7/layout/BasicLinearProcessNumbered"/>
     <dgm:cxn modelId="{7AFEC5E9-1F9D-42CA-AD50-926B66F69366}" type="presOf" srcId="{8C8C5CB6-8D97-4B7A-99DB-2CE5859E52FC}" destId="{0C9C758F-9459-448C-8390-8921205C193F}" srcOrd="0" destOrd="0" presId="urn:microsoft.com/office/officeart/2016/7/layout/BasicLinearProcessNumbered"/>
-    <dgm:cxn modelId="{F7016E09-DE31-47DA-99CA-4DB0F80757BA}" type="presOf" srcId="{874AABA0-E5A4-4AB0-B6CA-03C561803974}" destId="{9351060C-ACBE-49AC-A648-BD79B54DE694}" srcOrd="0" destOrd="0" presId="urn:microsoft.com/office/officeart/2016/7/layout/BasicLinearProcessNumbered"/>
-    <dgm:cxn modelId="{A8E11577-776D-47E2-8828-2E7AC760842F}" type="presOf" srcId="{747CEA16-7606-4CD5-8B24-F474A4E3739B}" destId="{BDDD252A-8513-4EDC-B14E-9597C7BD7549}" srcOrd="0" destOrd="0" presId="urn:microsoft.com/office/officeart/2016/7/layout/BasicLinearProcessNumbered"/>
-    <dgm:cxn modelId="{E51DA8E2-7E29-4650-BD4B-BA45A96D6F10}" srcId="{8C8C5CB6-8D97-4B7A-99DB-2CE5859E52FC}" destId="{874AABA0-E5A4-4AB0-B6CA-03C561803974}" srcOrd="3" destOrd="0" parTransId="{8A063C10-EB1C-4F73-A357-B7F6848AF871}" sibTransId="{19E745A0-E5B9-4A0B-BB88-6D7DCF47622D}"/>
-    <dgm:cxn modelId="{BEBA1F02-3FE4-4126-9EBB-F8A846A31D06}" type="presOf" srcId="{51988A88-3DCB-4B61-9998-FAAA88AC3653}" destId="{DE5A761A-F766-4E26-927C-190D6F821595}" srcOrd="0" destOrd="0" presId="urn:microsoft.com/office/officeart/2016/7/layout/BasicLinearProcessNumbered"/>
-    <dgm:cxn modelId="{A7C1085A-CDED-4D32-AF16-A1C908924C22}" srcId="{8C8C5CB6-8D97-4B7A-99DB-2CE5859E52FC}" destId="{98530C36-F109-4607-BFDE-BC391E73C4BC}" srcOrd="2" destOrd="0" parTransId="{5F59E2C3-9ABA-45D6-B273-0DF6B9BBFAD0}" sibTransId="{9C3C60AF-6A38-4D80-8A0D-4279AD83CE63}"/>
-    <dgm:cxn modelId="{89EF3C1F-C3F3-44C5-8221-CD69533D7436}" type="presOf" srcId="{9C3C60AF-6A38-4D80-8A0D-4279AD83CE63}" destId="{270DAA37-033C-4FBF-B3C5-F3259E1520CB}" srcOrd="0" destOrd="0" presId="urn:microsoft.com/office/officeart/2016/7/layout/BasicLinearProcessNumbered"/>
-    <dgm:cxn modelId="{67C824D3-D0AB-4842-B4BA-B906B3481EF9}" srcId="{8C8C5CB6-8D97-4B7A-99DB-2CE5859E52FC}" destId="{747CEA16-7606-4CD5-8B24-F474A4E3739B}" srcOrd="1" destOrd="0" parTransId="{A715A50B-8AC1-47B8-8D82-AACF5F26B82E}" sibTransId="{51988A88-3DCB-4B61-9998-FAAA88AC3653}"/>
-    <dgm:cxn modelId="{12F980FE-8A74-4594-8827-EBC3D3092688}" type="presOf" srcId="{F3C78B03-AC34-4B6E-9893-80ABC5B4D408}" destId="{C5ED34C5-90E3-43EA-914E-0CE8BF6B2AB4}" srcOrd="1" destOrd="0" presId="urn:microsoft.com/office/officeart/2016/7/layout/BasicLinearProcessNumbered"/>
-    <dgm:cxn modelId="{657CF033-0F23-49D3-9672-1CC3095C3DBE}" type="presOf" srcId="{874AABA0-E5A4-4AB0-B6CA-03C561803974}" destId="{0E48C784-2E8C-4E2A-AF68-35FCF40F2DC7}" srcOrd="1" destOrd="0" presId="urn:microsoft.com/office/officeart/2016/7/layout/BasicLinearProcessNumbered"/>
-    <dgm:cxn modelId="{98EE4C95-41AE-44F6-8936-BF193358840F}" type="presOf" srcId="{98530C36-F109-4607-BFDE-BC391E73C4BC}" destId="{7182F2E8-0FE4-40E2-90AF-E52FC6ACB532}" srcOrd="1" destOrd="0" presId="urn:microsoft.com/office/officeart/2016/7/layout/BasicLinearProcessNumbered"/>
-    <dgm:cxn modelId="{8974113F-514B-44EF-AD65-130C72F94C76}" type="presOf" srcId="{F3C78B03-AC34-4B6E-9893-80ABC5B4D408}" destId="{C10D3F62-C659-484C-A945-0401FE9F6EC5}" srcOrd="0" destOrd="0" presId="urn:microsoft.com/office/officeart/2016/7/layout/BasicLinearProcessNumbered"/>
     <dgm:cxn modelId="{232A514F-0D0A-477E-B361-BBE8EE53AC47}" type="presParOf" srcId="{0C9C758F-9459-448C-8390-8921205C193F}" destId="{871246F3-01F0-4D41-944C-BC39DDC003C6}" srcOrd="0" destOrd="0" presId="urn:microsoft.com/office/officeart/2016/7/layout/BasicLinearProcessNumbered"/>
     <dgm:cxn modelId="{AD724027-0985-4135-8D25-EC1D6D2B07A6}" type="presParOf" srcId="{871246F3-01F0-4D41-944C-BC39DDC003C6}" destId="{C10D3F62-C659-484C-A945-0401FE9F6EC5}" srcOrd="0" destOrd="0" presId="urn:microsoft.com/office/officeart/2016/7/layout/BasicLinearProcessNumbered"/>
     <dgm:cxn modelId="{2B813E3D-1282-4521-828E-83308EFF7F59}" type="presParOf" srcId="{871246F3-01F0-4D41-944C-BC39DDC003C6}" destId="{ACAA34E6-767F-4D68-B93B-8FDE92B40A4E}" srcOrd="1" destOrd="0" presId="urn:microsoft.com/office/officeart/2016/7/layout/BasicLinearProcessNumbered"/>
@@ -3529,17 +2036,17 @@
     <dgm:cxn modelId="{9BFB245C-A8FE-40CA-A39A-5C2B7AB1D4FF}" type="presParOf" srcId="{69DE20A1-85A1-48DC-A029-306C9DA58D11}" destId="{E03BC08E-6F70-4B97-A67C-A723048DDFDA}" srcOrd="2" destOrd="0" presId="urn:microsoft.com/office/officeart/2016/7/layout/BasicLinearProcessNumbered"/>
     <dgm:cxn modelId="{92FF8DFB-76D7-48B8-88A2-3B937C7E9FEF}" type="presParOf" srcId="{69DE20A1-85A1-48DC-A029-306C9DA58D11}" destId="{143D6255-AAB4-4045-8F0B-E8BC70E58020}" srcOrd="3" destOrd="0" presId="urn:microsoft.com/office/officeart/2016/7/layout/BasicLinearProcessNumbered"/>
     <dgm:cxn modelId="{744BABE3-658D-4C8C-A0D6-97F5D3DFD9E3}" type="presParOf" srcId="{0C9C758F-9459-448C-8390-8921205C193F}" destId="{D838365F-D758-4AC0-8868-4A9A8259DCD8}" srcOrd="3" destOrd="0" presId="urn:microsoft.com/office/officeart/2016/7/layout/BasicLinearProcessNumbered"/>
-    <dgm:cxn modelId="{C8A344B9-A21A-4607-810C-EBFC4533ACA7}" type="presParOf" srcId="{0C9C758F-9459-448C-8390-8921205C193F}" destId="{A859A5ED-96DB-4767-9556-5300945B427F}" srcOrd="4" destOrd="0" presId="urn:microsoft.com/office/officeart/2016/7/layout/BasicLinearProcessNumbered"/>
-    <dgm:cxn modelId="{34481E39-6D3C-4AA7-878C-5B56CF21AA96}" type="presParOf" srcId="{A859A5ED-96DB-4767-9556-5300945B427F}" destId="{545AB69D-C7F1-425F-BDAA-870E1BD9236D}" srcOrd="0" destOrd="0" presId="urn:microsoft.com/office/officeart/2016/7/layout/BasicLinearProcessNumbered"/>
-    <dgm:cxn modelId="{CF81F6B3-CF37-42A0-9FC4-66C76BCF33B7}" type="presParOf" srcId="{A859A5ED-96DB-4767-9556-5300945B427F}" destId="{270DAA37-033C-4FBF-B3C5-F3259E1520CB}" srcOrd="1" destOrd="0" presId="urn:microsoft.com/office/officeart/2016/7/layout/BasicLinearProcessNumbered"/>
-    <dgm:cxn modelId="{C0586304-CE1B-4081-96B1-3679865FFA95}" type="presParOf" srcId="{A859A5ED-96DB-4767-9556-5300945B427F}" destId="{E95DFE27-C7D9-4A44-BB57-62A16A41A767}" srcOrd="2" destOrd="0" presId="urn:microsoft.com/office/officeart/2016/7/layout/BasicLinearProcessNumbered"/>
-    <dgm:cxn modelId="{934898EC-DF2E-4C15-9AAA-DED902678095}" type="presParOf" srcId="{A859A5ED-96DB-4767-9556-5300945B427F}" destId="{7182F2E8-0FE4-40E2-90AF-E52FC6ACB532}" srcOrd="3" destOrd="0" presId="urn:microsoft.com/office/officeart/2016/7/layout/BasicLinearProcessNumbered"/>
-    <dgm:cxn modelId="{C0C7EAE4-E546-4F9D-9350-419DF4457F6A}" type="presParOf" srcId="{0C9C758F-9459-448C-8390-8921205C193F}" destId="{8E0B8FDC-5743-4065-9274-857808D840DB}" srcOrd="5" destOrd="0" presId="urn:microsoft.com/office/officeart/2016/7/layout/BasicLinearProcessNumbered"/>
-    <dgm:cxn modelId="{D56D385B-5EFE-4552-BEAE-88EAADED6699}" type="presParOf" srcId="{0C9C758F-9459-448C-8390-8921205C193F}" destId="{B5FD2AC5-F02B-4AD5-9DE5-59E7093B607F}" srcOrd="6" destOrd="0" presId="urn:microsoft.com/office/officeart/2016/7/layout/BasicLinearProcessNumbered"/>
+    <dgm:cxn modelId="{D56D385B-5EFE-4552-BEAE-88EAADED6699}" type="presParOf" srcId="{0C9C758F-9459-448C-8390-8921205C193F}" destId="{B5FD2AC5-F02B-4AD5-9DE5-59E7093B607F}" srcOrd="4" destOrd="0" presId="urn:microsoft.com/office/officeart/2016/7/layout/BasicLinearProcessNumbered"/>
     <dgm:cxn modelId="{4B2D1D64-685C-4713-9A9F-A1C5BF05B6D1}" type="presParOf" srcId="{B5FD2AC5-F02B-4AD5-9DE5-59E7093B607F}" destId="{9351060C-ACBE-49AC-A648-BD79B54DE694}" srcOrd="0" destOrd="0" presId="urn:microsoft.com/office/officeart/2016/7/layout/BasicLinearProcessNumbered"/>
     <dgm:cxn modelId="{CFF578BA-E83C-42D0-9BDD-08847265FFF0}" type="presParOf" srcId="{B5FD2AC5-F02B-4AD5-9DE5-59E7093B607F}" destId="{0976773B-12B7-4330-9710-1EA00090547F}" srcOrd="1" destOrd="0" presId="urn:microsoft.com/office/officeart/2016/7/layout/BasicLinearProcessNumbered"/>
     <dgm:cxn modelId="{0042A6A3-28E7-4EF6-A645-1DFFEC09DDC5}" type="presParOf" srcId="{B5FD2AC5-F02B-4AD5-9DE5-59E7093B607F}" destId="{865066A0-097F-4E6D-9502-9C489920F2EC}" srcOrd="2" destOrd="0" presId="urn:microsoft.com/office/officeart/2016/7/layout/BasicLinearProcessNumbered"/>
     <dgm:cxn modelId="{931EB386-B672-4403-855D-C2732BB4B5B5}" type="presParOf" srcId="{B5FD2AC5-F02B-4AD5-9DE5-59E7093B607F}" destId="{0E48C784-2E8C-4E2A-AF68-35FCF40F2DC7}" srcOrd="3" destOrd="0" presId="urn:microsoft.com/office/officeart/2016/7/layout/BasicLinearProcessNumbered"/>
+    <dgm:cxn modelId="{42937A2C-E131-4C66-8840-AD75EDD4203C}" type="presParOf" srcId="{0C9C758F-9459-448C-8390-8921205C193F}" destId="{D51DCD39-039D-42C4-B011-C18DD90D9AE3}" srcOrd="5" destOrd="0" presId="urn:microsoft.com/office/officeart/2016/7/layout/BasicLinearProcessNumbered"/>
+    <dgm:cxn modelId="{25293069-E14C-4907-83C0-C2CC8EBFE4C8}" type="presParOf" srcId="{0C9C758F-9459-448C-8390-8921205C193F}" destId="{105E370F-4735-459F-9D87-548A7E4E1BE8}" srcOrd="6" destOrd="0" presId="urn:microsoft.com/office/officeart/2016/7/layout/BasicLinearProcessNumbered"/>
+    <dgm:cxn modelId="{1F7CE379-4139-48F2-B6D9-2EA9A0CCABC3}" type="presParOf" srcId="{105E370F-4735-459F-9D87-548A7E4E1BE8}" destId="{E968DE66-CA9E-45CE-808A-DD370F57FB0A}" srcOrd="0" destOrd="0" presId="urn:microsoft.com/office/officeart/2016/7/layout/BasicLinearProcessNumbered"/>
+    <dgm:cxn modelId="{2173B3C0-B3AC-4E54-A7A4-91852BB9CD3B}" type="presParOf" srcId="{105E370F-4735-459F-9D87-548A7E4E1BE8}" destId="{15AD6B92-D490-41C7-9E6D-5730CBD915AD}" srcOrd="1" destOrd="0" presId="urn:microsoft.com/office/officeart/2016/7/layout/BasicLinearProcessNumbered"/>
+    <dgm:cxn modelId="{97389FEB-04C2-4BA0-A352-E0EB753F256E}" type="presParOf" srcId="{105E370F-4735-459F-9D87-548A7E4E1BE8}" destId="{00D740B6-08E7-4770-96B4-A65BF65E5FF1}" srcOrd="2" destOrd="0" presId="urn:microsoft.com/office/officeart/2016/7/layout/BasicLinearProcessNumbered"/>
+    <dgm:cxn modelId="{AEE82C4D-AE8E-42A0-B480-0025BAC4DB5A}" type="presParOf" srcId="{105E370F-4735-459F-9D87-548A7E4E1BE8}" destId="{0377A79F-208C-4E19-8AD9-2BD1D8C041C9}" srcOrd="3" destOrd="0" presId="urn:microsoft.com/office/officeart/2016/7/layout/BasicLinearProcessNumbered"/>
   </dgm:cxnLst>
   <dgm:bg/>
   <dgm:whole/>
@@ -3552,900 +2059,6 @@
 </file>
 
 <file path=ppt/diagrams/data2.xml><?xml version="1.0" encoding="utf-8"?>
-<dgm:dataModel xmlns:dgm="http://schemas.openxmlformats.org/drawingml/2006/diagram" xmlns:a="http://schemas.openxmlformats.org/drawingml/2006/main">
-  <dgm:ptLst>
-    <dgm:pt modelId="{8C8C5CB6-8D97-4B7A-99DB-2CE5859E52FC}" type="doc">
-      <dgm:prSet loTypeId="urn:microsoft.com/office/officeart/2016/7/layout/BasicLinearProcessNumbered" loCatId="process" qsTypeId="urn:microsoft.com/office/officeart/2005/8/quickstyle/simple1" qsCatId="simple" csTypeId="urn:microsoft.com/office/officeart/2005/8/colors/ColorSchemeForSuggestions" csCatId="other" phldr="1"/>
-      <dgm:spPr/>
-      <dgm:t>
-        <a:bodyPr/>
-        <a:lstStyle/>
-        <a:p>
-          <a:endParaRPr lang="en-US"/>
-        </a:p>
-      </dgm:t>
-    </dgm:pt>
-    <dgm:pt modelId="{F3C78B03-AC34-4B6E-9893-80ABC5B4D408}">
-      <dgm:prSet custT="1"/>
-      <dgm:spPr/>
-      <dgm:t>
-        <a:bodyPr/>
-        <a:lstStyle/>
-        <a:p>
-          <a:pPr algn="ctr"/>
-          <a:r>
-            <a:rPr lang="en-US" sz="2000" dirty="0"/>
-            <a:t>Login</a:t>
-          </a:r>
-        </a:p>
-        <a:p>
-          <a:pPr algn="ctr"/>
-          <a:r>
-            <a:rPr lang="en-US" sz="1600" dirty="0"/>
-            <a:t>Facebook for Trust</a:t>
-          </a:r>
-        </a:p>
-      </dgm:t>
-    </dgm:pt>
-    <dgm:pt modelId="{2283EF88-DB16-4BDA-A23C-E8B77474016D}" type="parTrans" cxnId="{04E86221-C6C1-41B0-B971-715364DC5496}">
-      <dgm:prSet/>
-      <dgm:spPr/>
-      <dgm:t>
-        <a:bodyPr/>
-        <a:lstStyle/>
-        <a:p>
-          <a:endParaRPr lang="en-US"/>
-        </a:p>
-      </dgm:t>
-    </dgm:pt>
-    <dgm:pt modelId="{7719C351-1624-4952-B836-669A2236CE7A}" type="sibTrans" cxnId="{04E86221-C6C1-41B0-B971-715364DC5496}">
-      <dgm:prSet phldrT="1" phldr="0"/>
-      <dgm:spPr>
-        <a:solidFill>
-          <a:srgbClr val="43B02A"/>
-        </a:solidFill>
-      </dgm:spPr>
-      <dgm:t>
-        <a:bodyPr/>
-        <a:lstStyle/>
-        <a:p>
-          <a:r>
-            <a:rPr lang="en-US" dirty="0"/>
-            <a:t>1</a:t>
-          </a:r>
-        </a:p>
-      </dgm:t>
-    </dgm:pt>
-    <dgm:pt modelId="{747CEA16-7606-4CD5-8B24-F474A4E3739B}">
-      <dgm:prSet custT="1"/>
-      <dgm:spPr/>
-      <dgm:t>
-        <a:bodyPr/>
-        <a:lstStyle/>
-        <a:p>
-          <a:pPr algn="ctr"/>
-          <a:r>
-            <a:rPr lang="en-US" sz="2000" dirty="0"/>
-            <a:t>UI</a:t>
-          </a:r>
-        </a:p>
-        <a:p>
-          <a:pPr algn="ctr"/>
-          <a:r>
-            <a:rPr lang="en-US" sz="1600" dirty="0"/>
-            <a:t>Fun and intuitive</a:t>
-          </a:r>
-        </a:p>
-      </dgm:t>
-    </dgm:pt>
-    <dgm:pt modelId="{A715A50B-8AC1-47B8-8D82-AACF5F26B82E}" type="parTrans" cxnId="{67C824D3-D0AB-4842-B4BA-B906B3481EF9}">
-      <dgm:prSet/>
-      <dgm:spPr/>
-      <dgm:t>
-        <a:bodyPr/>
-        <a:lstStyle/>
-        <a:p>
-          <a:endParaRPr lang="en-US"/>
-        </a:p>
-      </dgm:t>
-    </dgm:pt>
-    <dgm:pt modelId="{51988A88-3DCB-4B61-9998-FAAA88AC3653}" type="sibTrans" cxnId="{67C824D3-D0AB-4842-B4BA-B906B3481EF9}">
-      <dgm:prSet phldrT="2" phldr="0"/>
-      <dgm:spPr>
-        <a:solidFill>
-          <a:srgbClr val="43B02A"/>
-        </a:solidFill>
-      </dgm:spPr>
-      <dgm:t>
-        <a:bodyPr/>
-        <a:lstStyle/>
-        <a:p>
-          <a:r>
-            <a:rPr lang="en-US" dirty="0"/>
-            <a:t>2</a:t>
-          </a:r>
-        </a:p>
-      </dgm:t>
-    </dgm:pt>
-    <dgm:pt modelId="{98530C36-F109-4607-BFDE-BC391E73C4BC}">
-      <dgm:prSet custT="1"/>
-      <dgm:spPr/>
-      <dgm:t>
-        <a:bodyPr/>
-        <a:lstStyle/>
-        <a:p>
-          <a:pPr algn="ctr"/>
-          <a:r>
-            <a:rPr lang="en-US" sz="2000" dirty="0"/>
-            <a:t>Flow</a:t>
-          </a:r>
-        </a:p>
-        <a:p>
-          <a:pPr algn="ctr"/>
-          <a:r>
-            <a:rPr lang="en-US" sz="1600" dirty="0"/>
-            <a:t>Minimum clicks from launch to publish</a:t>
-          </a:r>
-        </a:p>
-      </dgm:t>
-    </dgm:pt>
-    <dgm:pt modelId="{5F59E2C3-9ABA-45D6-B273-0DF6B9BBFAD0}" type="parTrans" cxnId="{A7C1085A-CDED-4D32-AF16-A1C908924C22}">
-      <dgm:prSet/>
-      <dgm:spPr/>
-      <dgm:t>
-        <a:bodyPr/>
-        <a:lstStyle/>
-        <a:p>
-          <a:endParaRPr lang="en-US"/>
-        </a:p>
-      </dgm:t>
-    </dgm:pt>
-    <dgm:pt modelId="{9C3C60AF-6A38-4D80-8A0D-4279AD83CE63}" type="sibTrans" cxnId="{A7C1085A-CDED-4D32-AF16-A1C908924C22}">
-      <dgm:prSet phldrT="3" phldr="0"/>
-      <dgm:spPr>
-        <a:solidFill>
-          <a:srgbClr val="43B02A"/>
-        </a:solidFill>
-      </dgm:spPr>
-      <dgm:t>
-        <a:bodyPr/>
-        <a:lstStyle/>
-        <a:p>
-          <a:r>
-            <a:rPr lang="en-US" dirty="0"/>
-            <a:t>3</a:t>
-          </a:r>
-        </a:p>
-      </dgm:t>
-    </dgm:pt>
-    <dgm:pt modelId="{874AABA0-E5A4-4AB0-B6CA-03C561803974}">
-      <dgm:prSet custT="1"/>
-      <dgm:spPr/>
-      <dgm:t>
-        <a:bodyPr/>
-        <a:lstStyle/>
-        <a:p>
-          <a:pPr algn="ctr"/>
-          <a:r>
-            <a:rPr lang="en-US" sz="2000" dirty="0"/>
-            <a:t>Discovery</a:t>
-          </a:r>
-        </a:p>
-        <a:p>
-          <a:pPr algn="ctr"/>
-          <a:r>
-            <a:rPr lang="en-US" sz="1600" dirty="0"/>
-            <a:t>Intelligent messaging</a:t>
-          </a:r>
-        </a:p>
-      </dgm:t>
-    </dgm:pt>
-    <dgm:pt modelId="{8A063C10-EB1C-4F73-A357-B7F6848AF871}" type="parTrans" cxnId="{E51DA8E2-7E29-4650-BD4B-BA45A96D6F10}">
-      <dgm:prSet/>
-      <dgm:spPr/>
-      <dgm:t>
-        <a:bodyPr/>
-        <a:lstStyle/>
-        <a:p>
-          <a:endParaRPr lang="en-US"/>
-        </a:p>
-      </dgm:t>
-    </dgm:pt>
-    <dgm:pt modelId="{19E745A0-E5B9-4A0B-BB88-6D7DCF47622D}" type="sibTrans" cxnId="{E51DA8E2-7E29-4650-BD4B-BA45A96D6F10}">
-      <dgm:prSet phldrT="4" phldr="0"/>
-      <dgm:spPr>
-        <a:solidFill>
-          <a:srgbClr val="43B02A"/>
-        </a:solidFill>
-      </dgm:spPr>
-      <dgm:t>
-        <a:bodyPr/>
-        <a:lstStyle/>
-        <a:p>
-          <a:r>
-            <a:rPr lang="en-US"/>
-            <a:t>4</a:t>
-          </a:r>
-        </a:p>
-      </dgm:t>
-    </dgm:pt>
-    <dgm:pt modelId="{0C9C758F-9459-448C-8390-8921205C193F}" type="pres">
-      <dgm:prSet presAssocID="{8C8C5CB6-8D97-4B7A-99DB-2CE5859E52FC}" presName="Name0" presStyleCnt="0">
-        <dgm:presLayoutVars>
-          <dgm:animLvl val="lvl"/>
-          <dgm:resizeHandles val="exact"/>
-        </dgm:presLayoutVars>
-      </dgm:prSet>
-      <dgm:spPr/>
-    </dgm:pt>
-    <dgm:pt modelId="{871246F3-01F0-4D41-944C-BC39DDC003C6}" type="pres">
-      <dgm:prSet presAssocID="{F3C78B03-AC34-4B6E-9893-80ABC5B4D408}" presName="compositeNode" presStyleCnt="0">
-        <dgm:presLayoutVars>
-          <dgm:bulletEnabled val="1"/>
-        </dgm:presLayoutVars>
-      </dgm:prSet>
-      <dgm:spPr/>
-    </dgm:pt>
-    <dgm:pt modelId="{C10D3F62-C659-484C-A945-0401FE9F6EC5}" type="pres">
-      <dgm:prSet presAssocID="{F3C78B03-AC34-4B6E-9893-80ABC5B4D408}" presName="bgRect" presStyleLbl="bgAccFollowNode1" presStyleIdx="0" presStyleCnt="4"/>
-      <dgm:spPr/>
-    </dgm:pt>
-    <dgm:pt modelId="{ACAA34E6-767F-4D68-B93B-8FDE92B40A4E}" type="pres">
-      <dgm:prSet presAssocID="{7719C351-1624-4952-B836-669A2236CE7A}" presName="sibTransNodeCircle" presStyleLbl="alignNode1" presStyleIdx="0" presStyleCnt="8">
-        <dgm:presLayoutVars>
-          <dgm:chMax val="0"/>
-          <dgm:bulletEnabled/>
-        </dgm:presLayoutVars>
-      </dgm:prSet>
-      <dgm:spPr/>
-    </dgm:pt>
-    <dgm:pt modelId="{7400FDBD-D909-4EEF-8BE8-F79E84E0AF16}" type="pres">
-      <dgm:prSet presAssocID="{F3C78B03-AC34-4B6E-9893-80ABC5B4D408}" presName="bottomLine" presStyleLbl="alignNode1" presStyleIdx="1" presStyleCnt="8">
-        <dgm:presLayoutVars/>
-      </dgm:prSet>
-      <dgm:spPr/>
-    </dgm:pt>
-    <dgm:pt modelId="{C5ED34C5-90E3-43EA-914E-0CE8BF6B2AB4}" type="pres">
-      <dgm:prSet presAssocID="{F3C78B03-AC34-4B6E-9893-80ABC5B4D408}" presName="nodeText" presStyleLbl="bgAccFollowNode1" presStyleIdx="0" presStyleCnt="4">
-        <dgm:presLayoutVars>
-          <dgm:bulletEnabled val="1"/>
-        </dgm:presLayoutVars>
-      </dgm:prSet>
-      <dgm:spPr/>
-    </dgm:pt>
-    <dgm:pt modelId="{5898B472-CA81-4DC0-85D7-1205775260F7}" type="pres">
-      <dgm:prSet presAssocID="{7719C351-1624-4952-B836-669A2236CE7A}" presName="sibTrans" presStyleCnt="0"/>
-      <dgm:spPr/>
-    </dgm:pt>
-    <dgm:pt modelId="{69DE20A1-85A1-48DC-A029-306C9DA58D11}" type="pres">
-      <dgm:prSet presAssocID="{747CEA16-7606-4CD5-8B24-F474A4E3739B}" presName="compositeNode" presStyleCnt="0">
-        <dgm:presLayoutVars>
-          <dgm:bulletEnabled val="1"/>
-        </dgm:presLayoutVars>
-      </dgm:prSet>
-      <dgm:spPr/>
-    </dgm:pt>
-    <dgm:pt modelId="{BDDD252A-8513-4EDC-B14E-9597C7BD7549}" type="pres">
-      <dgm:prSet presAssocID="{747CEA16-7606-4CD5-8B24-F474A4E3739B}" presName="bgRect" presStyleLbl="bgAccFollowNode1" presStyleIdx="1" presStyleCnt="4"/>
-      <dgm:spPr/>
-    </dgm:pt>
-    <dgm:pt modelId="{DE5A761A-F766-4E26-927C-190D6F821595}" type="pres">
-      <dgm:prSet presAssocID="{51988A88-3DCB-4B61-9998-FAAA88AC3653}" presName="sibTransNodeCircle" presStyleLbl="alignNode1" presStyleIdx="2" presStyleCnt="8">
-        <dgm:presLayoutVars>
-          <dgm:chMax val="0"/>
-          <dgm:bulletEnabled/>
-        </dgm:presLayoutVars>
-      </dgm:prSet>
-      <dgm:spPr/>
-    </dgm:pt>
-    <dgm:pt modelId="{E03BC08E-6F70-4B97-A67C-A723048DDFDA}" type="pres">
-      <dgm:prSet presAssocID="{747CEA16-7606-4CD5-8B24-F474A4E3739B}" presName="bottomLine" presStyleLbl="alignNode1" presStyleIdx="3" presStyleCnt="8">
-        <dgm:presLayoutVars/>
-      </dgm:prSet>
-      <dgm:spPr/>
-    </dgm:pt>
-    <dgm:pt modelId="{143D6255-AAB4-4045-8F0B-E8BC70E58020}" type="pres">
-      <dgm:prSet presAssocID="{747CEA16-7606-4CD5-8B24-F474A4E3739B}" presName="nodeText" presStyleLbl="bgAccFollowNode1" presStyleIdx="1" presStyleCnt="4">
-        <dgm:presLayoutVars>
-          <dgm:bulletEnabled val="1"/>
-        </dgm:presLayoutVars>
-      </dgm:prSet>
-      <dgm:spPr/>
-    </dgm:pt>
-    <dgm:pt modelId="{D838365F-D758-4AC0-8868-4A9A8259DCD8}" type="pres">
-      <dgm:prSet presAssocID="{51988A88-3DCB-4B61-9998-FAAA88AC3653}" presName="sibTrans" presStyleCnt="0"/>
-      <dgm:spPr/>
-    </dgm:pt>
-    <dgm:pt modelId="{A859A5ED-96DB-4767-9556-5300945B427F}" type="pres">
-      <dgm:prSet presAssocID="{98530C36-F109-4607-BFDE-BC391E73C4BC}" presName="compositeNode" presStyleCnt="0">
-        <dgm:presLayoutVars>
-          <dgm:bulletEnabled val="1"/>
-        </dgm:presLayoutVars>
-      </dgm:prSet>
-      <dgm:spPr/>
-    </dgm:pt>
-    <dgm:pt modelId="{545AB69D-C7F1-425F-BDAA-870E1BD9236D}" type="pres">
-      <dgm:prSet presAssocID="{98530C36-F109-4607-BFDE-BC391E73C4BC}" presName="bgRect" presStyleLbl="bgAccFollowNode1" presStyleIdx="2" presStyleCnt="4"/>
-      <dgm:spPr/>
-    </dgm:pt>
-    <dgm:pt modelId="{270DAA37-033C-4FBF-B3C5-F3259E1520CB}" type="pres">
-      <dgm:prSet presAssocID="{9C3C60AF-6A38-4D80-8A0D-4279AD83CE63}" presName="sibTransNodeCircle" presStyleLbl="alignNode1" presStyleIdx="4" presStyleCnt="8">
-        <dgm:presLayoutVars>
-          <dgm:chMax val="0"/>
-          <dgm:bulletEnabled/>
-        </dgm:presLayoutVars>
-      </dgm:prSet>
-      <dgm:spPr/>
-    </dgm:pt>
-    <dgm:pt modelId="{E95DFE27-C7D9-4A44-BB57-62A16A41A767}" type="pres">
-      <dgm:prSet presAssocID="{98530C36-F109-4607-BFDE-BC391E73C4BC}" presName="bottomLine" presStyleLbl="alignNode1" presStyleIdx="5" presStyleCnt="8">
-        <dgm:presLayoutVars/>
-      </dgm:prSet>
-      <dgm:spPr/>
-    </dgm:pt>
-    <dgm:pt modelId="{7182F2E8-0FE4-40E2-90AF-E52FC6ACB532}" type="pres">
-      <dgm:prSet presAssocID="{98530C36-F109-4607-BFDE-BC391E73C4BC}" presName="nodeText" presStyleLbl="bgAccFollowNode1" presStyleIdx="2" presStyleCnt="4">
-        <dgm:presLayoutVars>
-          <dgm:bulletEnabled val="1"/>
-        </dgm:presLayoutVars>
-      </dgm:prSet>
-      <dgm:spPr/>
-    </dgm:pt>
-    <dgm:pt modelId="{8E0B8FDC-5743-4065-9274-857808D840DB}" type="pres">
-      <dgm:prSet presAssocID="{9C3C60AF-6A38-4D80-8A0D-4279AD83CE63}" presName="sibTrans" presStyleCnt="0"/>
-      <dgm:spPr/>
-    </dgm:pt>
-    <dgm:pt modelId="{B5FD2AC5-F02B-4AD5-9DE5-59E7093B607F}" type="pres">
-      <dgm:prSet presAssocID="{874AABA0-E5A4-4AB0-B6CA-03C561803974}" presName="compositeNode" presStyleCnt="0">
-        <dgm:presLayoutVars>
-          <dgm:bulletEnabled val="1"/>
-        </dgm:presLayoutVars>
-      </dgm:prSet>
-      <dgm:spPr/>
-    </dgm:pt>
-    <dgm:pt modelId="{9351060C-ACBE-49AC-A648-BD79B54DE694}" type="pres">
-      <dgm:prSet presAssocID="{874AABA0-E5A4-4AB0-B6CA-03C561803974}" presName="bgRect" presStyleLbl="bgAccFollowNode1" presStyleIdx="3" presStyleCnt="4"/>
-      <dgm:spPr/>
-    </dgm:pt>
-    <dgm:pt modelId="{0976773B-12B7-4330-9710-1EA00090547F}" type="pres">
-      <dgm:prSet presAssocID="{19E745A0-E5B9-4A0B-BB88-6D7DCF47622D}" presName="sibTransNodeCircle" presStyleLbl="alignNode1" presStyleIdx="6" presStyleCnt="8">
-        <dgm:presLayoutVars>
-          <dgm:chMax val="0"/>
-          <dgm:bulletEnabled/>
-        </dgm:presLayoutVars>
-      </dgm:prSet>
-      <dgm:spPr/>
-    </dgm:pt>
-    <dgm:pt modelId="{865066A0-097F-4E6D-9502-9C489920F2EC}" type="pres">
-      <dgm:prSet presAssocID="{874AABA0-E5A4-4AB0-B6CA-03C561803974}" presName="bottomLine" presStyleLbl="alignNode1" presStyleIdx="7" presStyleCnt="8">
-        <dgm:presLayoutVars/>
-      </dgm:prSet>
-      <dgm:spPr/>
-    </dgm:pt>
-    <dgm:pt modelId="{0E48C784-2E8C-4E2A-AF68-35FCF40F2DC7}" type="pres">
-      <dgm:prSet presAssocID="{874AABA0-E5A4-4AB0-B6CA-03C561803974}" presName="nodeText" presStyleLbl="bgAccFollowNode1" presStyleIdx="3" presStyleCnt="4">
-        <dgm:presLayoutVars>
-          <dgm:bulletEnabled val="1"/>
-        </dgm:presLayoutVars>
-      </dgm:prSet>
-      <dgm:spPr/>
-    </dgm:pt>
-  </dgm:ptLst>
-  <dgm:cxnLst>
-    <dgm:cxn modelId="{C0664D4E-760C-4EAD-977C-C4A9C5B56A2C}" type="presOf" srcId="{7719C351-1624-4952-B836-669A2236CE7A}" destId="{ACAA34E6-767F-4D68-B93B-8FDE92B40A4E}" srcOrd="0" destOrd="0" presId="urn:microsoft.com/office/officeart/2016/7/layout/BasicLinearProcessNumbered"/>
-    <dgm:cxn modelId="{04E86221-C6C1-41B0-B971-715364DC5496}" srcId="{8C8C5CB6-8D97-4B7A-99DB-2CE5859E52FC}" destId="{F3C78B03-AC34-4B6E-9893-80ABC5B4D408}" srcOrd="0" destOrd="0" parTransId="{2283EF88-DB16-4BDA-A23C-E8B77474016D}" sibTransId="{7719C351-1624-4952-B836-669A2236CE7A}"/>
-    <dgm:cxn modelId="{9BD8BCEE-E46D-4144-8DFC-9FEAAD793CEE}" type="presOf" srcId="{747CEA16-7606-4CD5-8B24-F474A4E3739B}" destId="{143D6255-AAB4-4045-8F0B-E8BC70E58020}" srcOrd="1" destOrd="0" presId="urn:microsoft.com/office/officeart/2016/7/layout/BasicLinearProcessNumbered"/>
-    <dgm:cxn modelId="{8436B07A-3354-49CA-AAE9-3FEE3C819527}" type="presOf" srcId="{19E745A0-E5B9-4A0B-BB88-6D7DCF47622D}" destId="{0976773B-12B7-4330-9710-1EA00090547F}" srcOrd="0" destOrd="0" presId="urn:microsoft.com/office/officeart/2016/7/layout/BasicLinearProcessNumbered"/>
-    <dgm:cxn modelId="{9B8208B8-FB20-4644-9D21-7FB83E59A9C6}" type="presOf" srcId="{98530C36-F109-4607-BFDE-BC391E73C4BC}" destId="{545AB69D-C7F1-425F-BDAA-870E1BD9236D}" srcOrd="0" destOrd="0" presId="urn:microsoft.com/office/officeart/2016/7/layout/BasicLinearProcessNumbered"/>
-    <dgm:cxn modelId="{7AFEC5E9-1F9D-42CA-AD50-926B66F69366}" type="presOf" srcId="{8C8C5CB6-8D97-4B7A-99DB-2CE5859E52FC}" destId="{0C9C758F-9459-448C-8390-8921205C193F}" srcOrd="0" destOrd="0" presId="urn:microsoft.com/office/officeart/2016/7/layout/BasicLinearProcessNumbered"/>
-    <dgm:cxn modelId="{F7016E09-DE31-47DA-99CA-4DB0F80757BA}" type="presOf" srcId="{874AABA0-E5A4-4AB0-B6CA-03C561803974}" destId="{9351060C-ACBE-49AC-A648-BD79B54DE694}" srcOrd="0" destOrd="0" presId="urn:microsoft.com/office/officeart/2016/7/layout/BasicLinearProcessNumbered"/>
-    <dgm:cxn modelId="{A8E11577-776D-47E2-8828-2E7AC760842F}" type="presOf" srcId="{747CEA16-7606-4CD5-8B24-F474A4E3739B}" destId="{BDDD252A-8513-4EDC-B14E-9597C7BD7549}" srcOrd="0" destOrd="0" presId="urn:microsoft.com/office/officeart/2016/7/layout/BasicLinearProcessNumbered"/>
-    <dgm:cxn modelId="{E51DA8E2-7E29-4650-BD4B-BA45A96D6F10}" srcId="{8C8C5CB6-8D97-4B7A-99DB-2CE5859E52FC}" destId="{874AABA0-E5A4-4AB0-B6CA-03C561803974}" srcOrd="3" destOrd="0" parTransId="{8A063C10-EB1C-4F73-A357-B7F6848AF871}" sibTransId="{19E745A0-E5B9-4A0B-BB88-6D7DCF47622D}"/>
-    <dgm:cxn modelId="{BEBA1F02-3FE4-4126-9EBB-F8A846A31D06}" type="presOf" srcId="{51988A88-3DCB-4B61-9998-FAAA88AC3653}" destId="{DE5A761A-F766-4E26-927C-190D6F821595}" srcOrd="0" destOrd="0" presId="urn:microsoft.com/office/officeart/2016/7/layout/BasicLinearProcessNumbered"/>
-    <dgm:cxn modelId="{A7C1085A-CDED-4D32-AF16-A1C908924C22}" srcId="{8C8C5CB6-8D97-4B7A-99DB-2CE5859E52FC}" destId="{98530C36-F109-4607-BFDE-BC391E73C4BC}" srcOrd="2" destOrd="0" parTransId="{5F59E2C3-9ABA-45D6-B273-0DF6B9BBFAD0}" sibTransId="{9C3C60AF-6A38-4D80-8A0D-4279AD83CE63}"/>
-    <dgm:cxn modelId="{89EF3C1F-C3F3-44C5-8221-CD69533D7436}" type="presOf" srcId="{9C3C60AF-6A38-4D80-8A0D-4279AD83CE63}" destId="{270DAA37-033C-4FBF-B3C5-F3259E1520CB}" srcOrd="0" destOrd="0" presId="urn:microsoft.com/office/officeart/2016/7/layout/BasicLinearProcessNumbered"/>
-    <dgm:cxn modelId="{67C824D3-D0AB-4842-B4BA-B906B3481EF9}" srcId="{8C8C5CB6-8D97-4B7A-99DB-2CE5859E52FC}" destId="{747CEA16-7606-4CD5-8B24-F474A4E3739B}" srcOrd="1" destOrd="0" parTransId="{A715A50B-8AC1-47B8-8D82-AACF5F26B82E}" sibTransId="{51988A88-3DCB-4B61-9998-FAAA88AC3653}"/>
-    <dgm:cxn modelId="{12F980FE-8A74-4594-8827-EBC3D3092688}" type="presOf" srcId="{F3C78B03-AC34-4B6E-9893-80ABC5B4D408}" destId="{C5ED34C5-90E3-43EA-914E-0CE8BF6B2AB4}" srcOrd="1" destOrd="0" presId="urn:microsoft.com/office/officeart/2016/7/layout/BasicLinearProcessNumbered"/>
-    <dgm:cxn modelId="{657CF033-0F23-49D3-9672-1CC3095C3DBE}" type="presOf" srcId="{874AABA0-E5A4-4AB0-B6CA-03C561803974}" destId="{0E48C784-2E8C-4E2A-AF68-35FCF40F2DC7}" srcOrd="1" destOrd="0" presId="urn:microsoft.com/office/officeart/2016/7/layout/BasicLinearProcessNumbered"/>
-    <dgm:cxn modelId="{98EE4C95-41AE-44F6-8936-BF193358840F}" type="presOf" srcId="{98530C36-F109-4607-BFDE-BC391E73C4BC}" destId="{7182F2E8-0FE4-40E2-90AF-E52FC6ACB532}" srcOrd="1" destOrd="0" presId="urn:microsoft.com/office/officeart/2016/7/layout/BasicLinearProcessNumbered"/>
-    <dgm:cxn modelId="{8974113F-514B-44EF-AD65-130C72F94C76}" type="presOf" srcId="{F3C78B03-AC34-4B6E-9893-80ABC5B4D408}" destId="{C10D3F62-C659-484C-A945-0401FE9F6EC5}" srcOrd="0" destOrd="0" presId="urn:microsoft.com/office/officeart/2016/7/layout/BasicLinearProcessNumbered"/>
-    <dgm:cxn modelId="{232A514F-0D0A-477E-B361-BBE8EE53AC47}" type="presParOf" srcId="{0C9C758F-9459-448C-8390-8921205C193F}" destId="{871246F3-01F0-4D41-944C-BC39DDC003C6}" srcOrd="0" destOrd="0" presId="urn:microsoft.com/office/officeart/2016/7/layout/BasicLinearProcessNumbered"/>
-    <dgm:cxn modelId="{AD724027-0985-4135-8D25-EC1D6D2B07A6}" type="presParOf" srcId="{871246F3-01F0-4D41-944C-BC39DDC003C6}" destId="{C10D3F62-C659-484C-A945-0401FE9F6EC5}" srcOrd="0" destOrd="0" presId="urn:microsoft.com/office/officeart/2016/7/layout/BasicLinearProcessNumbered"/>
-    <dgm:cxn modelId="{2B813E3D-1282-4521-828E-83308EFF7F59}" type="presParOf" srcId="{871246F3-01F0-4D41-944C-BC39DDC003C6}" destId="{ACAA34E6-767F-4D68-B93B-8FDE92B40A4E}" srcOrd="1" destOrd="0" presId="urn:microsoft.com/office/officeart/2016/7/layout/BasicLinearProcessNumbered"/>
-    <dgm:cxn modelId="{AB243C08-B50E-4DD9-BE36-BA162F84A0E4}" type="presParOf" srcId="{871246F3-01F0-4D41-944C-BC39DDC003C6}" destId="{7400FDBD-D909-4EEF-8BE8-F79E84E0AF16}" srcOrd="2" destOrd="0" presId="urn:microsoft.com/office/officeart/2016/7/layout/BasicLinearProcessNumbered"/>
-    <dgm:cxn modelId="{5966C346-F0F1-48E3-BC29-619E34938E13}" type="presParOf" srcId="{871246F3-01F0-4D41-944C-BC39DDC003C6}" destId="{C5ED34C5-90E3-43EA-914E-0CE8BF6B2AB4}" srcOrd="3" destOrd="0" presId="urn:microsoft.com/office/officeart/2016/7/layout/BasicLinearProcessNumbered"/>
-    <dgm:cxn modelId="{AA624DB2-855F-45CA-BB02-F9F64C44FE80}" type="presParOf" srcId="{0C9C758F-9459-448C-8390-8921205C193F}" destId="{5898B472-CA81-4DC0-85D7-1205775260F7}" srcOrd="1" destOrd="0" presId="urn:microsoft.com/office/officeart/2016/7/layout/BasicLinearProcessNumbered"/>
-    <dgm:cxn modelId="{ED1E2D42-7934-4C65-BA0B-3833054D4079}" type="presParOf" srcId="{0C9C758F-9459-448C-8390-8921205C193F}" destId="{69DE20A1-85A1-48DC-A029-306C9DA58D11}" srcOrd="2" destOrd="0" presId="urn:microsoft.com/office/officeart/2016/7/layout/BasicLinearProcessNumbered"/>
-    <dgm:cxn modelId="{C11BE99A-D259-4CBE-AE67-8F5BD9F02426}" type="presParOf" srcId="{69DE20A1-85A1-48DC-A029-306C9DA58D11}" destId="{BDDD252A-8513-4EDC-B14E-9597C7BD7549}" srcOrd="0" destOrd="0" presId="urn:microsoft.com/office/officeart/2016/7/layout/BasicLinearProcessNumbered"/>
-    <dgm:cxn modelId="{1CD0CD5F-E7B5-44DE-A4ED-6A9E91C497B0}" type="presParOf" srcId="{69DE20A1-85A1-48DC-A029-306C9DA58D11}" destId="{DE5A761A-F766-4E26-927C-190D6F821595}" srcOrd="1" destOrd="0" presId="urn:microsoft.com/office/officeart/2016/7/layout/BasicLinearProcessNumbered"/>
-    <dgm:cxn modelId="{9BFB245C-A8FE-40CA-A39A-5C2B7AB1D4FF}" type="presParOf" srcId="{69DE20A1-85A1-48DC-A029-306C9DA58D11}" destId="{E03BC08E-6F70-4B97-A67C-A723048DDFDA}" srcOrd="2" destOrd="0" presId="urn:microsoft.com/office/officeart/2016/7/layout/BasicLinearProcessNumbered"/>
-    <dgm:cxn modelId="{92FF8DFB-76D7-48B8-88A2-3B937C7E9FEF}" type="presParOf" srcId="{69DE20A1-85A1-48DC-A029-306C9DA58D11}" destId="{143D6255-AAB4-4045-8F0B-E8BC70E58020}" srcOrd="3" destOrd="0" presId="urn:microsoft.com/office/officeart/2016/7/layout/BasicLinearProcessNumbered"/>
-    <dgm:cxn modelId="{744BABE3-658D-4C8C-A0D6-97F5D3DFD9E3}" type="presParOf" srcId="{0C9C758F-9459-448C-8390-8921205C193F}" destId="{D838365F-D758-4AC0-8868-4A9A8259DCD8}" srcOrd="3" destOrd="0" presId="urn:microsoft.com/office/officeart/2016/7/layout/BasicLinearProcessNumbered"/>
-    <dgm:cxn modelId="{C8A344B9-A21A-4607-810C-EBFC4533ACA7}" type="presParOf" srcId="{0C9C758F-9459-448C-8390-8921205C193F}" destId="{A859A5ED-96DB-4767-9556-5300945B427F}" srcOrd="4" destOrd="0" presId="urn:microsoft.com/office/officeart/2016/7/layout/BasicLinearProcessNumbered"/>
-    <dgm:cxn modelId="{34481E39-6D3C-4AA7-878C-5B56CF21AA96}" type="presParOf" srcId="{A859A5ED-96DB-4767-9556-5300945B427F}" destId="{545AB69D-C7F1-425F-BDAA-870E1BD9236D}" srcOrd="0" destOrd="0" presId="urn:microsoft.com/office/officeart/2016/7/layout/BasicLinearProcessNumbered"/>
-    <dgm:cxn modelId="{CF81F6B3-CF37-42A0-9FC4-66C76BCF33B7}" type="presParOf" srcId="{A859A5ED-96DB-4767-9556-5300945B427F}" destId="{270DAA37-033C-4FBF-B3C5-F3259E1520CB}" srcOrd="1" destOrd="0" presId="urn:microsoft.com/office/officeart/2016/7/layout/BasicLinearProcessNumbered"/>
-    <dgm:cxn modelId="{C0586304-CE1B-4081-96B1-3679865FFA95}" type="presParOf" srcId="{A859A5ED-96DB-4767-9556-5300945B427F}" destId="{E95DFE27-C7D9-4A44-BB57-62A16A41A767}" srcOrd="2" destOrd="0" presId="urn:microsoft.com/office/officeart/2016/7/layout/BasicLinearProcessNumbered"/>
-    <dgm:cxn modelId="{934898EC-DF2E-4C15-9AAA-DED902678095}" type="presParOf" srcId="{A859A5ED-96DB-4767-9556-5300945B427F}" destId="{7182F2E8-0FE4-40E2-90AF-E52FC6ACB532}" srcOrd="3" destOrd="0" presId="urn:microsoft.com/office/officeart/2016/7/layout/BasicLinearProcessNumbered"/>
-    <dgm:cxn modelId="{C0C7EAE4-E546-4F9D-9350-419DF4457F6A}" type="presParOf" srcId="{0C9C758F-9459-448C-8390-8921205C193F}" destId="{8E0B8FDC-5743-4065-9274-857808D840DB}" srcOrd="5" destOrd="0" presId="urn:microsoft.com/office/officeart/2016/7/layout/BasicLinearProcessNumbered"/>
-    <dgm:cxn modelId="{D56D385B-5EFE-4552-BEAE-88EAADED6699}" type="presParOf" srcId="{0C9C758F-9459-448C-8390-8921205C193F}" destId="{B5FD2AC5-F02B-4AD5-9DE5-59E7093B607F}" srcOrd="6" destOrd="0" presId="urn:microsoft.com/office/officeart/2016/7/layout/BasicLinearProcessNumbered"/>
-    <dgm:cxn modelId="{4B2D1D64-685C-4713-9A9F-A1C5BF05B6D1}" type="presParOf" srcId="{B5FD2AC5-F02B-4AD5-9DE5-59E7093B607F}" destId="{9351060C-ACBE-49AC-A648-BD79B54DE694}" srcOrd="0" destOrd="0" presId="urn:microsoft.com/office/officeart/2016/7/layout/BasicLinearProcessNumbered"/>
-    <dgm:cxn modelId="{CFF578BA-E83C-42D0-9BDD-08847265FFF0}" type="presParOf" srcId="{B5FD2AC5-F02B-4AD5-9DE5-59E7093B607F}" destId="{0976773B-12B7-4330-9710-1EA00090547F}" srcOrd="1" destOrd="0" presId="urn:microsoft.com/office/officeart/2016/7/layout/BasicLinearProcessNumbered"/>
-    <dgm:cxn modelId="{0042A6A3-28E7-4EF6-A645-1DFFEC09DDC5}" type="presParOf" srcId="{B5FD2AC5-F02B-4AD5-9DE5-59E7093B607F}" destId="{865066A0-097F-4E6D-9502-9C489920F2EC}" srcOrd="2" destOrd="0" presId="urn:microsoft.com/office/officeart/2016/7/layout/BasicLinearProcessNumbered"/>
-    <dgm:cxn modelId="{931EB386-B672-4403-855D-C2732BB4B5B5}" type="presParOf" srcId="{B5FD2AC5-F02B-4AD5-9DE5-59E7093B607F}" destId="{0E48C784-2E8C-4E2A-AF68-35FCF40F2DC7}" srcOrd="3" destOrd="0" presId="urn:microsoft.com/office/officeart/2016/7/layout/BasicLinearProcessNumbered"/>
-  </dgm:cxnLst>
-  <dgm:bg/>
-  <dgm:whole/>
-  <dgm:extLst>
-    <a:ext uri="http://schemas.microsoft.com/office/drawing/2008/diagram">
-      <dsp:dataModelExt xmlns:dsp="http://schemas.microsoft.com/office/drawing/2008/diagram" relId="rId7" minVer="http://schemas.openxmlformats.org/drawingml/2006/diagram"/>
-    </a:ext>
-  </dgm:extLst>
-</dgm:dataModel>
-</file>
-
-<file path=ppt/diagrams/data3.xml><?xml version="1.0" encoding="utf-8"?>
-<dgm:dataModel xmlns:dgm="http://schemas.openxmlformats.org/drawingml/2006/diagram" xmlns:a="http://schemas.openxmlformats.org/drawingml/2006/main">
-  <dgm:ptLst>
-    <dgm:pt modelId="{8C8C5CB6-8D97-4B7A-99DB-2CE5859E52FC}" type="doc">
-      <dgm:prSet loTypeId="urn:microsoft.com/office/officeart/2016/7/layout/BasicLinearProcessNumbered" loCatId="process" qsTypeId="urn:microsoft.com/office/officeart/2005/8/quickstyle/simple1" qsCatId="simple" csTypeId="urn:microsoft.com/office/officeart/2005/8/colors/ColorSchemeForSuggestions" csCatId="other" phldr="1"/>
-      <dgm:spPr/>
-      <dgm:t>
-        <a:bodyPr/>
-        <a:lstStyle/>
-        <a:p>
-          <a:endParaRPr lang="en-US"/>
-        </a:p>
-      </dgm:t>
-    </dgm:pt>
-    <dgm:pt modelId="{F3C78B03-AC34-4B6E-9893-80ABC5B4D408}">
-      <dgm:prSet custT="1"/>
-      <dgm:spPr/>
-      <dgm:t>
-        <a:bodyPr/>
-        <a:lstStyle/>
-        <a:p>
-          <a:pPr algn="ctr"/>
-          <a:r>
-            <a:rPr lang="en-US" sz="2000" dirty="0"/>
-            <a:t>Android</a:t>
-          </a:r>
-        </a:p>
-        <a:p>
-          <a:pPr algn="ctr"/>
-          <a:r>
-            <a:rPr lang="en-US" sz="1600" dirty="0"/>
-            <a:t>Location Services</a:t>
-          </a:r>
-        </a:p>
-        <a:p>
-          <a:pPr algn="ctr"/>
-          <a:r>
-            <a:rPr lang="en-US" sz="1600" dirty="0"/>
-            <a:t>Camera</a:t>
-          </a:r>
-        </a:p>
-        <a:p>
-          <a:pPr algn="ctr"/>
-          <a:endParaRPr lang="en-US" sz="1600" dirty="0"/>
-        </a:p>
-      </dgm:t>
-    </dgm:pt>
-    <dgm:pt modelId="{2283EF88-DB16-4BDA-A23C-E8B77474016D}" type="parTrans" cxnId="{04E86221-C6C1-41B0-B971-715364DC5496}">
-      <dgm:prSet/>
-      <dgm:spPr/>
-      <dgm:t>
-        <a:bodyPr/>
-        <a:lstStyle/>
-        <a:p>
-          <a:endParaRPr lang="en-US"/>
-        </a:p>
-      </dgm:t>
-    </dgm:pt>
-    <dgm:pt modelId="{7719C351-1624-4952-B836-669A2236CE7A}" type="sibTrans" cxnId="{04E86221-C6C1-41B0-B971-715364DC5496}">
-      <dgm:prSet phldrT="1" phldr="0"/>
-      <dgm:spPr>
-        <a:solidFill>
-          <a:srgbClr val="43B02A"/>
-        </a:solidFill>
-      </dgm:spPr>
-      <dgm:t>
-        <a:bodyPr/>
-        <a:lstStyle/>
-        <a:p>
-          <a:r>
-            <a:rPr lang="en-US" dirty="0"/>
-            <a:t>1</a:t>
-          </a:r>
-        </a:p>
-      </dgm:t>
-    </dgm:pt>
-    <dgm:pt modelId="{747CEA16-7606-4CD5-8B24-F474A4E3739B}">
-      <dgm:prSet custT="1"/>
-      <dgm:spPr/>
-      <dgm:t>
-        <a:bodyPr/>
-        <a:lstStyle/>
-        <a:p>
-          <a:pPr algn="ctr"/>
-          <a:r>
-            <a:rPr lang="en-US" sz="2000" dirty="0"/>
-            <a:t>Firebase </a:t>
-          </a:r>
-        </a:p>
-        <a:p>
-          <a:pPr algn="ctr"/>
-          <a:r>
-            <a:rPr lang="en-US" sz="1600" dirty="0" err="1"/>
-            <a:t>Realtime</a:t>
-          </a:r>
-          <a:r>
-            <a:rPr lang="en-US" sz="1600" dirty="0"/>
-            <a:t> Database</a:t>
-          </a:r>
-        </a:p>
-        <a:p>
-          <a:pPr algn="ctr"/>
-          <a:r>
-            <a:rPr lang="en-US" sz="1600" dirty="0"/>
-            <a:t>Functions</a:t>
-          </a:r>
-        </a:p>
-        <a:p>
-          <a:pPr algn="ctr"/>
-          <a:r>
-            <a:rPr lang="en-US" sz="1600" dirty="0"/>
-            <a:t>Cloud Messaging</a:t>
-          </a:r>
-        </a:p>
-      </dgm:t>
-    </dgm:pt>
-    <dgm:pt modelId="{A715A50B-8AC1-47B8-8D82-AACF5F26B82E}" type="parTrans" cxnId="{67C824D3-D0AB-4842-B4BA-B906B3481EF9}">
-      <dgm:prSet/>
-      <dgm:spPr/>
-      <dgm:t>
-        <a:bodyPr/>
-        <a:lstStyle/>
-        <a:p>
-          <a:endParaRPr lang="en-US"/>
-        </a:p>
-      </dgm:t>
-    </dgm:pt>
-    <dgm:pt modelId="{51988A88-3DCB-4B61-9998-FAAA88AC3653}" type="sibTrans" cxnId="{67C824D3-D0AB-4842-B4BA-B906B3481EF9}">
-      <dgm:prSet phldrT="2" phldr="0"/>
-      <dgm:spPr>
-        <a:solidFill>
-          <a:srgbClr val="43B02A"/>
-        </a:solidFill>
-      </dgm:spPr>
-      <dgm:t>
-        <a:bodyPr/>
-        <a:lstStyle/>
-        <a:p>
-          <a:r>
-            <a:rPr lang="en-US" dirty="0"/>
-            <a:t>2</a:t>
-          </a:r>
-        </a:p>
-      </dgm:t>
-    </dgm:pt>
-    <dgm:pt modelId="{98530C36-F109-4607-BFDE-BC391E73C4BC}">
-      <dgm:prSet custT="1"/>
-      <dgm:spPr/>
-      <dgm:t>
-        <a:bodyPr/>
-        <a:lstStyle/>
-        <a:p>
-          <a:pPr algn="ctr"/>
-          <a:r>
-            <a:rPr lang="en-US" sz="2000" dirty="0"/>
-            <a:t>Third Party Libraries</a:t>
-          </a:r>
-        </a:p>
-        <a:p>
-          <a:pPr algn="ctr"/>
-          <a:r>
-            <a:rPr lang="en-US" sz="1600" dirty="0"/>
-            <a:t>Animation</a:t>
-          </a:r>
-        </a:p>
-        <a:p>
-          <a:pPr algn="ctr"/>
-          <a:r>
-            <a:rPr lang="en-US" sz="1600" dirty="0"/>
-            <a:t>Gestures</a:t>
-          </a:r>
-        </a:p>
-      </dgm:t>
-    </dgm:pt>
-    <dgm:pt modelId="{5F59E2C3-9ABA-45D6-B273-0DF6B9BBFAD0}" type="parTrans" cxnId="{A7C1085A-CDED-4D32-AF16-A1C908924C22}">
-      <dgm:prSet/>
-      <dgm:spPr/>
-      <dgm:t>
-        <a:bodyPr/>
-        <a:lstStyle/>
-        <a:p>
-          <a:endParaRPr lang="en-US"/>
-        </a:p>
-      </dgm:t>
-    </dgm:pt>
-    <dgm:pt modelId="{9C3C60AF-6A38-4D80-8A0D-4279AD83CE63}" type="sibTrans" cxnId="{A7C1085A-CDED-4D32-AF16-A1C908924C22}">
-      <dgm:prSet phldrT="3" phldr="0"/>
-      <dgm:spPr>
-        <a:solidFill>
-          <a:srgbClr val="43B02A"/>
-        </a:solidFill>
-      </dgm:spPr>
-      <dgm:t>
-        <a:bodyPr/>
-        <a:lstStyle/>
-        <a:p>
-          <a:r>
-            <a:rPr lang="en-US" dirty="0"/>
-            <a:t>3</a:t>
-          </a:r>
-        </a:p>
-      </dgm:t>
-    </dgm:pt>
-    <dgm:pt modelId="{874AABA0-E5A4-4AB0-B6CA-03C561803974}">
-      <dgm:prSet custT="1"/>
-      <dgm:spPr/>
-      <dgm:t>
-        <a:bodyPr/>
-        <a:lstStyle/>
-        <a:p>
-          <a:pPr algn="ctr"/>
-          <a:r>
-            <a:rPr lang="en-US" sz="2000" dirty="0"/>
-            <a:t>Anything else?</a:t>
-          </a:r>
-          <a:endParaRPr lang="en-US" sz="1600" dirty="0"/>
-        </a:p>
-      </dgm:t>
-    </dgm:pt>
-    <dgm:pt modelId="{8A063C10-EB1C-4F73-A357-B7F6848AF871}" type="parTrans" cxnId="{E51DA8E2-7E29-4650-BD4B-BA45A96D6F10}">
-      <dgm:prSet/>
-      <dgm:spPr/>
-      <dgm:t>
-        <a:bodyPr/>
-        <a:lstStyle/>
-        <a:p>
-          <a:endParaRPr lang="en-US"/>
-        </a:p>
-      </dgm:t>
-    </dgm:pt>
-    <dgm:pt modelId="{19E745A0-E5B9-4A0B-BB88-6D7DCF47622D}" type="sibTrans" cxnId="{E51DA8E2-7E29-4650-BD4B-BA45A96D6F10}">
-      <dgm:prSet phldrT="4" phldr="0"/>
-      <dgm:spPr>
-        <a:solidFill>
-          <a:srgbClr val="43B02A"/>
-        </a:solidFill>
-      </dgm:spPr>
-      <dgm:t>
-        <a:bodyPr/>
-        <a:lstStyle/>
-        <a:p>
-          <a:r>
-            <a:rPr lang="en-US"/>
-            <a:t>4</a:t>
-          </a:r>
-        </a:p>
-      </dgm:t>
-    </dgm:pt>
-    <dgm:pt modelId="{0C9C758F-9459-448C-8390-8921205C193F}" type="pres">
-      <dgm:prSet presAssocID="{8C8C5CB6-8D97-4B7A-99DB-2CE5859E52FC}" presName="Name0" presStyleCnt="0">
-        <dgm:presLayoutVars>
-          <dgm:animLvl val="lvl"/>
-          <dgm:resizeHandles val="exact"/>
-        </dgm:presLayoutVars>
-      </dgm:prSet>
-      <dgm:spPr/>
-    </dgm:pt>
-    <dgm:pt modelId="{871246F3-01F0-4D41-944C-BC39DDC003C6}" type="pres">
-      <dgm:prSet presAssocID="{F3C78B03-AC34-4B6E-9893-80ABC5B4D408}" presName="compositeNode" presStyleCnt="0">
-        <dgm:presLayoutVars>
-          <dgm:bulletEnabled val="1"/>
-        </dgm:presLayoutVars>
-      </dgm:prSet>
-      <dgm:spPr/>
-    </dgm:pt>
-    <dgm:pt modelId="{C10D3F62-C659-484C-A945-0401FE9F6EC5}" type="pres">
-      <dgm:prSet presAssocID="{F3C78B03-AC34-4B6E-9893-80ABC5B4D408}" presName="bgRect" presStyleLbl="bgAccFollowNode1" presStyleIdx="0" presStyleCnt="4"/>
-      <dgm:spPr/>
-    </dgm:pt>
-    <dgm:pt modelId="{ACAA34E6-767F-4D68-B93B-8FDE92B40A4E}" type="pres">
-      <dgm:prSet presAssocID="{7719C351-1624-4952-B836-669A2236CE7A}" presName="sibTransNodeCircle" presStyleLbl="alignNode1" presStyleIdx="0" presStyleCnt="8">
-        <dgm:presLayoutVars>
-          <dgm:chMax val="0"/>
-          <dgm:bulletEnabled/>
-        </dgm:presLayoutVars>
-      </dgm:prSet>
-      <dgm:spPr/>
-    </dgm:pt>
-    <dgm:pt modelId="{7400FDBD-D909-4EEF-8BE8-F79E84E0AF16}" type="pres">
-      <dgm:prSet presAssocID="{F3C78B03-AC34-4B6E-9893-80ABC5B4D408}" presName="bottomLine" presStyleLbl="alignNode1" presStyleIdx="1" presStyleCnt="8">
-        <dgm:presLayoutVars/>
-      </dgm:prSet>
-      <dgm:spPr/>
-    </dgm:pt>
-    <dgm:pt modelId="{C5ED34C5-90E3-43EA-914E-0CE8BF6B2AB4}" type="pres">
-      <dgm:prSet presAssocID="{F3C78B03-AC34-4B6E-9893-80ABC5B4D408}" presName="nodeText" presStyleLbl="bgAccFollowNode1" presStyleIdx="0" presStyleCnt="4">
-        <dgm:presLayoutVars>
-          <dgm:bulletEnabled val="1"/>
-        </dgm:presLayoutVars>
-      </dgm:prSet>
-      <dgm:spPr/>
-    </dgm:pt>
-    <dgm:pt modelId="{5898B472-CA81-4DC0-85D7-1205775260F7}" type="pres">
-      <dgm:prSet presAssocID="{7719C351-1624-4952-B836-669A2236CE7A}" presName="sibTrans" presStyleCnt="0"/>
-      <dgm:spPr/>
-    </dgm:pt>
-    <dgm:pt modelId="{69DE20A1-85A1-48DC-A029-306C9DA58D11}" type="pres">
-      <dgm:prSet presAssocID="{747CEA16-7606-4CD5-8B24-F474A4E3739B}" presName="compositeNode" presStyleCnt="0">
-        <dgm:presLayoutVars>
-          <dgm:bulletEnabled val="1"/>
-        </dgm:presLayoutVars>
-      </dgm:prSet>
-      <dgm:spPr/>
-    </dgm:pt>
-    <dgm:pt modelId="{BDDD252A-8513-4EDC-B14E-9597C7BD7549}" type="pres">
-      <dgm:prSet presAssocID="{747CEA16-7606-4CD5-8B24-F474A4E3739B}" presName="bgRect" presStyleLbl="bgAccFollowNode1" presStyleIdx="1" presStyleCnt="4"/>
-      <dgm:spPr/>
-    </dgm:pt>
-    <dgm:pt modelId="{DE5A761A-F766-4E26-927C-190D6F821595}" type="pres">
-      <dgm:prSet presAssocID="{51988A88-3DCB-4B61-9998-FAAA88AC3653}" presName="sibTransNodeCircle" presStyleLbl="alignNode1" presStyleIdx="2" presStyleCnt="8">
-        <dgm:presLayoutVars>
-          <dgm:chMax val="0"/>
-          <dgm:bulletEnabled/>
-        </dgm:presLayoutVars>
-      </dgm:prSet>
-      <dgm:spPr/>
-    </dgm:pt>
-    <dgm:pt modelId="{E03BC08E-6F70-4B97-A67C-A723048DDFDA}" type="pres">
-      <dgm:prSet presAssocID="{747CEA16-7606-4CD5-8B24-F474A4E3739B}" presName="bottomLine" presStyleLbl="alignNode1" presStyleIdx="3" presStyleCnt="8">
-        <dgm:presLayoutVars/>
-      </dgm:prSet>
-      <dgm:spPr/>
-    </dgm:pt>
-    <dgm:pt modelId="{143D6255-AAB4-4045-8F0B-E8BC70E58020}" type="pres">
-      <dgm:prSet presAssocID="{747CEA16-7606-4CD5-8B24-F474A4E3739B}" presName="nodeText" presStyleLbl="bgAccFollowNode1" presStyleIdx="1" presStyleCnt="4">
-        <dgm:presLayoutVars>
-          <dgm:bulletEnabled val="1"/>
-        </dgm:presLayoutVars>
-      </dgm:prSet>
-      <dgm:spPr/>
-    </dgm:pt>
-    <dgm:pt modelId="{D838365F-D758-4AC0-8868-4A9A8259DCD8}" type="pres">
-      <dgm:prSet presAssocID="{51988A88-3DCB-4B61-9998-FAAA88AC3653}" presName="sibTrans" presStyleCnt="0"/>
-      <dgm:spPr/>
-    </dgm:pt>
-    <dgm:pt modelId="{A859A5ED-96DB-4767-9556-5300945B427F}" type="pres">
-      <dgm:prSet presAssocID="{98530C36-F109-4607-BFDE-BC391E73C4BC}" presName="compositeNode" presStyleCnt="0">
-        <dgm:presLayoutVars>
-          <dgm:bulletEnabled val="1"/>
-        </dgm:presLayoutVars>
-      </dgm:prSet>
-      <dgm:spPr/>
-    </dgm:pt>
-    <dgm:pt modelId="{545AB69D-C7F1-425F-BDAA-870E1BD9236D}" type="pres">
-      <dgm:prSet presAssocID="{98530C36-F109-4607-BFDE-BC391E73C4BC}" presName="bgRect" presStyleLbl="bgAccFollowNode1" presStyleIdx="2" presStyleCnt="4"/>
-      <dgm:spPr/>
-    </dgm:pt>
-    <dgm:pt modelId="{270DAA37-033C-4FBF-B3C5-F3259E1520CB}" type="pres">
-      <dgm:prSet presAssocID="{9C3C60AF-6A38-4D80-8A0D-4279AD83CE63}" presName="sibTransNodeCircle" presStyleLbl="alignNode1" presStyleIdx="4" presStyleCnt="8">
-        <dgm:presLayoutVars>
-          <dgm:chMax val="0"/>
-          <dgm:bulletEnabled/>
-        </dgm:presLayoutVars>
-      </dgm:prSet>
-      <dgm:spPr/>
-    </dgm:pt>
-    <dgm:pt modelId="{E95DFE27-C7D9-4A44-BB57-62A16A41A767}" type="pres">
-      <dgm:prSet presAssocID="{98530C36-F109-4607-BFDE-BC391E73C4BC}" presName="bottomLine" presStyleLbl="alignNode1" presStyleIdx="5" presStyleCnt="8">
-        <dgm:presLayoutVars/>
-      </dgm:prSet>
-      <dgm:spPr/>
-    </dgm:pt>
-    <dgm:pt modelId="{7182F2E8-0FE4-40E2-90AF-E52FC6ACB532}" type="pres">
-      <dgm:prSet presAssocID="{98530C36-F109-4607-BFDE-BC391E73C4BC}" presName="nodeText" presStyleLbl="bgAccFollowNode1" presStyleIdx="2" presStyleCnt="4">
-        <dgm:presLayoutVars>
-          <dgm:bulletEnabled val="1"/>
-        </dgm:presLayoutVars>
-      </dgm:prSet>
-      <dgm:spPr/>
-    </dgm:pt>
-    <dgm:pt modelId="{8E0B8FDC-5743-4065-9274-857808D840DB}" type="pres">
-      <dgm:prSet presAssocID="{9C3C60AF-6A38-4D80-8A0D-4279AD83CE63}" presName="sibTrans" presStyleCnt="0"/>
-      <dgm:spPr/>
-    </dgm:pt>
-    <dgm:pt modelId="{B5FD2AC5-F02B-4AD5-9DE5-59E7093B607F}" type="pres">
-      <dgm:prSet presAssocID="{874AABA0-E5A4-4AB0-B6CA-03C561803974}" presName="compositeNode" presStyleCnt="0">
-        <dgm:presLayoutVars>
-          <dgm:bulletEnabled val="1"/>
-        </dgm:presLayoutVars>
-      </dgm:prSet>
-      <dgm:spPr/>
-    </dgm:pt>
-    <dgm:pt modelId="{9351060C-ACBE-49AC-A648-BD79B54DE694}" type="pres">
-      <dgm:prSet presAssocID="{874AABA0-E5A4-4AB0-B6CA-03C561803974}" presName="bgRect" presStyleLbl="bgAccFollowNode1" presStyleIdx="3" presStyleCnt="4"/>
-      <dgm:spPr/>
-    </dgm:pt>
-    <dgm:pt modelId="{0976773B-12B7-4330-9710-1EA00090547F}" type="pres">
-      <dgm:prSet presAssocID="{19E745A0-E5B9-4A0B-BB88-6D7DCF47622D}" presName="sibTransNodeCircle" presStyleLbl="alignNode1" presStyleIdx="6" presStyleCnt="8">
-        <dgm:presLayoutVars>
-          <dgm:chMax val="0"/>
-          <dgm:bulletEnabled/>
-        </dgm:presLayoutVars>
-      </dgm:prSet>
-      <dgm:spPr/>
-    </dgm:pt>
-    <dgm:pt modelId="{865066A0-097F-4E6D-9502-9C489920F2EC}" type="pres">
-      <dgm:prSet presAssocID="{874AABA0-E5A4-4AB0-B6CA-03C561803974}" presName="bottomLine" presStyleLbl="alignNode1" presStyleIdx="7" presStyleCnt="8">
-        <dgm:presLayoutVars/>
-      </dgm:prSet>
-      <dgm:spPr/>
-    </dgm:pt>
-    <dgm:pt modelId="{0E48C784-2E8C-4E2A-AF68-35FCF40F2DC7}" type="pres">
-      <dgm:prSet presAssocID="{874AABA0-E5A4-4AB0-B6CA-03C561803974}" presName="nodeText" presStyleLbl="bgAccFollowNode1" presStyleIdx="3" presStyleCnt="4">
-        <dgm:presLayoutVars>
-          <dgm:bulletEnabled val="1"/>
-        </dgm:presLayoutVars>
-      </dgm:prSet>
-      <dgm:spPr/>
-    </dgm:pt>
-  </dgm:ptLst>
-  <dgm:cxnLst>
-    <dgm:cxn modelId="{C0664D4E-760C-4EAD-977C-C4A9C5B56A2C}" type="presOf" srcId="{7719C351-1624-4952-B836-669A2236CE7A}" destId="{ACAA34E6-767F-4D68-B93B-8FDE92B40A4E}" srcOrd="0" destOrd="0" presId="urn:microsoft.com/office/officeart/2016/7/layout/BasicLinearProcessNumbered"/>
-    <dgm:cxn modelId="{04E86221-C6C1-41B0-B971-715364DC5496}" srcId="{8C8C5CB6-8D97-4B7A-99DB-2CE5859E52FC}" destId="{F3C78B03-AC34-4B6E-9893-80ABC5B4D408}" srcOrd="0" destOrd="0" parTransId="{2283EF88-DB16-4BDA-A23C-E8B77474016D}" sibTransId="{7719C351-1624-4952-B836-669A2236CE7A}"/>
-    <dgm:cxn modelId="{9BD8BCEE-E46D-4144-8DFC-9FEAAD793CEE}" type="presOf" srcId="{747CEA16-7606-4CD5-8B24-F474A4E3739B}" destId="{143D6255-AAB4-4045-8F0B-E8BC70E58020}" srcOrd="1" destOrd="0" presId="urn:microsoft.com/office/officeart/2016/7/layout/BasicLinearProcessNumbered"/>
-    <dgm:cxn modelId="{8436B07A-3354-49CA-AAE9-3FEE3C819527}" type="presOf" srcId="{19E745A0-E5B9-4A0B-BB88-6D7DCF47622D}" destId="{0976773B-12B7-4330-9710-1EA00090547F}" srcOrd="0" destOrd="0" presId="urn:microsoft.com/office/officeart/2016/7/layout/BasicLinearProcessNumbered"/>
-    <dgm:cxn modelId="{9B8208B8-FB20-4644-9D21-7FB83E59A9C6}" type="presOf" srcId="{98530C36-F109-4607-BFDE-BC391E73C4BC}" destId="{545AB69D-C7F1-425F-BDAA-870E1BD9236D}" srcOrd="0" destOrd="0" presId="urn:microsoft.com/office/officeart/2016/7/layout/BasicLinearProcessNumbered"/>
-    <dgm:cxn modelId="{7AFEC5E9-1F9D-42CA-AD50-926B66F69366}" type="presOf" srcId="{8C8C5CB6-8D97-4B7A-99DB-2CE5859E52FC}" destId="{0C9C758F-9459-448C-8390-8921205C193F}" srcOrd="0" destOrd="0" presId="urn:microsoft.com/office/officeart/2016/7/layout/BasicLinearProcessNumbered"/>
-    <dgm:cxn modelId="{F7016E09-DE31-47DA-99CA-4DB0F80757BA}" type="presOf" srcId="{874AABA0-E5A4-4AB0-B6CA-03C561803974}" destId="{9351060C-ACBE-49AC-A648-BD79B54DE694}" srcOrd="0" destOrd="0" presId="urn:microsoft.com/office/officeart/2016/7/layout/BasicLinearProcessNumbered"/>
-    <dgm:cxn modelId="{A8E11577-776D-47E2-8828-2E7AC760842F}" type="presOf" srcId="{747CEA16-7606-4CD5-8B24-F474A4E3739B}" destId="{BDDD252A-8513-4EDC-B14E-9597C7BD7549}" srcOrd="0" destOrd="0" presId="urn:microsoft.com/office/officeart/2016/7/layout/BasicLinearProcessNumbered"/>
-    <dgm:cxn modelId="{E51DA8E2-7E29-4650-BD4B-BA45A96D6F10}" srcId="{8C8C5CB6-8D97-4B7A-99DB-2CE5859E52FC}" destId="{874AABA0-E5A4-4AB0-B6CA-03C561803974}" srcOrd="3" destOrd="0" parTransId="{8A063C10-EB1C-4F73-A357-B7F6848AF871}" sibTransId="{19E745A0-E5B9-4A0B-BB88-6D7DCF47622D}"/>
-    <dgm:cxn modelId="{BEBA1F02-3FE4-4126-9EBB-F8A846A31D06}" type="presOf" srcId="{51988A88-3DCB-4B61-9998-FAAA88AC3653}" destId="{DE5A761A-F766-4E26-927C-190D6F821595}" srcOrd="0" destOrd="0" presId="urn:microsoft.com/office/officeart/2016/7/layout/BasicLinearProcessNumbered"/>
-    <dgm:cxn modelId="{A7C1085A-CDED-4D32-AF16-A1C908924C22}" srcId="{8C8C5CB6-8D97-4B7A-99DB-2CE5859E52FC}" destId="{98530C36-F109-4607-BFDE-BC391E73C4BC}" srcOrd="2" destOrd="0" parTransId="{5F59E2C3-9ABA-45D6-B273-0DF6B9BBFAD0}" sibTransId="{9C3C60AF-6A38-4D80-8A0D-4279AD83CE63}"/>
-    <dgm:cxn modelId="{89EF3C1F-C3F3-44C5-8221-CD69533D7436}" type="presOf" srcId="{9C3C60AF-6A38-4D80-8A0D-4279AD83CE63}" destId="{270DAA37-033C-4FBF-B3C5-F3259E1520CB}" srcOrd="0" destOrd="0" presId="urn:microsoft.com/office/officeart/2016/7/layout/BasicLinearProcessNumbered"/>
-    <dgm:cxn modelId="{67C824D3-D0AB-4842-B4BA-B906B3481EF9}" srcId="{8C8C5CB6-8D97-4B7A-99DB-2CE5859E52FC}" destId="{747CEA16-7606-4CD5-8B24-F474A4E3739B}" srcOrd="1" destOrd="0" parTransId="{A715A50B-8AC1-47B8-8D82-AACF5F26B82E}" sibTransId="{51988A88-3DCB-4B61-9998-FAAA88AC3653}"/>
-    <dgm:cxn modelId="{12F980FE-8A74-4594-8827-EBC3D3092688}" type="presOf" srcId="{F3C78B03-AC34-4B6E-9893-80ABC5B4D408}" destId="{C5ED34C5-90E3-43EA-914E-0CE8BF6B2AB4}" srcOrd="1" destOrd="0" presId="urn:microsoft.com/office/officeart/2016/7/layout/BasicLinearProcessNumbered"/>
-    <dgm:cxn modelId="{657CF033-0F23-49D3-9672-1CC3095C3DBE}" type="presOf" srcId="{874AABA0-E5A4-4AB0-B6CA-03C561803974}" destId="{0E48C784-2E8C-4E2A-AF68-35FCF40F2DC7}" srcOrd="1" destOrd="0" presId="urn:microsoft.com/office/officeart/2016/7/layout/BasicLinearProcessNumbered"/>
-    <dgm:cxn modelId="{98EE4C95-41AE-44F6-8936-BF193358840F}" type="presOf" srcId="{98530C36-F109-4607-BFDE-BC391E73C4BC}" destId="{7182F2E8-0FE4-40E2-90AF-E52FC6ACB532}" srcOrd="1" destOrd="0" presId="urn:microsoft.com/office/officeart/2016/7/layout/BasicLinearProcessNumbered"/>
-    <dgm:cxn modelId="{8974113F-514B-44EF-AD65-130C72F94C76}" type="presOf" srcId="{F3C78B03-AC34-4B6E-9893-80ABC5B4D408}" destId="{C10D3F62-C659-484C-A945-0401FE9F6EC5}" srcOrd="0" destOrd="0" presId="urn:microsoft.com/office/officeart/2016/7/layout/BasicLinearProcessNumbered"/>
-    <dgm:cxn modelId="{232A514F-0D0A-477E-B361-BBE8EE53AC47}" type="presParOf" srcId="{0C9C758F-9459-448C-8390-8921205C193F}" destId="{871246F3-01F0-4D41-944C-BC39DDC003C6}" srcOrd="0" destOrd="0" presId="urn:microsoft.com/office/officeart/2016/7/layout/BasicLinearProcessNumbered"/>
-    <dgm:cxn modelId="{AD724027-0985-4135-8D25-EC1D6D2B07A6}" type="presParOf" srcId="{871246F3-01F0-4D41-944C-BC39DDC003C6}" destId="{C10D3F62-C659-484C-A945-0401FE9F6EC5}" srcOrd="0" destOrd="0" presId="urn:microsoft.com/office/officeart/2016/7/layout/BasicLinearProcessNumbered"/>
-    <dgm:cxn modelId="{2B813E3D-1282-4521-828E-83308EFF7F59}" type="presParOf" srcId="{871246F3-01F0-4D41-944C-BC39DDC003C6}" destId="{ACAA34E6-767F-4D68-B93B-8FDE92B40A4E}" srcOrd="1" destOrd="0" presId="urn:microsoft.com/office/officeart/2016/7/layout/BasicLinearProcessNumbered"/>
-    <dgm:cxn modelId="{AB243C08-B50E-4DD9-BE36-BA162F84A0E4}" type="presParOf" srcId="{871246F3-01F0-4D41-944C-BC39DDC003C6}" destId="{7400FDBD-D909-4EEF-8BE8-F79E84E0AF16}" srcOrd="2" destOrd="0" presId="urn:microsoft.com/office/officeart/2016/7/layout/BasicLinearProcessNumbered"/>
-    <dgm:cxn modelId="{5966C346-F0F1-48E3-BC29-619E34938E13}" type="presParOf" srcId="{871246F3-01F0-4D41-944C-BC39DDC003C6}" destId="{C5ED34C5-90E3-43EA-914E-0CE8BF6B2AB4}" srcOrd="3" destOrd="0" presId="urn:microsoft.com/office/officeart/2016/7/layout/BasicLinearProcessNumbered"/>
-    <dgm:cxn modelId="{AA624DB2-855F-45CA-BB02-F9F64C44FE80}" type="presParOf" srcId="{0C9C758F-9459-448C-8390-8921205C193F}" destId="{5898B472-CA81-4DC0-85D7-1205775260F7}" srcOrd="1" destOrd="0" presId="urn:microsoft.com/office/officeart/2016/7/layout/BasicLinearProcessNumbered"/>
-    <dgm:cxn modelId="{ED1E2D42-7934-4C65-BA0B-3833054D4079}" type="presParOf" srcId="{0C9C758F-9459-448C-8390-8921205C193F}" destId="{69DE20A1-85A1-48DC-A029-306C9DA58D11}" srcOrd="2" destOrd="0" presId="urn:microsoft.com/office/officeart/2016/7/layout/BasicLinearProcessNumbered"/>
-    <dgm:cxn modelId="{C11BE99A-D259-4CBE-AE67-8F5BD9F02426}" type="presParOf" srcId="{69DE20A1-85A1-48DC-A029-306C9DA58D11}" destId="{BDDD252A-8513-4EDC-B14E-9597C7BD7549}" srcOrd="0" destOrd="0" presId="urn:microsoft.com/office/officeart/2016/7/layout/BasicLinearProcessNumbered"/>
-    <dgm:cxn modelId="{1CD0CD5F-E7B5-44DE-A4ED-6A9E91C497B0}" type="presParOf" srcId="{69DE20A1-85A1-48DC-A029-306C9DA58D11}" destId="{DE5A761A-F766-4E26-927C-190D6F821595}" srcOrd="1" destOrd="0" presId="urn:microsoft.com/office/officeart/2016/7/layout/BasicLinearProcessNumbered"/>
-    <dgm:cxn modelId="{9BFB245C-A8FE-40CA-A39A-5C2B7AB1D4FF}" type="presParOf" srcId="{69DE20A1-85A1-48DC-A029-306C9DA58D11}" destId="{E03BC08E-6F70-4B97-A67C-A723048DDFDA}" srcOrd="2" destOrd="0" presId="urn:microsoft.com/office/officeart/2016/7/layout/BasicLinearProcessNumbered"/>
-    <dgm:cxn modelId="{92FF8DFB-76D7-48B8-88A2-3B937C7E9FEF}" type="presParOf" srcId="{69DE20A1-85A1-48DC-A029-306C9DA58D11}" destId="{143D6255-AAB4-4045-8F0B-E8BC70E58020}" srcOrd="3" destOrd="0" presId="urn:microsoft.com/office/officeart/2016/7/layout/BasicLinearProcessNumbered"/>
-    <dgm:cxn modelId="{744BABE3-658D-4C8C-A0D6-97F5D3DFD9E3}" type="presParOf" srcId="{0C9C758F-9459-448C-8390-8921205C193F}" destId="{D838365F-D758-4AC0-8868-4A9A8259DCD8}" srcOrd="3" destOrd="0" presId="urn:microsoft.com/office/officeart/2016/7/layout/BasicLinearProcessNumbered"/>
-    <dgm:cxn modelId="{C8A344B9-A21A-4607-810C-EBFC4533ACA7}" type="presParOf" srcId="{0C9C758F-9459-448C-8390-8921205C193F}" destId="{A859A5ED-96DB-4767-9556-5300945B427F}" srcOrd="4" destOrd="0" presId="urn:microsoft.com/office/officeart/2016/7/layout/BasicLinearProcessNumbered"/>
-    <dgm:cxn modelId="{34481E39-6D3C-4AA7-878C-5B56CF21AA96}" type="presParOf" srcId="{A859A5ED-96DB-4767-9556-5300945B427F}" destId="{545AB69D-C7F1-425F-BDAA-870E1BD9236D}" srcOrd="0" destOrd="0" presId="urn:microsoft.com/office/officeart/2016/7/layout/BasicLinearProcessNumbered"/>
-    <dgm:cxn modelId="{CF81F6B3-CF37-42A0-9FC4-66C76BCF33B7}" type="presParOf" srcId="{A859A5ED-96DB-4767-9556-5300945B427F}" destId="{270DAA37-033C-4FBF-B3C5-F3259E1520CB}" srcOrd="1" destOrd="0" presId="urn:microsoft.com/office/officeart/2016/7/layout/BasicLinearProcessNumbered"/>
-    <dgm:cxn modelId="{C0586304-CE1B-4081-96B1-3679865FFA95}" type="presParOf" srcId="{A859A5ED-96DB-4767-9556-5300945B427F}" destId="{E95DFE27-C7D9-4A44-BB57-62A16A41A767}" srcOrd="2" destOrd="0" presId="urn:microsoft.com/office/officeart/2016/7/layout/BasicLinearProcessNumbered"/>
-    <dgm:cxn modelId="{934898EC-DF2E-4C15-9AAA-DED902678095}" type="presParOf" srcId="{A859A5ED-96DB-4767-9556-5300945B427F}" destId="{7182F2E8-0FE4-40E2-90AF-E52FC6ACB532}" srcOrd="3" destOrd="0" presId="urn:microsoft.com/office/officeart/2016/7/layout/BasicLinearProcessNumbered"/>
-    <dgm:cxn modelId="{C0C7EAE4-E546-4F9D-9350-419DF4457F6A}" type="presParOf" srcId="{0C9C758F-9459-448C-8390-8921205C193F}" destId="{8E0B8FDC-5743-4065-9274-857808D840DB}" srcOrd="5" destOrd="0" presId="urn:microsoft.com/office/officeart/2016/7/layout/BasicLinearProcessNumbered"/>
-    <dgm:cxn modelId="{D56D385B-5EFE-4552-BEAE-88EAADED6699}" type="presParOf" srcId="{0C9C758F-9459-448C-8390-8921205C193F}" destId="{B5FD2AC5-F02B-4AD5-9DE5-59E7093B607F}" srcOrd="6" destOrd="0" presId="urn:microsoft.com/office/officeart/2016/7/layout/BasicLinearProcessNumbered"/>
-    <dgm:cxn modelId="{4B2D1D64-685C-4713-9A9F-A1C5BF05B6D1}" type="presParOf" srcId="{B5FD2AC5-F02B-4AD5-9DE5-59E7093B607F}" destId="{9351060C-ACBE-49AC-A648-BD79B54DE694}" srcOrd="0" destOrd="0" presId="urn:microsoft.com/office/officeart/2016/7/layout/BasicLinearProcessNumbered"/>
-    <dgm:cxn modelId="{CFF578BA-E83C-42D0-9BDD-08847265FFF0}" type="presParOf" srcId="{B5FD2AC5-F02B-4AD5-9DE5-59E7093B607F}" destId="{0976773B-12B7-4330-9710-1EA00090547F}" srcOrd="1" destOrd="0" presId="urn:microsoft.com/office/officeart/2016/7/layout/BasicLinearProcessNumbered"/>
-    <dgm:cxn modelId="{0042A6A3-28E7-4EF6-A645-1DFFEC09DDC5}" type="presParOf" srcId="{B5FD2AC5-F02B-4AD5-9DE5-59E7093B607F}" destId="{865066A0-097F-4E6D-9502-9C489920F2EC}" srcOrd="2" destOrd="0" presId="urn:microsoft.com/office/officeart/2016/7/layout/BasicLinearProcessNumbered"/>
-    <dgm:cxn modelId="{931EB386-B672-4403-855D-C2732BB4B5B5}" type="presParOf" srcId="{B5FD2AC5-F02B-4AD5-9DE5-59E7093B607F}" destId="{0E48C784-2E8C-4E2A-AF68-35FCF40F2DC7}" srcOrd="3" destOrd="0" presId="urn:microsoft.com/office/officeart/2016/7/layout/BasicLinearProcessNumbered"/>
-  </dgm:cxnLst>
-  <dgm:bg/>
-  <dgm:whole/>
-  <dgm:extLst>
-    <a:ext uri="http://schemas.microsoft.com/office/drawing/2008/diagram">
-      <dsp:dataModelExt xmlns:dsp="http://schemas.microsoft.com/office/drawing/2008/diagram" relId="rId7" minVer="http://schemas.openxmlformats.org/drawingml/2006/diagram"/>
-    </a:ext>
-  </dgm:extLst>
-</dgm:dataModel>
-</file>
-
-<file path=ppt/diagrams/data4.xml><?xml version="1.0" encoding="utf-8"?>
 <dgm:dataModel xmlns:dgm="http://schemas.openxmlformats.org/drawingml/2006/diagram" xmlns:a="http://schemas.openxmlformats.org/drawingml/2006/main">
   <dgm:ptLst>
     <dgm:pt modelId="{8C8C5CB6-8D97-4B7A-99DB-2CE5859E52FC}" type="doc">
@@ -4561,64 +2174,6 @@
         </a:p>
       </dgm:t>
     </dgm:pt>
-    <dgm:pt modelId="{98530C36-F109-4607-BFDE-BC391E73C4BC}">
-      <dgm:prSet custT="1"/>
-      <dgm:spPr/>
-      <dgm:t>
-        <a:bodyPr/>
-        <a:lstStyle/>
-        <a:p>
-          <a:pPr algn="ctr"/>
-          <a:r>
-            <a:rPr lang="en-US" sz="2000" dirty="0"/>
-            <a:t>More Interaction</a:t>
-          </a:r>
-        </a:p>
-        <a:p>
-          <a:pPr algn="ctr"/>
-          <a:r>
-            <a:rPr lang="en-US" sz="1600" dirty="0"/>
-            <a:t>In-app calling</a:t>
-          </a:r>
-        </a:p>
-        <a:p>
-          <a:pPr algn="ctr"/>
-          <a:r>
-            <a:rPr lang="en-US" sz="1600" dirty="0"/>
-            <a:t>In-app chat</a:t>
-          </a:r>
-        </a:p>
-      </dgm:t>
-    </dgm:pt>
-    <dgm:pt modelId="{5F59E2C3-9ABA-45D6-B273-0DF6B9BBFAD0}" type="parTrans" cxnId="{A7C1085A-CDED-4D32-AF16-A1C908924C22}">
-      <dgm:prSet/>
-      <dgm:spPr/>
-      <dgm:t>
-        <a:bodyPr/>
-        <a:lstStyle/>
-        <a:p>
-          <a:endParaRPr lang="en-US"/>
-        </a:p>
-      </dgm:t>
-    </dgm:pt>
-    <dgm:pt modelId="{9C3C60AF-6A38-4D80-8A0D-4279AD83CE63}" type="sibTrans" cxnId="{A7C1085A-CDED-4D32-AF16-A1C908924C22}">
-      <dgm:prSet phldrT="3" phldr="0"/>
-      <dgm:spPr>
-        <a:solidFill>
-          <a:srgbClr val="43B02A"/>
-        </a:solidFill>
-      </dgm:spPr>
-      <dgm:t>
-        <a:bodyPr/>
-        <a:lstStyle/>
-        <a:p>
-          <a:r>
-            <a:rPr lang="en-US" dirty="0"/>
-            <a:t>3</a:t>
-          </a:r>
-        </a:p>
-      </dgm:t>
-    </dgm:pt>
     <dgm:pt modelId="{874AABA0-E5A4-4AB0-B6CA-03C561803974}">
       <dgm:prSet custT="1"/>
       <dgm:spPr/>
@@ -4664,8 +2219,8 @@
         <a:lstStyle/>
         <a:p>
           <a:r>
-            <a:rPr lang="en-US"/>
-            <a:t>4</a:t>
+            <a:rPr lang="en-US" dirty="0"/>
+            <a:t>3</a:t>
           </a:r>
         </a:p>
       </dgm:t>
@@ -4688,11 +2243,11 @@
       <dgm:spPr/>
     </dgm:pt>
     <dgm:pt modelId="{C10D3F62-C659-484C-A945-0401FE9F6EC5}" type="pres">
-      <dgm:prSet presAssocID="{F3C78B03-AC34-4B6E-9893-80ABC5B4D408}" presName="bgRect" presStyleLbl="bgAccFollowNode1" presStyleIdx="0" presStyleCnt="4"/>
+      <dgm:prSet presAssocID="{F3C78B03-AC34-4B6E-9893-80ABC5B4D408}" presName="bgRect" presStyleLbl="bgAccFollowNode1" presStyleIdx="0" presStyleCnt="3"/>
       <dgm:spPr/>
     </dgm:pt>
     <dgm:pt modelId="{ACAA34E6-767F-4D68-B93B-8FDE92B40A4E}" type="pres">
-      <dgm:prSet presAssocID="{7719C351-1624-4952-B836-669A2236CE7A}" presName="sibTransNodeCircle" presStyleLbl="alignNode1" presStyleIdx="0" presStyleCnt="8">
+      <dgm:prSet presAssocID="{7719C351-1624-4952-B836-669A2236CE7A}" presName="sibTransNodeCircle" presStyleLbl="alignNode1" presStyleIdx="0" presStyleCnt="6">
         <dgm:presLayoutVars>
           <dgm:chMax val="0"/>
           <dgm:bulletEnabled/>
@@ -4701,13 +2256,13 @@
       <dgm:spPr/>
     </dgm:pt>
     <dgm:pt modelId="{7400FDBD-D909-4EEF-8BE8-F79E84E0AF16}" type="pres">
-      <dgm:prSet presAssocID="{F3C78B03-AC34-4B6E-9893-80ABC5B4D408}" presName="bottomLine" presStyleLbl="alignNode1" presStyleIdx="1" presStyleCnt="8">
+      <dgm:prSet presAssocID="{F3C78B03-AC34-4B6E-9893-80ABC5B4D408}" presName="bottomLine" presStyleLbl="alignNode1" presStyleIdx="1" presStyleCnt="6">
         <dgm:presLayoutVars/>
       </dgm:prSet>
       <dgm:spPr/>
     </dgm:pt>
     <dgm:pt modelId="{C5ED34C5-90E3-43EA-914E-0CE8BF6B2AB4}" type="pres">
-      <dgm:prSet presAssocID="{F3C78B03-AC34-4B6E-9893-80ABC5B4D408}" presName="nodeText" presStyleLbl="bgAccFollowNode1" presStyleIdx="0" presStyleCnt="4">
+      <dgm:prSet presAssocID="{F3C78B03-AC34-4B6E-9893-80ABC5B4D408}" presName="nodeText" presStyleLbl="bgAccFollowNode1" presStyleIdx="0" presStyleCnt="3">
         <dgm:presLayoutVars>
           <dgm:bulletEnabled val="1"/>
         </dgm:presLayoutVars>
@@ -4727,11 +2282,11 @@
       <dgm:spPr/>
     </dgm:pt>
     <dgm:pt modelId="{BDDD252A-8513-4EDC-B14E-9597C7BD7549}" type="pres">
-      <dgm:prSet presAssocID="{747CEA16-7606-4CD5-8B24-F474A4E3739B}" presName="bgRect" presStyleLbl="bgAccFollowNode1" presStyleIdx="1" presStyleCnt="4"/>
+      <dgm:prSet presAssocID="{747CEA16-7606-4CD5-8B24-F474A4E3739B}" presName="bgRect" presStyleLbl="bgAccFollowNode1" presStyleIdx="1" presStyleCnt="3"/>
       <dgm:spPr/>
     </dgm:pt>
     <dgm:pt modelId="{DE5A761A-F766-4E26-927C-190D6F821595}" type="pres">
-      <dgm:prSet presAssocID="{51988A88-3DCB-4B61-9998-FAAA88AC3653}" presName="sibTransNodeCircle" presStyleLbl="alignNode1" presStyleIdx="2" presStyleCnt="8">
+      <dgm:prSet presAssocID="{51988A88-3DCB-4B61-9998-FAAA88AC3653}" presName="sibTransNodeCircle" presStyleLbl="alignNode1" presStyleIdx="2" presStyleCnt="6">
         <dgm:presLayoutVars>
           <dgm:chMax val="0"/>
           <dgm:bulletEnabled/>
@@ -4740,13 +2295,13 @@
       <dgm:spPr/>
     </dgm:pt>
     <dgm:pt modelId="{E03BC08E-6F70-4B97-A67C-A723048DDFDA}" type="pres">
-      <dgm:prSet presAssocID="{747CEA16-7606-4CD5-8B24-F474A4E3739B}" presName="bottomLine" presStyleLbl="alignNode1" presStyleIdx="3" presStyleCnt="8">
+      <dgm:prSet presAssocID="{747CEA16-7606-4CD5-8B24-F474A4E3739B}" presName="bottomLine" presStyleLbl="alignNode1" presStyleIdx="3" presStyleCnt="6">
         <dgm:presLayoutVars/>
       </dgm:prSet>
       <dgm:spPr/>
     </dgm:pt>
     <dgm:pt modelId="{143D6255-AAB4-4045-8F0B-E8BC70E58020}" type="pres">
-      <dgm:prSet presAssocID="{747CEA16-7606-4CD5-8B24-F474A4E3739B}" presName="nodeText" presStyleLbl="bgAccFollowNode1" presStyleIdx="1" presStyleCnt="4">
+      <dgm:prSet presAssocID="{747CEA16-7606-4CD5-8B24-F474A4E3739B}" presName="nodeText" presStyleLbl="bgAccFollowNode1" presStyleIdx="1" presStyleCnt="3">
         <dgm:presLayoutVars>
           <dgm:bulletEnabled val="1"/>
         </dgm:presLayoutVars>
@@ -4755,45 +2310,6 @@
     </dgm:pt>
     <dgm:pt modelId="{D838365F-D758-4AC0-8868-4A9A8259DCD8}" type="pres">
       <dgm:prSet presAssocID="{51988A88-3DCB-4B61-9998-FAAA88AC3653}" presName="sibTrans" presStyleCnt="0"/>
-      <dgm:spPr/>
-    </dgm:pt>
-    <dgm:pt modelId="{A859A5ED-96DB-4767-9556-5300945B427F}" type="pres">
-      <dgm:prSet presAssocID="{98530C36-F109-4607-BFDE-BC391E73C4BC}" presName="compositeNode" presStyleCnt="0">
-        <dgm:presLayoutVars>
-          <dgm:bulletEnabled val="1"/>
-        </dgm:presLayoutVars>
-      </dgm:prSet>
-      <dgm:spPr/>
-    </dgm:pt>
-    <dgm:pt modelId="{545AB69D-C7F1-425F-BDAA-870E1BD9236D}" type="pres">
-      <dgm:prSet presAssocID="{98530C36-F109-4607-BFDE-BC391E73C4BC}" presName="bgRect" presStyleLbl="bgAccFollowNode1" presStyleIdx="2" presStyleCnt="4"/>
-      <dgm:spPr/>
-    </dgm:pt>
-    <dgm:pt modelId="{270DAA37-033C-4FBF-B3C5-F3259E1520CB}" type="pres">
-      <dgm:prSet presAssocID="{9C3C60AF-6A38-4D80-8A0D-4279AD83CE63}" presName="sibTransNodeCircle" presStyleLbl="alignNode1" presStyleIdx="4" presStyleCnt="8">
-        <dgm:presLayoutVars>
-          <dgm:chMax val="0"/>
-          <dgm:bulletEnabled/>
-        </dgm:presLayoutVars>
-      </dgm:prSet>
-      <dgm:spPr/>
-    </dgm:pt>
-    <dgm:pt modelId="{E95DFE27-C7D9-4A44-BB57-62A16A41A767}" type="pres">
-      <dgm:prSet presAssocID="{98530C36-F109-4607-BFDE-BC391E73C4BC}" presName="bottomLine" presStyleLbl="alignNode1" presStyleIdx="5" presStyleCnt="8">
-        <dgm:presLayoutVars/>
-      </dgm:prSet>
-      <dgm:spPr/>
-    </dgm:pt>
-    <dgm:pt modelId="{7182F2E8-0FE4-40E2-90AF-E52FC6ACB532}" type="pres">
-      <dgm:prSet presAssocID="{98530C36-F109-4607-BFDE-BC391E73C4BC}" presName="nodeText" presStyleLbl="bgAccFollowNode1" presStyleIdx="2" presStyleCnt="4">
-        <dgm:presLayoutVars>
-          <dgm:bulletEnabled val="1"/>
-        </dgm:presLayoutVars>
-      </dgm:prSet>
-      <dgm:spPr/>
-    </dgm:pt>
-    <dgm:pt modelId="{8E0B8FDC-5743-4065-9274-857808D840DB}" type="pres">
-      <dgm:prSet presAssocID="{9C3C60AF-6A38-4D80-8A0D-4279AD83CE63}" presName="sibTrans" presStyleCnt="0"/>
       <dgm:spPr/>
     </dgm:pt>
     <dgm:pt modelId="{B5FD2AC5-F02B-4AD5-9DE5-59E7093B607F}" type="pres">
@@ -4805,11 +2321,11 @@
       <dgm:spPr/>
     </dgm:pt>
     <dgm:pt modelId="{9351060C-ACBE-49AC-A648-BD79B54DE694}" type="pres">
-      <dgm:prSet presAssocID="{874AABA0-E5A4-4AB0-B6CA-03C561803974}" presName="bgRect" presStyleLbl="bgAccFollowNode1" presStyleIdx="3" presStyleCnt="4"/>
+      <dgm:prSet presAssocID="{874AABA0-E5A4-4AB0-B6CA-03C561803974}" presName="bgRect" presStyleLbl="bgAccFollowNode1" presStyleIdx="2" presStyleCnt="3"/>
       <dgm:spPr/>
     </dgm:pt>
     <dgm:pt modelId="{0976773B-12B7-4330-9710-1EA00090547F}" type="pres">
-      <dgm:prSet presAssocID="{19E745A0-E5B9-4A0B-BB88-6D7DCF47622D}" presName="sibTransNodeCircle" presStyleLbl="alignNode1" presStyleIdx="6" presStyleCnt="8">
+      <dgm:prSet presAssocID="{19E745A0-E5B9-4A0B-BB88-6D7DCF47622D}" presName="sibTransNodeCircle" presStyleLbl="alignNode1" presStyleIdx="4" presStyleCnt="6">
         <dgm:presLayoutVars>
           <dgm:chMax val="0"/>
           <dgm:bulletEnabled/>
@@ -4818,13 +2334,13 @@
       <dgm:spPr/>
     </dgm:pt>
     <dgm:pt modelId="{865066A0-097F-4E6D-9502-9C489920F2EC}" type="pres">
-      <dgm:prSet presAssocID="{874AABA0-E5A4-4AB0-B6CA-03C561803974}" presName="bottomLine" presStyleLbl="alignNode1" presStyleIdx="7" presStyleCnt="8">
+      <dgm:prSet presAssocID="{874AABA0-E5A4-4AB0-B6CA-03C561803974}" presName="bottomLine" presStyleLbl="alignNode1" presStyleIdx="5" presStyleCnt="6">
         <dgm:presLayoutVars/>
       </dgm:prSet>
       <dgm:spPr/>
     </dgm:pt>
     <dgm:pt modelId="{0E48C784-2E8C-4E2A-AF68-35FCF40F2DC7}" type="pres">
-      <dgm:prSet presAssocID="{874AABA0-E5A4-4AB0-B6CA-03C561803974}" presName="nodeText" presStyleLbl="bgAccFollowNode1" presStyleIdx="3" presStyleCnt="4">
+      <dgm:prSet presAssocID="{874AABA0-E5A4-4AB0-B6CA-03C561803974}" presName="nodeText" presStyleLbl="bgAccFollowNode1" presStyleIdx="2" presStyleCnt="3">
         <dgm:presLayoutVars>
           <dgm:bulletEnabled val="1"/>
         </dgm:presLayoutVars>
@@ -4837,18 +2353,14 @@
     <dgm:cxn modelId="{04E86221-C6C1-41B0-B971-715364DC5496}" srcId="{8C8C5CB6-8D97-4B7A-99DB-2CE5859E52FC}" destId="{F3C78B03-AC34-4B6E-9893-80ABC5B4D408}" srcOrd="0" destOrd="0" parTransId="{2283EF88-DB16-4BDA-A23C-E8B77474016D}" sibTransId="{7719C351-1624-4952-B836-669A2236CE7A}"/>
     <dgm:cxn modelId="{9BD8BCEE-E46D-4144-8DFC-9FEAAD793CEE}" type="presOf" srcId="{747CEA16-7606-4CD5-8B24-F474A4E3739B}" destId="{143D6255-AAB4-4045-8F0B-E8BC70E58020}" srcOrd="1" destOrd="0" presId="urn:microsoft.com/office/officeart/2016/7/layout/BasicLinearProcessNumbered"/>
     <dgm:cxn modelId="{8436B07A-3354-49CA-AAE9-3FEE3C819527}" type="presOf" srcId="{19E745A0-E5B9-4A0B-BB88-6D7DCF47622D}" destId="{0976773B-12B7-4330-9710-1EA00090547F}" srcOrd="0" destOrd="0" presId="urn:microsoft.com/office/officeart/2016/7/layout/BasicLinearProcessNumbered"/>
-    <dgm:cxn modelId="{9B8208B8-FB20-4644-9D21-7FB83E59A9C6}" type="presOf" srcId="{98530C36-F109-4607-BFDE-BC391E73C4BC}" destId="{545AB69D-C7F1-425F-BDAA-870E1BD9236D}" srcOrd="0" destOrd="0" presId="urn:microsoft.com/office/officeart/2016/7/layout/BasicLinearProcessNumbered"/>
     <dgm:cxn modelId="{7AFEC5E9-1F9D-42CA-AD50-926B66F69366}" type="presOf" srcId="{8C8C5CB6-8D97-4B7A-99DB-2CE5859E52FC}" destId="{0C9C758F-9459-448C-8390-8921205C193F}" srcOrd="0" destOrd="0" presId="urn:microsoft.com/office/officeart/2016/7/layout/BasicLinearProcessNumbered"/>
     <dgm:cxn modelId="{F7016E09-DE31-47DA-99CA-4DB0F80757BA}" type="presOf" srcId="{874AABA0-E5A4-4AB0-B6CA-03C561803974}" destId="{9351060C-ACBE-49AC-A648-BD79B54DE694}" srcOrd="0" destOrd="0" presId="urn:microsoft.com/office/officeart/2016/7/layout/BasicLinearProcessNumbered"/>
     <dgm:cxn modelId="{A8E11577-776D-47E2-8828-2E7AC760842F}" type="presOf" srcId="{747CEA16-7606-4CD5-8B24-F474A4E3739B}" destId="{BDDD252A-8513-4EDC-B14E-9597C7BD7549}" srcOrd="0" destOrd="0" presId="urn:microsoft.com/office/officeart/2016/7/layout/BasicLinearProcessNumbered"/>
-    <dgm:cxn modelId="{E51DA8E2-7E29-4650-BD4B-BA45A96D6F10}" srcId="{8C8C5CB6-8D97-4B7A-99DB-2CE5859E52FC}" destId="{874AABA0-E5A4-4AB0-B6CA-03C561803974}" srcOrd="3" destOrd="0" parTransId="{8A063C10-EB1C-4F73-A357-B7F6848AF871}" sibTransId="{19E745A0-E5B9-4A0B-BB88-6D7DCF47622D}"/>
+    <dgm:cxn modelId="{E51DA8E2-7E29-4650-BD4B-BA45A96D6F10}" srcId="{8C8C5CB6-8D97-4B7A-99DB-2CE5859E52FC}" destId="{874AABA0-E5A4-4AB0-B6CA-03C561803974}" srcOrd="2" destOrd="0" parTransId="{8A063C10-EB1C-4F73-A357-B7F6848AF871}" sibTransId="{19E745A0-E5B9-4A0B-BB88-6D7DCF47622D}"/>
     <dgm:cxn modelId="{BEBA1F02-3FE4-4126-9EBB-F8A846A31D06}" type="presOf" srcId="{51988A88-3DCB-4B61-9998-FAAA88AC3653}" destId="{DE5A761A-F766-4E26-927C-190D6F821595}" srcOrd="0" destOrd="0" presId="urn:microsoft.com/office/officeart/2016/7/layout/BasicLinearProcessNumbered"/>
-    <dgm:cxn modelId="{A7C1085A-CDED-4D32-AF16-A1C908924C22}" srcId="{8C8C5CB6-8D97-4B7A-99DB-2CE5859E52FC}" destId="{98530C36-F109-4607-BFDE-BC391E73C4BC}" srcOrd="2" destOrd="0" parTransId="{5F59E2C3-9ABA-45D6-B273-0DF6B9BBFAD0}" sibTransId="{9C3C60AF-6A38-4D80-8A0D-4279AD83CE63}"/>
-    <dgm:cxn modelId="{89EF3C1F-C3F3-44C5-8221-CD69533D7436}" type="presOf" srcId="{9C3C60AF-6A38-4D80-8A0D-4279AD83CE63}" destId="{270DAA37-033C-4FBF-B3C5-F3259E1520CB}" srcOrd="0" destOrd="0" presId="urn:microsoft.com/office/officeart/2016/7/layout/BasicLinearProcessNumbered"/>
     <dgm:cxn modelId="{67C824D3-D0AB-4842-B4BA-B906B3481EF9}" srcId="{8C8C5CB6-8D97-4B7A-99DB-2CE5859E52FC}" destId="{747CEA16-7606-4CD5-8B24-F474A4E3739B}" srcOrd="1" destOrd="0" parTransId="{A715A50B-8AC1-47B8-8D82-AACF5F26B82E}" sibTransId="{51988A88-3DCB-4B61-9998-FAAA88AC3653}"/>
     <dgm:cxn modelId="{12F980FE-8A74-4594-8827-EBC3D3092688}" type="presOf" srcId="{F3C78B03-AC34-4B6E-9893-80ABC5B4D408}" destId="{C5ED34C5-90E3-43EA-914E-0CE8BF6B2AB4}" srcOrd="1" destOrd="0" presId="urn:microsoft.com/office/officeart/2016/7/layout/BasicLinearProcessNumbered"/>
     <dgm:cxn modelId="{657CF033-0F23-49D3-9672-1CC3095C3DBE}" type="presOf" srcId="{874AABA0-E5A4-4AB0-B6CA-03C561803974}" destId="{0E48C784-2E8C-4E2A-AF68-35FCF40F2DC7}" srcOrd="1" destOrd="0" presId="urn:microsoft.com/office/officeart/2016/7/layout/BasicLinearProcessNumbered"/>
-    <dgm:cxn modelId="{98EE4C95-41AE-44F6-8936-BF193358840F}" type="presOf" srcId="{98530C36-F109-4607-BFDE-BC391E73C4BC}" destId="{7182F2E8-0FE4-40E2-90AF-E52FC6ACB532}" srcOrd="1" destOrd="0" presId="urn:microsoft.com/office/officeart/2016/7/layout/BasicLinearProcessNumbered"/>
     <dgm:cxn modelId="{8974113F-514B-44EF-AD65-130C72F94C76}" type="presOf" srcId="{F3C78B03-AC34-4B6E-9893-80ABC5B4D408}" destId="{C10D3F62-C659-484C-A945-0401FE9F6EC5}" srcOrd="0" destOrd="0" presId="urn:microsoft.com/office/officeart/2016/7/layout/BasicLinearProcessNumbered"/>
     <dgm:cxn modelId="{232A514F-0D0A-477E-B361-BBE8EE53AC47}" type="presParOf" srcId="{0C9C758F-9459-448C-8390-8921205C193F}" destId="{871246F3-01F0-4D41-944C-BC39DDC003C6}" srcOrd="0" destOrd="0" presId="urn:microsoft.com/office/officeart/2016/7/layout/BasicLinearProcessNumbered"/>
     <dgm:cxn modelId="{AD724027-0985-4135-8D25-EC1D6D2B07A6}" type="presParOf" srcId="{871246F3-01F0-4D41-944C-BC39DDC003C6}" destId="{C10D3F62-C659-484C-A945-0401FE9F6EC5}" srcOrd="0" destOrd="0" presId="urn:microsoft.com/office/officeart/2016/7/layout/BasicLinearProcessNumbered"/>
@@ -4862,13 +2374,7 @@
     <dgm:cxn modelId="{9BFB245C-A8FE-40CA-A39A-5C2B7AB1D4FF}" type="presParOf" srcId="{69DE20A1-85A1-48DC-A029-306C9DA58D11}" destId="{E03BC08E-6F70-4B97-A67C-A723048DDFDA}" srcOrd="2" destOrd="0" presId="urn:microsoft.com/office/officeart/2016/7/layout/BasicLinearProcessNumbered"/>
     <dgm:cxn modelId="{92FF8DFB-76D7-48B8-88A2-3B937C7E9FEF}" type="presParOf" srcId="{69DE20A1-85A1-48DC-A029-306C9DA58D11}" destId="{143D6255-AAB4-4045-8F0B-E8BC70E58020}" srcOrd="3" destOrd="0" presId="urn:microsoft.com/office/officeart/2016/7/layout/BasicLinearProcessNumbered"/>
     <dgm:cxn modelId="{744BABE3-658D-4C8C-A0D6-97F5D3DFD9E3}" type="presParOf" srcId="{0C9C758F-9459-448C-8390-8921205C193F}" destId="{D838365F-D758-4AC0-8868-4A9A8259DCD8}" srcOrd="3" destOrd="0" presId="urn:microsoft.com/office/officeart/2016/7/layout/BasicLinearProcessNumbered"/>
-    <dgm:cxn modelId="{C8A344B9-A21A-4607-810C-EBFC4533ACA7}" type="presParOf" srcId="{0C9C758F-9459-448C-8390-8921205C193F}" destId="{A859A5ED-96DB-4767-9556-5300945B427F}" srcOrd="4" destOrd="0" presId="urn:microsoft.com/office/officeart/2016/7/layout/BasicLinearProcessNumbered"/>
-    <dgm:cxn modelId="{34481E39-6D3C-4AA7-878C-5B56CF21AA96}" type="presParOf" srcId="{A859A5ED-96DB-4767-9556-5300945B427F}" destId="{545AB69D-C7F1-425F-BDAA-870E1BD9236D}" srcOrd="0" destOrd="0" presId="urn:microsoft.com/office/officeart/2016/7/layout/BasicLinearProcessNumbered"/>
-    <dgm:cxn modelId="{CF81F6B3-CF37-42A0-9FC4-66C76BCF33B7}" type="presParOf" srcId="{A859A5ED-96DB-4767-9556-5300945B427F}" destId="{270DAA37-033C-4FBF-B3C5-F3259E1520CB}" srcOrd="1" destOrd="0" presId="urn:microsoft.com/office/officeart/2016/7/layout/BasicLinearProcessNumbered"/>
-    <dgm:cxn modelId="{C0586304-CE1B-4081-96B1-3679865FFA95}" type="presParOf" srcId="{A859A5ED-96DB-4767-9556-5300945B427F}" destId="{E95DFE27-C7D9-4A44-BB57-62A16A41A767}" srcOrd="2" destOrd="0" presId="urn:microsoft.com/office/officeart/2016/7/layout/BasicLinearProcessNumbered"/>
-    <dgm:cxn modelId="{934898EC-DF2E-4C15-9AAA-DED902678095}" type="presParOf" srcId="{A859A5ED-96DB-4767-9556-5300945B427F}" destId="{7182F2E8-0FE4-40E2-90AF-E52FC6ACB532}" srcOrd="3" destOrd="0" presId="urn:microsoft.com/office/officeart/2016/7/layout/BasicLinearProcessNumbered"/>
-    <dgm:cxn modelId="{C0C7EAE4-E546-4F9D-9350-419DF4457F6A}" type="presParOf" srcId="{0C9C758F-9459-448C-8390-8921205C193F}" destId="{8E0B8FDC-5743-4065-9274-857808D840DB}" srcOrd="5" destOrd="0" presId="urn:microsoft.com/office/officeart/2016/7/layout/BasicLinearProcessNumbered"/>
-    <dgm:cxn modelId="{D56D385B-5EFE-4552-BEAE-88EAADED6699}" type="presParOf" srcId="{0C9C758F-9459-448C-8390-8921205C193F}" destId="{B5FD2AC5-F02B-4AD5-9DE5-59E7093B607F}" srcOrd="6" destOrd="0" presId="urn:microsoft.com/office/officeart/2016/7/layout/BasicLinearProcessNumbered"/>
+    <dgm:cxn modelId="{D56D385B-5EFE-4552-BEAE-88EAADED6699}" type="presParOf" srcId="{0C9C758F-9459-448C-8390-8921205C193F}" destId="{B5FD2AC5-F02B-4AD5-9DE5-59E7093B607F}" srcOrd="4" destOrd="0" presId="urn:microsoft.com/office/officeart/2016/7/layout/BasicLinearProcessNumbered"/>
     <dgm:cxn modelId="{4B2D1D64-685C-4713-9A9F-A1C5BF05B6D1}" type="presParOf" srcId="{B5FD2AC5-F02B-4AD5-9DE5-59E7093B607F}" destId="{9351060C-ACBE-49AC-A648-BD79B54DE694}" srcOrd="0" destOrd="0" presId="urn:microsoft.com/office/officeart/2016/7/layout/BasicLinearProcessNumbered"/>
     <dgm:cxn modelId="{CFF578BA-E83C-42D0-9BDD-08847265FFF0}" type="presParOf" srcId="{B5FD2AC5-F02B-4AD5-9DE5-59E7093B607F}" destId="{0976773B-12B7-4330-9710-1EA00090547F}" srcOrd="1" destOrd="0" presId="urn:microsoft.com/office/officeart/2016/7/layout/BasicLinearProcessNumbered"/>
     <dgm:cxn modelId="{0042A6A3-28E7-4EF6-A645-1DFFEC09DDC5}" type="presParOf" srcId="{B5FD2AC5-F02B-4AD5-9DE5-59E7093B607F}" destId="{865066A0-097F-4E6D-9502-9C489920F2EC}" srcOrd="2" destOrd="0" presId="urn:microsoft.com/office/officeart/2016/7/layout/BasicLinearProcessNumbered"/>
@@ -4885,912 +2391,6 @@
 </file>
 
 <file path=ppt/diagrams/drawing1.xml><?xml version="1.0" encoding="utf-8"?>
-<dsp:drawing xmlns:dgm="http://schemas.openxmlformats.org/drawingml/2006/diagram" xmlns:dsp="http://schemas.microsoft.com/office/drawing/2008/diagram" xmlns:a="http://schemas.openxmlformats.org/drawingml/2006/main">
-  <dsp:spTree>
-    <dsp:nvGrpSpPr>
-      <dsp:cNvPr id="0" name=""/>
-      <dsp:cNvGrpSpPr/>
-    </dsp:nvGrpSpPr>
-    <dsp:grpSpPr/>
-    <dsp:sp modelId="{C10D3F62-C659-484C-A945-0401FE9F6EC5}">
-      <dsp:nvSpPr>
-        <dsp:cNvPr id="0" name=""/>
-        <dsp:cNvSpPr/>
-      </dsp:nvSpPr>
-      <dsp:spPr>
-        <a:xfrm>
-          <a:off x="3080" y="464830"/>
-          <a:ext cx="2444055" cy="3421677"/>
-        </a:xfrm>
-        <a:prstGeom prst="rect">
-          <a:avLst/>
-        </a:prstGeom>
-        <a:solidFill>
-          <a:schemeClr val="bg1">
-            <a:lumMod val="95000"/>
-            <a:hueOff val="0"/>
-            <a:satOff val="0"/>
-            <a:lumOff val="0"/>
-            <a:alphaOff val="0"/>
-          </a:schemeClr>
-        </a:solidFill>
-        <a:ln w="12700" cap="flat" cmpd="sng" algn="ctr">
-          <a:solidFill>
-            <a:schemeClr val="bg1">
-              <a:lumMod val="95000"/>
-              <a:hueOff val="0"/>
-              <a:satOff val="0"/>
-              <a:lumOff val="0"/>
-              <a:alphaOff val="0"/>
-            </a:schemeClr>
-          </a:solidFill>
-          <a:prstDash val="solid"/>
-          <a:miter lim="800000"/>
-        </a:ln>
-        <a:effectLst/>
-      </dsp:spPr>
-      <dsp:style>
-        <a:lnRef idx="2">
-          <a:scrgbClr r="0" g="0" b="0"/>
-        </a:lnRef>
-        <a:fillRef idx="1">
-          <a:scrgbClr r="0" g="0" b="0"/>
-        </a:fillRef>
-        <a:effectRef idx="0">
-          <a:scrgbClr r="0" g="0" b="0"/>
-        </a:effectRef>
-        <a:fontRef idx="minor"/>
-      </dsp:style>
-      <dsp:txBody>
-        <a:bodyPr spcFirstLastPara="0" vert="horz" wrap="square" lIns="190548" tIns="330200" rIns="190548" bIns="330200" numCol="1" spcCol="1270" anchor="t" anchorCtr="0">
-          <a:noAutofit/>
-        </a:bodyPr>
-        <a:lstStyle/>
-        <a:p>
-          <a:pPr marL="0" lvl="0" indent="0" algn="ctr" defTabSz="889000">
-            <a:lnSpc>
-              <a:spcPct val="90000"/>
-            </a:lnSpc>
-            <a:spcBef>
-              <a:spcPct val="0"/>
-            </a:spcBef>
-            <a:spcAft>
-              <a:spcPct val="35000"/>
-            </a:spcAft>
-            <a:buNone/>
-          </a:pPr>
-          <a:r>
-            <a:rPr lang="en-US" sz="2000" kern="1200" dirty="0"/>
-            <a:t>Context</a:t>
-          </a:r>
-        </a:p>
-        <a:p>
-          <a:pPr marL="0" lvl="0" indent="0" algn="ctr" defTabSz="889000">
-            <a:lnSpc>
-              <a:spcPct val="90000"/>
-            </a:lnSpc>
-            <a:spcBef>
-              <a:spcPct val="0"/>
-            </a:spcBef>
-            <a:spcAft>
-              <a:spcPct val="35000"/>
-            </a:spcAft>
-            <a:buNone/>
-          </a:pPr>
-          <a:r>
-            <a:rPr lang="en-US" sz="1600" kern="1200" dirty="0"/>
-            <a:t>Location awareness</a:t>
-          </a:r>
-        </a:p>
-      </dsp:txBody>
-      <dsp:txXfrm>
-        <a:off x="3080" y="1765067"/>
-        <a:ext cx="2444055" cy="2053006"/>
-      </dsp:txXfrm>
-    </dsp:sp>
-    <dsp:sp modelId="{ACAA34E6-767F-4D68-B93B-8FDE92B40A4E}">
-      <dsp:nvSpPr>
-        <dsp:cNvPr id="0" name=""/>
-        <dsp:cNvSpPr/>
-      </dsp:nvSpPr>
-      <dsp:spPr>
-        <a:xfrm>
-          <a:off x="711856" y="806997"/>
-          <a:ext cx="1026503" cy="1026503"/>
-        </a:xfrm>
-        <a:prstGeom prst="ellipse">
-          <a:avLst/>
-        </a:prstGeom>
-        <a:solidFill>
-          <a:srgbClr val="43B02A"/>
-        </a:solidFill>
-        <a:ln w="12700" cap="flat" cmpd="sng" algn="ctr">
-          <a:solidFill>
-            <a:schemeClr val="accent1">
-              <a:hueOff val="0"/>
-              <a:satOff val="0"/>
-              <a:lumOff val="0"/>
-              <a:alphaOff val="0"/>
-            </a:schemeClr>
-          </a:solidFill>
-          <a:prstDash val="solid"/>
-          <a:miter lim="800000"/>
-        </a:ln>
-        <a:effectLst/>
-      </dsp:spPr>
-      <dsp:style>
-        <a:lnRef idx="2">
-          <a:scrgbClr r="0" g="0" b="0"/>
-        </a:lnRef>
-        <a:fillRef idx="1">
-          <a:scrgbClr r="0" g="0" b="0"/>
-        </a:fillRef>
-        <a:effectRef idx="0">
-          <a:scrgbClr r="0" g="0" b="0"/>
-        </a:effectRef>
-        <a:fontRef idx="minor">
-          <a:schemeClr val="lt1"/>
-        </a:fontRef>
-      </dsp:style>
-      <dsp:txBody>
-        <a:bodyPr spcFirstLastPara="0" vert="horz" wrap="square" lIns="80030" tIns="12700" rIns="80030" bIns="12700" numCol="1" spcCol="1270" anchor="ctr" anchorCtr="0">
-          <a:noAutofit/>
-        </a:bodyPr>
-        <a:lstStyle/>
-        <a:p>
-          <a:pPr marL="0" lvl="0" indent="0" algn="ctr" defTabSz="2133600">
-            <a:lnSpc>
-              <a:spcPct val="90000"/>
-            </a:lnSpc>
-            <a:spcBef>
-              <a:spcPct val="0"/>
-            </a:spcBef>
-            <a:spcAft>
-              <a:spcPct val="35000"/>
-            </a:spcAft>
-            <a:buNone/>
-          </a:pPr>
-          <a:r>
-            <a:rPr lang="en-US" sz="4800" kern="1200" dirty="0"/>
-            <a:t>1</a:t>
-          </a:r>
-        </a:p>
-      </dsp:txBody>
-      <dsp:txXfrm>
-        <a:off x="862184" y="957325"/>
-        <a:ext cx="725847" cy="725847"/>
-      </dsp:txXfrm>
-    </dsp:sp>
-    <dsp:sp modelId="{7400FDBD-D909-4EEF-8BE8-F79E84E0AF16}">
-      <dsp:nvSpPr>
-        <dsp:cNvPr id="0" name=""/>
-        <dsp:cNvSpPr/>
-      </dsp:nvSpPr>
-      <dsp:spPr>
-        <a:xfrm>
-          <a:off x="3080" y="3886435"/>
-          <a:ext cx="2444055" cy="72"/>
-        </a:xfrm>
-        <a:prstGeom prst="rect">
-          <a:avLst/>
-        </a:prstGeom>
-        <a:solidFill>
-          <a:schemeClr val="accent1">
-            <a:hueOff val="0"/>
-            <a:satOff val="0"/>
-            <a:lumOff val="0"/>
-            <a:alphaOff val="0"/>
-          </a:schemeClr>
-        </a:solidFill>
-        <a:ln w="12700" cap="flat" cmpd="sng" algn="ctr">
-          <a:solidFill>
-            <a:schemeClr val="accent1">
-              <a:hueOff val="0"/>
-              <a:satOff val="0"/>
-              <a:lumOff val="0"/>
-              <a:alphaOff val="0"/>
-            </a:schemeClr>
-          </a:solidFill>
-          <a:prstDash val="solid"/>
-          <a:miter lim="800000"/>
-        </a:ln>
-        <a:effectLst/>
-      </dsp:spPr>
-      <dsp:style>
-        <a:lnRef idx="2">
-          <a:scrgbClr r="0" g="0" b="0"/>
-        </a:lnRef>
-        <a:fillRef idx="1">
-          <a:scrgbClr r="0" g="0" b="0"/>
-        </a:fillRef>
-        <a:effectRef idx="0">
-          <a:scrgbClr r="0" g="0" b="0"/>
-        </a:effectRef>
-        <a:fontRef idx="minor">
-          <a:schemeClr val="lt1"/>
-        </a:fontRef>
-      </dsp:style>
-    </dsp:sp>
-    <dsp:sp modelId="{BDDD252A-8513-4EDC-B14E-9597C7BD7549}">
-      <dsp:nvSpPr>
-        <dsp:cNvPr id="0" name=""/>
-        <dsp:cNvSpPr/>
-      </dsp:nvSpPr>
-      <dsp:spPr>
-        <a:xfrm>
-          <a:off x="2691541" y="464830"/>
-          <a:ext cx="2444055" cy="3421677"/>
-        </a:xfrm>
-        <a:prstGeom prst="rect">
-          <a:avLst/>
-        </a:prstGeom>
-        <a:solidFill>
-          <a:schemeClr val="bg1">
-            <a:lumMod val="95000"/>
-            <a:hueOff val="0"/>
-            <a:satOff val="0"/>
-            <a:lumOff val="0"/>
-            <a:alphaOff val="0"/>
-          </a:schemeClr>
-        </a:solidFill>
-        <a:ln w="12700" cap="flat" cmpd="sng" algn="ctr">
-          <a:solidFill>
-            <a:schemeClr val="bg1">
-              <a:lumMod val="95000"/>
-              <a:hueOff val="0"/>
-              <a:satOff val="0"/>
-              <a:lumOff val="0"/>
-              <a:alphaOff val="0"/>
-            </a:schemeClr>
-          </a:solidFill>
-          <a:prstDash val="solid"/>
-          <a:miter lim="800000"/>
-        </a:ln>
-        <a:effectLst/>
-      </dsp:spPr>
-      <dsp:style>
-        <a:lnRef idx="2">
-          <a:scrgbClr r="0" g="0" b="0"/>
-        </a:lnRef>
-        <a:fillRef idx="1">
-          <a:scrgbClr r="0" g="0" b="0"/>
-        </a:fillRef>
-        <a:effectRef idx="0">
-          <a:scrgbClr r="0" g="0" b="0"/>
-        </a:effectRef>
-        <a:fontRef idx="minor"/>
-      </dsp:style>
-      <dsp:txBody>
-        <a:bodyPr spcFirstLastPara="0" vert="horz" wrap="square" lIns="190548" tIns="330200" rIns="190548" bIns="330200" numCol="1" spcCol="1270" anchor="t" anchorCtr="0">
-          <a:noAutofit/>
-        </a:bodyPr>
-        <a:lstStyle/>
-        <a:p>
-          <a:pPr marL="0" lvl="0" indent="0" algn="ctr" defTabSz="889000">
-            <a:lnSpc>
-              <a:spcPct val="90000"/>
-            </a:lnSpc>
-            <a:spcBef>
-              <a:spcPct val="0"/>
-            </a:spcBef>
-            <a:spcAft>
-              <a:spcPct val="35000"/>
-            </a:spcAft>
-            <a:buNone/>
-          </a:pPr>
-          <a:r>
-            <a:rPr lang="en-US" sz="2000" kern="1200" dirty="0"/>
-            <a:t>Availability</a:t>
-          </a:r>
-        </a:p>
-        <a:p>
-          <a:pPr marL="0" lvl="0" indent="0" algn="ctr" defTabSz="889000">
-            <a:lnSpc>
-              <a:spcPct val="90000"/>
-            </a:lnSpc>
-            <a:spcBef>
-              <a:spcPct val="0"/>
-            </a:spcBef>
-            <a:spcAft>
-              <a:spcPct val="35000"/>
-            </a:spcAft>
-            <a:buNone/>
-          </a:pPr>
-          <a:r>
-            <a:rPr lang="en-US" sz="1600" kern="1200" dirty="0"/>
-            <a:t>Most used form factor</a:t>
-          </a:r>
-        </a:p>
-      </dsp:txBody>
-      <dsp:txXfrm>
-        <a:off x="2691541" y="1765067"/>
-        <a:ext cx="2444055" cy="2053006"/>
-      </dsp:txXfrm>
-    </dsp:sp>
-    <dsp:sp modelId="{DE5A761A-F766-4E26-927C-190D6F821595}">
-      <dsp:nvSpPr>
-        <dsp:cNvPr id="0" name=""/>
-        <dsp:cNvSpPr/>
-      </dsp:nvSpPr>
-      <dsp:spPr>
-        <a:xfrm>
-          <a:off x="3400317" y="806997"/>
-          <a:ext cx="1026503" cy="1026503"/>
-        </a:xfrm>
-        <a:prstGeom prst="ellipse">
-          <a:avLst/>
-        </a:prstGeom>
-        <a:solidFill>
-          <a:srgbClr val="43B02A"/>
-        </a:solidFill>
-        <a:ln w="12700" cap="flat" cmpd="sng" algn="ctr">
-          <a:solidFill>
-            <a:schemeClr val="accent1">
-              <a:hueOff val="0"/>
-              <a:satOff val="0"/>
-              <a:lumOff val="0"/>
-              <a:alphaOff val="0"/>
-            </a:schemeClr>
-          </a:solidFill>
-          <a:prstDash val="solid"/>
-          <a:miter lim="800000"/>
-        </a:ln>
-        <a:effectLst/>
-      </dsp:spPr>
-      <dsp:style>
-        <a:lnRef idx="2">
-          <a:scrgbClr r="0" g="0" b="0"/>
-        </a:lnRef>
-        <a:fillRef idx="1">
-          <a:scrgbClr r="0" g="0" b="0"/>
-        </a:fillRef>
-        <a:effectRef idx="0">
-          <a:scrgbClr r="0" g="0" b="0"/>
-        </a:effectRef>
-        <a:fontRef idx="minor">
-          <a:schemeClr val="lt1"/>
-        </a:fontRef>
-      </dsp:style>
-      <dsp:txBody>
-        <a:bodyPr spcFirstLastPara="0" vert="horz" wrap="square" lIns="80030" tIns="12700" rIns="80030" bIns="12700" numCol="1" spcCol="1270" anchor="ctr" anchorCtr="0">
-          <a:noAutofit/>
-        </a:bodyPr>
-        <a:lstStyle/>
-        <a:p>
-          <a:pPr marL="0" lvl="0" indent="0" algn="ctr" defTabSz="2133600">
-            <a:lnSpc>
-              <a:spcPct val="90000"/>
-            </a:lnSpc>
-            <a:spcBef>
-              <a:spcPct val="0"/>
-            </a:spcBef>
-            <a:spcAft>
-              <a:spcPct val="35000"/>
-            </a:spcAft>
-            <a:buNone/>
-          </a:pPr>
-          <a:r>
-            <a:rPr lang="en-US" sz="4800" kern="1200" dirty="0"/>
-            <a:t>2</a:t>
-          </a:r>
-        </a:p>
-      </dsp:txBody>
-      <dsp:txXfrm>
-        <a:off x="3550645" y="957325"/>
-        <a:ext cx="725847" cy="725847"/>
-      </dsp:txXfrm>
-    </dsp:sp>
-    <dsp:sp modelId="{E03BC08E-6F70-4B97-A67C-A723048DDFDA}">
-      <dsp:nvSpPr>
-        <dsp:cNvPr id="0" name=""/>
-        <dsp:cNvSpPr/>
-      </dsp:nvSpPr>
-      <dsp:spPr>
-        <a:xfrm>
-          <a:off x="2691541" y="3886435"/>
-          <a:ext cx="2444055" cy="72"/>
-        </a:xfrm>
-        <a:prstGeom prst="rect">
-          <a:avLst/>
-        </a:prstGeom>
-        <a:solidFill>
-          <a:schemeClr val="accent1">
-            <a:hueOff val="0"/>
-            <a:satOff val="0"/>
-            <a:lumOff val="0"/>
-            <a:alphaOff val="0"/>
-          </a:schemeClr>
-        </a:solidFill>
-        <a:ln w="12700" cap="flat" cmpd="sng" algn="ctr">
-          <a:solidFill>
-            <a:schemeClr val="accent1">
-              <a:hueOff val="0"/>
-              <a:satOff val="0"/>
-              <a:lumOff val="0"/>
-              <a:alphaOff val="0"/>
-            </a:schemeClr>
-          </a:solidFill>
-          <a:prstDash val="solid"/>
-          <a:miter lim="800000"/>
-        </a:ln>
-        <a:effectLst/>
-      </dsp:spPr>
-      <dsp:style>
-        <a:lnRef idx="2">
-          <a:scrgbClr r="0" g="0" b="0"/>
-        </a:lnRef>
-        <a:fillRef idx="1">
-          <a:scrgbClr r="0" g="0" b="0"/>
-        </a:fillRef>
-        <a:effectRef idx="0">
-          <a:scrgbClr r="0" g="0" b="0"/>
-        </a:effectRef>
-        <a:fontRef idx="minor">
-          <a:schemeClr val="lt1"/>
-        </a:fontRef>
-      </dsp:style>
-    </dsp:sp>
-    <dsp:sp modelId="{545AB69D-C7F1-425F-BDAA-870E1BD9236D}">
-      <dsp:nvSpPr>
-        <dsp:cNvPr id="0" name=""/>
-        <dsp:cNvSpPr/>
-      </dsp:nvSpPr>
-      <dsp:spPr>
-        <a:xfrm>
-          <a:off x="5380002" y="464830"/>
-          <a:ext cx="2444055" cy="3421677"/>
-        </a:xfrm>
-        <a:prstGeom prst="rect">
-          <a:avLst/>
-        </a:prstGeom>
-        <a:solidFill>
-          <a:schemeClr val="bg1">
-            <a:lumMod val="95000"/>
-            <a:hueOff val="0"/>
-            <a:satOff val="0"/>
-            <a:lumOff val="0"/>
-            <a:alphaOff val="0"/>
-          </a:schemeClr>
-        </a:solidFill>
-        <a:ln w="12700" cap="flat" cmpd="sng" algn="ctr">
-          <a:solidFill>
-            <a:schemeClr val="bg1">
-              <a:lumMod val="95000"/>
-              <a:hueOff val="0"/>
-              <a:satOff val="0"/>
-              <a:lumOff val="0"/>
-              <a:alphaOff val="0"/>
-            </a:schemeClr>
-          </a:solidFill>
-          <a:prstDash val="solid"/>
-          <a:miter lim="800000"/>
-        </a:ln>
-        <a:effectLst/>
-      </dsp:spPr>
-      <dsp:style>
-        <a:lnRef idx="2">
-          <a:scrgbClr r="0" g="0" b="0"/>
-        </a:lnRef>
-        <a:fillRef idx="1">
-          <a:scrgbClr r="0" g="0" b="0"/>
-        </a:fillRef>
-        <a:effectRef idx="0">
-          <a:scrgbClr r="0" g="0" b="0"/>
-        </a:effectRef>
-        <a:fontRef idx="minor"/>
-      </dsp:style>
-      <dsp:txBody>
-        <a:bodyPr spcFirstLastPara="0" vert="horz" wrap="square" lIns="190548" tIns="330200" rIns="190548" bIns="330200" numCol="1" spcCol="1270" anchor="t" anchorCtr="0">
-          <a:noAutofit/>
-        </a:bodyPr>
-        <a:lstStyle/>
-        <a:p>
-          <a:pPr marL="0" lvl="0" indent="0" algn="ctr" defTabSz="889000">
-            <a:lnSpc>
-              <a:spcPct val="90000"/>
-            </a:lnSpc>
-            <a:spcBef>
-              <a:spcPct val="0"/>
-            </a:spcBef>
-            <a:spcAft>
-              <a:spcPct val="35000"/>
-            </a:spcAft>
-            <a:buNone/>
-          </a:pPr>
-          <a:r>
-            <a:rPr lang="en-US" sz="2000" kern="1200" dirty="0"/>
-            <a:t>Reach</a:t>
-          </a:r>
-        </a:p>
-        <a:p>
-          <a:pPr marL="0" lvl="0" indent="0" algn="ctr" defTabSz="889000">
-            <a:lnSpc>
-              <a:spcPct val="90000"/>
-            </a:lnSpc>
-            <a:spcBef>
-              <a:spcPct val="0"/>
-            </a:spcBef>
-            <a:spcAft>
-              <a:spcPct val="35000"/>
-            </a:spcAft>
-            <a:buNone/>
-          </a:pPr>
-          <a:r>
-            <a:rPr lang="en-US" sz="1600" kern="1200" dirty="0"/>
-            <a:t>Reach people when needed</a:t>
-          </a:r>
-        </a:p>
-      </dsp:txBody>
-      <dsp:txXfrm>
-        <a:off x="5380002" y="1765067"/>
-        <a:ext cx="2444055" cy="2053006"/>
-      </dsp:txXfrm>
-    </dsp:sp>
-    <dsp:sp modelId="{270DAA37-033C-4FBF-B3C5-F3259E1520CB}">
-      <dsp:nvSpPr>
-        <dsp:cNvPr id="0" name=""/>
-        <dsp:cNvSpPr/>
-      </dsp:nvSpPr>
-      <dsp:spPr>
-        <a:xfrm>
-          <a:off x="6088778" y="806997"/>
-          <a:ext cx="1026503" cy="1026503"/>
-        </a:xfrm>
-        <a:prstGeom prst="ellipse">
-          <a:avLst/>
-        </a:prstGeom>
-        <a:solidFill>
-          <a:srgbClr val="43B02A"/>
-        </a:solidFill>
-        <a:ln w="12700" cap="flat" cmpd="sng" algn="ctr">
-          <a:solidFill>
-            <a:schemeClr val="accent1">
-              <a:hueOff val="0"/>
-              <a:satOff val="0"/>
-              <a:lumOff val="0"/>
-              <a:alphaOff val="0"/>
-            </a:schemeClr>
-          </a:solidFill>
-          <a:prstDash val="solid"/>
-          <a:miter lim="800000"/>
-        </a:ln>
-        <a:effectLst/>
-      </dsp:spPr>
-      <dsp:style>
-        <a:lnRef idx="2">
-          <a:scrgbClr r="0" g="0" b="0"/>
-        </a:lnRef>
-        <a:fillRef idx="1">
-          <a:scrgbClr r="0" g="0" b="0"/>
-        </a:fillRef>
-        <a:effectRef idx="0">
-          <a:scrgbClr r="0" g="0" b="0"/>
-        </a:effectRef>
-        <a:fontRef idx="minor">
-          <a:schemeClr val="lt1"/>
-        </a:fontRef>
-      </dsp:style>
-      <dsp:txBody>
-        <a:bodyPr spcFirstLastPara="0" vert="horz" wrap="square" lIns="80030" tIns="12700" rIns="80030" bIns="12700" numCol="1" spcCol="1270" anchor="ctr" anchorCtr="0">
-          <a:noAutofit/>
-        </a:bodyPr>
-        <a:lstStyle/>
-        <a:p>
-          <a:pPr marL="0" lvl="0" indent="0" algn="ctr" defTabSz="2133600">
-            <a:lnSpc>
-              <a:spcPct val="90000"/>
-            </a:lnSpc>
-            <a:spcBef>
-              <a:spcPct val="0"/>
-            </a:spcBef>
-            <a:spcAft>
-              <a:spcPct val="35000"/>
-            </a:spcAft>
-            <a:buNone/>
-          </a:pPr>
-          <a:r>
-            <a:rPr lang="en-US" sz="4800" kern="1200" dirty="0"/>
-            <a:t>3</a:t>
-          </a:r>
-        </a:p>
-      </dsp:txBody>
-      <dsp:txXfrm>
-        <a:off x="6239106" y="957325"/>
-        <a:ext cx="725847" cy="725847"/>
-      </dsp:txXfrm>
-    </dsp:sp>
-    <dsp:sp modelId="{E95DFE27-C7D9-4A44-BB57-62A16A41A767}">
-      <dsp:nvSpPr>
-        <dsp:cNvPr id="0" name=""/>
-        <dsp:cNvSpPr/>
-      </dsp:nvSpPr>
-      <dsp:spPr>
-        <a:xfrm>
-          <a:off x="5380002" y="3886435"/>
-          <a:ext cx="2444055" cy="72"/>
-        </a:xfrm>
-        <a:prstGeom prst="rect">
-          <a:avLst/>
-        </a:prstGeom>
-        <a:solidFill>
-          <a:schemeClr val="accent1">
-            <a:hueOff val="0"/>
-            <a:satOff val="0"/>
-            <a:lumOff val="0"/>
-            <a:alphaOff val="0"/>
-          </a:schemeClr>
-        </a:solidFill>
-        <a:ln w="12700" cap="flat" cmpd="sng" algn="ctr">
-          <a:solidFill>
-            <a:schemeClr val="accent1">
-              <a:hueOff val="0"/>
-              <a:satOff val="0"/>
-              <a:lumOff val="0"/>
-              <a:alphaOff val="0"/>
-            </a:schemeClr>
-          </a:solidFill>
-          <a:prstDash val="solid"/>
-          <a:miter lim="800000"/>
-        </a:ln>
-        <a:effectLst/>
-      </dsp:spPr>
-      <dsp:style>
-        <a:lnRef idx="2">
-          <a:scrgbClr r="0" g="0" b="0"/>
-        </a:lnRef>
-        <a:fillRef idx="1">
-          <a:scrgbClr r="0" g="0" b="0"/>
-        </a:fillRef>
-        <a:effectRef idx="0">
-          <a:scrgbClr r="0" g="0" b="0"/>
-        </a:effectRef>
-        <a:fontRef idx="minor">
-          <a:schemeClr val="lt1"/>
-        </a:fontRef>
-      </dsp:style>
-    </dsp:sp>
-    <dsp:sp modelId="{9351060C-ACBE-49AC-A648-BD79B54DE694}">
-      <dsp:nvSpPr>
-        <dsp:cNvPr id="0" name=""/>
-        <dsp:cNvSpPr/>
-      </dsp:nvSpPr>
-      <dsp:spPr>
-        <a:xfrm>
-          <a:off x="8068463" y="464830"/>
-          <a:ext cx="2444055" cy="3421677"/>
-        </a:xfrm>
-        <a:prstGeom prst="rect">
-          <a:avLst/>
-        </a:prstGeom>
-        <a:solidFill>
-          <a:schemeClr val="bg1">
-            <a:lumMod val="95000"/>
-            <a:hueOff val="0"/>
-            <a:satOff val="0"/>
-            <a:lumOff val="0"/>
-            <a:alphaOff val="0"/>
-          </a:schemeClr>
-        </a:solidFill>
-        <a:ln w="12700" cap="flat" cmpd="sng" algn="ctr">
-          <a:solidFill>
-            <a:schemeClr val="bg1">
-              <a:lumMod val="95000"/>
-              <a:hueOff val="0"/>
-              <a:satOff val="0"/>
-              <a:lumOff val="0"/>
-              <a:alphaOff val="0"/>
-            </a:schemeClr>
-          </a:solidFill>
-          <a:prstDash val="solid"/>
-          <a:miter lim="800000"/>
-        </a:ln>
-        <a:effectLst/>
-      </dsp:spPr>
-      <dsp:style>
-        <a:lnRef idx="2">
-          <a:scrgbClr r="0" g="0" b="0"/>
-        </a:lnRef>
-        <a:fillRef idx="1">
-          <a:scrgbClr r="0" g="0" b="0"/>
-        </a:fillRef>
-        <a:effectRef idx="0">
-          <a:scrgbClr r="0" g="0" b="0"/>
-        </a:effectRef>
-        <a:fontRef idx="minor"/>
-      </dsp:style>
-      <dsp:txBody>
-        <a:bodyPr spcFirstLastPara="0" vert="horz" wrap="square" lIns="190548" tIns="330200" rIns="190548" bIns="330200" numCol="1" spcCol="1270" anchor="t" anchorCtr="0">
-          <a:noAutofit/>
-        </a:bodyPr>
-        <a:lstStyle/>
-        <a:p>
-          <a:pPr marL="0" lvl="0" indent="0" algn="ctr" defTabSz="889000">
-            <a:lnSpc>
-              <a:spcPct val="90000"/>
-            </a:lnSpc>
-            <a:spcBef>
-              <a:spcPct val="0"/>
-            </a:spcBef>
-            <a:spcAft>
-              <a:spcPct val="35000"/>
-            </a:spcAft>
-            <a:buNone/>
-          </a:pPr>
-          <a:r>
-            <a:rPr lang="en-US" sz="2000" kern="1200" dirty="0"/>
-            <a:t>Sharing</a:t>
-          </a:r>
-        </a:p>
-        <a:p>
-          <a:pPr marL="0" lvl="0" indent="0" algn="ctr" defTabSz="889000">
-            <a:lnSpc>
-              <a:spcPct val="90000"/>
-            </a:lnSpc>
-            <a:spcBef>
-              <a:spcPct val="0"/>
-            </a:spcBef>
-            <a:spcAft>
-              <a:spcPct val="35000"/>
-            </a:spcAft>
-            <a:buNone/>
-          </a:pPr>
-          <a:r>
-            <a:rPr lang="en-US" sz="1600" kern="1200" dirty="0"/>
-            <a:t>Camera</a:t>
-          </a:r>
-        </a:p>
-        <a:p>
-          <a:pPr marL="0" lvl="0" indent="0" algn="ctr" defTabSz="889000">
-            <a:lnSpc>
-              <a:spcPct val="90000"/>
-            </a:lnSpc>
-            <a:spcBef>
-              <a:spcPct val="0"/>
-            </a:spcBef>
-            <a:spcAft>
-              <a:spcPct val="35000"/>
-            </a:spcAft>
-            <a:buNone/>
-          </a:pPr>
-          <a:r>
-            <a:rPr lang="en-US" sz="1600" kern="1200" dirty="0"/>
-            <a:t>Maps</a:t>
-          </a:r>
-        </a:p>
-      </dsp:txBody>
-      <dsp:txXfrm>
-        <a:off x="8068463" y="1765067"/>
-        <a:ext cx="2444055" cy="2053006"/>
-      </dsp:txXfrm>
-    </dsp:sp>
-    <dsp:sp modelId="{0976773B-12B7-4330-9710-1EA00090547F}">
-      <dsp:nvSpPr>
-        <dsp:cNvPr id="0" name=""/>
-        <dsp:cNvSpPr/>
-      </dsp:nvSpPr>
-      <dsp:spPr>
-        <a:xfrm>
-          <a:off x="8777239" y="806997"/>
-          <a:ext cx="1026503" cy="1026503"/>
-        </a:xfrm>
-        <a:prstGeom prst="ellipse">
-          <a:avLst/>
-        </a:prstGeom>
-        <a:solidFill>
-          <a:srgbClr val="43B02A"/>
-        </a:solidFill>
-        <a:ln w="12700" cap="flat" cmpd="sng" algn="ctr">
-          <a:solidFill>
-            <a:schemeClr val="accent1">
-              <a:hueOff val="0"/>
-              <a:satOff val="0"/>
-              <a:lumOff val="0"/>
-              <a:alphaOff val="0"/>
-            </a:schemeClr>
-          </a:solidFill>
-          <a:prstDash val="solid"/>
-          <a:miter lim="800000"/>
-        </a:ln>
-        <a:effectLst/>
-      </dsp:spPr>
-      <dsp:style>
-        <a:lnRef idx="2">
-          <a:scrgbClr r="0" g="0" b="0"/>
-        </a:lnRef>
-        <a:fillRef idx="1">
-          <a:scrgbClr r="0" g="0" b="0"/>
-        </a:fillRef>
-        <a:effectRef idx="0">
-          <a:scrgbClr r="0" g="0" b="0"/>
-        </a:effectRef>
-        <a:fontRef idx="minor">
-          <a:schemeClr val="lt1"/>
-        </a:fontRef>
-      </dsp:style>
-      <dsp:txBody>
-        <a:bodyPr spcFirstLastPara="0" vert="horz" wrap="square" lIns="80030" tIns="12700" rIns="80030" bIns="12700" numCol="1" spcCol="1270" anchor="ctr" anchorCtr="0">
-          <a:noAutofit/>
-        </a:bodyPr>
-        <a:lstStyle/>
-        <a:p>
-          <a:pPr marL="0" lvl="0" indent="0" algn="ctr" defTabSz="2133600">
-            <a:lnSpc>
-              <a:spcPct val="90000"/>
-            </a:lnSpc>
-            <a:spcBef>
-              <a:spcPct val="0"/>
-            </a:spcBef>
-            <a:spcAft>
-              <a:spcPct val="35000"/>
-            </a:spcAft>
-            <a:buNone/>
-          </a:pPr>
-          <a:r>
-            <a:rPr lang="en-US" sz="4800" kern="1200"/>
-            <a:t>4</a:t>
-          </a:r>
-        </a:p>
-      </dsp:txBody>
-      <dsp:txXfrm>
-        <a:off x="8927567" y="957325"/>
-        <a:ext cx="725847" cy="725847"/>
-      </dsp:txXfrm>
-    </dsp:sp>
-    <dsp:sp modelId="{865066A0-097F-4E6D-9502-9C489920F2EC}">
-      <dsp:nvSpPr>
-        <dsp:cNvPr id="0" name=""/>
-        <dsp:cNvSpPr/>
-      </dsp:nvSpPr>
-      <dsp:spPr>
-        <a:xfrm>
-          <a:off x="8068463" y="3886435"/>
-          <a:ext cx="2444055" cy="72"/>
-        </a:xfrm>
-        <a:prstGeom prst="rect">
-          <a:avLst/>
-        </a:prstGeom>
-        <a:solidFill>
-          <a:schemeClr val="accent1">
-            <a:hueOff val="0"/>
-            <a:satOff val="0"/>
-            <a:lumOff val="0"/>
-            <a:alphaOff val="0"/>
-          </a:schemeClr>
-        </a:solidFill>
-        <a:ln w="12700" cap="flat" cmpd="sng" algn="ctr">
-          <a:solidFill>
-            <a:schemeClr val="accent1">
-              <a:hueOff val="0"/>
-              <a:satOff val="0"/>
-              <a:lumOff val="0"/>
-              <a:alphaOff val="0"/>
-            </a:schemeClr>
-          </a:solidFill>
-          <a:prstDash val="solid"/>
-          <a:miter lim="800000"/>
-        </a:ln>
-        <a:effectLst/>
-      </dsp:spPr>
-      <dsp:style>
-        <a:lnRef idx="2">
-          <a:scrgbClr r="0" g="0" b="0"/>
-        </a:lnRef>
-        <a:fillRef idx="1">
-          <a:scrgbClr r="0" g="0" b="0"/>
-        </a:fillRef>
-        <a:effectRef idx="0">
-          <a:scrgbClr r="0" g="0" b="0"/>
-        </a:effectRef>
-        <a:fontRef idx="minor">
-          <a:schemeClr val="lt1"/>
-        </a:fontRef>
-      </dsp:style>
-    </dsp:sp>
-  </dsp:spTree>
-</dsp:drawing>
-</file>
-
-<file path=ppt/diagrams/drawing2.xml><?xml version="1.0" encoding="utf-8"?>
 <dsp:drawing xmlns:dgm="http://schemas.openxmlformats.org/drawingml/2006/diagram" xmlns:dsp="http://schemas.microsoft.com/office/drawing/2008/diagram" xmlns:a="http://schemas.openxmlformats.org/drawingml/2006/main">
   <dsp:spTree>
     <dsp:nvGrpSpPr>
@@ -6086,7 +2686,7 @@
           </a:pPr>
           <a:r>
             <a:rPr lang="en-US" sz="2000" kern="1200" dirty="0"/>
-            <a:t>UI</a:t>
+            <a:t>User Experience</a:t>
           </a:r>
         </a:p>
         <a:p>
@@ -6104,7 +2704,43 @@
           </a:pPr>
           <a:r>
             <a:rPr lang="en-US" sz="1600" kern="1200" dirty="0"/>
-            <a:t>Fun and intuitive</a:t>
+            <a:t>Fun </a:t>
+          </a:r>
+        </a:p>
+        <a:p>
+          <a:pPr marL="0" lvl="0" indent="0" algn="ctr" defTabSz="889000">
+            <a:lnSpc>
+              <a:spcPct val="90000"/>
+            </a:lnSpc>
+            <a:spcBef>
+              <a:spcPct val="0"/>
+            </a:spcBef>
+            <a:spcAft>
+              <a:spcPct val="35000"/>
+            </a:spcAft>
+            <a:buNone/>
+          </a:pPr>
+          <a:r>
+            <a:rPr lang="en-US" sz="1600" kern="1200" dirty="0"/>
+            <a:t>Fast</a:t>
+          </a:r>
+        </a:p>
+        <a:p>
+          <a:pPr marL="0" lvl="0" indent="0" algn="ctr" defTabSz="889000">
+            <a:lnSpc>
+              <a:spcPct val="90000"/>
+            </a:lnSpc>
+            <a:spcBef>
+              <a:spcPct val="0"/>
+            </a:spcBef>
+            <a:spcAft>
+              <a:spcPct val="35000"/>
+            </a:spcAft>
+            <a:buNone/>
+          </a:pPr>
+          <a:r>
+            <a:rPr lang="en-US" sz="1600" kern="1200" dirty="0"/>
+            <a:t>Intuitive</a:t>
           </a:r>
         </a:p>
       </dsp:txBody>
@@ -6236,7 +2872,7 @@
         </a:fontRef>
       </dsp:style>
     </dsp:sp>
-    <dsp:sp modelId="{545AB69D-C7F1-425F-BDAA-870E1BD9236D}">
+    <dsp:sp modelId="{9351060C-ACBE-49AC-A648-BD79B54DE694}">
       <dsp:nvSpPr>
         <dsp:cNvPr id="0" name=""/>
         <dsp:cNvSpPr/>
@@ -6305,7 +2941,7 @@
           </a:pPr>
           <a:r>
             <a:rPr lang="en-US" sz="2000" kern="1200" dirty="0"/>
-            <a:t>Flow</a:t>
+            <a:t>Context</a:t>
           </a:r>
         </a:p>
         <a:p>
@@ -6323,7 +2959,7 @@
           </a:pPr>
           <a:r>
             <a:rPr lang="en-US" sz="1600" kern="1200" dirty="0"/>
-            <a:t>Minimum clicks from launch to publish</a:t>
+            <a:t>Location awareness</a:t>
           </a:r>
         </a:p>
       </dsp:txBody>
@@ -6332,7 +2968,7 @@
         <a:ext cx="2444055" cy="2053006"/>
       </dsp:txXfrm>
     </dsp:sp>
-    <dsp:sp modelId="{270DAA37-033C-4FBF-B3C5-F3259E1520CB}">
+    <dsp:sp modelId="{0976773B-12B7-4330-9710-1EA00090547F}">
       <dsp:nvSpPr>
         <dsp:cNvPr id="0" name=""/>
         <dsp:cNvSpPr/>
@@ -6405,7 +3041,7 @@
         <a:ext cx="725847" cy="725847"/>
       </dsp:txXfrm>
     </dsp:sp>
-    <dsp:sp modelId="{E95DFE27-C7D9-4A44-BB57-62A16A41A767}">
+    <dsp:sp modelId="{865066A0-097F-4E6D-9502-9C489920F2EC}">
       <dsp:nvSpPr>
         <dsp:cNvPr id="0" name=""/>
         <dsp:cNvSpPr/>
@@ -6455,7 +3091,7 @@
         </a:fontRef>
       </dsp:style>
     </dsp:sp>
-    <dsp:sp modelId="{9351060C-ACBE-49AC-A648-BD79B54DE694}">
+    <dsp:sp modelId="{E968DE66-CA9E-45CE-808A-DD370F57FB0A}">
       <dsp:nvSpPr>
         <dsp:cNvPr id="0" name=""/>
         <dsp:cNvSpPr/>
@@ -6510,7 +3146,7 @@
         </a:bodyPr>
         <a:lstStyle/>
         <a:p>
-          <a:pPr marL="0" lvl="0" indent="0" algn="ctr" defTabSz="889000">
+          <a:pPr marL="0" lvl="0" indent="0" algn="l" defTabSz="889000">
             <a:lnSpc>
               <a:spcPct val="90000"/>
             </a:lnSpc>
@@ -6524,11 +3160,11 @@
           </a:pPr>
           <a:r>
             <a:rPr lang="en-US" sz="2000" kern="1200" dirty="0"/>
-            <a:t>Discovery</a:t>
+            <a:t>Messaging</a:t>
           </a:r>
         </a:p>
         <a:p>
-          <a:pPr marL="0" lvl="0" indent="0" algn="ctr" defTabSz="889000">
+          <a:pPr marL="0" lvl="0" indent="0" algn="l" defTabSz="889000">
             <a:lnSpc>
               <a:spcPct val="90000"/>
             </a:lnSpc>
@@ -6542,7 +3178,7 @@
           </a:pPr>
           <a:r>
             <a:rPr lang="en-US" sz="1600" kern="1200" dirty="0"/>
-            <a:t>Intelligent messaging</a:t>
+            <a:t>Reaching People</a:t>
           </a:r>
         </a:p>
       </dsp:txBody>
@@ -6551,7 +3187,7 @@
         <a:ext cx="2444055" cy="2053006"/>
       </dsp:txXfrm>
     </dsp:sp>
-    <dsp:sp modelId="{0976773B-12B7-4330-9710-1EA00090547F}">
+    <dsp:sp modelId="{15AD6B92-D490-41C7-9E6D-5730CBD915AD}">
       <dsp:nvSpPr>
         <dsp:cNvPr id="0" name=""/>
         <dsp:cNvSpPr/>
@@ -6614,7 +3250,7 @@
             <a:buNone/>
           </a:pPr>
           <a:r>
-            <a:rPr lang="en-US" sz="4800" kern="1200"/>
+            <a:rPr lang="en-US" sz="4800" kern="1200" dirty="0"/>
             <a:t>4</a:t>
           </a:r>
         </a:p>
@@ -6624,7 +3260,7 @@
         <a:ext cx="725847" cy="725847"/>
       </dsp:txXfrm>
     </dsp:sp>
-    <dsp:sp modelId="{865066A0-097F-4E6D-9502-9C489920F2EC}">
+    <dsp:sp modelId="{00D740B6-08E7-4770-96B4-A65BF65E5FF1}">
       <dsp:nvSpPr>
         <dsp:cNvPr id="0" name=""/>
         <dsp:cNvSpPr/>
@@ -6678,7 +3314,7 @@
 </dsp:drawing>
 </file>
 
-<file path=ppt/diagrams/drawing3.xml><?xml version="1.0" encoding="utf-8"?>
+<file path=ppt/diagrams/drawing2.xml><?xml version="1.0" encoding="utf-8"?>
 <dsp:drawing xmlns:dgm="http://schemas.openxmlformats.org/drawingml/2006/diagram" xmlns:dsp="http://schemas.microsoft.com/office/drawing/2008/diagram" xmlns:a="http://schemas.openxmlformats.org/drawingml/2006/main">
   <dsp:spTree>
     <dsp:nvGrpSpPr>
@@ -6693,8 +3329,8 @@
       </dsp:nvSpPr>
       <dsp:spPr>
         <a:xfrm>
-          <a:off x="3080" y="464830"/>
-          <a:ext cx="2444055" cy="3421677"/>
+          <a:off x="0" y="0"/>
+          <a:ext cx="3286125" cy="4351338"/>
         </a:xfrm>
         <a:prstGeom prst="rect">
           <a:avLst/>
@@ -6736,7 +3372,7 @@
         <a:fontRef idx="minor"/>
       </dsp:style>
       <dsp:txBody>
-        <a:bodyPr spcFirstLastPara="0" vert="horz" wrap="square" lIns="190548" tIns="330200" rIns="190548" bIns="330200" numCol="1" spcCol="1270" anchor="t" anchorCtr="0">
+        <a:bodyPr spcFirstLastPara="0" vert="horz" wrap="square" lIns="256199" tIns="330200" rIns="256199" bIns="330200" numCol="1" spcCol="1270" anchor="t" anchorCtr="0">
           <a:noAutofit/>
         </a:bodyPr>
         <a:lstStyle/>
@@ -6755,7 +3391,7 @@
           </a:pPr>
           <a:r>
             <a:rPr lang="en-US" sz="2000" kern="1200" dirty="0"/>
-            <a:t>Android</a:t>
+            <a:t>Payments</a:t>
           </a:r>
         </a:p>
         <a:p>
@@ -6773,46 +3409,13 @@
           </a:pPr>
           <a:r>
             <a:rPr lang="en-US" sz="1600" kern="1200" dirty="0"/>
-            <a:t>Location Services</a:t>
+            <a:t>Peer-to-peer</a:t>
           </a:r>
-        </a:p>
-        <a:p>
-          <a:pPr marL="0" lvl="0" indent="0" algn="ctr" defTabSz="889000">
-            <a:lnSpc>
-              <a:spcPct val="90000"/>
-            </a:lnSpc>
-            <a:spcBef>
-              <a:spcPct val="0"/>
-            </a:spcBef>
-            <a:spcAft>
-              <a:spcPct val="35000"/>
-            </a:spcAft>
-            <a:buNone/>
-          </a:pPr>
-          <a:r>
-            <a:rPr lang="en-US" sz="1600" kern="1200" dirty="0"/>
-            <a:t>Camera</a:t>
-          </a:r>
-        </a:p>
-        <a:p>
-          <a:pPr marL="0" lvl="0" indent="0" algn="ctr" defTabSz="889000">
-            <a:lnSpc>
-              <a:spcPct val="90000"/>
-            </a:lnSpc>
-            <a:spcBef>
-              <a:spcPct val="0"/>
-            </a:spcBef>
-            <a:spcAft>
-              <a:spcPct val="35000"/>
-            </a:spcAft>
-            <a:buNone/>
-          </a:pPr>
-          <a:endParaRPr lang="en-US" sz="1600" kern="1200" dirty="0"/>
         </a:p>
       </dsp:txBody>
       <dsp:txXfrm>
-        <a:off x="3080" y="1765067"/>
-        <a:ext cx="2444055" cy="2053006"/>
+        <a:off x="0" y="1653508"/>
+        <a:ext cx="3286125" cy="2610802"/>
       </dsp:txXfrm>
     </dsp:sp>
     <dsp:sp modelId="{ACAA34E6-767F-4D68-B93B-8FDE92B40A4E}">
@@ -6822,8 +3425,8 @@
       </dsp:nvSpPr>
       <dsp:spPr>
         <a:xfrm>
-          <a:off x="711856" y="806997"/>
-          <a:ext cx="1026503" cy="1026503"/>
+          <a:off x="990361" y="435133"/>
+          <a:ext cx="1305401" cy="1305401"/>
         </a:xfrm>
         <a:prstGeom prst="ellipse">
           <a:avLst/>
@@ -6860,7 +3463,7 @@
         </a:fontRef>
       </dsp:style>
       <dsp:txBody>
-        <a:bodyPr spcFirstLastPara="0" vert="horz" wrap="square" lIns="80030" tIns="12700" rIns="80030" bIns="12700" numCol="1" spcCol="1270" anchor="ctr" anchorCtr="0">
+        <a:bodyPr spcFirstLastPara="0" vert="horz" wrap="square" lIns="101774" tIns="12700" rIns="101774" bIns="12700" numCol="1" spcCol="1270" anchor="ctr" anchorCtr="0">
           <a:noAutofit/>
         </a:bodyPr>
         <a:lstStyle/>
@@ -6884,8 +3487,8 @@
         </a:p>
       </dsp:txBody>
       <dsp:txXfrm>
-        <a:off x="862184" y="957325"/>
-        <a:ext cx="725847" cy="725847"/>
+        <a:off x="1181533" y="626305"/>
+        <a:ext cx="923057" cy="923057"/>
       </dsp:txXfrm>
     </dsp:sp>
     <dsp:sp modelId="{7400FDBD-D909-4EEF-8BE8-F79E84E0AF16}">
@@ -6895,8 +3498,8 @@
       </dsp:nvSpPr>
       <dsp:spPr>
         <a:xfrm>
-          <a:off x="3080" y="3886435"/>
-          <a:ext cx="2444055" cy="72"/>
+          <a:off x="0" y="4351266"/>
+          <a:ext cx="3286125" cy="72"/>
         </a:xfrm>
         <a:prstGeom prst="rect">
           <a:avLst/>
@@ -6945,8 +3548,8 @@
       </dsp:nvSpPr>
       <dsp:spPr>
         <a:xfrm>
-          <a:off x="2691541" y="464830"/>
-          <a:ext cx="2444055" cy="3421677"/>
+          <a:off x="3614737" y="0"/>
+          <a:ext cx="3286125" cy="4351338"/>
         </a:xfrm>
         <a:prstGeom prst="rect">
           <a:avLst/>
@@ -6988,7 +3591,7 @@
         <a:fontRef idx="minor"/>
       </dsp:style>
       <dsp:txBody>
-        <a:bodyPr spcFirstLastPara="0" vert="horz" wrap="square" lIns="190548" tIns="330200" rIns="190548" bIns="330200" numCol="1" spcCol="1270" anchor="t" anchorCtr="0">
+        <a:bodyPr spcFirstLastPara="0" vert="horz" wrap="square" lIns="256199" tIns="330200" rIns="256199" bIns="330200" numCol="1" spcCol="1270" anchor="t" anchorCtr="0">
           <a:noAutofit/>
         </a:bodyPr>
         <a:lstStyle/>
@@ -7007,29 +3610,7 @@
           </a:pPr>
           <a:r>
             <a:rPr lang="en-US" sz="2000" kern="1200" dirty="0"/>
-            <a:t>Firebase </a:t>
-          </a:r>
-        </a:p>
-        <a:p>
-          <a:pPr marL="0" lvl="0" indent="0" algn="ctr" defTabSz="889000">
-            <a:lnSpc>
-              <a:spcPct val="90000"/>
-            </a:lnSpc>
-            <a:spcBef>
-              <a:spcPct val="0"/>
-            </a:spcBef>
-            <a:spcAft>
-              <a:spcPct val="35000"/>
-            </a:spcAft>
-            <a:buNone/>
-          </a:pPr>
-          <a:r>
-            <a:rPr lang="en-US" sz="1600" kern="1200" dirty="0" err="1"/>
-            <a:t>Realtime</a:t>
-          </a:r>
-          <a:r>
-            <a:rPr lang="en-US" sz="1600" kern="1200" dirty="0"/>
-            <a:t> Database</a:t>
+            <a:t>Smarter Messaging</a:t>
           </a:r>
         </a:p>
         <a:p>
@@ -7047,31 +3628,13 @@
           </a:pPr>
           <a:r>
             <a:rPr lang="en-US" sz="1600" kern="1200" dirty="0"/>
-            <a:t>Functions</a:t>
-          </a:r>
-        </a:p>
-        <a:p>
-          <a:pPr marL="0" lvl="0" indent="0" algn="ctr" defTabSz="889000">
-            <a:lnSpc>
-              <a:spcPct val="90000"/>
-            </a:lnSpc>
-            <a:spcBef>
-              <a:spcPct val="0"/>
-            </a:spcBef>
-            <a:spcAft>
-              <a:spcPct val="35000"/>
-            </a:spcAft>
-            <a:buNone/>
-          </a:pPr>
-          <a:r>
-            <a:rPr lang="en-US" sz="1600" kern="1200" dirty="0"/>
-            <a:t>Cloud Messaging</a:t>
+            <a:t>Target people most likely to help</a:t>
           </a:r>
         </a:p>
       </dsp:txBody>
       <dsp:txXfrm>
-        <a:off x="2691541" y="1765067"/>
-        <a:ext cx="2444055" cy="2053006"/>
+        <a:off x="3614737" y="1653508"/>
+        <a:ext cx="3286125" cy="2610802"/>
       </dsp:txXfrm>
     </dsp:sp>
     <dsp:sp modelId="{DE5A761A-F766-4E26-927C-190D6F821595}">
@@ -7081,8 +3644,8 @@
       </dsp:nvSpPr>
       <dsp:spPr>
         <a:xfrm>
-          <a:off x="3400317" y="806997"/>
-          <a:ext cx="1026503" cy="1026503"/>
+          <a:off x="4605099" y="435133"/>
+          <a:ext cx="1305401" cy="1305401"/>
         </a:xfrm>
         <a:prstGeom prst="ellipse">
           <a:avLst/>
@@ -7119,7 +3682,7 @@
         </a:fontRef>
       </dsp:style>
       <dsp:txBody>
-        <a:bodyPr spcFirstLastPara="0" vert="horz" wrap="square" lIns="80030" tIns="12700" rIns="80030" bIns="12700" numCol="1" spcCol="1270" anchor="ctr" anchorCtr="0">
+        <a:bodyPr spcFirstLastPara="0" vert="horz" wrap="square" lIns="101774" tIns="12700" rIns="101774" bIns="12700" numCol="1" spcCol="1270" anchor="ctr" anchorCtr="0">
           <a:noAutofit/>
         </a:bodyPr>
         <a:lstStyle/>
@@ -7143,8 +3706,8 @@
         </a:p>
       </dsp:txBody>
       <dsp:txXfrm>
-        <a:off x="3550645" y="957325"/>
-        <a:ext cx="725847" cy="725847"/>
+        <a:off x="4796271" y="626305"/>
+        <a:ext cx="923057" cy="923057"/>
       </dsp:txXfrm>
     </dsp:sp>
     <dsp:sp modelId="{E03BC08E-6F70-4B97-A67C-A723048DDFDA}">
@@ -7154,245 +3717,8 @@
       </dsp:nvSpPr>
       <dsp:spPr>
         <a:xfrm>
-          <a:off x="2691541" y="3886435"/>
-          <a:ext cx="2444055" cy="72"/>
-        </a:xfrm>
-        <a:prstGeom prst="rect">
-          <a:avLst/>
-        </a:prstGeom>
-        <a:solidFill>
-          <a:schemeClr val="accent1">
-            <a:hueOff val="0"/>
-            <a:satOff val="0"/>
-            <a:lumOff val="0"/>
-            <a:alphaOff val="0"/>
-          </a:schemeClr>
-        </a:solidFill>
-        <a:ln w="12700" cap="flat" cmpd="sng" algn="ctr">
-          <a:solidFill>
-            <a:schemeClr val="accent1">
-              <a:hueOff val="0"/>
-              <a:satOff val="0"/>
-              <a:lumOff val="0"/>
-              <a:alphaOff val="0"/>
-            </a:schemeClr>
-          </a:solidFill>
-          <a:prstDash val="solid"/>
-          <a:miter lim="800000"/>
-        </a:ln>
-        <a:effectLst/>
-      </dsp:spPr>
-      <dsp:style>
-        <a:lnRef idx="2">
-          <a:scrgbClr r="0" g="0" b="0"/>
-        </a:lnRef>
-        <a:fillRef idx="1">
-          <a:scrgbClr r="0" g="0" b="0"/>
-        </a:fillRef>
-        <a:effectRef idx="0">
-          <a:scrgbClr r="0" g="0" b="0"/>
-        </a:effectRef>
-        <a:fontRef idx="minor">
-          <a:schemeClr val="lt1"/>
-        </a:fontRef>
-      </dsp:style>
-    </dsp:sp>
-    <dsp:sp modelId="{545AB69D-C7F1-425F-BDAA-870E1BD9236D}">
-      <dsp:nvSpPr>
-        <dsp:cNvPr id="0" name=""/>
-        <dsp:cNvSpPr/>
-      </dsp:nvSpPr>
-      <dsp:spPr>
-        <a:xfrm>
-          <a:off x="5380002" y="464830"/>
-          <a:ext cx="2444055" cy="3421677"/>
-        </a:xfrm>
-        <a:prstGeom prst="rect">
-          <a:avLst/>
-        </a:prstGeom>
-        <a:solidFill>
-          <a:schemeClr val="bg1">
-            <a:lumMod val="95000"/>
-            <a:hueOff val="0"/>
-            <a:satOff val="0"/>
-            <a:lumOff val="0"/>
-            <a:alphaOff val="0"/>
-          </a:schemeClr>
-        </a:solidFill>
-        <a:ln w="12700" cap="flat" cmpd="sng" algn="ctr">
-          <a:solidFill>
-            <a:schemeClr val="bg1">
-              <a:lumMod val="95000"/>
-              <a:hueOff val="0"/>
-              <a:satOff val="0"/>
-              <a:lumOff val="0"/>
-              <a:alphaOff val="0"/>
-            </a:schemeClr>
-          </a:solidFill>
-          <a:prstDash val="solid"/>
-          <a:miter lim="800000"/>
-        </a:ln>
-        <a:effectLst/>
-      </dsp:spPr>
-      <dsp:style>
-        <a:lnRef idx="2">
-          <a:scrgbClr r="0" g="0" b="0"/>
-        </a:lnRef>
-        <a:fillRef idx="1">
-          <a:scrgbClr r="0" g="0" b="0"/>
-        </a:fillRef>
-        <a:effectRef idx="0">
-          <a:scrgbClr r="0" g="0" b="0"/>
-        </a:effectRef>
-        <a:fontRef idx="minor"/>
-      </dsp:style>
-      <dsp:txBody>
-        <a:bodyPr spcFirstLastPara="0" vert="horz" wrap="square" lIns="190548" tIns="330200" rIns="190548" bIns="330200" numCol="1" spcCol="1270" anchor="t" anchorCtr="0">
-          <a:noAutofit/>
-        </a:bodyPr>
-        <a:lstStyle/>
-        <a:p>
-          <a:pPr marL="0" lvl="0" indent="0" algn="ctr" defTabSz="889000">
-            <a:lnSpc>
-              <a:spcPct val="90000"/>
-            </a:lnSpc>
-            <a:spcBef>
-              <a:spcPct val="0"/>
-            </a:spcBef>
-            <a:spcAft>
-              <a:spcPct val="35000"/>
-            </a:spcAft>
-            <a:buNone/>
-          </a:pPr>
-          <a:r>
-            <a:rPr lang="en-US" sz="2000" kern="1200" dirty="0"/>
-            <a:t>Third Party Libraries</a:t>
-          </a:r>
-        </a:p>
-        <a:p>
-          <a:pPr marL="0" lvl="0" indent="0" algn="ctr" defTabSz="889000">
-            <a:lnSpc>
-              <a:spcPct val="90000"/>
-            </a:lnSpc>
-            <a:spcBef>
-              <a:spcPct val="0"/>
-            </a:spcBef>
-            <a:spcAft>
-              <a:spcPct val="35000"/>
-            </a:spcAft>
-            <a:buNone/>
-          </a:pPr>
-          <a:r>
-            <a:rPr lang="en-US" sz="1600" kern="1200" dirty="0"/>
-            <a:t>Animation</a:t>
-          </a:r>
-        </a:p>
-        <a:p>
-          <a:pPr marL="0" lvl="0" indent="0" algn="ctr" defTabSz="889000">
-            <a:lnSpc>
-              <a:spcPct val="90000"/>
-            </a:lnSpc>
-            <a:spcBef>
-              <a:spcPct val="0"/>
-            </a:spcBef>
-            <a:spcAft>
-              <a:spcPct val="35000"/>
-            </a:spcAft>
-            <a:buNone/>
-          </a:pPr>
-          <a:r>
-            <a:rPr lang="en-US" sz="1600" kern="1200" dirty="0"/>
-            <a:t>Gestures</a:t>
-          </a:r>
-        </a:p>
-      </dsp:txBody>
-      <dsp:txXfrm>
-        <a:off x="5380002" y="1765067"/>
-        <a:ext cx="2444055" cy="2053006"/>
-      </dsp:txXfrm>
-    </dsp:sp>
-    <dsp:sp modelId="{270DAA37-033C-4FBF-B3C5-F3259E1520CB}">
-      <dsp:nvSpPr>
-        <dsp:cNvPr id="0" name=""/>
-        <dsp:cNvSpPr/>
-      </dsp:nvSpPr>
-      <dsp:spPr>
-        <a:xfrm>
-          <a:off x="6088778" y="806997"/>
-          <a:ext cx="1026503" cy="1026503"/>
-        </a:xfrm>
-        <a:prstGeom prst="ellipse">
-          <a:avLst/>
-        </a:prstGeom>
-        <a:solidFill>
-          <a:srgbClr val="43B02A"/>
-        </a:solidFill>
-        <a:ln w="12700" cap="flat" cmpd="sng" algn="ctr">
-          <a:solidFill>
-            <a:schemeClr val="accent1">
-              <a:hueOff val="0"/>
-              <a:satOff val="0"/>
-              <a:lumOff val="0"/>
-              <a:alphaOff val="0"/>
-            </a:schemeClr>
-          </a:solidFill>
-          <a:prstDash val="solid"/>
-          <a:miter lim="800000"/>
-        </a:ln>
-        <a:effectLst/>
-      </dsp:spPr>
-      <dsp:style>
-        <a:lnRef idx="2">
-          <a:scrgbClr r="0" g="0" b="0"/>
-        </a:lnRef>
-        <a:fillRef idx="1">
-          <a:scrgbClr r="0" g="0" b="0"/>
-        </a:fillRef>
-        <a:effectRef idx="0">
-          <a:scrgbClr r="0" g="0" b="0"/>
-        </a:effectRef>
-        <a:fontRef idx="minor">
-          <a:schemeClr val="lt1"/>
-        </a:fontRef>
-      </dsp:style>
-      <dsp:txBody>
-        <a:bodyPr spcFirstLastPara="0" vert="horz" wrap="square" lIns="80030" tIns="12700" rIns="80030" bIns="12700" numCol="1" spcCol="1270" anchor="ctr" anchorCtr="0">
-          <a:noAutofit/>
-        </a:bodyPr>
-        <a:lstStyle/>
-        <a:p>
-          <a:pPr marL="0" lvl="0" indent="0" algn="ctr" defTabSz="2133600">
-            <a:lnSpc>
-              <a:spcPct val="90000"/>
-            </a:lnSpc>
-            <a:spcBef>
-              <a:spcPct val="0"/>
-            </a:spcBef>
-            <a:spcAft>
-              <a:spcPct val="35000"/>
-            </a:spcAft>
-            <a:buNone/>
-          </a:pPr>
-          <a:r>
-            <a:rPr lang="en-US" sz="4800" kern="1200" dirty="0"/>
-            <a:t>3</a:t>
-          </a:r>
-        </a:p>
-      </dsp:txBody>
-      <dsp:txXfrm>
-        <a:off x="6239106" y="957325"/>
-        <a:ext cx="725847" cy="725847"/>
-      </dsp:txXfrm>
-    </dsp:sp>
-    <dsp:sp modelId="{E95DFE27-C7D9-4A44-BB57-62A16A41A767}">
-      <dsp:nvSpPr>
-        <dsp:cNvPr id="0" name=""/>
-        <dsp:cNvSpPr/>
-      </dsp:nvSpPr>
-      <dsp:spPr>
-        <a:xfrm>
-          <a:off x="5380002" y="3886435"/>
-          <a:ext cx="2444055" cy="72"/>
+          <a:off x="3614737" y="4351266"/>
+          <a:ext cx="3286125" cy="72"/>
         </a:xfrm>
         <a:prstGeom prst="rect">
           <a:avLst/>
@@ -7441,8 +3767,8 @@
       </dsp:nvSpPr>
       <dsp:spPr>
         <a:xfrm>
-          <a:off x="8068463" y="464830"/>
-          <a:ext cx="2444055" cy="3421677"/>
+          <a:off x="7229475" y="0"/>
+          <a:ext cx="3286125" cy="4351338"/>
         </a:xfrm>
         <a:prstGeom prst="rect">
           <a:avLst/>
@@ -7484,896 +3810,7 @@
         <a:fontRef idx="minor"/>
       </dsp:style>
       <dsp:txBody>
-        <a:bodyPr spcFirstLastPara="0" vert="horz" wrap="square" lIns="190548" tIns="330200" rIns="190548" bIns="330200" numCol="1" spcCol="1270" anchor="t" anchorCtr="0">
-          <a:noAutofit/>
-        </a:bodyPr>
-        <a:lstStyle/>
-        <a:p>
-          <a:pPr marL="0" lvl="0" indent="0" algn="ctr" defTabSz="889000">
-            <a:lnSpc>
-              <a:spcPct val="90000"/>
-            </a:lnSpc>
-            <a:spcBef>
-              <a:spcPct val="0"/>
-            </a:spcBef>
-            <a:spcAft>
-              <a:spcPct val="35000"/>
-            </a:spcAft>
-            <a:buNone/>
-          </a:pPr>
-          <a:r>
-            <a:rPr lang="en-US" sz="2000" kern="1200" dirty="0"/>
-            <a:t>Anything else?</a:t>
-          </a:r>
-          <a:endParaRPr lang="en-US" sz="1600" kern="1200" dirty="0"/>
-        </a:p>
-      </dsp:txBody>
-      <dsp:txXfrm>
-        <a:off x="8068463" y="1765067"/>
-        <a:ext cx="2444055" cy="2053006"/>
-      </dsp:txXfrm>
-    </dsp:sp>
-    <dsp:sp modelId="{0976773B-12B7-4330-9710-1EA00090547F}">
-      <dsp:nvSpPr>
-        <dsp:cNvPr id="0" name=""/>
-        <dsp:cNvSpPr/>
-      </dsp:nvSpPr>
-      <dsp:spPr>
-        <a:xfrm>
-          <a:off x="8777239" y="806997"/>
-          <a:ext cx="1026503" cy="1026503"/>
-        </a:xfrm>
-        <a:prstGeom prst="ellipse">
-          <a:avLst/>
-        </a:prstGeom>
-        <a:solidFill>
-          <a:srgbClr val="43B02A"/>
-        </a:solidFill>
-        <a:ln w="12700" cap="flat" cmpd="sng" algn="ctr">
-          <a:solidFill>
-            <a:schemeClr val="accent1">
-              <a:hueOff val="0"/>
-              <a:satOff val="0"/>
-              <a:lumOff val="0"/>
-              <a:alphaOff val="0"/>
-            </a:schemeClr>
-          </a:solidFill>
-          <a:prstDash val="solid"/>
-          <a:miter lim="800000"/>
-        </a:ln>
-        <a:effectLst/>
-      </dsp:spPr>
-      <dsp:style>
-        <a:lnRef idx="2">
-          <a:scrgbClr r="0" g="0" b="0"/>
-        </a:lnRef>
-        <a:fillRef idx="1">
-          <a:scrgbClr r="0" g="0" b="0"/>
-        </a:fillRef>
-        <a:effectRef idx="0">
-          <a:scrgbClr r="0" g="0" b="0"/>
-        </a:effectRef>
-        <a:fontRef idx="minor">
-          <a:schemeClr val="lt1"/>
-        </a:fontRef>
-      </dsp:style>
-      <dsp:txBody>
-        <a:bodyPr spcFirstLastPara="0" vert="horz" wrap="square" lIns="80030" tIns="12700" rIns="80030" bIns="12700" numCol="1" spcCol="1270" anchor="ctr" anchorCtr="0">
-          <a:noAutofit/>
-        </a:bodyPr>
-        <a:lstStyle/>
-        <a:p>
-          <a:pPr marL="0" lvl="0" indent="0" algn="ctr" defTabSz="2133600">
-            <a:lnSpc>
-              <a:spcPct val="90000"/>
-            </a:lnSpc>
-            <a:spcBef>
-              <a:spcPct val="0"/>
-            </a:spcBef>
-            <a:spcAft>
-              <a:spcPct val="35000"/>
-            </a:spcAft>
-            <a:buNone/>
-          </a:pPr>
-          <a:r>
-            <a:rPr lang="en-US" sz="4800" kern="1200"/>
-            <a:t>4</a:t>
-          </a:r>
-        </a:p>
-      </dsp:txBody>
-      <dsp:txXfrm>
-        <a:off x="8927567" y="957325"/>
-        <a:ext cx="725847" cy="725847"/>
-      </dsp:txXfrm>
-    </dsp:sp>
-    <dsp:sp modelId="{865066A0-097F-4E6D-9502-9C489920F2EC}">
-      <dsp:nvSpPr>
-        <dsp:cNvPr id="0" name=""/>
-        <dsp:cNvSpPr/>
-      </dsp:nvSpPr>
-      <dsp:spPr>
-        <a:xfrm>
-          <a:off x="8068463" y="3886435"/>
-          <a:ext cx="2444055" cy="72"/>
-        </a:xfrm>
-        <a:prstGeom prst="rect">
-          <a:avLst/>
-        </a:prstGeom>
-        <a:solidFill>
-          <a:schemeClr val="accent1">
-            <a:hueOff val="0"/>
-            <a:satOff val="0"/>
-            <a:lumOff val="0"/>
-            <a:alphaOff val="0"/>
-          </a:schemeClr>
-        </a:solidFill>
-        <a:ln w="12700" cap="flat" cmpd="sng" algn="ctr">
-          <a:solidFill>
-            <a:schemeClr val="accent1">
-              <a:hueOff val="0"/>
-              <a:satOff val="0"/>
-              <a:lumOff val="0"/>
-              <a:alphaOff val="0"/>
-            </a:schemeClr>
-          </a:solidFill>
-          <a:prstDash val="solid"/>
-          <a:miter lim="800000"/>
-        </a:ln>
-        <a:effectLst/>
-      </dsp:spPr>
-      <dsp:style>
-        <a:lnRef idx="2">
-          <a:scrgbClr r="0" g="0" b="0"/>
-        </a:lnRef>
-        <a:fillRef idx="1">
-          <a:scrgbClr r="0" g="0" b="0"/>
-        </a:fillRef>
-        <a:effectRef idx="0">
-          <a:scrgbClr r="0" g="0" b="0"/>
-        </a:effectRef>
-        <a:fontRef idx="minor">
-          <a:schemeClr val="lt1"/>
-        </a:fontRef>
-      </dsp:style>
-    </dsp:sp>
-  </dsp:spTree>
-</dsp:drawing>
-</file>
-
-<file path=ppt/diagrams/drawing4.xml><?xml version="1.0" encoding="utf-8"?>
-<dsp:drawing xmlns:dgm="http://schemas.openxmlformats.org/drawingml/2006/diagram" xmlns:dsp="http://schemas.microsoft.com/office/drawing/2008/diagram" xmlns:a="http://schemas.openxmlformats.org/drawingml/2006/main">
-  <dsp:spTree>
-    <dsp:nvGrpSpPr>
-      <dsp:cNvPr id="0" name=""/>
-      <dsp:cNvGrpSpPr/>
-    </dsp:nvGrpSpPr>
-    <dsp:grpSpPr/>
-    <dsp:sp modelId="{C10D3F62-C659-484C-A945-0401FE9F6EC5}">
-      <dsp:nvSpPr>
-        <dsp:cNvPr id="0" name=""/>
-        <dsp:cNvSpPr/>
-      </dsp:nvSpPr>
-      <dsp:spPr>
-        <a:xfrm>
-          <a:off x="3080" y="464830"/>
-          <a:ext cx="2444055" cy="3421677"/>
-        </a:xfrm>
-        <a:prstGeom prst="rect">
-          <a:avLst/>
-        </a:prstGeom>
-        <a:solidFill>
-          <a:schemeClr val="bg1">
-            <a:lumMod val="95000"/>
-            <a:hueOff val="0"/>
-            <a:satOff val="0"/>
-            <a:lumOff val="0"/>
-            <a:alphaOff val="0"/>
-          </a:schemeClr>
-        </a:solidFill>
-        <a:ln w="12700" cap="flat" cmpd="sng" algn="ctr">
-          <a:solidFill>
-            <a:schemeClr val="bg1">
-              <a:lumMod val="95000"/>
-              <a:hueOff val="0"/>
-              <a:satOff val="0"/>
-              <a:lumOff val="0"/>
-              <a:alphaOff val="0"/>
-            </a:schemeClr>
-          </a:solidFill>
-          <a:prstDash val="solid"/>
-          <a:miter lim="800000"/>
-        </a:ln>
-        <a:effectLst/>
-      </dsp:spPr>
-      <dsp:style>
-        <a:lnRef idx="2">
-          <a:scrgbClr r="0" g="0" b="0"/>
-        </a:lnRef>
-        <a:fillRef idx="1">
-          <a:scrgbClr r="0" g="0" b="0"/>
-        </a:fillRef>
-        <a:effectRef idx="0">
-          <a:scrgbClr r="0" g="0" b="0"/>
-        </a:effectRef>
-        <a:fontRef idx="minor"/>
-      </dsp:style>
-      <dsp:txBody>
-        <a:bodyPr spcFirstLastPara="0" vert="horz" wrap="square" lIns="190548" tIns="330200" rIns="190548" bIns="330200" numCol="1" spcCol="1270" anchor="t" anchorCtr="0">
-          <a:noAutofit/>
-        </a:bodyPr>
-        <a:lstStyle/>
-        <a:p>
-          <a:pPr marL="0" lvl="0" indent="0" algn="ctr" defTabSz="889000">
-            <a:lnSpc>
-              <a:spcPct val="90000"/>
-            </a:lnSpc>
-            <a:spcBef>
-              <a:spcPct val="0"/>
-            </a:spcBef>
-            <a:spcAft>
-              <a:spcPct val="35000"/>
-            </a:spcAft>
-            <a:buNone/>
-          </a:pPr>
-          <a:r>
-            <a:rPr lang="en-US" sz="2000" kern="1200" dirty="0"/>
-            <a:t>Payments</a:t>
-          </a:r>
-        </a:p>
-        <a:p>
-          <a:pPr marL="0" lvl="0" indent="0" algn="ctr" defTabSz="889000">
-            <a:lnSpc>
-              <a:spcPct val="90000"/>
-            </a:lnSpc>
-            <a:spcBef>
-              <a:spcPct val="0"/>
-            </a:spcBef>
-            <a:spcAft>
-              <a:spcPct val="35000"/>
-            </a:spcAft>
-            <a:buNone/>
-          </a:pPr>
-          <a:r>
-            <a:rPr lang="en-US" sz="1600" kern="1200" dirty="0"/>
-            <a:t>Peer-to-peer</a:t>
-          </a:r>
-        </a:p>
-      </dsp:txBody>
-      <dsp:txXfrm>
-        <a:off x="3080" y="1765067"/>
-        <a:ext cx="2444055" cy="2053006"/>
-      </dsp:txXfrm>
-    </dsp:sp>
-    <dsp:sp modelId="{ACAA34E6-767F-4D68-B93B-8FDE92B40A4E}">
-      <dsp:nvSpPr>
-        <dsp:cNvPr id="0" name=""/>
-        <dsp:cNvSpPr/>
-      </dsp:nvSpPr>
-      <dsp:spPr>
-        <a:xfrm>
-          <a:off x="711856" y="806997"/>
-          <a:ext cx="1026503" cy="1026503"/>
-        </a:xfrm>
-        <a:prstGeom prst="ellipse">
-          <a:avLst/>
-        </a:prstGeom>
-        <a:solidFill>
-          <a:srgbClr val="43B02A"/>
-        </a:solidFill>
-        <a:ln w="12700" cap="flat" cmpd="sng" algn="ctr">
-          <a:solidFill>
-            <a:schemeClr val="accent1">
-              <a:hueOff val="0"/>
-              <a:satOff val="0"/>
-              <a:lumOff val="0"/>
-              <a:alphaOff val="0"/>
-            </a:schemeClr>
-          </a:solidFill>
-          <a:prstDash val="solid"/>
-          <a:miter lim="800000"/>
-        </a:ln>
-        <a:effectLst/>
-      </dsp:spPr>
-      <dsp:style>
-        <a:lnRef idx="2">
-          <a:scrgbClr r="0" g="0" b="0"/>
-        </a:lnRef>
-        <a:fillRef idx="1">
-          <a:scrgbClr r="0" g="0" b="0"/>
-        </a:fillRef>
-        <a:effectRef idx="0">
-          <a:scrgbClr r="0" g="0" b="0"/>
-        </a:effectRef>
-        <a:fontRef idx="minor">
-          <a:schemeClr val="lt1"/>
-        </a:fontRef>
-      </dsp:style>
-      <dsp:txBody>
-        <a:bodyPr spcFirstLastPara="0" vert="horz" wrap="square" lIns="80030" tIns="12700" rIns="80030" bIns="12700" numCol="1" spcCol="1270" anchor="ctr" anchorCtr="0">
-          <a:noAutofit/>
-        </a:bodyPr>
-        <a:lstStyle/>
-        <a:p>
-          <a:pPr marL="0" lvl="0" indent="0" algn="ctr" defTabSz="2133600">
-            <a:lnSpc>
-              <a:spcPct val="90000"/>
-            </a:lnSpc>
-            <a:spcBef>
-              <a:spcPct val="0"/>
-            </a:spcBef>
-            <a:spcAft>
-              <a:spcPct val="35000"/>
-            </a:spcAft>
-            <a:buNone/>
-          </a:pPr>
-          <a:r>
-            <a:rPr lang="en-US" sz="4800" kern="1200" dirty="0"/>
-            <a:t>1</a:t>
-          </a:r>
-        </a:p>
-      </dsp:txBody>
-      <dsp:txXfrm>
-        <a:off x="862184" y="957325"/>
-        <a:ext cx="725847" cy="725847"/>
-      </dsp:txXfrm>
-    </dsp:sp>
-    <dsp:sp modelId="{7400FDBD-D909-4EEF-8BE8-F79E84E0AF16}">
-      <dsp:nvSpPr>
-        <dsp:cNvPr id="0" name=""/>
-        <dsp:cNvSpPr/>
-      </dsp:nvSpPr>
-      <dsp:spPr>
-        <a:xfrm>
-          <a:off x="3080" y="3886435"/>
-          <a:ext cx="2444055" cy="72"/>
-        </a:xfrm>
-        <a:prstGeom prst="rect">
-          <a:avLst/>
-        </a:prstGeom>
-        <a:solidFill>
-          <a:schemeClr val="accent1">
-            <a:hueOff val="0"/>
-            <a:satOff val="0"/>
-            <a:lumOff val="0"/>
-            <a:alphaOff val="0"/>
-          </a:schemeClr>
-        </a:solidFill>
-        <a:ln w="12700" cap="flat" cmpd="sng" algn="ctr">
-          <a:solidFill>
-            <a:schemeClr val="accent1">
-              <a:hueOff val="0"/>
-              <a:satOff val="0"/>
-              <a:lumOff val="0"/>
-              <a:alphaOff val="0"/>
-            </a:schemeClr>
-          </a:solidFill>
-          <a:prstDash val="solid"/>
-          <a:miter lim="800000"/>
-        </a:ln>
-        <a:effectLst/>
-      </dsp:spPr>
-      <dsp:style>
-        <a:lnRef idx="2">
-          <a:scrgbClr r="0" g="0" b="0"/>
-        </a:lnRef>
-        <a:fillRef idx="1">
-          <a:scrgbClr r="0" g="0" b="0"/>
-        </a:fillRef>
-        <a:effectRef idx="0">
-          <a:scrgbClr r="0" g="0" b="0"/>
-        </a:effectRef>
-        <a:fontRef idx="minor">
-          <a:schemeClr val="lt1"/>
-        </a:fontRef>
-      </dsp:style>
-    </dsp:sp>
-    <dsp:sp modelId="{BDDD252A-8513-4EDC-B14E-9597C7BD7549}">
-      <dsp:nvSpPr>
-        <dsp:cNvPr id="0" name=""/>
-        <dsp:cNvSpPr/>
-      </dsp:nvSpPr>
-      <dsp:spPr>
-        <a:xfrm>
-          <a:off x="2691541" y="464830"/>
-          <a:ext cx="2444055" cy="3421677"/>
-        </a:xfrm>
-        <a:prstGeom prst="rect">
-          <a:avLst/>
-        </a:prstGeom>
-        <a:solidFill>
-          <a:schemeClr val="bg1">
-            <a:lumMod val="95000"/>
-            <a:hueOff val="0"/>
-            <a:satOff val="0"/>
-            <a:lumOff val="0"/>
-            <a:alphaOff val="0"/>
-          </a:schemeClr>
-        </a:solidFill>
-        <a:ln w="12700" cap="flat" cmpd="sng" algn="ctr">
-          <a:solidFill>
-            <a:schemeClr val="bg1">
-              <a:lumMod val="95000"/>
-              <a:hueOff val="0"/>
-              <a:satOff val="0"/>
-              <a:lumOff val="0"/>
-              <a:alphaOff val="0"/>
-            </a:schemeClr>
-          </a:solidFill>
-          <a:prstDash val="solid"/>
-          <a:miter lim="800000"/>
-        </a:ln>
-        <a:effectLst/>
-      </dsp:spPr>
-      <dsp:style>
-        <a:lnRef idx="2">
-          <a:scrgbClr r="0" g="0" b="0"/>
-        </a:lnRef>
-        <a:fillRef idx="1">
-          <a:scrgbClr r="0" g="0" b="0"/>
-        </a:fillRef>
-        <a:effectRef idx="0">
-          <a:scrgbClr r="0" g="0" b="0"/>
-        </a:effectRef>
-        <a:fontRef idx="minor"/>
-      </dsp:style>
-      <dsp:txBody>
-        <a:bodyPr spcFirstLastPara="0" vert="horz" wrap="square" lIns="190548" tIns="330200" rIns="190548" bIns="330200" numCol="1" spcCol="1270" anchor="t" anchorCtr="0">
-          <a:noAutofit/>
-        </a:bodyPr>
-        <a:lstStyle/>
-        <a:p>
-          <a:pPr marL="0" lvl="0" indent="0" algn="ctr" defTabSz="889000">
-            <a:lnSpc>
-              <a:spcPct val="90000"/>
-            </a:lnSpc>
-            <a:spcBef>
-              <a:spcPct val="0"/>
-            </a:spcBef>
-            <a:spcAft>
-              <a:spcPct val="35000"/>
-            </a:spcAft>
-            <a:buNone/>
-          </a:pPr>
-          <a:r>
-            <a:rPr lang="en-US" sz="2000" kern="1200" dirty="0"/>
-            <a:t>Smarter Messaging</a:t>
-          </a:r>
-        </a:p>
-        <a:p>
-          <a:pPr marL="0" lvl="0" indent="0" algn="ctr" defTabSz="889000">
-            <a:lnSpc>
-              <a:spcPct val="90000"/>
-            </a:lnSpc>
-            <a:spcBef>
-              <a:spcPct val="0"/>
-            </a:spcBef>
-            <a:spcAft>
-              <a:spcPct val="35000"/>
-            </a:spcAft>
-            <a:buNone/>
-          </a:pPr>
-          <a:r>
-            <a:rPr lang="en-US" sz="1600" kern="1200" dirty="0"/>
-            <a:t>Target people most likely to help</a:t>
-          </a:r>
-        </a:p>
-      </dsp:txBody>
-      <dsp:txXfrm>
-        <a:off x="2691541" y="1765067"/>
-        <a:ext cx="2444055" cy="2053006"/>
-      </dsp:txXfrm>
-    </dsp:sp>
-    <dsp:sp modelId="{DE5A761A-F766-4E26-927C-190D6F821595}">
-      <dsp:nvSpPr>
-        <dsp:cNvPr id="0" name=""/>
-        <dsp:cNvSpPr/>
-      </dsp:nvSpPr>
-      <dsp:spPr>
-        <a:xfrm>
-          <a:off x="3400317" y="806997"/>
-          <a:ext cx="1026503" cy="1026503"/>
-        </a:xfrm>
-        <a:prstGeom prst="ellipse">
-          <a:avLst/>
-        </a:prstGeom>
-        <a:solidFill>
-          <a:srgbClr val="43B02A"/>
-        </a:solidFill>
-        <a:ln w="12700" cap="flat" cmpd="sng" algn="ctr">
-          <a:solidFill>
-            <a:schemeClr val="accent1">
-              <a:hueOff val="0"/>
-              <a:satOff val="0"/>
-              <a:lumOff val="0"/>
-              <a:alphaOff val="0"/>
-            </a:schemeClr>
-          </a:solidFill>
-          <a:prstDash val="solid"/>
-          <a:miter lim="800000"/>
-        </a:ln>
-        <a:effectLst/>
-      </dsp:spPr>
-      <dsp:style>
-        <a:lnRef idx="2">
-          <a:scrgbClr r="0" g="0" b="0"/>
-        </a:lnRef>
-        <a:fillRef idx="1">
-          <a:scrgbClr r="0" g="0" b="0"/>
-        </a:fillRef>
-        <a:effectRef idx="0">
-          <a:scrgbClr r="0" g="0" b="0"/>
-        </a:effectRef>
-        <a:fontRef idx="minor">
-          <a:schemeClr val="lt1"/>
-        </a:fontRef>
-      </dsp:style>
-      <dsp:txBody>
-        <a:bodyPr spcFirstLastPara="0" vert="horz" wrap="square" lIns="80030" tIns="12700" rIns="80030" bIns="12700" numCol="1" spcCol="1270" anchor="ctr" anchorCtr="0">
-          <a:noAutofit/>
-        </a:bodyPr>
-        <a:lstStyle/>
-        <a:p>
-          <a:pPr marL="0" lvl="0" indent="0" algn="ctr" defTabSz="2133600">
-            <a:lnSpc>
-              <a:spcPct val="90000"/>
-            </a:lnSpc>
-            <a:spcBef>
-              <a:spcPct val="0"/>
-            </a:spcBef>
-            <a:spcAft>
-              <a:spcPct val="35000"/>
-            </a:spcAft>
-            <a:buNone/>
-          </a:pPr>
-          <a:r>
-            <a:rPr lang="en-US" sz="4800" kern="1200" dirty="0"/>
-            <a:t>2</a:t>
-          </a:r>
-        </a:p>
-      </dsp:txBody>
-      <dsp:txXfrm>
-        <a:off x="3550645" y="957325"/>
-        <a:ext cx="725847" cy="725847"/>
-      </dsp:txXfrm>
-    </dsp:sp>
-    <dsp:sp modelId="{E03BC08E-6F70-4B97-A67C-A723048DDFDA}">
-      <dsp:nvSpPr>
-        <dsp:cNvPr id="0" name=""/>
-        <dsp:cNvSpPr/>
-      </dsp:nvSpPr>
-      <dsp:spPr>
-        <a:xfrm>
-          <a:off x="2691541" y="3886435"/>
-          <a:ext cx="2444055" cy="72"/>
-        </a:xfrm>
-        <a:prstGeom prst="rect">
-          <a:avLst/>
-        </a:prstGeom>
-        <a:solidFill>
-          <a:schemeClr val="accent1">
-            <a:hueOff val="0"/>
-            <a:satOff val="0"/>
-            <a:lumOff val="0"/>
-            <a:alphaOff val="0"/>
-          </a:schemeClr>
-        </a:solidFill>
-        <a:ln w="12700" cap="flat" cmpd="sng" algn="ctr">
-          <a:solidFill>
-            <a:schemeClr val="accent1">
-              <a:hueOff val="0"/>
-              <a:satOff val="0"/>
-              <a:lumOff val="0"/>
-              <a:alphaOff val="0"/>
-            </a:schemeClr>
-          </a:solidFill>
-          <a:prstDash val="solid"/>
-          <a:miter lim="800000"/>
-        </a:ln>
-        <a:effectLst/>
-      </dsp:spPr>
-      <dsp:style>
-        <a:lnRef idx="2">
-          <a:scrgbClr r="0" g="0" b="0"/>
-        </a:lnRef>
-        <a:fillRef idx="1">
-          <a:scrgbClr r="0" g="0" b="0"/>
-        </a:fillRef>
-        <a:effectRef idx="0">
-          <a:scrgbClr r="0" g="0" b="0"/>
-        </a:effectRef>
-        <a:fontRef idx="minor">
-          <a:schemeClr val="lt1"/>
-        </a:fontRef>
-      </dsp:style>
-    </dsp:sp>
-    <dsp:sp modelId="{545AB69D-C7F1-425F-BDAA-870E1BD9236D}">
-      <dsp:nvSpPr>
-        <dsp:cNvPr id="0" name=""/>
-        <dsp:cNvSpPr/>
-      </dsp:nvSpPr>
-      <dsp:spPr>
-        <a:xfrm>
-          <a:off x="5380002" y="464830"/>
-          <a:ext cx="2444055" cy="3421677"/>
-        </a:xfrm>
-        <a:prstGeom prst="rect">
-          <a:avLst/>
-        </a:prstGeom>
-        <a:solidFill>
-          <a:schemeClr val="bg1">
-            <a:lumMod val="95000"/>
-            <a:hueOff val="0"/>
-            <a:satOff val="0"/>
-            <a:lumOff val="0"/>
-            <a:alphaOff val="0"/>
-          </a:schemeClr>
-        </a:solidFill>
-        <a:ln w="12700" cap="flat" cmpd="sng" algn="ctr">
-          <a:solidFill>
-            <a:schemeClr val="bg1">
-              <a:lumMod val="95000"/>
-              <a:hueOff val="0"/>
-              <a:satOff val="0"/>
-              <a:lumOff val="0"/>
-              <a:alphaOff val="0"/>
-            </a:schemeClr>
-          </a:solidFill>
-          <a:prstDash val="solid"/>
-          <a:miter lim="800000"/>
-        </a:ln>
-        <a:effectLst/>
-      </dsp:spPr>
-      <dsp:style>
-        <a:lnRef idx="2">
-          <a:scrgbClr r="0" g="0" b="0"/>
-        </a:lnRef>
-        <a:fillRef idx="1">
-          <a:scrgbClr r="0" g="0" b="0"/>
-        </a:fillRef>
-        <a:effectRef idx="0">
-          <a:scrgbClr r="0" g="0" b="0"/>
-        </a:effectRef>
-        <a:fontRef idx="minor"/>
-      </dsp:style>
-      <dsp:txBody>
-        <a:bodyPr spcFirstLastPara="0" vert="horz" wrap="square" lIns="190548" tIns="330200" rIns="190548" bIns="330200" numCol="1" spcCol="1270" anchor="t" anchorCtr="0">
-          <a:noAutofit/>
-        </a:bodyPr>
-        <a:lstStyle/>
-        <a:p>
-          <a:pPr marL="0" lvl="0" indent="0" algn="ctr" defTabSz="889000">
-            <a:lnSpc>
-              <a:spcPct val="90000"/>
-            </a:lnSpc>
-            <a:spcBef>
-              <a:spcPct val="0"/>
-            </a:spcBef>
-            <a:spcAft>
-              <a:spcPct val="35000"/>
-            </a:spcAft>
-            <a:buNone/>
-          </a:pPr>
-          <a:r>
-            <a:rPr lang="en-US" sz="2000" kern="1200" dirty="0"/>
-            <a:t>More Interaction</a:t>
-          </a:r>
-        </a:p>
-        <a:p>
-          <a:pPr marL="0" lvl="0" indent="0" algn="ctr" defTabSz="889000">
-            <a:lnSpc>
-              <a:spcPct val="90000"/>
-            </a:lnSpc>
-            <a:spcBef>
-              <a:spcPct val="0"/>
-            </a:spcBef>
-            <a:spcAft>
-              <a:spcPct val="35000"/>
-            </a:spcAft>
-            <a:buNone/>
-          </a:pPr>
-          <a:r>
-            <a:rPr lang="en-US" sz="1600" kern="1200" dirty="0"/>
-            <a:t>In-app calling</a:t>
-          </a:r>
-        </a:p>
-        <a:p>
-          <a:pPr marL="0" lvl="0" indent="0" algn="ctr" defTabSz="889000">
-            <a:lnSpc>
-              <a:spcPct val="90000"/>
-            </a:lnSpc>
-            <a:spcBef>
-              <a:spcPct val="0"/>
-            </a:spcBef>
-            <a:spcAft>
-              <a:spcPct val="35000"/>
-            </a:spcAft>
-            <a:buNone/>
-          </a:pPr>
-          <a:r>
-            <a:rPr lang="en-US" sz="1600" kern="1200" dirty="0"/>
-            <a:t>In-app chat</a:t>
-          </a:r>
-        </a:p>
-      </dsp:txBody>
-      <dsp:txXfrm>
-        <a:off x="5380002" y="1765067"/>
-        <a:ext cx="2444055" cy="2053006"/>
-      </dsp:txXfrm>
-    </dsp:sp>
-    <dsp:sp modelId="{270DAA37-033C-4FBF-B3C5-F3259E1520CB}">
-      <dsp:nvSpPr>
-        <dsp:cNvPr id="0" name=""/>
-        <dsp:cNvSpPr/>
-      </dsp:nvSpPr>
-      <dsp:spPr>
-        <a:xfrm>
-          <a:off x="6088778" y="806997"/>
-          <a:ext cx="1026503" cy="1026503"/>
-        </a:xfrm>
-        <a:prstGeom prst="ellipse">
-          <a:avLst/>
-        </a:prstGeom>
-        <a:solidFill>
-          <a:srgbClr val="43B02A"/>
-        </a:solidFill>
-        <a:ln w="12700" cap="flat" cmpd="sng" algn="ctr">
-          <a:solidFill>
-            <a:schemeClr val="accent1">
-              <a:hueOff val="0"/>
-              <a:satOff val="0"/>
-              <a:lumOff val="0"/>
-              <a:alphaOff val="0"/>
-            </a:schemeClr>
-          </a:solidFill>
-          <a:prstDash val="solid"/>
-          <a:miter lim="800000"/>
-        </a:ln>
-        <a:effectLst/>
-      </dsp:spPr>
-      <dsp:style>
-        <a:lnRef idx="2">
-          <a:scrgbClr r="0" g="0" b="0"/>
-        </a:lnRef>
-        <a:fillRef idx="1">
-          <a:scrgbClr r="0" g="0" b="0"/>
-        </a:fillRef>
-        <a:effectRef idx="0">
-          <a:scrgbClr r="0" g="0" b="0"/>
-        </a:effectRef>
-        <a:fontRef idx="minor">
-          <a:schemeClr val="lt1"/>
-        </a:fontRef>
-      </dsp:style>
-      <dsp:txBody>
-        <a:bodyPr spcFirstLastPara="0" vert="horz" wrap="square" lIns="80030" tIns="12700" rIns="80030" bIns="12700" numCol="1" spcCol="1270" anchor="ctr" anchorCtr="0">
-          <a:noAutofit/>
-        </a:bodyPr>
-        <a:lstStyle/>
-        <a:p>
-          <a:pPr marL="0" lvl="0" indent="0" algn="ctr" defTabSz="2133600">
-            <a:lnSpc>
-              <a:spcPct val="90000"/>
-            </a:lnSpc>
-            <a:spcBef>
-              <a:spcPct val="0"/>
-            </a:spcBef>
-            <a:spcAft>
-              <a:spcPct val="35000"/>
-            </a:spcAft>
-            <a:buNone/>
-          </a:pPr>
-          <a:r>
-            <a:rPr lang="en-US" sz="4800" kern="1200" dirty="0"/>
-            <a:t>3</a:t>
-          </a:r>
-        </a:p>
-      </dsp:txBody>
-      <dsp:txXfrm>
-        <a:off x="6239106" y="957325"/>
-        <a:ext cx="725847" cy="725847"/>
-      </dsp:txXfrm>
-    </dsp:sp>
-    <dsp:sp modelId="{E95DFE27-C7D9-4A44-BB57-62A16A41A767}">
-      <dsp:nvSpPr>
-        <dsp:cNvPr id="0" name=""/>
-        <dsp:cNvSpPr/>
-      </dsp:nvSpPr>
-      <dsp:spPr>
-        <a:xfrm>
-          <a:off x="5380002" y="3886435"/>
-          <a:ext cx="2444055" cy="72"/>
-        </a:xfrm>
-        <a:prstGeom prst="rect">
-          <a:avLst/>
-        </a:prstGeom>
-        <a:solidFill>
-          <a:schemeClr val="accent1">
-            <a:hueOff val="0"/>
-            <a:satOff val="0"/>
-            <a:lumOff val="0"/>
-            <a:alphaOff val="0"/>
-          </a:schemeClr>
-        </a:solidFill>
-        <a:ln w="12700" cap="flat" cmpd="sng" algn="ctr">
-          <a:solidFill>
-            <a:schemeClr val="accent1">
-              <a:hueOff val="0"/>
-              <a:satOff val="0"/>
-              <a:lumOff val="0"/>
-              <a:alphaOff val="0"/>
-            </a:schemeClr>
-          </a:solidFill>
-          <a:prstDash val="solid"/>
-          <a:miter lim="800000"/>
-        </a:ln>
-        <a:effectLst/>
-      </dsp:spPr>
-      <dsp:style>
-        <a:lnRef idx="2">
-          <a:scrgbClr r="0" g="0" b="0"/>
-        </a:lnRef>
-        <a:fillRef idx="1">
-          <a:scrgbClr r="0" g="0" b="0"/>
-        </a:fillRef>
-        <a:effectRef idx="0">
-          <a:scrgbClr r="0" g="0" b="0"/>
-        </a:effectRef>
-        <a:fontRef idx="minor">
-          <a:schemeClr val="lt1"/>
-        </a:fontRef>
-      </dsp:style>
-    </dsp:sp>
-    <dsp:sp modelId="{9351060C-ACBE-49AC-A648-BD79B54DE694}">
-      <dsp:nvSpPr>
-        <dsp:cNvPr id="0" name=""/>
-        <dsp:cNvSpPr/>
-      </dsp:nvSpPr>
-      <dsp:spPr>
-        <a:xfrm>
-          <a:off x="8068463" y="464830"/>
-          <a:ext cx="2444055" cy="3421677"/>
-        </a:xfrm>
-        <a:prstGeom prst="rect">
-          <a:avLst/>
-        </a:prstGeom>
-        <a:solidFill>
-          <a:schemeClr val="bg1">
-            <a:lumMod val="95000"/>
-            <a:hueOff val="0"/>
-            <a:satOff val="0"/>
-            <a:lumOff val="0"/>
-            <a:alphaOff val="0"/>
-          </a:schemeClr>
-        </a:solidFill>
-        <a:ln w="12700" cap="flat" cmpd="sng" algn="ctr">
-          <a:solidFill>
-            <a:schemeClr val="bg1">
-              <a:lumMod val="95000"/>
-              <a:hueOff val="0"/>
-              <a:satOff val="0"/>
-              <a:lumOff val="0"/>
-              <a:alphaOff val="0"/>
-            </a:schemeClr>
-          </a:solidFill>
-          <a:prstDash val="solid"/>
-          <a:miter lim="800000"/>
-        </a:ln>
-        <a:effectLst/>
-      </dsp:spPr>
-      <dsp:style>
-        <a:lnRef idx="2">
-          <a:scrgbClr r="0" g="0" b="0"/>
-        </a:lnRef>
-        <a:fillRef idx="1">
-          <a:scrgbClr r="0" g="0" b="0"/>
-        </a:fillRef>
-        <a:effectRef idx="0">
-          <a:scrgbClr r="0" g="0" b="0"/>
-        </a:effectRef>
-        <a:fontRef idx="minor"/>
-      </dsp:style>
-      <dsp:txBody>
-        <a:bodyPr spcFirstLastPara="0" vert="horz" wrap="square" lIns="190548" tIns="330200" rIns="190548" bIns="330200" numCol="1" spcCol="1270" anchor="t" anchorCtr="0">
+        <a:bodyPr spcFirstLastPara="0" vert="horz" wrap="square" lIns="256199" tIns="330200" rIns="256199" bIns="330200" numCol="1" spcCol="1270" anchor="t" anchorCtr="0">
           <a:noAutofit/>
         </a:bodyPr>
         <a:lstStyle/>
@@ -8415,8 +3852,8 @@
         </a:p>
       </dsp:txBody>
       <dsp:txXfrm>
-        <a:off x="8068463" y="1765067"/>
-        <a:ext cx="2444055" cy="2053006"/>
+        <a:off x="7229475" y="1653508"/>
+        <a:ext cx="3286125" cy="2610802"/>
       </dsp:txXfrm>
     </dsp:sp>
     <dsp:sp modelId="{0976773B-12B7-4330-9710-1EA00090547F}">
@@ -8426,8 +3863,8 @@
       </dsp:nvSpPr>
       <dsp:spPr>
         <a:xfrm>
-          <a:off x="8777239" y="806997"/>
-          <a:ext cx="1026503" cy="1026503"/>
+          <a:off x="8219836" y="435133"/>
+          <a:ext cx="1305401" cy="1305401"/>
         </a:xfrm>
         <a:prstGeom prst="ellipse">
           <a:avLst/>
@@ -8464,7 +3901,7 @@
         </a:fontRef>
       </dsp:style>
       <dsp:txBody>
-        <a:bodyPr spcFirstLastPara="0" vert="horz" wrap="square" lIns="80030" tIns="12700" rIns="80030" bIns="12700" numCol="1" spcCol="1270" anchor="ctr" anchorCtr="0">
+        <a:bodyPr spcFirstLastPara="0" vert="horz" wrap="square" lIns="101774" tIns="12700" rIns="101774" bIns="12700" numCol="1" spcCol="1270" anchor="ctr" anchorCtr="0">
           <a:noAutofit/>
         </a:bodyPr>
         <a:lstStyle/>
@@ -8482,14 +3919,14 @@
             <a:buNone/>
           </a:pPr>
           <a:r>
-            <a:rPr lang="en-US" sz="4800" kern="1200"/>
-            <a:t>4</a:t>
+            <a:rPr lang="en-US" sz="4800" kern="1200" dirty="0"/>
+            <a:t>3</a:t>
           </a:r>
         </a:p>
       </dsp:txBody>
       <dsp:txXfrm>
-        <a:off x="8927567" y="957325"/>
-        <a:ext cx="725847" cy="725847"/>
+        <a:off x="8411008" y="626305"/>
+        <a:ext cx="923057" cy="923057"/>
       </dsp:txXfrm>
     </dsp:sp>
     <dsp:sp modelId="{865066A0-097F-4E6D-9502-9C489920F2EC}">
@@ -8499,8 +3936,8 @@
       </dsp:nvSpPr>
       <dsp:spPr>
         <a:xfrm>
-          <a:off x="8068463" y="3886435"/>
-          <a:ext cx="2444055" cy="72"/>
+          <a:off x="7229475" y="4351266"/>
+          <a:ext cx="3286125" cy="72"/>
         </a:xfrm>
         <a:prstGeom prst="rect">
           <a:avLst/>
@@ -8811,7 +4248,7 @@
   </dgm:layoutNode>
   <dgm:extLst>
     <a:ext uri="{4F341089-5ED1-44EC-B178-C955D00A3D55}">
-      <dgm1611:autoBuNodeInfoLst xmlns="" xmlns:dgm1611="http://schemas.microsoft.com/office/drawing/2016/11/diagram">
+      <dgm1611:autoBuNodeInfoLst xmlns:dgm1611="http://schemas.microsoft.com/office/drawing/2016/11/diagram" xmlns="">
         <dgm1611:autoBuNodeInfo lvl="1" ptType="sibTrans">
           <dgm1611:buPr prefix="" leadZeros="0">
             <a:buAutoNum type="arabicParenBoth"/>
@@ -9088,561 +4525,7 @@
   </dgm:layoutNode>
   <dgm:extLst>
     <a:ext uri="{4F341089-5ED1-44EC-B178-C955D00A3D55}">
-      <dgm1611:autoBuNodeInfoLst xmlns="" xmlns:dgm1611="http://schemas.microsoft.com/office/drawing/2016/11/diagram">
-        <dgm1611:autoBuNodeInfo lvl="1" ptType="sibTrans">
-          <dgm1611:buPr prefix="" leadZeros="0">
-            <a:buAutoNum type="arabicParenBoth"/>
-          </dgm1611:buPr>
-        </dgm1611:autoBuNodeInfo>
-      </dgm1611:autoBuNodeInfoLst>
-    </a:ext>
-  </dgm:extLst>
-</dgm:layoutDef>
-</file>
-
-<file path=ppt/diagrams/layout3.xml><?xml version="1.0" encoding="utf-8"?>
-<dgm:layoutDef xmlns:dgm="http://schemas.openxmlformats.org/drawingml/2006/diagram" xmlns:a="http://schemas.openxmlformats.org/drawingml/2006/main" uniqueId="urn:microsoft.com/office/officeart/2016/7/layout/BasicLinearProcessNumbered">
-  <dgm:title val="Basic Linear Process Numbered"/>
-  <dgm:desc val="Used to show a progression; a timeline; sequential steps in a task, process, or workflow; or to emphasize movement or direction. Automatic numbers have been introduced to show the steps of the process which appears in a circle. Level 1 and Level 2 text appear in a rectangle."/>
-  <dgm:catLst>
-    <dgm:cat type="process" pri="500"/>
-  </dgm:catLst>
-  <dgm:sampData>
-    <dgm:dataModel>
-      <dgm:ptLst>
-        <dgm:pt modelId="0" type="doc"/>
-        <dgm:pt modelId="1">
-          <dgm:prSet phldr="1"/>
-        </dgm:pt>
-        <dgm:pt modelId="11">
-          <dgm:prSet phldr="1"/>
-        </dgm:pt>
-        <dgm:pt modelId="2">
-          <dgm:prSet phldr="1"/>
-        </dgm:pt>
-        <dgm:pt modelId="21">
-          <dgm:prSet phldr="1"/>
-        </dgm:pt>
-        <dgm:pt modelId="3">
-          <dgm:prSet phldr="1"/>
-        </dgm:pt>
-        <dgm:pt modelId="31">
-          <dgm:prSet phldr="1"/>
-        </dgm:pt>
-        <dgm:pt modelId="101" type="sibTrans" cxnId="4">
-          <dgm:prSet phldrT="1"/>
-          <dgm:t>
-            <a:bodyPr/>
-            <a:lstStyle/>
-            <a:p>
-              <a:r>
-                <a:t>1</a:t>
-              </a:r>
-            </a:p>
-          </dgm:t>
-        </dgm:pt>
-        <dgm:pt modelId="201" type="sibTrans" cxnId="5">
-          <dgm:prSet phldrT="2"/>
-          <dgm:t>
-            <a:bodyPr/>
-            <a:lstStyle/>
-            <a:p>
-              <a:r>
-                <a:t>2</a:t>
-              </a:r>
-            </a:p>
-          </dgm:t>
-        </dgm:pt>
-        <dgm:pt modelId="301" type="sibTrans" cxnId="6">
-          <dgm:prSet phldrT="3"/>
-          <dgm:t>
-            <a:bodyPr/>
-            <a:lstStyle/>
-            <a:p>
-              <a:r>
-                <a:t>3</a:t>
-              </a:r>
-            </a:p>
-          </dgm:t>
-        </dgm:pt>
-      </dgm:ptLst>
-      <dgm:cxnLst>
-        <dgm:cxn modelId="4" srcId="0" destId="1" srcOrd="0" destOrd="0" sibTransId="101"/>
-        <dgm:cxn modelId="5" srcId="0" destId="2" srcOrd="1" destOrd="0" sibTransId="201"/>
-        <dgm:cxn modelId="6" srcId="0" destId="3" srcOrd="2" destOrd="0" sibTransId="301"/>
-        <dgm:cxn modelId="13" srcId="1" destId="11" srcOrd="0" destOrd="0"/>
-        <dgm:cxn modelId="23" srcId="2" destId="21" srcOrd="0" destOrd="0"/>
-        <dgm:cxn modelId="33" srcId="3" destId="31" srcOrd="0" destOrd="0"/>
-      </dgm:cxnLst>
-      <dgm:bg/>
-      <dgm:whole/>
-    </dgm:dataModel>
-  </dgm:sampData>
-  <dgm:styleData>
-    <dgm:dataModel>
-      <dgm:ptLst>
-        <dgm:pt modelId="0" type="doc"/>
-        <dgm:pt modelId="1"/>
-        <dgm:pt modelId="11"/>
-        <dgm:pt modelId="2"/>
-        <dgm:pt modelId="21"/>
-      </dgm:ptLst>
-      <dgm:cxnLst>
-        <dgm:cxn modelId="4" srcId="0" destId="1" srcOrd="0" destOrd="0"/>
-        <dgm:cxn modelId="5" srcId="0" destId="2" srcOrd="1" destOrd="0"/>
-        <dgm:cxn modelId="13" srcId="1" destId="11" srcOrd="0" destOrd="0"/>
-        <dgm:cxn modelId="23" srcId="2" destId="21" srcOrd="0" destOrd="0"/>
-      </dgm:cxnLst>
-      <dgm:bg/>
-      <dgm:whole/>
-    </dgm:dataModel>
-  </dgm:styleData>
-  <dgm:clrData>
-    <dgm:dataModel>
-      <dgm:ptLst>
-        <dgm:pt modelId="0" type="doc"/>
-        <dgm:pt modelId="1"/>
-        <dgm:pt modelId="11"/>
-        <dgm:pt modelId="2"/>
-        <dgm:pt modelId="21"/>
-        <dgm:pt modelId="3"/>
-        <dgm:pt modelId="31"/>
-        <dgm:pt modelId="4"/>
-        <dgm:pt modelId="41"/>
-      </dgm:ptLst>
-      <dgm:cxnLst>
-        <dgm:cxn modelId="5" srcId="0" destId="1" srcOrd="0" destOrd="0"/>
-        <dgm:cxn modelId="6" srcId="0" destId="2" srcOrd="1" destOrd="0"/>
-        <dgm:cxn modelId="7" srcId="0" destId="3" srcOrd="2" destOrd="0"/>
-        <dgm:cxn modelId="8" srcId="0" destId="4" srcOrd="3" destOrd="0"/>
-        <dgm:cxn modelId="13" srcId="1" destId="11" srcOrd="0" destOrd="0"/>
-        <dgm:cxn modelId="23" srcId="2" destId="21" srcOrd="0" destOrd="0"/>
-        <dgm:cxn modelId="33" srcId="3" destId="31" srcOrd="0" destOrd="0"/>
-        <dgm:cxn modelId="43" srcId="4" destId="41" srcOrd="0" destOrd="0"/>
-      </dgm:cxnLst>
-      <dgm:bg/>
-      <dgm:whole/>
-    </dgm:dataModel>
-  </dgm:clrData>
-  <dgm:layoutNode name="Name0">
-    <dgm:varLst>
-      <dgm:animLvl val="lvl"/>
-      <dgm:resizeHandles val="exact"/>
-    </dgm:varLst>
-    <dgm:alg type="lin">
-      <dgm:param type="linDir" val="fromL"/>
-      <dgm:param type="nodeVertAlign" val="t"/>
-    </dgm:alg>
-    <dgm:shape xmlns:r="http://schemas.openxmlformats.org/officeDocument/2006/relationships" r:blip="">
-      <dgm:adjLst/>
-    </dgm:shape>
-    <dgm:presOf/>
-    <dgm:constrLst>
-      <dgm:constr type="h" for="ch" forName="compositeNode" refType="h"/>
-      <dgm:constr type="w" for="ch" forName="compositeNode" refType="w"/>
-      <dgm:constr type="w" for="des" forName="simulatedConn" refType="w" refFor="ch" refForName="compositeNode" fact="0.15"/>
-      <dgm:constr type="h" for="des" forName="simulatedConn" refType="w" refFor="des" refForName="simulatedConn"/>
-      <dgm:constr type="h" for="des" forName="vSp1" refType="w" refFor="ch" refForName="compositeNode" fact="0.8"/>
-      <dgm:constr type="h" for="des" forName="vSp2" refType="w" refFor="ch" refForName="compositeNode" fact="0.07"/>
-      <dgm:constr type="w" for="ch" forName="vProcSp" refType="w" refFor="des" refForName="simulatedConn" op="equ"/>
-      <dgm:constr type="h" for="ch" forName="vProcSp" refType="h" refFor="ch" refForName="compositeNode" op="equ"/>
-      <dgm:constr type="w" for="ch" forName="sibTrans" refType="w" refFor="ch" refForName="compositeNode" fact="0.1"/>
-      <dgm:constr type="primFontSz" for="des" forName="sibTransNodeCircle" op="equ"/>
-      <dgm:constr type="primFontSz" for="des" forName="nodeText" op="equ"/>
-      <dgm:constr type="h" for="des" forName="sibTransNodeCircle" op="equ"/>
-      <dgm:constr type="w" for="des" forName="sibTransNodeCircle" op="equ"/>
-    </dgm:constrLst>
-    <dgm:ruleLst>
-      <dgm:rule type="h" val="NaN" fact="1.2" max="NaN"/>
-    </dgm:ruleLst>
-    <dgm:forEach name="Name4" axis="ch" ptType="node">
-      <dgm:layoutNode name="compositeNode">
-        <dgm:varLst>
-          <dgm:bulletEnabled val="1"/>
-        </dgm:varLst>
-        <dgm:alg type="composite"/>
-        <dgm:constrLst>
-          <dgm:constr type="h" refType="w" op="lte" fact="1.4"/>
-          <dgm:constr type="w" for="ch" forName="bgRect" refType="w"/>
-          <dgm:constr type="h" for="ch" forName="bgRect" refType="h"/>
-          <dgm:constr type="t" for="ch" forName="bgRect"/>
-          <dgm:constr type="l" for="ch" forName="bgRect"/>
-          <dgm:constr type="h" for="ch" forName="sibTransNodeCircle" refType="h" refFor="ch" refForName="bgRect" fact="0.3"/>
-          <dgm:constr type="w" for="ch" forName="sibTransNodeCircle" refType="h" refFor="ch" refForName="sibTransNodeCircle"/>
-          <dgm:constr type="ctrX" for="ch" forName="sibTransNodeCircle" refType="w" fact="0.5"/>
-          <dgm:constr type="ctrY" for="ch" forName="sibTransNodeCircle" refType="h" fact="0.25"/>
-          <dgm:constr type="r" for="ch" forName="nodeText" refType="r" refFor="ch" refForName="bgRect"/>
-          <dgm:constr type="h" for="ch" forName="nodeText" refType="h" refFor="ch" refForName="bgRect" fact="0.6"/>
-          <dgm:constr type="t" for="ch" forName="nodeText" refType="h" refFor="ch" refForName="bgRect" fact="0.38"/>
-          <dgm:constr type="b" for="ch" forName="bottomLine" refType="b" refFor="ch" refForName="bgRect"/>
-          <dgm:constr type="w" for="ch" forName="bottomLine" refType="w" refFor="ch" refForName="bgRect"/>
-          <dgm:constr type="h" for="ch" forName="bottomLine" val="0.002"/>
-        </dgm:constrLst>
-        <dgm:ruleLst/>
-        <dgm:layoutNode name="bgRect" styleLbl="bgAccFollowNode1">
-          <dgm:alg type="sp"/>
-          <dgm:shape xmlns:r="http://schemas.openxmlformats.org/officeDocument/2006/relationships" type="rect" r:blip="">
-            <dgm:adjLst/>
-          </dgm:shape>
-          <dgm:presOf axis="self"/>
-          <dgm:constrLst/>
-          <dgm:ruleLst/>
-        </dgm:layoutNode>
-        <dgm:forEach name="Name19" axis="followSib" ptType="sibTrans" hideLastTrans="0" cnt="1">
-          <dgm:layoutNode name="sibTransNodeCircle" styleLbl="alignNode1">
-            <dgm:varLst>
-              <dgm:chMax val="0"/>
-              <dgm:bulletEnabled/>
-            </dgm:varLst>
-            <dgm:presOf axis="self" ptType="sibTrans"/>
-            <dgm:alg type="tx">
-              <dgm:param type="txAnchorVert" val="mid"/>
-              <dgm:param type="txAnchorHorzCh" val="ctr"/>
-            </dgm:alg>
-            <dgm:shape xmlns:r="http://schemas.openxmlformats.org/officeDocument/2006/relationships" type="ellipse" r:blip="">
-              <dgm:adjLst/>
-            </dgm:shape>
-            <dgm:constrLst>
-              <dgm:constr type="w" refType="h" op="lte"/>
-              <dgm:constr type="primFontSz" val="48"/>
-              <dgm:constr type="tMarg" val="1"/>
-              <dgm:constr type="lMarg" refType="w" fact="0.221"/>
-              <dgm:constr type="rMarg" refType="w" fact="0.221"/>
-              <dgm:constr type="bMarg" val="1"/>
-            </dgm:constrLst>
-            <dgm:ruleLst>
-              <dgm:rule type="primFontSz" val="14" fact="NaN" max="NaN"/>
-            </dgm:ruleLst>
-          </dgm:layoutNode>
-        </dgm:forEach>
-        <dgm:layoutNode name="bottomLine" styleLbl="alignNode1">
-          <dgm:varLst/>
-          <dgm:presOf/>
-          <dgm:alg type="sp"/>
-          <dgm:shape xmlns:r="http://schemas.openxmlformats.org/officeDocument/2006/relationships" type="rect" r:blip="">
-            <dgm:adjLst/>
-          </dgm:shape>
-          <dgm:constrLst/>
-          <dgm:ruleLst/>
-        </dgm:layoutNode>
-        <dgm:layoutNode name="nodeText" styleLbl="bgAccFollowNode1" moveWith="bgRect">
-          <dgm:varLst>
-            <dgm:bulletEnabled val="1"/>
-          </dgm:varLst>
-          <dgm:alg type="tx">
-            <dgm:param type="parTxLTRAlign" val="l"/>
-            <dgm:param type="parTxRTLAlign" val="r"/>
-            <dgm:param type="txAnchorVert" val="t"/>
-          </dgm:alg>
-          <dgm:shape xmlns:r="http://schemas.openxmlformats.org/officeDocument/2006/relationships" type="rect" r:blip="" zOrderOff="-1" hideGeom="1">
-            <dgm:adjLst/>
-          </dgm:shape>
-          <dgm:presOf axis="desOrSelf" ptType="node"/>
-          <dgm:constrLst>
-            <dgm:constr type="primFontSz" val="26"/>
-            <dgm:constr type="tMarg" val="26"/>
-            <dgm:constr type="lMarg" refType="w" fact="0.221"/>
-            <dgm:constr type="rMarg" refType="w" fact="0.221"/>
-            <dgm:constr type="bMarg" val="26"/>
-          </dgm:constrLst>
-          <dgm:ruleLst>
-            <dgm:rule type="primFontSz" val="11" fact="NaN" max="NaN"/>
-          </dgm:ruleLst>
-        </dgm:layoutNode>
-      </dgm:layoutNode>
-      <dgm:forEach name="Name14" axis="followSib" ptType="sibTrans" cnt="1">
-        <dgm:layoutNode name="sibTrans">
-          <dgm:alg type="sp"/>
-          <dgm:shape xmlns:r="http://schemas.openxmlformats.org/officeDocument/2006/relationships" r:blip="">
-            <dgm:adjLst/>
-          </dgm:shape>
-          <dgm:presOf/>
-          <dgm:constrLst/>
-          <dgm:ruleLst/>
-        </dgm:layoutNode>
-      </dgm:forEach>
-    </dgm:forEach>
-  </dgm:layoutNode>
-  <dgm:extLst>
-    <a:ext uri="{4F341089-5ED1-44EC-B178-C955D00A3D55}">
-      <dgm1611:autoBuNodeInfoLst xmlns="" xmlns:dgm1611="http://schemas.microsoft.com/office/drawing/2016/11/diagram">
-        <dgm1611:autoBuNodeInfo lvl="1" ptType="sibTrans">
-          <dgm1611:buPr prefix="" leadZeros="0">
-            <a:buAutoNum type="arabicParenBoth"/>
-          </dgm1611:buPr>
-        </dgm1611:autoBuNodeInfo>
-      </dgm1611:autoBuNodeInfoLst>
-    </a:ext>
-  </dgm:extLst>
-</dgm:layoutDef>
-</file>
-
-<file path=ppt/diagrams/layout4.xml><?xml version="1.0" encoding="utf-8"?>
-<dgm:layoutDef xmlns:dgm="http://schemas.openxmlformats.org/drawingml/2006/diagram" xmlns:a="http://schemas.openxmlformats.org/drawingml/2006/main" uniqueId="urn:microsoft.com/office/officeart/2016/7/layout/BasicLinearProcessNumbered">
-  <dgm:title val="Basic Linear Process Numbered"/>
-  <dgm:desc val="Used to show a progression; a timeline; sequential steps in a task, process, or workflow; or to emphasize movement or direction. Automatic numbers have been introduced to show the steps of the process which appears in a circle. Level 1 and Level 2 text appear in a rectangle."/>
-  <dgm:catLst>
-    <dgm:cat type="process" pri="500"/>
-  </dgm:catLst>
-  <dgm:sampData>
-    <dgm:dataModel>
-      <dgm:ptLst>
-        <dgm:pt modelId="0" type="doc"/>
-        <dgm:pt modelId="1">
-          <dgm:prSet phldr="1"/>
-        </dgm:pt>
-        <dgm:pt modelId="11">
-          <dgm:prSet phldr="1"/>
-        </dgm:pt>
-        <dgm:pt modelId="2">
-          <dgm:prSet phldr="1"/>
-        </dgm:pt>
-        <dgm:pt modelId="21">
-          <dgm:prSet phldr="1"/>
-        </dgm:pt>
-        <dgm:pt modelId="3">
-          <dgm:prSet phldr="1"/>
-        </dgm:pt>
-        <dgm:pt modelId="31">
-          <dgm:prSet phldr="1"/>
-        </dgm:pt>
-        <dgm:pt modelId="101" type="sibTrans" cxnId="4">
-          <dgm:prSet phldrT="1"/>
-          <dgm:t>
-            <a:bodyPr/>
-            <a:lstStyle/>
-            <a:p>
-              <a:r>
-                <a:t>1</a:t>
-              </a:r>
-            </a:p>
-          </dgm:t>
-        </dgm:pt>
-        <dgm:pt modelId="201" type="sibTrans" cxnId="5">
-          <dgm:prSet phldrT="2"/>
-          <dgm:t>
-            <a:bodyPr/>
-            <a:lstStyle/>
-            <a:p>
-              <a:r>
-                <a:t>2</a:t>
-              </a:r>
-            </a:p>
-          </dgm:t>
-        </dgm:pt>
-        <dgm:pt modelId="301" type="sibTrans" cxnId="6">
-          <dgm:prSet phldrT="3"/>
-          <dgm:t>
-            <a:bodyPr/>
-            <a:lstStyle/>
-            <a:p>
-              <a:r>
-                <a:t>3</a:t>
-              </a:r>
-            </a:p>
-          </dgm:t>
-        </dgm:pt>
-      </dgm:ptLst>
-      <dgm:cxnLst>
-        <dgm:cxn modelId="4" srcId="0" destId="1" srcOrd="0" destOrd="0" sibTransId="101"/>
-        <dgm:cxn modelId="5" srcId="0" destId="2" srcOrd="1" destOrd="0" sibTransId="201"/>
-        <dgm:cxn modelId="6" srcId="0" destId="3" srcOrd="2" destOrd="0" sibTransId="301"/>
-        <dgm:cxn modelId="13" srcId="1" destId="11" srcOrd="0" destOrd="0"/>
-        <dgm:cxn modelId="23" srcId="2" destId="21" srcOrd="0" destOrd="0"/>
-        <dgm:cxn modelId="33" srcId="3" destId="31" srcOrd="0" destOrd="0"/>
-      </dgm:cxnLst>
-      <dgm:bg/>
-      <dgm:whole/>
-    </dgm:dataModel>
-  </dgm:sampData>
-  <dgm:styleData>
-    <dgm:dataModel>
-      <dgm:ptLst>
-        <dgm:pt modelId="0" type="doc"/>
-        <dgm:pt modelId="1"/>
-        <dgm:pt modelId="11"/>
-        <dgm:pt modelId="2"/>
-        <dgm:pt modelId="21"/>
-      </dgm:ptLst>
-      <dgm:cxnLst>
-        <dgm:cxn modelId="4" srcId="0" destId="1" srcOrd="0" destOrd="0"/>
-        <dgm:cxn modelId="5" srcId="0" destId="2" srcOrd="1" destOrd="0"/>
-        <dgm:cxn modelId="13" srcId="1" destId="11" srcOrd="0" destOrd="0"/>
-        <dgm:cxn modelId="23" srcId="2" destId="21" srcOrd="0" destOrd="0"/>
-      </dgm:cxnLst>
-      <dgm:bg/>
-      <dgm:whole/>
-    </dgm:dataModel>
-  </dgm:styleData>
-  <dgm:clrData>
-    <dgm:dataModel>
-      <dgm:ptLst>
-        <dgm:pt modelId="0" type="doc"/>
-        <dgm:pt modelId="1"/>
-        <dgm:pt modelId="11"/>
-        <dgm:pt modelId="2"/>
-        <dgm:pt modelId="21"/>
-        <dgm:pt modelId="3"/>
-        <dgm:pt modelId="31"/>
-        <dgm:pt modelId="4"/>
-        <dgm:pt modelId="41"/>
-      </dgm:ptLst>
-      <dgm:cxnLst>
-        <dgm:cxn modelId="5" srcId="0" destId="1" srcOrd="0" destOrd="0"/>
-        <dgm:cxn modelId="6" srcId="0" destId="2" srcOrd="1" destOrd="0"/>
-        <dgm:cxn modelId="7" srcId="0" destId="3" srcOrd="2" destOrd="0"/>
-        <dgm:cxn modelId="8" srcId="0" destId="4" srcOrd="3" destOrd="0"/>
-        <dgm:cxn modelId="13" srcId="1" destId="11" srcOrd="0" destOrd="0"/>
-        <dgm:cxn modelId="23" srcId="2" destId="21" srcOrd="0" destOrd="0"/>
-        <dgm:cxn modelId="33" srcId="3" destId="31" srcOrd="0" destOrd="0"/>
-        <dgm:cxn modelId="43" srcId="4" destId="41" srcOrd="0" destOrd="0"/>
-      </dgm:cxnLst>
-      <dgm:bg/>
-      <dgm:whole/>
-    </dgm:dataModel>
-  </dgm:clrData>
-  <dgm:layoutNode name="Name0">
-    <dgm:varLst>
-      <dgm:animLvl val="lvl"/>
-      <dgm:resizeHandles val="exact"/>
-    </dgm:varLst>
-    <dgm:alg type="lin">
-      <dgm:param type="linDir" val="fromL"/>
-      <dgm:param type="nodeVertAlign" val="t"/>
-    </dgm:alg>
-    <dgm:shape xmlns:r="http://schemas.openxmlformats.org/officeDocument/2006/relationships" r:blip="">
-      <dgm:adjLst/>
-    </dgm:shape>
-    <dgm:presOf/>
-    <dgm:constrLst>
-      <dgm:constr type="h" for="ch" forName="compositeNode" refType="h"/>
-      <dgm:constr type="w" for="ch" forName="compositeNode" refType="w"/>
-      <dgm:constr type="w" for="des" forName="simulatedConn" refType="w" refFor="ch" refForName="compositeNode" fact="0.15"/>
-      <dgm:constr type="h" for="des" forName="simulatedConn" refType="w" refFor="des" refForName="simulatedConn"/>
-      <dgm:constr type="h" for="des" forName="vSp1" refType="w" refFor="ch" refForName="compositeNode" fact="0.8"/>
-      <dgm:constr type="h" for="des" forName="vSp2" refType="w" refFor="ch" refForName="compositeNode" fact="0.07"/>
-      <dgm:constr type="w" for="ch" forName="vProcSp" refType="w" refFor="des" refForName="simulatedConn" op="equ"/>
-      <dgm:constr type="h" for="ch" forName="vProcSp" refType="h" refFor="ch" refForName="compositeNode" op="equ"/>
-      <dgm:constr type="w" for="ch" forName="sibTrans" refType="w" refFor="ch" refForName="compositeNode" fact="0.1"/>
-      <dgm:constr type="primFontSz" for="des" forName="sibTransNodeCircle" op="equ"/>
-      <dgm:constr type="primFontSz" for="des" forName="nodeText" op="equ"/>
-      <dgm:constr type="h" for="des" forName="sibTransNodeCircle" op="equ"/>
-      <dgm:constr type="w" for="des" forName="sibTransNodeCircle" op="equ"/>
-    </dgm:constrLst>
-    <dgm:ruleLst>
-      <dgm:rule type="h" val="NaN" fact="1.2" max="NaN"/>
-    </dgm:ruleLst>
-    <dgm:forEach name="Name4" axis="ch" ptType="node">
-      <dgm:layoutNode name="compositeNode">
-        <dgm:varLst>
-          <dgm:bulletEnabled val="1"/>
-        </dgm:varLst>
-        <dgm:alg type="composite"/>
-        <dgm:constrLst>
-          <dgm:constr type="h" refType="w" op="lte" fact="1.4"/>
-          <dgm:constr type="w" for="ch" forName="bgRect" refType="w"/>
-          <dgm:constr type="h" for="ch" forName="bgRect" refType="h"/>
-          <dgm:constr type="t" for="ch" forName="bgRect"/>
-          <dgm:constr type="l" for="ch" forName="bgRect"/>
-          <dgm:constr type="h" for="ch" forName="sibTransNodeCircle" refType="h" refFor="ch" refForName="bgRect" fact="0.3"/>
-          <dgm:constr type="w" for="ch" forName="sibTransNodeCircle" refType="h" refFor="ch" refForName="sibTransNodeCircle"/>
-          <dgm:constr type="ctrX" for="ch" forName="sibTransNodeCircle" refType="w" fact="0.5"/>
-          <dgm:constr type="ctrY" for="ch" forName="sibTransNodeCircle" refType="h" fact="0.25"/>
-          <dgm:constr type="r" for="ch" forName="nodeText" refType="r" refFor="ch" refForName="bgRect"/>
-          <dgm:constr type="h" for="ch" forName="nodeText" refType="h" refFor="ch" refForName="bgRect" fact="0.6"/>
-          <dgm:constr type="t" for="ch" forName="nodeText" refType="h" refFor="ch" refForName="bgRect" fact="0.38"/>
-          <dgm:constr type="b" for="ch" forName="bottomLine" refType="b" refFor="ch" refForName="bgRect"/>
-          <dgm:constr type="w" for="ch" forName="bottomLine" refType="w" refFor="ch" refForName="bgRect"/>
-          <dgm:constr type="h" for="ch" forName="bottomLine" val="0.002"/>
-        </dgm:constrLst>
-        <dgm:ruleLst/>
-        <dgm:layoutNode name="bgRect" styleLbl="bgAccFollowNode1">
-          <dgm:alg type="sp"/>
-          <dgm:shape xmlns:r="http://schemas.openxmlformats.org/officeDocument/2006/relationships" type="rect" r:blip="">
-            <dgm:adjLst/>
-          </dgm:shape>
-          <dgm:presOf axis="self"/>
-          <dgm:constrLst/>
-          <dgm:ruleLst/>
-        </dgm:layoutNode>
-        <dgm:forEach name="Name19" axis="followSib" ptType="sibTrans" hideLastTrans="0" cnt="1">
-          <dgm:layoutNode name="sibTransNodeCircle" styleLbl="alignNode1">
-            <dgm:varLst>
-              <dgm:chMax val="0"/>
-              <dgm:bulletEnabled/>
-            </dgm:varLst>
-            <dgm:presOf axis="self" ptType="sibTrans"/>
-            <dgm:alg type="tx">
-              <dgm:param type="txAnchorVert" val="mid"/>
-              <dgm:param type="txAnchorHorzCh" val="ctr"/>
-            </dgm:alg>
-            <dgm:shape xmlns:r="http://schemas.openxmlformats.org/officeDocument/2006/relationships" type="ellipse" r:blip="">
-              <dgm:adjLst/>
-            </dgm:shape>
-            <dgm:constrLst>
-              <dgm:constr type="w" refType="h" op="lte"/>
-              <dgm:constr type="primFontSz" val="48"/>
-              <dgm:constr type="tMarg" val="1"/>
-              <dgm:constr type="lMarg" refType="w" fact="0.221"/>
-              <dgm:constr type="rMarg" refType="w" fact="0.221"/>
-              <dgm:constr type="bMarg" val="1"/>
-            </dgm:constrLst>
-            <dgm:ruleLst>
-              <dgm:rule type="primFontSz" val="14" fact="NaN" max="NaN"/>
-            </dgm:ruleLst>
-          </dgm:layoutNode>
-        </dgm:forEach>
-        <dgm:layoutNode name="bottomLine" styleLbl="alignNode1">
-          <dgm:varLst/>
-          <dgm:presOf/>
-          <dgm:alg type="sp"/>
-          <dgm:shape xmlns:r="http://schemas.openxmlformats.org/officeDocument/2006/relationships" type="rect" r:blip="">
-            <dgm:adjLst/>
-          </dgm:shape>
-          <dgm:constrLst/>
-          <dgm:ruleLst/>
-        </dgm:layoutNode>
-        <dgm:layoutNode name="nodeText" styleLbl="bgAccFollowNode1" moveWith="bgRect">
-          <dgm:varLst>
-            <dgm:bulletEnabled val="1"/>
-          </dgm:varLst>
-          <dgm:alg type="tx">
-            <dgm:param type="parTxLTRAlign" val="l"/>
-            <dgm:param type="parTxRTLAlign" val="r"/>
-            <dgm:param type="txAnchorVert" val="t"/>
-          </dgm:alg>
-          <dgm:shape xmlns:r="http://schemas.openxmlformats.org/officeDocument/2006/relationships" type="rect" r:blip="" zOrderOff="-1" hideGeom="1">
-            <dgm:adjLst/>
-          </dgm:shape>
-          <dgm:presOf axis="desOrSelf" ptType="node"/>
-          <dgm:constrLst>
-            <dgm:constr type="primFontSz" val="26"/>
-            <dgm:constr type="tMarg" val="26"/>
-            <dgm:constr type="lMarg" refType="w" fact="0.221"/>
-            <dgm:constr type="rMarg" refType="w" fact="0.221"/>
-            <dgm:constr type="bMarg" val="26"/>
-          </dgm:constrLst>
-          <dgm:ruleLst>
-            <dgm:rule type="primFontSz" val="11" fact="NaN" max="NaN"/>
-          </dgm:ruleLst>
-        </dgm:layoutNode>
-      </dgm:layoutNode>
-      <dgm:forEach name="Name14" axis="followSib" ptType="sibTrans" cnt="1">
-        <dgm:layoutNode name="sibTrans">
-          <dgm:alg type="sp"/>
-          <dgm:shape xmlns:r="http://schemas.openxmlformats.org/officeDocument/2006/relationships" r:blip="">
-            <dgm:adjLst/>
-          </dgm:shape>
-          <dgm:presOf/>
-          <dgm:constrLst/>
-          <dgm:ruleLst/>
-        </dgm:layoutNode>
-      </dgm:forEach>
-    </dgm:forEach>
-  </dgm:layoutNode>
-  <dgm:extLst>
-    <a:ext uri="{4F341089-5ED1-44EC-B178-C955D00A3D55}">
-      <dgm1611:autoBuNodeInfoLst xmlns="" xmlns:dgm1611="http://schemas.microsoft.com/office/drawing/2016/11/diagram">
+      <dgm1611:autoBuNodeInfoLst xmlns:dgm1611="http://schemas.microsoft.com/office/drawing/2016/11/diagram" xmlns="">
         <dgm1611:autoBuNodeInfo lvl="1" ptType="sibTrans">
           <dgm1611:buPr prefix="" leadZeros="0">
             <a:buAutoNum type="arabicParenBoth"/>
@@ -10689,2074 +5572,6 @@
 </file>
 
 <file path=ppt/diagrams/quickStyle2.xml><?xml version="1.0" encoding="utf-8"?>
-<dgm:styleDef xmlns:dgm="http://schemas.openxmlformats.org/drawingml/2006/diagram" xmlns:a="http://schemas.openxmlformats.org/drawingml/2006/main" uniqueId="urn:microsoft.com/office/officeart/2005/8/quickstyle/simple1">
-  <dgm:title val=""/>
-  <dgm:desc val=""/>
-  <dgm:catLst>
-    <dgm:cat type="simple" pri="10100"/>
-  </dgm:catLst>
-  <dgm:scene3d>
-    <a:camera prst="orthographicFront"/>
-    <a:lightRig rig="threePt" dir="t"/>
-  </dgm:scene3d>
-  <dgm:styleLbl name="node0">
-    <dgm:scene3d>
-      <a:camera prst="orthographicFront"/>
-      <a:lightRig rig="threePt" dir="t"/>
-    </dgm:scene3d>
-    <dgm:sp3d/>
-    <dgm:txPr/>
-    <dgm:style>
-      <a:lnRef idx="2">
-        <a:scrgbClr r="0" g="0" b="0"/>
-      </a:lnRef>
-      <a:fillRef idx="1">
-        <a:scrgbClr r="0" g="0" b="0"/>
-      </a:fillRef>
-      <a:effectRef idx="0">
-        <a:scrgbClr r="0" g="0" b="0"/>
-      </a:effectRef>
-      <a:fontRef idx="minor">
-        <a:schemeClr val="lt1"/>
-      </a:fontRef>
-    </dgm:style>
-  </dgm:styleLbl>
-  <dgm:styleLbl name="lnNode1">
-    <dgm:scene3d>
-      <a:camera prst="orthographicFront"/>
-      <a:lightRig rig="threePt" dir="t"/>
-    </dgm:scene3d>
-    <dgm:sp3d/>
-    <dgm:txPr/>
-    <dgm:style>
-      <a:lnRef idx="2">
-        <a:scrgbClr r="0" g="0" b="0"/>
-      </a:lnRef>
-      <a:fillRef idx="1">
-        <a:scrgbClr r="0" g="0" b="0"/>
-      </a:fillRef>
-      <a:effectRef idx="0">
-        <a:scrgbClr r="0" g="0" b="0"/>
-      </a:effectRef>
-      <a:fontRef idx="minor">
-        <a:schemeClr val="lt1"/>
-      </a:fontRef>
-    </dgm:style>
-  </dgm:styleLbl>
-  <dgm:styleLbl name="vennNode1">
-    <dgm:scene3d>
-      <a:camera prst="orthographicFront"/>
-      <a:lightRig rig="threePt" dir="t"/>
-    </dgm:scene3d>
-    <dgm:sp3d/>
-    <dgm:txPr/>
-    <dgm:style>
-      <a:lnRef idx="2">
-        <a:scrgbClr r="0" g="0" b="0"/>
-      </a:lnRef>
-      <a:fillRef idx="1">
-        <a:scrgbClr r="0" g="0" b="0"/>
-      </a:fillRef>
-      <a:effectRef idx="0">
-        <a:scrgbClr r="0" g="0" b="0"/>
-      </a:effectRef>
-      <a:fontRef idx="minor">
-        <a:schemeClr val="tx1"/>
-      </a:fontRef>
-    </dgm:style>
-  </dgm:styleLbl>
-  <dgm:styleLbl name="alignNode1">
-    <dgm:scene3d>
-      <a:camera prst="orthographicFront"/>
-      <a:lightRig rig="threePt" dir="t"/>
-    </dgm:scene3d>
-    <dgm:sp3d/>
-    <dgm:txPr/>
-    <dgm:style>
-      <a:lnRef idx="2">
-        <a:scrgbClr r="0" g="0" b="0"/>
-      </a:lnRef>
-      <a:fillRef idx="1">
-        <a:scrgbClr r="0" g="0" b="0"/>
-      </a:fillRef>
-      <a:effectRef idx="0">
-        <a:scrgbClr r="0" g="0" b="0"/>
-      </a:effectRef>
-      <a:fontRef idx="minor">
-        <a:schemeClr val="lt1"/>
-      </a:fontRef>
-    </dgm:style>
-  </dgm:styleLbl>
-  <dgm:styleLbl name="node1">
-    <dgm:scene3d>
-      <a:camera prst="orthographicFront"/>
-      <a:lightRig rig="threePt" dir="t"/>
-    </dgm:scene3d>
-    <dgm:sp3d/>
-    <dgm:txPr/>
-    <dgm:style>
-      <a:lnRef idx="2">
-        <a:scrgbClr r="0" g="0" b="0"/>
-      </a:lnRef>
-      <a:fillRef idx="1">
-        <a:scrgbClr r="0" g="0" b="0"/>
-      </a:fillRef>
-      <a:effectRef idx="0">
-        <a:scrgbClr r="0" g="0" b="0"/>
-      </a:effectRef>
-      <a:fontRef idx="minor">
-        <a:schemeClr val="lt1"/>
-      </a:fontRef>
-    </dgm:style>
-  </dgm:styleLbl>
-  <dgm:styleLbl name="node2">
-    <dgm:scene3d>
-      <a:camera prst="orthographicFront"/>
-      <a:lightRig rig="threePt" dir="t"/>
-    </dgm:scene3d>
-    <dgm:sp3d/>
-    <dgm:txPr/>
-    <dgm:style>
-      <a:lnRef idx="2">
-        <a:scrgbClr r="0" g="0" b="0"/>
-      </a:lnRef>
-      <a:fillRef idx="1">
-        <a:scrgbClr r="0" g="0" b="0"/>
-      </a:fillRef>
-      <a:effectRef idx="0">
-        <a:scrgbClr r="0" g="0" b="0"/>
-      </a:effectRef>
-      <a:fontRef idx="minor">
-        <a:schemeClr val="lt1"/>
-      </a:fontRef>
-    </dgm:style>
-  </dgm:styleLbl>
-  <dgm:styleLbl name="node3">
-    <dgm:scene3d>
-      <a:camera prst="orthographicFront"/>
-      <a:lightRig rig="threePt" dir="t"/>
-    </dgm:scene3d>
-    <dgm:sp3d/>
-    <dgm:txPr/>
-    <dgm:style>
-      <a:lnRef idx="2">
-        <a:scrgbClr r="0" g="0" b="0"/>
-      </a:lnRef>
-      <a:fillRef idx="1">
-        <a:scrgbClr r="0" g="0" b="0"/>
-      </a:fillRef>
-      <a:effectRef idx="0">
-        <a:scrgbClr r="0" g="0" b="0"/>
-      </a:effectRef>
-      <a:fontRef idx="minor">
-        <a:schemeClr val="lt1"/>
-      </a:fontRef>
-    </dgm:style>
-  </dgm:styleLbl>
-  <dgm:styleLbl name="node4">
-    <dgm:scene3d>
-      <a:camera prst="orthographicFront"/>
-      <a:lightRig rig="threePt" dir="t"/>
-    </dgm:scene3d>
-    <dgm:sp3d/>
-    <dgm:txPr/>
-    <dgm:style>
-      <a:lnRef idx="2">
-        <a:scrgbClr r="0" g="0" b="0"/>
-      </a:lnRef>
-      <a:fillRef idx="1">
-        <a:scrgbClr r="0" g="0" b="0"/>
-      </a:fillRef>
-      <a:effectRef idx="0">
-        <a:scrgbClr r="0" g="0" b="0"/>
-      </a:effectRef>
-      <a:fontRef idx="minor">
-        <a:schemeClr val="lt1"/>
-      </a:fontRef>
-    </dgm:style>
-  </dgm:styleLbl>
-  <dgm:styleLbl name="fgImgPlace1">
-    <dgm:scene3d>
-      <a:camera prst="orthographicFront"/>
-      <a:lightRig rig="threePt" dir="t"/>
-    </dgm:scene3d>
-    <dgm:sp3d/>
-    <dgm:txPr/>
-    <dgm:style>
-      <a:lnRef idx="2">
-        <a:scrgbClr r="0" g="0" b="0"/>
-      </a:lnRef>
-      <a:fillRef idx="1">
-        <a:scrgbClr r="0" g="0" b="0"/>
-      </a:fillRef>
-      <a:effectRef idx="0">
-        <a:scrgbClr r="0" g="0" b="0"/>
-      </a:effectRef>
-      <a:fontRef idx="minor"/>
-    </dgm:style>
-  </dgm:styleLbl>
-  <dgm:styleLbl name="alignImgPlace1">
-    <dgm:scene3d>
-      <a:camera prst="orthographicFront"/>
-      <a:lightRig rig="threePt" dir="t"/>
-    </dgm:scene3d>
-    <dgm:sp3d/>
-    <dgm:txPr/>
-    <dgm:style>
-      <a:lnRef idx="2">
-        <a:scrgbClr r="0" g="0" b="0"/>
-      </a:lnRef>
-      <a:fillRef idx="1">
-        <a:scrgbClr r="0" g="0" b="0"/>
-      </a:fillRef>
-      <a:effectRef idx="0">
-        <a:scrgbClr r="0" g="0" b="0"/>
-      </a:effectRef>
-      <a:fontRef idx="minor"/>
-    </dgm:style>
-  </dgm:styleLbl>
-  <dgm:styleLbl name="bgImgPlace1">
-    <dgm:scene3d>
-      <a:camera prst="orthographicFront"/>
-      <a:lightRig rig="threePt" dir="t"/>
-    </dgm:scene3d>
-    <dgm:sp3d/>
-    <dgm:txPr/>
-    <dgm:style>
-      <a:lnRef idx="2">
-        <a:scrgbClr r="0" g="0" b="0"/>
-      </a:lnRef>
-      <a:fillRef idx="1">
-        <a:scrgbClr r="0" g="0" b="0"/>
-      </a:fillRef>
-      <a:effectRef idx="0">
-        <a:scrgbClr r="0" g="0" b="0"/>
-      </a:effectRef>
-      <a:fontRef idx="minor"/>
-    </dgm:style>
-  </dgm:styleLbl>
-  <dgm:styleLbl name="sibTrans2D1">
-    <dgm:scene3d>
-      <a:camera prst="orthographicFront"/>
-      <a:lightRig rig="threePt" dir="t"/>
-    </dgm:scene3d>
-    <dgm:sp3d/>
-    <dgm:txPr/>
-    <dgm:style>
-      <a:lnRef idx="0">
-        <a:scrgbClr r="0" g="0" b="0"/>
-      </a:lnRef>
-      <a:fillRef idx="1">
-        <a:scrgbClr r="0" g="0" b="0"/>
-      </a:fillRef>
-      <a:effectRef idx="0">
-        <a:scrgbClr r="0" g="0" b="0"/>
-      </a:effectRef>
-      <a:fontRef idx="minor">
-        <a:schemeClr val="lt1"/>
-      </a:fontRef>
-    </dgm:style>
-  </dgm:styleLbl>
-  <dgm:styleLbl name="fgSibTrans2D1">
-    <dgm:scene3d>
-      <a:camera prst="orthographicFront"/>
-      <a:lightRig rig="threePt" dir="t"/>
-    </dgm:scene3d>
-    <dgm:sp3d/>
-    <dgm:txPr/>
-    <dgm:style>
-      <a:lnRef idx="0">
-        <a:scrgbClr r="0" g="0" b="0"/>
-      </a:lnRef>
-      <a:fillRef idx="1">
-        <a:scrgbClr r="0" g="0" b="0"/>
-      </a:fillRef>
-      <a:effectRef idx="0">
-        <a:scrgbClr r="0" g="0" b="0"/>
-      </a:effectRef>
-      <a:fontRef idx="minor">
-        <a:schemeClr val="lt1"/>
-      </a:fontRef>
-    </dgm:style>
-  </dgm:styleLbl>
-  <dgm:styleLbl name="bgSibTrans2D1">
-    <dgm:scene3d>
-      <a:camera prst="orthographicFront"/>
-      <a:lightRig rig="threePt" dir="t"/>
-    </dgm:scene3d>
-    <dgm:sp3d/>
-    <dgm:txPr/>
-    <dgm:style>
-      <a:lnRef idx="0">
-        <a:scrgbClr r="0" g="0" b="0"/>
-      </a:lnRef>
-      <a:fillRef idx="1">
-        <a:scrgbClr r="0" g="0" b="0"/>
-      </a:fillRef>
-      <a:effectRef idx="0">
-        <a:scrgbClr r="0" g="0" b="0"/>
-      </a:effectRef>
-      <a:fontRef idx="minor">
-        <a:schemeClr val="lt1"/>
-      </a:fontRef>
-    </dgm:style>
-  </dgm:styleLbl>
-  <dgm:styleLbl name="sibTrans1D1">
-    <dgm:scene3d>
-      <a:camera prst="orthographicFront"/>
-      <a:lightRig rig="threePt" dir="t"/>
-    </dgm:scene3d>
-    <dgm:sp3d/>
-    <dgm:txPr/>
-    <dgm:style>
-      <a:lnRef idx="1">
-        <a:scrgbClr r="0" g="0" b="0"/>
-      </a:lnRef>
-      <a:fillRef idx="0">
-        <a:scrgbClr r="0" g="0" b="0"/>
-      </a:fillRef>
-      <a:effectRef idx="0">
-        <a:scrgbClr r="0" g="0" b="0"/>
-      </a:effectRef>
-      <a:fontRef idx="minor"/>
-    </dgm:style>
-  </dgm:styleLbl>
-  <dgm:styleLbl name="callout">
-    <dgm:scene3d>
-      <a:camera prst="orthographicFront"/>
-      <a:lightRig rig="threePt" dir="t"/>
-    </dgm:scene3d>
-    <dgm:sp3d/>
-    <dgm:txPr/>
-    <dgm:style>
-      <a:lnRef idx="2">
-        <a:scrgbClr r="0" g="0" b="0"/>
-      </a:lnRef>
-      <a:fillRef idx="1">
-        <a:scrgbClr r="0" g="0" b="0"/>
-      </a:fillRef>
-      <a:effectRef idx="0">
-        <a:scrgbClr r="0" g="0" b="0"/>
-      </a:effectRef>
-      <a:fontRef idx="minor"/>
-    </dgm:style>
-  </dgm:styleLbl>
-  <dgm:styleLbl name="asst0">
-    <dgm:scene3d>
-      <a:camera prst="orthographicFront"/>
-      <a:lightRig rig="threePt" dir="t"/>
-    </dgm:scene3d>
-    <dgm:sp3d/>
-    <dgm:txPr/>
-    <dgm:style>
-      <a:lnRef idx="2">
-        <a:scrgbClr r="0" g="0" b="0"/>
-      </a:lnRef>
-      <a:fillRef idx="1">
-        <a:scrgbClr r="0" g="0" b="0"/>
-      </a:fillRef>
-      <a:effectRef idx="0">
-        <a:scrgbClr r="0" g="0" b="0"/>
-      </a:effectRef>
-      <a:fontRef idx="minor">
-        <a:schemeClr val="lt1"/>
-      </a:fontRef>
-    </dgm:style>
-  </dgm:styleLbl>
-  <dgm:styleLbl name="asst1">
-    <dgm:scene3d>
-      <a:camera prst="orthographicFront"/>
-      <a:lightRig rig="threePt" dir="t"/>
-    </dgm:scene3d>
-    <dgm:sp3d/>
-    <dgm:txPr/>
-    <dgm:style>
-      <a:lnRef idx="2">
-        <a:scrgbClr r="0" g="0" b="0"/>
-      </a:lnRef>
-      <a:fillRef idx="1">
-        <a:scrgbClr r="0" g="0" b="0"/>
-      </a:fillRef>
-      <a:effectRef idx="0">
-        <a:scrgbClr r="0" g="0" b="0"/>
-      </a:effectRef>
-      <a:fontRef idx="minor">
-        <a:schemeClr val="lt1"/>
-      </a:fontRef>
-    </dgm:style>
-  </dgm:styleLbl>
-  <dgm:styleLbl name="asst2">
-    <dgm:scene3d>
-      <a:camera prst="orthographicFront"/>
-      <a:lightRig rig="threePt" dir="t"/>
-    </dgm:scene3d>
-    <dgm:sp3d/>
-    <dgm:txPr/>
-    <dgm:style>
-      <a:lnRef idx="2">
-        <a:scrgbClr r="0" g="0" b="0"/>
-      </a:lnRef>
-      <a:fillRef idx="1">
-        <a:scrgbClr r="0" g="0" b="0"/>
-      </a:fillRef>
-      <a:effectRef idx="0">
-        <a:scrgbClr r="0" g="0" b="0"/>
-      </a:effectRef>
-      <a:fontRef idx="minor">
-        <a:schemeClr val="lt1"/>
-      </a:fontRef>
-    </dgm:style>
-  </dgm:styleLbl>
-  <dgm:styleLbl name="asst3">
-    <dgm:scene3d>
-      <a:camera prst="orthographicFront"/>
-      <a:lightRig rig="threePt" dir="t"/>
-    </dgm:scene3d>
-    <dgm:sp3d/>
-    <dgm:txPr/>
-    <dgm:style>
-      <a:lnRef idx="2">
-        <a:scrgbClr r="0" g="0" b="0"/>
-      </a:lnRef>
-      <a:fillRef idx="1">
-        <a:scrgbClr r="0" g="0" b="0"/>
-      </a:fillRef>
-      <a:effectRef idx="0">
-        <a:scrgbClr r="0" g="0" b="0"/>
-      </a:effectRef>
-      <a:fontRef idx="minor">
-        <a:schemeClr val="lt1"/>
-      </a:fontRef>
-    </dgm:style>
-  </dgm:styleLbl>
-  <dgm:styleLbl name="asst4">
-    <dgm:scene3d>
-      <a:camera prst="orthographicFront"/>
-      <a:lightRig rig="threePt" dir="t"/>
-    </dgm:scene3d>
-    <dgm:sp3d/>
-    <dgm:txPr/>
-    <dgm:style>
-      <a:lnRef idx="2">
-        <a:scrgbClr r="0" g="0" b="0"/>
-      </a:lnRef>
-      <a:fillRef idx="1">
-        <a:scrgbClr r="0" g="0" b="0"/>
-      </a:fillRef>
-      <a:effectRef idx="0">
-        <a:scrgbClr r="0" g="0" b="0"/>
-      </a:effectRef>
-      <a:fontRef idx="minor">
-        <a:schemeClr val="lt1"/>
-      </a:fontRef>
-    </dgm:style>
-  </dgm:styleLbl>
-  <dgm:styleLbl name="parChTrans2D1">
-    <dgm:scene3d>
-      <a:camera prst="orthographicFront"/>
-      <a:lightRig rig="threePt" dir="t"/>
-    </dgm:scene3d>
-    <dgm:sp3d/>
-    <dgm:txPr/>
-    <dgm:style>
-      <a:lnRef idx="2">
-        <a:scrgbClr r="0" g="0" b="0"/>
-      </a:lnRef>
-      <a:fillRef idx="1">
-        <a:scrgbClr r="0" g="0" b="0"/>
-      </a:fillRef>
-      <a:effectRef idx="0">
-        <a:scrgbClr r="0" g="0" b="0"/>
-      </a:effectRef>
-      <a:fontRef idx="minor">
-        <a:schemeClr val="lt1"/>
-      </a:fontRef>
-    </dgm:style>
-  </dgm:styleLbl>
-  <dgm:styleLbl name="parChTrans2D2">
-    <dgm:scene3d>
-      <a:camera prst="orthographicFront"/>
-      <a:lightRig rig="threePt" dir="t"/>
-    </dgm:scene3d>
-    <dgm:sp3d/>
-    <dgm:txPr/>
-    <dgm:style>
-      <a:lnRef idx="2">
-        <a:scrgbClr r="0" g="0" b="0"/>
-      </a:lnRef>
-      <a:fillRef idx="1">
-        <a:scrgbClr r="0" g="0" b="0"/>
-      </a:fillRef>
-      <a:effectRef idx="0">
-        <a:scrgbClr r="0" g="0" b="0"/>
-      </a:effectRef>
-      <a:fontRef idx="minor">
-        <a:schemeClr val="lt1"/>
-      </a:fontRef>
-    </dgm:style>
-  </dgm:styleLbl>
-  <dgm:styleLbl name="parChTrans2D3">
-    <dgm:scene3d>
-      <a:camera prst="orthographicFront"/>
-      <a:lightRig rig="threePt" dir="t"/>
-    </dgm:scene3d>
-    <dgm:sp3d/>
-    <dgm:txPr/>
-    <dgm:style>
-      <a:lnRef idx="2">
-        <a:scrgbClr r="0" g="0" b="0"/>
-      </a:lnRef>
-      <a:fillRef idx="1">
-        <a:scrgbClr r="0" g="0" b="0"/>
-      </a:fillRef>
-      <a:effectRef idx="0">
-        <a:scrgbClr r="0" g="0" b="0"/>
-      </a:effectRef>
-      <a:fontRef idx="minor">
-        <a:schemeClr val="lt1"/>
-      </a:fontRef>
-    </dgm:style>
-  </dgm:styleLbl>
-  <dgm:styleLbl name="parChTrans2D4">
-    <dgm:scene3d>
-      <a:camera prst="orthographicFront"/>
-      <a:lightRig rig="threePt" dir="t"/>
-    </dgm:scene3d>
-    <dgm:sp3d/>
-    <dgm:txPr/>
-    <dgm:style>
-      <a:lnRef idx="2">
-        <a:scrgbClr r="0" g="0" b="0"/>
-      </a:lnRef>
-      <a:fillRef idx="1">
-        <a:scrgbClr r="0" g="0" b="0"/>
-      </a:fillRef>
-      <a:effectRef idx="0">
-        <a:scrgbClr r="0" g="0" b="0"/>
-      </a:effectRef>
-      <a:fontRef idx="minor">
-        <a:schemeClr val="lt1"/>
-      </a:fontRef>
-    </dgm:style>
-  </dgm:styleLbl>
-  <dgm:styleLbl name="parChTrans1D1">
-    <dgm:scene3d>
-      <a:camera prst="orthographicFront"/>
-      <a:lightRig rig="threePt" dir="t"/>
-    </dgm:scene3d>
-    <dgm:sp3d/>
-    <dgm:txPr/>
-    <dgm:style>
-      <a:lnRef idx="2">
-        <a:scrgbClr r="0" g="0" b="0"/>
-      </a:lnRef>
-      <a:fillRef idx="0">
-        <a:scrgbClr r="0" g="0" b="0"/>
-      </a:fillRef>
-      <a:effectRef idx="0">
-        <a:scrgbClr r="0" g="0" b="0"/>
-      </a:effectRef>
-      <a:fontRef idx="minor"/>
-    </dgm:style>
-  </dgm:styleLbl>
-  <dgm:styleLbl name="parChTrans1D2">
-    <dgm:scene3d>
-      <a:camera prst="orthographicFront"/>
-      <a:lightRig rig="threePt" dir="t"/>
-    </dgm:scene3d>
-    <dgm:sp3d/>
-    <dgm:txPr/>
-    <dgm:style>
-      <a:lnRef idx="2">
-        <a:scrgbClr r="0" g="0" b="0"/>
-      </a:lnRef>
-      <a:fillRef idx="0">
-        <a:scrgbClr r="0" g="0" b="0"/>
-      </a:fillRef>
-      <a:effectRef idx="0">
-        <a:scrgbClr r="0" g="0" b="0"/>
-      </a:effectRef>
-      <a:fontRef idx="minor"/>
-    </dgm:style>
-  </dgm:styleLbl>
-  <dgm:styleLbl name="parChTrans1D3">
-    <dgm:scene3d>
-      <a:camera prst="orthographicFront"/>
-      <a:lightRig rig="threePt" dir="t"/>
-    </dgm:scene3d>
-    <dgm:sp3d/>
-    <dgm:txPr/>
-    <dgm:style>
-      <a:lnRef idx="2">
-        <a:scrgbClr r="0" g="0" b="0"/>
-      </a:lnRef>
-      <a:fillRef idx="0">
-        <a:scrgbClr r="0" g="0" b="0"/>
-      </a:fillRef>
-      <a:effectRef idx="0">
-        <a:scrgbClr r="0" g="0" b="0"/>
-      </a:effectRef>
-      <a:fontRef idx="minor"/>
-    </dgm:style>
-  </dgm:styleLbl>
-  <dgm:styleLbl name="parChTrans1D4">
-    <dgm:scene3d>
-      <a:camera prst="orthographicFront"/>
-      <a:lightRig rig="threePt" dir="t"/>
-    </dgm:scene3d>
-    <dgm:sp3d/>
-    <dgm:txPr/>
-    <dgm:style>
-      <a:lnRef idx="2">
-        <a:scrgbClr r="0" g="0" b="0"/>
-      </a:lnRef>
-      <a:fillRef idx="0">
-        <a:scrgbClr r="0" g="0" b="0"/>
-      </a:fillRef>
-      <a:effectRef idx="0">
-        <a:scrgbClr r="0" g="0" b="0"/>
-      </a:effectRef>
-      <a:fontRef idx="minor"/>
-    </dgm:style>
-  </dgm:styleLbl>
-  <dgm:styleLbl name="fgAcc1">
-    <dgm:scene3d>
-      <a:camera prst="orthographicFront"/>
-      <a:lightRig rig="threePt" dir="t"/>
-    </dgm:scene3d>
-    <dgm:sp3d/>
-    <dgm:txPr/>
-    <dgm:style>
-      <a:lnRef idx="2">
-        <a:scrgbClr r="0" g="0" b="0"/>
-      </a:lnRef>
-      <a:fillRef idx="1">
-        <a:scrgbClr r="0" g="0" b="0"/>
-      </a:fillRef>
-      <a:effectRef idx="0">
-        <a:scrgbClr r="0" g="0" b="0"/>
-      </a:effectRef>
-      <a:fontRef idx="minor"/>
-    </dgm:style>
-  </dgm:styleLbl>
-  <dgm:styleLbl name="conFgAcc1">
-    <dgm:scene3d>
-      <a:camera prst="orthographicFront"/>
-      <a:lightRig rig="threePt" dir="t"/>
-    </dgm:scene3d>
-    <dgm:sp3d/>
-    <dgm:txPr/>
-    <dgm:style>
-      <a:lnRef idx="2">
-        <a:scrgbClr r="0" g="0" b="0"/>
-      </a:lnRef>
-      <a:fillRef idx="1">
-        <a:scrgbClr r="0" g="0" b="0"/>
-      </a:fillRef>
-      <a:effectRef idx="0">
-        <a:scrgbClr r="0" g="0" b="0"/>
-      </a:effectRef>
-      <a:fontRef idx="minor"/>
-    </dgm:style>
-  </dgm:styleLbl>
-  <dgm:styleLbl name="alignAcc1">
-    <dgm:scene3d>
-      <a:camera prst="orthographicFront"/>
-      <a:lightRig rig="threePt" dir="t"/>
-    </dgm:scene3d>
-    <dgm:sp3d/>
-    <dgm:txPr/>
-    <dgm:style>
-      <a:lnRef idx="2">
-        <a:scrgbClr r="0" g="0" b="0"/>
-      </a:lnRef>
-      <a:fillRef idx="1">
-        <a:scrgbClr r="0" g="0" b="0"/>
-      </a:fillRef>
-      <a:effectRef idx="0">
-        <a:scrgbClr r="0" g="0" b="0"/>
-      </a:effectRef>
-      <a:fontRef idx="minor"/>
-    </dgm:style>
-  </dgm:styleLbl>
-  <dgm:styleLbl name="trAlignAcc1">
-    <dgm:scene3d>
-      <a:camera prst="orthographicFront"/>
-      <a:lightRig rig="threePt" dir="t"/>
-    </dgm:scene3d>
-    <dgm:sp3d/>
-    <dgm:txPr/>
-    <dgm:style>
-      <a:lnRef idx="1">
-        <a:scrgbClr r="0" g="0" b="0"/>
-      </a:lnRef>
-      <a:fillRef idx="1">
-        <a:scrgbClr r="0" g="0" b="0"/>
-      </a:fillRef>
-      <a:effectRef idx="0">
-        <a:scrgbClr r="0" g="0" b="0"/>
-      </a:effectRef>
-      <a:fontRef idx="minor"/>
-    </dgm:style>
-  </dgm:styleLbl>
-  <dgm:styleLbl name="bgAcc1">
-    <dgm:scene3d>
-      <a:camera prst="orthographicFront"/>
-      <a:lightRig rig="threePt" dir="t"/>
-    </dgm:scene3d>
-    <dgm:sp3d/>
-    <dgm:txPr/>
-    <dgm:style>
-      <a:lnRef idx="2">
-        <a:scrgbClr r="0" g="0" b="0"/>
-      </a:lnRef>
-      <a:fillRef idx="1">
-        <a:scrgbClr r="0" g="0" b="0"/>
-      </a:fillRef>
-      <a:effectRef idx="0">
-        <a:scrgbClr r="0" g="0" b="0"/>
-      </a:effectRef>
-      <a:fontRef idx="minor"/>
-    </dgm:style>
-  </dgm:styleLbl>
-  <dgm:styleLbl name="solidFgAcc1">
-    <dgm:scene3d>
-      <a:camera prst="orthographicFront"/>
-      <a:lightRig rig="threePt" dir="t"/>
-    </dgm:scene3d>
-    <dgm:sp3d/>
-    <dgm:txPr/>
-    <dgm:style>
-      <a:lnRef idx="2">
-        <a:scrgbClr r="0" g="0" b="0"/>
-      </a:lnRef>
-      <a:fillRef idx="1">
-        <a:scrgbClr r="0" g="0" b="0"/>
-      </a:fillRef>
-      <a:effectRef idx="0">
-        <a:scrgbClr r="0" g="0" b="0"/>
-      </a:effectRef>
-      <a:fontRef idx="minor"/>
-    </dgm:style>
-  </dgm:styleLbl>
-  <dgm:styleLbl name="solidAlignAcc1">
-    <dgm:scene3d>
-      <a:camera prst="orthographicFront"/>
-      <a:lightRig rig="threePt" dir="t"/>
-    </dgm:scene3d>
-    <dgm:sp3d/>
-    <dgm:txPr/>
-    <dgm:style>
-      <a:lnRef idx="2">
-        <a:scrgbClr r="0" g="0" b="0"/>
-      </a:lnRef>
-      <a:fillRef idx="1">
-        <a:scrgbClr r="0" g="0" b="0"/>
-      </a:fillRef>
-      <a:effectRef idx="0">
-        <a:scrgbClr r="0" g="0" b="0"/>
-      </a:effectRef>
-      <a:fontRef idx="minor"/>
-    </dgm:style>
-  </dgm:styleLbl>
-  <dgm:styleLbl name="solidBgAcc1">
-    <dgm:scene3d>
-      <a:camera prst="orthographicFront"/>
-      <a:lightRig rig="threePt" dir="t"/>
-    </dgm:scene3d>
-    <dgm:sp3d/>
-    <dgm:txPr/>
-    <dgm:style>
-      <a:lnRef idx="2">
-        <a:scrgbClr r="0" g="0" b="0"/>
-      </a:lnRef>
-      <a:fillRef idx="1">
-        <a:scrgbClr r="0" g="0" b="0"/>
-      </a:fillRef>
-      <a:effectRef idx="0">
-        <a:scrgbClr r="0" g="0" b="0"/>
-      </a:effectRef>
-      <a:fontRef idx="minor"/>
-    </dgm:style>
-  </dgm:styleLbl>
-  <dgm:styleLbl name="fgAccFollowNode1">
-    <dgm:scene3d>
-      <a:camera prst="orthographicFront"/>
-      <a:lightRig rig="threePt" dir="t"/>
-    </dgm:scene3d>
-    <dgm:sp3d/>
-    <dgm:txPr/>
-    <dgm:style>
-      <a:lnRef idx="2">
-        <a:scrgbClr r="0" g="0" b="0"/>
-      </a:lnRef>
-      <a:fillRef idx="1">
-        <a:scrgbClr r="0" g="0" b="0"/>
-      </a:fillRef>
-      <a:effectRef idx="0">
-        <a:scrgbClr r="0" g="0" b="0"/>
-      </a:effectRef>
-      <a:fontRef idx="minor"/>
-    </dgm:style>
-  </dgm:styleLbl>
-  <dgm:styleLbl name="alignAccFollowNode1">
-    <dgm:scene3d>
-      <a:camera prst="orthographicFront"/>
-      <a:lightRig rig="threePt" dir="t"/>
-    </dgm:scene3d>
-    <dgm:sp3d/>
-    <dgm:txPr/>
-    <dgm:style>
-      <a:lnRef idx="2">
-        <a:scrgbClr r="0" g="0" b="0"/>
-      </a:lnRef>
-      <a:fillRef idx="1">
-        <a:scrgbClr r="0" g="0" b="0"/>
-      </a:fillRef>
-      <a:effectRef idx="0">
-        <a:scrgbClr r="0" g="0" b="0"/>
-      </a:effectRef>
-      <a:fontRef idx="minor"/>
-    </dgm:style>
-  </dgm:styleLbl>
-  <dgm:styleLbl name="bgAccFollowNode1">
-    <dgm:scene3d>
-      <a:camera prst="orthographicFront"/>
-      <a:lightRig rig="threePt" dir="t"/>
-    </dgm:scene3d>
-    <dgm:sp3d/>
-    <dgm:txPr/>
-    <dgm:style>
-      <a:lnRef idx="2">
-        <a:scrgbClr r="0" g="0" b="0"/>
-      </a:lnRef>
-      <a:fillRef idx="1">
-        <a:scrgbClr r="0" g="0" b="0"/>
-      </a:fillRef>
-      <a:effectRef idx="0">
-        <a:scrgbClr r="0" g="0" b="0"/>
-      </a:effectRef>
-      <a:fontRef idx="minor"/>
-    </dgm:style>
-  </dgm:styleLbl>
-  <dgm:styleLbl name="fgAcc0">
-    <dgm:scene3d>
-      <a:camera prst="orthographicFront"/>
-      <a:lightRig rig="threePt" dir="t"/>
-    </dgm:scene3d>
-    <dgm:sp3d/>
-    <dgm:txPr/>
-    <dgm:style>
-      <a:lnRef idx="2">
-        <a:scrgbClr r="0" g="0" b="0"/>
-      </a:lnRef>
-      <a:fillRef idx="1">
-        <a:scrgbClr r="0" g="0" b="0"/>
-      </a:fillRef>
-      <a:effectRef idx="0">
-        <a:scrgbClr r="0" g="0" b="0"/>
-      </a:effectRef>
-      <a:fontRef idx="minor"/>
-    </dgm:style>
-  </dgm:styleLbl>
-  <dgm:styleLbl name="fgAcc2">
-    <dgm:scene3d>
-      <a:camera prst="orthographicFront"/>
-      <a:lightRig rig="threePt" dir="t"/>
-    </dgm:scene3d>
-    <dgm:sp3d/>
-    <dgm:txPr/>
-    <dgm:style>
-      <a:lnRef idx="2">
-        <a:scrgbClr r="0" g="0" b="0"/>
-      </a:lnRef>
-      <a:fillRef idx="1">
-        <a:scrgbClr r="0" g="0" b="0"/>
-      </a:fillRef>
-      <a:effectRef idx="0">
-        <a:scrgbClr r="0" g="0" b="0"/>
-      </a:effectRef>
-      <a:fontRef idx="minor"/>
-    </dgm:style>
-  </dgm:styleLbl>
-  <dgm:styleLbl name="fgAcc3">
-    <dgm:scene3d>
-      <a:camera prst="orthographicFront"/>
-      <a:lightRig rig="threePt" dir="t"/>
-    </dgm:scene3d>
-    <dgm:sp3d/>
-    <dgm:txPr/>
-    <dgm:style>
-      <a:lnRef idx="2">
-        <a:scrgbClr r="0" g="0" b="0"/>
-      </a:lnRef>
-      <a:fillRef idx="1">
-        <a:scrgbClr r="0" g="0" b="0"/>
-      </a:fillRef>
-      <a:effectRef idx="0">
-        <a:scrgbClr r="0" g="0" b="0"/>
-      </a:effectRef>
-      <a:fontRef idx="minor"/>
-    </dgm:style>
-  </dgm:styleLbl>
-  <dgm:styleLbl name="fgAcc4">
-    <dgm:scene3d>
-      <a:camera prst="orthographicFront"/>
-      <a:lightRig rig="threePt" dir="t"/>
-    </dgm:scene3d>
-    <dgm:sp3d/>
-    <dgm:txPr/>
-    <dgm:style>
-      <a:lnRef idx="2">
-        <a:scrgbClr r="0" g="0" b="0"/>
-      </a:lnRef>
-      <a:fillRef idx="1">
-        <a:scrgbClr r="0" g="0" b="0"/>
-      </a:fillRef>
-      <a:effectRef idx="0">
-        <a:scrgbClr r="0" g="0" b="0"/>
-      </a:effectRef>
-      <a:fontRef idx="minor"/>
-    </dgm:style>
-  </dgm:styleLbl>
-  <dgm:styleLbl name="bgShp">
-    <dgm:scene3d>
-      <a:camera prst="orthographicFront"/>
-      <a:lightRig rig="threePt" dir="t"/>
-    </dgm:scene3d>
-    <dgm:sp3d/>
-    <dgm:txPr/>
-    <dgm:style>
-      <a:lnRef idx="0">
-        <a:scrgbClr r="0" g="0" b="0"/>
-      </a:lnRef>
-      <a:fillRef idx="1">
-        <a:scrgbClr r="0" g="0" b="0"/>
-      </a:fillRef>
-      <a:effectRef idx="0">
-        <a:scrgbClr r="0" g="0" b="0"/>
-      </a:effectRef>
-      <a:fontRef idx="minor"/>
-    </dgm:style>
-  </dgm:styleLbl>
-  <dgm:styleLbl name="dkBgShp">
-    <dgm:scene3d>
-      <a:camera prst="orthographicFront"/>
-      <a:lightRig rig="threePt" dir="t"/>
-    </dgm:scene3d>
-    <dgm:sp3d/>
-    <dgm:txPr/>
-    <dgm:style>
-      <a:lnRef idx="0">
-        <a:scrgbClr r="0" g="0" b="0"/>
-      </a:lnRef>
-      <a:fillRef idx="1">
-        <a:scrgbClr r="0" g="0" b="0"/>
-      </a:fillRef>
-      <a:effectRef idx="0">
-        <a:scrgbClr r="0" g="0" b="0"/>
-      </a:effectRef>
-      <a:fontRef idx="minor"/>
-    </dgm:style>
-  </dgm:styleLbl>
-  <dgm:styleLbl name="trBgShp">
-    <dgm:scene3d>
-      <a:camera prst="orthographicFront"/>
-      <a:lightRig rig="threePt" dir="t"/>
-    </dgm:scene3d>
-    <dgm:sp3d/>
-    <dgm:txPr/>
-    <dgm:style>
-      <a:lnRef idx="0">
-        <a:scrgbClr r="0" g="0" b="0"/>
-      </a:lnRef>
-      <a:fillRef idx="1">
-        <a:scrgbClr r="0" g="0" b="0"/>
-      </a:fillRef>
-      <a:effectRef idx="0">
-        <a:scrgbClr r="0" g="0" b="0"/>
-      </a:effectRef>
-      <a:fontRef idx="minor"/>
-    </dgm:style>
-  </dgm:styleLbl>
-  <dgm:styleLbl name="fgShp">
-    <dgm:scene3d>
-      <a:camera prst="orthographicFront"/>
-      <a:lightRig rig="threePt" dir="t"/>
-    </dgm:scene3d>
-    <dgm:sp3d/>
-    <dgm:txPr/>
-    <dgm:style>
-      <a:lnRef idx="2">
-        <a:scrgbClr r="0" g="0" b="0"/>
-      </a:lnRef>
-      <a:fillRef idx="1">
-        <a:scrgbClr r="0" g="0" b="0"/>
-      </a:fillRef>
-      <a:effectRef idx="0">
-        <a:scrgbClr r="0" g="0" b="0"/>
-      </a:effectRef>
-      <a:fontRef idx="minor"/>
-    </dgm:style>
-  </dgm:styleLbl>
-  <dgm:styleLbl name="revTx">
-    <dgm:scene3d>
-      <a:camera prst="orthographicFront"/>
-      <a:lightRig rig="threePt" dir="t"/>
-    </dgm:scene3d>
-    <dgm:sp3d/>
-    <dgm:txPr/>
-    <dgm:style>
-      <a:lnRef idx="0">
-        <a:scrgbClr r="0" g="0" b="0"/>
-      </a:lnRef>
-      <a:fillRef idx="0">
-        <a:scrgbClr r="0" g="0" b="0"/>
-      </a:fillRef>
-      <a:effectRef idx="0">
-        <a:scrgbClr r="0" g="0" b="0"/>
-      </a:effectRef>
-      <a:fontRef idx="minor"/>
-    </dgm:style>
-  </dgm:styleLbl>
-</dgm:styleDef>
-</file>
-
-<file path=ppt/diagrams/quickStyle3.xml><?xml version="1.0" encoding="utf-8"?>
-<dgm:styleDef xmlns:dgm="http://schemas.openxmlformats.org/drawingml/2006/diagram" xmlns:a="http://schemas.openxmlformats.org/drawingml/2006/main" uniqueId="urn:microsoft.com/office/officeart/2005/8/quickstyle/simple1">
-  <dgm:title val=""/>
-  <dgm:desc val=""/>
-  <dgm:catLst>
-    <dgm:cat type="simple" pri="10100"/>
-  </dgm:catLst>
-  <dgm:scene3d>
-    <a:camera prst="orthographicFront"/>
-    <a:lightRig rig="threePt" dir="t"/>
-  </dgm:scene3d>
-  <dgm:styleLbl name="node0">
-    <dgm:scene3d>
-      <a:camera prst="orthographicFront"/>
-      <a:lightRig rig="threePt" dir="t"/>
-    </dgm:scene3d>
-    <dgm:sp3d/>
-    <dgm:txPr/>
-    <dgm:style>
-      <a:lnRef idx="2">
-        <a:scrgbClr r="0" g="0" b="0"/>
-      </a:lnRef>
-      <a:fillRef idx="1">
-        <a:scrgbClr r="0" g="0" b="0"/>
-      </a:fillRef>
-      <a:effectRef idx="0">
-        <a:scrgbClr r="0" g="0" b="0"/>
-      </a:effectRef>
-      <a:fontRef idx="minor">
-        <a:schemeClr val="lt1"/>
-      </a:fontRef>
-    </dgm:style>
-  </dgm:styleLbl>
-  <dgm:styleLbl name="lnNode1">
-    <dgm:scene3d>
-      <a:camera prst="orthographicFront"/>
-      <a:lightRig rig="threePt" dir="t"/>
-    </dgm:scene3d>
-    <dgm:sp3d/>
-    <dgm:txPr/>
-    <dgm:style>
-      <a:lnRef idx="2">
-        <a:scrgbClr r="0" g="0" b="0"/>
-      </a:lnRef>
-      <a:fillRef idx="1">
-        <a:scrgbClr r="0" g="0" b="0"/>
-      </a:fillRef>
-      <a:effectRef idx="0">
-        <a:scrgbClr r="0" g="0" b="0"/>
-      </a:effectRef>
-      <a:fontRef idx="minor">
-        <a:schemeClr val="lt1"/>
-      </a:fontRef>
-    </dgm:style>
-  </dgm:styleLbl>
-  <dgm:styleLbl name="vennNode1">
-    <dgm:scene3d>
-      <a:camera prst="orthographicFront"/>
-      <a:lightRig rig="threePt" dir="t"/>
-    </dgm:scene3d>
-    <dgm:sp3d/>
-    <dgm:txPr/>
-    <dgm:style>
-      <a:lnRef idx="2">
-        <a:scrgbClr r="0" g="0" b="0"/>
-      </a:lnRef>
-      <a:fillRef idx="1">
-        <a:scrgbClr r="0" g="0" b="0"/>
-      </a:fillRef>
-      <a:effectRef idx="0">
-        <a:scrgbClr r="0" g="0" b="0"/>
-      </a:effectRef>
-      <a:fontRef idx="minor">
-        <a:schemeClr val="tx1"/>
-      </a:fontRef>
-    </dgm:style>
-  </dgm:styleLbl>
-  <dgm:styleLbl name="alignNode1">
-    <dgm:scene3d>
-      <a:camera prst="orthographicFront"/>
-      <a:lightRig rig="threePt" dir="t"/>
-    </dgm:scene3d>
-    <dgm:sp3d/>
-    <dgm:txPr/>
-    <dgm:style>
-      <a:lnRef idx="2">
-        <a:scrgbClr r="0" g="0" b="0"/>
-      </a:lnRef>
-      <a:fillRef idx="1">
-        <a:scrgbClr r="0" g="0" b="0"/>
-      </a:fillRef>
-      <a:effectRef idx="0">
-        <a:scrgbClr r="0" g="0" b="0"/>
-      </a:effectRef>
-      <a:fontRef idx="minor">
-        <a:schemeClr val="lt1"/>
-      </a:fontRef>
-    </dgm:style>
-  </dgm:styleLbl>
-  <dgm:styleLbl name="node1">
-    <dgm:scene3d>
-      <a:camera prst="orthographicFront"/>
-      <a:lightRig rig="threePt" dir="t"/>
-    </dgm:scene3d>
-    <dgm:sp3d/>
-    <dgm:txPr/>
-    <dgm:style>
-      <a:lnRef idx="2">
-        <a:scrgbClr r="0" g="0" b="0"/>
-      </a:lnRef>
-      <a:fillRef idx="1">
-        <a:scrgbClr r="0" g="0" b="0"/>
-      </a:fillRef>
-      <a:effectRef idx="0">
-        <a:scrgbClr r="0" g="0" b="0"/>
-      </a:effectRef>
-      <a:fontRef idx="minor">
-        <a:schemeClr val="lt1"/>
-      </a:fontRef>
-    </dgm:style>
-  </dgm:styleLbl>
-  <dgm:styleLbl name="node2">
-    <dgm:scene3d>
-      <a:camera prst="orthographicFront"/>
-      <a:lightRig rig="threePt" dir="t"/>
-    </dgm:scene3d>
-    <dgm:sp3d/>
-    <dgm:txPr/>
-    <dgm:style>
-      <a:lnRef idx="2">
-        <a:scrgbClr r="0" g="0" b="0"/>
-      </a:lnRef>
-      <a:fillRef idx="1">
-        <a:scrgbClr r="0" g="0" b="0"/>
-      </a:fillRef>
-      <a:effectRef idx="0">
-        <a:scrgbClr r="0" g="0" b="0"/>
-      </a:effectRef>
-      <a:fontRef idx="minor">
-        <a:schemeClr val="lt1"/>
-      </a:fontRef>
-    </dgm:style>
-  </dgm:styleLbl>
-  <dgm:styleLbl name="node3">
-    <dgm:scene3d>
-      <a:camera prst="orthographicFront"/>
-      <a:lightRig rig="threePt" dir="t"/>
-    </dgm:scene3d>
-    <dgm:sp3d/>
-    <dgm:txPr/>
-    <dgm:style>
-      <a:lnRef idx="2">
-        <a:scrgbClr r="0" g="0" b="0"/>
-      </a:lnRef>
-      <a:fillRef idx="1">
-        <a:scrgbClr r="0" g="0" b="0"/>
-      </a:fillRef>
-      <a:effectRef idx="0">
-        <a:scrgbClr r="0" g="0" b="0"/>
-      </a:effectRef>
-      <a:fontRef idx="minor">
-        <a:schemeClr val="lt1"/>
-      </a:fontRef>
-    </dgm:style>
-  </dgm:styleLbl>
-  <dgm:styleLbl name="node4">
-    <dgm:scene3d>
-      <a:camera prst="orthographicFront"/>
-      <a:lightRig rig="threePt" dir="t"/>
-    </dgm:scene3d>
-    <dgm:sp3d/>
-    <dgm:txPr/>
-    <dgm:style>
-      <a:lnRef idx="2">
-        <a:scrgbClr r="0" g="0" b="0"/>
-      </a:lnRef>
-      <a:fillRef idx="1">
-        <a:scrgbClr r="0" g="0" b="0"/>
-      </a:fillRef>
-      <a:effectRef idx="0">
-        <a:scrgbClr r="0" g="0" b="0"/>
-      </a:effectRef>
-      <a:fontRef idx="minor">
-        <a:schemeClr val="lt1"/>
-      </a:fontRef>
-    </dgm:style>
-  </dgm:styleLbl>
-  <dgm:styleLbl name="fgImgPlace1">
-    <dgm:scene3d>
-      <a:camera prst="orthographicFront"/>
-      <a:lightRig rig="threePt" dir="t"/>
-    </dgm:scene3d>
-    <dgm:sp3d/>
-    <dgm:txPr/>
-    <dgm:style>
-      <a:lnRef idx="2">
-        <a:scrgbClr r="0" g="0" b="0"/>
-      </a:lnRef>
-      <a:fillRef idx="1">
-        <a:scrgbClr r="0" g="0" b="0"/>
-      </a:fillRef>
-      <a:effectRef idx="0">
-        <a:scrgbClr r="0" g="0" b="0"/>
-      </a:effectRef>
-      <a:fontRef idx="minor"/>
-    </dgm:style>
-  </dgm:styleLbl>
-  <dgm:styleLbl name="alignImgPlace1">
-    <dgm:scene3d>
-      <a:camera prst="orthographicFront"/>
-      <a:lightRig rig="threePt" dir="t"/>
-    </dgm:scene3d>
-    <dgm:sp3d/>
-    <dgm:txPr/>
-    <dgm:style>
-      <a:lnRef idx="2">
-        <a:scrgbClr r="0" g="0" b="0"/>
-      </a:lnRef>
-      <a:fillRef idx="1">
-        <a:scrgbClr r="0" g="0" b="0"/>
-      </a:fillRef>
-      <a:effectRef idx="0">
-        <a:scrgbClr r="0" g="0" b="0"/>
-      </a:effectRef>
-      <a:fontRef idx="minor"/>
-    </dgm:style>
-  </dgm:styleLbl>
-  <dgm:styleLbl name="bgImgPlace1">
-    <dgm:scene3d>
-      <a:camera prst="orthographicFront"/>
-      <a:lightRig rig="threePt" dir="t"/>
-    </dgm:scene3d>
-    <dgm:sp3d/>
-    <dgm:txPr/>
-    <dgm:style>
-      <a:lnRef idx="2">
-        <a:scrgbClr r="0" g="0" b="0"/>
-      </a:lnRef>
-      <a:fillRef idx="1">
-        <a:scrgbClr r="0" g="0" b="0"/>
-      </a:fillRef>
-      <a:effectRef idx="0">
-        <a:scrgbClr r="0" g="0" b="0"/>
-      </a:effectRef>
-      <a:fontRef idx="minor"/>
-    </dgm:style>
-  </dgm:styleLbl>
-  <dgm:styleLbl name="sibTrans2D1">
-    <dgm:scene3d>
-      <a:camera prst="orthographicFront"/>
-      <a:lightRig rig="threePt" dir="t"/>
-    </dgm:scene3d>
-    <dgm:sp3d/>
-    <dgm:txPr/>
-    <dgm:style>
-      <a:lnRef idx="0">
-        <a:scrgbClr r="0" g="0" b="0"/>
-      </a:lnRef>
-      <a:fillRef idx="1">
-        <a:scrgbClr r="0" g="0" b="0"/>
-      </a:fillRef>
-      <a:effectRef idx="0">
-        <a:scrgbClr r="0" g="0" b="0"/>
-      </a:effectRef>
-      <a:fontRef idx="minor">
-        <a:schemeClr val="lt1"/>
-      </a:fontRef>
-    </dgm:style>
-  </dgm:styleLbl>
-  <dgm:styleLbl name="fgSibTrans2D1">
-    <dgm:scene3d>
-      <a:camera prst="orthographicFront"/>
-      <a:lightRig rig="threePt" dir="t"/>
-    </dgm:scene3d>
-    <dgm:sp3d/>
-    <dgm:txPr/>
-    <dgm:style>
-      <a:lnRef idx="0">
-        <a:scrgbClr r="0" g="0" b="0"/>
-      </a:lnRef>
-      <a:fillRef idx="1">
-        <a:scrgbClr r="0" g="0" b="0"/>
-      </a:fillRef>
-      <a:effectRef idx="0">
-        <a:scrgbClr r="0" g="0" b="0"/>
-      </a:effectRef>
-      <a:fontRef idx="minor">
-        <a:schemeClr val="lt1"/>
-      </a:fontRef>
-    </dgm:style>
-  </dgm:styleLbl>
-  <dgm:styleLbl name="bgSibTrans2D1">
-    <dgm:scene3d>
-      <a:camera prst="orthographicFront"/>
-      <a:lightRig rig="threePt" dir="t"/>
-    </dgm:scene3d>
-    <dgm:sp3d/>
-    <dgm:txPr/>
-    <dgm:style>
-      <a:lnRef idx="0">
-        <a:scrgbClr r="0" g="0" b="0"/>
-      </a:lnRef>
-      <a:fillRef idx="1">
-        <a:scrgbClr r="0" g="0" b="0"/>
-      </a:fillRef>
-      <a:effectRef idx="0">
-        <a:scrgbClr r="0" g="0" b="0"/>
-      </a:effectRef>
-      <a:fontRef idx="minor">
-        <a:schemeClr val="lt1"/>
-      </a:fontRef>
-    </dgm:style>
-  </dgm:styleLbl>
-  <dgm:styleLbl name="sibTrans1D1">
-    <dgm:scene3d>
-      <a:camera prst="orthographicFront"/>
-      <a:lightRig rig="threePt" dir="t"/>
-    </dgm:scene3d>
-    <dgm:sp3d/>
-    <dgm:txPr/>
-    <dgm:style>
-      <a:lnRef idx="1">
-        <a:scrgbClr r="0" g="0" b="0"/>
-      </a:lnRef>
-      <a:fillRef idx="0">
-        <a:scrgbClr r="0" g="0" b="0"/>
-      </a:fillRef>
-      <a:effectRef idx="0">
-        <a:scrgbClr r="0" g="0" b="0"/>
-      </a:effectRef>
-      <a:fontRef idx="minor"/>
-    </dgm:style>
-  </dgm:styleLbl>
-  <dgm:styleLbl name="callout">
-    <dgm:scene3d>
-      <a:camera prst="orthographicFront"/>
-      <a:lightRig rig="threePt" dir="t"/>
-    </dgm:scene3d>
-    <dgm:sp3d/>
-    <dgm:txPr/>
-    <dgm:style>
-      <a:lnRef idx="2">
-        <a:scrgbClr r="0" g="0" b="0"/>
-      </a:lnRef>
-      <a:fillRef idx="1">
-        <a:scrgbClr r="0" g="0" b="0"/>
-      </a:fillRef>
-      <a:effectRef idx="0">
-        <a:scrgbClr r="0" g="0" b="0"/>
-      </a:effectRef>
-      <a:fontRef idx="minor"/>
-    </dgm:style>
-  </dgm:styleLbl>
-  <dgm:styleLbl name="asst0">
-    <dgm:scene3d>
-      <a:camera prst="orthographicFront"/>
-      <a:lightRig rig="threePt" dir="t"/>
-    </dgm:scene3d>
-    <dgm:sp3d/>
-    <dgm:txPr/>
-    <dgm:style>
-      <a:lnRef idx="2">
-        <a:scrgbClr r="0" g="0" b="0"/>
-      </a:lnRef>
-      <a:fillRef idx="1">
-        <a:scrgbClr r="0" g="0" b="0"/>
-      </a:fillRef>
-      <a:effectRef idx="0">
-        <a:scrgbClr r="0" g="0" b="0"/>
-      </a:effectRef>
-      <a:fontRef idx="minor">
-        <a:schemeClr val="lt1"/>
-      </a:fontRef>
-    </dgm:style>
-  </dgm:styleLbl>
-  <dgm:styleLbl name="asst1">
-    <dgm:scene3d>
-      <a:camera prst="orthographicFront"/>
-      <a:lightRig rig="threePt" dir="t"/>
-    </dgm:scene3d>
-    <dgm:sp3d/>
-    <dgm:txPr/>
-    <dgm:style>
-      <a:lnRef idx="2">
-        <a:scrgbClr r="0" g="0" b="0"/>
-      </a:lnRef>
-      <a:fillRef idx="1">
-        <a:scrgbClr r="0" g="0" b="0"/>
-      </a:fillRef>
-      <a:effectRef idx="0">
-        <a:scrgbClr r="0" g="0" b="0"/>
-      </a:effectRef>
-      <a:fontRef idx="minor">
-        <a:schemeClr val="lt1"/>
-      </a:fontRef>
-    </dgm:style>
-  </dgm:styleLbl>
-  <dgm:styleLbl name="asst2">
-    <dgm:scene3d>
-      <a:camera prst="orthographicFront"/>
-      <a:lightRig rig="threePt" dir="t"/>
-    </dgm:scene3d>
-    <dgm:sp3d/>
-    <dgm:txPr/>
-    <dgm:style>
-      <a:lnRef idx="2">
-        <a:scrgbClr r="0" g="0" b="0"/>
-      </a:lnRef>
-      <a:fillRef idx="1">
-        <a:scrgbClr r="0" g="0" b="0"/>
-      </a:fillRef>
-      <a:effectRef idx="0">
-        <a:scrgbClr r="0" g="0" b="0"/>
-      </a:effectRef>
-      <a:fontRef idx="minor">
-        <a:schemeClr val="lt1"/>
-      </a:fontRef>
-    </dgm:style>
-  </dgm:styleLbl>
-  <dgm:styleLbl name="asst3">
-    <dgm:scene3d>
-      <a:camera prst="orthographicFront"/>
-      <a:lightRig rig="threePt" dir="t"/>
-    </dgm:scene3d>
-    <dgm:sp3d/>
-    <dgm:txPr/>
-    <dgm:style>
-      <a:lnRef idx="2">
-        <a:scrgbClr r="0" g="0" b="0"/>
-      </a:lnRef>
-      <a:fillRef idx="1">
-        <a:scrgbClr r="0" g="0" b="0"/>
-      </a:fillRef>
-      <a:effectRef idx="0">
-        <a:scrgbClr r="0" g="0" b="0"/>
-      </a:effectRef>
-      <a:fontRef idx="minor">
-        <a:schemeClr val="lt1"/>
-      </a:fontRef>
-    </dgm:style>
-  </dgm:styleLbl>
-  <dgm:styleLbl name="asst4">
-    <dgm:scene3d>
-      <a:camera prst="orthographicFront"/>
-      <a:lightRig rig="threePt" dir="t"/>
-    </dgm:scene3d>
-    <dgm:sp3d/>
-    <dgm:txPr/>
-    <dgm:style>
-      <a:lnRef idx="2">
-        <a:scrgbClr r="0" g="0" b="0"/>
-      </a:lnRef>
-      <a:fillRef idx="1">
-        <a:scrgbClr r="0" g="0" b="0"/>
-      </a:fillRef>
-      <a:effectRef idx="0">
-        <a:scrgbClr r="0" g="0" b="0"/>
-      </a:effectRef>
-      <a:fontRef idx="minor">
-        <a:schemeClr val="lt1"/>
-      </a:fontRef>
-    </dgm:style>
-  </dgm:styleLbl>
-  <dgm:styleLbl name="parChTrans2D1">
-    <dgm:scene3d>
-      <a:camera prst="orthographicFront"/>
-      <a:lightRig rig="threePt" dir="t"/>
-    </dgm:scene3d>
-    <dgm:sp3d/>
-    <dgm:txPr/>
-    <dgm:style>
-      <a:lnRef idx="2">
-        <a:scrgbClr r="0" g="0" b="0"/>
-      </a:lnRef>
-      <a:fillRef idx="1">
-        <a:scrgbClr r="0" g="0" b="0"/>
-      </a:fillRef>
-      <a:effectRef idx="0">
-        <a:scrgbClr r="0" g="0" b="0"/>
-      </a:effectRef>
-      <a:fontRef idx="minor">
-        <a:schemeClr val="lt1"/>
-      </a:fontRef>
-    </dgm:style>
-  </dgm:styleLbl>
-  <dgm:styleLbl name="parChTrans2D2">
-    <dgm:scene3d>
-      <a:camera prst="orthographicFront"/>
-      <a:lightRig rig="threePt" dir="t"/>
-    </dgm:scene3d>
-    <dgm:sp3d/>
-    <dgm:txPr/>
-    <dgm:style>
-      <a:lnRef idx="2">
-        <a:scrgbClr r="0" g="0" b="0"/>
-      </a:lnRef>
-      <a:fillRef idx="1">
-        <a:scrgbClr r="0" g="0" b="0"/>
-      </a:fillRef>
-      <a:effectRef idx="0">
-        <a:scrgbClr r="0" g="0" b="0"/>
-      </a:effectRef>
-      <a:fontRef idx="minor">
-        <a:schemeClr val="lt1"/>
-      </a:fontRef>
-    </dgm:style>
-  </dgm:styleLbl>
-  <dgm:styleLbl name="parChTrans2D3">
-    <dgm:scene3d>
-      <a:camera prst="orthographicFront"/>
-      <a:lightRig rig="threePt" dir="t"/>
-    </dgm:scene3d>
-    <dgm:sp3d/>
-    <dgm:txPr/>
-    <dgm:style>
-      <a:lnRef idx="2">
-        <a:scrgbClr r="0" g="0" b="0"/>
-      </a:lnRef>
-      <a:fillRef idx="1">
-        <a:scrgbClr r="0" g="0" b="0"/>
-      </a:fillRef>
-      <a:effectRef idx="0">
-        <a:scrgbClr r="0" g="0" b="0"/>
-      </a:effectRef>
-      <a:fontRef idx="minor">
-        <a:schemeClr val="lt1"/>
-      </a:fontRef>
-    </dgm:style>
-  </dgm:styleLbl>
-  <dgm:styleLbl name="parChTrans2D4">
-    <dgm:scene3d>
-      <a:camera prst="orthographicFront"/>
-      <a:lightRig rig="threePt" dir="t"/>
-    </dgm:scene3d>
-    <dgm:sp3d/>
-    <dgm:txPr/>
-    <dgm:style>
-      <a:lnRef idx="2">
-        <a:scrgbClr r="0" g="0" b="0"/>
-      </a:lnRef>
-      <a:fillRef idx="1">
-        <a:scrgbClr r="0" g="0" b="0"/>
-      </a:fillRef>
-      <a:effectRef idx="0">
-        <a:scrgbClr r="0" g="0" b="0"/>
-      </a:effectRef>
-      <a:fontRef idx="minor">
-        <a:schemeClr val="lt1"/>
-      </a:fontRef>
-    </dgm:style>
-  </dgm:styleLbl>
-  <dgm:styleLbl name="parChTrans1D1">
-    <dgm:scene3d>
-      <a:camera prst="orthographicFront"/>
-      <a:lightRig rig="threePt" dir="t"/>
-    </dgm:scene3d>
-    <dgm:sp3d/>
-    <dgm:txPr/>
-    <dgm:style>
-      <a:lnRef idx="2">
-        <a:scrgbClr r="0" g="0" b="0"/>
-      </a:lnRef>
-      <a:fillRef idx="0">
-        <a:scrgbClr r="0" g="0" b="0"/>
-      </a:fillRef>
-      <a:effectRef idx="0">
-        <a:scrgbClr r="0" g="0" b="0"/>
-      </a:effectRef>
-      <a:fontRef idx="minor"/>
-    </dgm:style>
-  </dgm:styleLbl>
-  <dgm:styleLbl name="parChTrans1D2">
-    <dgm:scene3d>
-      <a:camera prst="orthographicFront"/>
-      <a:lightRig rig="threePt" dir="t"/>
-    </dgm:scene3d>
-    <dgm:sp3d/>
-    <dgm:txPr/>
-    <dgm:style>
-      <a:lnRef idx="2">
-        <a:scrgbClr r="0" g="0" b="0"/>
-      </a:lnRef>
-      <a:fillRef idx="0">
-        <a:scrgbClr r="0" g="0" b="0"/>
-      </a:fillRef>
-      <a:effectRef idx="0">
-        <a:scrgbClr r="0" g="0" b="0"/>
-      </a:effectRef>
-      <a:fontRef idx="minor"/>
-    </dgm:style>
-  </dgm:styleLbl>
-  <dgm:styleLbl name="parChTrans1D3">
-    <dgm:scene3d>
-      <a:camera prst="orthographicFront"/>
-      <a:lightRig rig="threePt" dir="t"/>
-    </dgm:scene3d>
-    <dgm:sp3d/>
-    <dgm:txPr/>
-    <dgm:style>
-      <a:lnRef idx="2">
-        <a:scrgbClr r="0" g="0" b="0"/>
-      </a:lnRef>
-      <a:fillRef idx="0">
-        <a:scrgbClr r="0" g="0" b="0"/>
-      </a:fillRef>
-      <a:effectRef idx="0">
-        <a:scrgbClr r="0" g="0" b="0"/>
-      </a:effectRef>
-      <a:fontRef idx="minor"/>
-    </dgm:style>
-  </dgm:styleLbl>
-  <dgm:styleLbl name="parChTrans1D4">
-    <dgm:scene3d>
-      <a:camera prst="orthographicFront"/>
-      <a:lightRig rig="threePt" dir="t"/>
-    </dgm:scene3d>
-    <dgm:sp3d/>
-    <dgm:txPr/>
-    <dgm:style>
-      <a:lnRef idx="2">
-        <a:scrgbClr r="0" g="0" b="0"/>
-      </a:lnRef>
-      <a:fillRef idx="0">
-        <a:scrgbClr r="0" g="0" b="0"/>
-      </a:fillRef>
-      <a:effectRef idx="0">
-        <a:scrgbClr r="0" g="0" b="0"/>
-      </a:effectRef>
-      <a:fontRef idx="minor"/>
-    </dgm:style>
-  </dgm:styleLbl>
-  <dgm:styleLbl name="fgAcc1">
-    <dgm:scene3d>
-      <a:camera prst="orthographicFront"/>
-      <a:lightRig rig="threePt" dir="t"/>
-    </dgm:scene3d>
-    <dgm:sp3d/>
-    <dgm:txPr/>
-    <dgm:style>
-      <a:lnRef idx="2">
-        <a:scrgbClr r="0" g="0" b="0"/>
-      </a:lnRef>
-      <a:fillRef idx="1">
-        <a:scrgbClr r="0" g="0" b="0"/>
-      </a:fillRef>
-      <a:effectRef idx="0">
-        <a:scrgbClr r="0" g="0" b="0"/>
-      </a:effectRef>
-      <a:fontRef idx="minor"/>
-    </dgm:style>
-  </dgm:styleLbl>
-  <dgm:styleLbl name="conFgAcc1">
-    <dgm:scene3d>
-      <a:camera prst="orthographicFront"/>
-      <a:lightRig rig="threePt" dir="t"/>
-    </dgm:scene3d>
-    <dgm:sp3d/>
-    <dgm:txPr/>
-    <dgm:style>
-      <a:lnRef idx="2">
-        <a:scrgbClr r="0" g="0" b="0"/>
-      </a:lnRef>
-      <a:fillRef idx="1">
-        <a:scrgbClr r="0" g="0" b="0"/>
-      </a:fillRef>
-      <a:effectRef idx="0">
-        <a:scrgbClr r="0" g="0" b="0"/>
-      </a:effectRef>
-      <a:fontRef idx="minor"/>
-    </dgm:style>
-  </dgm:styleLbl>
-  <dgm:styleLbl name="alignAcc1">
-    <dgm:scene3d>
-      <a:camera prst="orthographicFront"/>
-      <a:lightRig rig="threePt" dir="t"/>
-    </dgm:scene3d>
-    <dgm:sp3d/>
-    <dgm:txPr/>
-    <dgm:style>
-      <a:lnRef idx="2">
-        <a:scrgbClr r="0" g="0" b="0"/>
-      </a:lnRef>
-      <a:fillRef idx="1">
-        <a:scrgbClr r="0" g="0" b="0"/>
-      </a:fillRef>
-      <a:effectRef idx="0">
-        <a:scrgbClr r="0" g="0" b="0"/>
-      </a:effectRef>
-      <a:fontRef idx="minor"/>
-    </dgm:style>
-  </dgm:styleLbl>
-  <dgm:styleLbl name="trAlignAcc1">
-    <dgm:scene3d>
-      <a:camera prst="orthographicFront"/>
-      <a:lightRig rig="threePt" dir="t"/>
-    </dgm:scene3d>
-    <dgm:sp3d/>
-    <dgm:txPr/>
-    <dgm:style>
-      <a:lnRef idx="1">
-        <a:scrgbClr r="0" g="0" b="0"/>
-      </a:lnRef>
-      <a:fillRef idx="1">
-        <a:scrgbClr r="0" g="0" b="0"/>
-      </a:fillRef>
-      <a:effectRef idx="0">
-        <a:scrgbClr r="0" g="0" b="0"/>
-      </a:effectRef>
-      <a:fontRef idx="minor"/>
-    </dgm:style>
-  </dgm:styleLbl>
-  <dgm:styleLbl name="bgAcc1">
-    <dgm:scene3d>
-      <a:camera prst="orthographicFront"/>
-      <a:lightRig rig="threePt" dir="t"/>
-    </dgm:scene3d>
-    <dgm:sp3d/>
-    <dgm:txPr/>
-    <dgm:style>
-      <a:lnRef idx="2">
-        <a:scrgbClr r="0" g="0" b="0"/>
-      </a:lnRef>
-      <a:fillRef idx="1">
-        <a:scrgbClr r="0" g="0" b="0"/>
-      </a:fillRef>
-      <a:effectRef idx="0">
-        <a:scrgbClr r="0" g="0" b="0"/>
-      </a:effectRef>
-      <a:fontRef idx="minor"/>
-    </dgm:style>
-  </dgm:styleLbl>
-  <dgm:styleLbl name="solidFgAcc1">
-    <dgm:scene3d>
-      <a:camera prst="orthographicFront"/>
-      <a:lightRig rig="threePt" dir="t"/>
-    </dgm:scene3d>
-    <dgm:sp3d/>
-    <dgm:txPr/>
-    <dgm:style>
-      <a:lnRef idx="2">
-        <a:scrgbClr r="0" g="0" b="0"/>
-      </a:lnRef>
-      <a:fillRef idx="1">
-        <a:scrgbClr r="0" g="0" b="0"/>
-      </a:fillRef>
-      <a:effectRef idx="0">
-        <a:scrgbClr r="0" g="0" b="0"/>
-      </a:effectRef>
-      <a:fontRef idx="minor"/>
-    </dgm:style>
-  </dgm:styleLbl>
-  <dgm:styleLbl name="solidAlignAcc1">
-    <dgm:scene3d>
-      <a:camera prst="orthographicFront"/>
-      <a:lightRig rig="threePt" dir="t"/>
-    </dgm:scene3d>
-    <dgm:sp3d/>
-    <dgm:txPr/>
-    <dgm:style>
-      <a:lnRef idx="2">
-        <a:scrgbClr r="0" g="0" b="0"/>
-      </a:lnRef>
-      <a:fillRef idx="1">
-        <a:scrgbClr r="0" g="0" b="0"/>
-      </a:fillRef>
-      <a:effectRef idx="0">
-        <a:scrgbClr r="0" g="0" b="0"/>
-      </a:effectRef>
-      <a:fontRef idx="minor"/>
-    </dgm:style>
-  </dgm:styleLbl>
-  <dgm:styleLbl name="solidBgAcc1">
-    <dgm:scene3d>
-      <a:camera prst="orthographicFront"/>
-      <a:lightRig rig="threePt" dir="t"/>
-    </dgm:scene3d>
-    <dgm:sp3d/>
-    <dgm:txPr/>
-    <dgm:style>
-      <a:lnRef idx="2">
-        <a:scrgbClr r="0" g="0" b="0"/>
-      </a:lnRef>
-      <a:fillRef idx="1">
-        <a:scrgbClr r="0" g="0" b="0"/>
-      </a:fillRef>
-      <a:effectRef idx="0">
-        <a:scrgbClr r="0" g="0" b="0"/>
-      </a:effectRef>
-      <a:fontRef idx="minor"/>
-    </dgm:style>
-  </dgm:styleLbl>
-  <dgm:styleLbl name="fgAccFollowNode1">
-    <dgm:scene3d>
-      <a:camera prst="orthographicFront"/>
-      <a:lightRig rig="threePt" dir="t"/>
-    </dgm:scene3d>
-    <dgm:sp3d/>
-    <dgm:txPr/>
-    <dgm:style>
-      <a:lnRef idx="2">
-        <a:scrgbClr r="0" g="0" b="0"/>
-      </a:lnRef>
-      <a:fillRef idx="1">
-        <a:scrgbClr r="0" g="0" b="0"/>
-      </a:fillRef>
-      <a:effectRef idx="0">
-        <a:scrgbClr r="0" g="0" b="0"/>
-      </a:effectRef>
-      <a:fontRef idx="minor"/>
-    </dgm:style>
-  </dgm:styleLbl>
-  <dgm:styleLbl name="alignAccFollowNode1">
-    <dgm:scene3d>
-      <a:camera prst="orthographicFront"/>
-      <a:lightRig rig="threePt" dir="t"/>
-    </dgm:scene3d>
-    <dgm:sp3d/>
-    <dgm:txPr/>
-    <dgm:style>
-      <a:lnRef idx="2">
-        <a:scrgbClr r="0" g="0" b="0"/>
-      </a:lnRef>
-      <a:fillRef idx="1">
-        <a:scrgbClr r="0" g="0" b="0"/>
-      </a:fillRef>
-      <a:effectRef idx="0">
-        <a:scrgbClr r="0" g="0" b="0"/>
-      </a:effectRef>
-      <a:fontRef idx="minor"/>
-    </dgm:style>
-  </dgm:styleLbl>
-  <dgm:styleLbl name="bgAccFollowNode1">
-    <dgm:scene3d>
-      <a:camera prst="orthographicFront"/>
-      <a:lightRig rig="threePt" dir="t"/>
-    </dgm:scene3d>
-    <dgm:sp3d/>
-    <dgm:txPr/>
-    <dgm:style>
-      <a:lnRef idx="2">
-        <a:scrgbClr r="0" g="0" b="0"/>
-      </a:lnRef>
-      <a:fillRef idx="1">
-        <a:scrgbClr r="0" g="0" b="0"/>
-      </a:fillRef>
-      <a:effectRef idx="0">
-        <a:scrgbClr r="0" g="0" b="0"/>
-      </a:effectRef>
-      <a:fontRef idx="minor"/>
-    </dgm:style>
-  </dgm:styleLbl>
-  <dgm:styleLbl name="fgAcc0">
-    <dgm:scene3d>
-      <a:camera prst="orthographicFront"/>
-      <a:lightRig rig="threePt" dir="t"/>
-    </dgm:scene3d>
-    <dgm:sp3d/>
-    <dgm:txPr/>
-    <dgm:style>
-      <a:lnRef idx="2">
-        <a:scrgbClr r="0" g="0" b="0"/>
-      </a:lnRef>
-      <a:fillRef idx="1">
-        <a:scrgbClr r="0" g="0" b="0"/>
-      </a:fillRef>
-      <a:effectRef idx="0">
-        <a:scrgbClr r="0" g="0" b="0"/>
-      </a:effectRef>
-      <a:fontRef idx="minor"/>
-    </dgm:style>
-  </dgm:styleLbl>
-  <dgm:styleLbl name="fgAcc2">
-    <dgm:scene3d>
-      <a:camera prst="orthographicFront"/>
-      <a:lightRig rig="threePt" dir="t"/>
-    </dgm:scene3d>
-    <dgm:sp3d/>
-    <dgm:txPr/>
-    <dgm:style>
-      <a:lnRef idx="2">
-        <a:scrgbClr r="0" g="0" b="0"/>
-      </a:lnRef>
-      <a:fillRef idx="1">
-        <a:scrgbClr r="0" g="0" b="0"/>
-      </a:fillRef>
-      <a:effectRef idx="0">
-        <a:scrgbClr r="0" g="0" b="0"/>
-      </a:effectRef>
-      <a:fontRef idx="minor"/>
-    </dgm:style>
-  </dgm:styleLbl>
-  <dgm:styleLbl name="fgAcc3">
-    <dgm:scene3d>
-      <a:camera prst="orthographicFront"/>
-      <a:lightRig rig="threePt" dir="t"/>
-    </dgm:scene3d>
-    <dgm:sp3d/>
-    <dgm:txPr/>
-    <dgm:style>
-      <a:lnRef idx="2">
-        <a:scrgbClr r="0" g="0" b="0"/>
-      </a:lnRef>
-      <a:fillRef idx="1">
-        <a:scrgbClr r="0" g="0" b="0"/>
-      </a:fillRef>
-      <a:effectRef idx="0">
-        <a:scrgbClr r="0" g="0" b="0"/>
-      </a:effectRef>
-      <a:fontRef idx="minor"/>
-    </dgm:style>
-  </dgm:styleLbl>
-  <dgm:styleLbl name="fgAcc4">
-    <dgm:scene3d>
-      <a:camera prst="orthographicFront"/>
-      <a:lightRig rig="threePt" dir="t"/>
-    </dgm:scene3d>
-    <dgm:sp3d/>
-    <dgm:txPr/>
-    <dgm:style>
-      <a:lnRef idx="2">
-        <a:scrgbClr r="0" g="0" b="0"/>
-      </a:lnRef>
-      <a:fillRef idx="1">
-        <a:scrgbClr r="0" g="0" b="0"/>
-      </a:fillRef>
-      <a:effectRef idx="0">
-        <a:scrgbClr r="0" g="0" b="0"/>
-      </a:effectRef>
-      <a:fontRef idx="minor"/>
-    </dgm:style>
-  </dgm:styleLbl>
-  <dgm:styleLbl name="bgShp">
-    <dgm:scene3d>
-      <a:camera prst="orthographicFront"/>
-      <a:lightRig rig="threePt" dir="t"/>
-    </dgm:scene3d>
-    <dgm:sp3d/>
-    <dgm:txPr/>
-    <dgm:style>
-      <a:lnRef idx="0">
-        <a:scrgbClr r="0" g="0" b="0"/>
-      </a:lnRef>
-      <a:fillRef idx="1">
-        <a:scrgbClr r="0" g="0" b="0"/>
-      </a:fillRef>
-      <a:effectRef idx="0">
-        <a:scrgbClr r="0" g="0" b="0"/>
-      </a:effectRef>
-      <a:fontRef idx="minor"/>
-    </dgm:style>
-  </dgm:styleLbl>
-  <dgm:styleLbl name="dkBgShp">
-    <dgm:scene3d>
-      <a:camera prst="orthographicFront"/>
-      <a:lightRig rig="threePt" dir="t"/>
-    </dgm:scene3d>
-    <dgm:sp3d/>
-    <dgm:txPr/>
-    <dgm:style>
-      <a:lnRef idx="0">
-        <a:scrgbClr r="0" g="0" b="0"/>
-      </a:lnRef>
-      <a:fillRef idx="1">
-        <a:scrgbClr r="0" g="0" b="0"/>
-      </a:fillRef>
-      <a:effectRef idx="0">
-        <a:scrgbClr r="0" g="0" b="0"/>
-      </a:effectRef>
-      <a:fontRef idx="minor"/>
-    </dgm:style>
-  </dgm:styleLbl>
-  <dgm:styleLbl name="trBgShp">
-    <dgm:scene3d>
-      <a:camera prst="orthographicFront"/>
-      <a:lightRig rig="threePt" dir="t"/>
-    </dgm:scene3d>
-    <dgm:sp3d/>
-    <dgm:txPr/>
-    <dgm:style>
-      <a:lnRef idx="0">
-        <a:scrgbClr r="0" g="0" b="0"/>
-      </a:lnRef>
-      <a:fillRef idx="1">
-        <a:scrgbClr r="0" g="0" b="0"/>
-      </a:fillRef>
-      <a:effectRef idx="0">
-        <a:scrgbClr r="0" g="0" b="0"/>
-      </a:effectRef>
-      <a:fontRef idx="minor"/>
-    </dgm:style>
-  </dgm:styleLbl>
-  <dgm:styleLbl name="fgShp">
-    <dgm:scene3d>
-      <a:camera prst="orthographicFront"/>
-      <a:lightRig rig="threePt" dir="t"/>
-    </dgm:scene3d>
-    <dgm:sp3d/>
-    <dgm:txPr/>
-    <dgm:style>
-      <a:lnRef idx="2">
-        <a:scrgbClr r="0" g="0" b="0"/>
-      </a:lnRef>
-      <a:fillRef idx="1">
-        <a:scrgbClr r="0" g="0" b="0"/>
-      </a:fillRef>
-      <a:effectRef idx="0">
-        <a:scrgbClr r="0" g="0" b="0"/>
-      </a:effectRef>
-      <a:fontRef idx="minor"/>
-    </dgm:style>
-  </dgm:styleLbl>
-  <dgm:styleLbl name="revTx">
-    <dgm:scene3d>
-      <a:camera prst="orthographicFront"/>
-      <a:lightRig rig="threePt" dir="t"/>
-    </dgm:scene3d>
-    <dgm:sp3d/>
-    <dgm:txPr/>
-    <dgm:style>
-      <a:lnRef idx="0">
-        <a:scrgbClr r="0" g="0" b="0"/>
-      </a:lnRef>
-      <a:fillRef idx="0">
-        <a:scrgbClr r="0" g="0" b="0"/>
-      </a:fillRef>
-      <a:effectRef idx="0">
-        <a:scrgbClr r="0" g="0" b="0"/>
-      </a:effectRef>
-      <a:fontRef idx="minor"/>
-    </dgm:style>
-  </dgm:styleLbl>
-</dgm:styleDef>
-</file>
-
-<file path=ppt/diagrams/quickStyle4.xml><?xml version="1.0" encoding="utf-8"?>
 <dgm:styleDef xmlns:dgm="http://schemas.openxmlformats.org/drawingml/2006/diagram" xmlns:a="http://schemas.openxmlformats.org/drawingml/2006/main" uniqueId="urn:microsoft.com/office/officeart/2005/8/quickstyle/simple1">
   <dgm:title val=""/>
   <dgm:desc val=""/>
@@ -16901,46 +9716,6 @@
           </a:prstGeom>
         </p:spPr>
       </p:pic>
-      <p:sp>
-        <p:nvSpPr>
-          <p:cNvPr id="7" name="TextBox 6"/>
-          <p:cNvSpPr txBox="1"/>
-          <p:nvPr/>
-        </p:nvSpPr>
-        <p:spPr>
-          <a:xfrm>
-            <a:off x="4262981" y="1351680"/>
-            <a:ext cx="3479424" cy="646331"/>
-          </a:xfrm>
-          <a:prstGeom prst="rect">
-            <a:avLst/>
-          </a:prstGeom>
-          <a:solidFill>
-            <a:schemeClr val="bg1"/>
-          </a:solidFill>
-        </p:spPr>
-        <p:txBody>
-          <a:bodyPr wrap="square" rtlCol="0">
-            <a:spAutoFit/>
-          </a:bodyPr>
-          <a:lstStyle/>
-          <a:p>
-            <a:r>
-              <a:rPr lang="en-US" sz="3600" dirty="0" err="1">
-                <a:solidFill>
-                  <a:srgbClr val="43B02A"/>
-                </a:solidFill>
-              </a:rPr>
-              <a:t>SocialShopper</a:t>
-            </a:r>
-            <a:endParaRPr lang="en-US" sz="3600" dirty="0">
-              <a:solidFill>
-                <a:srgbClr val="43B02A"/>
-              </a:solidFill>
-            </a:endParaRPr>
-          </a:p>
-        </p:txBody>
-      </p:sp>
       <p:pic>
         <p:nvPicPr>
           <p:cNvPr id="10" name="Picture 9"/>
@@ -16963,7 +9738,7 @@
         </p:blipFill>
         <p:spPr>
           <a:xfrm>
-            <a:off x="71395" y="0"/>
+            <a:off x="4335946" y="0"/>
             <a:ext cx="3520109" cy="6858000"/>
           </a:xfrm>
           <a:prstGeom prst="rect">
@@ -16971,111 +9746,6 @@
           </a:prstGeom>
         </p:spPr>
       </p:pic>
-      <p:sp>
-        <p:nvSpPr>
-          <p:cNvPr id="14" name="TextBox 13"/>
-          <p:cNvSpPr txBox="1"/>
-          <p:nvPr/>
-        </p:nvSpPr>
-        <p:spPr>
-          <a:xfrm>
-            <a:off x="4262980" y="2567770"/>
-            <a:ext cx="4367835" cy="523220"/>
-          </a:xfrm>
-          <a:prstGeom prst="rect">
-            <a:avLst/>
-          </a:prstGeom>
-          <a:solidFill>
-            <a:schemeClr val="bg1"/>
-          </a:solidFill>
-        </p:spPr>
-        <p:txBody>
-          <a:bodyPr wrap="square" rtlCol="0">
-            <a:spAutoFit/>
-          </a:bodyPr>
-          <a:lstStyle/>
-          <a:p>
-            <a:r>
-              <a:rPr lang="en-US" sz="2800" dirty="0">
-                <a:solidFill>
-                  <a:srgbClr val="43B02A"/>
-                </a:solidFill>
-              </a:rPr>
-              <a:t>Incredibly easy to use</a:t>
-            </a:r>
-          </a:p>
-        </p:txBody>
-      </p:sp>
-      <p:sp>
-        <p:nvSpPr>
-          <p:cNvPr id="16" name="TextBox 15"/>
-          <p:cNvSpPr txBox="1"/>
-          <p:nvPr/>
-        </p:nvSpPr>
-        <p:spPr>
-          <a:xfrm>
-            <a:off x="4262980" y="3317329"/>
-            <a:ext cx="4367835" cy="523220"/>
-          </a:xfrm>
-          <a:prstGeom prst="rect">
-            <a:avLst/>
-          </a:prstGeom>
-          <a:solidFill>
-            <a:schemeClr val="bg1"/>
-          </a:solidFill>
-        </p:spPr>
-        <p:txBody>
-          <a:bodyPr wrap="square" rtlCol="0">
-            <a:spAutoFit/>
-          </a:bodyPr>
-          <a:lstStyle/>
-          <a:p>
-            <a:r>
-              <a:rPr lang="en-US" sz="2800" dirty="0">
-                <a:solidFill>
-                  <a:srgbClr val="43B02A"/>
-                </a:solidFill>
-              </a:rPr>
-              <a:t>Inherently trustworthy</a:t>
-            </a:r>
-          </a:p>
-        </p:txBody>
-      </p:sp>
-      <p:sp>
-        <p:nvSpPr>
-          <p:cNvPr id="17" name="TextBox 16"/>
-          <p:cNvSpPr txBox="1"/>
-          <p:nvPr/>
-        </p:nvSpPr>
-        <p:spPr>
-          <a:xfrm>
-            <a:off x="4262980" y="4121613"/>
-            <a:ext cx="4367835" cy="523220"/>
-          </a:xfrm>
-          <a:prstGeom prst="rect">
-            <a:avLst/>
-          </a:prstGeom>
-          <a:solidFill>
-            <a:schemeClr val="bg1"/>
-          </a:solidFill>
-        </p:spPr>
-        <p:txBody>
-          <a:bodyPr wrap="square" rtlCol="0">
-            <a:spAutoFit/>
-          </a:bodyPr>
-          <a:lstStyle/>
-          <a:p>
-            <a:r>
-              <a:rPr lang="en-US" sz="2800" dirty="0">
-                <a:solidFill>
-                  <a:srgbClr val="43B02A"/>
-                </a:solidFill>
-              </a:rPr>
-              <a:t>Extremely non-intrusive</a:t>
-            </a:r>
-          </a:p>
-        </p:txBody>
-      </p:sp>
     </p:spTree>
     <p:extLst>
       <p:ext uri="{BB962C8B-B14F-4D97-AF65-F5344CB8AC3E}">
@@ -17086,200 +9756,6 @@
   <p:clrMapOvr>
     <a:masterClrMapping/>
   </p:clrMapOvr>
-  <p:timing>
-    <p:tnLst>
-      <p:par>
-        <p:cTn id="1" dur="indefinite" restart="never" nodeType="tmRoot">
-          <p:childTnLst>
-            <p:seq concurrent="1" nextAc="seek">
-              <p:cTn id="2" dur="indefinite" nodeType="mainSeq">
-                <p:childTnLst>
-                  <p:par>
-                    <p:cTn id="3" fill="hold">
-                      <p:stCondLst>
-                        <p:cond delay="indefinite"/>
-                      </p:stCondLst>
-                      <p:childTnLst>
-                        <p:par>
-                          <p:cTn id="4" fill="hold">
-                            <p:stCondLst>
-                              <p:cond delay="0"/>
-                            </p:stCondLst>
-                            <p:childTnLst>
-                              <p:par>
-                                <p:cTn id="5" presetID="10" presetClass="entr" presetSubtype="0" fill="hold" grpId="0" nodeType="clickEffect">
-                                  <p:stCondLst>
-                                    <p:cond delay="0"/>
-                                  </p:stCondLst>
-                                  <p:childTnLst>
-                                    <p:set>
-                                      <p:cBhvr>
-                                        <p:cTn id="6" dur="1" fill="hold">
-                                          <p:stCondLst>
-                                            <p:cond delay="0"/>
-                                          </p:stCondLst>
-                                        </p:cTn>
-                                        <p:tgtEl>
-                                          <p:spTgt spid="14"/>
-                                        </p:tgtEl>
-                                        <p:attrNameLst>
-                                          <p:attrName>style.visibility</p:attrName>
-                                        </p:attrNameLst>
-                                      </p:cBhvr>
-                                      <p:to>
-                                        <p:strVal val="visible"/>
-                                      </p:to>
-                                    </p:set>
-                                    <p:animEffect transition="in" filter="fade">
-                                      <p:cBhvr>
-                                        <p:cTn id="7" dur="500"/>
-                                        <p:tgtEl>
-                                          <p:spTgt spid="14"/>
-                                        </p:tgtEl>
-                                      </p:cBhvr>
-                                    </p:animEffect>
-                                  </p:childTnLst>
-                                </p:cTn>
-                              </p:par>
-                            </p:childTnLst>
-                          </p:cTn>
-                        </p:par>
-                      </p:childTnLst>
-                    </p:cTn>
-                  </p:par>
-                  <p:par>
-                    <p:cTn id="8" fill="hold">
-                      <p:stCondLst>
-                        <p:cond delay="indefinite"/>
-                      </p:stCondLst>
-                      <p:childTnLst>
-                        <p:par>
-                          <p:cTn id="9" fill="hold">
-                            <p:stCondLst>
-                              <p:cond delay="0"/>
-                            </p:stCondLst>
-                            <p:childTnLst>
-                              <p:par>
-                                <p:cTn id="10" presetID="10" presetClass="entr" presetSubtype="0" fill="hold" grpId="0" nodeType="clickEffect">
-                                  <p:stCondLst>
-                                    <p:cond delay="0"/>
-                                  </p:stCondLst>
-                                  <p:childTnLst>
-                                    <p:set>
-                                      <p:cBhvr>
-                                        <p:cTn id="11" dur="1" fill="hold">
-                                          <p:stCondLst>
-                                            <p:cond delay="0"/>
-                                          </p:stCondLst>
-                                        </p:cTn>
-                                        <p:tgtEl>
-                                          <p:spTgt spid="16"/>
-                                        </p:tgtEl>
-                                        <p:attrNameLst>
-                                          <p:attrName>style.visibility</p:attrName>
-                                        </p:attrNameLst>
-                                      </p:cBhvr>
-                                      <p:to>
-                                        <p:strVal val="visible"/>
-                                      </p:to>
-                                    </p:set>
-                                    <p:animEffect transition="in" filter="fade">
-                                      <p:cBhvr>
-                                        <p:cTn id="12" dur="500"/>
-                                        <p:tgtEl>
-                                          <p:spTgt spid="16"/>
-                                        </p:tgtEl>
-                                      </p:cBhvr>
-                                    </p:animEffect>
-                                  </p:childTnLst>
-                                </p:cTn>
-                              </p:par>
-                            </p:childTnLst>
-                          </p:cTn>
-                        </p:par>
-                      </p:childTnLst>
-                    </p:cTn>
-                  </p:par>
-                  <p:par>
-                    <p:cTn id="13" fill="hold">
-                      <p:stCondLst>
-                        <p:cond delay="indefinite"/>
-                      </p:stCondLst>
-                      <p:childTnLst>
-                        <p:par>
-                          <p:cTn id="14" fill="hold">
-                            <p:stCondLst>
-                              <p:cond delay="0"/>
-                            </p:stCondLst>
-                            <p:childTnLst>
-                              <p:par>
-                                <p:cTn id="15" presetID="10" presetClass="entr" presetSubtype="0" fill="hold" grpId="0" nodeType="clickEffect">
-                                  <p:stCondLst>
-                                    <p:cond delay="0"/>
-                                  </p:stCondLst>
-                                  <p:childTnLst>
-                                    <p:set>
-                                      <p:cBhvr>
-                                        <p:cTn id="16" dur="1" fill="hold">
-                                          <p:stCondLst>
-                                            <p:cond delay="0"/>
-                                          </p:stCondLst>
-                                        </p:cTn>
-                                        <p:tgtEl>
-                                          <p:spTgt spid="17"/>
-                                        </p:tgtEl>
-                                        <p:attrNameLst>
-                                          <p:attrName>style.visibility</p:attrName>
-                                        </p:attrNameLst>
-                                      </p:cBhvr>
-                                      <p:to>
-                                        <p:strVal val="visible"/>
-                                      </p:to>
-                                    </p:set>
-                                    <p:animEffect transition="in" filter="fade">
-                                      <p:cBhvr>
-                                        <p:cTn id="17" dur="500"/>
-                                        <p:tgtEl>
-                                          <p:spTgt spid="17"/>
-                                        </p:tgtEl>
-                                      </p:cBhvr>
-                                    </p:animEffect>
-                                  </p:childTnLst>
-                                </p:cTn>
-                              </p:par>
-                            </p:childTnLst>
-                          </p:cTn>
-                        </p:par>
-                      </p:childTnLst>
-                    </p:cTn>
-                  </p:par>
-                </p:childTnLst>
-              </p:cTn>
-              <p:prevCondLst>
-                <p:cond evt="onPrev" delay="0">
-                  <p:tgtEl>
-                    <p:sldTgt/>
-                  </p:tgtEl>
-                </p:cond>
-              </p:prevCondLst>
-              <p:nextCondLst>
-                <p:cond evt="onNext" delay="0">
-                  <p:tgtEl>
-                    <p:sldTgt/>
-                  </p:tgtEl>
-                </p:cond>
-              </p:nextCondLst>
-            </p:seq>
-          </p:childTnLst>
-        </p:cTn>
-      </p:par>
-    </p:tnLst>
-    <p:bldLst>
-      <p:bldP spid="14" grpId="0" animBg="1"/>
-      <p:bldP spid="16" grpId="0" animBg="1"/>
-      <p:bldP spid="17" grpId="0" animBg="1"/>
-    </p:bldLst>
-  </p:timing>
 </p:sld>
 </file>
 
@@ -17360,21 +9836,21 @@
                   <a:srgbClr val="43B02A"/>
                 </a:solidFill>
               </a:rPr>
-              <a:t>Why Mobile?</a:t>
+              <a:t>Design Thoughts</a:t>
             </a:r>
           </a:p>
         </p:txBody>
       </p:sp>
       <p:graphicFrame>
         <p:nvGraphicFramePr>
-          <p:cNvPr id="6" name="Content Placeholder 2"/>
+          <p:cNvPr id="5" name="Content Placeholder 2"/>
           <p:cNvGraphicFramePr>
             <a:graphicFrameLocks/>
           </p:cNvGraphicFramePr>
           <p:nvPr>
             <p:extLst>
               <p:ext uri="{D42A27DB-BD31-4B8C-83A1-F6EECF244321}">
-                <p14:modId xmlns:p14="http://schemas.microsoft.com/office/powerpoint/2010/main" val="724787914"/>
+                <p14:modId xmlns:p14="http://schemas.microsoft.com/office/powerpoint/2010/main" val="3176361472"/>
               </p:ext>
             </p:extLst>
           </p:nvPr>
@@ -17392,7 +9868,7 @@
     </p:spTree>
     <p:extLst>
       <p:ext uri="{BB962C8B-B14F-4D97-AF65-F5344CB8AC3E}">
-        <p14:creationId xmlns:p14="http://schemas.microsoft.com/office/powerpoint/2010/main" val="2308793852"/>
+        <p14:creationId xmlns:p14="http://schemas.microsoft.com/office/powerpoint/2010/main" val="2429320591"/>
       </p:ext>
     </p:extLst>
   </p:cSld>
@@ -17403,6 +9879,100 @@
 </file>
 
 <file path=ppt/slides/slide5.xml><?xml version="1.0" encoding="utf-8"?>
+<p:sld xmlns:a="http://schemas.openxmlformats.org/drawingml/2006/main" xmlns:r="http://schemas.openxmlformats.org/officeDocument/2006/relationships" xmlns:p="http://schemas.openxmlformats.org/presentationml/2006/main">
+  <p:cSld>
+    <p:spTree>
+      <p:nvGrpSpPr>
+        <p:cNvPr id="1" name=""/>
+        <p:cNvGrpSpPr/>
+        <p:nvPr/>
+      </p:nvGrpSpPr>
+      <p:grpSpPr>
+        <a:xfrm>
+          <a:off x="0" y="0"/>
+          <a:ext cx="0" cy="0"/>
+          <a:chOff x="0" y="0"/>
+          <a:chExt cx="0" cy="0"/>
+        </a:xfrm>
+      </p:grpSpPr>
+      <p:pic>
+        <p:nvPicPr>
+          <p:cNvPr id="4" name="Picture 3"/>
+          <p:cNvPicPr>
+            <a:picLocks noChangeAspect="1"/>
+          </p:cNvPicPr>
+          <p:nvPr/>
+        </p:nvPicPr>
+        <p:blipFill>
+          <a:blip r:embed="rId2">
+            <a:extLst>
+              <a:ext uri="{28A0092B-C50C-407E-A947-70E740481C1C}">
+                <a14:useLocalDpi xmlns:a14="http://schemas.microsoft.com/office/drawing/2010/main" val="0"/>
+              </a:ext>
+            </a:extLst>
+          </a:blip>
+          <a:stretch>
+            <a:fillRect/>
+          </a:stretch>
+        </p:blipFill>
+        <p:spPr>
+          <a:xfrm>
+            <a:off x="11244812" y="6029844"/>
+            <a:ext cx="872540" cy="872540"/>
+          </a:xfrm>
+          <a:prstGeom prst="rect">
+            <a:avLst/>
+          </a:prstGeom>
+        </p:spPr>
+      </p:pic>
+      <p:sp>
+        <p:nvSpPr>
+          <p:cNvPr id="2" name="TextBox 1"/>
+          <p:cNvSpPr txBox="1"/>
+          <p:nvPr/>
+        </p:nvSpPr>
+        <p:spPr>
+          <a:xfrm>
+            <a:off x="5717531" y="2948474"/>
+            <a:ext cx="756938" cy="400110"/>
+          </a:xfrm>
+          <a:prstGeom prst="rect">
+            <a:avLst/>
+          </a:prstGeom>
+          <a:noFill/>
+        </p:spPr>
+        <p:txBody>
+          <a:bodyPr wrap="none" rtlCol="0">
+            <a:spAutoFit/>
+          </a:bodyPr>
+          <a:lstStyle/>
+          <a:p>
+            <a:pPr algn="ctr"/>
+            <a:r>
+              <a:rPr lang="en-US" sz="2000" i="1" dirty="0">
+                <a:solidFill>
+                  <a:srgbClr val="43B02A"/>
+                </a:solidFill>
+              </a:rPr>
+              <a:t>video</a:t>
+            </a:r>
+          </a:p>
+        </p:txBody>
+      </p:sp>
+    </p:spTree>
+    <p:extLst>
+      <p:ext uri="{BB962C8B-B14F-4D97-AF65-F5344CB8AC3E}">
+        <p14:creationId xmlns:p14="http://schemas.microsoft.com/office/powerpoint/2010/main" val="1586306417"/>
+      </p:ext>
+    </p:extLst>
+  </p:cSld>
+  <p:clrMapOvr>
+    <a:masterClrMapping/>
+  </p:clrMapOvr>
+</p:sld>
+</file>
+
+<file path=ppt/slides/slide6.xml><?xml version="1.0" encoding="utf-8"?>
 <p:sld xmlns:a="http://schemas.openxmlformats.org/drawingml/2006/main" xmlns:r="http://schemas.openxmlformats.org/officeDocument/2006/relationships" xmlns:p="http://schemas.openxmlformats.org/presentationml/2006/main">
   <p:cSld>
     <p:spTree>
@@ -17479,7 +10049,7 @@
                   <a:srgbClr val="43B02A"/>
                 </a:solidFill>
               </a:rPr>
-              <a:t>Design Thoughts</a:t>
+              <a:t>Future Plans</a:t>
             </a:r>
           </a:p>
         </p:txBody>
@@ -17493,339 +10063,7 @@
           <p:nvPr>
             <p:extLst>
               <p:ext uri="{D42A27DB-BD31-4B8C-83A1-F6EECF244321}">
-                <p14:modId xmlns:p14="http://schemas.microsoft.com/office/powerpoint/2010/main" val="301002828"/>
-              </p:ext>
-            </p:extLst>
-          </p:nvPr>
-        </p:nvGraphicFramePr>
-        <p:xfrm>
-          <a:off x="838200" y="1253331"/>
-          <a:ext cx="10515600" cy="4351338"/>
-        </p:xfrm>
-        <a:graphic>
-          <a:graphicData uri="http://schemas.openxmlformats.org/drawingml/2006/diagram">
-            <dgm:relIds xmlns:dgm="http://schemas.openxmlformats.org/drawingml/2006/diagram" xmlns:r="http://schemas.openxmlformats.org/officeDocument/2006/relationships" r:dm="rId3" r:lo="rId4" r:qs="rId5" r:cs="rId6"/>
-          </a:graphicData>
-        </a:graphic>
-      </p:graphicFrame>
-    </p:spTree>
-    <p:extLst>
-      <p:ext uri="{BB962C8B-B14F-4D97-AF65-F5344CB8AC3E}">
-        <p14:creationId xmlns:p14="http://schemas.microsoft.com/office/powerpoint/2010/main" val="2429320591"/>
-      </p:ext>
-    </p:extLst>
-  </p:cSld>
-  <p:clrMapOvr>
-    <a:masterClrMapping/>
-  </p:clrMapOvr>
-</p:sld>
-</file>
-
-<file path=ppt/slides/slide6.xml><?xml version="1.0" encoding="utf-8"?>
-<p:sld xmlns:a="http://schemas.openxmlformats.org/drawingml/2006/main" xmlns:r="http://schemas.openxmlformats.org/officeDocument/2006/relationships" xmlns:p="http://schemas.openxmlformats.org/presentationml/2006/main">
-  <p:cSld>
-    <p:spTree>
-      <p:nvGrpSpPr>
-        <p:cNvPr id="1" name=""/>
-        <p:cNvGrpSpPr/>
-        <p:nvPr/>
-      </p:nvGrpSpPr>
-      <p:grpSpPr>
-        <a:xfrm>
-          <a:off x="0" y="0"/>
-          <a:ext cx="0" cy="0"/>
-          <a:chOff x="0" y="0"/>
-          <a:chExt cx="0" cy="0"/>
-        </a:xfrm>
-      </p:grpSpPr>
-      <p:pic>
-        <p:nvPicPr>
-          <p:cNvPr id="4" name="Picture 3"/>
-          <p:cNvPicPr>
-            <a:picLocks noChangeAspect="1"/>
-          </p:cNvPicPr>
-          <p:nvPr/>
-        </p:nvPicPr>
-        <p:blipFill>
-          <a:blip r:embed="rId2">
-            <a:extLst>
-              <a:ext uri="{28A0092B-C50C-407E-A947-70E740481C1C}">
-                <a14:useLocalDpi xmlns:a14="http://schemas.microsoft.com/office/drawing/2010/main" val="0"/>
-              </a:ext>
-            </a:extLst>
-          </a:blip>
-          <a:stretch>
-            <a:fillRect/>
-          </a:stretch>
-        </p:blipFill>
-        <p:spPr>
-          <a:xfrm>
-            <a:off x="11244812" y="6029844"/>
-            <a:ext cx="872540" cy="872540"/>
-          </a:xfrm>
-          <a:prstGeom prst="rect">
-            <a:avLst/>
-          </a:prstGeom>
-        </p:spPr>
-      </p:pic>
-      <p:sp>
-        <p:nvSpPr>
-          <p:cNvPr id="2" name="TextBox 1"/>
-          <p:cNvSpPr txBox="1"/>
-          <p:nvPr/>
-        </p:nvSpPr>
-        <p:spPr>
-          <a:xfrm>
-            <a:off x="5717531" y="2948474"/>
-            <a:ext cx="756938" cy="400110"/>
-          </a:xfrm>
-          <a:prstGeom prst="rect">
-            <a:avLst/>
-          </a:prstGeom>
-          <a:noFill/>
-        </p:spPr>
-        <p:txBody>
-          <a:bodyPr wrap="none" rtlCol="0">
-            <a:spAutoFit/>
-          </a:bodyPr>
-          <a:lstStyle/>
-          <a:p>
-            <a:pPr algn="ctr"/>
-            <a:r>
-              <a:rPr lang="en-US" sz="2000" i="1" dirty="0">
-                <a:solidFill>
-                  <a:srgbClr val="43B02A"/>
-                </a:solidFill>
-              </a:rPr>
-              <a:t>video</a:t>
-            </a:r>
-          </a:p>
-        </p:txBody>
-      </p:sp>
-    </p:spTree>
-    <p:extLst>
-      <p:ext uri="{BB962C8B-B14F-4D97-AF65-F5344CB8AC3E}">
-        <p14:creationId xmlns:p14="http://schemas.microsoft.com/office/powerpoint/2010/main" val="1586306417"/>
-      </p:ext>
-    </p:extLst>
-  </p:cSld>
-  <p:clrMapOvr>
-    <a:masterClrMapping/>
-  </p:clrMapOvr>
-</p:sld>
-</file>
-
-<file path=ppt/slides/slide7.xml><?xml version="1.0" encoding="utf-8"?>
-<p:sld xmlns:a="http://schemas.openxmlformats.org/drawingml/2006/main" xmlns:r="http://schemas.openxmlformats.org/officeDocument/2006/relationships" xmlns:p="http://schemas.openxmlformats.org/presentationml/2006/main">
-  <p:cSld>
-    <p:spTree>
-      <p:nvGrpSpPr>
-        <p:cNvPr id="1" name=""/>
-        <p:cNvGrpSpPr/>
-        <p:nvPr/>
-      </p:nvGrpSpPr>
-      <p:grpSpPr>
-        <a:xfrm>
-          <a:off x="0" y="0"/>
-          <a:ext cx="0" cy="0"/>
-          <a:chOff x="0" y="0"/>
-          <a:chExt cx="0" cy="0"/>
-        </a:xfrm>
-      </p:grpSpPr>
-      <p:pic>
-        <p:nvPicPr>
-          <p:cNvPr id="4" name="Picture 3"/>
-          <p:cNvPicPr>
-            <a:picLocks noChangeAspect="1"/>
-          </p:cNvPicPr>
-          <p:nvPr/>
-        </p:nvPicPr>
-        <p:blipFill>
-          <a:blip r:embed="rId2">
-            <a:extLst>
-              <a:ext uri="{28A0092B-C50C-407E-A947-70E740481C1C}">
-                <a14:useLocalDpi xmlns:a14="http://schemas.microsoft.com/office/drawing/2010/main" val="0"/>
-              </a:ext>
-            </a:extLst>
-          </a:blip>
-          <a:stretch>
-            <a:fillRect/>
-          </a:stretch>
-        </p:blipFill>
-        <p:spPr>
-          <a:xfrm>
-            <a:off x="11244812" y="6029844"/>
-            <a:ext cx="872540" cy="872540"/>
-          </a:xfrm>
-          <a:prstGeom prst="rect">
-            <a:avLst/>
-          </a:prstGeom>
-        </p:spPr>
-      </p:pic>
-      <p:sp>
-        <p:nvSpPr>
-          <p:cNvPr id="7" name="TextBox 6"/>
-          <p:cNvSpPr txBox="1"/>
-          <p:nvPr/>
-        </p:nvSpPr>
-        <p:spPr>
-          <a:xfrm>
-            <a:off x="334061" y="317240"/>
-            <a:ext cx="3479424" cy="646331"/>
-          </a:xfrm>
-          <a:prstGeom prst="rect">
-            <a:avLst/>
-          </a:prstGeom>
-          <a:solidFill>
-            <a:schemeClr val="bg1"/>
-          </a:solidFill>
-        </p:spPr>
-        <p:txBody>
-          <a:bodyPr wrap="square" rtlCol="0">
-            <a:spAutoFit/>
-          </a:bodyPr>
-          <a:lstStyle/>
-          <a:p>
-            <a:r>
-              <a:rPr lang="en-US" sz="3600" dirty="0">
-                <a:solidFill>
-                  <a:srgbClr val="43B02A"/>
-                </a:solidFill>
-              </a:rPr>
-              <a:t>Building Blocks</a:t>
-            </a:r>
-          </a:p>
-        </p:txBody>
-      </p:sp>
-      <p:graphicFrame>
-        <p:nvGraphicFramePr>
-          <p:cNvPr id="9" name="Content Placeholder 2"/>
-          <p:cNvGraphicFramePr>
-            <a:graphicFrameLocks/>
-          </p:cNvGraphicFramePr>
-          <p:nvPr>
-            <p:extLst>
-              <p:ext uri="{D42A27DB-BD31-4B8C-83A1-F6EECF244321}">
-                <p14:modId xmlns:p14="http://schemas.microsoft.com/office/powerpoint/2010/main" val="2121221830"/>
-              </p:ext>
-            </p:extLst>
-          </p:nvPr>
-        </p:nvGraphicFramePr>
-        <p:xfrm>
-          <a:off x="838200" y="1253331"/>
-          <a:ext cx="10515600" cy="4351338"/>
-        </p:xfrm>
-        <a:graphic>
-          <a:graphicData uri="http://schemas.openxmlformats.org/drawingml/2006/diagram">
-            <dgm:relIds xmlns:dgm="http://schemas.openxmlformats.org/drawingml/2006/diagram" xmlns:r="http://schemas.openxmlformats.org/officeDocument/2006/relationships" r:dm="rId3" r:lo="rId4" r:qs="rId5" r:cs="rId6"/>
-          </a:graphicData>
-        </a:graphic>
-      </p:graphicFrame>
-    </p:spTree>
-    <p:extLst>
-      <p:ext uri="{BB962C8B-B14F-4D97-AF65-F5344CB8AC3E}">
-        <p14:creationId xmlns:p14="http://schemas.microsoft.com/office/powerpoint/2010/main" val="4116532474"/>
-      </p:ext>
-    </p:extLst>
-  </p:cSld>
-  <p:clrMapOvr>
-    <a:masterClrMapping/>
-  </p:clrMapOvr>
-</p:sld>
-</file>
-
-<file path=ppt/slides/slide8.xml><?xml version="1.0" encoding="utf-8"?>
-<p:sld xmlns:a="http://schemas.openxmlformats.org/drawingml/2006/main" xmlns:r="http://schemas.openxmlformats.org/officeDocument/2006/relationships" xmlns:p="http://schemas.openxmlformats.org/presentationml/2006/main">
-  <p:cSld>
-    <p:spTree>
-      <p:nvGrpSpPr>
-        <p:cNvPr id="1" name=""/>
-        <p:cNvGrpSpPr/>
-        <p:nvPr/>
-      </p:nvGrpSpPr>
-      <p:grpSpPr>
-        <a:xfrm>
-          <a:off x="0" y="0"/>
-          <a:ext cx="0" cy="0"/>
-          <a:chOff x="0" y="0"/>
-          <a:chExt cx="0" cy="0"/>
-        </a:xfrm>
-      </p:grpSpPr>
-      <p:pic>
-        <p:nvPicPr>
-          <p:cNvPr id="4" name="Picture 3"/>
-          <p:cNvPicPr>
-            <a:picLocks noChangeAspect="1"/>
-          </p:cNvPicPr>
-          <p:nvPr/>
-        </p:nvPicPr>
-        <p:blipFill>
-          <a:blip r:embed="rId2">
-            <a:extLst>
-              <a:ext uri="{28A0092B-C50C-407E-A947-70E740481C1C}">
-                <a14:useLocalDpi xmlns:a14="http://schemas.microsoft.com/office/drawing/2010/main" val="0"/>
-              </a:ext>
-            </a:extLst>
-          </a:blip>
-          <a:stretch>
-            <a:fillRect/>
-          </a:stretch>
-        </p:blipFill>
-        <p:spPr>
-          <a:xfrm>
-            <a:off x="11244812" y="6029844"/>
-            <a:ext cx="872540" cy="872540"/>
-          </a:xfrm>
-          <a:prstGeom prst="rect">
-            <a:avLst/>
-          </a:prstGeom>
-        </p:spPr>
-      </p:pic>
-      <p:sp>
-        <p:nvSpPr>
-          <p:cNvPr id="7" name="TextBox 6"/>
-          <p:cNvSpPr txBox="1"/>
-          <p:nvPr/>
-        </p:nvSpPr>
-        <p:spPr>
-          <a:xfrm>
-            <a:off x="334061" y="317240"/>
-            <a:ext cx="3479424" cy="646331"/>
-          </a:xfrm>
-          <a:prstGeom prst="rect">
-            <a:avLst/>
-          </a:prstGeom>
-          <a:solidFill>
-            <a:schemeClr val="bg1"/>
-          </a:solidFill>
-        </p:spPr>
-        <p:txBody>
-          <a:bodyPr wrap="square" rtlCol="0">
-            <a:spAutoFit/>
-          </a:bodyPr>
-          <a:lstStyle/>
-          <a:p>
-            <a:r>
-              <a:rPr lang="en-US" sz="3600" dirty="0">
-                <a:solidFill>
-                  <a:srgbClr val="43B02A"/>
-                </a:solidFill>
-              </a:rPr>
-              <a:t>Future Plans</a:t>
-            </a:r>
-          </a:p>
-        </p:txBody>
-      </p:sp>
-      <p:graphicFrame>
-        <p:nvGraphicFramePr>
-          <p:cNvPr id="5" name="Content Placeholder 2"/>
-          <p:cNvGraphicFramePr>
-            <a:graphicFrameLocks/>
-          </p:cNvGraphicFramePr>
-          <p:nvPr>
-            <p:extLst>
-              <p:ext uri="{D42A27DB-BD31-4B8C-83A1-F6EECF244321}">
-                <p14:modId xmlns:p14="http://schemas.microsoft.com/office/powerpoint/2010/main" val="3705915410"/>
+                <p14:modId xmlns:p14="http://schemas.microsoft.com/office/powerpoint/2010/main" val="348804907"/>
               </p:ext>
             </p:extLst>
           </p:nvPr>
@@ -17853,7 +10091,7 @@
 </p:sld>
 </file>
 
-<file path=ppt/slides/slide9.xml><?xml version="1.0" encoding="utf-8"?>
+<file path=ppt/slides/slide7.xml><?xml version="1.0" encoding="utf-8"?>
 <p:sld xmlns:a="http://schemas.openxmlformats.org/drawingml/2006/main" xmlns:r="http://schemas.openxmlformats.org/officeDocument/2006/relationships" xmlns:p="http://schemas.openxmlformats.org/presentationml/2006/main">
   <p:cSld>
     <p:spTree>
